--- a/09-06-2020-Präsentation_Team 5.pptx
+++ b/09-06-2020-Präsentation_Team 5.pptx
@@ -5,22 +5,23 @@
     <p:sldMasterId id="2147483660" r:id="rId1"/>
   </p:sldMasterIdLst>
   <p:notesMasterIdLst>
-    <p:notesMasterId r:id="rId15"/>
+    <p:notesMasterId r:id="rId16"/>
   </p:notesMasterIdLst>
   <p:sldIdLst>
     <p:sldId id="256" r:id="rId2"/>
     <p:sldId id="623" r:id="rId3"/>
-    <p:sldId id="644" r:id="rId4"/>
-    <p:sldId id="653" r:id="rId5"/>
-    <p:sldId id="645" r:id="rId6"/>
-    <p:sldId id="652" r:id="rId7"/>
+    <p:sldId id="645" r:id="rId4"/>
+    <p:sldId id="652" r:id="rId5"/>
+    <p:sldId id="644" r:id="rId6"/>
+    <p:sldId id="653" r:id="rId7"/>
     <p:sldId id="646" r:id="rId8"/>
-    <p:sldId id="647" r:id="rId9"/>
-    <p:sldId id="648" r:id="rId10"/>
-    <p:sldId id="649" r:id="rId11"/>
-    <p:sldId id="650" r:id="rId12"/>
-    <p:sldId id="651" r:id="rId13"/>
-    <p:sldId id="642" r:id="rId14"/>
+    <p:sldId id="654" r:id="rId9"/>
+    <p:sldId id="647" r:id="rId10"/>
+    <p:sldId id="648" r:id="rId11"/>
+    <p:sldId id="649" r:id="rId12"/>
+    <p:sldId id="650" r:id="rId13"/>
+    <p:sldId id="651" r:id="rId14"/>
+    <p:sldId id="642" r:id="rId15"/>
   </p:sldIdLst>
   <p:sldSz cx="9144000" cy="6858000" type="screen4x3"/>
   <p:notesSz cx="6797675" cy="9928225"/>
@@ -1232,7 +1233,7 @@
     </p:spTree>
     <p:extLst>
       <p:ext uri="{BB962C8B-B14F-4D97-AF65-F5344CB8AC3E}">
-        <p14:creationId xmlns:p14="http://schemas.microsoft.com/office/powerpoint/2010/main" val="3695575680"/>
+        <p14:creationId xmlns:p14="http://schemas.microsoft.com/office/powerpoint/2010/main" val="2557155412"/>
       </p:ext>
     </p:extLst>
   </p:cSld>
@@ -1317,7 +1318,7 @@
     </p:spTree>
     <p:extLst>
       <p:ext uri="{BB962C8B-B14F-4D97-AF65-F5344CB8AC3E}">
-        <p14:creationId xmlns:p14="http://schemas.microsoft.com/office/powerpoint/2010/main" val="3367542777"/>
+        <p14:creationId xmlns:p14="http://schemas.microsoft.com/office/powerpoint/2010/main" val="3695575680"/>
       </p:ext>
     </p:extLst>
   </p:cSld>
@@ -1402,7 +1403,7 @@
     </p:spTree>
     <p:extLst>
       <p:ext uri="{BB962C8B-B14F-4D97-AF65-F5344CB8AC3E}">
-        <p14:creationId xmlns:p14="http://schemas.microsoft.com/office/powerpoint/2010/main" val="877762209"/>
+        <p14:creationId xmlns:p14="http://schemas.microsoft.com/office/powerpoint/2010/main" val="3367542777"/>
       </p:ext>
     </p:extLst>
   </p:cSld>
@@ -1475,9 +1476,94 @@
           <a:bodyPr/>
           <a:lstStyle/>
           <a:p>
+            <a:fld id="{312FAAF6-6C93-4406-8FFD-B4AB5AA7608F}" type="slidenum">
+              <a:rPr lang="de-DE" smtClean="0"/>
+              <a:pPr/>
+              <a:t>13</a:t>
+            </a:fld>
+            <a:endParaRPr lang="de-DE"/>
+          </a:p>
+        </p:txBody>
+      </p:sp>
+    </p:spTree>
+    <p:extLst>
+      <p:ext uri="{BB962C8B-B14F-4D97-AF65-F5344CB8AC3E}">
+        <p14:creationId xmlns:p14="http://schemas.microsoft.com/office/powerpoint/2010/main" val="877762209"/>
+      </p:ext>
+    </p:extLst>
+  </p:cSld>
+  <p:clrMapOvr>
+    <a:masterClrMapping/>
+  </p:clrMapOvr>
+</p:notes>
+</file>
+
+<file path=ppt/notesSlides/notesSlide14.xml><?xml version="1.0" encoding="utf-8"?>
+<p:notes xmlns:a="http://schemas.openxmlformats.org/drawingml/2006/main" xmlns:r="http://schemas.openxmlformats.org/officeDocument/2006/relationships" xmlns:p="http://schemas.openxmlformats.org/presentationml/2006/main">
+  <p:cSld>
+    <p:spTree>
+      <p:nvGrpSpPr>
+        <p:cNvPr id="1" name=""/>
+        <p:cNvGrpSpPr/>
+        <p:nvPr/>
+      </p:nvGrpSpPr>
+      <p:grpSpPr>
+        <a:xfrm>
+          <a:off x="0" y="0"/>
+          <a:ext cx="0" cy="0"/>
+          <a:chOff x="0" y="0"/>
+          <a:chExt cx="0" cy="0"/>
+        </a:xfrm>
+      </p:grpSpPr>
+      <p:sp>
+        <p:nvSpPr>
+          <p:cNvPr id="2" name="Folienbildplatzhalter 1"/>
+          <p:cNvSpPr>
+            <a:spLocks noGrp="1" noRot="1" noChangeAspect="1"/>
+          </p:cNvSpPr>
+          <p:nvPr>
+            <p:ph type="sldImg"/>
+          </p:nvPr>
+        </p:nvSpPr>
+        <p:spPr/>
+      </p:sp>
+      <p:sp>
+        <p:nvSpPr>
+          <p:cNvPr id="3" name="Notizenplatzhalter 2"/>
+          <p:cNvSpPr>
+            <a:spLocks noGrp="1"/>
+          </p:cNvSpPr>
+          <p:nvPr>
+            <p:ph type="body" idx="1"/>
+          </p:nvPr>
+        </p:nvSpPr>
+        <p:spPr/>
+        <p:txBody>
+          <a:bodyPr/>
+          <a:lstStyle/>
+          <a:p>
+            <a:endParaRPr lang="de-DE" dirty="0"/>
+          </a:p>
+        </p:txBody>
+      </p:sp>
+      <p:sp>
+        <p:nvSpPr>
+          <p:cNvPr id="4" name="Foliennummernplatzhalter 3"/>
+          <p:cNvSpPr>
+            <a:spLocks noGrp="1"/>
+          </p:cNvSpPr>
+          <p:nvPr>
+            <p:ph type="sldNum" sz="quarter" idx="5"/>
+          </p:nvPr>
+        </p:nvSpPr>
+        <p:spPr/>
+        <p:txBody>
+          <a:bodyPr/>
+          <a:lstStyle/>
+          <a:p>
             <a:fld id="{FBD137C9-0E35-BF46-9B4A-26807D85E2DF}" type="slidenum">
               <a:rPr lang="de-DE" smtClean="0"/>
-              <a:t>13</a:t>
+              <a:t>14</a:t>
             </a:fld>
             <a:endParaRPr lang="de-DE"/>
           </a:p>
@@ -1656,7 +1742,7 @@
     </p:spTree>
     <p:extLst>
       <p:ext uri="{BB962C8B-B14F-4D97-AF65-F5344CB8AC3E}">
-        <p14:creationId xmlns:p14="http://schemas.microsoft.com/office/powerpoint/2010/main" val="2571316818"/>
+        <p14:creationId xmlns:p14="http://schemas.microsoft.com/office/powerpoint/2010/main" val="2956734622"/>
       </p:ext>
     </p:extLst>
   </p:cSld>
@@ -1741,7 +1827,7 @@
     </p:spTree>
     <p:extLst>
       <p:ext uri="{BB962C8B-B14F-4D97-AF65-F5344CB8AC3E}">
-        <p14:creationId xmlns:p14="http://schemas.microsoft.com/office/powerpoint/2010/main" val="3153287187"/>
+        <p14:creationId xmlns:p14="http://schemas.microsoft.com/office/powerpoint/2010/main" val="765998520"/>
       </p:ext>
     </p:extLst>
   </p:cSld>
@@ -1795,7 +1881,10 @@
           <a:bodyPr/>
           <a:lstStyle/>
           <a:p>
-            <a:endParaRPr lang="de-DE" dirty="0"/>
+            <a:r>
+              <a:rPr lang="de-DE" dirty="0"/>
+              <a:t>Basierend auf den Diagrammen</a:t>
+            </a:r>
           </a:p>
         </p:txBody>
       </p:sp>
@@ -1826,7 +1915,7 @@
     </p:spTree>
     <p:extLst>
       <p:ext uri="{BB962C8B-B14F-4D97-AF65-F5344CB8AC3E}">
-        <p14:creationId xmlns:p14="http://schemas.microsoft.com/office/powerpoint/2010/main" val="2956734622"/>
+        <p14:creationId xmlns:p14="http://schemas.microsoft.com/office/powerpoint/2010/main" val="2571316818"/>
       </p:ext>
     </p:extLst>
   </p:cSld>
@@ -1880,7 +1969,301 @@
           <a:bodyPr/>
           <a:lstStyle/>
           <a:p>
+            <a:r>
+              <a:rPr lang="de-DE" dirty="0" err="1"/>
+              <a:t>library</a:t>
+            </a:r>
+            <a:r>
+              <a:rPr lang="de-DE" dirty="0"/>
+              <a:t>(</a:t>
+            </a:r>
+            <a:r>
+              <a:rPr lang="de-DE" dirty="0" err="1"/>
+              <a:t>tidyr</a:t>
+            </a:r>
+            <a:r>
+              <a:rPr lang="de-DE" dirty="0"/>
+              <a:t>)</a:t>
+            </a:r>
+          </a:p>
+          <a:p>
+            <a:r>
+              <a:rPr lang="de-DE" dirty="0" err="1"/>
+              <a:t>wetter</a:t>
+            </a:r>
+            <a:r>
+              <a:rPr lang="de-DE" dirty="0"/>
+              <a:t> &lt;- </a:t>
+            </a:r>
+            <a:r>
+              <a:rPr lang="de-DE" dirty="0" err="1"/>
+              <a:t>read_csv</a:t>
+            </a:r>
+            <a:r>
+              <a:rPr lang="de-DE" dirty="0"/>
+              <a:t>("</a:t>
+            </a:r>
+            <a:r>
+              <a:rPr lang="de-DE" dirty="0" err="1"/>
+              <a:t>wetter.csv</a:t>
+            </a:r>
+            <a:r>
+              <a:rPr lang="de-DE" dirty="0"/>
+              <a:t>")</a:t>
+            </a:r>
+          </a:p>
+          <a:p>
+            <a:r>
+              <a:rPr lang="de-DE" dirty="0" err="1"/>
+              <a:t>wetter</a:t>
+            </a:r>
+            <a:r>
+              <a:rPr lang="de-DE" dirty="0"/>
+              <a:t> &lt;- </a:t>
+            </a:r>
+            <a:r>
+              <a:rPr lang="de-DE" dirty="0" err="1"/>
+              <a:t>mutate</a:t>
+            </a:r>
+            <a:r>
+              <a:rPr lang="de-DE" dirty="0"/>
+              <a:t>(</a:t>
+            </a:r>
+            <a:r>
+              <a:rPr lang="de-DE" dirty="0" err="1"/>
+              <a:t>wetter</a:t>
+            </a:r>
+            <a:r>
+              <a:rPr lang="de-DE" dirty="0"/>
+              <a:t>, </a:t>
+            </a:r>
+            <a:r>
+              <a:rPr lang="de-DE" dirty="0" err="1"/>
+              <a:t>monat</a:t>
+            </a:r>
+            <a:r>
+              <a:rPr lang="de-DE" dirty="0"/>
+              <a:t> = </a:t>
+            </a:r>
+            <a:r>
+              <a:rPr lang="de-DE" dirty="0" err="1"/>
+              <a:t>as.factor</a:t>
+            </a:r>
+            <a:r>
+              <a:rPr lang="de-DE" dirty="0"/>
+              <a:t>(</a:t>
+            </a:r>
+            <a:r>
+              <a:rPr lang="de-DE" dirty="0" err="1"/>
+              <a:t>format</a:t>
+            </a:r>
+            <a:r>
+              <a:rPr lang="de-DE" dirty="0"/>
+              <a:t>(Datum, "%m")))</a:t>
+            </a:r>
+          </a:p>
+          <a:p>
             <a:endParaRPr lang="de-DE" dirty="0"/>
+          </a:p>
+          <a:p>
+            <a:r>
+              <a:rPr lang="de-DE" dirty="0" err="1"/>
+              <a:t>wetter</a:t>
+            </a:r>
+            <a:r>
+              <a:rPr lang="de-DE" dirty="0"/>
+              <a:t> %&gt;%</a:t>
+            </a:r>
+          </a:p>
+          <a:p>
+            <a:r>
+              <a:rPr lang="de-DE" dirty="0" err="1"/>
+              <a:t>group_by</a:t>
+            </a:r>
+            <a:r>
+              <a:rPr lang="de-DE" dirty="0"/>
+              <a:t>(</a:t>
+            </a:r>
+            <a:r>
+              <a:rPr lang="de-DE" dirty="0" err="1"/>
+              <a:t>monat</a:t>
+            </a:r>
+            <a:r>
+              <a:rPr lang="de-DE" dirty="0"/>
+              <a:t>) %&gt;% </a:t>
+            </a:r>
+            <a:r>
+              <a:rPr lang="de-DE" dirty="0" err="1"/>
+              <a:t>summarize</a:t>
+            </a:r>
+            <a:r>
+              <a:rPr lang="de-DE" dirty="0"/>
+              <a:t>(</a:t>
+            </a:r>
+            <a:r>
+              <a:rPr lang="de-DE" dirty="0" err="1"/>
+              <a:t>mean</a:t>
+            </a:r>
+            <a:r>
+              <a:rPr lang="de-DE" dirty="0"/>
+              <a:t>=</a:t>
+            </a:r>
+            <a:r>
+              <a:rPr lang="de-DE" dirty="0" err="1"/>
+              <a:t>mean</a:t>
+            </a:r>
+            <a:r>
+              <a:rPr lang="de-DE" dirty="0"/>
+              <a:t>(Temperatur)) %&gt;%  </a:t>
+            </a:r>
+            <a:r>
+              <a:rPr lang="de-DE" dirty="0" err="1"/>
+              <a:t>write_csv</a:t>
+            </a:r>
+            <a:r>
+              <a:rPr lang="de-DE" dirty="0"/>
+              <a:t>("</a:t>
+            </a:r>
+            <a:r>
+              <a:rPr lang="de-DE" dirty="0" err="1"/>
+              <a:t>mean_temperature.csv</a:t>
+            </a:r>
+            <a:r>
+              <a:rPr lang="de-DE" dirty="0"/>
+              <a:t>")</a:t>
+            </a:r>
+          </a:p>
+          <a:p>
+            <a:endParaRPr lang="de-DE" dirty="0"/>
+          </a:p>
+          <a:p>
+            <a:r>
+              <a:rPr lang="de-DE" dirty="0" err="1"/>
+              <a:t>mean_temperature</a:t>
+            </a:r>
+            <a:r>
+              <a:rPr lang="de-DE" dirty="0"/>
+              <a:t> &lt;- </a:t>
+            </a:r>
+            <a:r>
+              <a:rPr lang="de-DE" dirty="0" err="1"/>
+              <a:t>read_csv</a:t>
+            </a:r>
+            <a:r>
+              <a:rPr lang="de-DE" dirty="0"/>
+              <a:t>("</a:t>
+            </a:r>
+            <a:r>
+              <a:rPr lang="de-DE" dirty="0" err="1"/>
+              <a:t>mean_temperature.csv</a:t>
+            </a:r>
+            <a:r>
+              <a:rPr lang="de-DE" dirty="0"/>
+              <a:t>")</a:t>
+            </a:r>
+          </a:p>
+          <a:p>
+            <a:r>
+              <a:rPr lang="de-DE" dirty="0" err="1"/>
+              <a:t>mean_temperature$monat</a:t>
+            </a:r>
+            <a:r>
+              <a:rPr lang="de-DE" dirty="0"/>
+              <a:t> &lt;- </a:t>
+            </a:r>
+            <a:r>
+              <a:rPr lang="de-DE" dirty="0" err="1"/>
+              <a:t>as.factor</a:t>
+            </a:r>
+            <a:r>
+              <a:rPr lang="de-DE" dirty="0"/>
+              <a:t>(</a:t>
+            </a:r>
+            <a:r>
+              <a:rPr lang="de-DE" dirty="0" err="1"/>
+              <a:t>mean_temperature$monat</a:t>
+            </a:r>
+            <a:r>
+              <a:rPr lang="de-DE" dirty="0"/>
+              <a:t>)</a:t>
+            </a:r>
+          </a:p>
+          <a:p>
+            <a:r>
+              <a:rPr lang="de-DE" dirty="0" err="1"/>
+              <a:t>wetter</a:t>
+            </a:r>
+            <a:r>
+              <a:rPr lang="de-DE" dirty="0"/>
+              <a:t> &lt;- </a:t>
+            </a:r>
+            <a:r>
+              <a:rPr lang="de-DE" dirty="0" err="1"/>
+              <a:t>left_join</a:t>
+            </a:r>
+            <a:r>
+              <a:rPr lang="de-DE" dirty="0"/>
+              <a:t>(</a:t>
+            </a:r>
+            <a:r>
+              <a:rPr lang="de-DE" dirty="0" err="1"/>
+              <a:t>wetter</a:t>
+            </a:r>
+            <a:r>
+              <a:rPr lang="de-DE" dirty="0"/>
+              <a:t>, </a:t>
+            </a:r>
+            <a:r>
+              <a:rPr lang="de-DE" dirty="0" err="1"/>
+              <a:t>mean_temperature</a:t>
+            </a:r>
+            <a:r>
+              <a:rPr lang="de-DE" dirty="0"/>
+              <a:t>)</a:t>
+            </a:r>
+          </a:p>
+          <a:p>
+            <a:endParaRPr lang="de-DE" dirty="0"/>
+          </a:p>
+          <a:p>
+            <a:r>
+              <a:rPr lang="de-DE" dirty="0" err="1"/>
+              <a:t>wetter$Temp_abweichung</a:t>
+            </a:r>
+            <a:r>
+              <a:rPr lang="de-DE" dirty="0"/>
+              <a:t> &lt;- </a:t>
+            </a:r>
+            <a:r>
+              <a:rPr lang="de-DE" dirty="0" err="1"/>
+              <a:t>ifelse</a:t>
+            </a:r>
+            <a:r>
+              <a:rPr lang="de-DE" dirty="0"/>
+              <a:t>(</a:t>
+            </a:r>
+            <a:r>
+              <a:rPr lang="de-DE" dirty="0" err="1"/>
+              <a:t>wetter$mean</a:t>
+            </a:r>
+            <a:r>
+              <a:rPr lang="de-DE" dirty="0"/>
+              <a:t> - </a:t>
+            </a:r>
+            <a:r>
+              <a:rPr lang="de-DE" dirty="0" err="1"/>
+              <a:t>wetter$Temperatur</a:t>
+            </a:r>
+            <a:r>
+              <a:rPr lang="de-DE" dirty="0"/>
+              <a:t> &lt; 5, 1, 0)</a:t>
+            </a:r>
+          </a:p>
+          <a:p>
+            <a:r>
+              <a:rPr lang="de-DE" dirty="0"/>
+              <a:t>```</a:t>
+            </a:r>
           </a:p>
         </p:txBody>
       </p:sp>
@@ -1911,7 +2294,7 @@
     </p:spTree>
     <p:extLst>
       <p:ext uri="{BB962C8B-B14F-4D97-AF65-F5344CB8AC3E}">
-        <p14:creationId xmlns:p14="http://schemas.microsoft.com/office/powerpoint/2010/main" val="765998520"/>
+        <p14:creationId xmlns:p14="http://schemas.microsoft.com/office/powerpoint/2010/main" val="3153287187"/>
       </p:ext>
     </p:extLst>
   </p:cSld>
@@ -1965,7 +2348,10 @@
           <a:bodyPr/>
           <a:lstStyle/>
           <a:p>
-            <a:endParaRPr lang="de-DE" dirty="0"/>
+            <a:r>
+              <a:rPr lang="de-DE" dirty="0"/>
+              <a:t>SVM: Warengruppe zusammen vs. getrennt</a:t>
+            </a:r>
           </a:p>
         </p:txBody>
       </p:sp>
@@ -2050,7 +2436,10 @@
           <a:bodyPr/>
           <a:lstStyle/>
           <a:p>
-            <a:endParaRPr lang="de-DE" dirty="0"/>
+            <a:r>
+              <a:rPr lang="de-DE" dirty="0"/>
+              <a:t>SVM: Warengruppe zusammen vs. getrennt</a:t>
+            </a:r>
           </a:p>
         </p:txBody>
       </p:sp>
@@ -2081,7 +2470,7 @@
     </p:spTree>
     <p:extLst>
       <p:ext uri="{BB962C8B-B14F-4D97-AF65-F5344CB8AC3E}">
-        <p14:creationId xmlns:p14="http://schemas.microsoft.com/office/powerpoint/2010/main" val="728889382"/>
+        <p14:creationId xmlns:p14="http://schemas.microsoft.com/office/powerpoint/2010/main" val="2923407179"/>
       </p:ext>
     </p:extLst>
   </p:cSld>
@@ -2166,7 +2555,7 @@
     </p:spTree>
     <p:extLst>
       <p:ext uri="{BB962C8B-B14F-4D97-AF65-F5344CB8AC3E}">
-        <p14:creationId xmlns:p14="http://schemas.microsoft.com/office/powerpoint/2010/main" val="2557155412"/>
+        <p14:creationId xmlns:p14="http://schemas.microsoft.com/office/powerpoint/2010/main" val="728889382"/>
       </p:ext>
     </p:extLst>
   </p:cSld>
@@ -5356,12 +5745,23 @@
           <a:bodyPr anchor="ctr"/>
           <a:lstStyle/>
           <a:p>
-            <a:pPr algn="l">
-              <a:defRPr/>
-            </a:pPr>
-            <a:r>
-              <a:rPr lang="en-GB" dirty="0"/>
-              <a:t>xx</a:t>
+            <a:r>
+              <a:rPr lang="en-GB" sz="2800" dirty="0"/>
+              <a:t>Link </a:t>
+            </a:r>
+            <a:r>
+              <a:rPr lang="en-GB" sz="2800" dirty="0" err="1"/>
+              <a:t>zum</a:t>
+            </a:r>
+            <a:r>
+              <a:rPr lang="en-GB" sz="2800" dirty="0"/>
+              <a:t> </a:t>
+            </a:r>
+            <a:r>
+              <a:rPr lang="en-GB" dirty="0">
+                <a:latin typeface="Helvetica" pitchFamily="2" charset="0"/>
+              </a:rPr>
+              <a:t>Repository</a:t>
             </a:r>
             <a:endParaRPr lang="de-DE" dirty="0">
               <a:solidFill>
@@ -5399,6 +5799,269 @@
               <a:rPr lang="de-DE" smtClean="0"/>
               <a:pPr/>
               <a:t>10</a:t>
+            </a:fld>
+            <a:endParaRPr lang="de-DE" dirty="0"/>
+          </a:p>
+        </p:txBody>
+      </p:sp>
+      <p:sp>
+        <p:nvSpPr>
+          <p:cNvPr id="2" name="Fußzeilenplatzhalter 1">
+            <a:extLst>
+              <a:ext uri="{FF2B5EF4-FFF2-40B4-BE49-F238E27FC236}">
+                <a16:creationId xmlns:a16="http://schemas.microsoft.com/office/drawing/2014/main" id="{1DC7A913-4F53-6346-8764-129A4373CFF4}"/>
+              </a:ext>
+            </a:extLst>
+          </p:cNvPr>
+          <p:cNvSpPr>
+            <a:spLocks noGrp="1"/>
+          </p:cNvSpPr>
+          <p:nvPr>
+            <p:ph type="ftr" sz="quarter" idx="11"/>
+          </p:nvPr>
+        </p:nvSpPr>
+        <p:spPr>
+          <a:xfrm>
+            <a:off x="2483768" y="6251510"/>
+            <a:ext cx="4081964" cy="365125"/>
+          </a:xfrm>
+        </p:spPr>
+        <p:txBody>
+          <a:bodyPr/>
+          <a:lstStyle/>
+          <a:p>
+            <a:endParaRPr lang="de-DE" sz="1400" dirty="0"/>
+          </a:p>
+        </p:txBody>
+      </p:sp>
+      <p:sp>
+        <p:nvSpPr>
+          <p:cNvPr id="8" name="Rechteck 4">
+            <a:extLst>
+              <a:ext uri="{FF2B5EF4-FFF2-40B4-BE49-F238E27FC236}">
+                <a16:creationId xmlns:a16="http://schemas.microsoft.com/office/drawing/2014/main" id="{1D0BF8D9-AC0F-F142-9C26-205384427EA2}"/>
+              </a:ext>
+            </a:extLst>
+          </p:cNvPr>
+          <p:cNvSpPr/>
+          <p:nvPr/>
+        </p:nvSpPr>
+        <p:spPr>
+          <a:xfrm>
+            <a:off x="107505" y="6093296"/>
+            <a:ext cx="2232247" cy="646331"/>
+          </a:xfrm>
+          <a:prstGeom prst="rect">
+            <a:avLst/>
+          </a:prstGeom>
+          <a:ln>
+            <a:solidFill>
+              <a:schemeClr val="bg1"/>
+            </a:solidFill>
+          </a:ln>
+        </p:spPr>
+        <p:style>
+          <a:lnRef idx="2">
+            <a:schemeClr val="dk1"/>
+          </a:lnRef>
+          <a:fillRef idx="1">
+            <a:schemeClr val="lt1"/>
+          </a:fillRef>
+          <a:effectRef idx="0">
+            <a:schemeClr val="dk1"/>
+          </a:effectRef>
+          <a:fontRef idx="minor">
+            <a:schemeClr val="dk1"/>
+          </a:fontRef>
+        </p:style>
+        <p:txBody>
+          <a:bodyPr rtlCol="0" anchor="ctr"/>
+          <a:lstStyle/>
+          <a:p>
+            <a:pPr algn="ctr"/>
+            <a:endParaRPr lang="de-DE"/>
+          </a:p>
+        </p:txBody>
+      </p:sp>
+      <p:sp>
+        <p:nvSpPr>
+          <p:cNvPr id="4" name="Rectangle 3">
+            <a:extLst>
+              <a:ext uri="{FF2B5EF4-FFF2-40B4-BE49-F238E27FC236}">
+                <a16:creationId xmlns:a16="http://schemas.microsoft.com/office/drawing/2014/main" id="{84893198-39A3-8746-AB99-C55A25DC00B6}"/>
+              </a:ext>
+            </a:extLst>
+          </p:cNvPr>
+          <p:cNvSpPr/>
+          <p:nvPr/>
+        </p:nvSpPr>
+        <p:spPr>
+          <a:xfrm>
+            <a:off x="611560" y="1268760"/>
+            <a:ext cx="4572000" cy="1200329"/>
+          </a:xfrm>
+          <a:prstGeom prst="rect">
+            <a:avLst/>
+          </a:prstGeom>
+        </p:spPr>
+        <p:txBody>
+          <a:bodyPr>
+            <a:spAutoFit/>
+          </a:bodyPr>
+          <a:lstStyle/>
+          <a:p>
+            <a:r>
+              <a:rPr lang="en-GB" dirty="0" err="1">
+                <a:latin typeface="Helvetica" pitchFamily="2" charset="0"/>
+              </a:rPr>
+              <a:t>mit</a:t>
+            </a:r>
+            <a:r>
+              <a:rPr lang="en-GB" dirty="0">
+                <a:latin typeface="Helvetica" pitchFamily="2" charset="0"/>
+              </a:rPr>
+              <a:t>:</a:t>
+            </a:r>
+            <a:br>
+              <a:rPr lang="en-GB" dirty="0">
+                <a:latin typeface="Helvetica" pitchFamily="2" charset="0"/>
+              </a:rPr>
+            </a:br>
+            <a:r>
+              <a:rPr lang="en-GB" dirty="0">
+                <a:latin typeface="Helvetica" pitchFamily="2" charset="0"/>
+              </a:rPr>
+              <a:t>• </a:t>
+            </a:r>
+            <a:r>
+              <a:rPr lang="en-GB" dirty="0" err="1">
+                <a:latin typeface="Helvetica" pitchFamily="2" charset="0"/>
+              </a:rPr>
+              <a:t>Datensatz</a:t>
+            </a:r>
+            <a:br>
+              <a:rPr lang="en-GB" dirty="0">
+                <a:latin typeface="Helvetica" pitchFamily="2" charset="0"/>
+              </a:rPr>
+            </a:br>
+            <a:r>
+              <a:rPr lang="en-GB" dirty="0">
+                <a:latin typeface="Helvetica" pitchFamily="2" charset="0"/>
+              </a:rPr>
+              <a:t>• </a:t>
+            </a:r>
+            <a:r>
+              <a:rPr lang="en-GB" dirty="0" err="1">
+                <a:latin typeface="Helvetica" pitchFamily="2" charset="0"/>
+              </a:rPr>
+              <a:t>Programmcode</a:t>
+            </a:r>
+            <a:br>
+              <a:rPr lang="en-GB" dirty="0">
+                <a:latin typeface="Helvetica" pitchFamily="2" charset="0"/>
+              </a:rPr>
+            </a:br>
+            <a:r>
+              <a:rPr lang="en-GB" dirty="0">
+                <a:latin typeface="Helvetica" pitchFamily="2" charset="0"/>
+              </a:rPr>
+              <a:t>• </a:t>
+            </a:r>
+            <a:r>
+              <a:rPr lang="en-GB" dirty="0" err="1">
+                <a:latin typeface="Helvetica" pitchFamily="2" charset="0"/>
+              </a:rPr>
+              <a:t>Präsentation</a:t>
+            </a:r>
+            <a:endParaRPr lang="en-AU" dirty="0"/>
+          </a:p>
+        </p:txBody>
+      </p:sp>
+    </p:spTree>
+    <p:extLst>
+      <p:ext uri="{BB962C8B-B14F-4D97-AF65-F5344CB8AC3E}">
+        <p14:creationId xmlns:p14="http://schemas.microsoft.com/office/powerpoint/2010/main" val="3688979529"/>
+      </p:ext>
+    </p:extLst>
+  </p:cSld>
+  <p:clrMapOvr>
+    <a:masterClrMapping/>
+  </p:clrMapOvr>
+</p:sld>
+</file>
+
+<file path=ppt/slides/slide11.xml><?xml version="1.0" encoding="utf-8"?>
+<p:sld xmlns:a="http://schemas.openxmlformats.org/drawingml/2006/main" xmlns:r="http://schemas.openxmlformats.org/officeDocument/2006/relationships" xmlns:p="http://schemas.openxmlformats.org/presentationml/2006/main">
+  <p:cSld>
+    <p:spTree>
+      <p:nvGrpSpPr>
+        <p:cNvPr id="1" name=""/>
+        <p:cNvGrpSpPr/>
+        <p:nvPr/>
+      </p:nvGrpSpPr>
+      <p:grpSpPr>
+        <a:xfrm>
+          <a:off x="0" y="0"/>
+          <a:ext cx="0" cy="0"/>
+          <a:chOff x="0" y="0"/>
+          <a:chExt cx="0" cy="0"/>
+        </a:xfrm>
+      </p:grpSpPr>
+      <p:sp>
+        <p:nvSpPr>
+          <p:cNvPr id="8194" name="Rectangle 2"/>
+          <p:cNvSpPr>
+            <a:spLocks noGrp="1" noChangeArrowheads="1"/>
+          </p:cNvSpPr>
+          <p:nvPr>
+            <p:ph type="title"/>
+          </p:nvPr>
+        </p:nvSpPr>
+        <p:spPr>
+          <a:xfrm>
+            <a:off x="762098" y="1568088"/>
+            <a:ext cx="7920880" cy="761999"/>
+          </a:xfrm>
+        </p:spPr>
+        <p:txBody>
+          <a:bodyPr anchor="ctr"/>
+          <a:lstStyle/>
+          <a:p>
+            <a:pPr>
+              <a:defRPr/>
+            </a:pPr>
+            <a:r>
+              <a:rPr lang="de-DE" dirty="0"/>
+              <a:t>Danke für Eure Aufmerksamkeit! </a:t>
+            </a:r>
+          </a:p>
+        </p:txBody>
+      </p:sp>
+      <p:sp>
+        <p:nvSpPr>
+          <p:cNvPr id="3" name="Foliennummernplatzhalter 2">
+            <a:extLst>
+              <a:ext uri="{FF2B5EF4-FFF2-40B4-BE49-F238E27FC236}">
+                <a16:creationId xmlns:a16="http://schemas.microsoft.com/office/drawing/2014/main" id="{356532F3-A40E-3544-BC28-367FA2E6B194}"/>
+              </a:ext>
+            </a:extLst>
+          </p:cNvPr>
+          <p:cNvSpPr>
+            <a:spLocks noGrp="1"/>
+          </p:cNvSpPr>
+          <p:nvPr>
+            <p:ph type="sldNum" sz="quarter" idx="12"/>
+          </p:nvPr>
+        </p:nvSpPr>
+        <p:spPr/>
+        <p:txBody>
+          <a:bodyPr/>
+          <a:lstStyle/>
+          <a:p>
+            <a:fld id="{DEED8D61-E8B6-E041-9D61-71A033DF76C2}" type="slidenum">
+              <a:rPr lang="de-DE" smtClean="0"/>
+              <a:pPr/>
+              <a:t>11</a:t>
             </a:fld>
             <a:endParaRPr lang="de-DE" dirty="0"/>
           </a:p>
@@ -5672,7 +6335,7 @@
 </p:sld>
 </file>
 
-<file path=ppt/slides/slide11.xml><?xml version="1.0" encoding="utf-8"?>
+<file path=ppt/slides/slide12.xml><?xml version="1.0" encoding="utf-8"?>
 <p:sld xmlns:a="http://schemas.openxmlformats.org/drawingml/2006/main" xmlns:r="http://schemas.openxmlformats.org/officeDocument/2006/relationships" xmlns:p="http://schemas.openxmlformats.org/presentationml/2006/main">
   <p:cSld>
     <p:spTree>
@@ -5751,7 +6414,7 @@
             <a:fld id="{DEED8D61-E8B6-E041-9D61-71A033DF76C2}" type="slidenum">
               <a:rPr lang="de-DE" smtClean="0"/>
               <a:pPr/>
-              <a:t>11</a:t>
+              <a:t>12</a:t>
             </a:fld>
             <a:endParaRPr lang="de-DE" dirty="0"/>
           </a:p>
@@ -6025,7 +6688,7 @@
 </p:sld>
 </file>
 
-<file path=ppt/slides/slide12.xml><?xml version="1.0" encoding="utf-8"?>
+<file path=ppt/slides/slide13.xml><?xml version="1.0" encoding="utf-8"?>
 <p:sld xmlns:a="http://schemas.openxmlformats.org/drawingml/2006/main" xmlns:r="http://schemas.openxmlformats.org/officeDocument/2006/relationships" xmlns:p="http://schemas.openxmlformats.org/presentationml/2006/main">
   <p:cSld>
     <p:spTree>
@@ -6104,7 +6767,7 @@
             <a:fld id="{DEED8D61-E8B6-E041-9D61-71A033DF76C2}" type="slidenum">
               <a:rPr lang="de-DE" smtClean="0"/>
               <a:pPr/>
-              <a:t>12</a:t>
+              <a:t>13</a:t>
             </a:fld>
             <a:endParaRPr lang="de-DE" dirty="0"/>
           </a:p>
@@ -6378,7 +7041,7 @@
 </p:sld>
 </file>
 
-<file path=ppt/slides/slide13.xml><?xml version="1.0" encoding="utf-8"?>
+<file path=ppt/slides/slide14.xml><?xml version="1.0" encoding="utf-8"?>
 <p:sld xmlns:a="http://schemas.openxmlformats.org/drawingml/2006/main" xmlns:r="http://schemas.openxmlformats.org/officeDocument/2006/relationships" xmlns:p="http://schemas.openxmlformats.org/presentationml/2006/main">
   <p:cSld>
     <p:spTree>
@@ -6497,7 +7160,7 @@
           <a:p>
             <a:fld id="{E4C261EB-623A-9444-B2C4-76BE8D04A686}" type="slidenum">
               <a:rPr lang="de-DE" smtClean="0"/>
-              <a:t>13</a:t>
+              <a:t>14</a:t>
             </a:fld>
             <a:endParaRPr lang="de-DE"/>
           </a:p>
@@ -6920,7 +7583,7 @@
         <p:spPr>
           <a:xfrm>
             <a:off x="683568" y="1028343"/>
-            <a:ext cx="6246440" cy="4801314"/>
+            <a:ext cx="6246440" cy="5355312"/>
           </a:xfrm>
           <a:prstGeom prst="rect">
             <a:avLst/>
@@ -7275,78 +7938,6 @@
             </a:r>
           </a:p>
           <a:p>
-            <a:r>
-              <a:rPr lang="en-GB" dirty="0">
-                <a:latin typeface="Helvetica" pitchFamily="2" charset="0"/>
-              </a:rPr>
-              <a:t>• </a:t>
-            </a:r>
-            <a:r>
-              <a:rPr lang="en-GB" dirty="0" err="1">
-                <a:latin typeface="Helvetica" pitchFamily="2" charset="0"/>
-              </a:rPr>
-              <a:t>Ergebnisse</a:t>
-            </a:r>
-            <a:r>
-              <a:rPr lang="en-GB" dirty="0">
-                <a:latin typeface="Helvetica" pitchFamily="2" charset="0"/>
-              </a:rPr>
-              <a:t> der </a:t>
-            </a:r>
-            <a:r>
-              <a:rPr lang="en-GB" dirty="0" err="1">
-                <a:latin typeface="Helvetica" pitchFamily="2" charset="0"/>
-              </a:rPr>
-              <a:t>Schätzung</a:t>
-            </a:r>
-            <a:r>
-              <a:rPr lang="en-GB" dirty="0">
-                <a:latin typeface="Helvetica" pitchFamily="2" charset="0"/>
-              </a:rPr>
-              <a:t> </a:t>
-            </a:r>
-            <a:r>
-              <a:rPr lang="en-GB" dirty="0" err="1">
-                <a:latin typeface="Helvetica" pitchFamily="2" charset="0"/>
-              </a:rPr>
-              <a:t>eines</a:t>
-            </a:r>
-            <a:r>
-              <a:rPr lang="en-GB" dirty="0">
-                <a:latin typeface="Helvetica" pitchFamily="2" charset="0"/>
-              </a:rPr>
-              <a:t> </a:t>
-            </a:r>
-            <a:r>
-              <a:rPr lang="en-GB" dirty="0" err="1">
-                <a:latin typeface="Helvetica" pitchFamily="2" charset="0"/>
-              </a:rPr>
-              <a:t>neuronalen</a:t>
-            </a:r>
-            <a:r>
-              <a:rPr lang="en-GB" dirty="0">
-                <a:latin typeface="Helvetica" pitchFamily="2" charset="0"/>
-              </a:rPr>
-              <a:t> </a:t>
-            </a:r>
-            <a:r>
-              <a:rPr lang="en-GB" dirty="0" err="1">
-                <a:latin typeface="Helvetica" pitchFamily="2" charset="0"/>
-              </a:rPr>
-              <a:t>Netzes</a:t>
-            </a:r>
-            <a:r>
-              <a:rPr lang="en-GB" dirty="0">
-                <a:latin typeface="Helvetica" pitchFamily="2" charset="0"/>
-              </a:rPr>
-              <a:t> (MAPE je </a:t>
-            </a:r>
-            <a:r>
-              <a:rPr lang="en-GB" dirty="0" err="1">
-                <a:latin typeface="Helvetica" pitchFamily="2" charset="0"/>
-              </a:rPr>
-              <a:t>Warengruppe</a:t>
-            </a:r>
             <a:endParaRPr lang="en-GB" dirty="0">
               <a:latin typeface="Helvetica" pitchFamily="2" charset="0"/>
             </a:endParaRPr>
@@ -7356,6 +7947,83 @@
               <a:rPr lang="en-GB" dirty="0">
                 <a:latin typeface="Helvetica" pitchFamily="2" charset="0"/>
               </a:rPr>
+              <a:t>• </a:t>
+            </a:r>
+            <a:r>
+              <a:rPr lang="en-GB" dirty="0" err="1">
+                <a:latin typeface="Helvetica" pitchFamily="2" charset="0"/>
+              </a:rPr>
+              <a:t>Ergebnisse</a:t>
+            </a:r>
+            <a:r>
+              <a:rPr lang="en-GB" dirty="0">
+                <a:latin typeface="Helvetica" pitchFamily="2" charset="0"/>
+              </a:rPr>
+              <a:t> der </a:t>
+            </a:r>
+            <a:r>
+              <a:rPr lang="en-GB" dirty="0" err="1">
+                <a:latin typeface="Helvetica" pitchFamily="2" charset="0"/>
+              </a:rPr>
+              <a:t>Schätzung</a:t>
+            </a:r>
+            <a:r>
+              <a:rPr lang="en-GB" dirty="0">
+                <a:latin typeface="Helvetica" pitchFamily="2" charset="0"/>
+              </a:rPr>
+              <a:t> </a:t>
+            </a:r>
+            <a:r>
+              <a:rPr lang="en-GB" dirty="0" err="1">
+                <a:latin typeface="Helvetica" pitchFamily="2" charset="0"/>
+              </a:rPr>
+              <a:t>eines</a:t>
+            </a:r>
+            <a:r>
+              <a:rPr lang="en-GB" dirty="0">
+                <a:latin typeface="Helvetica" pitchFamily="2" charset="0"/>
+              </a:rPr>
+              <a:t> </a:t>
+            </a:r>
+            <a:r>
+              <a:rPr lang="en-GB" dirty="0" err="1">
+                <a:latin typeface="Helvetica" pitchFamily="2" charset="0"/>
+              </a:rPr>
+              <a:t>neuronalen</a:t>
+            </a:r>
+            <a:r>
+              <a:rPr lang="en-GB" dirty="0">
+                <a:latin typeface="Helvetica" pitchFamily="2" charset="0"/>
+              </a:rPr>
+              <a:t> </a:t>
+            </a:r>
+            <a:r>
+              <a:rPr lang="en-GB" dirty="0" err="1">
+                <a:latin typeface="Helvetica" pitchFamily="2" charset="0"/>
+              </a:rPr>
+              <a:t>Netzes</a:t>
+            </a:r>
+            <a:r>
+              <a:rPr lang="en-GB" dirty="0">
+                <a:latin typeface="Helvetica" pitchFamily="2" charset="0"/>
+              </a:rPr>
+              <a:t> (MAPE je </a:t>
+            </a:r>
+            <a:r>
+              <a:rPr lang="en-GB" dirty="0" err="1">
+                <a:latin typeface="Helvetica" pitchFamily="2" charset="0"/>
+              </a:rPr>
+              <a:t>Warengruppe</a:t>
+            </a:r>
+            <a:endParaRPr lang="en-GB" dirty="0">
+              <a:latin typeface="Helvetica" pitchFamily="2" charset="0"/>
+            </a:endParaRPr>
+          </a:p>
+          <a:p>
+            <a:r>
+              <a:rPr lang="en-GB" dirty="0">
+                <a:latin typeface="Helvetica" pitchFamily="2" charset="0"/>
+              </a:rPr>
               <a:t>und </a:t>
             </a:r>
             <a:r>
@@ -7382,6 +8050,11 @@
               </a:rPr>
               <a:t> den 04.06.2019)</a:t>
             </a:r>
+          </a:p>
+          <a:p>
+            <a:endParaRPr lang="en-GB" dirty="0">
+              <a:latin typeface="Helvetica" pitchFamily="2" charset="0"/>
+            </a:endParaRPr>
           </a:p>
           <a:p>
             <a:r>
@@ -7499,34 +8172,34 @@
         </p:nvSpPr>
         <p:spPr>
           <a:xfrm>
-            <a:off x="899592" y="44624"/>
-            <a:ext cx="7920880" cy="761999"/>
+            <a:off x="107505" y="44624"/>
+            <a:ext cx="9000999" cy="761999"/>
           </a:xfrm>
         </p:spPr>
         <p:txBody>
           <a:bodyPr anchor="ctr"/>
           <a:lstStyle/>
           <a:p>
-            <a:pPr algn="l">
+            <a:pPr>
               <a:defRPr/>
             </a:pPr>
             <a:r>
               <a:rPr lang="en-GB" sz="2400" dirty="0" err="1">
                 <a:latin typeface="Helvetica" pitchFamily="2" charset="0"/>
               </a:rPr>
-              <a:t>Vorstellung</a:t>
+              <a:t>Balkendiagrammen</a:t>
             </a:r>
             <a:r>
               <a:rPr lang="en-GB" sz="2400" dirty="0">
                 <a:latin typeface="Helvetica" pitchFamily="2" charset="0"/>
               </a:rPr>
-              <a:t> des </a:t>
+              <a:t> </a:t>
             </a:r>
             <a:r>
               <a:rPr lang="en-GB" sz="2400" dirty="0" err="1">
                 <a:latin typeface="Helvetica" pitchFamily="2" charset="0"/>
               </a:rPr>
-              <a:t>Datensatzes</a:t>
+              <a:t>mit</a:t>
             </a:r>
             <a:r>
               <a:rPr lang="en-GB" sz="2400" dirty="0">
@@ -7538,19 +8211,19 @@
               <a:rPr lang="en-GB" sz="2400" dirty="0" err="1">
                 <a:latin typeface="Helvetica" pitchFamily="2" charset="0"/>
               </a:rPr>
-              <a:t>mit</a:t>
+              <a:t>Konfidenzintervallen</a:t>
             </a:r>
             <a:r>
               <a:rPr lang="en-GB" sz="2400" dirty="0">
                 <a:latin typeface="Helvetica" pitchFamily="2" charset="0"/>
               </a:rPr>
-              <a:t> den </a:t>
+              <a:t> </a:t>
             </a:r>
             <a:r>
               <a:rPr lang="en-GB" sz="2400" dirty="0" err="1">
                 <a:latin typeface="Helvetica" pitchFamily="2" charset="0"/>
               </a:rPr>
-              <a:t>erstellten</a:t>
+              <a:t>für</a:t>
             </a:r>
             <a:r>
               <a:rPr lang="en-GB" sz="2400" dirty="0">
@@ -7562,7 +8235,49 @@
               <a:rPr lang="en-GB" sz="2400" dirty="0" err="1">
                 <a:latin typeface="Helvetica" pitchFamily="2" charset="0"/>
               </a:rPr>
+              <a:t>zwei</a:t>
+            </a:r>
+            <a:r>
+              <a:rPr lang="en-GB" sz="2400" dirty="0">
+                <a:latin typeface="Helvetica" pitchFamily="2" charset="0"/>
+              </a:rPr>
+              <a:t> </a:t>
+            </a:r>
+            <a:r>
+              <a:rPr lang="en-GB" sz="2400" dirty="0" err="1">
+                <a:latin typeface="Helvetica" pitchFamily="2" charset="0"/>
+              </a:rPr>
+              <a:t>selbst</a:t>
+            </a:r>
+            <a:r>
+              <a:rPr lang="en-GB" sz="2400" dirty="0">
+                <a:latin typeface="Helvetica" pitchFamily="2" charset="0"/>
+              </a:rPr>
+              <a:t> </a:t>
+            </a:r>
+            <a:r>
+              <a:rPr lang="en-GB" sz="2400" dirty="0" err="1">
+                <a:latin typeface="Helvetica" pitchFamily="2" charset="0"/>
+              </a:rPr>
+              <a:t>erstellte</a:t>
+            </a:r>
+            <a:r>
+              <a:rPr lang="en-GB" sz="2400" dirty="0">
+                <a:latin typeface="Helvetica" pitchFamily="2" charset="0"/>
+              </a:rPr>
+              <a:t> </a:t>
+            </a:r>
+            <a:r>
+              <a:rPr lang="en-GB" sz="2400" dirty="0" err="1">
+                <a:latin typeface="Helvetica" pitchFamily="2" charset="0"/>
+              </a:rPr>
               <a:t>Variablen</a:t>
+            </a:r>
+            <a:r>
+              <a:rPr lang="en-GB" sz="2400" dirty="0">
+                <a:latin typeface="Helvetica" pitchFamily="2" charset="0"/>
+              </a:rPr>
+              <a:t> (1/2)</a:t>
             </a:r>
             <a:endParaRPr lang="de-DE" sz="2400" dirty="0">
               <a:solidFill>
@@ -7600,6 +8315,602 @@
               <a:rPr lang="de-DE" smtClean="0"/>
               <a:pPr/>
               <a:t>3</a:t>
+            </a:fld>
+            <a:endParaRPr lang="de-DE" dirty="0"/>
+          </a:p>
+        </p:txBody>
+      </p:sp>
+      <p:sp>
+        <p:nvSpPr>
+          <p:cNvPr id="2" name="Fußzeilenplatzhalter 1">
+            <a:extLst>
+              <a:ext uri="{FF2B5EF4-FFF2-40B4-BE49-F238E27FC236}">
+                <a16:creationId xmlns:a16="http://schemas.microsoft.com/office/drawing/2014/main" id="{1DC7A913-4F53-6346-8764-129A4373CFF4}"/>
+              </a:ext>
+            </a:extLst>
+          </p:cNvPr>
+          <p:cNvSpPr>
+            <a:spLocks noGrp="1"/>
+          </p:cNvSpPr>
+          <p:nvPr>
+            <p:ph type="ftr" sz="quarter" idx="11"/>
+          </p:nvPr>
+        </p:nvSpPr>
+        <p:spPr>
+          <a:xfrm>
+            <a:off x="2483768" y="6251510"/>
+            <a:ext cx="4081964" cy="365125"/>
+          </a:xfrm>
+        </p:spPr>
+        <p:txBody>
+          <a:bodyPr/>
+          <a:lstStyle/>
+          <a:p>
+            <a:endParaRPr lang="de-DE" sz="1400" dirty="0"/>
+          </a:p>
+        </p:txBody>
+      </p:sp>
+      <p:sp>
+        <p:nvSpPr>
+          <p:cNvPr id="8" name="Rechteck 4">
+            <a:extLst>
+              <a:ext uri="{FF2B5EF4-FFF2-40B4-BE49-F238E27FC236}">
+                <a16:creationId xmlns:a16="http://schemas.microsoft.com/office/drawing/2014/main" id="{1D0BF8D9-AC0F-F142-9C26-205384427EA2}"/>
+              </a:ext>
+            </a:extLst>
+          </p:cNvPr>
+          <p:cNvSpPr/>
+          <p:nvPr/>
+        </p:nvSpPr>
+        <p:spPr>
+          <a:xfrm>
+            <a:off x="107505" y="6093296"/>
+            <a:ext cx="2232247" cy="646331"/>
+          </a:xfrm>
+          <a:prstGeom prst="rect">
+            <a:avLst/>
+          </a:prstGeom>
+          <a:ln>
+            <a:solidFill>
+              <a:schemeClr val="bg1"/>
+            </a:solidFill>
+          </a:ln>
+        </p:spPr>
+        <p:style>
+          <a:lnRef idx="2">
+            <a:schemeClr val="dk1"/>
+          </a:lnRef>
+          <a:fillRef idx="1">
+            <a:schemeClr val="lt1"/>
+          </a:fillRef>
+          <a:effectRef idx="0">
+            <a:schemeClr val="dk1"/>
+          </a:effectRef>
+          <a:fontRef idx="minor">
+            <a:schemeClr val="dk1"/>
+          </a:fontRef>
+        </p:style>
+        <p:txBody>
+          <a:bodyPr rtlCol="0" anchor="ctr"/>
+          <a:lstStyle/>
+          <a:p>
+            <a:pPr algn="ctr"/>
+            <a:endParaRPr lang="de-DE"/>
+          </a:p>
+        </p:txBody>
+      </p:sp>
+      <p:sp>
+        <p:nvSpPr>
+          <p:cNvPr id="4" name="Rectangle 3">
+            <a:extLst>
+              <a:ext uri="{FF2B5EF4-FFF2-40B4-BE49-F238E27FC236}">
+                <a16:creationId xmlns:a16="http://schemas.microsoft.com/office/drawing/2014/main" id="{FE843E8E-C48E-FA49-BD4D-8150A1B5427F}"/>
+              </a:ext>
+            </a:extLst>
+          </p:cNvPr>
+          <p:cNvSpPr/>
+          <p:nvPr/>
+        </p:nvSpPr>
+        <p:spPr>
+          <a:xfrm>
+            <a:off x="4474120" y="3382801"/>
+            <a:ext cx="195759" cy="92398"/>
+          </a:xfrm>
+          <a:prstGeom prst="rect">
+            <a:avLst/>
+          </a:prstGeom>
+        </p:spPr>
+        <p:txBody>
+          <a:bodyPr wrap="none">
+            <a:spAutoFit/>
+          </a:bodyPr>
+          <a:lstStyle/>
+          <a:p>
+            <a:r>
+              <a:rPr lang="en-AU" dirty="0"/>
+              <a:t>https://</a:t>
+            </a:r>
+            <a:r>
+              <a:rPr lang="en-AU" dirty="0" err="1"/>
+              <a:t>www.myheimat.de</a:t>
+            </a:r>
+            <a:r>
+              <a:rPr lang="en-AU" dirty="0"/>
+              <a:t>/</a:t>
+            </a:r>
+            <a:r>
+              <a:rPr lang="en-AU" dirty="0" err="1"/>
+              <a:t>kiel</a:t>
+            </a:r>
+            <a:r>
+              <a:rPr lang="en-AU" dirty="0"/>
+              <a:t>/</a:t>
+            </a:r>
+            <a:r>
+              <a:rPr lang="en-AU" dirty="0" err="1"/>
+              <a:t>freizeit</a:t>
+            </a:r>
+            <a:r>
+              <a:rPr lang="en-AU" dirty="0"/>
+              <a:t>/verkaufsoffene-sonntage-schleswig-holstein-2013-d2476450.html +https://</a:t>
+            </a:r>
+            <a:r>
+              <a:rPr lang="en-AU" dirty="0" err="1"/>
+              <a:t>kiel-journal.de</a:t>
+            </a:r>
+            <a:r>
+              <a:rPr lang="en-AU" dirty="0"/>
+              <a:t>/</a:t>
+            </a:r>
+            <a:r>
+              <a:rPr lang="en-AU" dirty="0" err="1"/>
+              <a:t>fruehlingserwachen</a:t>
+            </a:r>
+            <a:r>
+              <a:rPr lang="en-AU" dirty="0"/>
+              <a:t>-</a:t>
+            </a:r>
+            <a:r>
+              <a:rPr lang="en-AU" dirty="0" err="1"/>
+              <a:t>mit</a:t>
+            </a:r>
+            <a:r>
+              <a:rPr lang="en-AU" dirty="0"/>
+              <a:t>-</a:t>
+            </a:r>
+            <a:r>
+              <a:rPr lang="en-AU" dirty="0" err="1"/>
+              <a:t>sonntagsoeffnung</a:t>
+            </a:r>
+            <a:r>
+              <a:rPr lang="en-AU" dirty="0"/>
+              <a:t>-in-</a:t>
+            </a:r>
+            <a:r>
+              <a:rPr lang="en-AU" dirty="0" err="1"/>
+              <a:t>kiel</a:t>
+            </a:r>
+            <a:r>
+              <a:rPr lang="en-AU" dirty="0"/>
+              <a:t>/ +</a:t>
+            </a:r>
+          </a:p>
+        </p:txBody>
+      </p:sp>
+    </p:spTree>
+    <p:extLst>
+      <p:ext uri="{BB962C8B-B14F-4D97-AF65-F5344CB8AC3E}">
+        <p14:creationId xmlns:p14="http://schemas.microsoft.com/office/powerpoint/2010/main" val="2625220915"/>
+      </p:ext>
+    </p:extLst>
+  </p:cSld>
+  <p:clrMapOvr>
+    <a:masterClrMapping/>
+  </p:clrMapOvr>
+</p:sld>
+</file>
+
+<file path=ppt/slides/slide4.xml><?xml version="1.0" encoding="utf-8"?>
+<p:sld xmlns:a="http://schemas.openxmlformats.org/drawingml/2006/main" xmlns:r="http://schemas.openxmlformats.org/officeDocument/2006/relationships" xmlns:p="http://schemas.openxmlformats.org/presentationml/2006/main">
+  <p:cSld>
+    <p:spTree>
+      <p:nvGrpSpPr>
+        <p:cNvPr id="1" name=""/>
+        <p:cNvGrpSpPr/>
+        <p:nvPr/>
+      </p:nvGrpSpPr>
+      <p:grpSpPr>
+        <a:xfrm>
+          <a:off x="0" y="0"/>
+          <a:ext cx="0" cy="0"/>
+          <a:chOff x="0" y="0"/>
+          <a:chExt cx="0" cy="0"/>
+        </a:xfrm>
+      </p:grpSpPr>
+      <p:sp>
+        <p:nvSpPr>
+          <p:cNvPr id="8194" name="Rectangle 2"/>
+          <p:cNvSpPr>
+            <a:spLocks noGrp="1" noChangeArrowheads="1"/>
+          </p:cNvSpPr>
+          <p:nvPr>
+            <p:ph type="title"/>
+          </p:nvPr>
+        </p:nvSpPr>
+        <p:spPr>
+          <a:xfrm>
+            <a:off x="107505" y="44624"/>
+            <a:ext cx="9000999" cy="761999"/>
+          </a:xfrm>
+        </p:spPr>
+        <p:txBody>
+          <a:bodyPr anchor="ctr"/>
+          <a:lstStyle/>
+          <a:p>
+            <a:pPr>
+              <a:defRPr/>
+            </a:pPr>
+            <a:r>
+              <a:rPr lang="en-GB" sz="2400" dirty="0" err="1">
+                <a:latin typeface="Helvetica" pitchFamily="2" charset="0"/>
+              </a:rPr>
+              <a:t>Balkendiagrammen</a:t>
+            </a:r>
+            <a:r>
+              <a:rPr lang="en-GB" sz="2400" dirty="0">
+                <a:latin typeface="Helvetica" pitchFamily="2" charset="0"/>
+              </a:rPr>
+              <a:t> </a:t>
+            </a:r>
+            <a:r>
+              <a:rPr lang="en-GB" sz="2400" dirty="0" err="1">
+                <a:latin typeface="Helvetica" pitchFamily="2" charset="0"/>
+              </a:rPr>
+              <a:t>mit</a:t>
+            </a:r>
+            <a:r>
+              <a:rPr lang="en-GB" sz="2400" dirty="0">
+                <a:latin typeface="Helvetica" pitchFamily="2" charset="0"/>
+              </a:rPr>
+              <a:t> </a:t>
+            </a:r>
+            <a:r>
+              <a:rPr lang="en-GB" sz="2400" dirty="0" err="1">
+                <a:latin typeface="Helvetica" pitchFamily="2" charset="0"/>
+              </a:rPr>
+              <a:t>Konfidenzintervallen</a:t>
+            </a:r>
+            <a:r>
+              <a:rPr lang="en-GB" sz="2400" dirty="0">
+                <a:latin typeface="Helvetica" pitchFamily="2" charset="0"/>
+              </a:rPr>
+              <a:t> </a:t>
+            </a:r>
+            <a:r>
+              <a:rPr lang="en-GB" sz="2400" dirty="0" err="1">
+                <a:latin typeface="Helvetica" pitchFamily="2" charset="0"/>
+              </a:rPr>
+              <a:t>für</a:t>
+            </a:r>
+            <a:r>
+              <a:rPr lang="en-GB" sz="2400" dirty="0">
+                <a:latin typeface="Helvetica" pitchFamily="2" charset="0"/>
+              </a:rPr>
+              <a:t> </a:t>
+            </a:r>
+            <a:r>
+              <a:rPr lang="en-GB" sz="2400" dirty="0" err="1">
+                <a:latin typeface="Helvetica" pitchFamily="2" charset="0"/>
+              </a:rPr>
+              <a:t>zwei</a:t>
+            </a:r>
+            <a:r>
+              <a:rPr lang="en-GB" sz="2400" dirty="0">
+                <a:latin typeface="Helvetica" pitchFamily="2" charset="0"/>
+              </a:rPr>
+              <a:t> </a:t>
+            </a:r>
+            <a:r>
+              <a:rPr lang="en-GB" sz="2400" dirty="0" err="1">
+                <a:latin typeface="Helvetica" pitchFamily="2" charset="0"/>
+              </a:rPr>
+              <a:t>selbst</a:t>
+            </a:r>
+            <a:r>
+              <a:rPr lang="en-GB" sz="2400" dirty="0">
+                <a:latin typeface="Helvetica" pitchFamily="2" charset="0"/>
+              </a:rPr>
+              <a:t> </a:t>
+            </a:r>
+            <a:r>
+              <a:rPr lang="en-GB" sz="2400" dirty="0" err="1">
+                <a:latin typeface="Helvetica" pitchFamily="2" charset="0"/>
+              </a:rPr>
+              <a:t>erstellte</a:t>
+            </a:r>
+            <a:r>
+              <a:rPr lang="en-GB" sz="2400" dirty="0">
+                <a:latin typeface="Helvetica" pitchFamily="2" charset="0"/>
+              </a:rPr>
+              <a:t> </a:t>
+            </a:r>
+            <a:r>
+              <a:rPr lang="en-GB" sz="2400" dirty="0" err="1">
+                <a:latin typeface="Helvetica" pitchFamily="2" charset="0"/>
+              </a:rPr>
+              <a:t>Variablen</a:t>
+            </a:r>
+            <a:r>
+              <a:rPr lang="en-GB" sz="2400" dirty="0">
+                <a:latin typeface="Helvetica" pitchFamily="2" charset="0"/>
+              </a:rPr>
+              <a:t> (2/2)</a:t>
+            </a:r>
+            <a:endParaRPr lang="de-DE" sz="2400" dirty="0">
+              <a:solidFill>
+                <a:schemeClr val="tx1">
+                  <a:lumMod val="50000"/>
+                  <a:lumOff val="50000"/>
+                </a:schemeClr>
+              </a:solidFill>
+            </a:endParaRPr>
+          </a:p>
+        </p:txBody>
+      </p:sp>
+      <p:sp>
+        <p:nvSpPr>
+          <p:cNvPr id="3" name="Foliennummernplatzhalter 2">
+            <a:extLst>
+              <a:ext uri="{FF2B5EF4-FFF2-40B4-BE49-F238E27FC236}">
+                <a16:creationId xmlns:a16="http://schemas.microsoft.com/office/drawing/2014/main" id="{356532F3-A40E-3544-BC28-367FA2E6B194}"/>
+              </a:ext>
+            </a:extLst>
+          </p:cNvPr>
+          <p:cNvSpPr>
+            <a:spLocks noGrp="1"/>
+          </p:cNvSpPr>
+          <p:nvPr>
+            <p:ph type="sldNum" sz="quarter" idx="12"/>
+          </p:nvPr>
+        </p:nvSpPr>
+        <p:spPr/>
+        <p:txBody>
+          <a:bodyPr/>
+          <a:lstStyle/>
+          <a:p>
+            <a:fld id="{DEED8D61-E8B6-E041-9D61-71A033DF76C2}" type="slidenum">
+              <a:rPr lang="de-DE" smtClean="0"/>
+              <a:pPr/>
+              <a:t>4</a:t>
+            </a:fld>
+            <a:endParaRPr lang="de-DE" dirty="0"/>
+          </a:p>
+        </p:txBody>
+      </p:sp>
+      <p:sp>
+        <p:nvSpPr>
+          <p:cNvPr id="2" name="Fußzeilenplatzhalter 1">
+            <a:extLst>
+              <a:ext uri="{FF2B5EF4-FFF2-40B4-BE49-F238E27FC236}">
+                <a16:creationId xmlns:a16="http://schemas.microsoft.com/office/drawing/2014/main" id="{1DC7A913-4F53-6346-8764-129A4373CFF4}"/>
+              </a:ext>
+            </a:extLst>
+          </p:cNvPr>
+          <p:cNvSpPr>
+            <a:spLocks noGrp="1"/>
+          </p:cNvSpPr>
+          <p:nvPr>
+            <p:ph type="ftr" sz="quarter" idx="11"/>
+          </p:nvPr>
+        </p:nvSpPr>
+        <p:spPr>
+          <a:xfrm>
+            <a:off x="2483768" y="6251510"/>
+            <a:ext cx="4081964" cy="365125"/>
+          </a:xfrm>
+        </p:spPr>
+        <p:txBody>
+          <a:bodyPr/>
+          <a:lstStyle/>
+          <a:p>
+            <a:endParaRPr lang="de-DE" sz="1400" dirty="0"/>
+          </a:p>
+        </p:txBody>
+      </p:sp>
+      <p:sp>
+        <p:nvSpPr>
+          <p:cNvPr id="8" name="Rechteck 4">
+            <a:extLst>
+              <a:ext uri="{FF2B5EF4-FFF2-40B4-BE49-F238E27FC236}">
+                <a16:creationId xmlns:a16="http://schemas.microsoft.com/office/drawing/2014/main" id="{1D0BF8D9-AC0F-F142-9C26-205384427EA2}"/>
+              </a:ext>
+            </a:extLst>
+          </p:cNvPr>
+          <p:cNvSpPr/>
+          <p:nvPr/>
+        </p:nvSpPr>
+        <p:spPr>
+          <a:xfrm>
+            <a:off x="107505" y="6093296"/>
+            <a:ext cx="2232247" cy="646331"/>
+          </a:xfrm>
+          <a:prstGeom prst="rect">
+            <a:avLst/>
+          </a:prstGeom>
+          <a:ln>
+            <a:solidFill>
+              <a:schemeClr val="bg1"/>
+            </a:solidFill>
+          </a:ln>
+        </p:spPr>
+        <p:style>
+          <a:lnRef idx="2">
+            <a:schemeClr val="dk1"/>
+          </a:lnRef>
+          <a:fillRef idx="1">
+            <a:schemeClr val="lt1"/>
+          </a:fillRef>
+          <a:effectRef idx="0">
+            <a:schemeClr val="dk1"/>
+          </a:effectRef>
+          <a:fontRef idx="minor">
+            <a:schemeClr val="dk1"/>
+          </a:fontRef>
+        </p:style>
+        <p:txBody>
+          <a:bodyPr rtlCol="0" anchor="ctr"/>
+          <a:lstStyle/>
+          <a:p>
+            <a:pPr algn="ctr"/>
+            <a:endParaRPr lang="de-DE"/>
+          </a:p>
+        </p:txBody>
+      </p:sp>
+    </p:spTree>
+    <p:extLst>
+      <p:ext uri="{BB962C8B-B14F-4D97-AF65-F5344CB8AC3E}">
+        <p14:creationId xmlns:p14="http://schemas.microsoft.com/office/powerpoint/2010/main" val="3278179072"/>
+      </p:ext>
+    </p:extLst>
+  </p:cSld>
+  <p:clrMapOvr>
+    <a:masterClrMapping/>
+  </p:clrMapOvr>
+</p:sld>
+</file>
+
+<file path=ppt/slides/slide5.xml><?xml version="1.0" encoding="utf-8"?>
+<p:sld xmlns:a="http://schemas.openxmlformats.org/drawingml/2006/main" xmlns:r="http://schemas.openxmlformats.org/officeDocument/2006/relationships" xmlns:p="http://schemas.openxmlformats.org/presentationml/2006/main">
+  <p:cSld>
+    <p:spTree>
+      <p:nvGrpSpPr>
+        <p:cNvPr id="1" name=""/>
+        <p:cNvGrpSpPr/>
+        <p:nvPr/>
+      </p:nvGrpSpPr>
+      <p:grpSpPr>
+        <a:xfrm>
+          <a:off x="0" y="0"/>
+          <a:ext cx="0" cy="0"/>
+          <a:chOff x="0" y="0"/>
+          <a:chExt cx="0" cy="0"/>
+        </a:xfrm>
+      </p:grpSpPr>
+      <p:sp>
+        <p:nvSpPr>
+          <p:cNvPr id="8194" name="Rectangle 2"/>
+          <p:cNvSpPr>
+            <a:spLocks noGrp="1" noChangeArrowheads="1"/>
+          </p:cNvSpPr>
+          <p:nvPr>
+            <p:ph type="title"/>
+          </p:nvPr>
+        </p:nvSpPr>
+        <p:spPr>
+          <a:xfrm>
+            <a:off x="899592" y="44624"/>
+            <a:ext cx="7920880" cy="761999"/>
+          </a:xfrm>
+        </p:spPr>
+        <p:txBody>
+          <a:bodyPr anchor="ctr"/>
+          <a:lstStyle/>
+          <a:p>
+            <a:pPr algn="l">
+              <a:defRPr/>
+            </a:pPr>
+            <a:r>
+              <a:rPr lang="en-GB" sz="2400" dirty="0" err="1">
+                <a:latin typeface="Helvetica" pitchFamily="2" charset="0"/>
+              </a:rPr>
+              <a:t>Vorstellung</a:t>
+            </a:r>
+            <a:r>
+              <a:rPr lang="en-GB" sz="2400" dirty="0">
+                <a:latin typeface="Helvetica" pitchFamily="2" charset="0"/>
+              </a:rPr>
+              <a:t> des </a:t>
+            </a:r>
+            <a:r>
+              <a:rPr lang="en-GB" sz="2400" dirty="0" err="1">
+                <a:latin typeface="Helvetica" pitchFamily="2" charset="0"/>
+              </a:rPr>
+              <a:t>Datensatzes</a:t>
+            </a:r>
+            <a:r>
+              <a:rPr lang="en-GB" sz="2400" dirty="0">
+                <a:latin typeface="Helvetica" pitchFamily="2" charset="0"/>
+              </a:rPr>
+              <a:t> </a:t>
+            </a:r>
+            <a:r>
+              <a:rPr lang="en-GB" sz="2400" dirty="0" err="1">
+                <a:latin typeface="Helvetica" pitchFamily="2" charset="0"/>
+              </a:rPr>
+              <a:t>mit</a:t>
+            </a:r>
+            <a:r>
+              <a:rPr lang="en-GB" sz="2400" dirty="0">
+                <a:latin typeface="Helvetica" pitchFamily="2" charset="0"/>
+              </a:rPr>
+              <a:t> den </a:t>
+            </a:r>
+            <a:r>
+              <a:rPr lang="en-GB" sz="2400" dirty="0" err="1">
+                <a:latin typeface="Helvetica" pitchFamily="2" charset="0"/>
+              </a:rPr>
+              <a:t>erstellten</a:t>
+            </a:r>
+            <a:r>
+              <a:rPr lang="en-GB" sz="2400" dirty="0">
+                <a:latin typeface="Helvetica" pitchFamily="2" charset="0"/>
+              </a:rPr>
+              <a:t> </a:t>
+            </a:r>
+            <a:r>
+              <a:rPr lang="en-GB" sz="2400" dirty="0" err="1">
+                <a:latin typeface="Helvetica" pitchFamily="2" charset="0"/>
+              </a:rPr>
+              <a:t>Variablen</a:t>
+            </a:r>
+            <a:endParaRPr lang="de-DE" sz="2400" dirty="0">
+              <a:solidFill>
+                <a:schemeClr val="tx1">
+                  <a:lumMod val="50000"/>
+                  <a:lumOff val="50000"/>
+                </a:schemeClr>
+              </a:solidFill>
+            </a:endParaRPr>
+          </a:p>
+        </p:txBody>
+      </p:sp>
+      <p:sp>
+        <p:nvSpPr>
+          <p:cNvPr id="3" name="Foliennummernplatzhalter 2">
+            <a:extLst>
+              <a:ext uri="{FF2B5EF4-FFF2-40B4-BE49-F238E27FC236}">
+                <a16:creationId xmlns:a16="http://schemas.microsoft.com/office/drawing/2014/main" id="{356532F3-A40E-3544-BC28-367FA2E6B194}"/>
+              </a:ext>
+            </a:extLst>
+          </p:cNvPr>
+          <p:cNvSpPr>
+            <a:spLocks noGrp="1"/>
+          </p:cNvSpPr>
+          <p:nvPr>
+            <p:ph type="sldNum" sz="quarter" idx="12"/>
+          </p:nvPr>
+        </p:nvSpPr>
+        <p:spPr/>
+        <p:txBody>
+          <a:bodyPr/>
+          <a:lstStyle/>
+          <a:p>
+            <a:fld id="{DEED8D61-E8B6-E041-9D61-71A033DF76C2}" type="slidenum">
+              <a:rPr lang="de-DE" smtClean="0"/>
+              <a:pPr/>
+              <a:t>5</a:t>
             </a:fld>
             <a:endParaRPr lang="de-DE" dirty="0"/>
           </a:p>
@@ -7651,7 +8962,7 @@
         </p:nvSpPr>
         <p:spPr bwMode="auto">
           <a:xfrm>
-            <a:off x="323528" y="360338"/>
+            <a:off x="193546" y="387082"/>
             <a:ext cx="8771931" cy="1077218"/>
           </a:xfrm>
           <a:prstGeom prst="rect">
@@ -7887,8 +9198,8 @@
         </p:blipFill>
         <p:spPr>
           <a:xfrm>
-            <a:off x="1396623" y="1806875"/>
-            <a:ext cx="1224136" cy="1501450"/>
+            <a:off x="610461" y="1917664"/>
+            <a:ext cx="1080000" cy="1324661"/>
           </a:xfrm>
           <a:prstGeom prst="rect">
             <a:avLst/>
@@ -7922,8 +9233,8 @@
         </p:blipFill>
         <p:spPr>
           <a:xfrm>
-            <a:off x="1327786" y="3535786"/>
-            <a:ext cx="5620477" cy="1378747"/>
+            <a:off x="193546" y="3720271"/>
+            <a:ext cx="5222059" cy="1281012"/>
           </a:xfrm>
           <a:prstGeom prst="rect">
             <a:avLst/>
@@ -7957,8 +9268,8 @@
         </p:blipFill>
         <p:spPr>
           <a:xfrm>
-            <a:off x="2843808" y="1806875"/>
-            <a:ext cx="1275044" cy="1501449"/>
+            <a:off x="2017696" y="1934942"/>
+            <a:ext cx="1080000" cy="1356488"/>
           </a:xfrm>
           <a:prstGeom prst="rect">
             <a:avLst/>
@@ -7979,7 +9290,7 @@
         </p:nvSpPr>
         <p:spPr>
           <a:xfrm>
-            <a:off x="136443" y="846920"/>
+            <a:off x="-98391" y="846961"/>
             <a:ext cx="2172173" cy="584775"/>
           </a:xfrm>
           <a:prstGeom prst="rect">
@@ -7993,6 +9304,7 @@
           </a:bodyPr>
           <a:lstStyle/>
           <a:p>
+            <a:pPr algn="ctr"/>
             <a:r>
               <a:rPr lang="en-GB" sz="1600" dirty="0" err="1">
                 <a:latin typeface="Helvetica" pitchFamily="2" charset="0"/>
@@ -8025,8 +9337,8 @@
         </p:nvCxnSpPr>
         <p:spPr>
           <a:xfrm flipH="1" flipV="1">
-            <a:off x="1596318" y="1279596"/>
-            <a:ext cx="412373" cy="445745"/>
+            <a:off x="899593" y="1358161"/>
+            <a:ext cx="216023" cy="468058"/>
           </a:xfrm>
           <a:prstGeom prst="straightConnector1">
             <a:avLst/>
@@ -8066,8 +9378,8 @@
         </p:nvCxnSpPr>
         <p:spPr>
           <a:xfrm flipV="1">
-            <a:off x="3468566" y="1300258"/>
-            <a:ext cx="1" cy="475209"/>
+            <a:off x="2796935" y="1304846"/>
+            <a:ext cx="2" cy="430062"/>
           </a:xfrm>
           <a:prstGeom prst="straightConnector1">
             <a:avLst/>
@@ -8105,8 +9417,8 @@
         </p:nvSpPr>
         <p:spPr>
           <a:xfrm>
-            <a:off x="2843808" y="917832"/>
-            <a:ext cx="2172173" cy="338554"/>
+            <a:off x="2167053" y="921644"/>
+            <a:ext cx="1308637" cy="338554"/>
           </a:xfrm>
           <a:prstGeom prst="rect">
             <a:avLst/>
@@ -8123,19 +9435,7 @@
               <a:rPr lang="en-GB" sz="1600" dirty="0" err="1">
                 <a:latin typeface="Helvetica" pitchFamily="2" charset="0"/>
               </a:rPr>
-              <a:t>Boolsche</a:t>
-            </a:r>
-            <a:r>
-              <a:rPr lang="en-GB" sz="1600" dirty="0">
-                <a:latin typeface="Helvetica" pitchFamily="2" charset="0"/>
-              </a:rPr>
-              <a:t> </a:t>
-            </a:r>
-            <a:r>
-              <a:rPr lang="en-GB" sz="1600" dirty="0" err="1">
-                <a:latin typeface="Helvetica" pitchFamily="2" charset="0"/>
-              </a:rPr>
-              <a:t>Werte</a:t>
+              <a:t>Schulferien</a:t>
             </a:r>
             <a:endParaRPr lang="en-AU" sz="1600" dirty="0"/>
           </a:p>
@@ -8155,8 +9455,8 @@
         </p:nvSpPr>
         <p:spPr>
           <a:xfrm>
-            <a:off x="5203066" y="904742"/>
-            <a:ext cx="1159292" cy="369332"/>
+            <a:off x="3727430" y="917237"/>
+            <a:ext cx="1050288" cy="338554"/>
           </a:xfrm>
           <a:prstGeom prst="rect">
             <a:avLst/>
@@ -8170,12 +9470,12 @@
           <a:lstStyle/>
           <a:p>
             <a:r>
-              <a:rPr lang="en-GB" dirty="0" err="1">
+              <a:rPr lang="en-GB" sz="1600" dirty="0" err="1">
                 <a:latin typeface="Helvetica" pitchFamily="2" charset="0"/>
               </a:rPr>
               <a:t>Feiertage</a:t>
             </a:r>
-            <a:endParaRPr lang="en-GB" dirty="0">
+            <a:endParaRPr lang="en-GB" sz="1600" dirty="0">
               <a:latin typeface="Helvetica" pitchFamily="2" charset="0"/>
             </a:endParaRPr>
           </a:p>
@@ -8195,8 +9495,8 @@
         </p:nvSpPr>
         <p:spPr>
           <a:xfrm>
-            <a:off x="193546" y="5505521"/>
-            <a:ext cx="3630289" cy="369332"/>
+            <a:off x="899592" y="5487251"/>
+            <a:ext cx="3111749" cy="338554"/>
           </a:xfrm>
           <a:prstGeom prst="rect">
             <a:avLst/>
@@ -8209,42 +9509,42 @@
           <a:lstStyle/>
           <a:p>
             <a:r>
-              <a:rPr lang="en-GB" dirty="0" err="1">
+              <a:rPr lang="en-GB" sz="1600" dirty="0" err="1">
                 <a:latin typeface="Helvetica" pitchFamily="2" charset="0"/>
               </a:rPr>
               <a:t>Bäcker</a:t>
             </a:r>
             <a:r>
-              <a:rPr lang="en-GB" dirty="0">
+              <a:rPr lang="en-GB" sz="1600" dirty="0">
                 <a:latin typeface="Helvetica" pitchFamily="2" charset="0"/>
               </a:rPr>
               <a:t> hat </a:t>
             </a:r>
             <a:r>
-              <a:rPr lang="en-GB" dirty="0" err="1">
+              <a:rPr lang="en-GB" sz="1400" dirty="0" err="1">
                 <a:latin typeface="Helvetica" pitchFamily="2" charset="0"/>
               </a:rPr>
               <a:t>geschlossen</a:t>
             </a:r>
             <a:r>
-              <a:rPr lang="en-GB" dirty="0">
+              <a:rPr lang="en-GB" sz="1600" dirty="0">
                 <a:latin typeface="Helvetica" pitchFamily="2" charset="0"/>
               </a:rPr>
               <a:t> (“</a:t>
             </a:r>
             <a:r>
-              <a:rPr lang="en-GB" dirty="0" err="1">
+              <a:rPr lang="en-GB" sz="1600" dirty="0" err="1">
                 <a:latin typeface="Helvetica" pitchFamily="2" charset="0"/>
               </a:rPr>
               <a:t>dayoff</a:t>
             </a:r>
             <a:r>
-              <a:rPr lang="en-GB" dirty="0">
+              <a:rPr lang="en-GB" sz="1600" dirty="0">
                 <a:latin typeface="Helvetica" pitchFamily="2" charset="0"/>
               </a:rPr>
               <a:t>”)</a:t>
             </a:r>
-            <a:endParaRPr lang="en-AU" dirty="0"/>
+            <a:endParaRPr lang="en-AU" sz="1600" dirty="0"/>
           </a:p>
         </p:txBody>
       </p:sp>
@@ -8264,8 +9564,8 @@
         </p:nvCxnSpPr>
         <p:spPr>
           <a:xfrm flipH="1">
-            <a:off x="1396623" y="5025975"/>
-            <a:ext cx="376202" cy="350053"/>
+            <a:off x="2483768" y="5091921"/>
+            <a:ext cx="73928" cy="413600"/>
           </a:xfrm>
           <a:prstGeom prst="straightConnector1">
             <a:avLst/>
@@ -8303,8 +9603,8 @@
         </p:nvSpPr>
         <p:spPr>
           <a:xfrm>
-            <a:off x="6660232" y="863766"/>
-            <a:ext cx="2733565" cy="646331"/>
+            <a:off x="5576975" y="5416850"/>
+            <a:ext cx="3150295" cy="338554"/>
           </a:xfrm>
           <a:prstGeom prst="rect">
             <a:avLst/>
@@ -8319,25 +9619,25 @@
           <a:p>
             <a:pPr algn="ctr"/>
             <a:r>
-              <a:rPr lang="en-GB" dirty="0" err="1">
+              <a:rPr lang="en-GB" sz="1600" dirty="0" err="1">
                 <a:latin typeface="Helvetica" pitchFamily="2" charset="0"/>
               </a:rPr>
               <a:t>Verlängertes</a:t>
             </a:r>
             <a:r>
-              <a:rPr lang="en-GB" dirty="0">
+              <a:rPr lang="en-GB" sz="1600" dirty="0">
                 <a:latin typeface="Helvetica" pitchFamily="2" charset="0"/>
               </a:rPr>
               <a:t> </a:t>
             </a:r>
             <a:r>
-              <a:rPr lang="en-GB" dirty="0" err="1">
+              <a:rPr lang="en-GB" sz="1600" dirty="0" err="1">
                 <a:latin typeface="Helvetica" pitchFamily="2" charset="0"/>
               </a:rPr>
               <a:t>Wochenende</a:t>
             </a:r>
             <a:r>
-              <a:rPr lang="en-GB" dirty="0">
+              <a:rPr lang="en-GB" sz="1600" dirty="0">
                 <a:latin typeface="Helvetica" pitchFamily="2" charset="0"/>
               </a:rPr>
               <a:t> </a:t>
@@ -8361,7 +9661,424 @@
         </p:nvCxnSpPr>
         <p:spPr>
           <a:xfrm flipV="1">
-            <a:off x="5868144" y="1281693"/>
+            <a:off x="4318480" y="1308196"/>
+            <a:ext cx="1" cy="475209"/>
+          </a:xfrm>
+          <a:prstGeom prst="straightConnector1">
+            <a:avLst/>
+          </a:prstGeom>
+          <a:ln>
+            <a:tailEnd type="triangle"/>
+          </a:ln>
+        </p:spPr>
+        <p:style>
+          <a:lnRef idx="2">
+            <a:schemeClr val="accent1"/>
+          </a:lnRef>
+          <a:fillRef idx="0">
+            <a:schemeClr val="accent1"/>
+          </a:fillRef>
+          <a:effectRef idx="1">
+            <a:schemeClr val="accent1"/>
+          </a:effectRef>
+          <a:fontRef idx="minor">
+            <a:schemeClr val="tx1"/>
+          </a:fontRef>
+        </p:style>
+      </p:cxnSp>
+      <p:sp>
+        <p:nvSpPr>
+          <p:cNvPr id="25" name="TextBox 24">
+            <a:extLst>
+              <a:ext uri="{FF2B5EF4-FFF2-40B4-BE49-F238E27FC236}">
+                <a16:creationId xmlns:a16="http://schemas.microsoft.com/office/drawing/2014/main" id="{6854B4BF-B2A8-A645-A9A3-1E939FC3EE13}"/>
+              </a:ext>
+            </a:extLst>
+          </p:cNvPr>
+          <p:cNvSpPr txBox="1"/>
+          <p:nvPr/>
+        </p:nvSpPr>
+        <p:spPr>
+          <a:xfrm>
+            <a:off x="5205196" y="908910"/>
+            <a:ext cx="1144053" cy="338554"/>
+          </a:xfrm>
+          <a:prstGeom prst="rect">
+            <a:avLst/>
+          </a:prstGeom>
+          <a:noFill/>
+        </p:spPr>
+        <p:txBody>
+          <a:bodyPr wrap="square" rtlCol="0">
+            <a:spAutoFit/>
+          </a:bodyPr>
+          <a:lstStyle/>
+          <a:p>
+            <a:pPr algn="ctr"/>
+            <a:r>
+              <a:rPr lang="en-GB" sz="1600" dirty="0">
+                <a:latin typeface="Helvetica" pitchFamily="2" charset="0"/>
+              </a:rPr>
+              <a:t>Silvester</a:t>
+            </a:r>
+          </a:p>
+        </p:txBody>
+      </p:sp>
+      <p:cxnSp>
+        <p:nvCxnSpPr>
+          <p:cNvPr id="27" name="Straight Arrow Connector 26">
+            <a:extLst>
+              <a:ext uri="{FF2B5EF4-FFF2-40B4-BE49-F238E27FC236}">
+                <a16:creationId xmlns:a16="http://schemas.microsoft.com/office/drawing/2014/main" id="{21478FA3-0F5D-0B4B-B89A-894EBAEEFF84}"/>
+              </a:ext>
+            </a:extLst>
+          </p:cNvPr>
+          <p:cNvCxnSpPr>
+            <a:cxnSpLocks/>
+          </p:cNvCxnSpPr>
+          <p:nvPr/>
+        </p:nvCxnSpPr>
+        <p:spPr>
+          <a:xfrm flipV="1">
+            <a:off x="5571565" y="1308196"/>
+            <a:ext cx="1" cy="475209"/>
+          </a:xfrm>
+          <a:prstGeom prst="straightConnector1">
+            <a:avLst/>
+          </a:prstGeom>
+          <a:ln>
+            <a:tailEnd type="triangle"/>
+          </a:ln>
+        </p:spPr>
+        <p:style>
+          <a:lnRef idx="2">
+            <a:schemeClr val="accent1"/>
+          </a:lnRef>
+          <a:fillRef idx="0">
+            <a:schemeClr val="accent1"/>
+          </a:fillRef>
+          <a:effectRef idx="1">
+            <a:schemeClr val="accent1"/>
+          </a:effectRef>
+          <a:fontRef idx="minor">
+            <a:schemeClr val="tx1"/>
+          </a:fontRef>
+        </p:style>
+      </p:cxnSp>
+      <p:pic>
+        <p:nvPicPr>
+          <p:cNvPr id="35" name="Picture 34">
+            <a:extLst>
+              <a:ext uri="{FF2B5EF4-FFF2-40B4-BE49-F238E27FC236}">
+                <a16:creationId xmlns:a16="http://schemas.microsoft.com/office/drawing/2014/main" id="{D903D305-D236-1F40-9280-1588E46E4148}"/>
+              </a:ext>
+            </a:extLst>
+          </p:cNvPr>
+          <p:cNvPicPr>
+            <a:picLocks noChangeAspect="1"/>
+          </p:cNvPicPr>
+          <p:nvPr/>
+        </p:nvPicPr>
+        <p:blipFill rotWithShape="1">
+          <a:blip r:embed="rId4">
+            <a:extLst>
+              <a:ext uri="{28A0092B-C50C-407E-A947-70E740481C1C}">
+                <a14:useLocalDpi xmlns:a14="http://schemas.microsoft.com/office/drawing/2010/main" val="0"/>
+              </a:ext>
+            </a:extLst>
+          </a:blip>
+          <a:srcRect l="35237"/>
+          <a:stretch/>
+        </p:blipFill>
+        <p:spPr>
+          <a:xfrm>
+            <a:off x="5670177" y="3720271"/>
+            <a:ext cx="3150295" cy="1312615"/>
+          </a:xfrm>
+          <a:prstGeom prst="rect">
+            <a:avLst/>
+          </a:prstGeom>
+        </p:spPr>
+      </p:pic>
+      <p:pic>
+        <p:nvPicPr>
+          <p:cNvPr id="36" name="Picture 35">
+            <a:extLst>
+              <a:ext uri="{FF2B5EF4-FFF2-40B4-BE49-F238E27FC236}">
+                <a16:creationId xmlns:a16="http://schemas.microsoft.com/office/drawing/2014/main" id="{DD2E1753-2CDF-8449-93A5-CB8E1A0ECA4E}"/>
+              </a:ext>
+            </a:extLst>
+          </p:cNvPr>
+          <p:cNvPicPr>
+            <a:picLocks noChangeAspect="1"/>
+          </p:cNvPicPr>
+          <p:nvPr/>
+        </p:nvPicPr>
+        <p:blipFill rotWithShape="1">
+          <a:blip r:embed="rId4">
+            <a:extLst>
+              <a:ext uri="{28A0092B-C50C-407E-A947-70E740481C1C}">
+                <a14:useLocalDpi xmlns:a14="http://schemas.microsoft.com/office/drawing/2010/main" val="0"/>
+              </a:ext>
+            </a:extLst>
+          </a:blip>
+          <a:srcRect r="82497"/>
+          <a:stretch/>
+        </p:blipFill>
+        <p:spPr>
+          <a:xfrm>
+            <a:off x="3530676" y="1948815"/>
+            <a:ext cx="934056" cy="1440000"/>
+          </a:xfrm>
+          <a:prstGeom prst="rect">
+            <a:avLst/>
+          </a:prstGeom>
+        </p:spPr>
+      </p:pic>
+      <p:cxnSp>
+        <p:nvCxnSpPr>
+          <p:cNvPr id="37" name="Straight Arrow Connector 36">
+            <a:extLst>
+              <a:ext uri="{FF2B5EF4-FFF2-40B4-BE49-F238E27FC236}">
+                <a16:creationId xmlns:a16="http://schemas.microsoft.com/office/drawing/2014/main" id="{85BD48B7-71AF-7D40-87C9-A2A05258D37F}"/>
+              </a:ext>
+            </a:extLst>
+          </p:cNvPr>
+          <p:cNvCxnSpPr>
+            <a:cxnSpLocks/>
+          </p:cNvCxnSpPr>
+          <p:nvPr/>
+        </p:nvCxnSpPr>
+        <p:spPr>
+          <a:xfrm>
+            <a:off x="7353528" y="5026650"/>
+            <a:ext cx="170800" cy="390200"/>
+          </a:xfrm>
+          <a:prstGeom prst="straightConnector1">
+            <a:avLst/>
+          </a:prstGeom>
+          <a:ln>
+            <a:tailEnd type="triangle"/>
+          </a:ln>
+        </p:spPr>
+        <p:style>
+          <a:lnRef idx="2">
+            <a:schemeClr val="accent1"/>
+          </a:lnRef>
+          <a:fillRef idx="0">
+            <a:schemeClr val="accent1"/>
+          </a:fillRef>
+          <a:effectRef idx="1">
+            <a:schemeClr val="accent1"/>
+          </a:effectRef>
+          <a:fontRef idx="minor">
+            <a:schemeClr val="tx1"/>
+          </a:fontRef>
+        </p:style>
+      </p:cxnSp>
+      <p:pic>
+        <p:nvPicPr>
+          <p:cNvPr id="41" name="Picture 40">
+            <a:extLst>
+              <a:ext uri="{FF2B5EF4-FFF2-40B4-BE49-F238E27FC236}">
+                <a16:creationId xmlns:a16="http://schemas.microsoft.com/office/drawing/2014/main" id="{DC10728F-E828-2446-983E-786808CE90B8}"/>
+              </a:ext>
+            </a:extLst>
+          </p:cNvPr>
+          <p:cNvPicPr>
+            <a:picLocks noChangeAspect="1"/>
+          </p:cNvPicPr>
+          <p:nvPr/>
+        </p:nvPicPr>
+        <p:blipFill>
+          <a:blip r:embed="rId5">
+            <a:extLst>
+              <a:ext uri="{28A0092B-C50C-407E-A947-70E740481C1C}">
+                <a14:useLocalDpi xmlns:a14="http://schemas.microsoft.com/office/drawing/2010/main" val="0"/>
+              </a:ext>
+            </a:extLst>
+          </a:blip>
+          <a:stretch>
+            <a:fillRect/>
+          </a:stretch>
+        </p:blipFill>
+        <p:spPr>
+          <a:xfrm>
+            <a:off x="4983407" y="1946062"/>
+            <a:ext cx="977777" cy="1440000"/>
+          </a:xfrm>
+          <a:prstGeom prst="rect">
+            <a:avLst/>
+          </a:prstGeom>
+        </p:spPr>
+      </p:pic>
+      <p:sp>
+        <p:nvSpPr>
+          <p:cNvPr id="43" name="TextBox 42">
+            <a:extLst>
+              <a:ext uri="{FF2B5EF4-FFF2-40B4-BE49-F238E27FC236}">
+                <a16:creationId xmlns:a16="http://schemas.microsoft.com/office/drawing/2014/main" id="{3794A9FE-7DFE-D849-8FCE-BC4B7D0FA836}"/>
+              </a:ext>
+            </a:extLst>
+          </p:cNvPr>
+          <p:cNvSpPr txBox="1"/>
+          <p:nvPr/>
+        </p:nvSpPr>
+        <p:spPr>
+          <a:xfrm>
+            <a:off x="8048489" y="914843"/>
+            <a:ext cx="1144053" cy="338554"/>
+          </a:xfrm>
+          <a:prstGeom prst="rect">
+            <a:avLst/>
+          </a:prstGeom>
+          <a:noFill/>
+        </p:spPr>
+        <p:txBody>
+          <a:bodyPr wrap="square" rtlCol="0">
+            <a:spAutoFit/>
+          </a:bodyPr>
+          <a:lstStyle/>
+          <a:p>
+            <a:pPr algn="ctr"/>
+            <a:r>
+              <a:rPr lang="en-GB" sz="1600" dirty="0" err="1">
+                <a:latin typeface="Helvetica" pitchFamily="2" charset="0"/>
+              </a:rPr>
+              <a:t>KiWo</a:t>
+            </a:r>
+            <a:endParaRPr lang="en-GB" sz="1600" dirty="0">
+              <a:latin typeface="Helvetica" pitchFamily="2" charset="0"/>
+            </a:endParaRPr>
+          </a:p>
+        </p:txBody>
+      </p:sp>
+      <p:sp>
+        <p:nvSpPr>
+          <p:cNvPr id="44" name="TextBox 43">
+            <a:extLst>
+              <a:ext uri="{FF2B5EF4-FFF2-40B4-BE49-F238E27FC236}">
+                <a16:creationId xmlns:a16="http://schemas.microsoft.com/office/drawing/2014/main" id="{E3A15709-701E-EB4A-927E-330301EABCAC}"/>
+              </a:ext>
+            </a:extLst>
+          </p:cNvPr>
+          <p:cNvSpPr txBox="1"/>
+          <p:nvPr/>
+        </p:nvSpPr>
+        <p:spPr>
+          <a:xfrm>
+            <a:off x="6513309" y="932410"/>
+            <a:ext cx="1144053" cy="338554"/>
+          </a:xfrm>
+          <a:prstGeom prst="rect">
+            <a:avLst/>
+          </a:prstGeom>
+          <a:noFill/>
+        </p:spPr>
+        <p:txBody>
+          <a:bodyPr wrap="square" rtlCol="0">
+            <a:spAutoFit/>
+          </a:bodyPr>
+          <a:lstStyle/>
+          <a:p>
+            <a:pPr algn="ctr"/>
+            <a:r>
+              <a:rPr lang="en-GB" sz="1600" dirty="0">
+                <a:latin typeface="Helvetica" pitchFamily="2" charset="0"/>
+              </a:rPr>
+              <a:t>Monat</a:t>
+            </a:r>
+          </a:p>
+        </p:txBody>
+      </p:sp>
+      <p:pic>
+        <p:nvPicPr>
+          <p:cNvPr id="47" name="Picture 46">
+            <a:extLst>
+              <a:ext uri="{FF2B5EF4-FFF2-40B4-BE49-F238E27FC236}">
+                <a16:creationId xmlns:a16="http://schemas.microsoft.com/office/drawing/2014/main" id="{E7279EA7-C284-C645-A114-8DDBDC073A74}"/>
+              </a:ext>
+            </a:extLst>
+          </p:cNvPr>
+          <p:cNvPicPr>
+            <a:picLocks noChangeAspect="1"/>
+          </p:cNvPicPr>
+          <p:nvPr/>
+        </p:nvPicPr>
+        <p:blipFill rotWithShape="1">
+          <a:blip r:embed="rId6">
+            <a:extLst>
+              <a:ext uri="{28A0092B-C50C-407E-A947-70E740481C1C}">
+                <a14:useLocalDpi xmlns:a14="http://schemas.microsoft.com/office/drawing/2010/main" val="0"/>
+              </a:ext>
+            </a:extLst>
+          </a:blip>
+          <a:srcRect t="4662"/>
+          <a:stretch/>
+        </p:blipFill>
+        <p:spPr>
+          <a:xfrm>
+            <a:off x="7687936" y="1933857"/>
+            <a:ext cx="1207018" cy="1442717"/>
+          </a:xfrm>
+          <a:prstGeom prst="rect">
+            <a:avLst/>
+          </a:prstGeom>
+        </p:spPr>
+      </p:pic>
+      <p:pic>
+        <p:nvPicPr>
+          <p:cNvPr id="49" name="Picture 48">
+            <a:extLst>
+              <a:ext uri="{FF2B5EF4-FFF2-40B4-BE49-F238E27FC236}">
+                <a16:creationId xmlns:a16="http://schemas.microsoft.com/office/drawing/2014/main" id="{DA5927E9-DDF6-9141-8E64-F18FEBB05F83}"/>
+              </a:ext>
+            </a:extLst>
+          </p:cNvPr>
+          <p:cNvPicPr>
+            <a:picLocks noChangeAspect="1"/>
+          </p:cNvPicPr>
+          <p:nvPr/>
+        </p:nvPicPr>
+        <p:blipFill>
+          <a:blip r:embed="rId7">
+            <a:extLst>
+              <a:ext uri="{28A0092B-C50C-407E-A947-70E740481C1C}">
+                <a14:useLocalDpi xmlns:a14="http://schemas.microsoft.com/office/drawing/2010/main" val="0"/>
+              </a:ext>
+            </a:extLst>
+          </a:blip>
+          <a:stretch>
+            <a:fillRect/>
+          </a:stretch>
+        </p:blipFill>
+        <p:spPr>
+          <a:xfrm>
+            <a:off x="6530794" y="1915864"/>
+            <a:ext cx="908134" cy="1500395"/>
+          </a:xfrm>
+          <a:prstGeom prst="rect">
+            <a:avLst/>
+          </a:prstGeom>
+        </p:spPr>
+      </p:pic>
+      <p:cxnSp>
+        <p:nvCxnSpPr>
+          <p:cNvPr id="51" name="Straight Arrow Connector 50">
+            <a:extLst>
+              <a:ext uri="{FF2B5EF4-FFF2-40B4-BE49-F238E27FC236}">
+                <a16:creationId xmlns:a16="http://schemas.microsoft.com/office/drawing/2014/main" id="{DD8E8A35-3D4C-4C4E-BA08-2178157FAC95}"/>
+              </a:ext>
+            </a:extLst>
+          </p:cNvPr>
+          <p:cNvCxnSpPr>
+            <a:cxnSpLocks/>
+          </p:cNvCxnSpPr>
+          <p:nvPr/>
+        </p:nvCxnSpPr>
+        <p:spPr>
+          <a:xfrm flipV="1">
+            <a:off x="7022733" y="1241862"/>
             <a:ext cx="1" cy="475209"/>
           </a:xfrm>
           <a:prstGeom prst="straightConnector1">
@@ -8388,10 +10105,10 @@
       </p:cxnSp>
       <p:cxnSp>
         <p:nvCxnSpPr>
-          <p:cNvPr id="32" name="Straight Arrow Connector 31">
+          <p:cNvPr id="52" name="Straight Arrow Connector 51">
             <a:extLst>
               <a:ext uri="{FF2B5EF4-FFF2-40B4-BE49-F238E27FC236}">
-                <a16:creationId xmlns:a16="http://schemas.microsoft.com/office/drawing/2014/main" id="{60342AE7-46C3-274E-867A-7AC5CC96007C}"/>
+                <a16:creationId xmlns:a16="http://schemas.microsoft.com/office/drawing/2014/main" id="{603E85FC-9A05-F34B-A15E-145B89F6DAB8}"/>
               </a:ext>
             </a:extLst>
           </p:cNvPr>
@@ -8402,8 +10119,8 @@
         </p:nvCxnSpPr>
         <p:spPr>
           <a:xfrm flipV="1">
-            <a:off x="7504063" y="1527645"/>
-            <a:ext cx="348634" cy="395391"/>
+            <a:off x="8386934" y="1288531"/>
+            <a:ext cx="241799" cy="443040"/>
           </a:xfrm>
           <a:prstGeom prst="straightConnector1">
             <a:avLst/>
@@ -8440,7 +10157,7 @@
 </p:sld>
 </file>
 
-<file path=ppt/slides/slide4.xml><?xml version="1.0" encoding="utf-8"?>
+<file path=ppt/slides/slide6.xml><?xml version="1.0" encoding="utf-8"?>
 <p:sld xmlns:a="http://schemas.openxmlformats.org/drawingml/2006/main" xmlns:r="http://schemas.openxmlformats.org/officeDocument/2006/relationships" xmlns:p="http://schemas.openxmlformats.org/presentationml/2006/main">
   <p:cSld>
     <p:spTree>
@@ -8569,7 +10286,7 @@
             <a:fld id="{DEED8D61-E8B6-E041-9D61-71A033DF76C2}" type="slidenum">
               <a:rPr lang="de-DE" smtClean="0"/>
               <a:pPr/>
-              <a:t>4</a:t>
+              <a:t>6</a:t>
             </a:fld>
             <a:endParaRPr lang="de-DE" dirty="0"/>
           </a:p>
@@ -8830,257 +10547,6 @@
           </a:p>
         </p:txBody>
       </p:sp>
-      <p:sp>
-        <p:nvSpPr>
-          <p:cNvPr id="9" name="Rectangle 8">
-            <a:extLst>
-              <a:ext uri="{FF2B5EF4-FFF2-40B4-BE49-F238E27FC236}">
-                <a16:creationId xmlns:a16="http://schemas.microsoft.com/office/drawing/2014/main" id="{0EA6FACD-542B-764C-BCCD-9070A82EF1F0}"/>
-              </a:ext>
-            </a:extLst>
-          </p:cNvPr>
-          <p:cNvSpPr/>
-          <p:nvPr/>
-        </p:nvSpPr>
-        <p:spPr>
-          <a:xfrm>
-            <a:off x="467544" y="934349"/>
-            <a:ext cx="6310453" cy="4801314"/>
-          </a:xfrm>
-          <a:prstGeom prst="rect">
-            <a:avLst/>
-          </a:prstGeom>
-        </p:spPr>
-        <p:txBody>
-          <a:bodyPr wrap="square">
-            <a:spAutoFit/>
-          </a:bodyPr>
-          <a:lstStyle/>
-          <a:p>
-            <a:pPr lvl="1"/>
-            <a:endParaRPr lang="en-GB" dirty="0">
-              <a:latin typeface="Helvetica" pitchFamily="2" charset="0"/>
-            </a:endParaRPr>
-          </a:p>
-          <a:p>
-            <a:pPr lvl="1"/>
-            <a:endParaRPr lang="en-GB" dirty="0">
-              <a:latin typeface="Helvetica" pitchFamily="2" charset="0"/>
-            </a:endParaRPr>
-          </a:p>
-          <a:p>
-            <a:pPr lvl="1"/>
-            <a:endParaRPr lang="en-GB" dirty="0">
-              <a:latin typeface="Helvetica" pitchFamily="2" charset="0"/>
-            </a:endParaRPr>
-          </a:p>
-          <a:p>
-            <a:pPr lvl="1"/>
-            <a:endParaRPr lang="en-GB" dirty="0">
-              <a:latin typeface="Helvetica" pitchFamily="2" charset="0"/>
-            </a:endParaRPr>
-          </a:p>
-          <a:p>
-            <a:pPr lvl="1"/>
-            <a:endParaRPr lang="en-GB" dirty="0">
-              <a:latin typeface="Helvetica" pitchFamily="2" charset="0"/>
-            </a:endParaRPr>
-          </a:p>
-          <a:p>
-            <a:pPr lvl="1"/>
-            <a:endParaRPr lang="en-GB" dirty="0">
-              <a:latin typeface="Helvetica" pitchFamily="2" charset="0"/>
-            </a:endParaRPr>
-          </a:p>
-          <a:p>
-            <a:pPr lvl="1"/>
-            <a:endParaRPr lang="en-GB" dirty="0">
-              <a:latin typeface="Helvetica" pitchFamily="2" charset="0"/>
-            </a:endParaRPr>
-          </a:p>
-          <a:p>
-            <a:pPr lvl="1"/>
-            <a:endParaRPr lang="en-GB" dirty="0">
-              <a:latin typeface="Helvetica" pitchFamily="2" charset="0"/>
-            </a:endParaRPr>
-          </a:p>
-          <a:p>
-            <a:pPr lvl="1"/>
-            <a:endParaRPr lang="en-GB" dirty="0">
-              <a:latin typeface="Helvetica" pitchFamily="2" charset="0"/>
-            </a:endParaRPr>
-          </a:p>
-          <a:p>
-            <a:pPr lvl="1"/>
-            <a:endParaRPr lang="en-GB" dirty="0">
-              <a:latin typeface="Helvetica" pitchFamily="2" charset="0"/>
-            </a:endParaRPr>
-          </a:p>
-          <a:p>
-            <a:pPr marL="285750" indent="-285750">
-              <a:buFont typeface="Arial" panose="020B0604020202020204" pitchFamily="34" charset="0"/>
-              <a:buChar char="•"/>
-            </a:pPr>
-            <a:r>
-              <a:rPr lang="en-GB" dirty="0">
-                <a:latin typeface="Helvetica" pitchFamily="2" charset="0"/>
-              </a:rPr>
-              <a:t>Wetter</a:t>
-            </a:r>
-          </a:p>
-          <a:p>
-            <a:pPr marL="742950" lvl="1" indent="-285750">
-              <a:buFont typeface="Wingdings" pitchFamily="2" charset="2"/>
-              <a:buChar char="§"/>
-            </a:pPr>
-            <a:r>
-              <a:rPr lang="en-GB" dirty="0" err="1">
-                <a:latin typeface="Helvetica" pitchFamily="2" charset="0"/>
-              </a:rPr>
-              <a:t>Temperatur</a:t>
-            </a:r>
-            <a:r>
-              <a:rPr lang="en-GB" dirty="0">
-                <a:latin typeface="Helvetica" pitchFamily="2" charset="0"/>
-              </a:rPr>
-              <a:t>: </a:t>
-            </a:r>
-            <a:r>
-              <a:rPr lang="en-GB" dirty="0" err="1">
-                <a:latin typeface="Helvetica" pitchFamily="2" charset="0"/>
-              </a:rPr>
-              <a:t>Eisig</a:t>
-            </a:r>
-            <a:r>
-              <a:rPr lang="en-GB" dirty="0">
-                <a:latin typeface="Helvetica" pitchFamily="2" charset="0"/>
-              </a:rPr>
-              <a:t> (&lt;0), </a:t>
-            </a:r>
-            <a:r>
-              <a:rPr lang="en-GB" dirty="0" err="1">
-                <a:latin typeface="Helvetica" pitchFamily="2" charset="0"/>
-              </a:rPr>
-              <a:t>kalt</a:t>
-            </a:r>
-            <a:r>
-              <a:rPr lang="en-GB" dirty="0">
-                <a:latin typeface="Helvetica" pitchFamily="2" charset="0"/>
-              </a:rPr>
-              <a:t> (01-10 Grad), </a:t>
-            </a:r>
-            <a:r>
-              <a:rPr lang="en-GB" dirty="0" err="1">
-                <a:latin typeface="Helvetica" pitchFamily="2" charset="0"/>
-              </a:rPr>
-              <a:t>moderat</a:t>
-            </a:r>
-            <a:r>
-              <a:rPr lang="en-GB" dirty="0">
-                <a:latin typeface="Helvetica" pitchFamily="2" charset="0"/>
-              </a:rPr>
-              <a:t> (11-20), </a:t>
-            </a:r>
-            <a:r>
-              <a:rPr lang="en-GB" dirty="0" err="1">
-                <a:latin typeface="Helvetica" pitchFamily="2" charset="0"/>
-              </a:rPr>
-              <a:t>sommerlich</a:t>
-            </a:r>
-            <a:r>
-              <a:rPr lang="en-GB" dirty="0">
-                <a:latin typeface="Helvetica" pitchFamily="2" charset="0"/>
-              </a:rPr>
-              <a:t> (21-30), </a:t>
-            </a:r>
-            <a:r>
-              <a:rPr lang="en-GB" dirty="0" err="1">
-                <a:latin typeface="Helvetica" pitchFamily="2" charset="0"/>
-              </a:rPr>
-              <a:t>heiß</a:t>
-            </a:r>
-            <a:r>
-              <a:rPr lang="en-GB" dirty="0">
-                <a:latin typeface="Helvetica" pitchFamily="2" charset="0"/>
-              </a:rPr>
-              <a:t> (&gt;31)</a:t>
-            </a:r>
-          </a:p>
-          <a:p>
-            <a:pPr marL="742950" lvl="1" indent="-285750">
-              <a:buFont typeface="Wingdings" pitchFamily="2" charset="2"/>
-              <a:buChar char="§"/>
-            </a:pPr>
-            <a:r>
-              <a:rPr lang="en-GB" dirty="0">
-                <a:latin typeface="Helvetica" pitchFamily="2" charset="0"/>
-              </a:rPr>
-              <a:t>Wind: </a:t>
-            </a:r>
-            <a:r>
-              <a:rPr lang="en-GB" dirty="0" err="1">
-                <a:latin typeface="Helvetica" pitchFamily="2" charset="0"/>
-              </a:rPr>
-              <a:t>Brise</a:t>
-            </a:r>
-            <a:r>
-              <a:rPr lang="en-GB" dirty="0">
-                <a:latin typeface="Helvetica" pitchFamily="2" charset="0"/>
-              </a:rPr>
-              <a:t>, Wind und Sturm</a:t>
-            </a:r>
-            <a:endParaRPr lang="en-GB" dirty="0">
-              <a:solidFill>
-                <a:srgbClr val="FF0000"/>
-              </a:solidFill>
-              <a:latin typeface="Helvetica" pitchFamily="2" charset="0"/>
-            </a:endParaRPr>
-          </a:p>
-          <a:p>
-            <a:pPr marL="742950" lvl="1" indent="-285750">
-              <a:buFont typeface="Wingdings" pitchFamily="2" charset="2"/>
-              <a:buChar char="§"/>
-            </a:pPr>
-            <a:r>
-              <a:rPr lang="en-GB" dirty="0" err="1">
-                <a:solidFill>
-                  <a:srgbClr val="FF0000"/>
-                </a:solidFill>
-                <a:latin typeface="Helvetica" pitchFamily="2" charset="0"/>
-              </a:rPr>
-              <a:t>Wettercode</a:t>
-            </a:r>
-            <a:endParaRPr lang="en-GB" dirty="0">
-              <a:solidFill>
-                <a:srgbClr val="FF0000"/>
-              </a:solidFill>
-              <a:latin typeface="Helvetica" pitchFamily="2" charset="0"/>
-            </a:endParaRPr>
-          </a:p>
-          <a:p>
-            <a:pPr marL="742950" lvl="1" indent="-285750">
-              <a:buFont typeface="Wingdings" pitchFamily="2" charset="2"/>
-              <a:buChar char="§"/>
-            </a:pPr>
-            <a:endParaRPr lang="en-GB" dirty="0">
-              <a:solidFill>
-                <a:srgbClr val="FF0000"/>
-              </a:solidFill>
-              <a:latin typeface="Helvetica" pitchFamily="2" charset="0"/>
-            </a:endParaRPr>
-          </a:p>
-          <a:p>
-            <a:pPr marL="285750" indent="-285750">
-              <a:buFont typeface="Arial" panose="020B0604020202020204" pitchFamily="34" charset="0"/>
-              <a:buChar char="•"/>
-            </a:pPr>
-            <a:endParaRPr lang="en-GB" dirty="0">
-              <a:effectLst/>
-              <a:latin typeface="Helvetica" pitchFamily="2" charset="0"/>
-            </a:endParaRPr>
-          </a:p>
-        </p:txBody>
-      </p:sp>
       <p:pic>
         <p:nvPicPr>
           <p:cNvPr id="4" name="Picture 3">
@@ -9095,248 +10561,27 @@
           </p:cNvPicPr>
           <p:nvPr/>
         </p:nvPicPr>
-        <p:blipFill>
+        <p:blipFill rotWithShape="1">
           <a:blip r:embed="rId3"/>
-          <a:stretch>
-            <a:fillRect/>
-          </a:stretch>
+          <a:srcRect b="36884"/>
+          <a:stretch/>
         </p:blipFill>
         <p:spPr>
           <a:xfrm>
-            <a:off x="2366002" y="1204479"/>
-            <a:ext cx="4411995" cy="2269026"/>
+            <a:off x="1547664" y="2521231"/>
+            <a:ext cx="4411995" cy="1432123"/>
           </a:xfrm>
           <a:prstGeom prst="rect">
             <a:avLst/>
           </a:prstGeom>
         </p:spPr>
       </p:pic>
-    </p:spTree>
-    <p:extLst>
-      <p:ext uri="{BB962C8B-B14F-4D97-AF65-F5344CB8AC3E}">
-        <p14:creationId xmlns:p14="http://schemas.microsoft.com/office/powerpoint/2010/main" val="3979035863"/>
-      </p:ext>
-    </p:extLst>
-  </p:cSld>
-  <p:clrMapOvr>
-    <a:masterClrMapping/>
-  </p:clrMapOvr>
-</p:sld>
-</file>
-
-<file path=ppt/slides/slide5.xml><?xml version="1.0" encoding="utf-8"?>
-<p:sld xmlns:a="http://schemas.openxmlformats.org/drawingml/2006/main" xmlns:r="http://schemas.openxmlformats.org/officeDocument/2006/relationships" xmlns:p="http://schemas.openxmlformats.org/presentationml/2006/main">
-  <p:cSld>
-    <p:spTree>
-      <p:nvGrpSpPr>
-        <p:cNvPr id="1" name=""/>
-        <p:cNvGrpSpPr/>
-        <p:nvPr/>
-      </p:nvGrpSpPr>
-      <p:grpSpPr>
-        <a:xfrm>
-          <a:off x="0" y="0"/>
-          <a:ext cx="0" cy="0"/>
-          <a:chOff x="0" y="0"/>
-          <a:chExt cx="0" cy="0"/>
-        </a:xfrm>
-      </p:grpSpPr>
-      <p:sp>
-        <p:nvSpPr>
-          <p:cNvPr id="8194" name="Rectangle 2"/>
-          <p:cNvSpPr>
-            <a:spLocks noGrp="1" noChangeArrowheads="1"/>
-          </p:cNvSpPr>
-          <p:nvPr>
-            <p:ph type="title"/>
-          </p:nvPr>
-        </p:nvSpPr>
-        <p:spPr>
-          <a:xfrm>
-            <a:off x="107505" y="44624"/>
-            <a:ext cx="9000999" cy="761999"/>
-          </a:xfrm>
-        </p:spPr>
-        <p:txBody>
-          <a:bodyPr anchor="ctr"/>
-          <a:lstStyle/>
-          <a:p>
-            <a:pPr>
-              <a:defRPr/>
-            </a:pPr>
-            <a:r>
-              <a:rPr lang="en-GB" sz="2400" dirty="0" err="1">
-                <a:latin typeface="Helvetica" pitchFamily="2" charset="0"/>
-              </a:rPr>
-              <a:t>Balkendiagrammen</a:t>
-            </a:r>
-            <a:r>
-              <a:rPr lang="en-GB" sz="2400" dirty="0">
-                <a:latin typeface="Helvetica" pitchFamily="2" charset="0"/>
-              </a:rPr>
-              <a:t> </a:t>
-            </a:r>
-            <a:r>
-              <a:rPr lang="en-GB" sz="2400" dirty="0" err="1">
-                <a:latin typeface="Helvetica" pitchFamily="2" charset="0"/>
-              </a:rPr>
-              <a:t>mit</a:t>
-            </a:r>
-            <a:r>
-              <a:rPr lang="en-GB" sz="2400" dirty="0">
-                <a:latin typeface="Helvetica" pitchFamily="2" charset="0"/>
-              </a:rPr>
-              <a:t> </a:t>
-            </a:r>
-            <a:r>
-              <a:rPr lang="en-GB" sz="2400" dirty="0" err="1">
-                <a:latin typeface="Helvetica" pitchFamily="2" charset="0"/>
-              </a:rPr>
-              <a:t>Konfidenzintervallen</a:t>
-            </a:r>
-            <a:r>
-              <a:rPr lang="en-GB" sz="2400" dirty="0">
-                <a:latin typeface="Helvetica" pitchFamily="2" charset="0"/>
-              </a:rPr>
-              <a:t> </a:t>
-            </a:r>
-            <a:r>
-              <a:rPr lang="en-GB" sz="2400" dirty="0" err="1">
-                <a:latin typeface="Helvetica" pitchFamily="2" charset="0"/>
-              </a:rPr>
-              <a:t>für</a:t>
-            </a:r>
-            <a:r>
-              <a:rPr lang="en-GB" sz="2400" dirty="0">
-                <a:latin typeface="Helvetica" pitchFamily="2" charset="0"/>
-              </a:rPr>
-              <a:t> </a:t>
-            </a:r>
-            <a:r>
-              <a:rPr lang="en-GB" sz="2400" dirty="0" err="1">
-                <a:latin typeface="Helvetica" pitchFamily="2" charset="0"/>
-              </a:rPr>
-              <a:t>zwei</a:t>
-            </a:r>
-            <a:r>
-              <a:rPr lang="en-GB" sz="2400" dirty="0">
-                <a:latin typeface="Helvetica" pitchFamily="2" charset="0"/>
-              </a:rPr>
-              <a:t> </a:t>
-            </a:r>
-            <a:r>
-              <a:rPr lang="en-GB" sz="2400" dirty="0" err="1">
-                <a:latin typeface="Helvetica" pitchFamily="2" charset="0"/>
-              </a:rPr>
-              <a:t>selbst</a:t>
-            </a:r>
-            <a:r>
-              <a:rPr lang="en-GB" sz="2400" dirty="0">
-                <a:latin typeface="Helvetica" pitchFamily="2" charset="0"/>
-              </a:rPr>
-              <a:t> </a:t>
-            </a:r>
-            <a:r>
-              <a:rPr lang="en-GB" sz="2400" dirty="0" err="1">
-                <a:latin typeface="Helvetica" pitchFamily="2" charset="0"/>
-              </a:rPr>
-              <a:t>erstellte</a:t>
-            </a:r>
-            <a:r>
-              <a:rPr lang="en-GB" sz="2400" dirty="0">
-                <a:latin typeface="Helvetica" pitchFamily="2" charset="0"/>
-              </a:rPr>
-              <a:t> </a:t>
-            </a:r>
-            <a:r>
-              <a:rPr lang="en-GB" sz="2400" dirty="0" err="1">
-                <a:latin typeface="Helvetica" pitchFamily="2" charset="0"/>
-              </a:rPr>
-              <a:t>Variablen</a:t>
-            </a:r>
-            <a:r>
-              <a:rPr lang="en-GB" sz="2400" dirty="0">
-                <a:latin typeface="Helvetica" pitchFamily="2" charset="0"/>
-              </a:rPr>
-              <a:t> (1/2)</a:t>
-            </a:r>
-            <a:endParaRPr lang="de-DE" sz="2400" dirty="0">
-              <a:solidFill>
-                <a:schemeClr val="tx1">
-                  <a:lumMod val="50000"/>
-                  <a:lumOff val="50000"/>
-                </a:schemeClr>
-              </a:solidFill>
-            </a:endParaRPr>
-          </a:p>
-        </p:txBody>
-      </p:sp>
-      <p:sp>
-        <p:nvSpPr>
-          <p:cNvPr id="3" name="Foliennummernplatzhalter 2">
+      <p:sp>
+        <p:nvSpPr>
+          <p:cNvPr id="5" name="Rectangle 4">
             <a:extLst>
               <a:ext uri="{FF2B5EF4-FFF2-40B4-BE49-F238E27FC236}">
-                <a16:creationId xmlns:a16="http://schemas.microsoft.com/office/drawing/2014/main" id="{356532F3-A40E-3544-BC28-367FA2E6B194}"/>
-              </a:ext>
-            </a:extLst>
-          </p:cNvPr>
-          <p:cNvSpPr>
-            <a:spLocks noGrp="1"/>
-          </p:cNvSpPr>
-          <p:nvPr>
-            <p:ph type="sldNum" sz="quarter" idx="12"/>
-          </p:nvPr>
-        </p:nvSpPr>
-        <p:spPr/>
-        <p:txBody>
-          <a:bodyPr/>
-          <a:lstStyle/>
-          <a:p>
-            <a:fld id="{DEED8D61-E8B6-E041-9D61-71A033DF76C2}" type="slidenum">
-              <a:rPr lang="de-DE" smtClean="0"/>
-              <a:pPr/>
-              <a:t>5</a:t>
-            </a:fld>
-            <a:endParaRPr lang="de-DE" dirty="0"/>
-          </a:p>
-        </p:txBody>
-      </p:sp>
-      <p:sp>
-        <p:nvSpPr>
-          <p:cNvPr id="2" name="Fußzeilenplatzhalter 1">
-            <a:extLst>
-              <a:ext uri="{FF2B5EF4-FFF2-40B4-BE49-F238E27FC236}">
-                <a16:creationId xmlns:a16="http://schemas.microsoft.com/office/drawing/2014/main" id="{1DC7A913-4F53-6346-8764-129A4373CFF4}"/>
-              </a:ext>
-            </a:extLst>
-          </p:cNvPr>
-          <p:cNvSpPr>
-            <a:spLocks noGrp="1"/>
-          </p:cNvSpPr>
-          <p:nvPr>
-            <p:ph type="ftr" sz="quarter" idx="11"/>
-          </p:nvPr>
-        </p:nvSpPr>
-        <p:spPr>
-          <a:xfrm>
-            <a:off x="2483768" y="6251510"/>
-            <a:ext cx="4081964" cy="365125"/>
-          </a:xfrm>
-        </p:spPr>
-        <p:txBody>
-          <a:bodyPr/>
-          <a:lstStyle/>
-          <a:p>
-            <a:endParaRPr lang="de-DE" sz="1400" dirty="0"/>
-          </a:p>
-        </p:txBody>
-      </p:sp>
-      <p:sp>
-        <p:nvSpPr>
-          <p:cNvPr id="8" name="Rechteck 4">
-            <a:extLst>
-              <a:ext uri="{FF2B5EF4-FFF2-40B4-BE49-F238E27FC236}">
-                <a16:creationId xmlns:a16="http://schemas.microsoft.com/office/drawing/2014/main" id="{1D0BF8D9-AC0F-F142-9C26-205384427EA2}"/>
+                <a16:creationId xmlns:a16="http://schemas.microsoft.com/office/drawing/2014/main" id="{489FBB17-4501-DD4D-B472-D24C1A9A2260}"/>
               </a:ext>
             </a:extLst>
           </p:cNvPr>
@@ -9345,303 +10590,89 @@
         </p:nvSpPr>
         <p:spPr>
           <a:xfrm>
-            <a:off x="107505" y="6093296"/>
-            <a:ext cx="2232247" cy="646331"/>
+            <a:off x="171118" y="876228"/>
+            <a:ext cx="2376295" cy="1077218"/>
           </a:xfrm>
           <a:prstGeom prst="rect">
             <a:avLst/>
           </a:prstGeom>
-          <a:ln>
-            <a:solidFill>
-              <a:schemeClr val="bg1"/>
-            </a:solidFill>
-          </a:ln>
-        </p:spPr>
-        <p:style>
-          <a:lnRef idx="2">
-            <a:schemeClr val="dk1"/>
-          </a:lnRef>
-          <a:fillRef idx="1">
-            <a:schemeClr val="lt1"/>
-          </a:fillRef>
-          <a:effectRef idx="0">
-            <a:schemeClr val="dk1"/>
-          </a:effectRef>
-          <a:fontRef idx="minor">
-            <a:schemeClr val="dk1"/>
-          </a:fontRef>
-        </p:style>
-        <p:txBody>
-          <a:bodyPr rtlCol="0" anchor="ctr"/>
+        </p:spPr>
+        <p:txBody>
+          <a:bodyPr wrap="square">
+            <a:spAutoFit/>
+          </a:bodyPr>
           <a:lstStyle/>
           <a:p>
-            <a:pPr algn="ctr"/>
-            <a:endParaRPr lang="de-DE"/>
-          </a:p>
-        </p:txBody>
-      </p:sp>
-      <p:pic>
-        <p:nvPicPr>
-          <p:cNvPr id="9" name="Picture 8">
+            <a:pPr marL="0" lvl="1"/>
+            <a:r>
+              <a:rPr lang="en-GB" sz="1600" dirty="0" err="1">
+                <a:latin typeface="Helvetica" pitchFamily="2" charset="0"/>
+              </a:rPr>
+              <a:t>Eisig</a:t>
+            </a:r>
+            <a:r>
+              <a:rPr lang="en-GB" sz="1600" dirty="0">
+                <a:latin typeface="Helvetica" pitchFamily="2" charset="0"/>
+              </a:rPr>
+              <a:t> (&lt;0), </a:t>
+            </a:r>
+            <a:r>
+              <a:rPr lang="en-GB" sz="1600" dirty="0" err="1">
+                <a:latin typeface="Helvetica" pitchFamily="2" charset="0"/>
+              </a:rPr>
+              <a:t>kalt</a:t>
+            </a:r>
+            <a:r>
+              <a:rPr lang="en-GB" sz="1600" dirty="0">
+                <a:latin typeface="Helvetica" pitchFamily="2" charset="0"/>
+              </a:rPr>
+              <a:t> (01-10), </a:t>
+            </a:r>
+            <a:r>
+              <a:rPr lang="en-GB" sz="1600" dirty="0" err="1">
+                <a:latin typeface="Helvetica" pitchFamily="2" charset="0"/>
+              </a:rPr>
+              <a:t>moderat</a:t>
+            </a:r>
+            <a:r>
+              <a:rPr lang="en-GB" sz="1600" dirty="0">
+                <a:latin typeface="Helvetica" pitchFamily="2" charset="0"/>
+              </a:rPr>
+              <a:t> (11-20), </a:t>
+            </a:r>
+            <a:r>
+              <a:rPr lang="en-GB" sz="1600" dirty="0" err="1">
+                <a:latin typeface="Helvetica" pitchFamily="2" charset="0"/>
+              </a:rPr>
+              <a:t>sommerlich</a:t>
+            </a:r>
+            <a:r>
+              <a:rPr lang="en-GB" sz="1600" dirty="0">
+                <a:latin typeface="Helvetica" pitchFamily="2" charset="0"/>
+              </a:rPr>
+              <a:t> (21-30), </a:t>
+            </a:r>
+            <a:r>
+              <a:rPr lang="en-GB" sz="1600" dirty="0" err="1">
+                <a:latin typeface="Helvetica" pitchFamily="2" charset="0"/>
+              </a:rPr>
+              <a:t>heiß</a:t>
+            </a:r>
+            <a:r>
+              <a:rPr lang="en-GB" sz="1600" dirty="0">
+                <a:latin typeface="Helvetica" pitchFamily="2" charset="0"/>
+              </a:rPr>
+              <a:t> (&gt;31)</a:t>
+            </a:r>
+          </a:p>
+        </p:txBody>
+      </p:sp>
+      <p:sp>
+        <p:nvSpPr>
+          <p:cNvPr id="10" name="Rectangle 9">
             <a:extLst>
               <a:ext uri="{FF2B5EF4-FFF2-40B4-BE49-F238E27FC236}">
-                <a16:creationId xmlns:a16="http://schemas.microsoft.com/office/drawing/2014/main" id="{3904241D-A751-5A4F-9421-80A81ACD8EBA}"/>
-              </a:ext>
-            </a:extLst>
-          </p:cNvPr>
-          <p:cNvPicPr>
-            <a:picLocks noChangeAspect="1"/>
-          </p:cNvPicPr>
-          <p:nvPr/>
-        </p:nvPicPr>
-        <p:blipFill>
-          <a:blip r:embed="rId3">
-            <a:extLst>
-              <a:ext uri="{28A0092B-C50C-407E-A947-70E740481C1C}">
-                <a14:useLocalDpi xmlns:a14="http://schemas.microsoft.com/office/drawing/2010/main" val="0"/>
-              </a:ext>
-            </a:extLst>
-          </a:blip>
-          <a:stretch>
-            <a:fillRect/>
-          </a:stretch>
-        </p:blipFill>
-        <p:spPr>
-          <a:xfrm>
-            <a:off x="712693" y="1153478"/>
-            <a:ext cx="7718614" cy="4618250"/>
-          </a:xfrm>
-          <a:prstGeom prst="rect">
-            <a:avLst/>
-          </a:prstGeom>
-        </p:spPr>
-      </p:pic>
-    </p:spTree>
-    <p:extLst>
-      <p:ext uri="{BB962C8B-B14F-4D97-AF65-F5344CB8AC3E}">
-        <p14:creationId xmlns:p14="http://schemas.microsoft.com/office/powerpoint/2010/main" val="2625220915"/>
-      </p:ext>
-    </p:extLst>
-  </p:cSld>
-  <p:clrMapOvr>
-    <a:masterClrMapping/>
-  </p:clrMapOvr>
-</p:sld>
-</file>
-
-<file path=ppt/slides/slide6.xml><?xml version="1.0" encoding="utf-8"?>
-<p:sld xmlns:a="http://schemas.openxmlformats.org/drawingml/2006/main" xmlns:r="http://schemas.openxmlformats.org/officeDocument/2006/relationships" xmlns:p="http://schemas.openxmlformats.org/presentationml/2006/main">
-  <p:cSld>
-    <p:spTree>
-      <p:nvGrpSpPr>
-        <p:cNvPr id="1" name=""/>
-        <p:cNvGrpSpPr/>
-        <p:nvPr/>
-      </p:nvGrpSpPr>
-      <p:grpSpPr>
-        <a:xfrm>
-          <a:off x="0" y="0"/>
-          <a:ext cx="0" cy="0"/>
-          <a:chOff x="0" y="0"/>
-          <a:chExt cx="0" cy="0"/>
-        </a:xfrm>
-      </p:grpSpPr>
-      <p:sp>
-        <p:nvSpPr>
-          <p:cNvPr id="8194" name="Rectangle 2"/>
-          <p:cNvSpPr>
-            <a:spLocks noGrp="1" noChangeArrowheads="1"/>
-          </p:cNvSpPr>
-          <p:nvPr>
-            <p:ph type="title"/>
-          </p:nvPr>
-        </p:nvSpPr>
-        <p:spPr>
-          <a:xfrm>
-            <a:off x="107505" y="44624"/>
-            <a:ext cx="9000999" cy="761999"/>
-          </a:xfrm>
-        </p:spPr>
-        <p:txBody>
-          <a:bodyPr anchor="ctr"/>
-          <a:lstStyle/>
-          <a:p>
-            <a:pPr>
-              <a:defRPr/>
-            </a:pPr>
-            <a:r>
-              <a:rPr lang="en-GB" sz="2400" dirty="0" err="1">
-                <a:latin typeface="Helvetica" pitchFamily="2" charset="0"/>
-              </a:rPr>
-              <a:t>Balkendiagrammen</a:t>
-            </a:r>
-            <a:r>
-              <a:rPr lang="en-GB" sz="2400" dirty="0">
-                <a:latin typeface="Helvetica" pitchFamily="2" charset="0"/>
-              </a:rPr>
-              <a:t> </a:t>
-            </a:r>
-            <a:r>
-              <a:rPr lang="en-GB" sz="2400" dirty="0" err="1">
-                <a:latin typeface="Helvetica" pitchFamily="2" charset="0"/>
-              </a:rPr>
-              <a:t>mit</a:t>
-            </a:r>
-            <a:r>
-              <a:rPr lang="en-GB" sz="2400" dirty="0">
-                <a:latin typeface="Helvetica" pitchFamily="2" charset="0"/>
-              </a:rPr>
-              <a:t> </a:t>
-            </a:r>
-            <a:r>
-              <a:rPr lang="en-GB" sz="2400" dirty="0" err="1">
-                <a:latin typeface="Helvetica" pitchFamily="2" charset="0"/>
-              </a:rPr>
-              <a:t>Konfidenzintervallen</a:t>
-            </a:r>
-            <a:r>
-              <a:rPr lang="en-GB" sz="2400" dirty="0">
-                <a:latin typeface="Helvetica" pitchFamily="2" charset="0"/>
-              </a:rPr>
-              <a:t> </a:t>
-            </a:r>
-            <a:r>
-              <a:rPr lang="en-GB" sz="2400" dirty="0" err="1">
-                <a:latin typeface="Helvetica" pitchFamily="2" charset="0"/>
-              </a:rPr>
-              <a:t>für</a:t>
-            </a:r>
-            <a:r>
-              <a:rPr lang="en-GB" sz="2400" dirty="0">
-                <a:latin typeface="Helvetica" pitchFamily="2" charset="0"/>
-              </a:rPr>
-              <a:t> </a:t>
-            </a:r>
-            <a:r>
-              <a:rPr lang="en-GB" sz="2400" dirty="0" err="1">
-                <a:latin typeface="Helvetica" pitchFamily="2" charset="0"/>
-              </a:rPr>
-              <a:t>zwei</a:t>
-            </a:r>
-            <a:r>
-              <a:rPr lang="en-GB" sz="2400" dirty="0">
-                <a:latin typeface="Helvetica" pitchFamily="2" charset="0"/>
-              </a:rPr>
-              <a:t> </a:t>
-            </a:r>
-            <a:r>
-              <a:rPr lang="en-GB" sz="2400" dirty="0" err="1">
-                <a:latin typeface="Helvetica" pitchFamily="2" charset="0"/>
-              </a:rPr>
-              <a:t>selbst</a:t>
-            </a:r>
-            <a:r>
-              <a:rPr lang="en-GB" sz="2400" dirty="0">
-                <a:latin typeface="Helvetica" pitchFamily="2" charset="0"/>
-              </a:rPr>
-              <a:t> </a:t>
-            </a:r>
-            <a:r>
-              <a:rPr lang="en-GB" sz="2400" dirty="0" err="1">
-                <a:latin typeface="Helvetica" pitchFamily="2" charset="0"/>
-              </a:rPr>
-              <a:t>erstellte</a:t>
-            </a:r>
-            <a:r>
-              <a:rPr lang="en-GB" sz="2400" dirty="0">
-                <a:latin typeface="Helvetica" pitchFamily="2" charset="0"/>
-              </a:rPr>
-              <a:t> </a:t>
-            </a:r>
-            <a:r>
-              <a:rPr lang="en-GB" sz="2400" dirty="0" err="1">
-                <a:latin typeface="Helvetica" pitchFamily="2" charset="0"/>
-              </a:rPr>
-              <a:t>Variablen</a:t>
-            </a:r>
-            <a:r>
-              <a:rPr lang="en-GB" sz="2400" dirty="0">
-                <a:latin typeface="Helvetica" pitchFamily="2" charset="0"/>
-              </a:rPr>
-              <a:t> (2/2)</a:t>
-            </a:r>
-            <a:endParaRPr lang="de-DE" sz="2400" dirty="0">
-              <a:solidFill>
-                <a:schemeClr val="tx1">
-                  <a:lumMod val="50000"/>
-                  <a:lumOff val="50000"/>
-                </a:schemeClr>
-              </a:solidFill>
-            </a:endParaRPr>
-          </a:p>
-        </p:txBody>
-      </p:sp>
-      <p:sp>
-        <p:nvSpPr>
-          <p:cNvPr id="3" name="Foliennummernplatzhalter 2">
-            <a:extLst>
-              <a:ext uri="{FF2B5EF4-FFF2-40B4-BE49-F238E27FC236}">
-                <a16:creationId xmlns:a16="http://schemas.microsoft.com/office/drawing/2014/main" id="{356532F3-A40E-3544-BC28-367FA2E6B194}"/>
-              </a:ext>
-            </a:extLst>
-          </p:cNvPr>
-          <p:cNvSpPr>
-            <a:spLocks noGrp="1"/>
-          </p:cNvSpPr>
-          <p:nvPr>
-            <p:ph type="sldNum" sz="quarter" idx="12"/>
-          </p:nvPr>
-        </p:nvSpPr>
-        <p:spPr/>
-        <p:txBody>
-          <a:bodyPr/>
-          <a:lstStyle/>
-          <a:p>
-            <a:fld id="{DEED8D61-E8B6-E041-9D61-71A033DF76C2}" type="slidenum">
-              <a:rPr lang="de-DE" smtClean="0"/>
-              <a:pPr/>
-              <a:t>6</a:t>
-            </a:fld>
-            <a:endParaRPr lang="de-DE" dirty="0"/>
-          </a:p>
-        </p:txBody>
-      </p:sp>
-      <p:sp>
-        <p:nvSpPr>
-          <p:cNvPr id="2" name="Fußzeilenplatzhalter 1">
-            <a:extLst>
-              <a:ext uri="{FF2B5EF4-FFF2-40B4-BE49-F238E27FC236}">
-                <a16:creationId xmlns:a16="http://schemas.microsoft.com/office/drawing/2014/main" id="{1DC7A913-4F53-6346-8764-129A4373CFF4}"/>
-              </a:ext>
-            </a:extLst>
-          </p:cNvPr>
-          <p:cNvSpPr>
-            <a:spLocks noGrp="1"/>
-          </p:cNvSpPr>
-          <p:nvPr>
-            <p:ph type="ftr" sz="quarter" idx="11"/>
-          </p:nvPr>
-        </p:nvSpPr>
-        <p:spPr>
-          <a:xfrm>
-            <a:off x="2483768" y="6251510"/>
-            <a:ext cx="4081964" cy="365125"/>
-          </a:xfrm>
-        </p:spPr>
-        <p:txBody>
-          <a:bodyPr/>
-          <a:lstStyle/>
-          <a:p>
-            <a:endParaRPr lang="de-DE" sz="1400" dirty="0"/>
-          </a:p>
-        </p:txBody>
-      </p:sp>
-      <p:sp>
-        <p:nvSpPr>
-          <p:cNvPr id="8" name="Rechteck 4">
-            <a:extLst>
-              <a:ext uri="{FF2B5EF4-FFF2-40B4-BE49-F238E27FC236}">
-                <a16:creationId xmlns:a16="http://schemas.microsoft.com/office/drawing/2014/main" id="{1D0BF8D9-AC0F-F142-9C26-205384427EA2}"/>
+                <a16:creationId xmlns:a16="http://schemas.microsoft.com/office/drawing/2014/main" id="{47C6EB4C-AB82-7244-A860-40CC8638F0E6}"/>
               </a:ext>
             </a:extLst>
           </p:cNvPr>
@@ -9650,81 +10681,337 @@
         </p:nvSpPr>
         <p:spPr>
           <a:xfrm>
-            <a:off x="107505" y="6093296"/>
-            <a:ext cx="2232247" cy="646331"/>
+            <a:off x="3930067" y="1159478"/>
+            <a:ext cx="2286000" cy="338554"/>
           </a:xfrm>
           <a:prstGeom prst="rect">
             <a:avLst/>
           </a:prstGeom>
-          <a:ln>
-            <a:solidFill>
-              <a:schemeClr val="bg1"/>
-            </a:solidFill>
-          </a:ln>
-        </p:spPr>
-        <p:style>
-          <a:lnRef idx="2">
-            <a:schemeClr val="dk1"/>
-          </a:lnRef>
-          <a:fillRef idx="1">
-            <a:schemeClr val="lt1"/>
-          </a:fillRef>
-          <a:effectRef idx="0">
-            <a:schemeClr val="dk1"/>
-          </a:effectRef>
-          <a:fontRef idx="minor">
-            <a:schemeClr val="dk1"/>
-          </a:fontRef>
-        </p:style>
-        <p:txBody>
-          <a:bodyPr rtlCol="0" anchor="ctr"/>
+        </p:spPr>
+        <p:txBody>
+          <a:bodyPr wrap="square">
+            <a:spAutoFit/>
+          </a:bodyPr>
           <a:lstStyle/>
           <a:p>
-            <a:pPr algn="ctr"/>
-            <a:endParaRPr lang="de-DE"/>
-          </a:p>
-        </p:txBody>
-      </p:sp>
-      <p:pic>
-        <p:nvPicPr>
-          <p:cNvPr id="10" name="Picture 9">
+            <a:pPr marL="0" lvl="1"/>
+            <a:r>
+              <a:rPr lang="en-GB" sz="1600" dirty="0">
+                <a:latin typeface="Helvetica" pitchFamily="2" charset="0"/>
+              </a:rPr>
+              <a:t>Regen und Ende</a:t>
+            </a:r>
+            <a:endParaRPr lang="en-GB" sz="1600" dirty="0">
+              <a:solidFill>
+                <a:srgbClr val="FF0000"/>
+              </a:solidFill>
+              <a:latin typeface="Helvetica" pitchFamily="2" charset="0"/>
+            </a:endParaRPr>
+          </a:p>
+        </p:txBody>
+      </p:sp>
+      <p:sp>
+        <p:nvSpPr>
+          <p:cNvPr id="12" name="Rectangle 11">
             <a:extLst>
               <a:ext uri="{FF2B5EF4-FFF2-40B4-BE49-F238E27FC236}">
-                <a16:creationId xmlns:a16="http://schemas.microsoft.com/office/drawing/2014/main" id="{41D9A71D-605F-174F-AD72-E633974AD1CE}"/>
+                <a16:creationId xmlns:a16="http://schemas.microsoft.com/office/drawing/2014/main" id="{DFA687F8-068D-D24F-82A9-405D3113CF73}"/>
               </a:ext>
             </a:extLst>
           </p:cNvPr>
-          <p:cNvPicPr>
-            <a:picLocks noChangeAspect="1"/>
-          </p:cNvPicPr>
+          <p:cNvSpPr/>
           <p:nvPr/>
-        </p:nvPicPr>
-        <p:blipFill>
-          <a:blip r:embed="rId3">
-            <a:extLst>
-              <a:ext uri="{28A0092B-C50C-407E-A947-70E740481C1C}">
-                <a14:useLocalDpi xmlns:a14="http://schemas.microsoft.com/office/drawing/2010/main" val="0"/>
-              </a:ext>
-            </a:extLst>
-          </a:blip>
-          <a:stretch>
-            <a:fillRect/>
-          </a:stretch>
-        </p:blipFill>
+        </p:nvSpPr>
         <p:spPr>
           <a:xfrm>
-            <a:off x="818710" y="1064722"/>
-            <a:ext cx="7506580" cy="4728555"/>
+            <a:off x="2742332" y="910151"/>
+            <a:ext cx="1187735" cy="861774"/>
           </a:xfrm>
           <a:prstGeom prst="rect">
             <a:avLst/>
           </a:prstGeom>
         </p:spPr>
-      </p:pic>
+        <p:txBody>
+          <a:bodyPr wrap="square">
+            <a:spAutoFit/>
+          </a:bodyPr>
+          <a:lstStyle/>
+          <a:p>
+            <a:pPr marL="0" lvl="1"/>
+            <a:r>
+              <a:rPr lang="en-GB" sz="1600" dirty="0" err="1">
+                <a:latin typeface="Helvetica" pitchFamily="2" charset="0"/>
+              </a:rPr>
+              <a:t>Brise</a:t>
+            </a:r>
+            <a:r>
+              <a:rPr lang="en-GB" sz="1600" dirty="0">
+                <a:latin typeface="Helvetica" pitchFamily="2" charset="0"/>
+              </a:rPr>
+              <a:t>, </a:t>
+            </a:r>
+          </a:p>
+          <a:p>
+            <a:pPr marL="0" lvl="1"/>
+            <a:r>
+              <a:rPr lang="en-GB" sz="1600" dirty="0">
+                <a:latin typeface="Helvetica" pitchFamily="2" charset="0"/>
+              </a:rPr>
+              <a:t>Wind und</a:t>
+            </a:r>
+          </a:p>
+          <a:p>
+            <a:pPr marL="0" lvl="1"/>
+            <a:r>
+              <a:rPr lang="en-GB" sz="1600" dirty="0">
+                <a:latin typeface="Helvetica" pitchFamily="2" charset="0"/>
+              </a:rPr>
+              <a:t>Sturm</a:t>
+            </a:r>
+            <a:endParaRPr lang="en-GB" sz="1600" dirty="0">
+              <a:solidFill>
+                <a:srgbClr val="FF0000"/>
+              </a:solidFill>
+              <a:latin typeface="Helvetica" pitchFamily="2" charset="0"/>
+            </a:endParaRPr>
+          </a:p>
+        </p:txBody>
+      </p:sp>
+      <p:cxnSp>
+        <p:nvCxnSpPr>
+          <p:cNvPr id="13" name="Straight Arrow Connector 12">
+            <a:extLst>
+              <a:ext uri="{FF2B5EF4-FFF2-40B4-BE49-F238E27FC236}">
+                <a16:creationId xmlns:a16="http://schemas.microsoft.com/office/drawing/2014/main" id="{6F007467-3DFF-2C42-BF59-DDF4E3D5A538}"/>
+              </a:ext>
+            </a:extLst>
+          </p:cNvPr>
+          <p:cNvCxnSpPr>
+            <a:cxnSpLocks/>
+          </p:cNvCxnSpPr>
+          <p:nvPr/>
+        </p:nvCxnSpPr>
+        <p:spPr>
+          <a:xfrm flipH="1" flipV="1">
+            <a:off x="1251253" y="1800522"/>
+            <a:ext cx="216023" cy="468058"/>
+          </a:xfrm>
+          <a:prstGeom prst="straightConnector1">
+            <a:avLst/>
+          </a:prstGeom>
+          <a:ln>
+            <a:tailEnd type="triangle"/>
+          </a:ln>
+        </p:spPr>
+        <p:style>
+          <a:lnRef idx="2">
+            <a:schemeClr val="accent1"/>
+          </a:lnRef>
+          <a:fillRef idx="0">
+            <a:schemeClr val="accent1"/>
+          </a:fillRef>
+          <a:effectRef idx="1">
+            <a:schemeClr val="accent1"/>
+          </a:effectRef>
+          <a:fontRef idx="minor">
+            <a:schemeClr val="tx1"/>
+          </a:fontRef>
+        </p:style>
+      </p:cxnSp>
+      <p:cxnSp>
+        <p:nvCxnSpPr>
+          <p:cNvPr id="14" name="Straight Arrow Connector 13">
+            <a:extLst>
+              <a:ext uri="{FF2B5EF4-FFF2-40B4-BE49-F238E27FC236}">
+                <a16:creationId xmlns:a16="http://schemas.microsoft.com/office/drawing/2014/main" id="{A48FE078-FE21-0344-91E2-2A6F54EDA6B0}"/>
+              </a:ext>
+            </a:extLst>
+          </p:cNvPr>
+          <p:cNvCxnSpPr>
+            <a:cxnSpLocks/>
+          </p:cNvCxnSpPr>
+          <p:nvPr/>
+        </p:nvCxnSpPr>
+        <p:spPr>
+          <a:xfrm flipV="1">
+            <a:off x="3306493" y="1875453"/>
+            <a:ext cx="54210" cy="418211"/>
+          </a:xfrm>
+          <a:prstGeom prst="straightConnector1">
+            <a:avLst/>
+          </a:prstGeom>
+          <a:ln>
+            <a:tailEnd type="triangle"/>
+          </a:ln>
+        </p:spPr>
+        <p:style>
+          <a:lnRef idx="2">
+            <a:schemeClr val="accent1"/>
+          </a:lnRef>
+          <a:fillRef idx="0">
+            <a:schemeClr val="accent1"/>
+          </a:fillRef>
+          <a:effectRef idx="1">
+            <a:schemeClr val="accent1"/>
+          </a:effectRef>
+          <a:fontRef idx="minor">
+            <a:schemeClr val="tx1"/>
+          </a:fontRef>
+        </p:style>
+      </p:cxnSp>
+      <p:cxnSp>
+        <p:nvCxnSpPr>
+          <p:cNvPr id="17" name="Straight Arrow Connector 16">
+            <a:extLst>
+              <a:ext uri="{FF2B5EF4-FFF2-40B4-BE49-F238E27FC236}">
+                <a16:creationId xmlns:a16="http://schemas.microsoft.com/office/drawing/2014/main" id="{74870723-377A-2B45-A8E6-F9EDAF27764E}"/>
+              </a:ext>
+            </a:extLst>
+          </p:cNvPr>
+          <p:cNvCxnSpPr>
+            <a:cxnSpLocks/>
+          </p:cNvCxnSpPr>
+          <p:nvPr/>
+        </p:nvCxnSpPr>
+        <p:spPr>
+          <a:xfrm flipV="1">
+            <a:off x="5254131" y="1817367"/>
+            <a:ext cx="54210" cy="418211"/>
+          </a:xfrm>
+          <a:prstGeom prst="straightConnector1">
+            <a:avLst/>
+          </a:prstGeom>
+          <a:ln>
+            <a:tailEnd type="triangle"/>
+          </a:ln>
+        </p:spPr>
+        <p:style>
+          <a:lnRef idx="2">
+            <a:schemeClr val="accent1"/>
+          </a:lnRef>
+          <a:fillRef idx="0">
+            <a:schemeClr val="accent1"/>
+          </a:fillRef>
+          <a:effectRef idx="1">
+            <a:schemeClr val="accent1"/>
+          </a:effectRef>
+          <a:fontRef idx="minor">
+            <a:schemeClr val="tx1"/>
+          </a:fontRef>
+        </p:style>
+      </p:cxnSp>
+      <p:sp>
+        <p:nvSpPr>
+          <p:cNvPr id="18" name="Rectangle 17">
+            <a:extLst>
+              <a:ext uri="{FF2B5EF4-FFF2-40B4-BE49-F238E27FC236}">
+                <a16:creationId xmlns:a16="http://schemas.microsoft.com/office/drawing/2014/main" id="{22824AE8-4646-D94E-BE96-789E1898131E}"/>
+              </a:ext>
+            </a:extLst>
+          </p:cNvPr>
+          <p:cNvSpPr/>
+          <p:nvPr/>
+        </p:nvSpPr>
+        <p:spPr>
+          <a:xfrm>
+            <a:off x="6188052" y="986370"/>
+            <a:ext cx="2286000" cy="830997"/>
+          </a:xfrm>
+          <a:prstGeom prst="rect">
+            <a:avLst/>
+          </a:prstGeom>
+        </p:spPr>
+        <p:txBody>
+          <a:bodyPr wrap="square">
+            <a:spAutoFit/>
+          </a:bodyPr>
+          <a:lstStyle/>
+          <a:p>
+            <a:pPr marL="0" lvl="1"/>
+            <a:r>
+              <a:rPr lang="en-GB" sz="1600" dirty="0" err="1">
+                <a:latin typeface="Helvetica" pitchFamily="2" charset="0"/>
+              </a:rPr>
+              <a:t>Abweichung</a:t>
+            </a:r>
+            <a:r>
+              <a:rPr lang="en-GB" sz="1600" dirty="0">
+                <a:latin typeface="Helvetica" pitchFamily="2" charset="0"/>
+              </a:rPr>
+              <a:t> der </a:t>
+            </a:r>
+            <a:r>
+              <a:rPr lang="en-GB" sz="1600" dirty="0" err="1">
+                <a:latin typeface="Helvetica" pitchFamily="2" charset="0"/>
+              </a:rPr>
+              <a:t>durchschnittlichen</a:t>
+            </a:r>
+            <a:r>
+              <a:rPr lang="en-GB" sz="1600" dirty="0">
+                <a:latin typeface="Helvetica" pitchFamily="2" charset="0"/>
+              </a:rPr>
+              <a:t> </a:t>
+            </a:r>
+            <a:r>
+              <a:rPr lang="en-GB" sz="1600" dirty="0" err="1">
+                <a:latin typeface="Helvetica" pitchFamily="2" charset="0"/>
+              </a:rPr>
+              <a:t>Monatstemperatur</a:t>
+            </a:r>
+            <a:endParaRPr lang="en-GB" sz="1600" dirty="0">
+              <a:solidFill>
+                <a:srgbClr val="FF0000"/>
+              </a:solidFill>
+              <a:latin typeface="Helvetica" pitchFamily="2" charset="0"/>
+            </a:endParaRPr>
+          </a:p>
+        </p:txBody>
+      </p:sp>
+      <p:cxnSp>
+        <p:nvCxnSpPr>
+          <p:cNvPr id="19" name="Straight Arrow Connector 18">
+            <a:extLst>
+              <a:ext uri="{FF2B5EF4-FFF2-40B4-BE49-F238E27FC236}">
+                <a16:creationId xmlns:a16="http://schemas.microsoft.com/office/drawing/2014/main" id="{4C0C73EB-EA17-F445-A9CC-13BD2311D77D}"/>
+              </a:ext>
+            </a:extLst>
+          </p:cNvPr>
+          <p:cNvCxnSpPr>
+            <a:cxnSpLocks/>
+          </p:cNvCxnSpPr>
+          <p:nvPr/>
+        </p:nvCxnSpPr>
+        <p:spPr>
+          <a:xfrm flipV="1">
+            <a:off x="6787284" y="1912780"/>
+            <a:ext cx="54210" cy="418211"/>
+          </a:xfrm>
+          <a:prstGeom prst="straightConnector1">
+            <a:avLst/>
+          </a:prstGeom>
+          <a:ln>
+            <a:tailEnd type="triangle"/>
+          </a:ln>
+        </p:spPr>
+        <p:style>
+          <a:lnRef idx="2">
+            <a:schemeClr val="accent1"/>
+          </a:lnRef>
+          <a:fillRef idx="0">
+            <a:schemeClr val="accent1"/>
+          </a:fillRef>
+          <a:effectRef idx="1">
+            <a:schemeClr val="accent1"/>
+          </a:effectRef>
+          <a:fontRef idx="minor">
+            <a:schemeClr val="tx1"/>
+          </a:fontRef>
+        </p:style>
+      </p:cxnSp>
     </p:spTree>
     <p:extLst>
       <p:ext uri="{BB962C8B-B14F-4D97-AF65-F5344CB8AC3E}">
-        <p14:creationId xmlns:p14="http://schemas.microsoft.com/office/powerpoint/2010/main" val="3278179072"/>
+        <p14:creationId xmlns:p14="http://schemas.microsoft.com/office/powerpoint/2010/main" val="3979035863"/>
       </p:ext>
     </p:extLst>
   </p:cSld>
@@ -9805,7 +11092,18 @@
               <a:rPr lang="en-GB" sz="2400" dirty="0">
                 <a:latin typeface="Helvetica" pitchFamily="2" charset="0"/>
               </a:rPr>
-              <a:t> SVM (MAPE je </a:t>
+              <a:t> SVM </a:t>
+            </a:r>
+            <a:br>
+              <a:rPr lang="en-GB" sz="2400" dirty="0">
+                <a:latin typeface="Helvetica" pitchFamily="2" charset="0"/>
+              </a:rPr>
+            </a:br>
+            <a:r>
+              <a:rPr lang="en-GB" sz="2400" dirty="0">
+                <a:latin typeface="Helvetica" pitchFamily="2" charset="0"/>
+              </a:rPr>
+              <a:t>(MAPE je </a:t>
             </a:r>
             <a:r>
               <a:rPr lang="en-GB" sz="2400" dirty="0" err="1">
@@ -9829,19 +11127,7 @@
               <a:rPr lang="en-GB" sz="2400" dirty="0">
                 <a:latin typeface="Helvetica" pitchFamily="2" charset="0"/>
               </a:rPr>
-              <a:t> </a:t>
-            </a:r>
-            <a:r>
-              <a:rPr lang="en-GB" sz="2400" dirty="0" err="1">
-                <a:latin typeface="Helvetica" pitchFamily="2" charset="0"/>
-              </a:rPr>
-              <a:t>für</a:t>
-            </a:r>
-            <a:r>
-              <a:rPr lang="en-GB" sz="2400" dirty="0">
-                <a:latin typeface="Helvetica" pitchFamily="2" charset="0"/>
-              </a:rPr>
-              <a:t> den 04.06.2019)</a:t>
+              <a:t>)</a:t>
             </a:r>
             <a:endParaRPr lang="en-GB" dirty="0">
               <a:latin typeface="Helvetica" pitchFamily="2" charset="0"/>
@@ -10000,8 +11286,8 @@
         </p:nvSpPr>
         <p:spPr>
           <a:xfrm>
-            <a:off x="323528" y="44624"/>
-            <a:ext cx="8496944" cy="761999"/>
+            <a:off x="467544" y="44624"/>
+            <a:ext cx="8676456" cy="761999"/>
           </a:xfrm>
         </p:spPr>
         <p:txBody>
@@ -10009,101 +11295,79 @@
           <a:lstStyle/>
           <a:p>
             <a:r>
-              <a:rPr lang="en-GB" sz="2000" dirty="0" err="1">
+              <a:rPr lang="en-GB" sz="2400" dirty="0" err="1">
                 <a:latin typeface="Helvetica" pitchFamily="2" charset="0"/>
               </a:rPr>
               <a:t>Ergebnisse</a:t>
             </a:r>
             <a:r>
-              <a:rPr lang="en-GB" sz="2000" dirty="0">
+              <a:rPr lang="en-GB" sz="2400" dirty="0">
                 <a:latin typeface="Helvetica" pitchFamily="2" charset="0"/>
               </a:rPr>
               <a:t> der </a:t>
             </a:r>
             <a:r>
-              <a:rPr lang="en-GB" sz="2000" dirty="0" err="1">
+              <a:rPr lang="en-GB" sz="2400" dirty="0" err="1">
                 <a:latin typeface="Helvetica" pitchFamily="2" charset="0"/>
               </a:rPr>
               <a:t>Schätzung</a:t>
             </a:r>
             <a:r>
-              <a:rPr lang="en-GB" sz="2000" dirty="0">
+              <a:rPr lang="en-GB" sz="2400" dirty="0">
                 <a:latin typeface="Helvetica" pitchFamily="2" charset="0"/>
               </a:rPr>
               <a:t> </a:t>
             </a:r>
             <a:r>
-              <a:rPr lang="en-GB" sz="2000" dirty="0" err="1">
-                <a:latin typeface="Helvetica" pitchFamily="2" charset="0"/>
-              </a:rPr>
-              <a:t>eines</a:t>
-            </a:r>
-            <a:r>
-              <a:rPr lang="en-GB" sz="2000" dirty="0">
+              <a:rPr lang="en-GB" sz="2400" dirty="0" err="1">
+                <a:latin typeface="Helvetica" pitchFamily="2" charset="0"/>
+              </a:rPr>
+              <a:t>einer</a:t>
+            </a:r>
+            <a:r>
+              <a:rPr lang="en-GB" sz="2400" dirty="0">
+                <a:latin typeface="Helvetica" pitchFamily="2" charset="0"/>
+              </a:rPr>
+              <a:t> SVM</a:t>
+            </a:r>
+            <a:br>
+              <a:rPr lang="en-GB" sz="2400" dirty="0">
+                <a:latin typeface="Helvetica" pitchFamily="2" charset="0"/>
+              </a:rPr>
+            </a:br>
+            <a:r>
+              <a:rPr lang="en-GB" sz="2400" dirty="0">
+                <a:latin typeface="Helvetica" pitchFamily="2" charset="0"/>
+              </a:rPr>
+              <a:t> (</a:t>
+            </a:r>
+            <a:r>
+              <a:rPr lang="en-GB" sz="2400" dirty="0" err="1">
+                <a:latin typeface="Helvetica" pitchFamily="2" charset="0"/>
+              </a:rPr>
+              <a:t>Vorhersage</a:t>
+            </a:r>
+            <a:r>
+              <a:rPr lang="en-GB" sz="2400" dirty="0">
                 <a:latin typeface="Helvetica" pitchFamily="2" charset="0"/>
               </a:rPr>
               <a:t> </a:t>
             </a:r>
             <a:r>
-              <a:rPr lang="en-GB" sz="2000" dirty="0" err="1">
-                <a:latin typeface="Helvetica" pitchFamily="2" charset="0"/>
-              </a:rPr>
-              <a:t>neuronalen</a:t>
-            </a:r>
-            <a:r>
-              <a:rPr lang="en-GB" sz="2000" dirty="0">
-                <a:latin typeface="Helvetica" pitchFamily="2" charset="0"/>
-              </a:rPr>
-              <a:t> </a:t>
-            </a:r>
-            <a:r>
-              <a:rPr lang="en-GB" sz="2000" dirty="0" err="1">
-                <a:latin typeface="Helvetica" pitchFamily="2" charset="0"/>
-              </a:rPr>
-              <a:t>Netzes</a:t>
-            </a:r>
-            <a:r>
-              <a:rPr lang="en-GB" sz="2000" dirty="0">
-                <a:latin typeface="Helvetica" pitchFamily="2" charset="0"/>
-              </a:rPr>
-              <a:t> (MAPE je </a:t>
-            </a:r>
-            <a:r>
-              <a:rPr lang="en-GB" sz="2000" dirty="0" err="1">
-                <a:latin typeface="Helvetica" pitchFamily="2" charset="0"/>
-              </a:rPr>
-              <a:t>Warengruppe</a:t>
-            </a:r>
-            <a:r>
-              <a:rPr lang="en-GB" sz="2000" dirty="0">
-                <a:latin typeface="Helvetica" pitchFamily="2" charset="0"/>
-              </a:rPr>
-              <a:t> und </a:t>
-            </a:r>
-            <a:r>
-              <a:rPr lang="en-GB" sz="2000" dirty="0" err="1">
-                <a:latin typeface="Helvetica" pitchFamily="2" charset="0"/>
-              </a:rPr>
-              <a:t>Warengruppenumsätze</a:t>
-            </a:r>
-            <a:r>
-              <a:rPr lang="en-GB" sz="2000" dirty="0">
-                <a:latin typeface="Helvetica" pitchFamily="2" charset="0"/>
-              </a:rPr>
-              <a:t> </a:t>
-            </a:r>
-            <a:r>
-              <a:rPr lang="en-GB" sz="2000" dirty="0" err="1">
+              <a:rPr lang="en-GB" sz="2400" dirty="0" err="1">
                 <a:latin typeface="Helvetica" pitchFamily="2" charset="0"/>
               </a:rPr>
               <a:t>für</a:t>
             </a:r>
             <a:r>
-              <a:rPr lang="en-GB" sz="2000" dirty="0">
+              <a:rPr lang="en-GB" sz="2400" dirty="0">
                 <a:latin typeface="Helvetica" pitchFamily="2" charset="0"/>
               </a:rPr>
               <a:t> den 04.06.2019)</a:t>
             </a:r>
+            <a:endParaRPr lang="en-GB" dirty="0">
+              <a:latin typeface="Helvetica" pitchFamily="2" charset="0"/>
+            </a:endParaRPr>
           </a:p>
         </p:txBody>
       </p:sp>
@@ -10219,7 +11483,7 @@
     </p:spTree>
     <p:extLst>
       <p:ext uri="{BB962C8B-B14F-4D97-AF65-F5344CB8AC3E}">
-        <p14:creationId xmlns:p14="http://schemas.microsoft.com/office/powerpoint/2010/main" val="1598717745"/>
+        <p14:creationId xmlns:p14="http://schemas.microsoft.com/office/powerpoint/2010/main" val="3694742450"/>
       </p:ext>
     </p:extLst>
   </p:cSld>
@@ -10258,8 +11522,8 @@
         </p:nvSpPr>
         <p:spPr>
           <a:xfrm>
-            <a:off x="899592" y="44624"/>
-            <a:ext cx="7920880" cy="761999"/>
+            <a:off x="323528" y="44624"/>
+            <a:ext cx="8496944" cy="761999"/>
           </a:xfrm>
         </p:spPr>
         <p:txBody>
@@ -10267,31 +11531,101 @@
           <a:lstStyle/>
           <a:p>
             <a:r>
-              <a:rPr lang="en-GB" sz="2800" dirty="0"/>
-              <a:t>Link </a:t>
-            </a:r>
-            <a:r>
-              <a:rPr lang="en-GB" sz="2800" dirty="0" err="1"/>
-              <a:t>zum</a:t>
-            </a:r>
-            <a:r>
-              <a:rPr lang="en-GB" sz="2800" dirty="0"/>
+              <a:rPr lang="en-GB" sz="2000" dirty="0" err="1">
+                <a:latin typeface="Helvetica" pitchFamily="2" charset="0"/>
+              </a:rPr>
+              <a:t>Ergebnisse</a:t>
+            </a:r>
+            <a:r>
+              <a:rPr lang="en-GB" sz="2000" dirty="0">
+                <a:latin typeface="Helvetica" pitchFamily="2" charset="0"/>
+              </a:rPr>
+              <a:t> der </a:t>
+            </a:r>
+            <a:r>
+              <a:rPr lang="en-GB" sz="2000" dirty="0" err="1">
+                <a:latin typeface="Helvetica" pitchFamily="2" charset="0"/>
+              </a:rPr>
+              <a:t>Schätzung</a:t>
+            </a:r>
+            <a:r>
+              <a:rPr lang="en-GB" sz="2000" dirty="0">
+                <a:latin typeface="Helvetica" pitchFamily="2" charset="0"/>
+              </a:rPr>
               <a:t> </a:t>
             </a:r>
             <a:r>
-              <a:rPr lang="en-GB" dirty="0">
-                <a:latin typeface="Helvetica" pitchFamily="2" charset="0"/>
-              </a:rPr>
-              <a:t>Repository</a:t>
-            </a:r>
-            <a:endParaRPr lang="de-DE" dirty="0">
-              <a:solidFill>
-                <a:schemeClr val="tx1">
-                  <a:lumMod val="50000"/>
-                  <a:lumOff val="50000"/>
-                </a:schemeClr>
-              </a:solidFill>
-            </a:endParaRPr>
+              <a:rPr lang="en-GB" sz="2000" dirty="0" err="1">
+                <a:latin typeface="Helvetica" pitchFamily="2" charset="0"/>
+              </a:rPr>
+              <a:t>eines</a:t>
+            </a:r>
+            <a:r>
+              <a:rPr lang="en-GB" sz="2000" dirty="0">
+                <a:latin typeface="Helvetica" pitchFamily="2" charset="0"/>
+              </a:rPr>
+              <a:t> </a:t>
+            </a:r>
+            <a:r>
+              <a:rPr lang="en-GB" sz="2000" dirty="0" err="1">
+                <a:latin typeface="Helvetica" pitchFamily="2" charset="0"/>
+              </a:rPr>
+              <a:t>neuronalen</a:t>
+            </a:r>
+            <a:r>
+              <a:rPr lang="en-GB" sz="2000" dirty="0">
+                <a:latin typeface="Helvetica" pitchFamily="2" charset="0"/>
+              </a:rPr>
+              <a:t> </a:t>
+            </a:r>
+            <a:r>
+              <a:rPr lang="en-GB" sz="2000" dirty="0" err="1">
+                <a:latin typeface="Helvetica" pitchFamily="2" charset="0"/>
+              </a:rPr>
+              <a:t>Netzes</a:t>
+            </a:r>
+            <a:r>
+              <a:rPr lang="en-GB" sz="2000" dirty="0">
+                <a:latin typeface="Helvetica" pitchFamily="2" charset="0"/>
+              </a:rPr>
+              <a:t> (MAPE je </a:t>
+            </a:r>
+            <a:r>
+              <a:rPr lang="en-GB" sz="2000" dirty="0" err="1">
+                <a:latin typeface="Helvetica" pitchFamily="2" charset="0"/>
+              </a:rPr>
+              <a:t>Warengruppe</a:t>
+            </a:r>
+            <a:r>
+              <a:rPr lang="en-GB" sz="2000" dirty="0">
+                <a:latin typeface="Helvetica" pitchFamily="2" charset="0"/>
+              </a:rPr>
+              <a:t> und </a:t>
+            </a:r>
+            <a:r>
+              <a:rPr lang="en-GB" sz="2000" dirty="0" err="1">
+                <a:latin typeface="Helvetica" pitchFamily="2" charset="0"/>
+              </a:rPr>
+              <a:t>Warengruppenumsätze</a:t>
+            </a:r>
+            <a:r>
+              <a:rPr lang="en-GB" sz="2000" dirty="0">
+                <a:latin typeface="Helvetica" pitchFamily="2" charset="0"/>
+              </a:rPr>
+              <a:t> </a:t>
+            </a:r>
+            <a:r>
+              <a:rPr lang="en-GB" sz="2000" dirty="0" err="1">
+                <a:latin typeface="Helvetica" pitchFamily="2" charset="0"/>
+              </a:rPr>
+              <a:t>für</a:t>
+            </a:r>
+            <a:r>
+              <a:rPr lang="en-GB" sz="2000" dirty="0">
+                <a:latin typeface="Helvetica" pitchFamily="2" charset="0"/>
+              </a:rPr>
+              <a:t> den 04.06.2019)</a:t>
+            </a:r>
           </a:p>
         </p:txBody>
       </p:sp>
@@ -10404,104 +11738,10 @@
           </a:p>
         </p:txBody>
       </p:sp>
-      <p:sp>
-        <p:nvSpPr>
-          <p:cNvPr id="4" name="Rectangle 3">
-            <a:extLst>
-              <a:ext uri="{FF2B5EF4-FFF2-40B4-BE49-F238E27FC236}">
-                <a16:creationId xmlns:a16="http://schemas.microsoft.com/office/drawing/2014/main" id="{84893198-39A3-8746-AB99-C55A25DC00B6}"/>
-              </a:ext>
-            </a:extLst>
-          </p:cNvPr>
-          <p:cNvSpPr/>
-          <p:nvPr/>
-        </p:nvSpPr>
-        <p:spPr>
-          <a:xfrm>
-            <a:off x="2286000" y="2828836"/>
-            <a:ext cx="4572000" cy="1200329"/>
-          </a:xfrm>
-          <a:prstGeom prst="rect">
-            <a:avLst/>
-          </a:prstGeom>
-        </p:spPr>
-        <p:txBody>
-          <a:bodyPr>
-            <a:spAutoFit/>
-          </a:bodyPr>
-          <a:lstStyle/>
-          <a:p>
-            <a:r>
-              <a:rPr lang="en-GB" dirty="0" err="1">
-                <a:latin typeface="Helvetica" pitchFamily="2" charset="0"/>
-              </a:rPr>
-              <a:t>mit</a:t>
-            </a:r>
-            <a:r>
-              <a:rPr lang="en-GB" dirty="0">
-                <a:latin typeface="Helvetica" pitchFamily="2" charset="0"/>
-              </a:rPr>
-              <a:t>:</a:t>
-            </a:r>
-            <a:br>
-              <a:rPr lang="en-GB" dirty="0">
-                <a:latin typeface="Helvetica" pitchFamily="2" charset="0"/>
-              </a:rPr>
-            </a:br>
-            <a:r>
-              <a:rPr lang="en-GB" dirty="0">
-                <a:latin typeface="Helvetica" pitchFamily="2" charset="0"/>
-              </a:rPr>
-              <a:t>• </a:t>
-            </a:r>
-            <a:r>
-              <a:rPr lang="en-GB" dirty="0" err="1">
-                <a:latin typeface="Helvetica" pitchFamily="2" charset="0"/>
-              </a:rPr>
-              <a:t>Datensatz</a:t>
-            </a:r>
-            <a:br>
-              <a:rPr lang="en-GB" dirty="0">
-                <a:latin typeface="Helvetica" pitchFamily="2" charset="0"/>
-              </a:rPr>
-            </a:br>
-            <a:r>
-              <a:rPr lang="en-GB" dirty="0">
-                <a:latin typeface="Helvetica" pitchFamily="2" charset="0"/>
-              </a:rPr>
-              <a:t>• </a:t>
-            </a:r>
-            <a:r>
-              <a:rPr lang="en-GB" dirty="0" err="1">
-                <a:latin typeface="Helvetica" pitchFamily="2" charset="0"/>
-              </a:rPr>
-              <a:t>Programmcode</a:t>
-            </a:r>
-            <a:br>
-              <a:rPr lang="en-GB" dirty="0">
-                <a:latin typeface="Helvetica" pitchFamily="2" charset="0"/>
-              </a:rPr>
-            </a:br>
-            <a:r>
-              <a:rPr lang="en-GB" dirty="0">
-                <a:latin typeface="Helvetica" pitchFamily="2" charset="0"/>
-              </a:rPr>
-              <a:t>• </a:t>
-            </a:r>
-            <a:r>
-              <a:rPr lang="en-GB" dirty="0" err="1">
-                <a:latin typeface="Helvetica" pitchFamily="2" charset="0"/>
-              </a:rPr>
-              <a:t>Präsentation</a:t>
-            </a:r>
-            <a:endParaRPr lang="en-AU" dirty="0"/>
-          </a:p>
-        </p:txBody>
-      </p:sp>
     </p:spTree>
     <p:extLst>
       <p:ext uri="{BB962C8B-B14F-4D97-AF65-F5344CB8AC3E}">
-        <p14:creationId xmlns:p14="http://schemas.microsoft.com/office/powerpoint/2010/main" val="3688979529"/>
+        <p14:creationId xmlns:p14="http://schemas.microsoft.com/office/powerpoint/2010/main" val="1598717745"/>
       </p:ext>
     </p:extLst>
   </p:cSld>

--- a/09-06-2020-Präsentation_Team 5.pptx
+++ b/09-06-2020-Präsentation_Team 5.pptx
@@ -2350,8 +2350,18 @@
           <a:p>
             <a:r>
               <a:rPr lang="de-DE" dirty="0"/>
-              <a:t>SVM: Warengruppe zusammen vs. getrennt</a:t>
-            </a:r>
+              <a:t>SVM: Warengruppe zusammen vs. Getrennt</a:t>
+            </a:r>
+          </a:p>
+          <a:p>
+            <a:endParaRPr lang="de-DE" dirty="0"/>
+          </a:p>
+          <a:p>
+            <a:r>
+              <a:rPr lang="en-DE" dirty="0"/>
+              <a:t>0.2028854 [1] 0.1489262 [1] 0.2094661 [1] 0.2153079 [1] 0.1436756 [1] 0.3832171</a:t>
+            </a:r>
+            <a:endParaRPr lang="de-DE" dirty="0"/>
           </a:p>
         </p:txBody>
       </p:sp>
@@ -11241,6 +11251,1161 @@
           <a:p>
             <a:pPr algn="ctr"/>
             <a:endParaRPr lang="de-DE"/>
+          </a:p>
+        </p:txBody>
+      </p:sp>
+      <p:pic>
+        <p:nvPicPr>
+          <p:cNvPr id="5" name="Picture 4">
+            <a:extLst>
+              <a:ext uri="{FF2B5EF4-FFF2-40B4-BE49-F238E27FC236}">
+                <a16:creationId xmlns:a16="http://schemas.microsoft.com/office/drawing/2014/main" id="{033B07F1-B000-0A4E-ADCE-913E8C6DDFC7}"/>
+              </a:ext>
+            </a:extLst>
+          </p:cNvPr>
+          <p:cNvPicPr>
+            <a:picLocks noChangeAspect="1"/>
+          </p:cNvPicPr>
+          <p:nvPr/>
+        </p:nvPicPr>
+        <p:blipFill rotWithShape="1">
+          <a:blip r:embed="rId3">
+            <a:extLst>
+              <a:ext uri="{28A0092B-C50C-407E-A947-70E740481C1C}">
+                <a14:useLocalDpi xmlns:a14="http://schemas.microsoft.com/office/drawing/2010/main" val="0"/>
+              </a:ext>
+            </a:extLst>
+          </a:blip>
+          <a:srcRect l="25525" b="9827"/>
+          <a:stretch/>
+        </p:blipFill>
+        <p:spPr>
+          <a:xfrm>
+            <a:off x="9252520" y="1050602"/>
+            <a:ext cx="1314698" cy="1683430"/>
+          </a:xfrm>
+          <a:prstGeom prst="rect">
+            <a:avLst/>
+          </a:prstGeom>
+        </p:spPr>
+      </p:pic>
+      <p:graphicFrame>
+        <p:nvGraphicFramePr>
+          <p:cNvPr id="7" name="Table 6">
+            <a:extLst>
+              <a:ext uri="{FF2B5EF4-FFF2-40B4-BE49-F238E27FC236}">
+                <a16:creationId xmlns:a16="http://schemas.microsoft.com/office/drawing/2014/main" id="{841AE8AD-1D61-5541-9A10-57772F06E414}"/>
+              </a:ext>
+            </a:extLst>
+          </p:cNvPr>
+          <p:cNvGraphicFramePr>
+            <a:graphicFrameLocks noGrp="1"/>
+          </p:cNvGraphicFramePr>
+          <p:nvPr>
+            <p:extLst>
+              <p:ext uri="{D42A27DB-BD31-4B8C-83A1-F6EECF244321}">
+                <p14:modId xmlns:p14="http://schemas.microsoft.com/office/powerpoint/2010/main" val="160890577"/>
+              </p:ext>
+            </p:extLst>
+          </p:nvPr>
+        </p:nvGraphicFramePr>
+        <p:xfrm>
+          <a:off x="256464" y="1571155"/>
+          <a:ext cx="8676458" cy="4297680"/>
+        </p:xfrm>
+        <a:graphic>
+          <a:graphicData uri="http://schemas.openxmlformats.org/drawingml/2006/table">
+            <a:tbl>
+              <a:tblPr firstRow="1" bandRow="1">
+                <a:tableStyleId>{5940675A-B579-460E-94D1-54222C63F5DA}</a:tableStyleId>
+              </a:tblPr>
+              <a:tblGrid>
+                <a:gridCol w="920176">
+                  <a:extLst>
+                    <a:ext uri="{9D8B030D-6E8A-4147-A177-3AD203B41FA5}">
+                      <a16:colId xmlns:a16="http://schemas.microsoft.com/office/drawing/2014/main" val="4271733570"/>
+                    </a:ext>
+                  </a:extLst>
+                </a:gridCol>
+                <a:gridCol w="4473298">
+                  <a:extLst>
+                    <a:ext uri="{9D8B030D-6E8A-4147-A177-3AD203B41FA5}">
+                      <a16:colId xmlns:a16="http://schemas.microsoft.com/office/drawing/2014/main" val="4168449459"/>
+                    </a:ext>
+                  </a:extLst>
+                </a:gridCol>
+                <a:gridCol w="1717497">
+                  <a:extLst>
+                    <a:ext uri="{9D8B030D-6E8A-4147-A177-3AD203B41FA5}">
+                      <a16:colId xmlns:a16="http://schemas.microsoft.com/office/drawing/2014/main" val="2005399218"/>
+                    </a:ext>
+                  </a:extLst>
+                </a:gridCol>
+                <a:gridCol w="1565487">
+                  <a:extLst>
+                    <a:ext uri="{9D8B030D-6E8A-4147-A177-3AD203B41FA5}">
+                      <a16:colId xmlns:a16="http://schemas.microsoft.com/office/drawing/2014/main" val="1558430244"/>
+                    </a:ext>
+                  </a:extLst>
+                </a:gridCol>
+              </a:tblGrid>
+              <a:tr h="370840">
+                <a:tc>
+                  <a:txBody>
+                    <a:bodyPr/>
+                    <a:lstStyle/>
+                    <a:p>
+                      <a:r>
+                        <a:rPr lang="en-AU" sz="1600" b="1" dirty="0" err="1"/>
+                        <a:t>Waren-gruppe</a:t>
+                      </a:r>
+                      <a:endParaRPr lang="en-AU" sz="1600" b="1" dirty="0"/>
+                    </a:p>
+                  </a:txBody>
+                  <a:tcPr/>
+                </a:tc>
+                <a:tc>
+                  <a:txBody>
+                    <a:bodyPr/>
+                    <a:lstStyle/>
+                    <a:p>
+                      <a:r>
+                        <a:rPr lang="en-AU" sz="1600" b="1" dirty="0" err="1"/>
+                        <a:t>Variablen</a:t>
+                      </a:r>
+                      <a:endParaRPr lang="en-AU" sz="1600" b="1" dirty="0"/>
+                    </a:p>
+                  </a:txBody>
+                  <a:tcPr/>
+                </a:tc>
+                <a:tc>
+                  <a:txBody>
+                    <a:bodyPr/>
+                    <a:lstStyle/>
+                    <a:p>
+                      <a:pPr marL="0" marR="0" lvl="0" indent="0" algn="l" defTabSz="457144" rtl="0" eaLnBrk="1" fontAlgn="auto" latinLnBrk="0" hangingPunct="1">
+                        <a:lnSpc>
+                          <a:spcPct val="100000"/>
+                        </a:lnSpc>
+                        <a:spcBef>
+                          <a:spcPts val="0"/>
+                        </a:spcBef>
+                        <a:spcAft>
+                          <a:spcPts val="0"/>
+                        </a:spcAft>
+                        <a:buClrTx/>
+                        <a:buSzTx/>
+                        <a:buFontTx/>
+                        <a:buNone/>
+                        <a:tabLst/>
+                        <a:defRPr/>
+                      </a:pPr>
+                      <a:r>
+                        <a:rPr lang="de-DE" sz="1600" b="1" dirty="0"/>
+                        <a:t>MAPEs des Trainings-</a:t>
+                      </a:r>
+                      <a:r>
+                        <a:rPr lang="de-DE" sz="1600" b="1" dirty="0" err="1"/>
+                        <a:t>datensatzes</a:t>
+                      </a:r>
+                      <a:endParaRPr lang="de-DE" sz="1600" b="1" dirty="0"/>
+                    </a:p>
+                  </a:txBody>
+                  <a:tcPr/>
+                </a:tc>
+                <a:tc>
+                  <a:txBody>
+                    <a:bodyPr/>
+                    <a:lstStyle/>
+                    <a:p>
+                      <a:pPr marL="0" marR="0" lvl="0" indent="0" algn="l" defTabSz="457144" rtl="0" eaLnBrk="1" fontAlgn="auto" latinLnBrk="0" hangingPunct="1">
+                        <a:lnSpc>
+                          <a:spcPct val="100000"/>
+                        </a:lnSpc>
+                        <a:spcBef>
+                          <a:spcPts val="0"/>
+                        </a:spcBef>
+                        <a:spcAft>
+                          <a:spcPts val="0"/>
+                        </a:spcAft>
+                        <a:buClrTx/>
+                        <a:buSzTx/>
+                        <a:buFontTx/>
+                        <a:buNone/>
+                        <a:tabLst/>
+                        <a:defRPr/>
+                      </a:pPr>
+                      <a:r>
+                        <a:rPr lang="de-DE" sz="1600" b="1" dirty="0"/>
+                        <a:t>MAPEs des Test-</a:t>
+                      </a:r>
+                      <a:r>
+                        <a:rPr lang="de-DE" sz="1600" b="1" dirty="0" err="1"/>
+                        <a:t>datensatzes</a:t>
+                      </a:r>
+                      <a:endParaRPr lang="de-DE" sz="1600" b="1" dirty="0"/>
+                    </a:p>
+                    <a:p>
+                      <a:endParaRPr lang="en-AU" sz="1600" b="1" dirty="0"/>
+                    </a:p>
+                  </a:txBody>
+                  <a:tcPr/>
+                </a:tc>
+                <a:extLst>
+                  <a:ext uri="{0D108BD9-81ED-4DB2-BD59-A6C34878D82A}">
+                    <a16:rowId xmlns:a16="http://schemas.microsoft.com/office/drawing/2014/main" val="204829037"/>
+                  </a:ext>
+                </a:extLst>
+              </a:tr>
+              <a:tr h="370840">
+                <a:tc>
+                  <a:txBody>
+                    <a:bodyPr/>
+                    <a:lstStyle/>
+                    <a:p>
+                      <a:r>
+                        <a:rPr lang="en-AU" sz="1600" dirty="0"/>
+                        <a:t>1</a:t>
+                      </a:r>
+                    </a:p>
+                  </a:txBody>
+                  <a:tcPr/>
+                </a:tc>
+                <a:tc>
+                  <a:txBody>
+                    <a:bodyPr/>
+                    <a:lstStyle/>
+                    <a:p>
+                      <a:r>
+                        <a:rPr lang="en-AU" sz="1600" dirty="0" err="1">
+                          <a:solidFill>
+                            <a:schemeClr val="accent1"/>
+                          </a:solidFill>
+                        </a:rPr>
+                        <a:t>Wochentag</a:t>
+                      </a:r>
+                      <a:r>
+                        <a:rPr lang="en-AU" sz="1600" dirty="0">
+                          <a:solidFill>
+                            <a:schemeClr val="accent1"/>
+                          </a:solidFill>
+                        </a:rPr>
+                        <a:t> + </a:t>
+                      </a:r>
+                      <a:r>
+                        <a:rPr lang="en-AU" sz="1600" dirty="0" err="1">
+                          <a:solidFill>
+                            <a:schemeClr val="accent1"/>
+                          </a:solidFill>
+                        </a:rPr>
+                        <a:t>Jahreszeit</a:t>
+                      </a:r>
+                      <a:r>
+                        <a:rPr lang="en-AU" sz="1600" dirty="0">
+                          <a:solidFill>
+                            <a:schemeClr val="accent1"/>
+                          </a:solidFill>
+                        </a:rPr>
+                        <a:t> +</a:t>
+                      </a:r>
+                      <a:r>
+                        <a:rPr lang="en-AU" sz="1600" dirty="0" err="1">
+                          <a:solidFill>
+                            <a:schemeClr val="accent1"/>
+                          </a:solidFill>
+                        </a:rPr>
+                        <a:t>KielerWoche+Schulferien</a:t>
+                      </a:r>
+                      <a:endParaRPr lang="en-AU" sz="1600" dirty="0">
+                        <a:solidFill>
+                          <a:schemeClr val="accent1"/>
+                        </a:solidFill>
+                      </a:endParaRPr>
+                    </a:p>
+                    <a:p>
+                      <a:r>
+                        <a:rPr lang="en-AU" sz="1600" dirty="0"/>
+                        <a:t>+</a:t>
+                      </a:r>
+                      <a:r>
+                        <a:rPr lang="en-AU" sz="1600" dirty="0" err="1">
+                          <a:solidFill>
+                            <a:schemeClr val="accent2"/>
+                          </a:solidFill>
+                        </a:rPr>
+                        <a:t>Feiertag</a:t>
+                      </a:r>
+                      <a:endParaRPr lang="en-AU" sz="1600" dirty="0">
+                        <a:solidFill>
+                          <a:schemeClr val="accent2"/>
+                        </a:solidFill>
+                      </a:endParaRPr>
+                    </a:p>
+                  </a:txBody>
+                  <a:tcPr/>
+                </a:tc>
+                <a:tc>
+                  <a:txBody>
+                    <a:bodyPr/>
+                    <a:lstStyle/>
+                    <a:p>
+                      <a:r>
+                        <a:rPr lang="en-DE" sz="1600" dirty="0"/>
+                        <a:t>0.1843669</a:t>
+                      </a:r>
+                    </a:p>
+                  </a:txBody>
+                  <a:tcPr/>
+                </a:tc>
+                <a:tc>
+                  <a:txBody>
+                    <a:bodyPr/>
+                    <a:lstStyle/>
+                    <a:p>
+                      <a:r>
+                        <a:rPr lang="en-DE" sz="1600" dirty="0"/>
+                        <a:t>0.2028854</a:t>
+                      </a:r>
+                      <a:endParaRPr lang="en-AU" sz="1600" dirty="0"/>
+                    </a:p>
+                  </a:txBody>
+                  <a:tcPr/>
+                </a:tc>
+                <a:extLst>
+                  <a:ext uri="{0D108BD9-81ED-4DB2-BD59-A6C34878D82A}">
+                    <a16:rowId xmlns:a16="http://schemas.microsoft.com/office/drawing/2014/main" val="3426599036"/>
+                  </a:ext>
+                </a:extLst>
+              </a:tr>
+              <a:tr h="370840">
+                <a:tc>
+                  <a:txBody>
+                    <a:bodyPr/>
+                    <a:lstStyle/>
+                    <a:p>
+                      <a:r>
+                        <a:rPr lang="en-AU" sz="1600" dirty="0"/>
+                        <a:t>2</a:t>
+                      </a:r>
+                    </a:p>
+                  </a:txBody>
+                  <a:tcPr/>
+                </a:tc>
+                <a:tc>
+                  <a:txBody>
+                    <a:bodyPr/>
+                    <a:lstStyle/>
+                    <a:p>
+                      <a:r>
+                        <a:rPr lang="en-AU" sz="1600" dirty="0" err="1">
+                          <a:solidFill>
+                            <a:schemeClr val="accent1"/>
+                          </a:solidFill>
+                        </a:rPr>
+                        <a:t>Wochentag</a:t>
+                      </a:r>
+                      <a:r>
+                        <a:rPr lang="en-AU" sz="1600" dirty="0">
+                          <a:solidFill>
+                            <a:schemeClr val="accent1"/>
+                          </a:solidFill>
+                        </a:rPr>
+                        <a:t> + </a:t>
+                      </a:r>
+                      <a:r>
+                        <a:rPr lang="en-AU" sz="1600" dirty="0" err="1">
+                          <a:solidFill>
+                            <a:schemeClr val="accent1"/>
+                          </a:solidFill>
+                        </a:rPr>
+                        <a:t>Jahreszeit</a:t>
+                      </a:r>
+                      <a:r>
+                        <a:rPr lang="en-AU" sz="1600" dirty="0">
+                          <a:solidFill>
+                            <a:schemeClr val="accent1"/>
+                          </a:solidFill>
+                        </a:rPr>
+                        <a:t> + </a:t>
+                      </a:r>
+                      <a:r>
+                        <a:rPr lang="en-AU" sz="1600" dirty="0" err="1">
+                          <a:solidFill>
+                            <a:schemeClr val="accent1"/>
+                          </a:solidFill>
+                        </a:rPr>
+                        <a:t>KielerWoche+Schulferien</a:t>
+                      </a:r>
+                      <a:endParaRPr lang="en-AU" sz="1600" dirty="0">
+                        <a:solidFill>
+                          <a:schemeClr val="accent1"/>
+                        </a:solidFill>
+                      </a:endParaRPr>
+                    </a:p>
+                    <a:p>
+                      <a:r>
+                        <a:rPr lang="en-AU" sz="1600" dirty="0"/>
+                        <a:t>+</a:t>
+                      </a:r>
+                      <a:r>
+                        <a:rPr lang="en-AU" sz="1600" dirty="0">
+                          <a:solidFill>
+                            <a:schemeClr val="accent3"/>
+                          </a:solidFill>
+                        </a:rPr>
+                        <a:t>Monat</a:t>
+                      </a:r>
+                    </a:p>
+                  </a:txBody>
+                  <a:tcPr/>
+                </a:tc>
+                <a:tc>
+                  <a:txBody>
+                    <a:bodyPr/>
+                    <a:lstStyle/>
+                    <a:p>
+                      <a:r>
+                        <a:rPr lang="en-DE" sz="1600" dirty="0"/>
+                        <a:t>0.1517002 </a:t>
+                      </a:r>
+                    </a:p>
+                  </a:txBody>
+                  <a:tcPr/>
+                </a:tc>
+                <a:tc>
+                  <a:txBody>
+                    <a:bodyPr/>
+                    <a:lstStyle/>
+                    <a:p>
+                      <a:r>
+                        <a:rPr lang="en-DE" sz="1600" dirty="0"/>
+                        <a:t>0.1489262</a:t>
+                      </a:r>
+                      <a:endParaRPr lang="en-AU" sz="1600" dirty="0"/>
+                    </a:p>
+                  </a:txBody>
+                  <a:tcPr/>
+                </a:tc>
+                <a:extLst>
+                  <a:ext uri="{0D108BD9-81ED-4DB2-BD59-A6C34878D82A}">
+                    <a16:rowId xmlns:a16="http://schemas.microsoft.com/office/drawing/2014/main" val="983178364"/>
+                  </a:ext>
+                </a:extLst>
+              </a:tr>
+              <a:tr h="370840">
+                <a:tc>
+                  <a:txBody>
+                    <a:bodyPr/>
+                    <a:lstStyle/>
+                    <a:p>
+                      <a:r>
+                        <a:rPr lang="en-AU" sz="1600" dirty="0"/>
+                        <a:t>3</a:t>
+                      </a:r>
+                    </a:p>
+                  </a:txBody>
+                  <a:tcPr/>
+                </a:tc>
+                <a:tc>
+                  <a:txBody>
+                    <a:bodyPr/>
+                    <a:lstStyle/>
+                    <a:p>
+                      <a:pPr marL="0" marR="0" lvl="0" indent="0" algn="l" defTabSz="457144" rtl="0" eaLnBrk="1" fontAlgn="auto" latinLnBrk="0" hangingPunct="1">
+                        <a:lnSpc>
+                          <a:spcPct val="100000"/>
+                        </a:lnSpc>
+                        <a:spcBef>
+                          <a:spcPts val="0"/>
+                        </a:spcBef>
+                        <a:spcAft>
+                          <a:spcPts val="0"/>
+                        </a:spcAft>
+                        <a:buClrTx/>
+                        <a:buSzTx/>
+                        <a:buFontTx/>
+                        <a:buNone/>
+                        <a:tabLst/>
+                        <a:defRPr/>
+                      </a:pPr>
+                      <a:r>
+                        <a:rPr lang="en-AU" sz="1600" dirty="0" err="1">
+                          <a:solidFill>
+                            <a:schemeClr val="accent1"/>
+                          </a:solidFill>
+                        </a:rPr>
+                        <a:t>Wochentag</a:t>
+                      </a:r>
+                      <a:r>
+                        <a:rPr lang="en-AU" sz="1600" dirty="0">
+                          <a:solidFill>
+                            <a:schemeClr val="accent1"/>
+                          </a:solidFill>
+                        </a:rPr>
+                        <a:t> + </a:t>
+                      </a:r>
+                      <a:r>
+                        <a:rPr lang="en-AU" sz="1600" dirty="0" err="1">
+                          <a:solidFill>
+                            <a:schemeClr val="accent1"/>
+                          </a:solidFill>
+                        </a:rPr>
+                        <a:t>Jahreszeit</a:t>
+                      </a:r>
+                      <a:r>
+                        <a:rPr lang="en-AU" sz="1600" dirty="0">
+                          <a:solidFill>
+                            <a:schemeClr val="accent1"/>
+                          </a:solidFill>
+                        </a:rPr>
+                        <a:t> + </a:t>
+                      </a:r>
+                      <a:r>
+                        <a:rPr lang="en-AU" sz="1600" dirty="0" err="1">
+                          <a:solidFill>
+                            <a:schemeClr val="accent1"/>
+                          </a:solidFill>
+                        </a:rPr>
+                        <a:t>KielerWoche+Schulferien</a:t>
+                      </a:r>
+                      <a:endParaRPr lang="en-AU" sz="1600" dirty="0">
+                        <a:solidFill>
+                          <a:schemeClr val="accent1"/>
+                        </a:solidFill>
+                      </a:endParaRPr>
+                    </a:p>
+                    <a:p>
+                      <a:pPr marL="0" marR="0" lvl="0" indent="0" algn="l" defTabSz="457144" rtl="0" eaLnBrk="1" fontAlgn="auto" latinLnBrk="0" hangingPunct="1">
+                        <a:lnSpc>
+                          <a:spcPct val="100000"/>
+                        </a:lnSpc>
+                        <a:spcBef>
+                          <a:spcPts val="0"/>
+                        </a:spcBef>
+                        <a:spcAft>
+                          <a:spcPts val="0"/>
+                        </a:spcAft>
+                        <a:buClrTx/>
+                        <a:buSzTx/>
+                        <a:buFontTx/>
+                        <a:buNone/>
+                        <a:tabLst/>
+                        <a:defRPr/>
+                      </a:pPr>
+                      <a:r>
+                        <a:rPr lang="en-AU" sz="1600" dirty="0"/>
+                        <a:t>+</a:t>
+                      </a:r>
+                      <a:r>
+                        <a:rPr lang="en-AU" sz="1600" dirty="0" err="1">
+                          <a:solidFill>
+                            <a:schemeClr val="accent2"/>
+                          </a:solidFill>
+                        </a:rPr>
+                        <a:t>Feiertag</a:t>
+                      </a:r>
+                      <a:r>
+                        <a:rPr lang="en-AU" sz="1600" dirty="0" err="1"/>
+                        <a:t>+</a:t>
+                      </a:r>
+                      <a:r>
+                        <a:rPr lang="en-AU" sz="1600" dirty="0" err="1">
+                          <a:solidFill>
+                            <a:schemeClr val="accent3"/>
+                          </a:solidFill>
+                        </a:rPr>
+                        <a:t>Monat</a:t>
+                      </a:r>
+                      <a:endParaRPr lang="en-AU" sz="1600" dirty="0">
+                        <a:solidFill>
+                          <a:schemeClr val="accent3"/>
+                        </a:solidFill>
+                      </a:endParaRPr>
+                    </a:p>
+                  </a:txBody>
+                  <a:tcPr/>
+                </a:tc>
+                <a:tc>
+                  <a:txBody>
+                    <a:bodyPr/>
+                    <a:lstStyle/>
+                    <a:p>
+                      <a:r>
+                        <a:rPr lang="en-DE" sz="1600" dirty="0"/>
+                        <a:t>0.1992715 </a:t>
+                      </a:r>
+                    </a:p>
+                  </a:txBody>
+                  <a:tcPr/>
+                </a:tc>
+                <a:tc>
+                  <a:txBody>
+                    <a:bodyPr/>
+                    <a:lstStyle/>
+                    <a:p>
+                      <a:r>
+                        <a:rPr lang="en-DE" sz="1600" dirty="0"/>
+                        <a:t>0.2094661 </a:t>
+                      </a:r>
+                      <a:endParaRPr lang="en-AU" sz="1600" dirty="0"/>
+                    </a:p>
+                  </a:txBody>
+                  <a:tcPr/>
+                </a:tc>
+                <a:extLst>
+                  <a:ext uri="{0D108BD9-81ED-4DB2-BD59-A6C34878D82A}">
+                    <a16:rowId xmlns:a16="http://schemas.microsoft.com/office/drawing/2014/main" val="824714965"/>
+                  </a:ext>
+                </a:extLst>
+              </a:tr>
+              <a:tr h="370840">
+                <a:tc>
+                  <a:txBody>
+                    <a:bodyPr/>
+                    <a:lstStyle/>
+                    <a:p>
+                      <a:r>
+                        <a:rPr lang="en-AU" sz="1600" dirty="0"/>
+                        <a:t>4</a:t>
+                      </a:r>
+                    </a:p>
+                  </a:txBody>
+                  <a:tcPr/>
+                </a:tc>
+                <a:tc>
+                  <a:txBody>
+                    <a:bodyPr/>
+                    <a:lstStyle/>
+                    <a:p>
+                      <a:pPr marL="0" marR="0" lvl="0" indent="0" algn="l" defTabSz="457144" rtl="0" eaLnBrk="1" fontAlgn="auto" latinLnBrk="0" hangingPunct="1">
+                        <a:lnSpc>
+                          <a:spcPct val="100000"/>
+                        </a:lnSpc>
+                        <a:spcBef>
+                          <a:spcPts val="0"/>
+                        </a:spcBef>
+                        <a:spcAft>
+                          <a:spcPts val="0"/>
+                        </a:spcAft>
+                        <a:buClrTx/>
+                        <a:buSzTx/>
+                        <a:buFontTx/>
+                        <a:buNone/>
+                        <a:tabLst/>
+                        <a:defRPr/>
+                      </a:pPr>
+                      <a:r>
+                        <a:rPr lang="en-AU" sz="1600" dirty="0" err="1">
+                          <a:solidFill>
+                            <a:schemeClr val="accent1"/>
+                          </a:solidFill>
+                        </a:rPr>
+                        <a:t>Wochentag</a:t>
+                      </a:r>
+                      <a:r>
+                        <a:rPr lang="en-AU" sz="1600" dirty="0">
+                          <a:solidFill>
+                            <a:schemeClr val="accent1"/>
+                          </a:solidFill>
+                        </a:rPr>
+                        <a:t> + </a:t>
+                      </a:r>
+                      <a:r>
+                        <a:rPr lang="en-AU" sz="1600" dirty="0" err="1">
+                          <a:solidFill>
+                            <a:schemeClr val="accent1"/>
+                          </a:solidFill>
+                        </a:rPr>
+                        <a:t>Jahreszeit</a:t>
+                      </a:r>
+                      <a:r>
+                        <a:rPr lang="en-AU" sz="1600" dirty="0">
+                          <a:solidFill>
+                            <a:schemeClr val="accent1"/>
+                          </a:solidFill>
+                        </a:rPr>
+                        <a:t> + </a:t>
+                      </a:r>
+                      <a:r>
+                        <a:rPr lang="en-AU" sz="1600" dirty="0" err="1">
+                          <a:solidFill>
+                            <a:schemeClr val="accent1"/>
+                          </a:solidFill>
+                        </a:rPr>
+                        <a:t>KielerWoche+Schulferien</a:t>
+                      </a:r>
+                      <a:endParaRPr lang="en-AU" sz="1600" dirty="0">
+                        <a:solidFill>
+                          <a:schemeClr val="accent1"/>
+                        </a:solidFill>
+                      </a:endParaRPr>
+                    </a:p>
+                    <a:p>
+                      <a:pPr marL="0" marR="0" lvl="0" indent="0" algn="l" defTabSz="457144" rtl="0" eaLnBrk="1" fontAlgn="auto" latinLnBrk="0" hangingPunct="1">
+                        <a:lnSpc>
+                          <a:spcPct val="100000"/>
+                        </a:lnSpc>
+                        <a:spcBef>
+                          <a:spcPts val="0"/>
+                        </a:spcBef>
+                        <a:spcAft>
+                          <a:spcPts val="0"/>
+                        </a:spcAft>
+                        <a:buClrTx/>
+                        <a:buSzTx/>
+                        <a:buFontTx/>
+                        <a:buNone/>
+                        <a:tabLst/>
+                        <a:defRPr/>
+                      </a:pPr>
+                      <a:r>
+                        <a:rPr lang="en-AU" sz="1600" dirty="0"/>
+                        <a:t>+</a:t>
+                      </a:r>
+                      <a:r>
+                        <a:rPr lang="en-AU" sz="1600" dirty="0" err="1">
+                          <a:solidFill>
+                            <a:schemeClr val="accent2"/>
+                          </a:solidFill>
+                        </a:rPr>
+                        <a:t>Feiertag</a:t>
+                      </a:r>
+                      <a:r>
+                        <a:rPr lang="en-AU" sz="1600" dirty="0" err="1"/>
+                        <a:t>+</a:t>
+                      </a:r>
+                      <a:r>
+                        <a:rPr lang="en-AU" sz="1600" dirty="0" err="1">
+                          <a:solidFill>
+                            <a:schemeClr val="accent3"/>
+                          </a:solidFill>
+                        </a:rPr>
+                        <a:t>Monat</a:t>
+                      </a:r>
+                      <a:endParaRPr lang="en-AU" sz="1600" dirty="0">
+                        <a:solidFill>
+                          <a:schemeClr val="accent3"/>
+                        </a:solidFill>
+                      </a:endParaRPr>
+                    </a:p>
+                  </a:txBody>
+                  <a:tcPr/>
+                </a:tc>
+                <a:tc>
+                  <a:txBody>
+                    <a:bodyPr/>
+                    <a:lstStyle/>
+                    <a:p>
+                      <a:r>
+                        <a:rPr lang="en-DE" sz="1600" dirty="0"/>
+                        <a:t>0.2067729</a:t>
+                      </a:r>
+                    </a:p>
+                  </a:txBody>
+                  <a:tcPr/>
+                </a:tc>
+                <a:tc>
+                  <a:txBody>
+                    <a:bodyPr/>
+                    <a:lstStyle/>
+                    <a:p>
+                      <a:r>
+                        <a:rPr lang="en-DE" sz="1600" dirty="0"/>
+                        <a:t>0.2153079</a:t>
+                      </a:r>
+                      <a:endParaRPr lang="en-AU" sz="1600" dirty="0"/>
+                    </a:p>
+                  </a:txBody>
+                  <a:tcPr/>
+                </a:tc>
+                <a:extLst>
+                  <a:ext uri="{0D108BD9-81ED-4DB2-BD59-A6C34878D82A}">
+                    <a16:rowId xmlns:a16="http://schemas.microsoft.com/office/drawing/2014/main" val="2574431977"/>
+                  </a:ext>
+                </a:extLst>
+              </a:tr>
+              <a:tr h="370840">
+                <a:tc>
+                  <a:txBody>
+                    <a:bodyPr/>
+                    <a:lstStyle/>
+                    <a:p>
+                      <a:r>
+                        <a:rPr lang="en-AU" sz="1600" dirty="0"/>
+                        <a:t>5</a:t>
+                      </a:r>
+                    </a:p>
+                  </a:txBody>
+                  <a:tcPr/>
+                </a:tc>
+                <a:tc>
+                  <a:txBody>
+                    <a:bodyPr/>
+                    <a:lstStyle/>
+                    <a:p>
+                      <a:r>
+                        <a:rPr lang="en-AU" sz="1600" dirty="0" err="1">
+                          <a:solidFill>
+                            <a:schemeClr val="accent1"/>
+                          </a:solidFill>
+                        </a:rPr>
+                        <a:t>Wochentag</a:t>
+                      </a:r>
+                      <a:r>
+                        <a:rPr lang="en-AU" sz="1600" dirty="0">
+                          <a:solidFill>
+                            <a:schemeClr val="accent1"/>
+                          </a:solidFill>
+                        </a:rPr>
+                        <a:t> + </a:t>
+                      </a:r>
+                      <a:r>
+                        <a:rPr lang="en-AU" sz="1600" dirty="0" err="1">
+                          <a:solidFill>
+                            <a:schemeClr val="accent1"/>
+                          </a:solidFill>
+                        </a:rPr>
+                        <a:t>Jahreszeit</a:t>
+                      </a:r>
+                      <a:r>
+                        <a:rPr lang="en-AU" sz="1600" dirty="0">
+                          <a:solidFill>
+                            <a:schemeClr val="accent1"/>
+                          </a:solidFill>
+                        </a:rPr>
+                        <a:t> + </a:t>
+                      </a:r>
+                      <a:r>
+                        <a:rPr lang="en-AU" sz="1600" dirty="0" err="1">
+                          <a:solidFill>
+                            <a:schemeClr val="accent1"/>
+                          </a:solidFill>
+                        </a:rPr>
+                        <a:t>KielerWoche+Schulferien</a:t>
+                      </a:r>
+                      <a:r>
+                        <a:rPr lang="en-AU" sz="1600" dirty="0">
+                          <a:solidFill>
+                            <a:schemeClr val="accent1"/>
+                          </a:solidFill>
+                        </a:rPr>
+                        <a:t> </a:t>
+                      </a:r>
+                      <a:r>
+                        <a:rPr lang="en-AU" sz="1600" dirty="0" err="1">
+                          <a:solidFill>
+                            <a:schemeClr val="accent2"/>
+                          </a:solidFill>
+                        </a:rPr>
+                        <a:t>Feiertag+</a:t>
+                      </a:r>
+                      <a:r>
+                        <a:rPr lang="en-AU" sz="1600" dirty="0" err="1">
+                          <a:solidFill>
+                            <a:schemeClr val="accent3"/>
+                          </a:solidFill>
+                        </a:rPr>
+                        <a:t>Monat</a:t>
+                      </a:r>
+                      <a:endParaRPr lang="en-AU" sz="1600" dirty="0"/>
+                    </a:p>
+                  </a:txBody>
+                  <a:tcPr/>
+                </a:tc>
+                <a:tc>
+                  <a:txBody>
+                    <a:bodyPr/>
+                    <a:lstStyle/>
+                    <a:p>
+                      <a:r>
+                        <a:rPr lang="en-DE" sz="1600" dirty="0"/>
+                        <a:t>0.1427189 </a:t>
+                      </a:r>
+                    </a:p>
+                  </a:txBody>
+                  <a:tcPr/>
+                </a:tc>
+                <a:tc>
+                  <a:txBody>
+                    <a:bodyPr/>
+                    <a:lstStyle/>
+                    <a:p>
+                      <a:r>
+                        <a:rPr lang="en-DE" sz="1600" dirty="0"/>
+                        <a:t>0.1436756</a:t>
+                      </a:r>
+                      <a:endParaRPr lang="en-AU" sz="1600" dirty="0"/>
+                    </a:p>
+                  </a:txBody>
+                  <a:tcPr/>
+                </a:tc>
+                <a:extLst>
+                  <a:ext uri="{0D108BD9-81ED-4DB2-BD59-A6C34878D82A}">
+                    <a16:rowId xmlns:a16="http://schemas.microsoft.com/office/drawing/2014/main" val="1253213471"/>
+                  </a:ext>
+                </a:extLst>
+              </a:tr>
+              <a:tr h="370840">
+                <a:tc>
+                  <a:txBody>
+                    <a:bodyPr/>
+                    <a:lstStyle/>
+                    <a:p>
+                      <a:r>
+                        <a:rPr lang="en-AU" sz="1600" dirty="0"/>
+                        <a:t>6</a:t>
+                      </a:r>
+                    </a:p>
+                  </a:txBody>
+                  <a:tcPr/>
+                </a:tc>
+                <a:tc>
+                  <a:txBody>
+                    <a:bodyPr/>
+                    <a:lstStyle/>
+                    <a:p>
+                      <a:r>
+                        <a:rPr lang="en-AU" sz="1600" dirty="0" err="1">
+                          <a:solidFill>
+                            <a:schemeClr val="accent1"/>
+                          </a:solidFill>
+                        </a:rPr>
+                        <a:t>Wochentag</a:t>
+                      </a:r>
+                      <a:r>
+                        <a:rPr lang="en-AU" sz="1600" dirty="0">
+                          <a:solidFill>
+                            <a:schemeClr val="accent1"/>
+                          </a:solidFill>
+                        </a:rPr>
+                        <a:t> + </a:t>
+                      </a:r>
+                      <a:r>
+                        <a:rPr lang="en-AU" sz="1600" dirty="0" err="1">
+                          <a:solidFill>
+                            <a:schemeClr val="accent1"/>
+                          </a:solidFill>
+                        </a:rPr>
+                        <a:t>Jahreszeit</a:t>
+                      </a:r>
+                      <a:r>
+                        <a:rPr lang="en-AU" sz="1600" dirty="0">
+                          <a:solidFill>
+                            <a:schemeClr val="accent1"/>
+                          </a:solidFill>
+                        </a:rPr>
+                        <a:t> + </a:t>
+                      </a:r>
+                      <a:r>
+                        <a:rPr lang="en-AU" sz="1600" dirty="0" err="1">
+                          <a:solidFill>
+                            <a:schemeClr val="accent1"/>
+                          </a:solidFill>
+                        </a:rPr>
+                        <a:t>KielerWoche</a:t>
+                      </a:r>
+                      <a:r>
+                        <a:rPr lang="en-AU" sz="1600" dirty="0">
+                          <a:solidFill>
+                            <a:schemeClr val="accent1"/>
+                          </a:solidFill>
+                        </a:rPr>
+                        <a:t>+ </a:t>
+                      </a:r>
+                      <a:r>
+                        <a:rPr lang="en-AU" sz="1600" dirty="0" err="1">
+                          <a:solidFill>
+                            <a:schemeClr val="accent1"/>
+                          </a:solidFill>
+                        </a:rPr>
+                        <a:t>Schulferien</a:t>
+                      </a:r>
+                      <a:endParaRPr lang="en-AU" sz="1600" dirty="0">
+                        <a:solidFill>
+                          <a:schemeClr val="accent1"/>
+                        </a:solidFill>
+                      </a:endParaRPr>
+                    </a:p>
+                    <a:p>
+                      <a:r>
+                        <a:rPr lang="en-AU" sz="1600" dirty="0"/>
+                        <a:t>+</a:t>
+                      </a:r>
+                      <a:r>
+                        <a:rPr lang="en-AU" sz="1600" dirty="0" err="1">
+                          <a:solidFill>
+                            <a:schemeClr val="accent3"/>
+                          </a:solidFill>
+                        </a:rPr>
+                        <a:t>Monat</a:t>
+                      </a:r>
+                      <a:r>
+                        <a:rPr lang="en-AU" sz="1600" dirty="0" err="1"/>
+                        <a:t>+</a:t>
+                      </a:r>
+                      <a:r>
+                        <a:rPr lang="en-AU" sz="1600" dirty="0" err="1">
+                          <a:solidFill>
+                            <a:schemeClr val="accent6"/>
+                          </a:solidFill>
+                        </a:rPr>
+                        <a:t>VerlaengertesWE_Mo</a:t>
+                      </a:r>
+                      <a:endParaRPr lang="en-AU" sz="1600" dirty="0">
+                        <a:solidFill>
+                          <a:schemeClr val="accent6"/>
+                        </a:solidFill>
+                      </a:endParaRPr>
+                    </a:p>
+                  </a:txBody>
+                  <a:tcPr/>
+                </a:tc>
+                <a:tc>
+                  <a:txBody>
+                    <a:bodyPr/>
+                    <a:lstStyle/>
+                    <a:p>
+                      <a:pPr marL="0" marR="0" lvl="0" indent="0" algn="l" defTabSz="457144" rtl="0" eaLnBrk="1" fontAlgn="auto" latinLnBrk="0" hangingPunct="1">
+                        <a:lnSpc>
+                          <a:spcPct val="100000"/>
+                        </a:lnSpc>
+                        <a:spcBef>
+                          <a:spcPts val="0"/>
+                        </a:spcBef>
+                        <a:spcAft>
+                          <a:spcPts val="0"/>
+                        </a:spcAft>
+                        <a:buClrTx/>
+                        <a:buSzTx/>
+                        <a:buFontTx/>
+                        <a:buNone/>
+                        <a:tabLst/>
+                        <a:defRPr/>
+                      </a:pPr>
+                      <a:r>
+                        <a:rPr lang="en-DE" sz="1600" dirty="0"/>
+                        <a:t>0.378664</a:t>
+                      </a:r>
+                      <a:endParaRPr lang="en-AU" sz="1600" dirty="0"/>
+                    </a:p>
+                  </a:txBody>
+                  <a:tcPr/>
+                </a:tc>
+                <a:tc>
+                  <a:txBody>
+                    <a:bodyPr/>
+                    <a:lstStyle/>
+                    <a:p>
+                      <a:r>
+                        <a:rPr lang="en-DE" sz="1600" dirty="0"/>
+                        <a:t>0.3832171</a:t>
+                      </a:r>
+                      <a:endParaRPr lang="en-AU" sz="1600" dirty="0"/>
+                    </a:p>
+                  </a:txBody>
+                  <a:tcPr/>
+                </a:tc>
+                <a:extLst>
+                  <a:ext uri="{0D108BD9-81ED-4DB2-BD59-A6C34878D82A}">
+                    <a16:rowId xmlns:a16="http://schemas.microsoft.com/office/drawing/2014/main" val="3521576117"/>
+                  </a:ext>
+                </a:extLst>
+              </a:tr>
+            </a:tbl>
+          </a:graphicData>
+        </a:graphic>
+      </p:graphicFrame>
+      <p:pic>
+        <p:nvPicPr>
+          <p:cNvPr id="11" name="Picture 10">
+            <a:extLst>
+              <a:ext uri="{FF2B5EF4-FFF2-40B4-BE49-F238E27FC236}">
+                <a16:creationId xmlns:a16="http://schemas.microsoft.com/office/drawing/2014/main" id="{3F6E8886-F51F-7A44-B945-5171A38206B5}"/>
+              </a:ext>
+            </a:extLst>
+          </p:cNvPr>
+          <p:cNvPicPr>
+            <a:picLocks noChangeAspect="1"/>
+          </p:cNvPicPr>
+          <p:nvPr/>
+        </p:nvPicPr>
+        <p:blipFill>
+          <a:blip r:embed="rId4">
+            <a:extLst>
+              <a:ext uri="{28A0092B-C50C-407E-A947-70E740481C1C}">
+                <a14:useLocalDpi xmlns:a14="http://schemas.microsoft.com/office/drawing/2010/main" val="0"/>
+              </a:ext>
+            </a:extLst>
+          </a:blip>
+          <a:stretch>
+            <a:fillRect/>
+          </a:stretch>
+        </p:blipFill>
+        <p:spPr>
+          <a:xfrm>
+            <a:off x="9226172" y="2924944"/>
+            <a:ext cx="1587500" cy="1727200"/>
+          </a:xfrm>
+          <a:prstGeom prst="rect">
+            <a:avLst/>
+          </a:prstGeom>
+        </p:spPr>
+      </p:pic>
+      <p:sp>
+        <p:nvSpPr>
+          <p:cNvPr id="13" name="Rectangle 12">
+            <a:extLst>
+              <a:ext uri="{FF2B5EF4-FFF2-40B4-BE49-F238E27FC236}">
+                <a16:creationId xmlns:a16="http://schemas.microsoft.com/office/drawing/2014/main" id="{1E03AB1F-069B-BA48-93CC-89FB93CBA0E5}"/>
+              </a:ext>
+            </a:extLst>
+          </p:cNvPr>
+          <p:cNvSpPr/>
+          <p:nvPr/>
+        </p:nvSpPr>
+        <p:spPr>
+          <a:xfrm>
+            <a:off x="256464" y="1053101"/>
+            <a:ext cx="4256866" cy="338554"/>
+          </a:xfrm>
+          <a:prstGeom prst="rect">
+            <a:avLst/>
+          </a:prstGeom>
+        </p:spPr>
+        <p:txBody>
+          <a:bodyPr wrap="square">
+            <a:spAutoFit/>
+          </a:bodyPr>
+          <a:lstStyle/>
+          <a:p>
+            <a:pPr marL="0" lvl="1"/>
+            <a:r>
+              <a:rPr lang="en-GB" sz="1600" dirty="0">
+                <a:latin typeface="Helvetica" pitchFamily="2" charset="0"/>
+              </a:rPr>
+              <a:t>SVMs: </a:t>
+            </a:r>
+            <a:r>
+              <a:rPr lang="en-GB" sz="1600" dirty="0" err="1">
+                <a:latin typeface="Helvetica" pitchFamily="2" charset="0"/>
+              </a:rPr>
+              <a:t>Warengruppen</a:t>
+            </a:r>
+            <a:r>
+              <a:rPr lang="en-GB" sz="1600" dirty="0">
+                <a:latin typeface="Helvetica" pitchFamily="2" charset="0"/>
+              </a:rPr>
+              <a:t> </a:t>
+            </a:r>
+            <a:r>
+              <a:rPr lang="en-GB" sz="1600" dirty="0" err="1">
+                <a:latin typeface="Helvetica" pitchFamily="2" charset="0"/>
+              </a:rPr>
+              <a:t>getrennt</a:t>
+            </a:r>
+            <a:endParaRPr lang="en-GB" sz="1600" dirty="0">
+              <a:latin typeface="Helvetica" pitchFamily="2" charset="0"/>
+            </a:endParaRPr>
           </a:p>
         </p:txBody>
       </p:sp>

--- a/09-06-2020-Präsentation_Team 5.pptx
+++ b/09-06-2020-Präsentation_Team 5.pptx
@@ -248,7 +248,7 @@
             <a:fld id="{D5AF008F-4A3C-4694-A28F-46ED89460412}" type="datetimeFigureOut">
               <a:rPr lang="de-DE" smtClean="0"/>
               <a:pPr/>
-              <a:t>04.06.20</a:t>
+              <a:t>08.06.2020</a:t>
             </a:fld>
             <a:endParaRPr lang="de-DE"/>
           </a:p>
@@ -407,7 +407,7 @@
             <a:fld id="{312FAAF6-6C93-4406-8FFD-B4AB5AA7608F}" type="slidenum">
               <a:rPr lang="de-DE" smtClean="0"/>
               <a:pPr/>
-              <a:t>‹#›</a:t>
+              <a:t>‹Nr.›</a:t>
             </a:fld>
             <a:endParaRPr lang="de-DE"/>
           </a:p>
@@ -2797,7 +2797,7 @@
             <a:fld id="{DEED8D61-E8B6-E041-9D61-71A033DF76C2}" type="slidenum">
               <a:rPr lang="de-DE" smtClean="0"/>
               <a:pPr/>
-              <a:t>‹#›</a:t>
+              <a:t>‹Nr.›</a:t>
             </a:fld>
             <a:endParaRPr lang="de-DE" dirty="0"/>
           </a:p>
@@ -3070,7 +3070,7 @@
             <a:fld id="{DEED8D61-E8B6-E041-9D61-71A033DF76C2}" type="slidenum">
               <a:rPr lang="de-DE" smtClean="0"/>
               <a:pPr/>
-              <a:t>‹#›</a:t>
+              <a:t>‹Nr.›</a:t>
             </a:fld>
             <a:endParaRPr lang="de-DE" dirty="0"/>
           </a:p>
@@ -3453,7 +3453,7 @@
             <a:fld id="{DEED8D61-E8B6-E041-9D61-71A033DF76C2}" type="slidenum">
               <a:rPr lang="de-DE" smtClean="0"/>
               <a:pPr/>
-              <a:t>‹#›</a:t>
+              <a:t>‹Nr.›</a:t>
             </a:fld>
             <a:endParaRPr lang="de-DE"/>
           </a:p>
@@ -3737,7 +3737,7 @@
             <a:fld id="{DEED8D61-E8B6-E041-9D61-71A033DF76C2}" type="slidenum">
               <a:rPr lang="de-DE" smtClean="0"/>
               <a:pPr/>
-              <a:t>‹#›</a:t>
+              <a:t>‹Nr.›</a:t>
             </a:fld>
             <a:endParaRPr lang="de-DE"/>
           </a:p>
@@ -4151,7 +4151,7 @@
             <a:fld id="{DEED8D61-E8B6-E041-9D61-71A033DF76C2}" type="slidenum">
               <a:rPr lang="de-DE" smtClean="0"/>
               <a:pPr/>
-              <a:t>‹#›</a:t>
+              <a:t>‹Nr.›</a:t>
             </a:fld>
             <a:endParaRPr lang="de-DE"/>
           </a:p>
@@ -4267,7 +4267,7 @@
             <a:fld id="{DEED8D61-E8B6-E041-9D61-71A033DF76C2}" type="slidenum">
               <a:rPr lang="de-DE" smtClean="0"/>
               <a:pPr/>
-              <a:t>‹#›</a:t>
+              <a:t>‹Nr.›</a:t>
             </a:fld>
             <a:endParaRPr lang="de-DE"/>
           </a:p>
@@ -4532,7 +4532,7 @@
             <a:fld id="{DEED8D61-E8B6-E041-9D61-71A033DF76C2}" type="slidenum">
               <a:rPr lang="de-DE" smtClean="0"/>
               <a:pPr/>
-              <a:t>‹#›</a:t>
+              <a:t>‹Nr.›</a:t>
             </a:fld>
             <a:endParaRPr lang="de-DE"/>
           </a:p>
@@ -4776,7 +4776,7 @@
             <a:fld id="{DEED8D61-E8B6-E041-9D61-71A033DF76C2}" type="slidenum">
               <a:rPr lang="de-DE" smtClean="0"/>
               <a:pPr/>
-              <a:t>‹#›</a:t>
+              <a:t>‹Nr.›</a:t>
             </a:fld>
             <a:endParaRPr lang="de-DE"/>
           </a:p>
@@ -4935,7 +4935,7 @@
             <a:fld id="{DEED8D61-E8B6-E041-9D61-71A033DF76C2}" type="slidenum">
               <a:rPr lang="de-DE" smtClean="0"/>
               <a:pPr/>
-              <a:t>‹#›</a:t>
+              <a:t>‹Nr.›</a:t>
             </a:fld>
             <a:endParaRPr lang="de-DE" dirty="0"/>
           </a:p>
@@ -6135,14 +6135,14 @@
           </a:ln>
           <a:extLst>
             <a:ext uri="{909E8E84-426E-40dd-AFC4-6F175D3DCCD1}">
-              <a14:hiddenFill xmlns="" xmlns:a14="http://schemas.microsoft.com/office/drawing/2010/main" xmlns:mv="urn:schemas-microsoft-com:mac:vml" xmlns:mc="http://schemas.openxmlformats.org/markup-compatibility/2006">
+              <a14:hiddenFill xmlns:mc="http://schemas.openxmlformats.org/markup-compatibility/2006" xmlns:mv="urn:schemas-microsoft-com:mac:vml" xmlns:a14="http://schemas.microsoft.com/office/drawing/2010/main" xmlns="">
                 <a:solidFill>
                   <a:srgbClr val="FFFFFF"/>
                 </a:solidFill>
               </a14:hiddenFill>
             </a:ext>
             <a:ext uri="{91240B29-F687-4f45-9708-019B960494DF}">
-              <a14:hiddenLine xmlns="" xmlns:a14="http://schemas.microsoft.com/office/drawing/2010/main" xmlns:mv="urn:schemas-microsoft-com:mac:vml" xmlns:mc="http://schemas.openxmlformats.org/markup-compatibility/2006" w="9525">
+              <a14:hiddenLine xmlns:mc="http://schemas.openxmlformats.org/markup-compatibility/2006" xmlns:mv="urn:schemas-microsoft-com:mac:vml" xmlns:a14="http://schemas.microsoft.com/office/drawing/2010/main" xmlns="" w="9525">
                 <a:solidFill>
                   <a:srgbClr val="000000"/>
                 </a:solidFill>
@@ -6488,14 +6488,14 @@
           </a:ln>
           <a:extLst>
             <a:ext uri="{909E8E84-426E-40dd-AFC4-6F175D3DCCD1}">
-              <a14:hiddenFill xmlns="" xmlns:a14="http://schemas.microsoft.com/office/drawing/2010/main" xmlns:mv="urn:schemas-microsoft-com:mac:vml" xmlns:mc="http://schemas.openxmlformats.org/markup-compatibility/2006">
+              <a14:hiddenFill xmlns:mc="http://schemas.openxmlformats.org/markup-compatibility/2006" xmlns:mv="urn:schemas-microsoft-com:mac:vml" xmlns:a14="http://schemas.microsoft.com/office/drawing/2010/main" xmlns="">
                 <a:solidFill>
                   <a:srgbClr val="FFFFFF"/>
                 </a:solidFill>
               </a14:hiddenFill>
             </a:ext>
             <a:ext uri="{91240B29-F687-4f45-9708-019B960494DF}">
-              <a14:hiddenLine xmlns="" xmlns:a14="http://schemas.microsoft.com/office/drawing/2010/main" xmlns:mv="urn:schemas-microsoft-com:mac:vml" xmlns:mc="http://schemas.openxmlformats.org/markup-compatibility/2006" w="9525">
+              <a14:hiddenLine xmlns:mc="http://schemas.openxmlformats.org/markup-compatibility/2006" xmlns:mv="urn:schemas-microsoft-com:mac:vml" xmlns:a14="http://schemas.microsoft.com/office/drawing/2010/main" xmlns="" w="9525">
                 <a:solidFill>
                   <a:srgbClr val="000000"/>
                 </a:solidFill>
@@ -6841,14 +6841,14 @@
           </a:ln>
           <a:extLst>
             <a:ext uri="{909E8E84-426E-40dd-AFC4-6F175D3DCCD1}">
-              <a14:hiddenFill xmlns="" xmlns:a14="http://schemas.microsoft.com/office/drawing/2010/main" xmlns:mv="urn:schemas-microsoft-com:mac:vml" xmlns:mc="http://schemas.openxmlformats.org/markup-compatibility/2006">
+              <a14:hiddenFill xmlns:mc="http://schemas.openxmlformats.org/markup-compatibility/2006" xmlns:mv="urn:schemas-microsoft-com:mac:vml" xmlns:a14="http://schemas.microsoft.com/office/drawing/2010/main" xmlns="">
                 <a:solidFill>
                   <a:srgbClr val="FFFFFF"/>
                 </a:solidFill>
               </a14:hiddenFill>
             </a:ext>
             <a:ext uri="{91240B29-F687-4f45-9708-019B960494DF}">
-              <a14:hiddenLine xmlns="" xmlns:a14="http://schemas.microsoft.com/office/drawing/2010/main" xmlns:mv="urn:schemas-microsoft-com:mac:vml" xmlns:mc="http://schemas.openxmlformats.org/markup-compatibility/2006" w="9525">
+              <a14:hiddenLine xmlns:mc="http://schemas.openxmlformats.org/markup-compatibility/2006" xmlns:mv="urn:schemas-microsoft-com:mac:vml" xmlns:a14="http://schemas.microsoft.com/office/drawing/2010/main" xmlns="" w="9525">
                 <a:solidFill>
                   <a:srgbClr val="000000"/>
                 </a:solidFill>
@@ -7381,14 +7381,14 @@
           </a:ln>
           <a:extLst>
             <a:ext uri="{909E8E84-426E-40dd-AFC4-6F175D3DCCD1}">
-              <a14:hiddenFill xmlns="" xmlns:a14="http://schemas.microsoft.com/office/drawing/2010/main" xmlns:mv="urn:schemas-microsoft-com:mac:vml" xmlns:mc="http://schemas.openxmlformats.org/markup-compatibility/2006">
+              <a14:hiddenFill xmlns:mc="http://schemas.openxmlformats.org/markup-compatibility/2006" xmlns:mv="urn:schemas-microsoft-com:mac:vml" xmlns:a14="http://schemas.microsoft.com/office/drawing/2010/main" xmlns="">
                 <a:solidFill>
                   <a:srgbClr val="FFFFFF"/>
                 </a:solidFill>
               </a14:hiddenFill>
             </a:ext>
             <a:ext uri="{91240B29-F687-4f45-9708-019B960494DF}">
-              <a14:hiddenLine xmlns="" xmlns:a14="http://schemas.microsoft.com/office/drawing/2010/main" xmlns:mv="urn:schemas-microsoft-com:mac:vml" xmlns:mc="http://schemas.openxmlformats.org/markup-compatibility/2006" w="9525">
+              <a14:hiddenLine xmlns:mc="http://schemas.openxmlformats.org/markup-compatibility/2006" xmlns:mv="urn:schemas-microsoft-com:mac:vml" xmlns:a14="http://schemas.microsoft.com/office/drawing/2010/main" xmlns="" w="9525">
                 <a:solidFill>
                   <a:srgbClr val="000000"/>
                 </a:solidFill>
@@ -8984,14 +8984,14 @@
           </a:ln>
           <a:extLst>
             <a:ext uri="{909E8E84-426E-40dd-AFC4-6F175D3DCCD1}">
-              <a14:hiddenFill xmlns="" xmlns:a14="http://schemas.microsoft.com/office/drawing/2010/main" xmlns:mv="urn:schemas-microsoft-com:mac:vml" xmlns:mc="http://schemas.openxmlformats.org/markup-compatibility/2006">
+              <a14:hiddenFill xmlns:mc="http://schemas.openxmlformats.org/markup-compatibility/2006" xmlns:mv="urn:schemas-microsoft-com:mac:vml" xmlns:a14="http://schemas.microsoft.com/office/drawing/2010/main" xmlns="">
                 <a:solidFill>
                   <a:srgbClr val="FFFFFF"/>
                 </a:solidFill>
               </a14:hiddenFill>
             </a:ext>
             <a:ext uri="{91240B29-F687-4f45-9708-019B960494DF}">
-              <a14:hiddenLine xmlns="" xmlns:a14="http://schemas.microsoft.com/office/drawing/2010/main" xmlns:mv="urn:schemas-microsoft-com:mac:vml" xmlns:mc="http://schemas.openxmlformats.org/markup-compatibility/2006" w="9525">
+              <a14:hiddenLine xmlns:mc="http://schemas.openxmlformats.org/markup-compatibility/2006" xmlns:mv="urn:schemas-microsoft-com:mac:vml" xmlns:a14="http://schemas.microsoft.com/office/drawing/2010/main" xmlns="" w="9525">
                 <a:solidFill>
                   <a:srgbClr val="000000"/>
                 </a:solidFill>
@@ -10360,14 +10360,14 @@
           </a:ln>
           <a:extLst>
             <a:ext uri="{909E8E84-426E-40dd-AFC4-6F175D3DCCD1}">
-              <a14:hiddenFill xmlns="" xmlns:a14="http://schemas.microsoft.com/office/drawing/2010/main" xmlns:mv="urn:schemas-microsoft-com:mac:vml" xmlns:mc="http://schemas.openxmlformats.org/markup-compatibility/2006">
+              <a14:hiddenFill xmlns:mc="http://schemas.openxmlformats.org/markup-compatibility/2006" xmlns:mv="urn:schemas-microsoft-com:mac:vml" xmlns:a14="http://schemas.microsoft.com/office/drawing/2010/main" xmlns="">
                 <a:solidFill>
                   <a:srgbClr val="FFFFFF"/>
                 </a:solidFill>
               </a14:hiddenFill>
             </a:ext>
             <a:ext uri="{91240B29-F687-4f45-9708-019B960494DF}">
-              <a14:hiddenLine xmlns="" xmlns:a14="http://schemas.microsoft.com/office/drawing/2010/main" xmlns:mv="urn:schemas-microsoft-com:mac:vml" xmlns:mc="http://schemas.openxmlformats.org/markup-compatibility/2006" w="9525">
+              <a14:hiddenLine xmlns:mc="http://schemas.openxmlformats.org/markup-compatibility/2006" xmlns:mv="urn:schemas-microsoft-com:mac:vml" xmlns:a14="http://schemas.microsoft.com/office/drawing/2010/main" xmlns="" w="9525">
                 <a:solidFill>
                   <a:srgbClr val="000000"/>
                 </a:solidFill>
@@ -12645,6 +12645,390 @@
           </a:p>
         </p:txBody>
       </p:sp>
+      <p:graphicFrame>
+        <p:nvGraphicFramePr>
+          <p:cNvPr id="6" name="Table 6">
+            <a:extLst>
+              <a:ext uri="{FF2B5EF4-FFF2-40B4-BE49-F238E27FC236}">
+                <a16:creationId xmlns:a16="http://schemas.microsoft.com/office/drawing/2014/main" id="{AC99B8EB-6DC3-40C3-AA17-A33786D34F96}"/>
+              </a:ext>
+            </a:extLst>
+          </p:cNvPr>
+          <p:cNvGraphicFramePr>
+            <a:graphicFrameLocks noGrp="1"/>
+          </p:cNvGraphicFramePr>
+          <p:nvPr>
+            <p:extLst>
+              <p:ext uri="{D42A27DB-BD31-4B8C-83A1-F6EECF244321}">
+                <p14:modId xmlns:p14="http://schemas.microsoft.com/office/powerpoint/2010/main" val="981194413"/>
+              </p:ext>
+            </p:extLst>
+          </p:nvPr>
+        </p:nvGraphicFramePr>
+        <p:xfrm>
+          <a:off x="1403648" y="1262398"/>
+          <a:ext cx="6768752" cy="4231108"/>
+        </p:xfrm>
+        <a:graphic>
+          <a:graphicData uri="http://schemas.openxmlformats.org/drawingml/2006/table">
+            <a:tbl>
+              <a:tblPr firstRow="1" bandRow="1">
+                <a:tableStyleId>{5940675A-B579-460E-94D1-54222C63F5DA}</a:tableStyleId>
+              </a:tblPr>
+              <a:tblGrid>
+                <a:gridCol w="3363832">
+                  <a:extLst>
+                    <a:ext uri="{9D8B030D-6E8A-4147-A177-3AD203B41FA5}">
+                      <a16:colId xmlns:a16="http://schemas.microsoft.com/office/drawing/2014/main" val="4271733570"/>
+                    </a:ext>
+                  </a:extLst>
+                </a:gridCol>
+                <a:gridCol w="3404920">
+                  <a:extLst>
+                    <a:ext uri="{9D8B030D-6E8A-4147-A177-3AD203B41FA5}">
+                      <a16:colId xmlns:a16="http://schemas.microsoft.com/office/drawing/2014/main" val="4168449459"/>
+                    </a:ext>
+                  </a:extLst>
+                </a:gridCol>
+              </a:tblGrid>
+              <a:tr h="604444">
+                <a:tc>
+                  <a:txBody>
+                    <a:bodyPr/>
+                    <a:lstStyle/>
+                    <a:p>
+                      <a:pPr algn="ctr"/>
+                      <a:r>
+                        <a:rPr lang="en-AU" sz="2400" b="1" dirty="0" err="1"/>
+                        <a:t>Warengruppe</a:t>
+                      </a:r>
+                      <a:endParaRPr lang="en-AU" sz="2400" b="1" dirty="0"/>
+                    </a:p>
+                  </a:txBody>
+                  <a:tcPr/>
+                </a:tc>
+                <a:tc>
+                  <a:txBody>
+                    <a:bodyPr/>
+                    <a:lstStyle/>
+                    <a:p>
+                      <a:pPr algn="ctr"/>
+                      <a:r>
+                        <a:rPr lang="en-AU" sz="2400" b="1" dirty="0" err="1"/>
+                        <a:t>Umsatz</a:t>
+                      </a:r>
+                      <a:r>
+                        <a:rPr lang="en-AU" sz="2400" b="1" dirty="0"/>
+                        <a:t>(-</a:t>
+                      </a:r>
+                      <a:r>
+                        <a:rPr lang="en-AU" sz="2400" b="1" dirty="0" err="1"/>
+                        <a:t>vorhersage</a:t>
+                      </a:r>
+                      <a:r>
+                        <a:rPr lang="en-AU" sz="2400" b="1" dirty="0"/>
+                        <a:t>) [</a:t>
+                      </a:r>
+                      <a:r>
+                        <a:rPr lang="de-DE" sz="2400" b="1" dirty="0"/>
+                        <a:t>€</a:t>
+                      </a:r>
+                      <a:r>
+                        <a:rPr lang="en-AU" sz="2400" b="1" dirty="0"/>
+                        <a:t>]</a:t>
+                      </a:r>
+                    </a:p>
+                  </a:txBody>
+                  <a:tcPr/>
+                </a:tc>
+                <a:extLst>
+                  <a:ext uri="{0D108BD9-81ED-4DB2-BD59-A6C34878D82A}">
+                    <a16:rowId xmlns:a16="http://schemas.microsoft.com/office/drawing/2014/main" val="204829037"/>
+                  </a:ext>
+                </a:extLst>
+              </a:tr>
+              <a:tr h="604444">
+                <a:tc>
+                  <a:txBody>
+                    <a:bodyPr/>
+                    <a:lstStyle/>
+                    <a:p>
+                      <a:pPr algn="ctr"/>
+                      <a:r>
+                        <a:rPr lang="en-AU" sz="3200" b="1" dirty="0"/>
+                        <a:t>1</a:t>
+                      </a:r>
+                    </a:p>
+                  </a:txBody>
+                  <a:tcPr/>
+                </a:tc>
+                <a:tc>
+                  <a:txBody>
+                    <a:bodyPr/>
+                    <a:lstStyle/>
+                    <a:p>
+                      <a:pPr algn="ctr"/>
+                      <a:r>
+                        <a:rPr lang="en-AU" sz="3200" b="1" dirty="0">
+                          <a:solidFill>
+                            <a:schemeClr val="accent6">
+                              <a:lumMod val="75000"/>
+                            </a:schemeClr>
+                          </a:solidFill>
+                        </a:rPr>
+                        <a:t>124.67</a:t>
+                      </a:r>
+                    </a:p>
+                  </a:txBody>
+                  <a:tcPr/>
+                </a:tc>
+                <a:extLst>
+                  <a:ext uri="{0D108BD9-81ED-4DB2-BD59-A6C34878D82A}">
+                    <a16:rowId xmlns:a16="http://schemas.microsoft.com/office/drawing/2014/main" val="3426599036"/>
+                  </a:ext>
+                </a:extLst>
+              </a:tr>
+              <a:tr h="604444">
+                <a:tc>
+                  <a:txBody>
+                    <a:bodyPr/>
+                    <a:lstStyle/>
+                    <a:p>
+                      <a:pPr algn="ctr"/>
+                      <a:r>
+                        <a:rPr lang="en-AU" sz="3200" b="1" dirty="0"/>
+                        <a:t>2</a:t>
+                      </a:r>
+                    </a:p>
+                  </a:txBody>
+                  <a:tcPr/>
+                </a:tc>
+                <a:tc>
+                  <a:txBody>
+                    <a:bodyPr/>
+                    <a:lstStyle/>
+                    <a:p>
+                      <a:pPr algn="ctr"/>
+                      <a:r>
+                        <a:rPr lang="en-AU" sz="3200" b="1" dirty="0">
+                          <a:solidFill>
+                            <a:schemeClr val="accent6">
+                              <a:lumMod val="75000"/>
+                            </a:schemeClr>
+                          </a:solidFill>
+                        </a:rPr>
+                        <a:t>398.16</a:t>
+                      </a:r>
+                    </a:p>
+                  </a:txBody>
+                  <a:tcPr/>
+                </a:tc>
+                <a:extLst>
+                  <a:ext uri="{0D108BD9-81ED-4DB2-BD59-A6C34878D82A}">
+                    <a16:rowId xmlns:a16="http://schemas.microsoft.com/office/drawing/2014/main" val="983178364"/>
+                  </a:ext>
+                </a:extLst>
+              </a:tr>
+              <a:tr h="604444">
+                <a:tc>
+                  <a:txBody>
+                    <a:bodyPr/>
+                    <a:lstStyle/>
+                    <a:p>
+                      <a:pPr algn="ctr"/>
+                      <a:r>
+                        <a:rPr lang="en-AU" sz="3200" b="1" dirty="0"/>
+                        <a:t>3</a:t>
+                      </a:r>
+                    </a:p>
+                  </a:txBody>
+                  <a:tcPr/>
+                </a:tc>
+                <a:tc>
+                  <a:txBody>
+                    <a:bodyPr/>
+                    <a:lstStyle/>
+                    <a:p>
+                      <a:pPr marL="0" marR="0" lvl="0" indent="0" algn="ctr" defTabSz="457144" rtl="0" eaLnBrk="1" fontAlgn="auto" latinLnBrk="0" hangingPunct="1">
+                        <a:lnSpc>
+                          <a:spcPct val="100000"/>
+                        </a:lnSpc>
+                        <a:spcBef>
+                          <a:spcPts val="0"/>
+                        </a:spcBef>
+                        <a:spcAft>
+                          <a:spcPts val="0"/>
+                        </a:spcAft>
+                        <a:buClrTx/>
+                        <a:buSzTx/>
+                        <a:buFontTx/>
+                        <a:buNone/>
+                        <a:tabLst/>
+                        <a:defRPr/>
+                      </a:pPr>
+                      <a:r>
+                        <a:rPr lang="en-AU" sz="3200" b="1" dirty="0">
+                          <a:solidFill>
+                            <a:schemeClr val="accent6">
+                              <a:lumMod val="75000"/>
+                            </a:schemeClr>
+                          </a:solidFill>
+                        </a:rPr>
+                        <a:t>167.4</a:t>
+                      </a:r>
+                    </a:p>
+                  </a:txBody>
+                  <a:tcPr/>
+                </a:tc>
+                <a:extLst>
+                  <a:ext uri="{0D108BD9-81ED-4DB2-BD59-A6C34878D82A}">
+                    <a16:rowId xmlns:a16="http://schemas.microsoft.com/office/drawing/2014/main" val="824714965"/>
+                  </a:ext>
+                </a:extLst>
+              </a:tr>
+              <a:tr h="604444">
+                <a:tc>
+                  <a:txBody>
+                    <a:bodyPr/>
+                    <a:lstStyle/>
+                    <a:p>
+                      <a:pPr algn="ctr"/>
+                      <a:r>
+                        <a:rPr lang="en-AU" sz="3200" b="1" dirty="0"/>
+                        <a:t>4</a:t>
+                      </a:r>
+                    </a:p>
+                  </a:txBody>
+                  <a:tcPr/>
+                </a:tc>
+                <a:tc>
+                  <a:txBody>
+                    <a:bodyPr/>
+                    <a:lstStyle/>
+                    <a:p>
+                      <a:pPr marL="0" marR="0" lvl="0" indent="0" algn="ctr" defTabSz="457144" rtl="0" eaLnBrk="1" fontAlgn="auto" latinLnBrk="0" hangingPunct="1">
+                        <a:lnSpc>
+                          <a:spcPct val="100000"/>
+                        </a:lnSpc>
+                        <a:spcBef>
+                          <a:spcPts val="0"/>
+                        </a:spcBef>
+                        <a:spcAft>
+                          <a:spcPts val="0"/>
+                        </a:spcAft>
+                        <a:buClrTx/>
+                        <a:buSzTx/>
+                        <a:buFontTx/>
+                        <a:buNone/>
+                        <a:tabLst/>
+                        <a:defRPr/>
+                      </a:pPr>
+                      <a:r>
+                        <a:rPr lang="en-AU" sz="3200" b="1" dirty="0">
+                          <a:solidFill>
+                            <a:schemeClr val="accent6">
+                              <a:lumMod val="75000"/>
+                            </a:schemeClr>
+                          </a:solidFill>
+                        </a:rPr>
+                        <a:t>85.04</a:t>
+                      </a:r>
+                    </a:p>
+                  </a:txBody>
+                  <a:tcPr/>
+                </a:tc>
+                <a:extLst>
+                  <a:ext uri="{0D108BD9-81ED-4DB2-BD59-A6C34878D82A}">
+                    <a16:rowId xmlns:a16="http://schemas.microsoft.com/office/drawing/2014/main" val="2574431977"/>
+                  </a:ext>
+                </a:extLst>
+              </a:tr>
+              <a:tr h="604444">
+                <a:tc>
+                  <a:txBody>
+                    <a:bodyPr/>
+                    <a:lstStyle/>
+                    <a:p>
+                      <a:pPr algn="ctr"/>
+                      <a:r>
+                        <a:rPr lang="en-AU" sz="3200" b="1" dirty="0"/>
+                        <a:t>5</a:t>
+                      </a:r>
+                    </a:p>
+                  </a:txBody>
+                  <a:tcPr/>
+                </a:tc>
+                <a:tc>
+                  <a:txBody>
+                    <a:bodyPr/>
+                    <a:lstStyle/>
+                    <a:p>
+                      <a:pPr algn="ctr"/>
+                      <a:r>
+                        <a:rPr lang="en-AU" sz="3200" b="1" dirty="0">
+                          <a:solidFill>
+                            <a:schemeClr val="accent6">
+                              <a:lumMod val="75000"/>
+                            </a:schemeClr>
+                          </a:solidFill>
+                        </a:rPr>
+                        <a:t>285.3</a:t>
+                      </a:r>
+                    </a:p>
+                  </a:txBody>
+                  <a:tcPr/>
+                </a:tc>
+                <a:extLst>
+                  <a:ext uri="{0D108BD9-81ED-4DB2-BD59-A6C34878D82A}">
+                    <a16:rowId xmlns:a16="http://schemas.microsoft.com/office/drawing/2014/main" val="1253213471"/>
+                  </a:ext>
+                </a:extLst>
+              </a:tr>
+              <a:tr h="604444">
+                <a:tc>
+                  <a:txBody>
+                    <a:bodyPr/>
+                    <a:lstStyle/>
+                    <a:p>
+                      <a:pPr algn="ctr"/>
+                      <a:r>
+                        <a:rPr lang="en-AU" sz="3200" b="1" dirty="0"/>
+                        <a:t>6</a:t>
+                      </a:r>
+                    </a:p>
+                  </a:txBody>
+                  <a:tcPr/>
+                </a:tc>
+                <a:tc>
+                  <a:txBody>
+                    <a:bodyPr/>
+                    <a:lstStyle/>
+                    <a:p>
+                      <a:pPr algn="ctr"/>
+                      <a:r>
+                        <a:rPr lang="en-AU" sz="3200" b="1" dirty="0">
+                          <a:solidFill>
+                            <a:schemeClr val="accent6">
+                              <a:lumMod val="75000"/>
+                            </a:schemeClr>
+                          </a:solidFill>
+                        </a:rPr>
+                        <a:t>53.05</a:t>
+                      </a:r>
+                    </a:p>
+                  </a:txBody>
+                  <a:tcPr/>
+                </a:tc>
+                <a:extLst>
+                  <a:ext uri="{0D108BD9-81ED-4DB2-BD59-A6C34878D82A}">
+                    <a16:rowId xmlns:a16="http://schemas.microsoft.com/office/drawing/2014/main" val="3521576117"/>
+                  </a:ext>
+                </a:extLst>
+              </a:tr>
+            </a:tbl>
+          </a:graphicData>
+        </a:graphic>
+      </p:graphicFrame>
     </p:spTree>
     <p:extLst>
       <p:ext uri="{BB962C8B-B14F-4D97-AF65-F5344CB8AC3E}">

--- a/09-06-2020-Präsentation_Team 5.pptx
+++ b/09-06-2020-Präsentation_Team 5.pptx
@@ -14,7 +14,7 @@
     <p:sldId id="652" r:id="rId5"/>
     <p:sldId id="644" r:id="rId6"/>
     <p:sldId id="653" r:id="rId7"/>
-    <p:sldId id="646" r:id="rId8"/>
+    <p:sldId id="655" r:id="rId8"/>
     <p:sldId id="654" r:id="rId9"/>
     <p:sldId id="647" r:id="rId10"/>
     <p:sldId id="648" r:id="rId11"/>
@@ -248,7 +248,7 @@
             <a:fld id="{D5AF008F-4A3C-4694-A28F-46ED89460412}" type="datetimeFigureOut">
               <a:rPr lang="de-DE" smtClean="0"/>
               <a:pPr/>
-              <a:t>08.06.2020</a:t>
+              <a:t>08.06.20</a:t>
             </a:fld>
             <a:endParaRPr lang="de-DE"/>
           </a:p>
@@ -407,7 +407,7 @@
             <a:fld id="{312FAAF6-6C93-4406-8FFD-B4AB5AA7608F}" type="slidenum">
               <a:rPr lang="de-DE" smtClean="0"/>
               <a:pPr/>
-              <a:t>‹Nr.›</a:t>
+              <a:t>‹#›</a:t>
             </a:fld>
             <a:endParaRPr lang="de-DE"/>
           </a:p>
@@ -2356,13 +2356,6 @@
           <a:p>
             <a:endParaRPr lang="de-DE" dirty="0"/>
           </a:p>
-          <a:p>
-            <a:r>
-              <a:rPr lang="en-DE" dirty="0"/>
-              <a:t>0.2028854 [1] 0.1489262 [1] 0.2094661 [1] 0.2153079 [1] 0.1436756 [1] 0.3832171</a:t>
-            </a:r>
-            <a:endParaRPr lang="de-DE" dirty="0"/>
-          </a:p>
         </p:txBody>
       </p:sp>
       <p:sp>
@@ -2392,7 +2385,7 @@
     </p:spTree>
     <p:extLst>
       <p:ext uri="{BB962C8B-B14F-4D97-AF65-F5344CB8AC3E}">
-        <p14:creationId xmlns:p14="http://schemas.microsoft.com/office/powerpoint/2010/main" val="2852953737"/>
+        <p14:creationId xmlns:p14="http://schemas.microsoft.com/office/powerpoint/2010/main" val="2331873986"/>
       </p:ext>
     </p:extLst>
   </p:cSld>
@@ -2797,7 +2790,7 @@
             <a:fld id="{DEED8D61-E8B6-E041-9D61-71A033DF76C2}" type="slidenum">
               <a:rPr lang="de-DE" smtClean="0"/>
               <a:pPr/>
-              <a:t>‹Nr.›</a:t>
+              <a:t>‹#›</a:t>
             </a:fld>
             <a:endParaRPr lang="de-DE" dirty="0"/>
           </a:p>
@@ -3070,7 +3063,7 @@
             <a:fld id="{DEED8D61-E8B6-E041-9D61-71A033DF76C2}" type="slidenum">
               <a:rPr lang="de-DE" smtClean="0"/>
               <a:pPr/>
-              <a:t>‹Nr.›</a:t>
+              <a:t>‹#›</a:t>
             </a:fld>
             <a:endParaRPr lang="de-DE" dirty="0"/>
           </a:p>
@@ -3453,7 +3446,7 @@
             <a:fld id="{DEED8D61-E8B6-E041-9D61-71A033DF76C2}" type="slidenum">
               <a:rPr lang="de-DE" smtClean="0"/>
               <a:pPr/>
-              <a:t>‹Nr.›</a:t>
+              <a:t>‹#›</a:t>
             </a:fld>
             <a:endParaRPr lang="de-DE"/>
           </a:p>
@@ -3737,7 +3730,7 @@
             <a:fld id="{DEED8D61-E8B6-E041-9D61-71A033DF76C2}" type="slidenum">
               <a:rPr lang="de-DE" smtClean="0"/>
               <a:pPr/>
-              <a:t>‹Nr.›</a:t>
+              <a:t>‹#›</a:t>
             </a:fld>
             <a:endParaRPr lang="de-DE"/>
           </a:p>
@@ -4151,7 +4144,7 @@
             <a:fld id="{DEED8D61-E8B6-E041-9D61-71A033DF76C2}" type="slidenum">
               <a:rPr lang="de-DE" smtClean="0"/>
               <a:pPr/>
-              <a:t>‹Nr.›</a:t>
+              <a:t>‹#›</a:t>
             </a:fld>
             <a:endParaRPr lang="de-DE"/>
           </a:p>
@@ -4267,7 +4260,7 @@
             <a:fld id="{DEED8D61-E8B6-E041-9D61-71A033DF76C2}" type="slidenum">
               <a:rPr lang="de-DE" smtClean="0"/>
               <a:pPr/>
-              <a:t>‹Nr.›</a:t>
+              <a:t>‹#›</a:t>
             </a:fld>
             <a:endParaRPr lang="de-DE"/>
           </a:p>
@@ -4532,7 +4525,7 @@
             <a:fld id="{DEED8D61-E8B6-E041-9D61-71A033DF76C2}" type="slidenum">
               <a:rPr lang="de-DE" smtClean="0"/>
               <a:pPr/>
-              <a:t>‹Nr.›</a:t>
+              <a:t>‹#›</a:t>
             </a:fld>
             <a:endParaRPr lang="de-DE"/>
           </a:p>
@@ -4776,7 +4769,7 @@
             <a:fld id="{DEED8D61-E8B6-E041-9D61-71A033DF76C2}" type="slidenum">
               <a:rPr lang="de-DE" smtClean="0"/>
               <a:pPr/>
-              <a:t>‹Nr.›</a:t>
+              <a:t>‹#›</a:t>
             </a:fld>
             <a:endParaRPr lang="de-DE"/>
           </a:p>
@@ -4935,7 +4928,7 @@
             <a:fld id="{DEED8D61-E8B6-E041-9D61-71A033DF76C2}" type="slidenum">
               <a:rPr lang="de-DE" smtClean="0"/>
               <a:pPr/>
-              <a:t>‹Nr.›</a:t>
+              <a:t>‹#›</a:t>
             </a:fld>
             <a:endParaRPr lang="de-DE" dirty="0"/>
           </a:p>
@@ -6135,14 +6128,14 @@
           </a:ln>
           <a:extLst>
             <a:ext uri="{909E8E84-426E-40dd-AFC4-6F175D3DCCD1}">
-              <a14:hiddenFill xmlns:mc="http://schemas.openxmlformats.org/markup-compatibility/2006" xmlns:mv="urn:schemas-microsoft-com:mac:vml" xmlns:a14="http://schemas.microsoft.com/office/drawing/2010/main" xmlns="">
+              <a14:hiddenFill xmlns="" xmlns:a14="http://schemas.microsoft.com/office/drawing/2010/main" xmlns:mv="urn:schemas-microsoft-com:mac:vml" xmlns:mc="http://schemas.openxmlformats.org/markup-compatibility/2006">
                 <a:solidFill>
                   <a:srgbClr val="FFFFFF"/>
                 </a:solidFill>
               </a14:hiddenFill>
             </a:ext>
             <a:ext uri="{91240B29-F687-4f45-9708-019B960494DF}">
-              <a14:hiddenLine xmlns:mc="http://schemas.openxmlformats.org/markup-compatibility/2006" xmlns:mv="urn:schemas-microsoft-com:mac:vml" xmlns:a14="http://schemas.microsoft.com/office/drawing/2010/main" xmlns="" w="9525">
+              <a14:hiddenLine xmlns="" xmlns:a14="http://schemas.microsoft.com/office/drawing/2010/main" xmlns:mv="urn:schemas-microsoft-com:mac:vml" xmlns:mc="http://schemas.openxmlformats.org/markup-compatibility/2006" w="9525">
                 <a:solidFill>
                   <a:srgbClr val="000000"/>
                 </a:solidFill>
@@ -6488,14 +6481,14 @@
           </a:ln>
           <a:extLst>
             <a:ext uri="{909E8E84-426E-40dd-AFC4-6F175D3DCCD1}">
-              <a14:hiddenFill xmlns:mc="http://schemas.openxmlformats.org/markup-compatibility/2006" xmlns:mv="urn:schemas-microsoft-com:mac:vml" xmlns:a14="http://schemas.microsoft.com/office/drawing/2010/main" xmlns="">
+              <a14:hiddenFill xmlns="" xmlns:a14="http://schemas.microsoft.com/office/drawing/2010/main" xmlns:mv="urn:schemas-microsoft-com:mac:vml" xmlns:mc="http://schemas.openxmlformats.org/markup-compatibility/2006">
                 <a:solidFill>
                   <a:srgbClr val="FFFFFF"/>
                 </a:solidFill>
               </a14:hiddenFill>
             </a:ext>
             <a:ext uri="{91240B29-F687-4f45-9708-019B960494DF}">
-              <a14:hiddenLine xmlns:mc="http://schemas.openxmlformats.org/markup-compatibility/2006" xmlns:mv="urn:schemas-microsoft-com:mac:vml" xmlns:a14="http://schemas.microsoft.com/office/drawing/2010/main" xmlns="" w="9525">
+              <a14:hiddenLine xmlns="" xmlns:a14="http://schemas.microsoft.com/office/drawing/2010/main" xmlns:mv="urn:schemas-microsoft-com:mac:vml" xmlns:mc="http://schemas.openxmlformats.org/markup-compatibility/2006" w="9525">
                 <a:solidFill>
                   <a:srgbClr val="000000"/>
                 </a:solidFill>
@@ -6841,14 +6834,14 @@
           </a:ln>
           <a:extLst>
             <a:ext uri="{909E8E84-426E-40dd-AFC4-6F175D3DCCD1}">
-              <a14:hiddenFill xmlns:mc="http://schemas.openxmlformats.org/markup-compatibility/2006" xmlns:mv="urn:schemas-microsoft-com:mac:vml" xmlns:a14="http://schemas.microsoft.com/office/drawing/2010/main" xmlns="">
+              <a14:hiddenFill xmlns="" xmlns:a14="http://schemas.microsoft.com/office/drawing/2010/main" xmlns:mv="urn:schemas-microsoft-com:mac:vml" xmlns:mc="http://schemas.openxmlformats.org/markup-compatibility/2006">
                 <a:solidFill>
                   <a:srgbClr val="FFFFFF"/>
                 </a:solidFill>
               </a14:hiddenFill>
             </a:ext>
             <a:ext uri="{91240B29-F687-4f45-9708-019B960494DF}">
-              <a14:hiddenLine xmlns:mc="http://schemas.openxmlformats.org/markup-compatibility/2006" xmlns:mv="urn:schemas-microsoft-com:mac:vml" xmlns:a14="http://schemas.microsoft.com/office/drawing/2010/main" xmlns="" w="9525">
+              <a14:hiddenLine xmlns="" xmlns:a14="http://schemas.microsoft.com/office/drawing/2010/main" xmlns:mv="urn:schemas-microsoft-com:mac:vml" xmlns:mc="http://schemas.openxmlformats.org/markup-compatibility/2006" w="9525">
                 <a:solidFill>
                   <a:srgbClr val="000000"/>
                 </a:solidFill>
@@ -7381,14 +7374,14 @@
           </a:ln>
           <a:extLst>
             <a:ext uri="{909E8E84-426E-40dd-AFC4-6F175D3DCCD1}">
-              <a14:hiddenFill xmlns:mc="http://schemas.openxmlformats.org/markup-compatibility/2006" xmlns:mv="urn:schemas-microsoft-com:mac:vml" xmlns:a14="http://schemas.microsoft.com/office/drawing/2010/main" xmlns="">
+              <a14:hiddenFill xmlns="" xmlns:a14="http://schemas.microsoft.com/office/drawing/2010/main" xmlns:mv="urn:schemas-microsoft-com:mac:vml" xmlns:mc="http://schemas.openxmlformats.org/markup-compatibility/2006">
                 <a:solidFill>
                   <a:srgbClr val="FFFFFF"/>
                 </a:solidFill>
               </a14:hiddenFill>
             </a:ext>
             <a:ext uri="{91240B29-F687-4f45-9708-019B960494DF}">
-              <a14:hiddenLine xmlns:mc="http://schemas.openxmlformats.org/markup-compatibility/2006" xmlns:mv="urn:schemas-microsoft-com:mac:vml" xmlns:a14="http://schemas.microsoft.com/office/drawing/2010/main" xmlns="" w="9525">
+              <a14:hiddenLine xmlns="" xmlns:a14="http://schemas.microsoft.com/office/drawing/2010/main" xmlns:mv="urn:schemas-microsoft-com:mac:vml" xmlns:mc="http://schemas.openxmlformats.org/markup-compatibility/2006" w="9525">
                 <a:solidFill>
                   <a:srgbClr val="000000"/>
                 </a:solidFill>
@@ -8984,14 +8977,14 @@
           </a:ln>
           <a:extLst>
             <a:ext uri="{909E8E84-426E-40dd-AFC4-6F175D3DCCD1}">
-              <a14:hiddenFill xmlns:mc="http://schemas.openxmlformats.org/markup-compatibility/2006" xmlns:mv="urn:schemas-microsoft-com:mac:vml" xmlns:a14="http://schemas.microsoft.com/office/drawing/2010/main" xmlns="">
+              <a14:hiddenFill xmlns="" xmlns:a14="http://schemas.microsoft.com/office/drawing/2010/main" xmlns:mv="urn:schemas-microsoft-com:mac:vml" xmlns:mc="http://schemas.openxmlformats.org/markup-compatibility/2006">
                 <a:solidFill>
                   <a:srgbClr val="FFFFFF"/>
                 </a:solidFill>
               </a14:hiddenFill>
             </a:ext>
             <a:ext uri="{91240B29-F687-4f45-9708-019B960494DF}">
-              <a14:hiddenLine xmlns:mc="http://schemas.openxmlformats.org/markup-compatibility/2006" xmlns:mv="urn:schemas-microsoft-com:mac:vml" xmlns:a14="http://schemas.microsoft.com/office/drawing/2010/main" xmlns="" w="9525">
+              <a14:hiddenLine xmlns="" xmlns:a14="http://schemas.microsoft.com/office/drawing/2010/main" xmlns:mv="urn:schemas-microsoft-com:mac:vml" xmlns:mc="http://schemas.openxmlformats.org/markup-compatibility/2006" w="9525">
                 <a:solidFill>
                   <a:srgbClr val="000000"/>
                 </a:solidFill>
@@ -10360,14 +10353,14 @@
           </a:ln>
           <a:extLst>
             <a:ext uri="{909E8E84-426E-40dd-AFC4-6F175D3DCCD1}">
-              <a14:hiddenFill xmlns:mc="http://schemas.openxmlformats.org/markup-compatibility/2006" xmlns:mv="urn:schemas-microsoft-com:mac:vml" xmlns:a14="http://schemas.microsoft.com/office/drawing/2010/main" xmlns="">
+              <a14:hiddenFill xmlns="" xmlns:a14="http://schemas.microsoft.com/office/drawing/2010/main" xmlns:mv="urn:schemas-microsoft-com:mac:vml" xmlns:mc="http://schemas.openxmlformats.org/markup-compatibility/2006">
                 <a:solidFill>
                   <a:srgbClr val="FFFFFF"/>
                 </a:solidFill>
               </a14:hiddenFill>
             </a:ext>
             <a:ext uri="{91240B29-F687-4f45-9708-019B960494DF}">
-              <a14:hiddenLine xmlns:mc="http://schemas.openxmlformats.org/markup-compatibility/2006" xmlns:mv="urn:schemas-microsoft-com:mac:vml" xmlns:a14="http://schemas.microsoft.com/office/drawing/2010/main" xmlns="" w="9525">
+              <a14:hiddenLine xmlns="" xmlns:a14="http://schemas.microsoft.com/office/drawing/2010/main" xmlns:mv="urn:schemas-microsoft-com:mac:vml" xmlns:mc="http://schemas.openxmlformats.org/markup-compatibility/2006" w="9525">
                 <a:solidFill>
                   <a:srgbClr val="000000"/>
                 </a:solidFill>
@@ -11110,31 +11103,31 @@
               </a:rPr>
             </a:br>
             <a:r>
-              <a:rPr lang="en-GB" sz="2400" dirty="0">
+              <a:rPr lang="en-GB" sz="2000" dirty="0">
                 <a:latin typeface="Helvetica" pitchFamily="2" charset="0"/>
               </a:rPr>
               <a:t>(MAPE je </a:t>
             </a:r>
             <a:r>
-              <a:rPr lang="en-GB" sz="2400" dirty="0" err="1">
+              <a:rPr lang="en-GB" sz="2000" dirty="0" err="1">
                 <a:latin typeface="Helvetica" pitchFamily="2" charset="0"/>
               </a:rPr>
               <a:t>Warengruppe</a:t>
             </a:r>
             <a:r>
-              <a:rPr lang="en-GB" sz="2400" dirty="0">
+              <a:rPr lang="en-GB" sz="2000" dirty="0">
                 <a:latin typeface="Helvetica" pitchFamily="2" charset="0"/>
               </a:rPr>
               <a:t> und </a:t>
             </a:r>
             <a:r>
-              <a:rPr lang="en-GB" sz="2400" dirty="0" err="1">
+              <a:rPr lang="en-GB" sz="2000" dirty="0" err="1">
                 <a:latin typeface="Helvetica" pitchFamily="2" charset="0"/>
               </a:rPr>
               <a:t>Warengruppenumsätze</a:t>
             </a:r>
             <a:r>
-              <a:rPr lang="en-GB" sz="2400" dirty="0">
+              <a:rPr lang="en-GB" sz="2000" dirty="0">
                 <a:latin typeface="Helvetica" pitchFamily="2" charset="0"/>
               </a:rPr>
               <a:t>)</a:t>
@@ -11304,13 +11297,13 @@
           <p:nvPr>
             <p:extLst>
               <p:ext uri="{D42A27DB-BD31-4B8C-83A1-F6EECF244321}">
-                <p14:modId xmlns:p14="http://schemas.microsoft.com/office/powerpoint/2010/main" val="160890577"/>
+                <p14:modId xmlns:p14="http://schemas.microsoft.com/office/powerpoint/2010/main" val="3772413119"/>
               </p:ext>
             </p:extLst>
           </p:nvPr>
         </p:nvGraphicFramePr>
         <p:xfrm>
-          <a:off x="256464" y="1571155"/>
+          <a:off x="256464" y="1268760"/>
           <a:ext cx="8676458" cy="4297680"/>
         </p:xfrm>
         <a:graphic>
@@ -11320,21 +11313,21 @@
                 <a:tableStyleId>{5940675A-B579-460E-94D1-54222C63F5DA}</a:tableStyleId>
               </a:tblPr>
               <a:tblGrid>
-                <a:gridCol w="920176">
+                <a:gridCol w="859152">
                   <a:extLst>
                     <a:ext uri="{9D8B030D-6E8A-4147-A177-3AD203B41FA5}">
                       <a16:colId xmlns:a16="http://schemas.microsoft.com/office/drawing/2014/main" val="4271733570"/>
                     </a:ext>
                   </a:extLst>
                 </a:gridCol>
-                <a:gridCol w="4473298">
+                <a:gridCol w="4536504">
                   <a:extLst>
                     <a:ext uri="{9D8B030D-6E8A-4147-A177-3AD203B41FA5}">
                       <a16:colId xmlns:a16="http://schemas.microsoft.com/office/drawing/2014/main" val="4168449459"/>
                     </a:ext>
                   </a:extLst>
                 </a:gridCol>
-                <a:gridCol w="1717497">
+                <a:gridCol w="1715315">
                   <a:extLst>
                     <a:ext uri="{9D8B030D-6E8A-4147-A177-3AD203B41FA5}">
                       <a16:colId xmlns:a16="http://schemas.microsoft.com/office/drawing/2014/main" val="2005399218"/>
@@ -11401,860 +11394,31 @@
                         <a:defRPr/>
                       </a:pPr>
                       <a:r>
-                        <a:rPr lang="de-DE" sz="1600" b="1" dirty="0"/>
+                        <a:rPr lang="de-DE" sz="1600" b="1" dirty="0">
+                          <a:latin typeface="+mn-lt"/>
+                        </a:rPr>
                         <a:t>MAPEs des Trainings-</a:t>
                       </a:r>
                       <a:r>
-                        <a:rPr lang="de-DE" sz="1600" b="1" dirty="0" err="1"/>
+                        <a:rPr lang="de-DE" sz="1600" b="1" dirty="0" err="1">
+                          <a:latin typeface="+mn-lt"/>
+                        </a:rPr>
                         <a:t>datensatzes</a:t>
                       </a:r>
-                      <a:endParaRPr lang="de-DE" sz="1600" b="1" dirty="0"/>
-                    </a:p>
-                  </a:txBody>
-                  <a:tcPr/>
-                </a:tc>
-                <a:tc>
-                  <a:txBody>
-                    <a:bodyPr/>
-                    <a:lstStyle/>
-                    <a:p>
-                      <a:pPr marL="0" marR="0" lvl="0" indent="0" algn="l" defTabSz="457144" rtl="0" eaLnBrk="1" fontAlgn="auto" latinLnBrk="0" hangingPunct="1">
-                        <a:lnSpc>
-                          <a:spcPct val="100000"/>
-                        </a:lnSpc>
-                        <a:spcBef>
-                          <a:spcPts val="0"/>
-                        </a:spcBef>
-                        <a:spcAft>
-                          <a:spcPts val="0"/>
-                        </a:spcAft>
-                        <a:buClrTx/>
-                        <a:buSzTx/>
-                        <a:buFontTx/>
-                        <a:buNone/>
-                        <a:tabLst/>
-                        <a:defRPr/>
-                      </a:pPr>
-                      <a:r>
-                        <a:rPr lang="de-DE" sz="1600" b="1" dirty="0"/>
-                        <a:t>MAPEs des Test-</a:t>
-                      </a:r>
-                      <a:r>
-                        <a:rPr lang="de-DE" sz="1600" b="1" dirty="0" err="1"/>
-                        <a:t>datensatzes</a:t>
-                      </a:r>
-                      <a:endParaRPr lang="de-DE" sz="1600" b="1" dirty="0"/>
-                    </a:p>
-                    <a:p>
-                      <a:endParaRPr lang="en-AU" sz="1600" b="1" dirty="0"/>
-                    </a:p>
-                  </a:txBody>
-                  <a:tcPr/>
-                </a:tc>
-                <a:extLst>
-                  <a:ext uri="{0D108BD9-81ED-4DB2-BD59-A6C34878D82A}">
-                    <a16:rowId xmlns:a16="http://schemas.microsoft.com/office/drawing/2014/main" val="204829037"/>
-                  </a:ext>
-                </a:extLst>
-              </a:tr>
-              <a:tr h="370840">
-                <a:tc>
-                  <a:txBody>
-                    <a:bodyPr/>
-                    <a:lstStyle/>
-                    <a:p>
-                      <a:r>
-                        <a:rPr lang="en-AU" sz="1600" dirty="0"/>
-                        <a:t>1</a:t>
-                      </a:r>
-                    </a:p>
-                  </a:txBody>
-                  <a:tcPr/>
-                </a:tc>
-                <a:tc>
-                  <a:txBody>
-                    <a:bodyPr/>
-                    <a:lstStyle/>
-                    <a:p>
-                      <a:r>
-                        <a:rPr lang="en-AU" sz="1600" dirty="0" err="1">
-                          <a:solidFill>
-                            <a:schemeClr val="accent1"/>
-                          </a:solidFill>
+                      <a:r>
+                        <a:rPr lang="de-DE" sz="1600" b="1" dirty="0">
+                          <a:latin typeface="+mn-lt"/>
                         </a:rPr>
-                        <a:t>Wochentag</a:t>
-                      </a:r>
-                      <a:r>
-                        <a:rPr lang="en-AU" sz="1600" dirty="0">
-                          <a:solidFill>
-                            <a:schemeClr val="accent1"/>
-                          </a:solidFill>
+                        <a:t> (in </a:t>
+                      </a:r>
+                      <a:r>
+                        <a:rPr lang="en-GB" sz="1600" b="1" dirty="0">
+                          <a:latin typeface="+mn-lt"/>
                         </a:rPr>
-                        <a:t> + </a:t>
-                      </a:r>
-                      <a:r>
-                        <a:rPr lang="en-AU" sz="1600" dirty="0" err="1">
-                          <a:solidFill>
-                            <a:schemeClr val="accent1"/>
-                          </a:solidFill>
-                        </a:rPr>
-                        <a:t>Jahreszeit</a:t>
-                      </a:r>
-                      <a:r>
-                        <a:rPr lang="en-AU" sz="1600" dirty="0">
-                          <a:solidFill>
-                            <a:schemeClr val="accent1"/>
-                          </a:solidFill>
-                        </a:rPr>
-                        <a:t> +</a:t>
-                      </a:r>
-                      <a:r>
-                        <a:rPr lang="en-AU" sz="1600" dirty="0" err="1">
-                          <a:solidFill>
-                            <a:schemeClr val="accent1"/>
-                          </a:solidFill>
-                        </a:rPr>
-                        <a:t>KielerWoche+Schulferien</a:t>
-                      </a:r>
-                      <a:endParaRPr lang="en-AU" sz="1600" dirty="0">
-                        <a:solidFill>
-                          <a:schemeClr val="accent1"/>
-                        </a:solidFill>
-                      </a:endParaRPr>
-                    </a:p>
-                    <a:p>
-                      <a:r>
-                        <a:rPr lang="en-AU" sz="1600" dirty="0"/>
-                        <a:t>+</a:t>
-                      </a:r>
-                      <a:r>
-                        <a:rPr lang="en-AU" sz="1600" dirty="0" err="1">
-                          <a:solidFill>
-                            <a:schemeClr val="accent2"/>
-                          </a:solidFill>
-                        </a:rPr>
-                        <a:t>Feiertag</a:t>
-                      </a:r>
-                      <a:endParaRPr lang="en-AU" sz="1600" dirty="0">
-                        <a:solidFill>
-                          <a:schemeClr val="accent2"/>
-                        </a:solidFill>
-                      </a:endParaRPr>
-                    </a:p>
-                  </a:txBody>
-                  <a:tcPr/>
-                </a:tc>
-                <a:tc>
-                  <a:txBody>
-                    <a:bodyPr/>
-                    <a:lstStyle/>
-                    <a:p>
-                      <a:r>
-                        <a:rPr lang="en-DE" sz="1600" dirty="0"/>
-                        <a:t>0.1843669</a:t>
-                      </a:r>
-                    </a:p>
-                  </a:txBody>
-                  <a:tcPr/>
-                </a:tc>
-                <a:tc>
-                  <a:txBody>
-                    <a:bodyPr/>
-                    <a:lstStyle/>
-                    <a:p>
-                      <a:r>
-                        <a:rPr lang="en-DE" sz="1600" dirty="0"/>
-                        <a:t>0.2028854</a:t>
-                      </a:r>
-                      <a:endParaRPr lang="en-AU" sz="1600" dirty="0"/>
-                    </a:p>
-                  </a:txBody>
-                  <a:tcPr/>
-                </a:tc>
-                <a:extLst>
-                  <a:ext uri="{0D108BD9-81ED-4DB2-BD59-A6C34878D82A}">
-                    <a16:rowId xmlns:a16="http://schemas.microsoft.com/office/drawing/2014/main" val="3426599036"/>
-                  </a:ext>
-                </a:extLst>
-              </a:tr>
-              <a:tr h="370840">
-                <a:tc>
-                  <a:txBody>
-                    <a:bodyPr/>
-                    <a:lstStyle/>
-                    <a:p>
-                      <a:r>
-                        <a:rPr lang="en-AU" sz="1600" dirty="0"/>
-                        <a:t>2</a:t>
-                      </a:r>
-                    </a:p>
-                  </a:txBody>
-                  <a:tcPr/>
-                </a:tc>
-                <a:tc>
-                  <a:txBody>
-                    <a:bodyPr/>
-                    <a:lstStyle/>
-                    <a:p>
-                      <a:r>
-                        <a:rPr lang="en-AU" sz="1600" dirty="0" err="1">
-                          <a:solidFill>
-                            <a:schemeClr val="accent1"/>
-                          </a:solidFill>
-                        </a:rPr>
-                        <a:t>Wochentag</a:t>
-                      </a:r>
-                      <a:r>
-                        <a:rPr lang="en-AU" sz="1600" dirty="0">
-                          <a:solidFill>
-                            <a:schemeClr val="accent1"/>
-                          </a:solidFill>
-                        </a:rPr>
-                        <a:t> + </a:t>
-                      </a:r>
-                      <a:r>
-                        <a:rPr lang="en-AU" sz="1600" dirty="0" err="1">
-                          <a:solidFill>
-                            <a:schemeClr val="accent1"/>
-                          </a:solidFill>
-                        </a:rPr>
-                        <a:t>Jahreszeit</a:t>
-                      </a:r>
-                      <a:r>
-                        <a:rPr lang="en-AU" sz="1600" dirty="0">
-                          <a:solidFill>
-                            <a:schemeClr val="accent1"/>
-                          </a:solidFill>
-                        </a:rPr>
-                        <a:t> + </a:t>
-                      </a:r>
-                      <a:r>
-                        <a:rPr lang="en-AU" sz="1600" dirty="0" err="1">
-                          <a:solidFill>
-                            <a:schemeClr val="accent1"/>
-                          </a:solidFill>
-                        </a:rPr>
-                        <a:t>KielerWoche+Schulferien</a:t>
-                      </a:r>
-                      <a:endParaRPr lang="en-AU" sz="1600" dirty="0">
-                        <a:solidFill>
-                          <a:schemeClr val="accent1"/>
-                        </a:solidFill>
-                      </a:endParaRPr>
-                    </a:p>
-                    <a:p>
-                      <a:r>
-                        <a:rPr lang="en-AU" sz="1600" dirty="0"/>
-                        <a:t>+</a:t>
-                      </a:r>
-                      <a:r>
-                        <a:rPr lang="en-AU" sz="1600" dirty="0">
-                          <a:solidFill>
-                            <a:schemeClr val="accent3"/>
-                          </a:solidFill>
-                        </a:rPr>
-                        <a:t>Monat</a:t>
-                      </a:r>
-                    </a:p>
-                  </a:txBody>
-                  <a:tcPr/>
-                </a:tc>
-                <a:tc>
-                  <a:txBody>
-                    <a:bodyPr/>
-                    <a:lstStyle/>
-                    <a:p>
-                      <a:r>
-                        <a:rPr lang="en-DE" sz="1600" dirty="0"/>
-                        <a:t>0.1517002 </a:t>
-                      </a:r>
-                    </a:p>
-                  </a:txBody>
-                  <a:tcPr/>
-                </a:tc>
-                <a:tc>
-                  <a:txBody>
-                    <a:bodyPr/>
-                    <a:lstStyle/>
-                    <a:p>
-                      <a:r>
-                        <a:rPr lang="en-DE" sz="1600" dirty="0"/>
-                        <a:t>0.1489262</a:t>
-                      </a:r>
-                      <a:endParaRPr lang="en-AU" sz="1600" dirty="0"/>
-                    </a:p>
-                  </a:txBody>
-                  <a:tcPr/>
-                </a:tc>
-                <a:extLst>
-                  <a:ext uri="{0D108BD9-81ED-4DB2-BD59-A6C34878D82A}">
-                    <a16:rowId xmlns:a16="http://schemas.microsoft.com/office/drawing/2014/main" val="983178364"/>
-                  </a:ext>
-                </a:extLst>
-              </a:tr>
-              <a:tr h="370840">
-                <a:tc>
-                  <a:txBody>
-                    <a:bodyPr/>
-                    <a:lstStyle/>
-                    <a:p>
-                      <a:r>
-                        <a:rPr lang="en-AU" sz="1600" dirty="0"/>
-                        <a:t>3</a:t>
-                      </a:r>
-                    </a:p>
-                  </a:txBody>
-                  <a:tcPr/>
-                </a:tc>
-                <a:tc>
-                  <a:txBody>
-                    <a:bodyPr/>
-                    <a:lstStyle/>
-                    <a:p>
-                      <a:pPr marL="0" marR="0" lvl="0" indent="0" algn="l" defTabSz="457144" rtl="0" eaLnBrk="1" fontAlgn="auto" latinLnBrk="0" hangingPunct="1">
-                        <a:lnSpc>
-                          <a:spcPct val="100000"/>
-                        </a:lnSpc>
-                        <a:spcBef>
-                          <a:spcPts val="0"/>
-                        </a:spcBef>
-                        <a:spcAft>
-                          <a:spcPts val="0"/>
-                        </a:spcAft>
-                        <a:buClrTx/>
-                        <a:buSzTx/>
-                        <a:buFontTx/>
-                        <a:buNone/>
-                        <a:tabLst/>
-                        <a:defRPr/>
-                      </a:pPr>
-                      <a:r>
-                        <a:rPr lang="en-AU" sz="1600" dirty="0" err="1">
-                          <a:solidFill>
-                            <a:schemeClr val="accent1"/>
-                          </a:solidFill>
-                        </a:rPr>
-                        <a:t>Wochentag</a:t>
-                      </a:r>
-                      <a:r>
-                        <a:rPr lang="en-AU" sz="1600" dirty="0">
-                          <a:solidFill>
-                            <a:schemeClr val="accent1"/>
-                          </a:solidFill>
-                        </a:rPr>
-                        <a:t> + </a:t>
-                      </a:r>
-                      <a:r>
-                        <a:rPr lang="en-AU" sz="1600" dirty="0" err="1">
-                          <a:solidFill>
-                            <a:schemeClr val="accent1"/>
-                          </a:solidFill>
-                        </a:rPr>
-                        <a:t>Jahreszeit</a:t>
-                      </a:r>
-                      <a:r>
-                        <a:rPr lang="en-AU" sz="1600" dirty="0">
-                          <a:solidFill>
-                            <a:schemeClr val="accent1"/>
-                          </a:solidFill>
-                        </a:rPr>
-                        <a:t> + </a:t>
-                      </a:r>
-                      <a:r>
-                        <a:rPr lang="en-AU" sz="1600" dirty="0" err="1">
-                          <a:solidFill>
-                            <a:schemeClr val="accent1"/>
-                          </a:solidFill>
-                        </a:rPr>
-                        <a:t>KielerWoche+Schulferien</a:t>
-                      </a:r>
-                      <a:endParaRPr lang="en-AU" sz="1600" dirty="0">
-                        <a:solidFill>
-                          <a:schemeClr val="accent1"/>
-                        </a:solidFill>
-                      </a:endParaRPr>
-                    </a:p>
-                    <a:p>
-                      <a:pPr marL="0" marR="0" lvl="0" indent="0" algn="l" defTabSz="457144" rtl="0" eaLnBrk="1" fontAlgn="auto" latinLnBrk="0" hangingPunct="1">
-                        <a:lnSpc>
-                          <a:spcPct val="100000"/>
-                        </a:lnSpc>
-                        <a:spcBef>
-                          <a:spcPts val="0"/>
-                        </a:spcBef>
-                        <a:spcAft>
-                          <a:spcPts val="0"/>
-                        </a:spcAft>
-                        <a:buClrTx/>
-                        <a:buSzTx/>
-                        <a:buFontTx/>
-                        <a:buNone/>
-                        <a:tabLst/>
-                        <a:defRPr/>
-                      </a:pPr>
-                      <a:r>
-                        <a:rPr lang="en-AU" sz="1600" dirty="0"/>
-                        <a:t>+</a:t>
-                      </a:r>
-                      <a:r>
-                        <a:rPr lang="en-AU" sz="1600" dirty="0" err="1">
-                          <a:solidFill>
-                            <a:schemeClr val="accent2"/>
-                          </a:solidFill>
-                        </a:rPr>
-                        <a:t>Feiertag</a:t>
-                      </a:r>
-                      <a:r>
-                        <a:rPr lang="en-AU" sz="1600" dirty="0" err="1"/>
-                        <a:t>+</a:t>
-                      </a:r>
-                      <a:r>
-                        <a:rPr lang="en-AU" sz="1600" dirty="0" err="1">
-                          <a:solidFill>
-                            <a:schemeClr val="accent3"/>
-                          </a:solidFill>
-                        </a:rPr>
-                        <a:t>Monat</a:t>
-                      </a:r>
-                      <a:endParaRPr lang="en-AU" sz="1600" dirty="0">
-                        <a:solidFill>
-                          <a:schemeClr val="accent3"/>
-                        </a:solidFill>
-                      </a:endParaRPr>
-                    </a:p>
-                  </a:txBody>
-                  <a:tcPr/>
-                </a:tc>
-                <a:tc>
-                  <a:txBody>
-                    <a:bodyPr/>
-                    <a:lstStyle/>
-                    <a:p>
-                      <a:r>
-                        <a:rPr lang="en-DE" sz="1600" dirty="0"/>
-                        <a:t>0.1992715 </a:t>
-                      </a:r>
-                    </a:p>
-                  </a:txBody>
-                  <a:tcPr/>
-                </a:tc>
-                <a:tc>
-                  <a:txBody>
-                    <a:bodyPr/>
-                    <a:lstStyle/>
-                    <a:p>
-                      <a:r>
-                        <a:rPr lang="en-DE" sz="1600" dirty="0"/>
-                        <a:t>0.2094661 </a:t>
-                      </a:r>
-                      <a:endParaRPr lang="en-AU" sz="1600" dirty="0"/>
-                    </a:p>
-                  </a:txBody>
-                  <a:tcPr/>
-                </a:tc>
-                <a:extLst>
-                  <a:ext uri="{0D108BD9-81ED-4DB2-BD59-A6C34878D82A}">
-                    <a16:rowId xmlns:a16="http://schemas.microsoft.com/office/drawing/2014/main" val="824714965"/>
-                  </a:ext>
-                </a:extLst>
-              </a:tr>
-              <a:tr h="370840">
-                <a:tc>
-                  <a:txBody>
-                    <a:bodyPr/>
-                    <a:lstStyle/>
-                    <a:p>
-                      <a:r>
-                        <a:rPr lang="en-AU" sz="1600" dirty="0"/>
-                        <a:t>4</a:t>
-                      </a:r>
-                    </a:p>
-                  </a:txBody>
-                  <a:tcPr/>
-                </a:tc>
-                <a:tc>
-                  <a:txBody>
-                    <a:bodyPr/>
-                    <a:lstStyle/>
-                    <a:p>
-                      <a:pPr marL="0" marR="0" lvl="0" indent="0" algn="l" defTabSz="457144" rtl="0" eaLnBrk="1" fontAlgn="auto" latinLnBrk="0" hangingPunct="1">
-                        <a:lnSpc>
-                          <a:spcPct val="100000"/>
-                        </a:lnSpc>
-                        <a:spcBef>
-                          <a:spcPts val="0"/>
-                        </a:spcBef>
-                        <a:spcAft>
-                          <a:spcPts val="0"/>
-                        </a:spcAft>
-                        <a:buClrTx/>
-                        <a:buSzTx/>
-                        <a:buFontTx/>
-                        <a:buNone/>
-                        <a:tabLst/>
-                        <a:defRPr/>
-                      </a:pPr>
-                      <a:r>
-                        <a:rPr lang="en-AU" sz="1600" dirty="0" err="1">
-                          <a:solidFill>
-                            <a:schemeClr val="accent1"/>
-                          </a:solidFill>
-                        </a:rPr>
-                        <a:t>Wochentag</a:t>
-                      </a:r>
-                      <a:r>
-                        <a:rPr lang="en-AU" sz="1600" dirty="0">
-                          <a:solidFill>
-                            <a:schemeClr val="accent1"/>
-                          </a:solidFill>
-                        </a:rPr>
-                        <a:t> + </a:t>
-                      </a:r>
-                      <a:r>
-                        <a:rPr lang="en-AU" sz="1600" dirty="0" err="1">
-                          <a:solidFill>
-                            <a:schemeClr val="accent1"/>
-                          </a:solidFill>
-                        </a:rPr>
-                        <a:t>Jahreszeit</a:t>
-                      </a:r>
-                      <a:r>
-                        <a:rPr lang="en-AU" sz="1600" dirty="0">
-                          <a:solidFill>
-                            <a:schemeClr val="accent1"/>
-                          </a:solidFill>
-                        </a:rPr>
-                        <a:t> + </a:t>
-                      </a:r>
-                      <a:r>
-                        <a:rPr lang="en-AU" sz="1600" dirty="0" err="1">
-                          <a:solidFill>
-                            <a:schemeClr val="accent1"/>
-                          </a:solidFill>
-                        </a:rPr>
-                        <a:t>KielerWoche+Schulferien</a:t>
-                      </a:r>
-                      <a:endParaRPr lang="en-AU" sz="1600" dirty="0">
-                        <a:solidFill>
-                          <a:schemeClr val="accent1"/>
-                        </a:solidFill>
-                      </a:endParaRPr>
-                    </a:p>
-                    <a:p>
-                      <a:pPr marL="0" marR="0" lvl="0" indent="0" algn="l" defTabSz="457144" rtl="0" eaLnBrk="1" fontAlgn="auto" latinLnBrk="0" hangingPunct="1">
-                        <a:lnSpc>
-                          <a:spcPct val="100000"/>
-                        </a:lnSpc>
-                        <a:spcBef>
-                          <a:spcPts val="0"/>
-                        </a:spcBef>
-                        <a:spcAft>
-                          <a:spcPts val="0"/>
-                        </a:spcAft>
-                        <a:buClrTx/>
-                        <a:buSzTx/>
-                        <a:buFontTx/>
-                        <a:buNone/>
-                        <a:tabLst/>
-                        <a:defRPr/>
-                      </a:pPr>
-                      <a:r>
-                        <a:rPr lang="en-AU" sz="1600" dirty="0"/>
-                        <a:t>+</a:t>
-                      </a:r>
-                      <a:r>
-                        <a:rPr lang="en-AU" sz="1600" dirty="0" err="1">
-                          <a:solidFill>
-                            <a:schemeClr val="accent2"/>
-                          </a:solidFill>
-                        </a:rPr>
-                        <a:t>Feiertag</a:t>
-                      </a:r>
-                      <a:r>
-                        <a:rPr lang="en-AU" sz="1600" dirty="0" err="1"/>
-                        <a:t>+</a:t>
-                      </a:r>
-                      <a:r>
-                        <a:rPr lang="en-AU" sz="1600" dirty="0" err="1">
-                          <a:solidFill>
-                            <a:schemeClr val="accent3"/>
-                          </a:solidFill>
-                        </a:rPr>
-                        <a:t>Monat</a:t>
-                      </a:r>
-                      <a:endParaRPr lang="en-AU" sz="1600" dirty="0">
-                        <a:solidFill>
-                          <a:schemeClr val="accent3"/>
-                        </a:solidFill>
-                      </a:endParaRPr>
-                    </a:p>
-                  </a:txBody>
-                  <a:tcPr/>
-                </a:tc>
-                <a:tc>
-                  <a:txBody>
-                    <a:bodyPr/>
-                    <a:lstStyle/>
-                    <a:p>
-                      <a:r>
-                        <a:rPr lang="en-DE" sz="1600" dirty="0"/>
-                        <a:t>0.2067729</a:t>
-                      </a:r>
-                    </a:p>
-                  </a:txBody>
-                  <a:tcPr/>
-                </a:tc>
-                <a:tc>
-                  <a:txBody>
-                    <a:bodyPr/>
-                    <a:lstStyle/>
-                    <a:p>
-                      <a:r>
-                        <a:rPr lang="en-DE" sz="1600" dirty="0"/>
-                        <a:t>0.2153079</a:t>
-                      </a:r>
-                      <a:endParaRPr lang="en-AU" sz="1600" dirty="0"/>
-                    </a:p>
-                  </a:txBody>
-                  <a:tcPr/>
-                </a:tc>
-                <a:extLst>
-                  <a:ext uri="{0D108BD9-81ED-4DB2-BD59-A6C34878D82A}">
-                    <a16:rowId xmlns:a16="http://schemas.microsoft.com/office/drawing/2014/main" val="2574431977"/>
-                  </a:ext>
-                </a:extLst>
-              </a:tr>
-              <a:tr h="370840">
-                <a:tc>
-                  <a:txBody>
-                    <a:bodyPr/>
-                    <a:lstStyle/>
-                    <a:p>
-                      <a:r>
-                        <a:rPr lang="en-AU" sz="1600" dirty="0"/>
-                        <a:t>5</a:t>
-                      </a:r>
-                    </a:p>
-                  </a:txBody>
-                  <a:tcPr/>
-                </a:tc>
-                <a:tc>
-                  <a:txBody>
-                    <a:bodyPr/>
-                    <a:lstStyle/>
-                    <a:p>
-                      <a:r>
-                        <a:rPr lang="en-AU" sz="1600" dirty="0" err="1">
-                          <a:solidFill>
-                            <a:schemeClr val="accent1"/>
-                          </a:solidFill>
-                        </a:rPr>
-                        <a:t>Wochentag</a:t>
-                      </a:r>
-                      <a:r>
-                        <a:rPr lang="en-AU" sz="1600" dirty="0">
-                          <a:solidFill>
-                            <a:schemeClr val="accent1"/>
-                          </a:solidFill>
-                        </a:rPr>
-                        <a:t> + </a:t>
-                      </a:r>
-                      <a:r>
-                        <a:rPr lang="en-AU" sz="1600" dirty="0" err="1">
-                          <a:solidFill>
-                            <a:schemeClr val="accent1"/>
-                          </a:solidFill>
-                        </a:rPr>
-                        <a:t>Jahreszeit</a:t>
-                      </a:r>
-                      <a:r>
-                        <a:rPr lang="en-AU" sz="1600" dirty="0">
-                          <a:solidFill>
-                            <a:schemeClr val="accent1"/>
-                          </a:solidFill>
-                        </a:rPr>
-                        <a:t> + </a:t>
-                      </a:r>
-                      <a:r>
-                        <a:rPr lang="en-AU" sz="1600" dirty="0" err="1">
-                          <a:solidFill>
-                            <a:schemeClr val="accent1"/>
-                          </a:solidFill>
-                        </a:rPr>
-                        <a:t>KielerWoche+Schulferien</a:t>
-                      </a:r>
-                      <a:r>
-                        <a:rPr lang="en-AU" sz="1600" dirty="0">
-                          <a:solidFill>
-                            <a:schemeClr val="accent1"/>
-                          </a:solidFill>
-                        </a:rPr>
-                        <a:t> </a:t>
-                      </a:r>
-                      <a:r>
-                        <a:rPr lang="en-AU" sz="1600" dirty="0" err="1">
-                          <a:solidFill>
-                            <a:schemeClr val="accent2"/>
-                          </a:solidFill>
-                        </a:rPr>
-                        <a:t>Feiertag+</a:t>
-                      </a:r>
-                      <a:r>
-                        <a:rPr lang="en-AU" sz="1600" dirty="0" err="1">
-                          <a:solidFill>
-                            <a:schemeClr val="accent3"/>
-                          </a:solidFill>
-                        </a:rPr>
-                        <a:t>Monat</a:t>
-                      </a:r>
-                      <a:endParaRPr lang="en-AU" sz="1600" dirty="0"/>
-                    </a:p>
-                  </a:txBody>
-                  <a:tcPr/>
-                </a:tc>
-                <a:tc>
-                  <a:txBody>
-                    <a:bodyPr/>
-                    <a:lstStyle/>
-                    <a:p>
-                      <a:r>
-                        <a:rPr lang="en-DE" sz="1600" dirty="0"/>
-                        <a:t>0.1427189 </a:t>
-                      </a:r>
-                    </a:p>
-                  </a:txBody>
-                  <a:tcPr/>
-                </a:tc>
-                <a:tc>
-                  <a:txBody>
-                    <a:bodyPr/>
-                    <a:lstStyle/>
-                    <a:p>
-                      <a:r>
-                        <a:rPr lang="en-DE" sz="1600" dirty="0"/>
-                        <a:t>0.1436756</a:t>
-                      </a:r>
-                      <a:endParaRPr lang="en-AU" sz="1600" dirty="0"/>
-                    </a:p>
-                  </a:txBody>
-                  <a:tcPr/>
-                </a:tc>
-                <a:extLst>
-                  <a:ext uri="{0D108BD9-81ED-4DB2-BD59-A6C34878D82A}">
-                    <a16:rowId xmlns:a16="http://schemas.microsoft.com/office/drawing/2014/main" val="1253213471"/>
-                  </a:ext>
-                </a:extLst>
-              </a:tr>
-              <a:tr h="370840">
-                <a:tc>
-                  <a:txBody>
-                    <a:bodyPr/>
-                    <a:lstStyle/>
-                    <a:p>
-                      <a:r>
-                        <a:rPr lang="en-AU" sz="1600" dirty="0"/>
-                        <a:t>6</a:t>
-                      </a:r>
-                    </a:p>
-                  </a:txBody>
-                  <a:tcPr/>
-                </a:tc>
-                <a:tc>
-                  <a:txBody>
-                    <a:bodyPr/>
-                    <a:lstStyle/>
-                    <a:p>
-                      <a:r>
-                        <a:rPr lang="en-AU" sz="1600" dirty="0" err="1">
-                          <a:solidFill>
-                            <a:schemeClr val="accent1"/>
-                          </a:solidFill>
-                        </a:rPr>
-                        <a:t>Wochentag</a:t>
-                      </a:r>
-                      <a:r>
-                        <a:rPr lang="en-AU" sz="1600" dirty="0">
-                          <a:solidFill>
-                            <a:schemeClr val="accent1"/>
-                          </a:solidFill>
-                        </a:rPr>
-                        <a:t> + </a:t>
-                      </a:r>
-                      <a:r>
-                        <a:rPr lang="en-AU" sz="1600" dirty="0" err="1">
-                          <a:solidFill>
-                            <a:schemeClr val="accent1"/>
-                          </a:solidFill>
-                        </a:rPr>
-                        <a:t>Jahreszeit</a:t>
-                      </a:r>
-                      <a:r>
-                        <a:rPr lang="en-AU" sz="1600" dirty="0">
-                          <a:solidFill>
-                            <a:schemeClr val="accent1"/>
-                          </a:solidFill>
-                        </a:rPr>
-                        <a:t> + </a:t>
-                      </a:r>
-                      <a:r>
-                        <a:rPr lang="en-AU" sz="1600" dirty="0" err="1">
-                          <a:solidFill>
-                            <a:schemeClr val="accent1"/>
-                          </a:solidFill>
-                        </a:rPr>
-                        <a:t>KielerWoche</a:t>
-                      </a:r>
-                      <a:r>
-                        <a:rPr lang="en-AU" sz="1600" dirty="0">
-                          <a:solidFill>
-                            <a:schemeClr val="accent1"/>
-                          </a:solidFill>
-                        </a:rPr>
-                        <a:t>+ </a:t>
-                      </a:r>
-                      <a:r>
-                        <a:rPr lang="en-AU" sz="1600" dirty="0" err="1">
-                          <a:solidFill>
-                            <a:schemeClr val="accent1"/>
-                          </a:solidFill>
-                        </a:rPr>
-                        <a:t>Schulferien</a:t>
-                      </a:r>
-                      <a:endParaRPr lang="en-AU" sz="1600" dirty="0">
-                        <a:solidFill>
-                          <a:schemeClr val="accent1"/>
-                        </a:solidFill>
-                      </a:endParaRPr>
-                    </a:p>
-                    <a:p>
-                      <a:r>
-                        <a:rPr lang="en-AU" sz="1600" dirty="0"/>
-                        <a:t>+</a:t>
-                      </a:r>
-                      <a:r>
-                        <a:rPr lang="en-AU" sz="1600" dirty="0" err="1">
-                          <a:solidFill>
-                            <a:schemeClr val="accent3"/>
-                          </a:solidFill>
-                        </a:rPr>
-                        <a:t>Monat</a:t>
-                      </a:r>
-                      <a:r>
-                        <a:rPr lang="en-AU" sz="1600" dirty="0" err="1"/>
-                        <a:t>+</a:t>
-                      </a:r>
-                      <a:r>
-                        <a:rPr lang="en-AU" sz="1600" dirty="0" err="1">
-                          <a:solidFill>
-                            <a:schemeClr val="accent6"/>
-                          </a:solidFill>
-                        </a:rPr>
-                        <a:t>VerlaengertesWE_Mo</a:t>
-                      </a:r>
-                      <a:endParaRPr lang="en-AU" sz="1600" dirty="0">
-                        <a:solidFill>
-                          <a:schemeClr val="accent6"/>
-                        </a:solidFill>
+                        <a:t>%)</a:t>
+                      </a:r>
+                      <a:endParaRPr lang="de-DE" sz="1600" b="1" dirty="0">
+                        <a:latin typeface="+mn-lt"/>
                       </a:endParaRPr>
                     </a:p>
                   </a:txBody>
@@ -12283,8 +11447,974 @@
                         <a:defRPr/>
                       </a:pPr>
                       <a:r>
+                        <a:rPr lang="de-DE" sz="1600" b="1" dirty="0">
+                          <a:latin typeface="+mn-lt"/>
+                        </a:rPr>
+                        <a:t>MAPEs des Test-</a:t>
+                      </a:r>
+                      <a:r>
+                        <a:rPr lang="de-DE" sz="1600" b="1" dirty="0" err="1">
+                          <a:latin typeface="+mn-lt"/>
+                        </a:rPr>
+                        <a:t>datensatzes</a:t>
+                      </a:r>
+                      <a:endParaRPr lang="de-DE" sz="1600" b="1" dirty="0">
+                        <a:latin typeface="+mn-lt"/>
+                      </a:endParaRPr>
+                    </a:p>
+                    <a:p>
+                      <a:r>
+                        <a:rPr lang="de-DE" sz="1600" b="1" dirty="0">
+                          <a:latin typeface="+mn-lt"/>
+                        </a:rPr>
+                        <a:t>(in </a:t>
+                      </a:r>
+                      <a:r>
+                        <a:rPr lang="en-GB" sz="1600" b="1" dirty="0">
+                          <a:latin typeface="+mn-lt"/>
+                        </a:rPr>
+                        <a:t>%)</a:t>
+                      </a:r>
+                      <a:endParaRPr lang="en-AU" sz="1600" b="1" dirty="0">
+                        <a:latin typeface="+mn-lt"/>
+                      </a:endParaRPr>
+                    </a:p>
+                  </a:txBody>
+                  <a:tcPr/>
+                </a:tc>
+                <a:extLst>
+                  <a:ext uri="{0D108BD9-81ED-4DB2-BD59-A6C34878D82A}">
+                    <a16:rowId xmlns:a16="http://schemas.microsoft.com/office/drawing/2014/main" val="204829037"/>
+                  </a:ext>
+                </a:extLst>
+              </a:tr>
+              <a:tr h="370840">
+                <a:tc>
+                  <a:txBody>
+                    <a:bodyPr/>
+                    <a:lstStyle/>
+                    <a:p>
+                      <a:r>
+                        <a:rPr lang="en-AU" sz="1600" dirty="0"/>
+                        <a:t>1</a:t>
+                      </a:r>
+                    </a:p>
+                  </a:txBody>
+                  <a:tcPr/>
+                </a:tc>
+                <a:tc>
+                  <a:txBody>
+                    <a:bodyPr/>
+                    <a:lstStyle/>
+                    <a:p>
+                      <a:r>
+                        <a:rPr lang="en-AU" sz="1600" dirty="0" err="1">
+                          <a:solidFill>
+                            <a:schemeClr val="accent1"/>
+                          </a:solidFill>
+                        </a:rPr>
+                        <a:t>Wochentag</a:t>
+                      </a:r>
+                      <a:r>
+                        <a:rPr lang="en-AU" sz="1600" dirty="0">
+                          <a:solidFill>
+                            <a:schemeClr val="accent1"/>
+                          </a:solidFill>
+                        </a:rPr>
+                        <a:t> </a:t>
+                      </a:r>
+                      <a:r>
+                        <a:rPr lang="en-AU" sz="1600" dirty="0"/>
+                        <a:t>+</a:t>
+                      </a:r>
+                      <a:r>
+                        <a:rPr lang="en-AU" sz="1600" dirty="0">
+                          <a:solidFill>
+                            <a:schemeClr val="accent1"/>
+                          </a:solidFill>
+                        </a:rPr>
+                        <a:t> </a:t>
+                      </a:r>
+                      <a:r>
+                        <a:rPr lang="en-AU" sz="1600" dirty="0" err="1">
+                          <a:solidFill>
+                            <a:schemeClr val="accent1"/>
+                          </a:solidFill>
+                        </a:rPr>
+                        <a:t>Jahreszeit</a:t>
+                      </a:r>
+                      <a:r>
+                        <a:rPr lang="en-AU" sz="1600" dirty="0">
+                          <a:solidFill>
+                            <a:schemeClr val="accent1"/>
+                          </a:solidFill>
+                        </a:rPr>
+                        <a:t> </a:t>
+                      </a:r>
+                      <a:r>
+                        <a:rPr lang="en-AU" sz="1600" dirty="0"/>
+                        <a:t>+</a:t>
+                      </a:r>
+                      <a:r>
+                        <a:rPr lang="en-AU" sz="1600" dirty="0">
+                          <a:solidFill>
+                            <a:schemeClr val="accent1"/>
+                          </a:solidFill>
+                        </a:rPr>
+                        <a:t> </a:t>
+                      </a:r>
+                      <a:r>
+                        <a:rPr lang="en-AU" sz="1600" dirty="0" err="1">
+                          <a:solidFill>
+                            <a:schemeClr val="accent1"/>
+                          </a:solidFill>
+                        </a:rPr>
+                        <a:t>KielerWoche</a:t>
+                      </a:r>
+                      <a:r>
+                        <a:rPr lang="en-AU" sz="1600" dirty="0">
+                          <a:solidFill>
+                            <a:schemeClr val="accent1"/>
+                          </a:solidFill>
+                        </a:rPr>
+                        <a:t> </a:t>
+                      </a:r>
+                      <a:r>
+                        <a:rPr lang="en-AU" sz="1600" dirty="0"/>
+                        <a:t>+</a:t>
+                      </a:r>
+                      <a:r>
+                        <a:rPr lang="en-AU" sz="1600" dirty="0">
+                          <a:solidFill>
+                            <a:schemeClr val="accent1"/>
+                          </a:solidFill>
+                        </a:rPr>
+                        <a:t> </a:t>
+                      </a:r>
+                      <a:r>
+                        <a:rPr lang="en-AU" sz="1600" dirty="0" err="1">
+                          <a:solidFill>
+                            <a:schemeClr val="accent1"/>
+                          </a:solidFill>
+                        </a:rPr>
+                        <a:t>Schulferien</a:t>
+                      </a:r>
+                      <a:endParaRPr lang="en-AU" sz="1600" dirty="0">
+                        <a:solidFill>
+                          <a:schemeClr val="accent1"/>
+                        </a:solidFill>
+                      </a:endParaRPr>
+                    </a:p>
+                    <a:p>
+                      <a:r>
+                        <a:rPr lang="en-AU" sz="1600" dirty="0"/>
+                        <a:t>+ </a:t>
+                      </a:r>
+                      <a:r>
+                        <a:rPr lang="en-AU" sz="1600" dirty="0" err="1">
+                          <a:solidFill>
+                            <a:schemeClr val="accent2"/>
+                          </a:solidFill>
+                        </a:rPr>
+                        <a:t>Feiertag</a:t>
+                      </a:r>
+                      <a:endParaRPr lang="en-AU" sz="1600" dirty="0">
+                        <a:solidFill>
+                          <a:schemeClr val="accent2"/>
+                        </a:solidFill>
+                      </a:endParaRPr>
+                    </a:p>
+                  </a:txBody>
+                  <a:tcPr/>
+                </a:tc>
+                <a:tc>
+                  <a:txBody>
+                    <a:bodyPr/>
+                    <a:lstStyle/>
+                    <a:p>
+                      <a:pPr algn="ctr"/>
+                      <a:r>
                         <a:rPr lang="en-DE" sz="1600" dirty="0"/>
-                        <a:t>0.378664</a:t>
+                        <a:t>18,43</a:t>
+                      </a:r>
+                    </a:p>
+                  </a:txBody>
+                  <a:tcPr anchor="ctr"/>
+                </a:tc>
+                <a:tc>
+                  <a:txBody>
+                    <a:bodyPr/>
+                    <a:lstStyle/>
+                    <a:p>
+                      <a:pPr algn="ctr"/>
+                      <a:r>
+                        <a:rPr lang="en-DE" sz="1600" dirty="0"/>
+                        <a:t>20,29</a:t>
+                      </a:r>
+                      <a:endParaRPr lang="en-AU" sz="1600" dirty="0"/>
+                    </a:p>
+                  </a:txBody>
+                  <a:tcPr anchor="ctr"/>
+                </a:tc>
+                <a:extLst>
+                  <a:ext uri="{0D108BD9-81ED-4DB2-BD59-A6C34878D82A}">
+                    <a16:rowId xmlns:a16="http://schemas.microsoft.com/office/drawing/2014/main" val="3426599036"/>
+                  </a:ext>
+                </a:extLst>
+              </a:tr>
+              <a:tr h="370840">
+                <a:tc>
+                  <a:txBody>
+                    <a:bodyPr/>
+                    <a:lstStyle/>
+                    <a:p>
+                      <a:r>
+                        <a:rPr lang="en-AU" sz="1600" dirty="0"/>
+                        <a:t>2</a:t>
+                      </a:r>
+                    </a:p>
+                  </a:txBody>
+                  <a:tcPr/>
+                </a:tc>
+                <a:tc>
+                  <a:txBody>
+                    <a:bodyPr/>
+                    <a:lstStyle/>
+                    <a:p>
+                      <a:r>
+                        <a:rPr lang="en-AU" sz="1600" dirty="0" err="1">
+                          <a:solidFill>
+                            <a:schemeClr val="accent1"/>
+                          </a:solidFill>
+                        </a:rPr>
+                        <a:t>Wochentag</a:t>
+                      </a:r>
+                      <a:r>
+                        <a:rPr lang="en-AU" sz="1600" dirty="0">
+                          <a:solidFill>
+                            <a:schemeClr val="accent1"/>
+                          </a:solidFill>
+                        </a:rPr>
+                        <a:t> </a:t>
+                      </a:r>
+                      <a:r>
+                        <a:rPr lang="en-AU" sz="1600" dirty="0"/>
+                        <a:t>+</a:t>
+                      </a:r>
+                      <a:r>
+                        <a:rPr lang="en-AU" sz="1600" dirty="0">
+                          <a:solidFill>
+                            <a:schemeClr val="accent1"/>
+                          </a:solidFill>
+                        </a:rPr>
+                        <a:t> </a:t>
+                      </a:r>
+                      <a:r>
+                        <a:rPr lang="en-AU" sz="1600" dirty="0" err="1">
+                          <a:solidFill>
+                            <a:schemeClr val="accent1"/>
+                          </a:solidFill>
+                        </a:rPr>
+                        <a:t>Jahreszeit</a:t>
+                      </a:r>
+                      <a:r>
+                        <a:rPr lang="en-AU" sz="1600" dirty="0">
+                          <a:solidFill>
+                            <a:schemeClr val="accent1"/>
+                          </a:solidFill>
+                        </a:rPr>
+                        <a:t> </a:t>
+                      </a:r>
+                      <a:r>
+                        <a:rPr lang="en-AU" sz="1600" dirty="0"/>
+                        <a:t>+</a:t>
+                      </a:r>
+                      <a:r>
+                        <a:rPr lang="en-AU" sz="1600" dirty="0">
+                          <a:solidFill>
+                            <a:schemeClr val="accent1"/>
+                          </a:solidFill>
+                        </a:rPr>
+                        <a:t> </a:t>
+                      </a:r>
+                      <a:r>
+                        <a:rPr lang="en-AU" sz="1600" dirty="0" err="1">
+                          <a:solidFill>
+                            <a:schemeClr val="accent1"/>
+                          </a:solidFill>
+                        </a:rPr>
+                        <a:t>KielerWoche</a:t>
+                      </a:r>
+                      <a:r>
+                        <a:rPr lang="en-AU" sz="1600" dirty="0">
+                          <a:solidFill>
+                            <a:schemeClr val="accent1"/>
+                          </a:solidFill>
+                        </a:rPr>
+                        <a:t> </a:t>
+                      </a:r>
+                      <a:r>
+                        <a:rPr lang="en-AU" sz="1600" dirty="0"/>
+                        <a:t>+</a:t>
+                      </a:r>
+                      <a:r>
+                        <a:rPr lang="en-AU" sz="1600" dirty="0">
+                          <a:solidFill>
+                            <a:schemeClr val="accent1"/>
+                          </a:solidFill>
+                        </a:rPr>
+                        <a:t> </a:t>
+                      </a:r>
+                      <a:r>
+                        <a:rPr lang="en-AU" sz="1600" dirty="0" err="1">
+                          <a:solidFill>
+                            <a:schemeClr val="accent1"/>
+                          </a:solidFill>
+                        </a:rPr>
+                        <a:t>Schulferien</a:t>
+                      </a:r>
+                      <a:endParaRPr lang="en-AU" sz="1600" dirty="0">
+                        <a:solidFill>
+                          <a:schemeClr val="accent1"/>
+                        </a:solidFill>
+                      </a:endParaRPr>
+                    </a:p>
+                    <a:p>
+                      <a:r>
+                        <a:rPr lang="en-AU" sz="1600" dirty="0"/>
+                        <a:t>+ </a:t>
+                      </a:r>
+                      <a:r>
+                        <a:rPr lang="en-AU" sz="1600" dirty="0">
+                          <a:solidFill>
+                            <a:schemeClr val="accent3"/>
+                          </a:solidFill>
+                        </a:rPr>
+                        <a:t>Monat</a:t>
+                      </a:r>
+                    </a:p>
+                  </a:txBody>
+                  <a:tcPr/>
+                </a:tc>
+                <a:tc>
+                  <a:txBody>
+                    <a:bodyPr/>
+                    <a:lstStyle/>
+                    <a:p>
+                      <a:pPr algn="ctr"/>
+                      <a:r>
+                        <a:rPr lang="en-DE" sz="1600" dirty="0"/>
+                        <a:t>15,17 </a:t>
+                      </a:r>
+                    </a:p>
+                  </a:txBody>
+                  <a:tcPr anchor="ctr"/>
+                </a:tc>
+                <a:tc>
+                  <a:txBody>
+                    <a:bodyPr/>
+                    <a:lstStyle/>
+                    <a:p>
+                      <a:pPr algn="ctr"/>
+                      <a:r>
+                        <a:rPr lang="en-DE" sz="1600" dirty="0"/>
+                        <a:t>14,89</a:t>
+                      </a:r>
+                      <a:endParaRPr lang="en-AU" sz="1600" dirty="0"/>
+                    </a:p>
+                  </a:txBody>
+                  <a:tcPr anchor="ctr"/>
+                </a:tc>
+                <a:extLst>
+                  <a:ext uri="{0D108BD9-81ED-4DB2-BD59-A6C34878D82A}">
+                    <a16:rowId xmlns:a16="http://schemas.microsoft.com/office/drawing/2014/main" val="983178364"/>
+                  </a:ext>
+                </a:extLst>
+              </a:tr>
+              <a:tr h="370840">
+                <a:tc>
+                  <a:txBody>
+                    <a:bodyPr/>
+                    <a:lstStyle/>
+                    <a:p>
+                      <a:r>
+                        <a:rPr lang="en-AU" sz="1600" dirty="0"/>
+                        <a:t>3</a:t>
+                      </a:r>
+                    </a:p>
+                  </a:txBody>
+                  <a:tcPr/>
+                </a:tc>
+                <a:tc>
+                  <a:txBody>
+                    <a:bodyPr/>
+                    <a:lstStyle/>
+                    <a:p>
+                      <a:pPr marL="0" marR="0" lvl="0" indent="0" algn="l" defTabSz="457144" rtl="0" eaLnBrk="1" fontAlgn="auto" latinLnBrk="0" hangingPunct="1">
+                        <a:lnSpc>
+                          <a:spcPct val="100000"/>
+                        </a:lnSpc>
+                        <a:spcBef>
+                          <a:spcPts val="0"/>
+                        </a:spcBef>
+                        <a:spcAft>
+                          <a:spcPts val="0"/>
+                        </a:spcAft>
+                        <a:buClrTx/>
+                        <a:buSzTx/>
+                        <a:buFontTx/>
+                        <a:buNone/>
+                        <a:tabLst/>
+                        <a:defRPr/>
+                      </a:pPr>
+                      <a:r>
+                        <a:rPr lang="en-AU" sz="1600" dirty="0" err="1">
+                          <a:solidFill>
+                            <a:schemeClr val="accent1"/>
+                          </a:solidFill>
+                        </a:rPr>
+                        <a:t>Wochentag</a:t>
+                      </a:r>
+                      <a:r>
+                        <a:rPr lang="en-AU" sz="1600" dirty="0">
+                          <a:solidFill>
+                            <a:schemeClr val="accent1"/>
+                          </a:solidFill>
+                        </a:rPr>
+                        <a:t> </a:t>
+                      </a:r>
+                      <a:r>
+                        <a:rPr lang="en-AU" sz="1600" dirty="0"/>
+                        <a:t>+</a:t>
+                      </a:r>
+                      <a:r>
+                        <a:rPr lang="en-AU" sz="1600" dirty="0">
+                          <a:solidFill>
+                            <a:schemeClr val="accent1"/>
+                          </a:solidFill>
+                        </a:rPr>
+                        <a:t> </a:t>
+                      </a:r>
+                      <a:r>
+                        <a:rPr lang="en-AU" sz="1600" dirty="0" err="1">
+                          <a:solidFill>
+                            <a:schemeClr val="accent1"/>
+                          </a:solidFill>
+                        </a:rPr>
+                        <a:t>Jahreszeit</a:t>
+                      </a:r>
+                      <a:r>
+                        <a:rPr lang="en-AU" sz="1600" dirty="0">
+                          <a:solidFill>
+                            <a:schemeClr val="accent1"/>
+                          </a:solidFill>
+                        </a:rPr>
+                        <a:t> </a:t>
+                      </a:r>
+                      <a:r>
+                        <a:rPr lang="en-AU" sz="1600" dirty="0"/>
+                        <a:t>+ </a:t>
+                      </a:r>
+                      <a:r>
+                        <a:rPr lang="en-AU" sz="1600" dirty="0" err="1">
+                          <a:solidFill>
+                            <a:schemeClr val="accent1"/>
+                          </a:solidFill>
+                        </a:rPr>
+                        <a:t>KielerWoche</a:t>
+                      </a:r>
+                      <a:r>
+                        <a:rPr lang="en-AU" sz="1600" dirty="0">
+                          <a:solidFill>
+                            <a:schemeClr val="accent1"/>
+                          </a:solidFill>
+                        </a:rPr>
+                        <a:t> </a:t>
+                      </a:r>
+                      <a:r>
+                        <a:rPr lang="en-AU" sz="1600" dirty="0"/>
+                        <a:t>+ </a:t>
+                      </a:r>
+                      <a:r>
+                        <a:rPr lang="en-AU" sz="1600" dirty="0" err="1">
+                          <a:solidFill>
+                            <a:schemeClr val="accent1"/>
+                          </a:solidFill>
+                        </a:rPr>
+                        <a:t>Schulferien</a:t>
+                      </a:r>
+                      <a:endParaRPr lang="en-AU" sz="1600" dirty="0">
+                        <a:solidFill>
+                          <a:schemeClr val="accent1"/>
+                        </a:solidFill>
+                      </a:endParaRPr>
+                    </a:p>
+                    <a:p>
+                      <a:pPr marL="0" marR="0" lvl="0" indent="0" algn="l" defTabSz="457144" rtl="0" eaLnBrk="1" fontAlgn="auto" latinLnBrk="0" hangingPunct="1">
+                        <a:lnSpc>
+                          <a:spcPct val="100000"/>
+                        </a:lnSpc>
+                        <a:spcBef>
+                          <a:spcPts val="0"/>
+                        </a:spcBef>
+                        <a:spcAft>
+                          <a:spcPts val="0"/>
+                        </a:spcAft>
+                        <a:buClrTx/>
+                        <a:buSzTx/>
+                        <a:buFontTx/>
+                        <a:buNone/>
+                        <a:tabLst/>
+                        <a:defRPr/>
+                      </a:pPr>
+                      <a:r>
+                        <a:rPr lang="en-AU" sz="1600" dirty="0"/>
+                        <a:t>+ </a:t>
+                      </a:r>
+                      <a:r>
+                        <a:rPr lang="en-AU" sz="1600" dirty="0" err="1">
+                          <a:solidFill>
+                            <a:schemeClr val="accent2"/>
+                          </a:solidFill>
+                        </a:rPr>
+                        <a:t>Feiertag</a:t>
+                      </a:r>
+                      <a:r>
+                        <a:rPr lang="en-AU" sz="1600" dirty="0">
+                          <a:solidFill>
+                            <a:schemeClr val="accent2"/>
+                          </a:solidFill>
+                        </a:rPr>
+                        <a:t> </a:t>
+                      </a:r>
+                      <a:r>
+                        <a:rPr lang="en-AU" sz="1600" dirty="0"/>
+                        <a:t>+ </a:t>
+                      </a:r>
+                      <a:r>
+                        <a:rPr lang="en-AU" sz="1600" dirty="0">
+                          <a:solidFill>
+                            <a:schemeClr val="accent3"/>
+                          </a:solidFill>
+                        </a:rPr>
+                        <a:t>Monat</a:t>
+                      </a:r>
+                    </a:p>
+                  </a:txBody>
+                  <a:tcPr/>
+                </a:tc>
+                <a:tc>
+                  <a:txBody>
+                    <a:bodyPr/>
+                    <a:lstStyle/>
+                    <a:p>
+                      <a:pPr algn="ctr"/>
+                      <a:r>
+                        <a:rPr lang="en-DE" sz="1600" dirty="0"/>
+                        <a:t>19,93</a:t>
+                      </a:r>
+                    </a:p>
+                  </a:txBody>
+                  <a:tcPr anchor="ctr"/>
+                </a:tc>
+                <a:tc>
+                  <a:txBody>
+                    <a:bodyPr/>
+                    <a:lstStyle/>
+                    <a:p>
+                      <a:pPr algn="ctr"/>
+                      <a:r>
+                        <a:rPr lang="en-DE" sz="1600" dirty="0"/>
+                        <a:t>20,95</a:t>
+                      </a:r>
+                      <a:endParaRPr lang="en-AU" sz="1600" dirty="0"/>
+                    </a:p>
+                  </a:txBody>
+                  <a:tcPr anchor="ctr"/>
+                </a:tc>
+                <a:extLst>
+                  <a:ext uri="{0D108BD9-81ED-4DB2-BD59-A6C34878D82A}">
+                    <a16:rowId xmlns:a16="http://schemas.microsoft.com/office/drawing/2014/main" val="824714965"/>
+                  </a:ext>
+                </a:extLst>
+              </a:tr>
+              <a:tr h="370840">
+                <a:tc>
+                  <a:txBody>
+                    <a:bodyPr/>
+                    <a:lstStyle/>
+                    <a:p>
+                      <a:r>
+                        <a:rPr lang="en-AU" sz="1600" dirty="0"/>
+                        <a:t>4</a:t>
+                      </a:r>
+                    </a:p>
+                  </a:txBody>
+                  <a:tcPr/>
+                </a:tc>
+                <a:tc>
+                  <a:txBody>
+                    <a:bodyPr/>
+                    <a:lstStyle/>
+                    <a:p>
+                      <a:pPr marL="0" marR="0" lvl="0" indent="0" algn="l" defTabSz="457144" rtl="0" eaLnBrk="1" fontAlgn="auto" latinLnBrk="0" hangingPunct="1">
+                        <a:lnSpc>
+                          <a:spcPct val="100000"/>
+                        </a:lnSpc>
+                        <a:spcBef>
+                          <a:spcPts val="0"/>
+                        </a:spcBef>
+                        <a:spcAft>
+                          <a:spcPts val="0"/>
+                        </a:spcAft>
+                        <a:buClrTx/>
+                        <a:buSzTx/>
+                        <a:buFontTx/>
+                        <a:buNone/>
+                        <a:tabLst/>
+                        <a:defRPr/>
+                      </a:pPr>
+                      <a:r>
+                        <a:rPr lang="en-AU" sz="1600" dirty="0" err="1">
+                          <a:solidFill>
+                            <a:schemeClr val="accent1"/>
+                          </a:solidFill>
+                        </a:rPr>
+                        <a:t>Wochentag</a:t>
+                      </a:r>
+                      <a:r>
+                        <a:rPr lang="en-AU" sz="1600" dirty="0">
+                          <a:solidFill>
+                            <a:schemeClr val="accent1"/>
+                          </a:solidFill>
+                        </a:rPr>
+                        <a:t> </a:t>
+                      </a:r>
+                      <a:r>
+                        <a:rPr lang="en-AU" sz="1600" dirty="0"/>
+                        <a:t>+</a:t>
+                      </a:r>
+                      <a:r>
+                        <a:rPr lang="en-AU" sz="1600" dirty="0">
+                          <a:solidFill>
+                            <a:schemeClr val="accent1"/>
+                          </a:solidFill>
+                        </a:rPr>
+                        <a:t> </a:t>
+                      </a:r>
+                      <a:r>
+                        <a:rPr lang="en-AU" sz="1600" dirty="0" err="1">
+                          <a:solidFill>
+                            <a:schemeClr val="accent1"/>
+                          </a:solidFill>
+                        </a:rPr>
+                        <a:t>Jahreszeit</a:t>
+                      </a:r>
+                      <a:r>
+                        <a:rPr lang="en-AU" sz="1600" dirty="0">
+                          <a:solidFill>
+                            <a:schemeClr val="accent1"/>
+                          </a:solidFill>
+                        </a:rPr>
+                        <a:t> </a:t>
+                      </a:r>
+                      <a:r>
+                        <a:rPr lang="en-AU" sz="1600" dirty="0"/>
+                        <a:t>+</a:t>
+                      </a:r>
+                      <a:r>
+                        <a:rPr lang="en-AU" sz="1600" dirty="0">
+                          <a:solidFill>
+                            <a:schemeClr val="accent1"/>
+                          </a:solidFill>
+                        </a:rPr>
+                        <a:t> </a:t>
+                      </a:r>
+                      <a:r>
+                        <a:rPr lang="en-AU" sz="1600" dirty="0" err="1">
+                          <a:solidFill>
+                            <a:schemeClr val="accent1"/>
+                          </a:solidFill>
+                        </a:rPr>
+                        <a:t>KielerWoche</a:t>
+                      </a:r>
+                      <a:r>
+                        <a:rPr lang="en-AU" sz="1600" dirty="0">
+                          <a:solidFill>
+                            <a:schemeClr val="accent1"/>
+                          </a:solidFill>
+                        </a:rPr>
+                        <a:t> </a:t>
+                      </a:r>
+                      <a:r>
+                        <a:rPr lang="en-AU" sz="1600" dirty="0"/>
+                        <a:t>+</a:t>
+                      </a:r>
+                      <a:r>
+                        <a:rPr lang="en-AU" sz="1600" dirty="0">
+                          <a:solidFill>
+                            <a:schemeClr val="accent1"/>
+                          </a:solidFill>
+                        </a:rPr>
+                        <a:t> </a:t>
+                      </a:r>
+                      <a:r>
+                        <a:rPr lang="en-AU" sz="1600" dirty="0" err="1">
+                          <a:solidFill>
+                            <a:schemeClr val="accent1"/>
+                          </a:solidFill>
+                        </a:rPr>
+                        <a:t>Schulferien</a:t>
+                      </a:r>
+                      <a:endParaRPr lang="en-AU" sz="1600" dirty="0">
+                        <a:solidFill>
+                          <a:schemeClr val="accent1"/>
+                        </a:solidFill>
+                      </a:endParaRPr>
+                    </a:p>
+                    <a:p>
+                      <a:pPr marL="0" marR="0" lvl="0" indent="0" algn="l" defTabSz="457144" rtl="0" eaLnBrk="1" fontAlgn="auto" latinLnBrk="0" hangingPunct="1">
+                        <a:lnSpc>
+                          <a:spcPct val="100000"/>
+                        </a:lnSpc>
+                        <a:spcBef>
+                          <a:spcPts val="0"/>
+                        </a:spcBef>
+                        <a:spcAft>
+                          <a:spcPts val="0"/>
+                        </a:spcAft>
+                        <a:buClrTx/>
+                        <a:buSzTx/>
+                        <a:buFontTx/>
+                        <a:buNone/>
+                        <a:tabLst/>
+                        <a:defRPr/>
+                      </a:pPr>
+                      <a:r>
+                        <a:rPr lang="en-AU" sz="1600" dirty="0"/>
+                        <a:t>+ </a:t>
+                      </a:r>
+                      <a:r>
+                        <a:rPr lang="en-AU" sz="1600" dirty="0" err="1">
+                          <a:solidFill>
+                            <a:schemeClr val="accent2"/>
+                          </a:solidFill>
+                        </a:rPr>
+                        <a:t>Feiertag</a:t>
+                      </a:r>
+                      <a:r>
+                        <a:rPr lang="en-AU" sz="1600" dirty="0">
+                          <a:solidFill>
+                            <a:schemeClr val="accent2"/>
+                          </a:solidFill>
+                        </a:rPr>
+                        <a:t> </a:t>
+                      </a:r>
+                      <a:r>
+                        <a:rPr lang="en-AU" sz="1600" dirty="0"/>
+                        <a:t>+ </a:t>
+                      </a:r>
+                      <a:r>
+                        <a:rPr lang="en-AU" sz="1600" dirty="0">
+                          <a:solidFill>
+                            <a:schemeClr val="accent3"/>
+                          </a:solidFill>
+                        </a:rPr>
+                        <a:t>Monat</a:t>
+                      </a:r>
+                    </a:p>
+                  </a:txBody>
+                  <a:tcPr/>
+                </a:tc>
+                <a:tc>
+                  <a:txBody>
+                    <a:bodyPr/>
+                    <a:lstStyle/>
+                    <a:p>
+                      <a:pPr algn="ctr"/>
+                      <a:r>
+                        <a:rPr lang="en-DE" sz="1600" dirty="0"/>
+                        <a:t>20,68</a:t>
+                      </a:r>
+                    </a:p>
+                  </a:txBody>
+                  <a:tcPr anchor="ctr"/>
+                </a:tc>
+                <a:tc>
+                  <a:txBody>
+                    <a:bodyPr/>
+                    <a:lstStyle/>
+                    <a:p>
+                      <a:pPr algn="ctr"/>
+                      <a:r>
+                        <a:rPr lang="en-DE" sz="1600" dirty="0"/>
+                        <a:t>21,53</a:t>
+                      </a:r>
+                      <a:endParaRPr lang="en-AU" sz="1600" dirty="0"/>
+                    </a:p>
+                  </a:txBody>
+                  <a:tcPr anchor="ctr"/>
+                </a:tc>
+                <a:extLst>
+                  <a:ext uri="{0D108BD9-81ED-4DB2-BD59-A6C34878D82A}">
+                    <a16:rowId xmlns:a16="http://schemas.microsoft.com/office/drawing/2014/main" val="2574431977"/>
+                  </a:ext>
+                </a:extLst>
+              </a:tr>
+              <a:tr h="370840">
+                <a:tc>
+                  <a:txBody>
+                    <a:bodyPr/>
+                    <a:lstStyle/>
+                    <a:p>
+                      <a:r>
+                        <a:rPr lang="en-AU" sz="1600" dirty="0"/>
+                        <a:t>5</a:t>
+                      </a:r>
+                    </a:p>
+                  </a:txBody>
+                  <a:tcPr/>
+                </a:tc>
+                <a:tc>
+                  <a:txBody>
+                    <a:bodyPr/>
+                    <a:lstStyle/>
+                    <a:p>
+                      <a:r>
+                        <a:rPr lang="en-AU" sz="1600" dirty="0" err="1">
+                          <a:solidFill>
+                            <a:schemeClr val="accent1"/>
+                          </a:solidFill>
+                        </a:rPr>
+                        <a:t>Wochentag</a:t>
+                      </a:r>
+                      <a:r>
+                        <a:rPr lang="en-AU" sz="1600" dirty="0">
+                          <a:solidFill>
+                            <a:schemeClr val="accent1"/>
+                          </a:solidFill>
+                        </a:rPr>
+                        <a:t> </a:t>
+                      </a:r>
+                      <a:r>
+                        <a:rPr lang="en-AU" sz="1600" dirty="0"/>
+                        <a:t>+</a:t>
+                      </a:r>
+                      <a:r>
+                        <a:rPr lang="en-AU" sz="1600" dirty="0">
+                          <a:solidFill>
+                            <a:schemeClr val="accent1"/>
+                          </a:solidFill>
+                        </a:rPr>
+                        <a:t> </a:t>
+                      </a:r>
+                      <a:r>
+                        <a:rPr lang="en-AU" sz="1600" dirty="0" err="1">
+                          <a:solidFill>
+                            <a:schemeClr val="accent1"/>
+                          </a:solidFill>
+                        </a:rPr>
+                        <a:t>Jahreszeit</a:t>
+                      </a:r>
+                      <a:r>
+                        <a:rPr lang="en-AU" sz="1600" dirty="0">
+                          <a:solidFill>
+                            <a:schemeClr val="accent1"/>
+                          </a:solidFill>
+                        </a:rPr>
+                        <a:t> </a:t>
+                      </a:r>
+                      <a:r>
+                        <a:rPr lang="en-AU" sz="1600" dirty="0"/>
+                        <a:t>+</a:t>
+                      </a:r>
+                      <a:r>
+                        <a:rPr lang="en-AU" sz="1600" dirty="0">
+                          <a:solidFill>
+                            <a:schemeClr val="accent1"/>
+                          </a:solidFill>
+                        </a:rPr>
+                        <a:t> </a:t>
+                      </a:r>
+                      <a:r>
+                        <a:rPr lang="en-AU" sz="1600" dirty="0" err="1">
+                          <a:solidFill>
+                            <a:schemeClr val="accent1"/>
+                          </a:solidFill>
+                        </a:rPr>
+                        <a:t>KielerWoche</a:t>
+                      </a:r>
+                      <a:r>
+                        <a:rPr lang="en-AU" sz="1600" dirty="0">
+                          <a:solidFill>
+                            <a:schemeClr val="accent1"/>
+                          </a:solidFill>
+                        </a:rPr>
+                        <a:t> </a:t>
+                      </a:r>
+                      <a:r>
+                        <a:rPr lang="en-AU" sz="1600" dirty="0"/>
+                        <a:t>+ </a:t>
+                      </a:r>
+                      <a:r>
+                        <a:rPr lang="en-AU" sz="1600" dirty="0" err="1">
+                          <a:solidFill>
+                            <a:schemeClr val="accent1"/>
+                          </a:solidFill>
+                        </a:rPr>
+                        <a:t>Schulferien</a:t>
+                      </a:r>
+                      <a:r>
+                        <a:rPr lang="en-AU" sz="1600" dirty="0">
+                          <a:solidFill>
+                            <a:schemeClr val="accent1"/>
+                          </a:solidFill>
+                        </a:rPr>
+                        <a:t> </a:t>
+                      </a:r>
+                      <a:r>
+                        <a:rPr lang="en-AU" sz="1600" dirty="0"/>
+                        <a:t>+ </a:t>
+                      </a:r>
+                      <a:r>
+                        <a:rPr lang="en-AU" sz="1600" dirty="0" err="1">
+                          <a:solidFill>
+                            <a:schemeClr val="accent2"/>
+                          </a:solidFill>
+                        </a:rPr>
+                        <a:t>Feiertag</a:t>
+                      </a:r>
+                      <a:r>
+                        <a:rPr lang="en-AU" sz="1600" dirty="0">
+                          <a:solidFill>
+                            <a:schemeClr val="accent2"/>
+                          </a:solidFill>
+                        </a:rPr>
+                        <a:t> </a:t>
+                      </a:r>
+                      <a:r>
+                        <a:rPr lang="en-AU" sz="1600" dirty="0">
+                          <a:solidFill>
+                            <a:schemeClr val="tx1"/>
+                          </a:solidFill>
+                        </a:rPr>
+                        <a:t>+</a:t>
+                      </a:r>
+                      <a:r>
+                        <a:rPr lang="en-AU" sz="1600" dirty="0">
+                          <a:solidFill>
+                            <a:schemeClr val="accent2"/>
+                          </a:solidFill>
+                        </a:rPr>
+                        <a:t> </a:t>
+                      </a:r>
+                      <a:r>
+                        <a:rPr lang="en-AU" sz="1600" dirty="0">
+                          <a:solidFill>
+                            <a:schemeClr val="accent3"/>
+                          </a:solidFill>
+                        </a:rPr>
+                        <a:t>Monat</a:t>
                       </a:r>
                       <a:endParaRPr lang="en-AU" sz="1600" dirty="0"/>
                     </a:p>
@@ -12296,14 +12426,251 @@
                     <a:bodyPr/>
                     <a:lstStyle/>
                     <a:p>
+                      <a:pPr algn="ctr"/>
                       <a:r>
                         <a:rPr lang="en-DE" sz="1600" dirty="0"/>
-                        <a:t>0.3832171</a:t>
+                        <a:t>14,27 </a:t>
+                      </a:r>
+                    </a:p>
+                  </a:txBody>
+                  <a:tcPr anchor="ctr"/>
+                </a:tc>
+                <a:tc>
+                  <a:txBody>
+                    <a:bodyPr/>
+                    <a:lstStyle/>
+                    <a:p>
+                      <a:pPr algn="ctr"/>
+                      <a:r>
+                        <a:rPr lang="en-DE" sz="1600" dirty="0"/>
+                        <a:t>14,37</a:t>
                       </a:r>
                       <a:endParaRPr lang="en-AU" sz="1600" dirty="0"/>
                     </a:p>
                   </a:txBody>
+                  <a:tcPr anchor="ctr"/>
+                </a:tc>
+                <a:extLst>
+                  <a:ext uri="{0D108BD9-81ED-4DB2-BD59-A6C34878D82A}">
+                    <a16:rowId xmlns:a16="http://schemas.microsoft.com/office/drawing/2014/main" val="1253213471"/>
+                  </a:ext>
+                </a:extLst>
+              </a:tr>
+              <a:tr h="370840">
+                <a:tc>
+                  <a:txBody>
+                    <a:bodyPr/>
+                    <a:lstStyle/>
+                    <a:p>
+                      <a:r>
+                        <a:rPr lang="en-AU" sz="1600" dirty="0"/>
+                        <a:t>6</a:t>
+                      </a:r>
+                    </a:p>
+                  </a:txBody>
                   <a:tcPr/>
+                </a:tc>
+                <a:tc>
+                  <a:txBody>
+                    <a:bodyPr/>
+                    <a:lstStyle/>
+                    <a:p>
+                      <a:r>
+                        <a:rPr lang="en-AU" sz="1600" dirty="0" err="1">
+                          <a:solidFill>
+                            <a:schemeClr val="accent1"/>
+                          </a:solidFill>
+                        </a:rPr>
+                        <a:t>Wochentag</a:t>
+                      </a:r>
+                      <a:r>
+                        <a:rPr lang="en-AU" sz="1600" dirty="0">
+                          <a:solidFill>
+                            <a:schemeClr val="accent1"/>
+                          </a:solidFill>
+                        </a:rPr>
+                        <a:t> </a:t>
+                      </a:r>
+                      <a:r>
+                        <a:rPr lang="en-AU" sz="1600" dirty="0"/>
+                        <a:t>+</a:t>
+                      </a:r>
+                      <a:r>
+                        <a:rPr lang="en-AU" sz="1600" dirty="0">
+                          <a:solidFill>
+                            <a:schemeClr val="accent1"/>
+                          </a:solidFill>
+                        </a:rPr>
+                        <a:t> </a:t>
+                      </a:r>
+                      <a:r>
+                        <a:rPr lang="en-AU" sz="1600" dirty="0" err="1">
+                          <a:solidFill>
+                            <a:schemeClr val="accent1"/>
+                          </a:solidFill>
+                        </a:rPr>
+                        <a:t>Jahreszeit</a:t>
+                      </a:r>
+                      <a:r>
+                        <a:rPr lang="en-AU" sz="1600" dirty="0">
+                          <a:solidFill>
+                            <a:schemeClr val="accent1"/>
+                          </a:solidFill>
+                        </a:rPr>
+                        <a:t> </a:t>
+                      </a:r>
+                      <a:r>
+                        <a:rPr lang="en-AU" sz="1600" dirty="0"/>
+                        <a:t>+</a:t>
+                      </a:r>
+                      <a:r>
+                        <a:rPr lang="en-AU" sz="1600" dirty="0">
+                          <a:solidFill>
+                            <a:schemeClr val="accent1"/>
+                          </a:solidFill>
+                        </a:rPr>
+                        <a:t> </a:t>
+                      </a:r>
+                      <a:r>
+                        <a:rPr lang="en-AU" sz="1600" dirty="0" err="1">
+                          <a:solidFill>
+                            <a:schemeClr val="accent1"/>
+                          </a:solidFill>
+                        </a:rPr>
+                        <a:t>KielerWoche</a:t>
+                      </a:r>
+                      <a:r>
+                        <a:rPr lang="en-AU" sz="1600" dirty="0">
+                          <a:solidFill>
+                            <a:schemeClr val="accent1"/>
+                          </a:solidFill>
+                        </a:rPr>
+                        <a:t> </a:t>
+                      </a:r>
+                      <a:r>
+                        <a:rPr lang="en-AU" sz="1600" dirty="0"/>
+                        <a:t>+</a:t>
+                      </a:r>
+                      <a:r>
+                        <a:rPr lang="en-AU" sz="1600" dirty="0">
+                          <a:solidFill>
+                            <a:schemeClr val="accent1"/>
+                          </a:solidFill>
+                        </a:rPr>
+                        <a:t> </a:t>
+                      </a:r>
+                      <a:r>
+                        <a:rPr lang="en-AU" sz="1600" dirty="0" err="1">
+                          <a:solidFill>
+                            <a:schemeClr val="accent1"/>
+                          </a:solidFill>
+                        </a:rPr>
+                        <a:t>Schulferien</a:t>
+                      </a:r>
+                      <a:endParaRPr lang="en-AU" sz="1600" dirty="0">
+                        <a:solidFill>
+                          <a:schemeClr val="accent1"/>
+                        </a:solidFill>
+                      </a:endParaRPr>
+                    </a:p>
+                    <a:p>
+                      <a:r>
+                        <a:rPr lang="en-AU" sz="1600" dirty="0"/>
+                        <a:t>+ </a:t>
+                      </a:r>
+                      <a:r>
+                        <a:rPr lang="en-AU" sz="1600" dirty="0">
+                          <a:solidFill>
+                            <a:schemeClr val="accent3"/>
+                          </a:solidFill>
+                        </a:rPr>
+                        <a:t>Monat </a:t>
+                      </a:r>
+                      <a:r>
+                        <a:rPr lang="en-AU" sz="1600" dirty="0"/>
+                        <a:t>+ </a:t>
+                      </a:r>
+                      <a:r>
+                        <a:rPr lang="en-AU" sz="1600" dirty="0" err="1">
+                          <a:solidFill>
+                            <a:schemeClr val="accent6"/>
+                          </a:solidFill>
+                        </a:rPr>
+                        <a:t>Verlängertes</a:t>
+                      </a:r>
+                      <a:r>
+                        <a:rPr lang="en-AU" sz="1600" dirty="0">
+                          <a:solidFill>
+                            <a:schemeClr val="accent6"/>
+                          </a:solidFill>
+                        </a:rPr>
+                        <a:t> </a:t>
+                      </a:r>
+                      <a:r>
+                        <a:rPr lang="en-AU" sz="1600" dirty="0" err="1">
+                          <a:solidFill>
+                            <a:schemeClr val="accent6"/>
+                          </a:solidFill>
+                        </a:rPr>
+                        <a:t>Wochenende</a:t>
+                      </a:r>
+                      <a:r>
+                        <a:rPr lang="en-AU" sz="1600" dirty="0">
+                          <a:solidFill>
+                            <a:schemeClr val="accent6"/>
+                          </a:solidFill>
+                        </a:rPr>
+                        <a:t> (Mo)</a:t>
+                      </a:r>
+                    </a:p>
+                  </a:txBody>
+                  <a:tcPr/>
+                </a:tc>
+                <a:tc>
+                  <a:txBody>
+                    <a:bodyPr/>
+                    <a:lstStyle/>
+                    <a:p>
+                      <a:pPr marL="0" marR="0" lvl="0" indent="0" algn="ctr" defTabSz="457144" rtl="0" eaLnBrk="1" fontAlgn="auto" latinLnBrk="0" hangingPunct="1">
+                        <a:lnSpc>
+                          <a:spcPct val="100000"/>
+                        </a:lnSpc>
+                        <a:spcBef>
+                          <a:spcPts val="0"/>
+                        </a:spcBef>
+                        <a:spcAft>
+                          <a:spcPts val="0"/>
+                        </a:spcAft>
+                        <a:buClrTx/>
+                        <a:buSzTx/>
+                        <a:buFontTx/>
+                        <a:buNone/>
+                        <a:tabLst/>
+                        <a:defRPr/>
+                      </a:pPr>
+                      <a:r>
+                        <a:rPr lang="en-DE" sz="1600" dirty="0"/>
+                        <a:t>37,87</a:t>
+                      </a:r>
+                      <a:endParaRPr lang="en-AU" sz="1600" dirty="0"/>
+                    </a:p>
+                  </a:txBody>
+                  <a:tcPr anchor="ctr"/>
+                </a:tc>
+                <a:tc>
+                  <a:txBody>
+                    <a:bodyPr/>
+                    <a:lstStyle/>
+                    <a:p>
+                      <a:pPr algn="ctr"/>
+                      <a:r>
+                        <a:rPr lang="en-DE" sz="1600" dirty="0"/>
+                        <a:t>38,32</a:t>
+                      </a:r>
+                      <a:endParaRPr lang="en-AU" sz="1600" dirty="0"/>
+                    </a:p>
+                  </a:txBody>
+                  <a:tcPr anchor="ctr"/>
                 </a:tc>
                 <a:extLst>
                   <a:ext uri="{0D108BD9-81ED-4DB2-BD59-A6C34878D82A}">
@@ -12365,8 +12732,8 @@
         </p:nvSpPr>
         <p:spPr>
           <a:xfrm>
-            <a:off x="256464" y="1053101"/>
-            <a:ext cx="4256866" cy="338554"/>
+            <a:off x="256464" y="908720"/>
+            <a:ext cx="4675576" cy="338554"/>
           </a:xfrm>
           <a:prstGeom prst="rect">
             <a:avLst/>
@@ -12380,39 +12747,154 @@
           <a:p>
             <a:pPr marL="0" lvl="1"/>
             <a:r>
-              <a:rPr lang="en-GB" sz="1600" dirty="0">
-                <a:latin typeface="Helvetica" pitchFamily="2" charset="0"/>
-              </a:rPr>
-              <a:t>SVMs: </a:t>
-            </a:r>
-            <a:r>
-              <a:rPr lang="en-GB" sz="1600" dirty="0" err="1">
+              <a:rPr lang="en-GB" sz="1600" b="1" dirty="0" err="1">
+                <a:latin typeface="Helvetica" pitchFamily="2" charset="0"/>
+              </a:rPr>
+              <a:t>Sechs</a:t>
+            </a:r>
+            <a:r>
+              <a:rPr lang="en-GB" sz="1600" b="1" dirty="0">
+                <a:latin typeface="Helvetica" pitchFamily="2" charset="0"/>
+              </a:rPr>
+              <a:t> SVMs </a:t>
+            </a:r>
+            <a:r>
+              <a:rPr lang="en-GB" sz="1600" b="1" dirty="0" err="1">
+                <a:latin typeface="Helvetica" pitchFamily="2" charset="0"/>
+              </a:rPr>
+              <a:t>getrennt</a:t>
+            </a:r>
+            <a:r>
+              <a:rPr lang="en-GB" sz="1600" b="1" dirty="0">
+                <a:latin typeface="Helvetica" pitchFamily="2" charset="0"/>
+              </a:rPr>
+              <a:t> </a:t>
+            </a:r>
+            <a:r>
+              <a:rPr lang="en-GB" sz="1600" b="1" dirty="0" err="1">
+                <a:latin typeface="Helvetica" pitchFamily="2" charset="0"/>
+              </a:rPr>
+              <a:t>nach</a:t>
+            </a:r>
+            <a:r>
+              <a:rPr lang="en-GB" sz="1600" b="1" dirty="0">
+                <a:latin typeface="Helvetica" pitchFamily="2" charset="0"/>
+              </a:rPr>
+              <a:t> </a:t>
+            </a:r>
+            <a:r>
+              <a:rPr lang="en-GB" sz="1600" b="1" dirty="0" err="1">
                 <a:latin typeface="Helvetica" pitchFamily="2" charset="0"/>
               </a:rPr>
               <a:t>Warengruppen</a:t>
             </a:r>
-            <a:r>
-              <a:rPr lang="en-GB" sz="1600" dirty="0">
-                <a:latin typeface="Helvetica" pitchFamily="2" charset="0"/>
-              </a:rPr>
-              <a:t> </a:t>
-            </a:r>
-            <a:r>
-              <a:rPr lang="en-GB" sz="1600" dirty="0" err="1">
-                <a:latin typeface="Helvetica" pitchFamily="2" charset="0"/>
-              </a:rPr>
-              <a:t>getrennt</a:t>
-            </a:r>
-            <a:endParaRPr lang="en-GB" sz="1600" dirty="0">
+            <a:endParaRPr lang="en-GB" sz="1600" b="1" dirty="0">
               <a:latin typeface="Helvetica" pitchFamily="2" charset="0"/>
             </a:endParaRPr>
+          </a:p>
+        </p:txBody>
+      </p:sp>
+      <p:sp>
+        <p:nvSpPr>
+          <p:cNvPr id="14" name="Rectangle 13">
+            <a:extLst>
+              <a:ext uri="{FF2B5EF4-FFF2-40B4-BE49-F238E27FC236}">
+                <a16:creationId xmlns:a16="http://schemas.microsoft.com/office/drawing/2014/main" id="{976FA427-61C0-3B4A-9785-EF3AF2BD0893}"/>
+              </a:ext>
+            </a:extLst>
+          </p:cNvPr>
+          <p:cNvSpPr/>
+          <p:nvPr/>
+        </p:nvSpPr>
+        <p:spPr>
+          <a:xfrm>
+            <a:off x="237062" y="5785519"/>
+            <a:ext cx="5960093" cy="307777"/>
+          </a:xfrm>
+          <a:prstGeom prst="rect">
+            <a:avLst/>
+          </a:prstGeom>
+        </p:spPr>
+        <p:txBody>
+          <a:bodyPr wrap="none">
+            <a:spAutoFit/>
+          </a:bodyPr>
+          <a:lstStyle/>
+          <a:p>
+            <a:r>
+              <a:rPr lang="en-GB" sz="1400" dirty="0">
+                <a:latin typeface="Helvetica" pitchFamily="2" charset="0"/>
+              </a:rPr>
+              <a:t>(MAPE </a:t>
+            </a:r>
+            <a:r>
+              <a:rPr lang="en-GB" sz="1400" dirty="0" err="1">
+                <a:latin typeface="Helvetica" pitchFamily="2" charset="0"/>
+              </a:rPr>
+              <a:t>bei</a:t>
+            </a:r>
+            <a:r>
+              <a:rPr lang="en-GB" sz="1400" dirty="0">
+                <a:latin typeface="Helvetica" pitchFamily="2" charset="0"/>
+              </a:rPr>
+              <a:t> </a:t>
+            </a:r>
+            <a:r>
+              <a:rPr lang="en-GB" sz="1400" dirty="0" err="1">
+                <a:latin typeface="Helvetica" pitchFamily="2" charset="0"/>
+              </a:rPr>
+              <a:t>einer</a:t>
+            </a:r>
+            <a:r>
+              <a:rPr lang="en-GB" sz="1400" dirty="0">
+                <a:latin typeface="Helvetica" pitchFamily="2" charset="0"/>
+              </a:rPr>
+              <a:t> SVM </a:t>
+            </a:r>
+            <a:r>
+              <a:rPr lang="en-GB" sz="1400" dirty="0" err="1">
+                <a:latin typeface="Helvetica" pitchFamily="2" charset="0"/>
+              </a:rPr>
+              <a:t>mit</a:t>
+            </a:r>
+            <a:r>
+              <a:rPr lang="en-GB" sz="1400" dirty="0">
+                <a:latin typeface="Helvetica" pitchFamily="2" charset="0"/>
+              </a:rPr>
+              <a:t> </a:t>
+            </a:r>
+            <a:r>
+              <a:rPr lang="en-GB" sz="1400" dirty="0" err="1">
+                <a:latin typeface="Helvetica" pitchFamily="2" charset="0"/>
+              </a:rPr>
+              <a:t>zusammengefassten</a:t>
+            </a:r>
+            <a:r>
+              <a:rPr lang="en-GB" sz="1400" dirty="0">
+                <a:latin typeface="Helvetica" pitchFamily="2" charset="0"/>
+              </a:rPr>
+              <a:t> </a:t>
+            </a:r>
+            <a:r>
+              <a:rPr lang="en-GB" sz="1400" dirty="0" err="1">
+                <a:latin typeface="Helvetica" pitchFamily="2" charset="0"/>
+              </a:rPr>
+              <a:t>Warengruppen</a:t>
+            </a:r>
+            <a:r>
+              <a:rPr lang="en-GB" sz="1400" dirty="0">
+                <a:latin typeface="Helvetica" pitchFamily="2" charset="0"/>
+              </a:rPr>
+              <a:t>: 25,73 %)</a:t>
+            </a:r>
+            <a:endParaRPr lang="en-AU" sz="1400" dirty="0"/>
           </a:p>
         </p:txBody>
       </p:sp>
     </p:spTree>
     <p:extLst>
       <p:ext uri="{BB962C8B-B14F-4D97-AF65-F5344CB8AC3E}">
-        <p14:creationId xmlns:p14="http://schemas.microsoft.com/office/powerpoint/2010/main" val="112424630"/>
+        <p14:creationId xmlns:p14="http://schemas.microsoft.com/office/powerpoint/2010/main" val="1248465678"/>
       </p:ext>
     </p:extLst>
   </p:cSld>
@@ -12660,14 +13142,14 @@
           <p:nvPr>
             <p:extLst>
               <p:ext uri="{D42A27DB-BD31-4B8C-83A1-F6EECF244321}">
-                <p14:modId xmlns:p14="http://schemas.microsoft.com/office/powerpoint/2010/main" val="981194413"/>
+                <p14:modId xmlns:p14="http://schemas.microsoft.com/office/powerpoint/2010/main" val="102975165"/>
               </p:ext>
             </p:extLst>
           </p:nvPr>
         </p:nvGraphicFramePr>
         <p:xfrm>
-          <a:off x="1403648" y="1262398"/>
-          <a:ext cx="6768752" cy="4231108"/>
+          <a:off x="1403648" y="1496646"/>
+          <a:ext cx="6480720" cy="3864707"/>
         </p:xfrm>
         <a:graphic>
           <a:graphicData uri="http://schemas.openxmlformats.org/drawingml/2006/table">
@@ -12676,14 +13158,14 @@
                 <a:tableStyleId>{5940675A-B579-460E-94D1-54222C63F5DA}</a:tableStyleId>
               </a:tblPr>
               <a:tblGrid>
-                <a:gridCol w="3363832">
+                <a:gridCol w="3220690">
                   <a:extLst>
                     <a:ext uri="{9D8B030D-6E8A-4147-A177-3AD203B41FA5}">
                       <a16:colId xmlns:a16="http://schemas.microsoft.com/office/drawing/2014/main" val="4271733570"/>
                     </a:ext>
                   </a:extLst>
                 </a:gridCol>
-                <a:gridCol w="3404920">
+                <a:gridCol w="3260030">
                   <a:extLst>
                     <a:ext uri="{9D8B030D-6E8A-4147-A177-3AD203B41FA5}">
                       <a16:colId xmlns:a16="http://schemas.microsoft.com/office/drawing/2014/main" val="4168449459"/>
@@ -12691,7 +13173,7 @@
                   </a:extLst>
                 </a:gridCol>
               </a:tblGrid>
-              <a:tr h="604444">
+              <a:tr h="552101">
                 <a:tc>
                   <a:txBody>
                     <a:bodyPr/>
@@ -12699,10 +13181,10 @@
                     <a:p>
                       <a:pPr algn="ctr"/>
                       <a:r>
-                        <a:rPr lang="en-AU" sz="2400" b="1" dirty="0" err="1"/>
+                        <a:rPr lang="en-AU" sz="1800" b="1" dirty="0" err="1"/>
                         <a:t>Warengruppe</a:t>
                       </a:r>
-                      <a:endParaRPr lang="en-AU" sz="2400" b="1" dirty="0"/>
+                      <a:endParaRPr lang="en-AU" sz="1800" b="1" dirty="0"/>
                     </a:p>
                   </a:txBody>
                   <a:tcPr/>
@@ -12714,27 +13196,27 @@
                     <a:p>
                       <a:pPr algn="ctr"/>
                       <a:r>
-                        <a:rPr lang="en-AU" sz="2400" b="1" dirty="0" err="1"/>
+                        <a:rPr lang="en-AU" sz="1800" b="1" dirty="0" err="1"/>
                         <a:t>Umsatz</a:t>
                       </a:r>
                       <a:r>
-                        <a:rPr lang="en-AU" sz="2400" b="1" dirty="0"/>
+                        <a:rPr lang="en-AU" sz="1800" b="1" dirty="0"/>
                         <a:t>(-</a:t>
                       </a:r>
                       <a:r>
-                        <a:rPr lang="en-AU" sz="2400" b="1" dirty="0" err="1"/>
+                        <a:rPr lang="en-AU" sz="1800" b="1" dirty="0" err="1"/>
                         <a:t>vorhersage</a:t>
                       </a:r>
                       <a:r>
-                        <a:rPr lang="en-AU" sz="2400" b="1" dirty="0"/>
+                        <a:rPr lang="en-AU" sz="1800" b="1" dirty="0"/>
                         <a:t>) [</a:t>
                       </a:r>
                       <a:r>
-                        <a:rPr lang="de-DE" sz="2400" b="1" dirty="0"/>
+                        <a:rPr lang="de-DE" sz="1800" b="1" dirty="0"/>
                         <a:t>€</a:t>
                       </a:r>
                       <a:r>
-                        <a:rPr lang="en-AU" sz="2400" b="1" dirty="0"/>
+                        <a:rPr lang="en-AU" sz="1800" b="1" dirty="0"/>
                         <a:t>]</a:t>
                       </a:r>
                     </a:p>
@@ -12747,7 +13229,7 @@
                   </a:ext>
                 </a:extLst>
               </a:tr>
-              <a:tr h="604444">
+              <a:tr h="552101">
                 <a:tc>
                   <a:txBody>
                     <a:bodyPr/>
@@ -12755,12 +13237,12 @@
                     <a:p>
                       <a:pPr algn="ctr"/>
                       <a:r>
-                        <a:rPr lang="en-AU" sz="3200" b="1" dirty="0"/>
+                        <a:rPr lang="en-AU" sz="2000" b="1" dirty="0"/>
                         <a:t>1</a:t>
                       </a:r>
                     </a:p>
                   </a:txBody>
-                  <a:tcPr/>
+                  <a:tcPr anchor="ctr"/>
                 </a:tc>
                 <a:tc>
                   <a:txBody>
@@ -12769,7 +13251,7 @@
                     <a:p>
                       <a:pPr algn="ctr"/>
                       <a:r>
-                        <a:rPr lang="en-AU" sz="3200" b="1" dirty="0">
+                        <a:rPr lang="en-AU" sz="2000" b="1" dirty="0">
                           <a:solidFill>
                             <a:schemeClr val="accent6">
                               <a:lumMod val="75000"/>
@@ -12780,7 +13262,7 @@
                       </a:r>
                     </a:p>
                   </a:txBody>
-                  <a:tcPr/>
+                  <a:tcPr anchor="ctr"/>
                 </a:tc>
                 <a:extLst>
                   <a:ext uri="{0D108BD9-81ED-4DB2-BD59-A6C34878D82A}">
@@ -12788,7 +13270,7 @@
                   </a:ext>
                 </a:extLst>
               </a:tr>
-              <a:tr h="604444">
+              <a:tr h="552101">
                 <a:tc>
                   <a:txBody>
                     <a:bodyPr/>
@@ -12796,12 +13278,12 @@
                     <a:p>
                       <a:pPr algn="ctr"/>
                       <a:r>
-                        <a:rPr lang="en-AU" sz="3200" b="1" dirty="0"/>
+                        <a:rPr lang="en-AU" sz="2000" b="1" dirty="0"/>
                         <a:t>2</a:t>
                       </a:r>
                     </a:p>
                   </a:txBody>
-                  <a:tcPr/>
+                  <a:tcPr anchor="ctr"/>
                 </a:tc>
                 <a:tc>
                   <a:txBody>
@@ -12810,7 +13292,7 @@
                     <a:p>
                       <a:pPr algn="ctr"/>
                       <a:r>
-                        <a:rPr lang="en-AU" sz="3200" b="1" dirty="0">
+                        <a:rPr lang="en-AU" sz="2000" b="1" dirty="0">
                           <a:solidFill>
                             <a:schemeClr val="accent6">
                               <a:lumMod val="75000"/>
@@ -12821,7 +13303,7 @@
                       </a:r>
                     </a:p>
                   </a:txBody>
-                  <a:tcPr/>
+                  <a:tcPr anchor="ctr"/>
                 </a:tc>
                 <a:extLst>
                   <a:ext uri="{0D108BD9-81ED-4DB2-BD59-A6C34878D82A}">
@@ -12829,7 +13311,7 @@
                   </a:ext>
                 </a:extLst>
               </a:tr>
-              <a:tr h="604444">
+              <a:tr h="552101">
                 <a:tc>
                   <a:txBody>
                     <a:bodyPr/>
@@ -12837,12 +13319,12 @@
                     <a:p>
                       <a:pPr algn="ctr"/>
                       <a:r>
-                        <a:rPr lang="en-AU" sz="3200" b="1" dirty="0"/>
+                        <a:rPr lang="en-AU" sz="2000" b="1" dirty="0"/>
                         <a:t>3</a:t>
                       </a:r>
                     </a:p>
                   </a:txBody>
-                  <a:tcPr/>
+                  <a:tcPr anchor="ctr"/>
                 </a:tc>
                 <a:tc>
                   <a:txBody>
@@ -12867,7 +13349,7 @@
                         <a:defRPr/>
                       </a:pPr>
                       <a:r>
-                        <a:rPr lang="en-AU" sz="3200" b="1" dirty="0">
+                        <a:rPr lang="en-AU" sz="2000" b="1" dirty="0">
                           <a:solidFill>
                             <a:schemeClr val="accent6">
                               <a:lumMod val="75000"/>
@@ -12878,7 +13360,7 @@
                       </a:r>
                     </a:p>
                   </a:txBody>
-                  <a:tcPr/>
+                  <a:tcPr anchor="ctr"/>
                 </a:tc>
                 <a:extLst>
                   <a:ext uri="{0D108BD9-81ED-4DB2-BD59-A6C34878D82A}">
@@ -12886,7 +13368,7 @@
                   </a:ext>
                 </a:extLst>
               </a:tr>
-              <a:tr h="604444">
+              <a:tr h="552101">
                 <a:tc>
                   <a:txBody>
                     <a:bodyPr/>
@@ -12894,12 +13376,12 @@
                     <a:p>
                       <a:pPr algn="ctr"/>
                       <a:r>
-                        <a:rPr lang="en-AU" sz="3200" b="1" dirty="0"/>
+                        <a:rPr lang="en-AU" sz="2000" b="1" dirty="0"/>
                         <a:t>4</a:t>
                       </a:r>
                     </a:p>
                   </a:txBody>
-                  <a:tcPr/>
+                  <a:tcPr anchor="ctr"/>
                 </a:tc>
                 <a:tc>
                   <a:txBody>
@@ -12924,7 +13406,7 @@
                         <a:defRPr/>
                       </a:pPr>
                       <a:r>
-                        <a:rPr lang="en-AU" sz="3200" b="1" dirty="0">
+                        <a:rPr lang="en-AU" sz="2000" b="1" dirty="0">
                           <a:solidFill>
                             <a:schemeClr val="accent6">
                               <a:lumMod val="75000"/>
@@ -12935,7 +13417,7 @@
                       </a:r>
                     </a:p>
                   </a:txBody>
-                  <a:tcPr/>
+                  <a:tcPr anchor="ctr"/>
                 </a:tc>
                 <a:extLst>
                   <a:ext uri="{0D108BD9-81ED-4DB2-BD59-A6C34878D82A}">
@@ -12943,7 +13425,7 @@
                   </a:ext>
                 </a:extLst>
               </a:tr>
-              <a:tr h="604444">
+              <a:tr h="552101">
                 <a:tc>
                   <a:txBody>
                     <a:bodyPr/>
@@ -12951,12 +13433,12 @@
                     <a:p>
                       <a:pPr algn="ctr"/>
                       <a:r>
-                        <a:rPr lang="en-AU" sz="3200" b="1" dirty="0"/>
+                        <a:rPr lang="en-AU" sz="2000" b="1" dirty="0"/>
                         <a:t>5</a:t>
                       </a:r>
                     </a:p>
                   </a:txBody>
-                  <a:tcPr/>
+                  <a:tcPr anchor="ctr"/>
                 </a:tc>
                 <a:tc>
                   <a:txBody>
@@ -12965,7 +13447,7 @@
                     <a:p>
                       <a:pPr algn="ctr"/>
                       <a:r>
-                        <a:rPr lang="en-AU" sz="3200" b="1" dirty="0">
+                        <a:rPr lang="en-AU" sz="2000" b="1" dirty="0">
                           <a:solidFill>
                             <a:schemeClr val="accent6">
                               <a:lumMod val="75000"/>
@@ -12976,7 +13458,7 @@
                       </a:r>
                     </a:p>
                   </a:txBody>
-                  <a:tcPr/>
+                  <a:tcPr anchor="ctr"/>
                 </a:tc>
                 <a:extLst>
                   <a:ext uri="{0D108BD9-81ED-4DB2-BD59-A6C34878D82A}">
@@ -12984,7 +13466,7 @@
                   </a:ext>
                 </a:extLst>
               </a:tr>
-              <a:tr h="604444">
+              <a:tr h="552101">
                 <a:tc>
                   <a:txBody>
                     <a:bodyPr/>
@@ -12992,12 +13474,12 @@
                     <a:p>
                       <a:pPr algn="ctr"/>
                       <a:r>
-                        <a:rPr lang="en-AU" sz="3200" b="1" dirty="0"/>
+                        <a:rPr lang="en-AU" sz="2000" b="1" dirty="0"/>
                         <a:t>6</a:t>
                       </a:r>
                     </a:p>
                   </a:txBody>
-                  <a:tcPr/>
+                  <a:tcPr anchor="ctr"/>
                 </a:tc>
                 <a:tc>
                   <a:txBody>
@@ -13006,7 +13488,7 @@
                     <a:p>
                       <a:pPr algn="ctr"/>
                       <a:r>
-                        <a:rPr lang="en-AU" sz="3200" b="1" dirty="0">
+                        <a:rPr lang="en-AU" sz="2000" b="1" dirty="0">
                           <a:solidFill>
                             <a:schemeClr val="accent6">
                               <a:lumMod val="75000"/>
@@ -13017,7 +13499,7 @@
                       </a:r>
                     </a:p>
                   </a:txBody>
-                  <a:tcPr/>
+                  <a:tcPr anchor="ctr"/>
                 </a:tc>
                 <a:extLst>
                   <a:ext uri="{0D108BD9-81ED-4DB2-BD59-A6C34878D82A}">

--- a/09-06-2020-Präsentation_Team 5.pptx
+++ b/09-06-2020-Präsentation_Team 5.pptx
@@ -14,7 +14,7 @@
     <p:sldId id="652" r:id="rId5"/>
     <p:sldId id="644" r:id="rId6"/>
     <p:sldId id="653" r:id="rId7"/>
-    <p:sldId id="655" r:id="rId8"/>
+    <p:sldId id="646" r:id="rId8"/>
     <p:sldId id="654" r:id="rId9"/>
     <p:sldId id="647" r:id="rId10"/>
     <p:sldId id="648" r:id="rId11"/>
@@ -248,7 +248,7 @@
             <a:fld id="{D5AF008F-4A3C-4694-A28F-46ED89460412}" type="datetimeFigureOut">
               <a:rPr lang="de-DE" smtClean="0"/>
               <a:pPr/>
-              <a:t>08.06.20</a:t>
+              <a:t>04.06.20</a:t>
             </a:fld>
             <a:endParaRPr lang="de-DE"/>
           </a:p>
@@ -2385,7 +2385,7 @@
     </p:spTree>
     <p:extLst>
       <p:ext uri="{BB962C8B-B14F-4D97-AF65-F5344CB8AC3E}">
-        <p14:creationId xmlns:p14="http://schemas.microsoft.com/office/powerpoint/2010/main" val="2331873986"/>
+        <p14:creationId xmlns:p14="http://schemas.microsoft.com/office/powerpoint/2010/main" val="2852953737"/>
       </p:ext>
     </p:extLst>
   </p:cSld>
@@ -9606,7 +9606,7 @@
         </p:nvSpPr>
         <p:spPr>
           <a:xfrm>
-            <a:off x="5576975" y="5416850"/>
+            <a:off x="5576975" y="5487251"/>
             <a:ext cx="3150295" cy="338554"/>
           </a:xfrm>
           <a:prstGeom prst="rect">
@@ -9854,7 +9854,7 @@
         </p:nvCxnSpPr>
         <p:spPr>
           <a:xfrm>
-            <a:off x="7353528" y="5026650"/>
+            <a:off x="7353528" y="5115321"/>
             <a:ext cx="170800" cy="390200"/>
           </a:xfrm>
           <a:prstGeom prst="straightConnector1">
@@ -10684,7 +10684,7 @@
         </p:nvSpPr>
         <p:spPr>
           <a:xfrm>
-            <a:off x="3930067" y="1159478"/>
+            <a:off x="4344432" y="1171761"/>
             <a:ext cx="2286000" cy="338554"/>
           </a:xfrm>
           <a:prstGeom prst="rect">
@@ -10727,8 +10727,8 @@
         </p:nvSpPr>
         <p:spPr>
           <a:xfrm>
-            <a:off x="2742332" y="910151"/>
-            <a:ext cx="1187735" cy="861774"/>
+            <a:off x="2811264" y="970981"/>
+            <a:ext cx="1211297" cy="861774"/>
           </a:xfrm>
           <a:prstGeom prst="rect">
             <a:avLst/>
@@ -10740,7 +10740,7 @@
           </a:bodyPr>
           <a:lstStyle/>
           <a:p>
-            <a:pPr marL="0" lvl="1"/>
+            <a:pPr marL="0" lvl="1" algn="ctr"/>
             <a:r>
               <a:rPr lang="en-GB" sz="1600" dirty="0" err="1">
                 <a:latin typeface="Helvetica" pitchFamily="2" charset="0"/>
@@ -10755,7 +10755,7 @@
             </a:r>
           </a:p>
           <a:p>
-            <a:pPr marL="0" lvl="1"/>
+            <a:pPr marL="0" lvl="1" algn="ctr"/>
             <a:r>
               <a:rPr lang="en-GB" sz="1600" dirty="0">
                 <a:latin typeface="Helvetica" pitchFamily="2" charset="0"/>
@@ -10764,7 +10764,7 @@
             </a:r>
           </a:p>
           <a:p>
-            <a:pPr marL="0" lvl="1"/>
+            <a:pPr marL="0" lvl="1" algn="ctr"/>
             <a:r>
               <a:rPr lang="en-GB" sz="1600" dirty="0">
                 <a:latin typeface="Helvetica" pitchFamily="2" charset="0"/>
@@ -11297,14 +11297,14 @@
           <p:nvPr>
             <p:extLst>
               <p:ext uri="{D42A27DB-BD31-4B8C-83A1-F6EECF244321}">
-                <p14:modId xmlns:p14="http://schemas.microsoft.com/office/powerpoint/2010/main" val="3772413119"/>
+                <p14:modId xmlns:p14="http://schemas.microsoft.com/office/powerpoint/2010/main" val="357895003"/>
               </p:ext>
             </p:extLst>
           </p:nvPr>
         </p:nvGraphicFramePr>
         <p:xfrm>
-          <a:off x="256464" y="1268760"/>
-          <a:ext cx="8676458" cy="4297680"/>
+          <a:off x="256464" y="1124744"/>
+          <a:ext cx="8676458" cy="4841865"/>
         </p:xfrm>
         <a:graphic>
           <a:graphicData uri="http://schemas.openxmlformats.org/drawingml/2006/table">
@@ -11342,7 +11342,7 @@
                   </a:extLst>
                 </a:gridCol>
               </a:tblGrid>
-              <a:tr h="370840">
+              <a:tr h="773316">
                 <a:tc>
                   <a:txBody>
                     <a:bodyPr/>
@@ -11488,359 +11488,23 @@
                   </a:ext>
                 </a:extLst>
               </a:tr>
-              <a:tr h="370840">
+              <a:tr h="544185">
                 <a:tc>
                   <a:txBody>
                     <a:bodyPr/>
                     <a:lstStyle/>
                     <a:p>
                       <a:r>
-                        <a:rPr lang="en-AU" sz="1600" dirty="0"/>
-                        <a:t>1</a:t>
-                      </a:r>
-                    </a:p>
-                  </a:txBody>
-                  <a:tcPr/>
-                </a:tc>
-                <a:tc>
-                  <a:txBody>
-                    <a:bodyPr/>
-                    <a:lstStyle/>
-                    <a:p>
-                      <a:r>
                         <a:rPr lang="en-AU" sz="1600" dirty="0" err="1">
-                          <a:solidFill>
-                            <a:schemeClr val="accent1"/>
-                          </a:solidFill>
+                          <a:latin typeface="Calibri" panose="020F0502020204030204" pitchFamily="34" charset="0"/>
+                          <a:cs typeface="Calibri" panose="020F0502020204030204" pitchFamily="34" charset="0"/>
                         </a:rPr>
-                        <a:t>Wochentag</a:t>
-                      </a:r>
-                      <a:r>
-                        <a:rPr lang="en-AU" sz="1600" dirty="0">
-                          <a:solidFill>
-                            <a:schemeClr val="accent1"/>
-                          </a:solidFill>
-                        </a:rPr>
-                        <a:t> </a:t>
-                      </a:r>
-                      <a:r>
-                        <a:rPr lang="en-AU" sz="1600" dirty="0"/>
-                        <a:t>+</a:t>
-                      </a:r>
-                      <a:r>
-                        <a:rPr lang="en-AU" sz="1600" dirty="0">
-                          <a:solidFill>
-                            <a:schemeClr val="accent1"/>
-                          </a:solidFill>
-                        </a:rPr>
-                        <a:t> </a:t>
-                      </a:r>
-                      <a:r>
-                        <a:rPr lang="en-AU" sz="1600" dirty="0" err="1">
-                          <a:solidFill>
-                            <a:schemeClr val="accent1"/>
-                          </a:solidFill>
-                        </a:rPr>
-                        <a:t>Jahreszeit</a:t>
-                      </a:r>
-                      <a:r>
-                        <a:rPr lang="en-AU" sz="1600" dirty="0">
-                          <a:solidFill>
-                            <a:schemeClr val="accent1"/>
-                          </a:solidFill>
-                        </a:rPr>
-                        <a:t> </a:t>
-                      </a:r>
-                      <a:r>
-                        <a:rPr lang="en-AU" sz="1600" dirty="0"/>
-                        <a:t>+</a:t>
-                      </a:r>
-                      <a:r>
-                        <a:rPr lang="en-AU" sz="1600" dirty="0">
-                          <a:solidFill>
-                            <a:schemeClr val="accent1"/>
-                          </a:solidFill>
-                        </a:rPr>
-                        <a:t> </a:t>
-                      </a:r>
-                      <a:r>
-                        <a:rPr lang="en-AU" sz="1600" dirty="0" err="1">
-                          <a:solidFill>
-                            <a:schemeClr val="accent1"/>
-                          </a:solidFill>
-                        </a:rPr>
-                        <a:t>KielerWoche</a:t>
-                      </a:r>
-                      <a:r>
-                        <a:rPr lang="en-AU" sz="1600" dirty="0">
-                          <a:solidFill>
-                            <a:schemeClr val="accent1"/>
-                          </a:solidFill>
-                        </a:rPr>
-                        <a:t> </a:t>
-                      </a:r>
-                      <a:r>
-                        <a:rPr lang="en-AU" sz="1600" dirty="0"/>
-                        <a:t>+</a:t>
-                      </a:r>
-                      <a:r>
-                        <a:rPr lang="en-AU" sz="1600" dirty="0">
-                          <a:solidFill>
-                            <a:schemeClr val="accent1"/>
-                          </a:solidFill>
-                        </a:rPr>
-                        <a:t> </a:t>
-                      </a:r>
-                      <a:r>
-                        <a:rPr lang="en-AU" sz="1600" dirty="0" err="1">
-                          <a:solidFill>
-                            <a:schemeClr val="accent1"/>
-                          </a:solidFill>
-                        </a:rPr>
-                        <a:t>Schulferien</a:t>
+                        <a:t>Alle</a:t>
                       </a:r>
                       <a:endParaRPr lang="en-AU" sz="1600" dirty="0">
-                        <a:solidFill>
-                          <a:schemeClr val="accent1"/>
-                        </a:solidFill>
+                        <a:latin typeface="Calibri" panose="020F0502020204030204" pitchFamily="34" charset="0"/>
+                        <a:cs typeface="Calibri" panose="020F0502020204030204" pitchFamily="34" charset="0"/>
                       </a:endParaRPr>
-                    </a:p>
-                    <a:p>
-                      <a:r>
-                        <a:rPr lang="en-AU" sz="1600" dirty="0"/>
-                        <a:t>+ </a:t>
-                      </a:r>
-                      <a:r>
-                        <a:rPr lang="en-AU" sz="1600" dirty="0" err="1">
-                          <a:solidFill>
-                            <a:schemeClr val="accent2"/>
-                          </a:solidFill>
-                        </a:rPr>
-                        <a:t>Feiertag</a:t>
-                      </a:r>
-                      <a:endParaRPr lang="en-AU" sz="1600" dirty="0">
-                        <a:solidFill>
-                          <a:schemeClr val="accent2"/>
-                        </a:solidFill>
-                      </a:endParaRPr>
-                    </a:p>
-                  </a:txBody>
-                  <a:tcPr/>
-                </a:tc>
-                <a:tc>
-                  <a:txBody>
-                    <a:bodyPr/>
-                    <a:lstStyle/>
-                    <a:p>
-                      <a:pPr algn="ctr"/>
-                      <a:r>
-                        <a:rPr lang="en-DE" sz="1600" dirty="0"/>
-                        <a:t>18,43</a:t>
-                      </a:r>
-                    </a:p>
-                  </a:txBody>
-                  <a:tcPr anchor="ctr"/>
-                </a:tc>
-                <a:tc>
-                  <a:txBody>
-                    <a:bodyPr/>
-                    <a:lstStyle/>
-                    <a:p>
-                      <a:pPr algn="ctr"/>
-                      <a:r>
-                        <a:rPr lang="en-DE" sz="1600" dirty="0"/>
-                        <a:t>20,29</a:t>
-                      </a:r>
-                      <a:endParaRPr lang="en-AU" sz="1600" dirty="0"/>
-                    </a:p>
-                  </a:txBody>
-                  <a:tcPr anchor="ctr"/>
-                </a:tc>
-                <a:extLst>
-                  <a:ext uri="{0D108BD9-81ED-4DB2-BD59-A6C34878D82A}">
-                    <a16:rowId xmlns:a16="http://schemas.microsoft.com/office/drawing/2014/main" val="3426599036"/>
-                  </a:ext>
-                </a:extLst>
-              </a:tr>
-              <a:tr h="370840">
-                <a:tc>
-                  <a:txBody>
-                    <a:bodyPr/>
-                    <a:lstStyle/>
-                    <a:p>
-                      <a:r>
-                        <a:rPr lang="en-AU" sz="1600" dirty="0"/>
-                        <a:t>2</a:t>
-                      </a:r>
-                    </a:p>
-                  </a:txBody>
-                  <a:tcPr/>
-                </a:tc>
-                <a:tc>
-                  <a:txBody>
-                    <a:bodyPr/>
-                    <a:lstStyle/>
-                    <a:p>
-                      <a:r>
-                        <a:rPr lang="en-AU" sz="1600" dirty="0" err="1">
-                          <a:solidFill>
-                            <a:schemeClr val="accent1"/>
-                          </a:solidFill>
-                        </a:rPr>
-                        <a:t>Wochentag</a:t>
-                      </a:r>
-                      <a:r>
-                        <a:rPr lang="en-AU" sz="1600" dirty="0">
-                          <a:solidFill>
-                            <a:schemeClr val="accent1"/>
-                          </a:solidFill>
-                        </a:rPr>
-                        <a:t> </a:t>
-                      </a:r>
-                      <a:r>
-                        <a:rPr lang="en-AU" sz="1600" dirty="0"/>
-                        <a:t>+</a:t>
-                      </a:r>
-                      <a:r>
-                        <a:rPr lang="en-AU" sz="1600" dirty="0">
-                          <a:solidFill>
-                            <a:schemeClr val="accent1"/>
-                          </a:solidFill>
-                        </a:rPr>
-                        <a:t> </a:t>
-                      </a:r>
-                      <a:r>
-                        <a:rPr lang="en-AU" sz="1600" dirty="0" err="1">
-                          <a:solidFill>
-                            <a:schemeClr val="accent1"/>
-                          </a:solidFill>
-                        </a:rPr>
-                        <a:t>Jahreszeit</a:t>
-                      </a:r>
-                      <a:r>
-                        <a:rPr lang="en-AU" sz="1600" dirty="0">
-                          <a:solidFill>
-                            <a:schemeClr val="accent1"/>
-                          </a:solidFill>
-                        </a:rPr>
-                        <a:t> </a:t>
-                      </a:r>
-                      <a:r>
-                        <a:rPr lang="en-AU" sz="1600" dirty="0"/>
-                        <a:t>+</a:t>
-                      </a:r>
-                      <a:r>
-                        <a:rPr lang="en-AU" sz="1600" dirty="0">
-                          <a:solidFill>
-                            <a:schemeClr val="accent1"/>
-                          </a:solidFill>
-                        </a:rPr>
-                        <a:t> </a:t>
-                      </a:r>
-                      <a:r>
-                        <a:rPr lang="en-AU" sz="1600" dirty="0" err="1">
-                          <a:solidFill>
-                            <a:schemeClr val="accent1"/>
-                          </a:solidFill>
-                        </a:rPr>
-                        <a:t>KielerWoche</a:t>
-                      </a:r>
-                      <a:r>
-                        <a:rPr lang="en-AU" sz="1600" dirty="0">
-                          <a:solidFill>
-                            <a:schemeClr val="accent1"/>
-                          </a:solidFill>
-                        </a:rPr>
-                        <a:t> </a:t>
-                      </a:r>
-                      <a:r>
-                        <a:rPr lang="en-AU" sz="1600" dirty="0"/>
-                        <a:t>+</a:t>
-                      </a:r>
-                      <a:r>
-                        <a:rPr lang="en-AU" sz="1600" dirty="0">
-                          <a:solidFill>
-                            <a:schemeClr val="accent1"/>
-                          </a:solidFill>
-                        </a:rPr>
-                        <a:t> </a:t>
-                      </a:r>
-                      <a:r>
-                        <a:rPr lang="en-AU" sz="1600" dirty="0" err="1">
-                          <a:solidFill>
-                            <a:schemeClr val="accent1"/>
-                          </a:solidFill>
-                        </a:rPr>
-                        <a:t>Schulferien</a:t>
-                      </a:r>
-                      <a:endParaRPr lang="en-AU" sz="1600" dirty="0">
-                        <a:solidFill>
-                          <a:schemeClr val="accent1"/>
-                        </a:solidFill>
-                      </a:endParaRPr>
-                    </a:p>
-                    <a:p>
-                      <a:r>
-                        <a:rPr lang="en-AU" sz="1600" dirty="0"/>
-                        <a:t>+ </a:t>
-                      </a:r>
-                      <a:r>
-                        <a:rPr lang="en-AU" sz="1600" dirty="0">
-                          <a:solidFill>
-                            <a:schemeClr val="accent3"/>
-                          </a:solidFill>
-                        </a:rPr>
-                        <a:t>Monat</a:t>
-                      </a:r>
-                    </a:p>
-                  </a:txBody>
-                  <a:tcPr/>
-                </a:tc>
-                <a:tc>
-                  <a:txBody>
-                    <a:bodyPr/>
-                    <a:lstStyle/>
-                    <a:p>
-                      <a:pPr algn="ctr"/>
-                      <a:r>
-                        <a:rPr lang="en-DE" sz="1600" dirty="0"/>
-                        <a:t>15,17 </a:t>
-                      </a:r>
-                    </a:p>
-                  </a:txBody>
-                  <a:tcPr anchor="ctr"/>
-                </a:tc>
-                <a:tc>
-                  <a:txBody>
-                    <a:bodyPr/>
-                    <a:lstStyle/>
-                    <a:p>
-                      <a:pPr algn="ctr"/>
-                      <a:r>
-                        <a:rPr lang="en-DE" sz="1600" dirty="0"/>
-                        <a:t>14,89</a:t>
-                      </a:r>
-                      <a:endParaRPr lang="en-AU" sz="1600" dirty="0"/>
-                    </a:p>
-                  </a:txBody>
-                  <a:tcPr anchor="ctr"/>
-                </a:tc>
-                <a:extLst>
-                  <a:ext uri="{0D108BD9-81ED-4DB2-BD59-A6C34878D82A}">
-                    <a16:rowId xmlns:a16="http://schemas.microsoft.com/office/drawing/2014/main" val="983178364"/>
-                  </a:ext>
-                </a:extLst>
-              </a:tr>
-              <a:tr h="370840">
-                <a:tc>
-                  <a:txBody>
-                    <a:bodyPr/>
-                    <a:lstStyle/>
-                    <a:p>
-                      <a:r>
-                        <a:rPr lang="en-AU" sz="1600" dirty="0"/>
-                        <a:t>3</a:t>
-                      </a:r>
                     </a:p>
                   </a:txBody>
                   <a:tcPr/>
@@ -11872,6 +11536,8 @@
                           <a:solidFill>
                             <a:schemeClr val="accent1"/>
                           </a:solidFill>
+                          <a:latin typeface="+mn-lt"/>
+                          <a:cs typeface="Calibri" panose="020F0502020204030204" pitchFamily="34" charset="0"/>
                         </a:rPr>
                         <a:t>Wochentag</a:t>
                       </a:r>
@@ -11880,11 +11546,16 @@
                           <a:solidFill>
                             <a:schemeClr val="accent1"/>
                           </a:solidFill>
+                          <a:latin typeface="+mn-lt"/>
+                          <a:cs typeface="Calibri" panose="020F0502020204030204" pitchFamily="34" charset="0"/>
                         </a:rPr>
                         <a:t> </a:t>
                       </a:r>
                       <a:r>
-                        <a:rPr lang="en-AU" sz="1600" dirty="0"/>
+                        <a:rPr lang="en-AU" sz="1600" dirty="0">
+                          <a:latin typeface="+mn-lt"/>
+                          <a:cs typeface="Calibri" panose="020F0502020204030204" pitchFamily="34" charset="0"/>
+                        </a:rPr>
                         <a:t>+</a:t>
                       </a:r>
                       <a:r>
@@ -11892,6 +11563,8 @@
                           <a:solidFill>
                             <a:schemeClr val="accent1"/>
                           </a:solidFill>
+                          <a:latin typeface="+mn-lt"/>
+                          <a:cs typeface="Calibri" panose="020F0502020204030204" pitchFamily="34" charset="0"/>
                         </a:rPr>
                         <a:t> </a:t>
                       </a:r>
@@ -11900,6 +11573,8 @@
                           <a:solidFill>
                             <a:schemeClr val="accent1"/>
                           </a:solidFill>
+                          <a:latin typeface="+mn-lt"/>
+                          <a:cs typeface="Calibri" panose="020F0502020204030204" pitchFamily="34" charset="0"/>
                         </a:rPr>
                         <a:t>Jahreszeit</a:t>
                       </a:r>
@@ -11908,18 +11583,35 @@
                           <a:solidFill>
                             <a:schemeClr val="accent1"/>
                           </a:solidFill>
+                          <a:latin typeface="+mn-lt"/>
+                          <a:cs typeface="Calibri" panose="020F0502020204030204" pitchFamily="34" charset="0"/>
                         </a:rPr>
                         <a:t> </a:t>
                       </a:r>
                       <a:r>
-                        <a:rPr lang="en-AU" sz="1600" dirty="0"/>
-                        <a:t>+ </a:t>
+                        <a:rPr lang="en-AU" sz="1600" dirty="0">
+                          <a:latin typeface="+mn-lt"/>
+                          <a:cs typeface="Calibri" panose="020F0502020204030204" pitchFamily="34" charset="0"/>
+                        </a:rPr>
+                        <a:t>+</a:t>
+                      </a:r>
+                      <a:r>
+                        <a:rPr lang="en-AU" sz="1600" dirty="0">
+                          <a:solidFill>
+                            <a:schemeClr val="accent1"/>
+                          </a:solidFill>
+                          <a:latin typeface="+mn-lt"/>
+                          <a:cs typeface="Calibri" panose="020F0502020204030204" pitchFamily="34" charset="0"/>
+                        </a:rPr>
+                        <a:t> </a:t>
                       </a:r>
                       <a:r>
                         <a:rPr lang="en-AU" sz="1600" dirty="0" err="1">
                           <a:solidFill>
                             <a:schemeClr val="accent1"/>
                           </a:solidFill>
+                          <a:latin typeface="+mn-lt"/>
+                          <a:cs typeface="Calibri" panose="020F0502020204030204" pitchFamily="34" charset="0"/>
                         </a:rPr>
                         <a:t>KielerWoche</a:t>
                       </a:r>
@@ -11928,18 +11620,35 @@
                           <a:solidFill>
                             <a:schemeClr val="accent1"/>
                           </a:solidFill>
+                          <a:latin typeface="+mn-lt"/>
+                          <a:cs typeface="Calibri" panose="020F0502020204030204" pitchFamily="34" charset="0"/>
                         </a:rPr>
                         <a:t> </a:t>
                       </a:r>
                       <a:r>
-                        <a:rPr lang="en-AU" sz="1600" dirty="0"/>
-                        <a:t>+ </a:t>
+                        <a:rPr lang="en-AU" sz="1600" dirty="0">
+                          <a:latin typeface="+mn-lt"/>
+                          <a:cs typeface="Calibri" panose="020F0502020204030204" pitchFamily="34" charset="0"/>
+                        </a:rPr>
+                        <a:t>+</a:t>
+                      </a:r>
+                      <a:r>
+                        <a:rPr lang="en-AU" sz="1600" dirty="0">
+                          <a:solidFill>
+                            <a:schemeClr val="accent1"/>
+                          </a:solidFill>
+                          <a:latin typeface="+mn-lt"/>
+                          <a:cs typeface="Calibri" panose="020F0502020204030204" pitchFamily="34" charset="0"/>
+                        </a:rPr>
+                        <a:t> </a:t>
                       </a:r>
                       <a:r>
                         <a:rPr lang="en-AU" sz="1600" dirty="0" err="1">
                           <a:solidFill>
                             <a:schemeClr val="accent1"/>
                           </a:solidFill>
+                          <a:latin typeface="+mn-lt"/>
+                          <a:cs typeface="Calibri" panose="020F0502020204030204" pitchFamily="34" charset="0"/>
                         </a:rPr>
                         <a:t>Schulferien</a:t>
                       </a:r>
@@ -11947,107 +11656,9 @@
                         <a:solidFill>
                           <a:schemeClr val="accent1"/>
                         </a:solidFill>
+                        <a:latin typeface="+mn-lt"/>
+                        <a:cs typeface="Calibri" panose="020F0502020204030204" pitchFamily="34" charset="0"/>
                       </a:endParaRPr>
-                    </a:p>
-                    <a:p>
-                      <a:pPr marL="0" marR="0" lvl="0" indent="0" algn="l" defTabSz="457144" rtl="0" eaLnBrk="1" fontAlgn="auto" latinLnBrk="0" hangingPunct="1">
-                        <a:lnSpc>
-                          <a:spcPct val="100000"/>
-                        </a:lnSpc>
-                        <a:spcBef>
-                          <a:spcPts val="0"/>
-                        </a:spcBef>
-                        <a:spcAft>
-                          <a:spcPts val="0"/>
-                        </a:spcAft>
-                        <a:buClrTx/>
-                        <a:buSzTx/>
-                        <a:buFontTx/>
-                        <a:buNone/>
-                        <a:tabLst/>
-                        <a:defRPr/>
-                      </a:pPr>
-                      <a:r>
-                        <a:rPr lang="en-AU" sz="1600" dirty="0"/>
-                        <a:t>+ </a:t>
-                      </a:r>
-                      <a:r>
-                        <a:rPr lang="en-AU" sz="1600" dirty="0" err="1">
-                          <a:solidFill>
-                            <a:schemeClr val="accent2"/>
-                          </a:solidFill>
-                        </a:rPr>
-                        <a:t>Feiertag</a:t>
-                      </a:r>
-                      <a:r>
-                        <a:rPr lang="en-AU" sz="1600" dirty="0">
-                          <a:solidFill>
-                            <a:schemeClr val="accent2"/>
-                          </a:solidFill>
-                        </a:rPr>
-                        <a:t> </a:t>
-                      </a:r>
-                      <a:r>
-                        <a:rPr lang="en-AU" sz="1600" dirty="0"/>
-                        <a:t>+ </a:t>
-                      </a:r>
-                      <a:r>
-                        <a:rPr lang="en-AU" sz="1600" dirty="0">
-                          <a:solidFill>
-                            <a:schemeClr val="accent3"/>
-                          </a:solidFill>
-                        </a:rPr>
-                        <a:t>Monat</a:t>
-                      </a:r>
-                    </a:p>
-                  </a:txBody>
-                  <a:tcPr/>
-                </a:tc>
-                <a:tc>
-                  <a:txBody>
-                    <a:bodyPr/>
-                    <a:lstStyle/>
-                    <a:p>
-                      <a:pPr algn="ctr"/>
-                      <a:r>
-                        <a:rPr lang="en-DE" sz="1600" dirty="0"/>
-                        <a:t>19,93</a:t>
-                      </a:r>
-                    </a:p>
-                  </a:txBody>
-                  <a:tcPr anchor="ctr"/>
-                </a:tc>
-                <a:tc>
-                  <a:txBody>
-                    <a:bodyPr/>
-                    <a:lstStyle/>
-                    <a:p>
-                      <a:pPr algn="ctr"/>
-                      <a:r>
-                        <a:rPr lang="en-DE" sz="1600" dirty="0"/>
-                        <a:t>20,95</a:t>
-                      </a:r>
-                      <a:endParaRPr lang="en-AU" sz="1600" dirty="0"/>
-                    </a:p>
-                  </a:txBody>
-                  <a:tcPr anchor="ctr"/>
-                </a:tc>
-                <a:extLst>
-                  <a:ext uri="{0D108BD9-81ED-4DB2-BD59-A6C34878D82A}">
-                    <a16:rowId xmlns:a16="http://schemas.microsoft.com/office/drawing/2014/main" val="824714965"/>
-                  </a:ext>
-                </a:extLst>
-              </a:tr>
-              <a:tr h="370840">
-                <a:tc>
-                  <a:txBody>
-                    <a:bodyPr/>
-                    <a:lstStyle/>
-                    <a:p>
-                      <a:r>
-                        <a:rPr lang="en-AU" sz="1600" dirty="0"/>
-                        <a:t>4</a:t>
-                      </a:r>
                     </a:p>
                   </a:txBody>
                   <a:tcPr/>
@@ -12075,6 +11686,60 @@
                         <a:defRPr/>
                       </a:pPr>
                       <a:r>
+                        <a:rPr lang="en-GB" sz="1600" dirty="0">
+                          <a:latin typeface="+mn-lt"/>
+                          <a:cs typeface="Calibri" panose="020F0502020204030204" pitchFamily="34" charset="0"/>
+                        </a:rPr>
+                        <a:t>25,73 </a:t>
+                      </a:r>
+                      <a:endParaRPr lang="en-AU" sz="1600" dirty="0">
+                        <a:latin typeface="+mn-lt"/>
+                        <a:cs typeface="Calibri" panose="020F0502020204030204" pitchFamily="34" charset="0"/>
+                      </a:endParaRPr>
+                    </a:p>
+                  </a:txBody>
+                  <a:tcPr/>
+                </a:tc>
+                <a:tc>
+                  <a:txBody>
+                    <a:bodyPr/>
+                    <a:lstStyle/>
+                    <a:p>
+                      <a:r>
+                        <a:rPr lang="en-DE" sz="1600" dirty="0"/>
+                        <a:t>25,65</a:t>
+                      </a:r>
+                      <a:endParaRPr lang="en-AU" sz="1600" dirty="0"/>
+                    </a:p>
+                  </a:txBody>
+                  <a:tcPr/>
+                </a:tc>
+                <a:extLst>
+                  <a:ext uri="{0D108BD9-81ED-4DB2-BD59-A6C34878D82A}">
+                    <a16:rowId xmlns:a16="http://schemas.microsoft.com/office/drawing/2014/main" val="574108463"/>
+                  </a:ext>
+                </a:extLst>
+              </a:tr>
+              <a:tr h="544185">
+                <a:tc>
+                  <a:txBody>
+                    <a:bodyPr/>
+                    <a:lstStyle/>
+                    <a:p>
+                      <a:r>
+                        <a:rPr lang="en-AU" sz="1600" dirty="0"/>
+                        <a:t>1</a:t>
+                      </a:r>
+                    </a:p>
+                  </a:txBody>
+                  <a:tcPr/>
+                </a:tc>
+                <a:tc>
+                  <a:txBody>
+                    <a:bodyPr/>
+                    <a:lstStyle/>
+                    <a:p>
+                      <a:r>
                         <a:rPr lang="en-AU" sz="1600" dirty="0" err="1">
                           <a:solidFill>
                             <a:schemeClr val="accent1"/>
@@ -12157,6 +11822,346 @@
                           </a:solidFill>
                         </a:rPr>
                         <a:t> </a:t>
+                      </a:r>
+                      <a:r>
+                        <a:rPr lang="en-AU" sz="1600" dirty="0" err="1">
+                          <a:solidFill>
+                            <a:schemeClr val="accent1"/>
+                          </a:solidFill>
+                        </a:rPr>
+                        <a:t>Schulferien</a:t>
+                      </a:r>
+                      <a:endParaRPr lang="en-AU" sz="1600" dirty="0">
+                        <a:solidFill>
+                          <a:schemeClr val="accent1"/>
+                        </a:solidFill>
+                      </a:endParaRPr>
+                    </a:p>
+                    <a:p>
+                      <a:r>
+                        <a:rPr lang="en-AU" sz="1600" dirty="0"/>
+                        <a:t>+ </a:t>
+                      </a:r>
+                      <a:r>
+                        <a:rPr lang="en-AU" sz="1600" dirty="0" err="1">
+                          <a:solidFill>
+                            <a:schemeClr val="accent2"/>
+                          </a:solidFill>
+                        </a:rPr>
+                        <a:t>Feiertag</a:t>
+                      </a:r>
+                      <a:endParaRPr lang="en-AU" sz="1600" dirty="0">
+                        <a:solidFill>
+                          <a:schemeClr val="accent2"/>
+                        </a:solidFill>
+                      </a:endParaRPr>
+                    </a:p>
+                  </a:txBody>
+                  <a:tcPr/>
+                </a:tc>
+                <a:tc>
+                  <a:txBody>
+                    <a:bodyPr/>
+                    <a:lstStyle/>
+                    <a:p>
+                      <a:r>
+                        <a:rPr lang="en-DE" sz="1600" dirty="0"/>
+                        <a:t>18,43</a:t>
+                      </a:r>
+                    </a:p>
+                  </a:txBody>
+                  <a:tcPr/>
+                </a:tc>
+                <a:tc>
+                  <a:txBody>
+                    <a:bodyPr/>
+                    <a:lstStyle/>
+                    <a:p>
+                      <a:r>
+                        <a:rPr lang="en-DE" sz="1600" dirty="0"/>
+                        <a:t>20,29</a:t>
+                      </a:r>
+                      <a:endParaRPr lang="en-AU" sz="1600" dirty="0"/>
+                    </a:p>
+                  </a:txBody>
+                  <a:tcPr/>
+                </a:tc>
+                <a:extLst>
+                  <a:ext uri="{0D108BD9-81ED-4DB2-BD59-A6C34878D82A}">
+                    <a16:rowId xmlns:a16="http://schemas.microsoft.com/office/drawing/2014/main" val="3426599036"/>
+                  </a:ext>
+                </a:extLst>
+              </a:tr>
+              <a:tr h="544185">
+                <a:tc>
+                  <a:txBody>
+                    <a:bodyPr/>
+                    <a:lstStyle/>
+                    <a:p>
+                      <a:r>
+                        <a:rPr lang="en-AU" sz="1600" dirty="0"/>
+                        <a:t>2</a:t>
+                      </a:r>
+                    </a:p>
+                  </a:txBody>
+                  <a:tcPr/>
+                </a:tc>
+                <a:tc>
+                  <a:txBody>
+                    <a:bodyPr/>
+                    <a:lstStyle/>
+                    <a:p>
+                      <a:r>
+                        <a:rPr lang="en-AU" sz="1600" dirty="0" err="1">
+                          <a:solidFill>
+                            <a:schemeClr val="accent1"/>
+                          </a:solidFill>
+                        </a:rPr>
+                        <a:t>Wochentag</a:t>
+                      </a:r>
+                      <a:r>
+                        <a:rPr lang="en-AU" sz="1600" dirty="0">
+                          <a:solidFill>
+                            <a:schemeClr val="accent1"/>
+                          </a:solidFill>
+                        </a:rPr>
+                        <a:t> </a:t>
+                      </a:r>
+                      <a:r>
+                        <a:rPr lang="en-AU" sz="1600" dirty="0"/>
+                        <a:t>+</a:t>
+                      </a:r>
+                      <a:r>
+                        <a:rPr lang="en-AU" sz="1600" dirty="0">
+                          <a:solidFill>
+                            <a:schemeClr val="accent1"/>
+                          </a:solidFill>
+                        </a:rPr>
+                        <a:t> </a:t>
+                      </a:r>
+                      <a:r>
+                        <a:rPr lang="en-AU" sz="1600" dirty="0" err="1">
+                          <a:solidFill>
+                            <a:schemeClr val="accent1"/>
+                          </a:solidFill>
+                        </a:rPr>
+                        <a:t>Jahreszeit</a:t>
+                      </a:r>
+                      <a:r>
+                        <a:rPr lang="en-AU" sz="1600" dirty="0">
+                          <a:solidFill>
+                            <a:schemeClr val="accent1"/>
+                          </a:solidFill>
+                        </a:rPr>
+                        <a:t> </a:t>
+                      </a:r>
+                      <a:r>
+                        <a:rPr lang="en-AU" sz="1600" dirty="0"/>
+                        <a:t>+</a:t>
+                      </a:r>
+                      <a:r>
+                        <a:rPr lang="en-AU" sz="1600" dirty="0">
+                          <a:solidFill>
+                            <a:schemeClr val="accent1"/>
+                          </a:solidFill>
+                        </a:rPr>
+                        <a:t> </a:t>
+                      </a:r>
+                      <a:r>
+                        <a:rPr lang="en-AU" sz="1600" dirty="0" err="1">
+                          <a:solidFill>
+                            <a:schemeClr val="accent1"/>
+                          </a:solidFill>
+                        </a:rPr>
+                        <a:t>KielerWoche</a:t>
+                      </a:r>
+                      <a:r>
+                        <a:rPr lang="en-AU" sz="1600" dirty="0">
+                          <a:solidFill>
+                            <a:schemeClr val="accent1"/>
+                          </a:solidFill>
+                        </a:rPr>
+                        <a:t> </a:t>
+                      </a:r>
+                      <a:r>
+                        <a:rPr lang="en-AU" sz="1600" dirty="0"/>
+                        <a:t>+</a:t>
+                      </a:r>
+                      <a:r>
+                        <a:rPr lang="en-AU" sz="1600" dirty="0">
+                          <a:solidFill>
+                            <a:schemeClr val="accent1"/>
+                          </a:solidFill>
+                        </a:rPr>
+                        <a:t> </a:t>
+                      </a:r>
+                      <a:r>
+                        <a:rPr lang="en-AU" sz="1600" dirty="0" err="1">
+                          <a:solidFill>
+                            <a:schemeClr val="accent1"/>
+                          </a:solidFill>
+                        </a:rPr>
+                        <a:t>Schulferien</a:t>
+                      </a:r>
+                      <a:endParaRPr lang="en-AU" sz="1600" dirty="0">
+                        <a:solidFill>
+                          <a:schemeClr val="accent1"/>
+                        </a:solidFill>
+                      </a:endParaRPr>
+                    </a:p>
+                    <a:p>
+                      <a:r>
+                        <a:rPr lang="en-AU" sz="1600" dirty="0"/>
+                        <a:t>+ </a:t>
+                      </a:r>
+                      <a:r>
+                        <a:rPr lang="en-AU" sz="1600" dirty="0">
+                          <a:solidFill>
+                            <a:schemeClr val="accent3"/>
+                          </a:solidFill>
+                        </a:rPr>
+                        <a:t>Monat</a:t>
+                      </a:r>
+                    </a:p>
+                  </a:txBody>
+                  <a:tcPr/>
+                </a:tc>
+                <a:tc>
+                  <a:txBody>
+                    <a:bodyPr/>
+                    <a:lstStyle/>
+                    <a:p>
+                      <a:r>
+                        <a:rPr lang="en-DE" sz="1600" dirty="0"/>
+                        <a:t>15,17 </a:t>
+                      </a:r>
+                    </a:p>
+                  </a:txBody>
+                  <a:tcPr/>
+                </a:tc>
+                <a:tc>
+                  <a:txBody>
+                    <a:bodyPr/>
+                    <a:lstStyle/>
+                    <a:p>
+                      <a:r>
+                        <a:rPr lang="en-DE" sz="1600" dirty="0"/>
+                        <a:t>14,89</a:t>
+                      </a:r>
+                      <a:endParaRPr lang="en-AU" sz="1600" dirty="0"/>
+                    </a:p>
+                  </a:txBody>
+                  <a:tcPr/>
+                </a:tc>
+                <a:extLst>
+                  <a:ext uri="{0D108BD9-81ED-4DB2-BD59-A6C34878D82A}">
+                    <a16:rowId xmlns:a16="http://schemas.microsoft.com/office/drawing/2014/main" val="983178364"/>
+                  </a:ext>
+                </a:extLst>
+              </a:tr>
+              <a:tr h="544185">
+                <a:tc>
+                  <a:txBody>
+                    <a:bodyPr/>
+                    <a:lstStyle/>
+                    <a:p>
+                      <a:r>
+                        <a:rPr lang="en-AU" sz="1600" dirty="0"/>
+                        <a:t>3</a:t>
+                      </a:r>
+                    </a:p>
+                  </a:txBody>
+                  <a:tcPr/>
+                </a:tc>
+                <a:tc>
+                  <a:txBody>
+                    <a:bodyPr/>
+                    <a:lstStyle/>
+                    <a:p>
+                      <a:pPr marL="0" marR="0" lvl="0" indent="0" algn="l" defTabSz="457144" rtl="0" eaLnBrk="1" fontAlgn="auto" latinLnBrk="0" hangingPunct="1">
+                        <a:lnSpc>
+                          <a:spcPct val="100000"/>
+                        </a:lnSpc>
+                        <a:spcBef>
+                          <a:spcPts val="0"/>
+                        </a:spcBef>
+                        <a:spcAft>
+                          <a:spcPts val="0"/>
+                        </a:spcAft>
+                        <a:buClrTx/>
+                        <a:buSzTx/>
+                        <a:buFontTx/>
+                        <a:buNone/>
+                        <a:tabLst/>
+                        <a:defRPr/>
+                      </a:pPr>
+                      <a:r>
+                        <a:rPr lang="en-AU" sz="1600" dirty="0" err="1">
+                          <a:solidFill>
+                            <a:schemeClr val="accent1"/>
+                          </a:solidFill>
+                        </a:rPr>
+                        <a:t>Wochentag</a:t>
+                      </a:r>
+                      <a:r>
+                        <a:rPr lang="en-AU" sz="1600" dirty="0">
+                          <a:solidFill>
+                            <a:schemeClr val="accent1"/>
+                          </a:solidFill>
+                        </a:rPr>
+                        <a:t> </a:t>
+                      </a:r>
+                      <a:r>
+                        <a:rPr lang="en-AU" sz="1600" dirty="0"/>
+                        <a:t>+</a:t>
+                      </a:r>
+                      <a:r>
+                        <a:rPr lang="en-AU" sz="1600" dirty="0">
+                          <a:solidFill>
+                            <a:schemeClr val="accent1"/>
+                          </a:solidFill>
+                        </a:rPr>
+                        <a:t> </a:t>
+                      </a:r>
+                      <a:r>
+                        <a:rPr lang="en-AU" sz="1600" dirty="0" err="1">
+                          <a:solidFill>
+                            <a:schemeClr val="accent1"/>
+                          </a:solidFill>
+                        </a:rPr>
+                        <a:t>Jahreszeit</a:t>
+                      </a:r>
+                      <a:r>
+                        <a:rPr lang="en-AU" sz="1600" dirty="0">
+                          <a:solidFill>
+                            <a:schemeClr val="accent1"/>
+                          </a:solidFill>
+                        </a:rPr>
+                        <a:t> </a:t>
+                      </a:r>
+                      <a:r>
+                        <a:rPr lang="en-AU" sz="1600" dirty="0"/>
+                        <a:t>+ </a:t>
+                      </a:r>
+                      <a:r>
+                        <a:rPr lang="en-AU" sz="1600" dirty="0" err="1">
+                          <a:solidFill>
+                            <a:schemeClr val="accent1"/>
+                          </a:solidFill>
+                        </a:rPr>
+                        <a:t>KielerWoche</a:t>
+                      </a:r>
+                      <a:r>
+                        <a:rPr lang="en-AU" sz="1600" dirty="0">
+                          <a:solidFill>
+                            <a:schemeClr val="accent1"/>
+                          </a:solidFill>
+                        </a:rPr>
+                        <a:t> </a:t>
+                      </a:r>
+                      <a:r>
+                        <a:rPr lang="en-AU" sz="1600" dirty="0"/>
+                        <a:t>+ </a:t>
                       </a:r>
                       <a:r>
                         <a:rPr lang="en-AU" sz="1600" dirty="0" err="1">
@@ -12231,45 +12236,9 @@
                     <a:bodyPr/>
                     <a:lstStyle/>
                     <a:p>
-                      <a:pPr algn="ctr"/>
                       <a:r>
                         <a:rPr lang="en-DE" sz="1600" dirty="0"/>
-                        <a:t>20,68</a:t>
-                      </a:r>
-                    </a:p>
-                  </a:txBody>
-                  <a:tcPr anchor="ctr"/>
-                </a:tc>
-                <a:tc>
-                  <a:txBody>
-                    <a:bodyPr/>
-                    <a:lstStyle/>
-                    <a:p>
-                      <a:pPr algn="ctr"/>
-                      <a:r>
-                        <a:rPr lang="en-DE" sz="1600" dirty="0"/>
-                        <a:t>21,53</a:t>
-                      </a:r>
-                      <a:endParaRPr lang="en-AU" sz="1600" dirty="0"/>
-                    </a:p>
-                  </a:txBody>
-                  <a:tcPr anchor="ctr"/>
-                </a:tc>
-                <a:extLst>
-                  <a:ext uri="{0D108BD9-81ED-4DB2-BD59-A6C34878D82A}">
-                    <a16:rowId xmlns:a16="http://schemas.microsoft.com/office/drawing/2014/main" val="2574431977"/>
-                  </a:ext>
-                </a:extLst>
-              </a:tr>
-              <a:tr h="370840">
-                <a:tc>
-                  <a:txBody>
-                    <a:bodyPr/>
-                    <a:lstStyle/>
-                    <a:p>
-                      <a:r>
-                        <a:rPr lang="en-AU" sz="1600" dirty="0"/>
-                        <a:t>5</a:t>
+                        <a:t>19,93</a:t>
                       </a:r>
                     </a:p>
                   </a:txBody>
@@ -12281,142 +12250,30 @@
                     <a:lstStyle/>
                     <a:p>
                       <a:r>
-                        <a:rPr lang="en-AU" sz="1600" dirty="0" err="1">
-                          <a:solidFill>
-                            <a:schemeClr val="accent1"/>
-                          </a:solidFill>
-                        </a:rPr>
-                        <a:t>Wochentag</a:t>
-                      </a:r>
-                      <a:r>
-                        <a:rPr lang="en-AU" sz="1600" dirty="0">
-                          <a:solidFill>
-                            <a:schemeClr val="accent1"/>
-                          </a:solidFill>
-                        </a:rPr>
-                        <a:t> </a:t>
-                      </a:r>
+                        <a:rPr lang="en-DE" sz="1600" dirty="0"/>
+                        <a:t>20,95</a:t>
+                      </a:r>
+                      <a:endParaRPr lang="en-AU" sz="1600" dirty="0"/>
+                    </a:p>
+                  </a:txBody>
+                  <a:tcPr/>
+                </a:tc>
+                <a:extLst>
+                  <a:ext uri="{0D108BD9-81ED-4DB2-BD59-A6C34878D82A}">
+                    <a16:rowId xmlns:a16="http://schemas.microsoft.com/office/drawing/2014/main" val="824714965"/>
+                  </a:ext>
+                </a:extLst>
+              </a:tr>
+              <a:tr h="544185">
+                <a:tc>
+                  <a:txBody>
+                    <a:bodyPr/>
+                    <a:lstStyle/>
+                    <a:p>
                       <a:r>
                         <a:rPr lang="en-AU" sz="1600" dirty="0"/>
-                        <a:t>+</a:t>
-                      </a:r>
-                      <a:r>
-                        <a:rPr lang="en-AU" sz="1600" dirty="0">
-                          <a:solidFill>
-                            <a:schemeClr val="accent1"/>
-                          </a:solidFill>
-                        </a:rPr>
-                        <a:t> </a:t>
-                      </a:r>
-                      <a:r>
-                        <a:rPr lang="en-AU" sz="1600" dirty="0" err="1">
-                          <a:solidFill>
-                            <a:schemeClr val="accent1"/>
-                          </a:solidFill>
-                        </a:rPr>
-                        <a:t>Jahreszeit</a:t>
-                      </a:r>
-                      <a:r>
-                        <a:rPr lang="en-AU" sz="1600" dirty="0">
-                          <a:solidFill>
-                            <a:schemeClr val="accent1"/>
-                          </a:solidFill>
-                        </a:rPr>
-                        <a:t> </a:t>
-                      </a:r>
-                      <a:r>
-                        <a:rPr lang="en-AU" sz="1600" dirty="0"/>
-                        <a:t>+</a:t>
-                      </a:r>
-                      <a:r>
-                        <a:rPr lang="en-AU" sz="1600" dirty="0">
-                          <a:solidFill>
-                            <a:schemeClr val="accent1"/>
-                          </a:solidFill>
-                        </a:rPr>
-                        <a:t> </a:t>
-                      </a:r>
-                      <a:r>
-                        <a:rPr lang="en-AU" sz="1600" dirty="0" err="1">
-                          <a:solidFill>
-                            <a:schemeClr val="accent1"/>
-                          </a:solidFill>
-                        </a:rPr>
-                        <a:t>KielerWoche</a:t>
-                      </a:r>
-                      <a:r>
-                        <a:rPr lang="en-AU" sz="1600" dirty="0">
-                          <a:solidFill>
-                            <a:schemeClr val="accent1"/>
-                          </a:solidFill>
-                        </a:rPr>
-                        <a:t> </a:t>
-                      </a:r>
-                      <a:r>
-                        <a:rPr lang="en-AU" sz="1600" dirty="0"/>
-                        <a:t>+ </a:t>
-                      </a:r>
-                      <a:r>
-                        <a:rPr lang="en-AU" sz="1600" dirty="0" err="1">
-                          <a:solidFill>
-                            <a:schemeClr val="accent1"/>
-                          </a:solidFill>
-                        </a:rPr>
-                        <a:t>Schulferien</a:t>
-                      </a:r>
-                      <a:r>
-                        <a:rPr lang="en-AU" sz="1600" dirty="0">
-                          <a:solidFill>
-                            <a:schemeClr val="accent1"/>
-                          </a:solidFill>
-                        </a:rPr>
-                        <a:t> </a:t>
-                      </a:r>
-                      <a:r>
-                        <a:rPr lang="en-AU" sz="1600" dirty="0"/>
-                        <a:t>+ </a:t>
-                      </a:r>
-                      <a:r>
-                        <a:rPr lang="en-AU" sz="1600" dirty="0" err="1">
-                          <a:solidFill>
-                            <a:schemeClr val="accent2"/>
-                          </a:solidFill>
-                        </a:rPr>
-                        <a:t>Feiertag</a:t>
-                      </a:r>
-                      <a:r>
-                        <a:rPr lang="en-AU" sz="1600" dirty="0">
-                          <a:solidFill>
-                            <a:schemeClr val="accent2"/>
-                          </a:solidFill>
-                        </a:rPr>
-                        <a:t> </a:t>
-                      </a:r>
-                      <a:r>
-                        <a:rPr lang="en-AU" sz="1600" dirty="0">
-                          <a:solidFill>
-                            <a:schemeClr val="tx1"/>
-                          </a:solidFill>
-                        </a:rPr>
-                        <a:t>+</a:t>
-                      </a:r>
-                      <a:r>
-                        <a:rPr lang="en-AU" sz="1600" dirty="0">
-                          <a:solidFill>
-                            <a:schemeClr val="accent2"/>
-                          </a:solidFill>
-                        </a:rPr>
-                        <a:t> </a:t>
-                      </a:r>
-                      <a:r>
-                        <a:rPr lang="en-AU" sz="1600" dirty="0">
-                          <a:solidFill>
-                            <a:schemeClr val="accent3"/>
-                          </a:solidFill>
-                        </a:rPr>
-                        <a:t>Monat</a:t>
-                      </a:r>
-                      <a:endParaRPr lang="en-AU" sz="1600" dirty="0"/>
+                        <a:t>4</a:t>
+                      </a:r>
                     </a:p>
                   </a:txBody>
                   <a:tcPr/>
@@ -12426,212 +12283,7 @@
                     <a:bodyPr/>
                     <a:lstStyle/>
                     <a:p>
-                      <a:pPr algn="ctr"/>
-                      <a:r>
-                        <a:rPr lang="en-DE" sz="1600" dirty="0"/>
-                        <a:t>14,27 </a:t>
-                      </a:r>
-                    </a:p>
-                  </a:txBody>
-                  <a:tcPr anchor="ctr"/>
-                </a:tc>
-                <a:tc>
-                  <a:txBody>
-                    <a:bodyPr/>
-                    <a:lstStyle/>
-                    <a:p>
-                      <a:pPr algn="ctr"/>
-                      <a:r>
-                        <a:rPr lang="en-DE" sz="1600" dirty="0"/>
-                        <a:t>14,37</a:t>
-                      </a:r>
-                      <a:endParaRPr lang="en-AU" sz="1600" dirty="0"/>
-                    </a:p>
-                  </a:txBody>
-                  <a:tcPr anchor="ctr"/>
-                </a:tc>
-                <a:extLst>
-                  <a:ext uri="{0D108BD9-81ED-4DB2-BD59-A6C34878D82A}">
-                    <a16:rowId xmlns:a16="http://schemas.microsoft.com/office/drawing/2014/main" val="1253213471"/>
-                  </a:ext>
-                </a:extLst>
-              </a:tr>
-              <a:tr h="370840">
-                <a:tc>
-                  <a:txBody>
-                    <a:bodyPr/>
-                    <a:lstStyle/>
-                    <a:p>
-                      <a:r>
-                        <a:rPr lang="en-AU" sz="1600" dirty="0"/>
-                        <a:t>6</a:t>
-                      </a:r>
-                    </a:p>
-                  </a:txBody>
-                  <a:tcPr/>
-                </a:tc>
-                <a:tc>
-                  <a:txBody>
-                    <a:bodyPr/>
-                    <a:lstStyle/>
-                    <a:p>
-                      <a:r>
-                        <a:rPr lang="en-AU" sz="1600" dirty="0" err="1">
-                          <a:solidFill>
-                            <a:schemeClr val="accent1"/>
-                          </a:solidFill>
-                        </a:rPr>
-                        <a:t>Wochentag</a:t>
-                      </a:r>
-                      <a:r>
-                        <a:rPr lang="en-AU" sz="1600" dirty="0">
-                          <a:solidFill>
-                            <a:schemeClr val="accent1"/>
-                          </a:solidFill>
-                        </a:rPr>
-                        <a:t> </a:t>
-                      </a:r>
-                      <a:r>
-                        <a:rPr lang="en-AU" sz="1600" dirty="0"/>
-                        <a:t>+</a:t>
-                      </a:r>
-                      <a:r>
-                        <a:rPr lang="en-AU" sz="1600" dirty="0">
-                          <a:solidFill>
-                            <a:schemeClr val="accent1"/>
-                          </a:solidFill>
-                        </a:rPr>
-                        <a:t> </a:t>
-                      </a:r>
-                      <a:r>
-                        <a:rPr lang="en-AU" sz="1600" dirty="0" err="1">
-                          <a:solidFill>
-                            <a:schemeClr val="accent1"/>
-                          </a:solidFill>
-                        </a:rPr>
-                        <a:t>Jahreszeit</a:t>
-                      </a:r>
-                      <a:r>
-                        <a:rPr lang="en-AU" sz="1600" dirty="0">
-                          <a:solidFill>
-                            <a:schemeClr val="accent1"/>
-                          </a:solidFill>
-                        </a:rPr>
-                        <a:t> </a:t>
-                      </a:r>
-                      <a:r>
-                        <a:rPr lang="en-AU" sz="1600" dirty="0"/>
-                        <a:t>+</a:t>
-                      </a:r>
-                      <a:r>
-                        <a:rPr lang="en-AU" sz="1600" dirty="0">
-                          <a:solidFill>
-                            <a:schemeClr val="accent1"/>
-                          </a:solidFill>
-                        </a:rPr>
-                        <a:t> </a:t>
-                      </a:r>
-                      <a:r>
-                        <a:rPr lang="en-AU" sz="1600" dirty="0" err="1">
-                          <a:solidFill>
-                            <a:schemeClr val="accent1"/>
-                          </a:solidFill>
-                        </a:rPr>
-                        <a:t>KielerWoche</a:t>
-                      </a:r>
-                      <a:r>
-                        <a:rPr lang="en-AU" sz="1600" dirty="0">
-                          <a:solidFill>
-                            <a:schemeClr val="accent1"/>
-                          </a:solidFill>
-                        </a:rPr>
-                        <a:t> </a:t>
-                      </a:r>
-                      <a:r>
-                        <a:rPr lang="en-AU" sz="1600" dirty="0"/>
-                        <a:t>+</a:t>
-                      </a:r>
-                      <a:r>
-                        <a:rPr lang="en-AU" sz="1600" dirty="0">
-                          <a:solidFill>
-                            <a:schemeClr val="accent1"/>
-                          </a:solidFill>
-                        </a:rPr>
-                        <a:t> </a:t>
-                      </a:r>
-                      <a:r>
-                        <a:rPr lang="en-AU" sz="1600" dirty="0" err="1">
-                          <a:solidFill>
-                            <a:schemeClr val="accent1"/>
-                          </a:solidFill>
-                        </a:rPr>
-                        <a:t>Schulferien</a:t>
-                      </a:r>
-                      <a:endParaRPr lang="en-AU" sz="1600" dirty="0">
-                        <a:solidFill>
-                          <a:schemeClr val="accent1"/>
-                        </a:solidFill>
-                      </a:endParaRPr>
-                    </a:p>
-                    <a:p>
-                      <a:r>
-                        <a:rPr lang="en-AU" sz="1600" dirty="0"/>
-                        <a:t>+ </a:t>
-                      </a:r>
-                      <a:r>
-                        <a:rPr lang="en-AU" sz="1600" dirty="0">
-                          <a:solidFill>
-                            <a:schemeClr val="accent3"/>
-                          </a:solidFill>
-                        </a:rPr>
-                        <a:t>Monat </a:t>
-                      </a:r>
-                      <a:r>
-                        <a:rPr lang="en-AU" sz="1600" dirty="0"/>
-                        <a:t>+ </a:t>
-                      </a:r>
-                      <a:r>
-                        <a:rPr lang="en-AU" sz="1600" dirty="0" err="1">
-                          <a:solidFill>
-                            <a:schemeClr val="accent6"/>
-                          </a:solidFill>
-                        </a:rPr>
-                        <a:t>Verlängertes</a:t>
-                      </a:r>
-                      <a:r>
-                        <a:rPr lang="en-AU" sz="1600" dirty="0">
-                          <a:solidFill>
-                            <a:schemeClr val="accent6"/>
-                          </a:solidFill>
-                        </a:rPr>
-                        <a:t> </a:t>
-                      </a:r>
-                      <a:r>
-                        <a:rPr lang="en-AU" sz="1600" dirty="0" err="1">
-                          <a:solidFill>
-                            <a:schemeClr val="accent6"/>
-                          </a:solidFill>
-                        </a:rPr>
-                        <a:t>Wochenende</a:t>
-                      </a:r>
-                      <a:r>
-                        <a:rPr lang="en-AU" sz="1600" dirty="0">
-                          <a:solidFill>
-                            <a:schemeClr val="accent6"/>
-                          </a:solidFill>
-                        </a:rPr>
-                        <a:t> (Mo)</a:t>
-                      </a:r>
-                    </a:p>
-                  </a:txBody>
-                  <a:tcPr/>
-                </a:tc>
-                <a:tc>
-                  <a:txBody>
-                    <a:bodyPr/>
-                    <a:lstStyle/>
-                    <a:p>
-                      <a:pPr marL="0" marR="0" lvl="0" indent="0" algn="ctr" defTabSz="457144" rtl="0" eaLnBrk="1" fontAlgn="auto" latinLnBrk="0" hangingPunct="1">
+                      <a:pPr marL="0" marR="0" lvl="0" indent="0" algn="l" defTabSz="457144" rtl="0" eaLnBrk="1" fontAlgn="auto" latinLnBrk="0" hangingPunct="1">
                         <a:lnSpc>
                           <a:spcPct val="100000"/>
                         </a:lnSpc>
@@ -12649,28 +12301,597 @@
                         <a:defRPr/>
                       </a:pPr>
                       <a:r>
-                        <a:rPr lang="en-DE" sz="1600" dirty="0"/>
-                        <a:t>37,87</a:t>
-                      </a:r>
-                      <a:endParaRPr lang="en-AU" sz="1600" dirty="0"/>
+                        <a:rPr lang="en-AU" sz="1600" dirty="0" err="1">
+                          <a:solidFill>
+                            <a:schemeClr val="accent1"/>
+                          </a:solidFill>
+                        </a:rPr>
+                        <a:t>Wochentag</a:t>
+                      </a:r>
+                      <a:r>
+                        <a:rPr lang="en-AU" sz="1600" dirty="0">
+                          <a:solidFill>
+                            <a:schemeClr val="accent1"/>
+                          </a:solidFill>
+                        </a:rPr>
+                        <a:t> </a:t>
+                      </a:r>
+                      <a:r>
+                        <a:rPr lang="en-AU" sz="1600" dirty="0"/>
+                        <a:t>+</a:t>
+                      </a:r>
+                      <a:r>
+                        <a:rPr lang="en-AU" sz="1600" dirty="0">
+                          <a:solidFill>
+                            <a:schemeClr val="accent1"/>
+                          </a:solidFill>
+                        </a:rPr>
+                        <a:t> </a:t>
+                      </a:r>
+                      <a:r>
+                        <a:rPr lang="en-AU" sz="1600" dirty="0" err="1">
+                          <a:solidFill>
+                            <a:schemeClr val="accent1"/>
+                          </a:solidFill>
+                        </a:rPr>
+                        <a:t>Jahreszeit</a:t>
+                      </a:r>
+                      <a:r>
+                        <a:rPr lang="en-AU" sz="1600" dirty="0">
+                          <a:solidFill>
+                            <a:schemeClr val="accent1"/>
+                          </a:solidFill>
+                        </a:rPr>
+                        <a:t> </a:t>
+                      </a:r>
+                      <a:r>
+                        <a:rPr lang="en-AU" sz="1600" dirty="0"/>
+                        <a:t>+</a:t>
+                      </a:r>
+                      <a:r>
+                        <a:rPr lang="en-AU" sz="1600" dirty="0">
+                          <a:solidFill>
+                            <a:schemeClr val="accent1"/>
+                          </a:solidFill>
+                        </a:rPr>
+                        <a:t> </a:t>
+                      </a:r>
+                      <a:r>
+                        <a:rPr lang="en-AU" sz="1600" dirty="0" err="1">
+                          <a:solidFill>
+                            <a:schemeClr val="accent1"/>
+                          </a:solidFill>
+                        </a:rPr>
+                        <a:t>KielerWoche</a:t>
+                      </a:r>
+                      <a:r>
+                        <a:rPr lang="en-AU" sz="1600" dirty="0">
+                          <a:solidFill>
+                            <a:schemeClr val="accent1"/>
+                          </a:solidFill>
+                        </a:rPr>
+                        <a:t> </a:t>
+                      </a:r>
+                      <a:r>
+                        <a:rPr lang="en-AU" sz="1600" dirty="0"/>
+                        <a:t>+</a:t>
+                      </a:r>
+                      <a:r>
+                        <a:rPr lang="en-AU" sz="1600" dirty="0">
+                          <a:solidFill>
+                            <a:schemeClr val="accent1"/>
+                          </a:solidFill>
+                        </a:rPr>
+                        <a:t> </a:t>
+                      </a:r>
+                      <a:r>
+                        <a:rPr lang="en-AU" sz="1600" dirty="0" err="1">
+                          <a:solidFill>
+                            <a:schemeClr val="accent1"/>
+                          </a:solidFill>
+                        </a:rPr>
+                        <a:t>Schulferien</a:t>
+                      </a:r>
+                      <a:endParaRPr lang="en-AU" sz="1600" dirty="0">
+                        <a:solidFill>
+                          <a:schemeClr val="accent1"/>
+                        </a:solidFill>
+                      </a:endParaRPr>
+                    </a:p>
+                    <a:p>
+                      <a:pPr marL="0" marR="0" lvl="0" indent="0" algn="l" defTabSz="457144" rtl="0" eaLnBrk="1" fontAlgn="auto" latinLnBrk="0" hangingPunct="1">
+                        <a:lnSpc>
+                          <a:spcPct val="100000"/>
+                        </a:lnSpc>
+                        <a:spcBef>
+                          <a:spcPts val="0"/>
+                        </a:spcBef>
+                        <a:spcAft>
+                          <a:spcPts val="0"/>
+                        </a:spcAft>
+                        <a:buClrTx/>
+                        <a:buSzTx/>
+                        <a:buFontTx/>
+                        <a:buNone/>
+                        <a:tabLst/>
+                        <a:defRPr/>
+                      </a:pPr>
+                      <a:r>
+                        <a:rPr lang="en-AU" sz="1600" dirty="0"/>
+                        <a:t>+ </a:t>
+                      </a:r>
+                      <a:r>
+                        <a:rPr lang="en-AU" sz="1600" dirty="0" err="1">
+                          <a:solidFill>
+                            <a:schemeClr val="accent2"/>
+                          </a:solidFill>
+                        </a:rPr>
+                        <a:t>Feiertag</a:t>
+                      </a:r>
+                      <a:r>
+                        <a:rPr lang="en-AU" sz="1600" dirty="0">
+                          <a:solidFill>
+                            <a:schemeClr val="accent2"/>
+                          </a:solidFill>
+                        </a:rPr>
+                        <a:t> </a:t>
+                      </a:r>
+                      <a:r>
+                        <a:rPr lang="en-AU" sz="1600" dirty="0"/>
+                        <a:t>+ </a:t>
+                      </a:r>
+                      <a:r>
+                        <a:rPr lang="en-AU" sz="1600" dirty="0">
+                          <a:solidFill>
+                            <a:schemeClr val="accent3"/>
+                          </a:solidFill>
+                        </a:rPr>
+                        <a:t>Monat</a:t>
+                      </a:r>
                     </a:p>
                   </a:txBody>
-                  <a:tcPr anchor="ctr"/>
+                  <a:tcPr/>
                 </a:tc>
                 <a:tc>
                   <a:txBody>
                     <a:bodyPr/>
                     <a:lstStyle/>
                     <a:p>
-                      <a:pPr algn="ctr"/>
                       <a:r>
                         <a:rPr lang="en-DE" sz="1600" dirty="0"/>
-                        <a:t>38,32</a:t>
+                        <a:t>20,68</a:t>
+                      </a:r>
+                    </a:p>
+                  </a:txBody>
+                  <a:tcPr/>
+                </a:tc>
+                <a:tc>
+                  <a:txBody>
+                    <a:bodyPr/>
+                    <a:lstStyle/>
+                    <a:p>
+                      <a:r>
+                        <a:rPr lang="en-DE" sz="1600" dirty="0"/>
+                        <a:t>21,53</a:t>
                       </a:r>
                       <a:endParaRPr lang="en-AU" sz="1600" dirty="0"/>
                     </a:p>
                   </a:txBody>
-                  <a:tcPr anchor="ctr"/>
+                  <a:tcPr/>
+                </a:tc>
+                <a:extLst>
+                  <a:ext uri="{0D108BD9-81ED-4DB2-BD59-A6C34878D82A}">
+                    <a16:rowId xmlns:a16="http://schemas.microsoft.com/office/drawing/2014/main" val="2574431977"/>
+                  </a:ext>
+                </a:extLst>
+              </a:tr>
+              <a:tr h="544185">
+                <a:tc>
+                  <a:txBody>
+                    <a:bodyPr/>
+                    <a:lstStyle/>
+                    <a:p>
+                      <a:r>
+                        <a:rPr lang="en-AU" sz="1600" dirty="0"/>
+                        <a:t>5</a:t>
+                      </a:r>
+                    </a:p>
+                  </a:txBody>
+                  <a:tcPr/>
+                </a:tc>
+                <a:tc>
+                  <a:txBody>
+                    <a:bodyPr/>
+                    <a:lstStyle/>
+                    <a:p>
+                      <a:r>
+                        <a:rPr lang="en-AU" sz="1600" dirty="0" err="1">
+                          <a:solidFill>
+                            <a:schemeClr val="accent1"/>
+                          </a:solidFill>
+                        </a:rPr>
+                        <a:t>Wochentag</a:t>
+                      </a:r>
+                      <a:r>
+                        <a:rPr lang="en-AU" sz="1600" dirty="0">
+                          <a:solidFill>
+                            <a:schemeClr val="accent1"/>
+                          </a:solidFill>
+                        </a:rPr>
+                        <a:t> </a:t>
+                      </a:r>
+                      <a:r>
+                        <a:rPr lang="en-AU" sz="1600" dirty="0"/>
+                        <a:t>+</a:t>
+                      </a:r>
+                      <a:r>
+                        <a:rPr lang="en-AU" sz="1600" dirty="0">
+                          <a:solidFill>
+                            <a:schemeClr val="accent1"/>
+                          </a:solidFill>
+                        </a:rPr>
+                        <a:t> </a:t>
+                      </a:r>
+                      <a:r>
+                        <a:rPr lang="en-AU" sz="1600" dirty="0" err="1">
+                          <a:solidFill>
+                            <a:schemeClr val="accent1"/>
+                          </a:solidFill>
+                        </a:rPr>
+                        <a:t>Jahreszeit</a:t>
+                      </a:r>
+                      <a:r>
+                        <a:rPr lang="en-AU" sz="1600" dirty="0">
+                          <a:solidFill>
+                            <a:schemeClr val="accent1"/>
+                          </a:solidFill>
+                        </a:rPr>
+                        <a:t> </a:t>
+                      </a:r>
+                      <a:r>
+                        <a:rPr lang="en-AU" sz="1600" dirty="0"/>
+                        <a:t>+</a:t>
+                      </a:r>
+                      <a:r>
+                        <a:rPr lang="en-AU" sz="1600" dirty="0">
+                          <a:solidFill>
+                            <a:schemeClr val="accent1"/>
+                          </a:solidFill>
+                        </a:rPr>
+                        <a:t> </a:t>
+                      </a:r>
+                      <a:r>
+                        <a:rPr lang="en-AU" sz="1600" dirty="0" err="1">
+                          <a:solidFill>
+                            <a:schemeClr val="accent1"/>
+                          </a:solidFill>
+                        </a:rPr>
+                        <a:t>KielerWoche</a:t>
+                      </a:r>
+                      <a:r>
+                        <a:rPr lang="en-AU" sz="1600" dirty="0">
+                          <a:solidFill>
+                            <a:schemeClr val="accent1"/>
+                          </a:solidFill>
+                        </a:rPr>
+                        <a:t> </a:t>
+                      </a:r>
+                      <a:r>
+                        <a:rPr lang="en-AU" sz="1600" dirty="0"/>
+                        <a:t>+ </a:t>
+                      </a:r>
+                      <a:r>
+                        <a:rPr lang="en-AU" sz="1600" dirty="0" err="1">
+                          <a:solidFill>
+                            <a:schemeClr val="accent1"/>
+                          </a:solidFill>
+                        </a:rPr>
+                        <a:t>Schulferien</a:t>
+                      </a:r>
+                      <a:r>
+                        <a:rPr lang="en-AU" sz="1600" dirty="0">
+                          <a:solidFill>
+                            <a:schemeClr val="accent1"/>
+                          </a:solidFill>
+                        </a:rPr>
+                        <a:t> </a:t>
+                      </a:r>
+                      <a:r>
+                        <a:rPr lang="en-AU" sz="1600" dirty="0"/>
+                        <a:t>+ </a:t>
+                      </a:r>
+                      <a:r>
+                        <a:rPr lang="en-AU" sz="1600" dirty="0" err="1">
+                          <a:solidFill>
+                            <a:schemeClr val="accent2"/>
+                          </a:solidFill>
+                        </a:rPr>
+                        <a:t>Feiertag</a:t>
+                      </a:r>
+                      <a:r>
+                        <a:rPr lang="en-AU" sz="1600" dirty="0">
+                          <a:solidFill>
+                            <a:schemeClr val="accent2"/>
+                          </a:solidFill>
+                        </a:rPr>
+                        <a:t> </a:t>
+                      </a:r>
+                      <a:r>
+                        <a:rPr lang="en-AU" sz="1600" dirty="0">
+                          <a:solidFill>
+                            <a:schemeClr val="tx1"/>
+                          </a:solidFill>
+                        </a:rPr>
+                        <a:t>+</a:t>
+                      </a:r>
+                      <a:r>
+                        <a:rPr lang="en-AU" sz="1600" dirty="0">
+                          <a:solidFill>
+                            <a:schemeClr val="accent2"/>
+                          </a:solidFill>
+                        </a:rPr>
+                        <a:t> </a:t>
+                      </a:r>
+                      <a:r>
+                        <a:rPr lang="en-AU" sz="1600" dirty="0">
+                          <a:solidFill>
+                            <a:schemeClr val="accent3"/>
+                          </a:solidFill>
+                        </a:rPr>
+                        <a:t>Monat</a:t>
+                      </a:r>
+                      <a:endParaRPr lang="en-AU" sz="1600" dirty="0"/>
+                    </a:p>
+                  </a:txBody>
+                  <a:tcPr/>
+                </a:tc>
+                <a:tc>
+                  <a:txBody>
+                    <a:bodyPr/>
+                    <a:lstStyle/>
+                    <a:p>
+                      <a:r>
+                        <a:rPr lang="en-DE" sz="1600" dirty="0"/>
+                        <a:t>14,27 </a:t>
+                      </a:r>
+                    </a:p>
+                  </a:txBody>
+                  <a:tcPr/>
+                </a:tc>
+                <a:tc>
+                  <a:txBody>
+                    <a:bodyPr/>
+                    <a:lstStyle/>
+                    <a:p>
+                      <a:r>
+                        <a:rPr lang="en-DE" sz="1600" dirty="0"/>
+                        <a:t>14,37</a:t>
+                      </a:r>
+                      <a:endParaRPr lang="en-AU" sz="1600" dirty="0"/>
+                    </a:p>
+                  </a:txBody>
+                  <a:tcPr/>
+                </a:tc>
+                <a:extLst>
+                  <a:ext uri="{0D108BD9-81ED-4DB2-BD59-A6C34878D82A}">
+                    <a16:rowId xmlns:a16="http://schemas.microsoft.com/office/drawing/2014/main" val="1253213471"/>
+                  </a:ext>
+                </a:extLst>
+              </a:tr>
+              <a:tr h="544185">
+                <a:tc>
+                  <a:txBody>
+                    <a:bodyPr/>
+                    <a:lstStyle/>
+                    <a:p>
+                      <a:r>
+                        <a:rPr lang="en-AU" sz="1600" dirty="0"/>
+                        <a:t>6</a:t>
+                      </a:r>
+                    </a:p>
+                  </a:txBody>
+                  <a:tcPr/>
+                </a:tc>
+                <a:tc>
+                  <a:txBody>
+                    <a:bodyPr/>
+                    <a:lstStyle/>
+                    <a:p>
+                      <a:r>
+                        <a:rPr lang="en-AU" sz="1600" dirty="0" err="1">
+                          <a:solidFill>
+                            <a:schemeClr val="accent1"/>
+                          </a:solidFill>
+                        </a:rPr>
+                        <a:t>Wochentag</a:t>
+                      </a:r>
+                      <a:r>
+                        <a:rPr lang="en-AU" sz="1600" dirty="0">
+                          <a:solidFill>
+                            <a:schemeClr val="accent1"/>
+                          </a:solidFill>
+                        </a:rPr>
+                        <a:t> </a:t>
+                      </a:r>
+                      <a:r>
+                        <a:rPr lang="en-AU" sz="1600" dirty="0"/>
+                        <a:t>+</a:t>
+                      </a:r>
+                      <a:r>
+                        <a:rPr lang="en-AU" sz="1600" dirty="0">
+                          <a:solidFill>
+                            <a:schemeClr val="accent1"/>
+                          </a:solidFill>
+                        </a:rPr>
+                        <a:t> </a:t>
+                      </a:r>
+                      <a:r>
+                        <a:rPr lang="en-AU" sz="1600" dirty="0" err="1">
+                          <a:solidFill>
+                            <a:schemeClr val="accent1"/>
+                          </a:solidFill>
+                        </a:rPr>
+                        <a:t>Jahreszeit</a:t>
+                      </a:r>
+                      <a:r>
+                        <a:rPr lang="en-AU" sz="1600" dirty="0">
+                          <a:solidFill>
+                            <a:schemeClr val="accent1"/>
+                          </a:solidFill>
+                        </a:rPr>
+                        <a:t> </a:t>
+                      </a:r>
+                      <a:r>
+                        <a:rPr lang="en-AU" sz="1600" dirty="0"/>
+                        <a:t>+</a:t>
+                      </a:r>
+                      <a:r>
+                        <a:rPr lang="en-AU" sz="1600" dirty="0">
+                          <a:solidFill>
+                            <a:schemeClr val="accent1"/>
+                          </a:solidFill>
+                        </a:rPr>
+                        <a:t> </a:t>
+                      </a:r>
+                      <a:r>
+                        <a:rPr lang="en-AU" sz="1600" dirty="0" err="1">
+                          <a:solidFill>
+                            <a:schemeClr val="accent1"/>
+                          </a:solidFill>
+                        </a:rPr>
+                        <a:t>KielerWoche</a:t>
+                      </a:r>
+                      <a:r>
+                        <a:rPr lang="en-AU" sz="1600" dirty="0">
+                          <a:solidFill>
+                            <a:schemeClr val="accent1"/>
+                          </a:solidFill>
+                        </a:rPr>
+                        <a:t> </a:t>
+                      </a:r>
+                      <a:r>
+                        <a:rPr lang="en-AU" sz="1600" dirty="0"/>
+                        <a:t>+</a:t>
+                      </a:r>
+                      <a:r>
+                        <a:rPr lang="en-AU" sz="1600" dirty="0">
+                          <a:solidFill>
+                            <a:schemeClr val="accent1"/>
+                          </a:solidFill>
+                        </a:rPr>
+                        <a:t> </a:t>
+                      </a:r>
+                      <a:r>
+                        <a:rPr lang="en-AU" sz="1600" dirty="0" err="1">
+                          <a:solidFill>
+                            <a:schemeClr val="accent1"/>
+                          </a:solidFill>
+                        </a:rPr>
+                        <a:t>Schulferien</a:t>
+                      </a:r>
+                      <a:endParaRPr lang="en-AU" sz="1600" dirty="0">
+                        <a:solidFill>
+                          <a:schemeClr val="accent1"/>
+                        </a:solidFill>
+                      </a:endParaRPr>
+                    </a:p>
+                    <a:p>
+                      <a:r>
+                        <a:rPr lang="en-AU" sz="1600" dirty="0"/>
+                        <a:t>+ </a:t>
+                      </a:r>
+                      <a:r>
+                        <a:rPr lang="en-AU" sz="1600" dirty="0">
+                          <a:solidFill>
+                            <a:schemeClr val="accent3"/>
+                          </a:solidFill>
+                        </a:rPr>
+                        <a:t>Monat </a:t>
+                      </a:r>
+                      <a:r>
+                        <a:rPr lang="en-AU" sz="1600" dirty="0"/>
+                        <a:t>+ </a:t>
+                      </a:r>
+                      <a:r>
+                        <a:rPr lang="en-AU" sz="1600" dirty="0" err="1">
+                          <a:solidFill>
+                            <a:schemeClr val="accent6"/>
+                          </a:solidFill>
+                        </a:rPr>
+                        <a:t>Verlängertes</a:t>
+                      </a:r>
+                      <a:r>
+                        <a:rPr lang="en-AU" sz="1600" dirty="0">
+                          <a:solidFill>
+                            <a:schemeClr val="accent6"/>
+                          </a:solidFill>
+                        </a:rPr>
+                        <a:t> </a:t>
+                      </a:r>
+                      <a:r>
+                        <a:rPr lang="en-AU" sz="1600" dirty="0" err="1">
+                          <a:solidFill>
+                            <a:schemeClr val="accent6"/>
+                          </a:solidFill>
+                        </a:rPr>
+                        <a:t>Wochenende</a:t>
+                      </a:r>
+                      <a:r>
+                        <a:rPr lang="en-AU" sz="1600" dirty="0">
+                          <a:solidFill>
+                            <a:schemeClr val="accent6"/>
+                          </a:solidFill>
+                        </a:rPr>
+                        <a:t> (Mo)</a:t>
+                      </a:r>
+                    </a:p>
+                  </a:txBody>
+                  <a:tcPr/>
+                </a:tc>
+                <a:tc>
+                  <a:txBody>
+                    <a:bodyPr/>
+                    <a:lstStyle/>
+                    <a:p>
+                      <a:pPr marL="0" marR="0" lvl="0" indent="0" algn="l" defTabSz="457144" rtl="0" eaLnBrk="1" fontAlgn="auto" latinLnBrk="0" hangingPunct="1">
+                        <a:lnSpc>
+                          <a:spcPct val="100000"/>
+                        </a:lnSpc>
+                        <a:spcBef>
+                          <a:spcPts val="0"/>
+                        </a:spcBef>
+                        <a:spcAft>
+                          <a:spcPts val="0"/>
+                        </a:spcAft>
+                        <a:buClrTx/>
+                        <a:buSzTx/>
+                        <a:buFontTx/>
+                        <a:buNone/>
+                        <a:tabLst/>
+                        <a:defRPr/>
+                      </a:pPr>
+                      <a:r>
+                        <a:rPr lang="en-DE" sz="1600" dirty="0"/>
+                        <a:t>37,87</a:t>
+                      </a:r>
+                      <a:endParaRPr lang="en-AU" sz="1600" dirty="0"/>
+                    </a:p>
+                  </a:txBody>
+                  <a:tcPr/>
+                </a:tc>
+                <a:tc>
+                  <a:txBody>
+                    <a:bodyPr/>
+                    <a:lstStyle/>
+                    <a:p>
+                      <a:r>
+                        <a:rPr lang="en-DE" sz="1600" dirty="0"/>
+                        <a:t>38,32</a:t>
+                      </a:r>
+                      <a:endParaRPr lang="en-AU" sz="1600" dirty="0"/>
+                    </a:p>
+                  </a:txBody>
+                  <a:tcPr/>
                 </a:tc>
                 <a:extLst>
                   <a:ext uri="{0D108BD9-81ED-4DB2-BD59-A6C34878D82A}">
@@ -12732,7 +12953,7 @@
         </p:nvSpPr>
         <p:spPr>
           <a:xfrm>
-            <a:off x="256464" y="908720"/>
+            <a:off x="256464" y="858198"/>
             <a:ext cx="4675576" cy="338554"/>
           </a:xfrm>
           <a:prstGeom prst="rect">
@@ -12794,107 +13015,10 @@
           </a:p>
         </p:txBody>
       </p:sp>
-      <p:sp>
-        <p:nvSpPr>
-          <p:cNvPr id="14" name="Rectangle 13">
-            <a:extLst>
-              <a:ext uri="{FF2B5EF4-FFF2-40B4-BE49-F238E27FC236}">
-                <a16:creationId xmlns:a16="http://schemas.microsoft.com/office/drawing/2014/main" id="{976FA427-61C0-3B4A-9785-EF3AF2BD0893}"/>
-              </a:ext>
-            </a:extLst>
-          </p:cNvPr>
-          <p:cNvSpPr/>
-          <p:nvPr/>
-        </p:nvSpPr>
-        <p:spPr>
-          <a:xfrm>
-            <a:off x="237062" y="5785519"/>
-            <a:ext cx="5960093" cy="307777"/>
-          </a:xfrm>
-          <a:prstGeom prst="rect">
-            <a:avLst/>
-          </a:prstGeom>
-        </p:spPr>
-        <p:txBody>
-          <a:bodyPr wrap="none">
-            <a:spAutoFit/>
-          </a:bodyPr>
-          <a:lstStyle/>
-          <a:p>
-            <a:r>
-              <a:rPr lang="en-GB" sz="1400" dirty="0">
-                <a:latin typeface="Helvetica" pitchFamily="2" charset="0"/>
-              </a:rPr>
-              <a:t>(MAPE </a:t>
-            </a:r>
-            <a:r>
-              <a:rPr lang="en-GB" sz="1400" dirty="0" err="1">
-                <a:latin typeface="Helvetica" pitchFamily="2" charset="0"/>
-              </a:rPr>
-              <a:t>bei</a:t>
-            </a:r>
-            <a:r>
-              <a:rPr lang="en-GB" sz="1400" dirty="0">
-                <a:latin typeface="Helvetica" pitchFamily="2" charset="0"/>
-              </a:rPr>
-              <a:t> </a:t>
-            </a:r>
-            <a:r>
-              <a:rPr lang="en-GB" sz="1400" dirty="0" err="1">
-                <a:latin typeface="Helvetica" pitchFamily="2" charset="0"/>
-              </a:rPr>
-              <a:t>einer</a:t>
-            </a:r>
-            <a:r>
-              <a:rPr lang="en-GB" sz="1400" dirty="0">
-                <a:latin typeface="Helvetica" pitchFamily="2" charset="0"/>
-              </a:rPr>
-              <a:t> SVM </a:t>
-            </a:r>
-            <a:r>
-              <a:rPr lang="en-GB" sz="1400" dirty="0" err="1">
-                <a:latin typeface="Helvetica" pitchFamily="2" charset="0"/>
-              </a:rPr>
-              <a:t>mit</a:t>
-            </a:r>
-            <a:r>
-              <a:rPr lang="en-GB" sz="1400" dirty="0">
-                <a:latin typeface="Helvetica" pitchFamily="2" charset="0"/>
-              </a:rPr>
-              <a:t> </a:t>
-            </a:r>
-            <a:r>
-              <a:rPr lang="en-GB" sz="1400" dirty="0" err="1">
-                <a:latin typeface="Helvetica" pitchFamily="2" charset="0"/>
-              </a:rPr>
-              <a:t>zusammengefassten</a:t>
-            </a:r>
-            <a:r>
-              <a:rPr lang="en-GB" sz="1400" dirty="0">
-                <a:latin typeface="Helvetica" pitchFamily="2" charset="0"/>
-              </a:rPr>
-              <a:t> </a:t>
-            </a:r>
-            <a:r>
-              <a:rPr lang="en-GB" sz="1400" dirty="0" err="1">
-                <a:latin typeface="Helvetica" pitchFamily="2" charset="0"/>
-              </a:rPr>
-              <a:t>Warengruppen</a:t>
-            </a:r>
-            <a:r>
-              <a:rPr lang="en-GB" sz="1400" dirty="0">
-                <a:latin typeface="Helvetica" pitchFamily="2" charset="0"/>
-              </a:rPr>
-              <a:t>: 25,73 %)</a:t>
-            </a:r>
-            <a:endParaRPr lang="en-AU" sz="1400" dirty="0"/>
-          </a:p>
-        </p:txBody>
-      </p:sp>
     </p:spTree>
     <p:extLst>
       <p:ext uri="{BB962C8B-B14F-4D97-AF65-F5344CB8AC3E}">
-        <p14:creationId xmlns:p14="http://schemas.microsoft.com/office/powerpoint/2010/main" val="1248465678"/>
+        <p14:creationId xmlns:p14="http://schemas.microsoft.com/office/powerpoint/2010/main" val="112424630"/>
       </p:ext>
     </p:extLst>
   </p:cSld>
@@ -13127,390 +13251,6 @@
           </a:p>
         </p:txBody>
       </p:sp>
-      <p:graphicFrame>
-        <p:nvGraphicFramePr>
-          <p:cNvPr id="6" name="Table 6">
-            <a:extLst>
-              <a:ext uri="{FF2B5EF4-FFF2-40B4-BE49-F238E27FC236}">
-                <a16:creationId xmlns:a16="http://schemas.microsoft.com/office/drawing/2014/main" id="{AC99B8EB-6DC3-40C3-AA17-A33786D34F96}"/>
-              </a:ext>
-            </a:extLst>
-          </p:cNvPr>
-          <p:cNvGraphicFramePr>
-            <a:graphicFrameLocks noGrp="1"/>
-          </p:cNvGraphicFramePr>
-          <p:nvPr>
-            <p:extLst>
-              <p:ext uri="{D42A27DB-BD31-4B8C-83A1-F6EECF244321}">
-                <p14:modId xmlns:p14="http://schemas.microsoft.com/office/powerpoint/2010/main" val="102975165"/>
-              </p:ext>
-            </p:extLst>
-          </p:nvPr>
-        </p:nvGraphicFramePr>
-        <p:xfrm>
-          <a:off x="1403648" y="1496646"/>
-          <a:ext cx="6480720" cy="3864707"/>
-        </p:xfrm>
-        <a:graphic>
-          <a:graphicData uri="http://schemas.openxmlformats.org/drawingml/2006/table">
-            <a:tbl>
-              <a:tblPr firstRow="1" bandRow="1">
-                <a:tableStyleId>{5940675A-B579-460E-94D1-54222C63F5DA}</a:tableStyleId>
-              </a:tblPr>
-              <a:tblGrid>
-                <a:gridCol w="3220690">
-                  <a:extLst>
-                    <a:ext uri="{9D8B030D-6E8A-4147-A177-3AD203B41FA5}">
-                      <a16:colId xmlns:a16="http://schemas.microsoft.com/office/drawing/2014/main" val="4271733570"/>
-                    </a:ext>
-                  </a:extLst>
-                </a:gridCol>
-                <a:gridCol w="3260030">
-                  <a:extLst>
-                    <a:ext uri="{9D8B030D-6E8A-4147-A177-3AD203B41FA5}">
-                      <a16:colId xmlns:a16="http://schemas.microsoft.com/office/drawing/2014/main" val="4168449459"/>
-                    </a:ext>
-                  </a:extLst>
-                </a:gridCol>
-              </a:tblGrid>
-              <a:tr h="552101">
-                <a:tc>
-                  <a:txBody>
-                    <a:bodyPr/>
-                    <a:lstStyle/>
-                    <a:p>
-                      <a:pPr algn="ctr"/>
-                      <a:r>
-                        <a:rPr lang="en-AU" sz="1800" b="1" dirty="0" err="1"/>
-                        <a:t>Warengruppe</a:t>
-                      </a:r>
-                      <a:endParaRPr lang="en-AU" sz="1800" b="1" dirty="0"/>
-                    </a:p>
-                  </a:txBody>
-                  <a:tcPr/>
-                </a:tc>
-                <a:tc>
-                  <a:txBody>
-                    <a:bodyPr/>
-                    <a:lstStyle/>
-                    <a:p>
-                      <a:pPr algn="ctr"/>
-                      <a:r>
-                        <a:rPr lang="en-AU" sz="1800" b="1" dirty="0" err="1"/>
-                        <a:t>Umsatz</a:t>
-                      </a:r>
-                      <a:r>
-                        <a:rPr lang="en-AU" sz="1800" b="1" dirty="0"/>
-                        <a:t>(-</a:t>
-                      </a:r>
-                      <a:r>
-                        <a:rPr lang="en-AU" sz="1800" b="1" dirty="0" err="1"/>
-                        <a:t>vorhersage</a:t>
-                      </a:r>
-                      <a:r>
-                        <a:rPr lang="en-AU" sz="1800" b="1" dirty="0"/>
-                        <a:t>) [</a:t>
-                      </a:r>
-                      <a:r>
-                        <a:rPr lang="de-DE" sz="1800" b="1" dirty="0"/>
-                        <a:t>€</a:t>
-                      </a:r>
-                      <a:r>
-                        <a:rPr lang="en-AU" sz="1800" b="1" dirty="0"/>
-                        <a:t>]</a:t>
-                      </a:r>
-                    </a:p>
-                  </a:txBody>
-                  <a:tcPr/>
-                </a:tc>
-                <a:extLst>
-                  <a:ext uri="{0D108BD9-81ED-4DB2-BD59-A6C34878D82A}">
-                    <a16:rowId xmlns:a16="http://schemas.microsoft.com/office/drawing/2014/main" val="204829037"/>
-                  </a:ext>
-                </a:extLst>
-              </a:tr>
-              <a:tr h="552101">
-                <a:tc>
-                  <a:txBody>
-                    <a:bodyPr/>
-                    <a:lstStyle/>
-                    <a:p>
-                      <a:pPr algn="ctr"/>
-                      <a:r>
-                        <a:rPr lang="en-AU" sz="2000" b="1" dirty="0"/>
-                        <a:t>1</a:t>
-                      </a:r>
-                    </a:p>
-                  </a:txBody>
-                  <a:tcPr anchor="ctr"/>
-                </a:tc>
-                <a:tc>
-                  <a:txBody>
-                    <a:bodyPr/>
-                    <a:lstStyle/>
-                    <a:p>
-                      <a:pPr algn="ctr"/>
-                      <a:r>
-                        <a:rPr lang="en-AU" sz="2000" b="1" dirty="0">
-                          <a:solidFill>
-                            <a:schemeClr val="accent6">
-                              <a:lumMod val="75000"/>
-                            </a:schemeClr>
-                          </a:solidFill>
-                        </a:rPr>
-                        <a:t>124.67</a:t>
-                      </a:r>
-                    </a:p>
-                  </a:txBody>
-                  <a:tcPr anchor="ctr"/>
-                </a:tc>
-                <a:extLst>
-                  <a:ext uri="{0D108BD9-81ED-4DB2-BD59-A6C34878D82A}">
-                    <a16:rowId xmlns:a16="http://schemas.microsoft.com/office/drawing/2014/main" val="3426599036"/>
-                  </a:ext>
-                </a:extLst>
-              </a:tr>
-              <a:tr h="552101">
-                <a:tc>
-                  <a:txBody>
-                    <a:bodyPr/>
-                    <a:lstStyle/>
-                    <a:p>
-                      <a:pPr algn="ctr"/>
-                      <a:r>
-                        <a:rPr lang="en-AU" sz="2000" b="1" dirty="0"/>
-                        <a:t>2</a:t>
-                      </a:r>
-                    </a:p>
-                  </a:txBody>
-                  <a:tcPr anchor="ctr"/>
-                </a:tc>
-                <a:tc>
-                  <a:txBody>
-                    <a:bodyPr/>
-                    <a:lstStyle/>
-                    <a:p>
-                      <a:pPr algn="ctr"/>
-                      <a:r>
-                        <a:rPr lang="en-AU" sz="2000" b="1" dirty="0">
-                          <a:solidFill>
-                            <a:schemeClr val="accent6">
-                              <a:lumMod val="75000"/>
-                            </a:schemeClr>
-                          </a:solidFill>
-                        </a:rPr>
-                        <a:t>398.16</a:t>
-                      </a:r>
-                    </a:p>
-                  </a:txBody>
-                  <a:tcPr anchor="ctr"/>
-                </a:tc>
-                <a:extLst>
-                  <a:ext uri="{0D108BD9-81ED-4DB2-BD59-A6C34878D82A}">
-                    <a16:rowId xmlns:a16="http://schemas.microsoft.com/office/drawing/2014/main" val="983178364"/>
-                  </a:ext>
-                </a:extLst>
-              </a:tr>
-              <a:tr h="552101">
-                <a:tc>
-                  <a:txBody>
-                    <a:bodyPr/>
-                    <a:lstStyle/>
-                    <a:p>
-                      <a:pPr algn="ctr"/>
-                      <a:r>
-                        <a:rPr lang="en-AU" sz="2000" b="1" dirty="0"/>
-                        <a:t>3</a:t>
-                      </a:r>
-                    </a:p>
-                  </a:txBody>
-                  <a:tcPr anchor="ctr"/>
-                </a:tc>
-                <a:tc>
-                  <a:txBody>
-                    <a:bodyPr/>
-                    <a:lstStyle/>
-                    <a:p>
-                      <a:pPr marL="0" marR="0" lvl="0" indent="0" algn="ctr" defTabSz="457144" rtl="0" eaLnBrk="1" fontAlgn="auto" latinLnBrk="0" hangingPunct="1">
-                        <a:lnSpc>
-                          <a:spcPct val="100000"/>
-                        </a:lnSpc>
-                        <a:spcBef>
-                          <a:spcPts val="0"/>
-                        </a:spcBef>
-                        <a:spcAft>
-                          <a:spcPts val="0"/>
-                        </a:spcAft>
-                        <a:buClrTx/>
-                        <a:buSzTx/>
-                        <a:buFontTx/>
-                        <a:buNone/>
-                        <a:tabLst/>
-                        <a:defRPr/>
-                      </a:pPr>
-                      <a:r>
-                        <a:rPr lang="en-AU" sz="2000" b="1" dirty="0">
-                          <a:solidFill>
-                            <a:schemeClr val="accent6">
-                              <a:lumMod val="75000"/>
-                            </a:schemeClr>
-                          </a:solidFill>
-                        </a:rPr>
-                        <a:t>167.4</a:t>
-                      </a:r>
-                    </a:p>
-                  </a:txBody>
-                  <a:tcPr anchor="ctr"/>
-                </a:tc>
-                <a:extLst>
-                  <a:ext uri="{0D108BD9-81ED-4DB2-BD59-A6C34878D82A}">
-                    <a16:rowId xmlns:a16="http://schemas.microsoft.com/office/drawing/2014/main" val="824714965"/>
-                  </a:ext>
-                </a:extLst>
-              </a:tr>
-              <a:tr h="552101">
-                <a:tc>
-                  <a:txBody>
-                    <a:bodyPr/>
-                    <a:lstStyle/>
-                    <a:p>
-                      <a:pPr algn="ctr"/>
-                      <a:r>
-                        <a:rPr lang="en-AU" sz="2000" b="1" dirty="0"/>
-                        <a:t>4</a:t>
-                      </a:r>
-                    </a:p>
-                  </a:txBody>
-                  <a:tcPr anchor="ctr"/>
-                </a:tc>
-                <a:tc>
-                  <a:txBody>
-                    <a:bodyPr/>
-                    <a:lstStyle/>
-                    <a:p>
-                      <a:pPr marL="0" marR="0" lvl="0" indent="0" algn="ctr" defTabSz="457144" rtl="0" eaLnBrk="1" fontAlgn="auto" latinLnBrk="0" hangingPunct="1">
-                        <a:lnSpc>
-                          <a:spcPct val="100000"/>
-                        </a:lnSpc>
-                        <a:spcBef>
-                          <a:spcPts val="0"/>
-                        </a:spcBef>
-                        <a:spcAft>
-                          <a:spcPts val="0"/>
-                        </a:spcAft>
-                        <a:buClrTx/>
-                        <a:buSzTx/>
-                        <a:buFontTx/>
-                        <a:buNone/>
-                        <a:tabLst/>
-                        <a:defRPr/>
-                      </a:pPr>
-                      <a:r>
-                        <a:rPr lang="en-AU" sz="2000" b="1" dirty="0">
-                          <a:solidFill>
-                            <a:schemeClr val="accent6">
-                              <a:lumMod val="75000"/>
-                            </a:schemeClr>
-                          </a:solidFill>
-                        </a:rPr>
-                        <a:t>85.04</a:t>
-                      </a:r>
-                    </a:p>
-                  </a:txBody>
-                  <a:tcPr anchor="ctr"/>
-                </a:tc>
-                <a:extLst>
-                  <a:ext uri="{0D108BD9-81ED-4DB2-BD59-A6C34878D82A}">
-                    <a16:rowId xmlns:a16="http://schemas.microsoft.com/office/drawing/2014/main" val="2574431977"/>
-                  </a:ext>
-                </a:extLst>
-              </a:tr>
-              <a:tr h="552101">
-                <a:tc>
-                  <a:txBody>
-                    <a:bodyPr/>
-                    <a:lstStyle/>
-                    <a:p>
-                      <a:pPr algn="ctr"/>
-                      <a:r>
-                        <a:rPr lang="en-AU" sz="2000" b="1" dirty="0"/>
-                        <a:t>5</a:t>
-                      </a:r>
-                    </a:p>
-                  </a:txBody>
-                  <a:tcPr anchor="ctr"/>
-                </a:tc>
-                <a:tc>
-                  <a:txBody>
-                    <a:bodyPr/>
-                    <a:lstStyle/>
-                    <a:p>
-                      <a:pPr algn="ctr"/>
-                      <a:r>
-                        <a:rPr lang="en-AU" sz="2000" b="1" dirty="0">
-                          <a:solidFill>
-                            <a:schemeClr val="accent6">
-                              <a:lumMod val="75000"/>
-                            </a:schemeClr>
-                          </a:solidFill>
-                        </a:rPr>
-                        <a:t>285.3</a:t>
-                      </a:r>
-                    </a:p>
-                  </a:txBody>
-                  <a:tcPr anchor="ctr"/>
-                </a:tc>
-                <a:extLst>
-                  <a:ext uri="{0D108BD9-81ED-4DB2-BD59-A6C34878D82A}">
-                    <a16:rowId xmlns:a16="http://schemas.microsoft.com/office/drawing/2014/main" val="1253213471"/>
-                  </a:ext>
-                </a:extLst>
-              </a:tr>
-              <a:tr h="552101">
-                <a:tc>
-                  <a:txBody>
-                    <a:bodyPr/>
-                    <a:lstStyle/>
-                    <a:p>
-                      <a:pPr algn="ctr"/>
-                      <a:r>
-                        <a:rPr lang="en-AU" sz="2000" b="1" dirty="0"/>
-                        <a:t>6</a:t>
-                      </a:r>
-                    </a:p>
-                  </a:txBody>
-                  <a:tcPr anchor="ctr"/>
-                </a:tc>
-                <a:tc>
-                  <a:txBody>
-                    <a:bodyPr/>
-                    <a:lstStyle/>
-                    <a:p>
-                      <a:pPr algn="ctr"/>
-                      <a:r>
-                        <a:rPr lang="en-AU" sz="2000" b="1" dirty="0">
-                          <a:solidFill>
-                            <a:schemeClr val="accent6">
-                              <a:lumMod val="75000"/>
-                            </a:schemeClr>
-                          </a:solidFill>
-                        </a:rPr>
-                        <a:t>53.05</a:t>
-                      </a:r>
-                    </a:p>
-                  </a:txBody>
-                  <a:tcPr anchor="ctr"/>
-                </a:tc>
-                <a:extLst>
-                  <a:ext uri="{0D108BD9-81ED-4DB2-BD59-A6C34878D82A}">
-                    <a16:rowId xmlns:a16="http://schemas.microsoft.com/office/drawing/2014/main" val="3521576117"/>
-                  </a:ext>
-                </a:extLst>
-              </a:tr>
-            </a:tbl>
-          </a:graphicData>
-        </a:graphic>
-      </p:graphicFrame>
     </p:spTree>
     <p:extLst>
       <p:ext uri="{BB962C8B-B14F-4D97-AF65-F5344CB8AC3E}">

--- a/09-06-2020-Präsentation_Team 5.pptx
+++ b/09-06-2020-Präsentation_Team 5.pptx
@@ -5,7 +5,7 @@
     <p:sldMasterId id="2147483660" r:id="rId1"/>
   </p:sldMasterIdLst>
   <p:notesMasterIdLst>
-    <p:notesMasterId r:id="rId15"/>
+    <p:notesMasterId r:id="rId19"/>
   </p:notesMasterIdLst>
   <p:sldIdLst>
     <p:sldId id="256" r:id="rId2"/>
@@ -13,14 +13,18 @@
     <p:sldId id="644" r:id="rId4"/>
     <p:sldId id="653" r:id="rId5"/>
     <p:sldId id="645" r:id="rId6"/>
-    <p:sldId id="652" r:id="rId7"/>
-    <p:sldId id="646" r:id="rId8"/>
-    <p:sldId id="647" r:id="rId9"/>
-    <p:sldId id="648" r:id="rId10"/>
-    <p:sldId id="649" r:id="rId11"/>
-    <p:sldId id="650" r:id="rId12"/>
-    <p:sldId id="651" r:id="rId13"/>
-    <p:sldId id="642" r:id="rId14"/>
+    <p:sldId id="655" r:id="rId7"/>
+    <p:sldId id="654" r:id="rId8"/>
+    <p:sldId id="656" r:id="rId9"/>
+    <p:sldId id="657" r:id="rId10"/>
+    <p:sldId id="652" r:id="rId11"/>
+    <p:sldId id="646" r:id="rId12"/>
+    <p:sldId id="647" r:id="rId13"/>
+    <p:sldId id="648" r:id="rId14"/>
+    <p:sldId id="649" r:id="rId15"/>
+    <p:sldId id="650" r:id="rId16"/>
+    <p:sldId id="651" r:id="rId17"/>
+    <p:sldId id="642" r:id="rId18"/>
   </p:sldIdLst>
   <p:sldSz cx="9144000" cy="6858000" type="screen4x3"/>
   <p:notesSz cx="6797675" cy="9928225"/>
@@ -247,7 +251,7 @@
             <a:fld id="{D5AF008F-4A3C-4694-A28F-46ED89460412}" type="datetimeFigureOut">
               <a:rPr lang="de-DE" smtClean="0"/>
               <a:pPr/>
-              <a:t>04.06.20</a:t>
+              <a:t>08.06.20</a:t>
             </a:fld>
             <a:endParaRPr lang="de-DE"/>
           </a:p>
@@ -1223,7 +1227,7 @@
             <a:fld id="{312FAAF6-6C93-4406-8FFD-B4AB5AA7608F}" type="slidenum">
               <a:rPr lang="de-DE" smtClean="0"/>
               <a:pPr/>
-              <a:t>10</a:t>
+              <a:t>14</a:t>
             </a:fld>
             <a:endParaRPr lang="de-DE"/>
           </a:p>
@@ -1308,7 +1312,7 @@
             <a:fld id="{312FAAF6-6C93-4406-8FFD-B4AB5AA7608F}" type="slidenum">
               <a:rPr lang="de-DE" smtClean="0"/>
               <a:pPr/>
-              <a:t>11</a:t>
+              <a:t>15</a:t>
             </a:fld>
             <a:endParaRPr lang="de-DE"/>
           </a:p>
@@ -1393,7 +1397,7 @@
             <a:fld id="{312FAAF6-6C93-4406-8FFD-B4AB5AA7608F}" type="slidenum">
               <a:rPr lang="de-DE" smtClean="0"/>
               <a:pPr/>
-              <a:t>12</a:t>
+              <a:t>16</a:t>
             </a:fld>
             <a:endParaRPr lang="de-DE"/>
           </a:p>
@@ -1477,7 +1481,7 @@
           <a:p>
             <a:fld id="{FBD137C9-0E35-BF46-9B4A-26807D85E2DF}" type="slidenum">
               <a:rPr lang="de-DE" smtClean="0"/>
-              <a:t>13</a:t>
+              <a:t>17</a:t>
             </a:fld>
             <a:endParaRPr lang="de-DE"/>
           </a:p>
@@ -1902,7 +1906,7 @@
             <a:fld id="{312FAAF6-6C93-4406-8FFD-B4AB5AA7608F}" type="slidenum">
               <a:rPr lang="de-DE" smtClean="0"/>
               <a:pPr/>
-              <a:t>6</a:t>
+              <a:t>10</a:t>
             </a:fld>
             <a:endParaRPr lang="de-DE"/>
           </a:p>
@@ -1987,7 +1991,7 @@
             <a:fld id="{312FAAF6-6C93-4406-8FFD-B4AB5AA7608F}" type="slidenum">
               <a:rPr lang="de-DE" smtClean="0"/>
               <a:pPr/>
-              <a:t>7</a:t>
+              <a:t>11</a:t>
             </a:fld>
             <a:endParaRPr lang="de-DE"/>
           </a:p>
@@ -2072,7 +2076,7 @@
             <a:fld id="{312FAAF6-6C93-4406-8FFD-B4AB5AA7608F}" type="slidenum">
               <a:rPr lang="de-DE" smtClean="0"/>
               <a:pPr/>
-              <a:t>8</a:t>
+              <a:t>12</a:t>
             </a:fld>
             <a:endParaRPr lang="de-DE"/>
           </a:p>
@@ -2157,7 +2161,7 @@
             <a:fld id="{312FAAF6-6C93-4406-8FFD-B4AB5AA7608F}" type="slidenum">
               <a:rPr lang="de-DE" smtClean="0"/>
               <a:pPr/>
-              <a:t>9</a:t>
+              <a:t>13</a:t>
             </a:fld>
             <a:endParaRPr lang="de-DE"/>
           </a:p>
@@ -5348,6 +5352,806 @@
         </p:nvSpPr>
         <p:spPr>
           <a:xfrm>
+            <a:off x="107505" y="44624"/>
+            <a:ext cx="9000999" cy="761999"/>
+          </a:xfrm>
+        </p:spPr>
+        <p:txBody>
+          <a:bodyPr anchor="ctr"/>
+          <a:lstStyle/>
+          <a:p>
+            <a:pPr>
+              <a:defRPr/>
+            </a:pPr>
+            <a:r>
+              <a:rPr lang="en-GB" sz="2400" dirty="0" err="1">
+                <a:latin typeface="Helvetica" pitchFamily="2" charset="0"/>
+              </a:rPr>
+              <a:t>Balkendiagrammen</a:t>
+            </a:r>
+            <a:r>
+              <a:rPr lang="en-GB" sz="2400" dirty="0">
+                <a:latin typeface="Helvetica" pitchFamily="2" charset="0"/>
+              </a:rPr>
+              <a:t> </a:t>
+            </a:r>
+            <a:r>
+              <a:rPr lang="en-GB" sz="2400" dirty="0" err="1">
+                <a:latin typeface="Helvetica" pitchFamily="2" charset="0"/>
+              </a:rPr>
+              <a:t>mit</a:t>
+            </a:r>
+            <a:r>
+              <a:rPr lang="en-GB" sz="2400" dirty="0">
+                <a:latin typeface="Helvetica" pitchFamily="2" charset="0"/>
+              </a:rPr>
+              <a:t> </a:t>
+            </a:r>
+            <a:r>
+              <a:rPr lang="en-GB" sz="2400" dirty="0" err="1">
+                <a:latin typeface="Helvetica" pitchFamily="2" charset="0"/>
+              </a:rPr>
+              <a:t>Konfidenzintervallen</a:t>
+            </a:r>
+            <a:r>
+              <a:rPr lang="en-GB" sz="2400" dirty="0">
+                <a:latin typeface="Helvetica" pitchFamily="2" charset="0"/>
+              </a:rPr>
+              <a:t> </a:t>
+            </a:r>
+            <a:r>
+              <a:rPr lang="en-GB" sz="2400" dirty="0" err="1">
+                <a:latin typeface="Helvetica" pitchFamily="2" charset="0"/>
+              </a:rPr>
+              <a:t>für</a:t>
+            </a:r>
+            <a:r>
+              <a:rPr lang="en-GB" sz="2400" dirty="0">
+                <a:latin typeface="Helvetica" pitchFamily="2" charset="0"/>
+              </a:rPr>
+              <a:t> </a:t>
+            </a:r>
+            <a:r>
+              <a:rPr lang="en-GB" sz="2400" dirty="0" err="1">
+                <a:latin typeface="Helvetica" pitchFamily="2" charset="0"/>
+              </a:rPr>
+              <a:t>zwei</a:t>
+            </a:r>
+            <a:r>
+              <a:rPr lang="en-GB" sz="2400" dirty="0">
+                <a:latin typeface="Helvetica" pitchFamily="2" charset="0"/>
+              </a:rPr>
+              <a:t> </a:t>
+            </a:r>
+            <a:r>
+              <a:rPr lang="en-GB" sz="2400" dirty="0" err="1">
+                <a:latin typeface="Helvetica" pitchFamily="2" charset="0"/>
+              </a:rPr>
+              <a:t>selbst</a:t>
+            </a:r>
+            <a:r>
+              <a:rPr lang="en-GB" sz="2400" dirty="0">
+                <a:latin typeface="Helvetica" pitchFamily="2" charset="0"/>
+              </a:rPr>
+              <a:t> </a:t>
+            </a:r>
+            <a:r>
+              <a:rPr lang="en-GB" sz="2400" dirty="0" err="1">
+                <a:latin typeface="Helvetica" pitchFamily="2" charset="0"/>
+              </a:rPr>
+              <a:t>erstellte</a:t>
+            </a:r>
+            <a:r>
+              <a:rPr lang="en-GB" sz="2400" dirty="0">
+                <a:latin typeface="Helvetica" pitchFamily="2" charset="0"/>
+              </a:rPr>
+              <a:t> </a:t>
+            </a:r>
+            <a:r>
+              <a:rPr lang="en-GB" sz="2400" dirty="0" err="1">
+                <a:latin typeface="Helvetica" pitchFamily="2" charset="0"/>
+              </a:rPr>
+              <a:t>Variablen</a:t>
+            </a:r>
+            <a:r>
+              <a:rPr lang="en-GB" sz="2400" dirty="0">
+                <a:latin typeface="Helvetica" pitchFamily="2" charset="0"/>
+              </a:rPr>
+              <a:t> (2/2)</a:t>
+            </a:r>
+            <a:endParaRPr lang="de-DE" sz="2400" dirty="0">
+              <a:solidFill>
+                <a:schemeClr val="tx1">
+                  <a:lumMod val="50000"/>
+                  <a:lumOff val="50000"/>
+                </a:schemeClr>
+              </a:solidFill>
+            </a:endParaRPr>
+          </a:p>
+        </p:txBody>
+      </p:sp>
+      <p:sp>
+        <p:nvSpPr>
+          <p:cNvPr id="3" name="Foliennummernplatzhalter 2">
+            <a:extLst>
+              <a:ext uri="{FF2B5EF4-FFF2-40B4-BE49-F238E27FC236}">
+                <a16:creationId xmlns:a16="http://schemas.microsoft.com/office/drawing/2014/main" id="{356532F3-A40E-3544-BC28-367FA2E6B194}"/>
+              </a:ext>
+            </a:extLst>
+          </p:cNvPr>
+          <p:cNvSpPr>
+            <a:spLocks noGrp="1"/>
+          </p:cNvSpPr>
+          <p:nvPr>
+            <p:ph type="sldNum" sz="quarter" idx="12"/>
+          </p:nvPr>
+        </p:nvSpPr>
+        <p:spPr/>
+        <p:txBody>
+          <a:bodyPr/>
+          <a:lstStyle/>
+          <a:p>
+            <a:fld id="{DEED8D61-E8B6-E041-9D61-71A033DF76C2}" type="slidenum">
+              <a:rPr lang="de-DE" smtClean="0"/>
+              <a:pPr/>
+              <a:t>10</a:t>
+            </a:fld>
+            <a:endParaRPr lang="de-DE" dirty="0"/>
+          </a:p>
+        </p:txBody>
+      </p:sp>
+      <p:sp>
+        <p:nvSpPr>
+          <p:cNvPr id="2" name="Fußzeilenplatzhalter 1">
+            <a:extLst>
+              <a:ext uri="{FF2B5EF4-FFF2-40B4-BE49-F238E27FC236}">
+                <a16:creationId xmlns:a16="http://schemas.microsoft.com/office/drawing/2014/main" id="{1DC7A913-4F53-6346-8764-129A4373CFF4}"/>
+              </a:ext>
+            </a:extLst>
+          </p:cNvPr>
+          <p:cNvSpPr>
+            <a:spLocks noGrp="1"/>
+          </p:cNvSpPr>
+          <p:nvPr>
+            <p:ph type="ftr" sz="quarter" idx="11"/>
+          </p:nvPr>
+        </p:nvSpPr>
+        <p:spPr>
+          <a:xfrm>
+            <a:off x="2483768" y="6251510"/>
+            <a:ext cx="4081964" cy="365125"/>
+          </a:xfrm>
+        </p:spPr>
+        <p:txBody>
+          <a:bodyPr/>
+          <a:lstStyle/>
+          <a:p>
+            <a:endParaRPr lang="de-DE" sz="1400" dirty="0"/>
+          </a:p>
+        </p:txBody>
+      </p:sp>
+      <p:sp>
+        <p:nvSpPr>
+          <p:cNvPr id="8" name="Rechteck 4">
+            <a:extLst>
+              <a:ext uri="{FF2B5EF4-FFF2-40B4-BE49-F238E27FC236}">
+                <a16:creationId xmlns:a16="http://schemas.microsoft.com/office/drawing/2014/main" id="{1D0BF8D9-AC0F-F142-9C26-205384427EA2}"/>
+              </a:ext>
+            </a:extLst>
+          </p:cNvPr>
+          <p:cNvSpPr/>
+          <p:nvPr/>
+        </p:nvSpPr>
+        <p:spPr>
+          <a:xfrm>
+            <a:off x="107505" y="6093296"/>
+            <a:ext cx="2232247" cy="646331"/>
+          </a:xfrm>
+          <a:prstGeom prst="rect">
+            <a:avLst/>
+          </a:prstGeom>
+          <a:ln>
+            <a:solidFill>
+              <a:schemeClr val="bg1"/>
+            </a:solidFill>
+          </a:ln>
+        </p:spPr>
+        <p:style>
+          <a:lnRef idx="2">
+            <a:schemeClr val="dk1"/>
+          </a:lnRef>
+          <a:fillRef idx="1">
+            <a:schemeClr val="lt1"/>
+          </a:fillRef>
+          <a:effectRef idx="0">
+            <a:schemeClr val="dk1"/>
+          </a:effectRef>
+          <a:fontRef idx="minor">
+            <a:schemeClr val="dk1"/>
+          </a:fontRef>
+        </p:style>
+        <p:txBody>
+          <a:bodyPr rtlCol="0" anchor="ctr"/>
+          <a:lstStyle/>
+          <a:p>
+            <a:pPr algn="ctr"/>
+            <a:endParaRPr lang="de-DE"/>
+          </a:p>
+        </p:txBody>
+      </p:sp>
+      <p:pic>
+        <p:nvPicPr>
+          <p:cNvPr id="10" name="Picture 9">
+            <a:extLst>
+              <a:ext uri="{FF2B5EF4-FFF2-40B4-BE49-F238E27FC236}">
+                <a16:creationId xmlns:a16="http://schemas.microsoft.com/office/drawing/2014/main" id="{41D9A71D-605F-174F-AD72-E633974AD1CE}"/>
+              </a:ext>
+            </a:extLst>
+          </p:cNvPr>
+          <p:cNvPicPr>
+            <a:picLocks noChangeAspect="1"/>
+          </p:cNvPicPr>
+          <p:nvPr/>
+        </p:nvPicPr>
+        <p:blipFill>
+          <a:blip r:embed="rId3">
+            <a:extLst>
+              <a:ext uri="{28A0092B-C50C-407E-A947-70E740481C1C}">
+                <a14:useLocalDpi xmlns:a14="http://schemas.microsoft.com/office/drawing/2010/main" val="0"/>
+              </a:ext>
+            </a:extLst>
+          </a:blip>
+          <a:stretch>
+            <a:fillRect/>
+          </a:stretch>
+        </p:blipFill>
+        <p:spPr>
+          <a:xfrm>
+            <a:off x="818710" y="1064722"/>
+            <a:ext cx="7506580" cy="4728555"/>
+          </a:xfrm>
+          <a:prstGeom prst="rect">
+            <a:avLst/>
+          </a:prstGeom>
+        </p:spPr>
+      </p:pic>
+    </p:spTree>
+    <p:extLst>
+      <p:ext uri="{BB962C8B-B14F-4D97-AF65-F5344CB8AC3E}">
+        <p14:creationId xmlns:p14="http://schemas.microsoft.com/office/powerpoint/2010/main" val="3278179072"/>
+      </p:ext>
+    </p:extLst>
+  </p:cSld>
+  <p:clrMapOvr>
+    <a:masterClrMapping/>
+  </p:clrMapOvr>
+</p:sld>
+</file>
+
+<file path=ppt/slides/slide11.xml><?xml version="1.0" encoding="utf-8"?>
+<p:sld xmlns:a="http://schemas.openxmlformats.org/drawingml/2006/main" xmlns:r="http://schemas.openxmlformats.org/officeDocument/2006/relationships" xmlns:p="http://schemas.openxmlformats.org/presentationml/2006/main">
+  <p:cSld>
+    <p:spTree>
+      <p:nvGrpSpPr>
+        <p:cNvPr id="1" name=""/>
+        <p:cNvGrpSpPr/>
+        <p:nvPr/>
+      </p:nvGrpSpPr>
+      <p:grpSpPr>
+        <a:xfrm>
+          <a:off x="0" y="0"/>
+          <a:ext cx="0" cy="0"/>
+          <a:chOff x="0" y="0"/>
+          <a:chExt cx="0" cy="0"/>
+        </a:xfrm>
+      </p:grpSpPr>
+      <p:sp>
+        <p:nvSpPr>
+          <p:cNvPr id="8194" name="Rectangle 2"/>
+          <p:cNvSpPr>
+            <a:spLocks noGrp="1" noChangeArrowheads="1"/>
+          </p:cNvSpPr>
+          <p:nvPr>
+            <p:ph type="title"/>
+          </p:nvPr>
+        </p:nvSpPr>
+        <p:spPr>
+          <a:xfrm>
+            <a:off x="467544" y="44624"/>
+            <a:ext cx="8676456" cy="761999"/>
+          </a:xfrm>
+        </p:spPr>
+        <p:txBody>
+          <a:bodyPr anchor="ctr"/>
+          <a:lstStyle/>
+          <a:p>
+            <a:r>
+              <a:rPr lang="en-GB" sz="2400" dirty="0" err="1">
+                <a:latin typeface="Helvetica" pitchFamily="2" charset="0"/>
+              </a:rPr>
+              <a:t>Ergebnisse</a:t>
+            </a:r>
+            <a:r>
+              <a:rPr lang="en-GB" sz="2400" dirty="0">
+                <a:latin typeface="Helvetica" pitchFamily="2" charset="0"/>
+              </a:rPr>
+              <a:t> der </a:t>
+            </a:r>
+            <a:r>
+              <a:rPr lang="en-GB" sz="2400" dirty="0" err="1">
+                <a:latin typeface="Helvetica" pitchFamily="2" charset="0"/>
+              </a:rPr>
+              <a:t>Schätzung</a:t>
+            </a:r>
+            <a:r>
+              <a:rPr lang="en-GB" sz="2400" dirty="0">
+                <a:latin typeface="Helvetica" pitchFamily="2" charset="0"/>
+              </a:rPr>
+              <a:t> </a:t>
+            </a:r>
+            <a:r>
+              <a:rPr lang="en-GB" sz="2400" dirty="0" err="1">
+                <a:latin typeface="Helvetica" pitchFamily="2" charset="0"/>
+              </a:rPr>
+              <a:t>einer</a:t>
+            </a:r>
+            <a:r>
+              <a:rPr lang="en-GB" sz="2400" dirty="0">
+                <a:latin typeface="Helvetica" pitchFamily="2" charset="0"/>
+              </a:rPr>
+              <a:t> SVM (MAPE je </a:t>
+            </a:r>
+            <a:r>
+              <a:rPr lang="en-GB" sz="2400" dirty="0" err="1">
+                <a:latin typeface="Helvetica" pitchFamily="2" charset="0"/>
+              </a:rPr>
+              <a:t>Warengruppe</a:t>
+            </a:r>
+            <a:r>
+              <a:rPr lang="en-GB" sz="2400" dirty="0">
+                <a:latin typeface="Helvetica" pitchFamily="2" charset="0"/>
+              </a:rPr>
+              <a:t> und </a:t>
+            </a:r>
+            <a:r>
+              <a:rPr lang="en-GB" sz="2400" dirty="0" err="1">
+                <a:latin typeface="Helvetica" pitchFamily="2" charset="0"/>
+              </a:rPr>
+              <a:t>Warengruppenumsätze</a:t>
+            </a:r>
+            <a:r>
+              <a:rPr lang="en-GB" sz="2400" dirty="0">
+                <a:latin typeface="Helvetica" pitchFamily="2" charset="0"/>
+              </a:rPr>
+              <a:t> </a:t>
+            </a:r>
+            <a:r>
+              <a:rPr lang="en-GB" sz="2400" dirty="0" err="1">
+                <a:latin typeface="Helvetica" pitchFamily="2" charset="0"/>
+              </a:rPr>
+              <a:t>für</a:t>
+            </a:r>
+            <a:r>
+              <a:rPr lang="en-GB" sz="2400" dirty="0">
+                <a:latin typeface="Helvetica" pitchFamily="2" charset="0"/>
+              </a:rPr>
+              <a:t> den 04.06.2019)</a:t>
+            </a:r>
+            <a:endParaRPr lang="en-GB" dirty="0">
+              <a:latin typeface="Helvetica" pitchFamily="2" charset="0"/>
+            </a:endParaRPr>
+          </a:p>
+        </p:txBody>
+      </p:sp>
+      <p:sp>
+        <p:nvSpPr>
+          <p:cNvPr id="3" name="Foliennummernplatzhalter 2">
+            <a:extLst>
+              <a:ext uri="{FF2B5EF4-FFF2-40B4-BE49-F238E27FC236}">
+                <a16:creationId xmlns:a16="http://schemas.microsoft.com/office/drawing/2014/main" id="{356532F3-A40E-3544-BC28-367FA2E6B194}"/>
+              </a:ext>
+            </a:extLst>
+          </p:cNvPr>
+          <p:cNvSpPr>
+            <a:spLocks noGrp="1"/>
+          </p:cNvSpPr>
+          <p:nvPr>
+            <p:ph type="sldNum" sz="quarter" idx="12"/>
+          </p:nvPr>
+        </p:nvSpPr>
+        <p:spPr/>
+        <p:txBody>
+          <a:bodyPr/>
+          <a:lstStyle/>
+          <a:p>
+            <a:fld id="{DEED8D61-E8B6-E041-9D61-71A033DF76C2}" type="slidenum">
+              <a:rPr lang="de-DE" smtClean="0"/>
+              <a:pPr/>
+              <a:t>11</a:t>
+            </a:fld>
+            <a:endParaRPr lang="de-DE" dirty="0"/>
+          </a:p>
+        </p:txBody>
+      </p:sp>
+      <p:sp>
+        <p:nvSpPr>
+          <p:cNvPr id="2" name="Fußzeilenplatzhalter 1">
+            <a:extLst>
+              <a:ext uri="{FF2B5EF4-FFF2-40B4-BE49-F238E27FC236}">
+                <a16:creationId xmlns:a16="http://schemas.microsoft.com/office/drawing/2014/main" id="{1DC7A913-4F53-6346-8764-129A4373CFF4}"/>
+              </a:ext>
+            </a:extLst>
+          </p:cNvPr>
+          <p:cNvSpPr>
+            <a:spLocks noGrp="1"/>
+          </p:cNvSpPr>
+          <p:nvPr>
+            <p:ph type="ftr" sz="quarter" idx="11"/>
+          </p:nvPr>
+        </p:nvSpPr>
+        <p:spPr>
+          <a:xfrm>
+            <a:off x="2483768" y="6251510"/>
+            <a:ext cx="4081964" cy="365125"/>
+          </a:xfrm>
+        </p:spPr>
+        <p:txBody>
+          <a:bodyPr/>
+          <a:lstStyle/>
+          <a:p>
+            <a:endParaRPr lang="de-DE" sz="1400" dirty="0"/>
+          </a:p>
+        </p:txBody>
+      </p:sp>
+      <p:sp>
+        <p:nvSpPr>
+          <p:cNvPr id="8" name="Rechteck 4">
+            <a:extLst>
+              <a:ext uri="{FF2B5EF4-FFF2-40B4-BE49-F238E27FC236}">
+                <a16:creationId xmlns:a16="http://schemas.microsoft.com/office/drawing/2014/main" id="{1D0BF8D9-AC0F-F142-9C26-205384427EA2}"/>
+              </a:ext>
+            </a:extLst>
+          </p:cNvPr>
+          <p:cNvSpPr/>
+          <p:nvPr/>
+        </p:nvSpPr>
+        <p:spPr>
+          <a:xfrm>
+            <a:off x="107505" y="6093296"/>
+            <a:ext cx="2232247" cy="646331"/>
+          </a:xfrm>
+          <a:prstGeom prst="rect">
+            <a:avLst/>
+          </a:prstGeom>
+          <a:ln>
+            <a:solidFill>
+              <a:schemeClr val="bg1"/>
+            </a:solidFill>
+          </a:ln>
+        </p:spPr>
+        <p:style>
+          <a:lnRef idx="2">
+            <a:schemeClr val="dk1"/>
+          </a:lnRef>
+          <a:fillRef idx="1">
+            <a:schemeClr val="lt1"/>
+          </a:fillRef>
+          <a:effectRef idx="0">
+            <a:schemeClr val="dk1"/>
+          </a:effectRef>
+          <a:fontRef idx="minor">
+            <a:schemeClr val="dk1"/>
+          </a:fontRef>
+        </p:style>
+        <p:txBody>
+          <a:bodyPr rtlCol="0" anchor="ctr"/>
+          <a:lstStyle/>
+          <a:p>
+            <a:pPr algn="ctr"/>
+            <a:endParaRPr lang="de-DE"/>
+          </a:p>
+        </p:txBody>
+      </p:sp>
+    </p:spTree>
+    <p:extLst>
+      <p:ext uri="{BB962C8B-B14F-4D97-AF65-F5344CB8AC3E}">
+        <p14:creationId xmlns:p14="http://schemas.microsoft.com/office/powerpoint/2010/main" val="112424630"/>
+      </p:ext>
+    </p:extLst>
+  </p:cSld>
+  <p:clrMapOvr>
+    <a:masterClrMapping/>
+  </p:clrMapOvr>
+</p:sld>
+</file>
+
+<file path=ppt/slides/slide12.xml><?xml version="1.0" encoding="utf-8"?>
+<p:sld xmlns:a="http://schemas.openxmlformats.org/drawingml/2006/main" xmlns:r="http://schemas.openxmlformats.org/officeDocument/2006/relationships" xmlns:p="http://schemas.openxmlformats.org/presentationml/2006/main">
+  <p:cSld>
+    <p:spTree>
+      <p:nvGrpSpPr>
+        <p:cNvPr id="1" name=""/>
+        <p:cNvGrpSpPr/>
+        <p:nvPr/>
+      </p:nvGrpSpPr>
+      <p:grpSpPr>
+        <a:xfrm>
+          <a:off x="0" y="0"/>
+          <a:ext cx="0" cy="0"/>
+          <a:chOff x="0" y="0"/>
+          <a:chExt cx="0" cy="0"/>
+        </a:xfrm>
+      </p:grpSpPr>
+      <p:sp>
+        <p:nvSpPr>
+          <p:cNvPr id="8194" name="Rectangle 2"/>
+          <p:cNvSpPr>
+            <a:spLocks noGrp="1" noChangeArrowheads="1"/>
+          </p:cNvSpPr>
+          <p:nvPr>
+            <p:ph type="title"/>
+          </p:nvPr>
+        </p:nvSpPr>
+        <p:spPr>
+          <a:xfrm>
+            <a:off x="323528" y="44624"/>
+            <a:ext cx="8496944" cy="761999"/>
+          </a:xfrm>
+        </p:spPr>
+        <p:txBody>
+          <a:bodyPr anchor="ctr"/>
+          <a:lstStyle/>
+          <a:p>
+            <a:r>
+              <a:rPr lang="en-GB" sz="2000" dirty="0" err="1">
+                <a:latin typeface="Helvetica" pitchFamily="2" charset="0"/>
+              </a:rPr>
+              <a:t>Ergebnisse</a:t>
+            </a:r>
+            <a:r>
+              <a:rPr lang="en-GB" sz="2000" dirty="0">
+                <a:latin typeface="Helvetica" pitchFamily="2" charset="0"/>
+              </a:rPr>
+              <a:t> der </a:t>
+            </a:r>
+            <a:r>
+              <a:rPr lang="en-GB" sz="2000" dirty="0" err="1">
+                <a:latin typeface="Helvetica" pitchFamily="2" charset="0"/>
+              </a:rPr>
+              <a:t>Schätzung</a:t>
+            </a:r>
+            <a:r>
+              <a:rPr lang="en-GB" sz="2000" dirty="0">
+                <a:latin typeface="Helvetica" pitchFamily="2" charset="0"/>
+              </a:rPr>
+              <a:t> </a:t>
+            </a:r>
+            <a:r>
+              <a:rPr lang="en-GB" sz="2000" dirty="0" err="1">
+                <a:latin typeface="Helvetica" pitchFamily="2" charset="0"/>
+              </a:rPr>
+              <a:t>eines</a:t>
+            </a:r>
+            <a:r>
+              <a:rPr lang="en-GB" sz="2000" dirty="0">
+                <a:latin typeface="Helvetica" pitchFamily="2" charset="0"/>
+              </a:rPr>
+              <a:t> </a:t>
+            </a:r>
+            <a:r>
+              <a:rPr lang="en-GB" sz="2000" dirty="0" err="1">
+                <a:latin typeface="Helvetica" pitchFamily="2" charset="0"/>
+              </a:rPr>
+              <a:t>neuronalen</a:t>
+            </a:r>
+            <a:r>
+              <a:rPr lang="en-GB" sz="2000" dirty="0">
+                <a:latin typeface="Helvetica" pitchFamily="2" charset="0"/>
+              </a:rPr>
+              <a:t> </a:t>
+            </a:r>
+            <a:r>
+              <a:rPr lang="en-GB" sz="2000" dirty="0" err="1">
+                <a:latin typeface="Helvetica" pitchFamily="2" charset="0"/>
+              </a:rPr>
+              <a:t>Netzes</a:t>
+            </a:r>
+            <a:r>
+              <a:rPr lang="en-GB" sz="2000" dirty="0">
+                <a:latin typeface="Helvetica" pitchFamily="2" charset="0"/>
+              </a:rPr>
+              <a:t> (MAPE je </a:t>
+            </a:r>
+            <a:r>
+              <a:rPr lang="en-GB" sz="2000" dirty="0" err="1">
+                <a:latin typeface="Helvetica" pitchFamily="2" charset="0"/>
+              </a:rPr>
+              <a:t>Warengruppe</a:t>
+            </a:r>
+            <a:r>
+              <a:rPr lang="en-GB" sz="2000" dirty="0">
+                <a:latin typeface="Helvetica" pitchFamily="2" charset="0"/>
+              </a:rPr>
+              <a:t> und </a:t>
+            </a:r>
+            <a:r>
+              <a:rPr lang="en-GB" sz="2000" dirty="0" err="1">
+                <a:latin typeface="Helvetica" pitchFamily="2" charset="0"/>
+              </a:rPr>
+              <a:t>Warengruppenumsätze</a:t>
+            </a:r>
+            <a:r>
+              <a:rPr lang="en-GB" sz="2000" dirty="0">
+                <a:latin typeface="Helvetica" pitchFamily="2" charset="0"/>
+              </a:rPr>
+              <a:t> </a:t>
+            </a:r>
+            <a:r>
+              <a:rPr lang="en-GB" sz="2000" dirty="0" err="1">
+                <a:latin typeface="Helvetica" pitchFamily="2" charset="0"/>
+              </a:rPr>
+              <a:t>für</a:t>
+            </a:r>
+            <a:r>
+              <a:rPr lang="en-GB" sz="2000" dirty="0">
+                <a:latin typeface="Helvetica" pitchFamily="2" charset="0"/>
+              </a:rPr>
+              <a:t> den 04.06.2019)</a:t>
+            </a:r>
+          </a:p>
+        </p:txBody>
+      </p:sp>
+      <p:sp>
+        <p:nvSpPr>
+          <p:cNvPr id="3" name="Foliennummernplatzhalter 2">
+            <a:extLst>
+              <a:ext uri="{FF2B5EF4-FFF2-40B4-BE49-F238E27FC236}">
+                <a16:creationId xmlns:a16="http://schemas.microsoft.com/office/drawing/2014/main" id="{356532F3-A40E-3544-BC28-367FA2E6B194}"/>
+              </a:ext>
+            </a:extLst>
+          </p:cNvPr>
+          <p:cNvSpPr>
+            <a:spLocks noGrp="1"/>
+          </p:cNvSpPr>
+          <p:nvPr>
+            <p:ph type="sldNum" sz="quarter" idx="12"/>
+          </p:nvPr>
+        </p:nvSpPr>
+        <p:spPr/>
+        <p:txBody>
+          <a:bodyPr/>
+          <a:lstStyle/>
+          <a:p>
+            <a:fld id="{DEED8D61-E8B6-E041-9D61-71A033DF76C2}" type="slidenum">
+              <a:rPr lang="de-DE" smtClean="0"/>
+              <a:pPr/>
+              <a:t>12</a:t>
+            </a:fld>
+            <a:endParaRPr lang="de-DE" dirty="0"/>
+          </a:p>
+        </p:txBody>
+      </p:sp>
+      <p:sp>
+        <p:nvSpPr>
+          <p:cNvPr id="2" name="Fußzeilenplatzhalter 1">
+            <a:extLst>
+              <a:ext uri="{FF2B5EF4-FFF2-40B4-BE49-F238E27FC236}">
+                <a16:creationId xmlns:a16="http://schemas.microsoft.com/office/drawing/2014/main" id="{1DC7A913-4F53-6346-8764-129A4373CFF4}"/>
+              </a:ext>
+            </a:extLst>
+          </p:cNvPr>
+          <p:cNvSpPr>
+            <a:spLocks noGrp="1"/>
+          </p:cNvSpPr>
+          <p:nvPr>
+            <p:ph type="ftr" sz="quarter" idx="11"/>
+          </p:nvPr>
+        </p:nvSpPr>
+        <p:spPr>
+          <a:xfrm>
+            <a:off x="2483768" y="6251510"/>
+            <a:ext cx="4081964" cy="365125"/>
+          </a:xfrm>
+        </p:spPr>
+        <p:txBody>
+          <a:bodyPr/>
+          <a:lstStyle/>
+          <a:p>
+            <a:endParaRPr lang="de-DE" sz="1400" dirty="0"/>
+          </a:p>
+        </p:txBody>
+      </p:sp>
+      <p:sp>
+        <p:nvSpPr>
+          <p:cNvPr id="8" name="Rechteck 4">
+            <a:extLst>
+              <a:ext uri="{FF2B5EF4-FFF2-40B4-BE49-F238E27FC236}">
+                <a16:creationId xmlns:a16="http://schemas.microsoft.com/office/drawing/2014/main" id="{1D0BF8D9-AC0F-F142-9C26-205384427EA2}"/>
+              </a:ext>
+            </a:extLst>
+          </p:cNvPr>
+          <p:cNvSpPr/>
+          <p:nvPr/>
+        </p:nvSpPr>
+        <p:spPr>
+          <a:xfrm>
+            <a:off x="107505" y="6093296"/>
+            <a:ext cx="2232247" cy="646331"/>
+          </a:xfrm>
+          <a:prstGeom prst="rect">
+            <a:avLst/>
+          </a:prstGeom>
+          <a:ln>
+            <a:solidFill>
+              <a:schemeClr val="bg1"/>
+            </a:solidFill>
+          </a:ln>
+        </p:spPr>
+        <p:style>
+          <a:lnRef idx="2">
+            <a:schemeClr val="dk1"/>
+          </a:lnRef>
+          <a:fillRef idx="1">
+            <a:schemeClr val="lt1"/>
+          </a:fillRef>
+          <a:effectRef idx="0">
+            <a:schemeClr val="dk1"/>
+          </a:effectRef>
+          <a:fontRef idx="minor">
+            <a:schemeClr val="dk1"/>
+          </a:fontRef>
+        </p:style>
+        <p:txBody>
+          <a:bodyPr rtlCol="0" anchor="ctr"/>
+          <a:lstStyle/>
+          <a:p>
+            <a:pPr algn="ctr"/>
+            <a:endParaRPr lang="de-DE"/>
+          </a:p>
+        </p:txBody>
+      </p:sp>
+    </p:spTree>
+    <p:extLst>
+      <p:ext uri="{BB962C8B-B14F-4D97-AF65-F5344CB8AC3E}">
+        <p14:creationId xmlns:p14="http://schemas.microsoft.com/office/powerpoint/2010/main" val="1598717745"/>
+      </p:ext>
+    </p:extLst>
+  </p:cSld>
+  <p:clrMapOvr>
+    <a:masterClrMapping/>
+  </p:clrMapOvr>
+</p:sld>
+</file>
+
+<file path=ppt/slides/slide13.xml><?xml version="1.0" encoding="utf-8"?>
+<p:sld xmlns:a="http://schemas.openxmlformats.org/drawingml/2006/main" xmlns:r="http://schemas.openxmlformats.org/officeDocument/2006/relationships" xmlns:p="http://schemas.openxmlformats.org/presentationml/2006/main">
+  <p:cSld>
+    <p:spTree>
+      <p:nvGrpSpPr>
+        <p:cNvPr id="1" name=""/>
+        <p:cNvGrpSpPr/>
+        <p:nvPr/>
+      </p:nvGrpSpPr>
+      <p:grpSpPr>
+        <a:xfrm>
+          <a:off x="0" y="0"/>
+          <a:ext cx="0" cy="0"/>
+          <a:chOff x="0" y="0"/>
+          <a:chExt cx="0" cy="0"/>
+        </a:xfrm>
+      </p:grpSpPr>
+      <p:sp>
+        <p:nvSpPr>
+          <p:cNvPr id="8194" name="Rectangle 2"/>
+          <p:cNvSpPr>
+            <a:spLocks noGrp="1" noChangeArrowheads="1"/>
+          </p:cNvSpPr>
+          <p:nvPr>
+            <p:ph type="title"/>
+          </p:nvPr>
+        </p:nvSpPr>
+        <p:spPr>
+          <a:xfrm>
             <a:off x="899592" y="44624"/>
             <a:ext cx="7920880" cy="761999"/>
           </a:xfrm>
@@ -5356,12 +6160,23 @@
           <a:bodyPr anchor="ctr"/>
           <a:lstStyle/>
           <a:p>
-            <a:pPr algn="l">
-              <a:defRPr/>
-            </a:pPr>
-            <a:r>
-              <a:rPr lang="en-GB" dirty="0"/>
-              <a:t>xx</a:t>
+            <a:r>
+              <a:rPr lang="en-GB" sz="2800" dirty="0"/>
+              <a:t>Link </a:t>
+            </a:r>
+            <a:r>
+              <a:rPr lang="en-GB" sz="2800" dirty="0" err="1"/>
+              <a:t>zum</a:t>
+            </a:r>
+            <a:r>
+              <a:rPr lang="en-GB" sz="2800" dirty="0"/>
+              <a:t> </a:t>
+            </a:r>
+            <a:r>
+              <a:rPr lang="en-GB" dirty="0">
+                <a:latin typeface="Helvetica" pitchFamily="2" charset="0"/>
+              </a:rPr>
+              <a:t>Repository</a:t>
             </a:r>
             <a:endParaRPr lang="de-DE" dirty="0">
               <a:solidFill>
@@ -5398,7 +6213,278 @@
             <a:fld id="{DEED8D61-E8B6-E041-9D61-71A033DF76C2}" type="slidenum">
               <a:rPr lang="de-DE" smtClean="0"/>
               <a:pPr/>
-              <a:t>10</a:t>
+              <a:t>13</a:t>
+            </a:fld>
+            <a:endParaRPr lang="de-DE" dirty="0"/>
+          </a:p>
+        </p:txBody>
+      </p:sp>
+      <p:sp>
+        <p:nvSpPr>
+          <p:cNvPr id="2" name="Fußzeilenplatzhalter 1">
+            <a:extLst>
+              <a:ext uri="{FF2B5EF4-FFF2-40B4-BE49-F238E27FC236}">
+                <a16:creationId xmlns:a16="http://schemas.microsoft.com/office/drawing/2014/main" id="{1DC7A913-4F53-6346-8764-129A4373CFF4}"/>
+              </a:ext>
+            </a:extLst>
+          </p:cNvPr>
+          <p:cNvSpPr>
+            <a:spLocks noGrp="1"/>
+          </p:cNvSpPr>
+          <p:nvPr>
+            <p:ph type="ftr" sz="quarter" idx="11"/>
+          </p:nvPr>
+        </p:nvSpPr>
+        <p:spPr>
+          <a:xfrm>
+            <a:off x="2483768" y="6251510"/>
+            <a:ext cx="4081964" cy="365125"/>
+          </a:xfrm>
+        </p:spPr>
+        <p:txBody>
+          <a:bodyPr/>
+          <a:lstStyle/>
+          <a:p>
+            <a:endParaRPr lang="de-DE" sz="1400" dirty="0"/>
+          </a:p>
+        </p:txBody>
+      </p:sp>
+      <p:sp>
+        <p:nvSpPr>
+          <p:cNvPr id="8" name="Rechteck 4">
+            <a:extLst>
+              <a:ext uri="{FF2B5EF4-FFF2-40B4-BE49-F238E27FC236}">
+                <a16:creationId xmlns:a16="http://schemas.microsoft.com/office/drawing/2014/main" id="{1D0BF8D9-AC0F-F142-9C26-205384427EA2}"/>
+              </a:ext>
+            </a:extLst>
+          </p:cNvPr>
+          <p:cNvSpPr/>
+          <p:nvPr/>
+        </p:nvSpPr>
+        <p:spPr>
+          <a:xfrm>
+            <a:off x="107505" y="6093296"/>
+            <a:ext cx="2232247" cy="646331"/>
+          </a:xfrm>
+          <a:prstGeom prst="rect">
+            <a:avLst/>
+          </a:prstGeom>
+          <a:ln>
+            <a:solidFill>
+              <a:schemeClr val="bg1"/>
+            </a:solidFill>
+          </a:ln>
+        </p:spPr>
+        <p:style>
+          <a:lnRef idx="2">
+            <a:schemeClr val="dk1"/>
+          </a:lnRef>
+          <a:fillRef idx="1">
+            <a:schemeClr val="lt1"/>
+          </a:fillRef>
+          <a:effectRef idx="0">
+            <a:schemeClr val="dk1"/>
+          </a:effectRef>
+          <a:fontRef idx="minor">
+            <a:schemeClr val="dk1"/>
+          </a:fontRef>
+        </p:style>
+        <p:txBody>
+          <a:bodyPr rtlCol="0" anchor="ctr"/>
+          <a:lstStyle/>
+          <a:p>
+            <a:pPr algn="ctr"/>
+            <a:endParaRPr lang="de-DE"/>
+          </a:p>
+        </p:txBody>
+      </p:sp>
+      <p:sp>
+        <p:nvSpPr>
+          <p:cNvPr id="4" name="Rectangle 3">
+            <a:extLst>
+              <a:ext uri="{FF2B5EF4-FFF2-40B4-BE49-F238E27FC236}">
+                <a16:creationId xmlns:a16="http://schemas.microsoft.com/office/drawing/2014/main" id="{84893198-39A3-8746-AB99-C55A25DC00B6}"/>
+              </a:ext>
+            </a:extLst>
+          </p:cNvPr>
+          <p:cNvSpPr/>
+          <p:nvPr/>
+        </p:nvSpPr>
+        <p:spPr>
+          <a:xfrm>
+            <a:off x="2286000" y="2828836"/>
+            <a:ext cx="4572000" cy="1200329"/>
+          </a:xfrm>
+          <a:prstGeom prst="rect">
+            <a:avLst/>
+          </a:prstGeom>
+        </p:spPr>
+        <p:txBody>
+          <a:bodyPr>
+            <a:spAutoFit/>
+          </a:bodyPr>
+          <a:lstStyle/>
+          <a:p>
+            <a:r>
+              <a:rPr lang="en-GB" dirty="0" err="1">
+                <a:latin typeface="Helvetica" pitchFamily="2" charset="0"/>
+              </a:rPr>
+              <a:t>mit</a:t>
+            </a:r>
+            <a:r>
+              <a:rPr lang="en-GB" dirty="0">
+                <a:latin typeface="Helvetica" pitchFamily="2" charset="0"/>
+              </a:rPr>
+              <a:t>:</a:t>
+            </a:r>
+            <a:br>
+              <a:rPr lang="en-GB" dirty="0">
+                <a:latin typeface="Helvetica" pitchFamily="2" charset="0"/>
+              </a:rPr>
+            </a:br>
+            <a:r>
+              <a:rPr lang="en-GB" dirty="0">
+                <a:latin typeface="Helvetica" pitchFamily="2" charset="0"/>
+              </a:rPr>
+              <a:t>• </a:t>
+            </a:r>
+            <a:r>
+              <a:rPr lang="en-GB" dirty="0" err="1">
+                <a:latin typeface="Helvetica" pitchFamily="2" charset="0"/>
+              </a:rPr>
+              <a:t>Datensatz</a:t>
+            </a:r>
+            <a:br>
+              <a:rPr lang="en-GB" dirty="0">
+                <a:latin typeface="Helvetica" pitchFamily="2" charset="0"/>
+              </a:rPr>
+            </a:br>
+            <a:r>
+              <a:rPr lang="en-GB" dirty="0">
+                <a:latin typeface="Helvetica" pitchFamily="2" charset="0"/>
+              </a:rPr>
+              <a:t>• </a:t>
+            </a:r>
+            <a:r>
+              <a:rPr lang="en-GB" dirty="0" err="1">
+                <a:latin typeface="Helvetica" pitchFamily="2" charset="0"/>
+              </a:rPr>
+              <a:t>Programmcode</a:t>
+            </a:r>
+            <a:br>
+              <a:rPr lang="en-GB" dirty="0">
+                <a:latin typeface="Helvetica" pitchFamily="2" charset="0"/>
+              </a:rPr>
+            </a:br>
+            <a:r>
+              <a:rPr lang="en-GB" dirty="0">
+                <a:latin typeface="Helvetica" pitchFamily="2" charset="0"/>
+              </a:rPr>
+              <a:t>• </a:t>
+            </a:r>
+            <a:r>
+              <a:rPr lang="en-GB" dirty="0" err="1">
+                <a:latin typeface="Helvetica" pitchFamily="2" charset="0"/>
+              </a:rPr>
+              <a:t>Präsentation</a:t>
+            </a:r>
+            <a:endParaRPr lang="en-AU" dirty="0"/>
+          </a:p>
+        </p:txBody>
+      </p:sp>
+    </p:spTree>
+    <p:extLst>
+      <p:ext uri="{BB962C8B-B14F-4D97-AF65-F5344CB8AC3E}">
+        <p14:creationId xmlns:p14="http://schemas.microsoft.com/office/powerpoint/2010/main" val="3688979529"/>
+      </p:ext>
+    </p:extLst>
+  </p:cSld>
+  <p:clrMapOvr>
+    <a:masterClrMapping/>
+  </p:clrMapOvr>
+</p:sld>
+</file>
+
+<file path=ppt/slides/slide14.xml><?xml version="1.0" encoding="utf-8"?>
+<p:sld xmlns:a="http://schemas.openxmlformats.org/drawingml/2006/main" xmlns:r="http://schemas.openxmlformats.org/officeDocument/2006/relationships" xmlns:p="http://schemas.openxmlformats.org/presentationml/2006/main">
+  <p:cSld>
+    <p:spTree>
+      <p:nvGrpSpPr>
+        <p:cNvPr id="1" name=""/>
+        <p:cNvGrpSpPr/>
+        <p:nvPr/>
+      </p:nvGrpSpPr>
+      <p:grpSpPr>
+        <a:xfrm>
+          <a:off x="0" y="0"/>
+          <a:ext cx="0" cy="0"/>
+          <a:chOff x="0" y="0"/>
+          <a:chExt cx="0" cy="0"/>
+        </a:xfrm>
+      </p:grpSpPr>
+      <p:sp>
+        <p:nvSpPr>
+          <p:cNvPr id="8194" name="Rectangle 2"/>
+          <p:cNvSpPr>
+            <a:spLocks noGrp="1" noChangeArrowheads="1"/>
+          </p:cNvSpPr>
+          <p:nvPr>
+            <p:ph type="title"/>
+          </p:nvPr>
+        </p:nvSpPr>
+        <p:spPr>
+          <a:xfrm>
+            <a:off x="899592" y="44624"/>
+            <a:ext cx="7920880" cy="761999"/>
+          </a:xfrm>
+        </p:spPr>
+        <p:txBody>
+          <a:bodyPr anchor="ctr"/>
+          <a:lstStyle/>
+          <a:p>
+            <a:pPr algn="l">
+              <a:defRPr/>
+            </a:pPr>
+            <a:r>
+              <a:rPr lang="en-GB" dirty="0"/>
+              <a:t>xx</a:t>
+            </a:r>
+            <a:endParaRPr lang="de-DE" dirty="0">
+              <a:solidFill>
+                <a:schemeClr val="tx1">
+                  <a:lumMod val="50000"/>
+                  <a:lumOff val="50000"/>
+                </a:schemeClr>
+              </a:solidFill>
+            </a:endParaRPr>
+          </a:p>
+        </p:txBody>
+      </p:sp>
+      <p:sp>
+        <p:nvSpPr>
+          <p:cNvPr id="3" name="Foliennummernplatzhalter 2">
+            <a:extLst>
+              <a:ext uri="{FF2B5EF4-FFF2-40B4-BE49-F238E27FC236}">
+                <a16:creationId xmlns:a16="http://schemas.microsoft.com/office/drawing/2014/main" id="{356532F3-A40E-3544-BC28-367FA2E6B194}"/>
+              </a:ext>
+            </a:extLst>
+          </p:cNvPr>
+          <p:cNvSpPr>
+            <a:spLocks noGrp="1"/>
+          </p:cNvSpPr>
+          <p:nvPr>
+            <p:ph type="sldNum" sz="quarter" idx="12"/>
+          </p:nvPr>
+        </p:nvSpPr>
+        <p:spPr/>
+        <p:txBody>
+          <a:bodyPr/>
+          <a:lstStyle/>
+          <a:p>
+            <a:fld id="{DEED8D61-E8B6-E041-9D61-71A033DF76C2}" type="slidenum">
+              <a:rPr lang="de-DE" smtClean="0"/>
+              <a:pPr/>
+              <a:t>14</a:t>
             </a:fld>
             <a:endParaRPr lang="de-DE" dirty="0"/>
           </a:p>
@@ -5462,14 +6548,14 @@
           </a:ln>
           <a:extLst>
             <a:ext uri="{909E8E84-426E-40dd-AFC4-6F175D3DCCD1}">
-              <a14:hiddenFill xmlns="" xmlns:a14="http://schemas.microsoft.com/office/drawing/2010/main" xmlns:mv="urn:schemas-microsoft-com:mac:vml" xmlns:mc="http://schemas.openxmlformats.org/markup-compatibility/2006">
+              <a14:hiddenFill xmlns:mc="http://schemas.openxmlformats.org/markup-compatibility/2006" xmlns:mv="urn:schemas-microsoft-com:mac:vml" xmlns:a14="http://schemas.microsoft.com/office/drawing/2010/main" xmlns="">
                 <a:solidFill>
                   <a:srgbClr val="FFFFFF"/>
                 </a:solidFill>
               </a14:hiddenFill>
             </a:ext>
             <a:ext uri="{91240B29-F687-4f45-9708-019B960494DF}">
-              <a14:hiddenLine xmlns="" xmlns:a14="http://schemas.microsoft.com/office/drawing/2010/main" xmlns:mv="urn:schemas-microsoft-com:mac:vml" xmlns:mc="http://schemas.openxmlformats.org/markup-compatibility/2006" w="9525">
+              <a14:hiddenLine xmlns:mc="http://schemas.openxmlformats.org/markup-compatibility/2006" xmlns:mv="urn:schemas-microsoft-com:mac:vml" xmlns:a14="http://schemas.microsoft.com/office/drawing/2010/main" xmlns="" w="9525">
                 <a:solidFill>
                   <a:srgbClr val="000000"/>
                 </a:solidFill>
@@ -5672,7 +6758,7 @@
 </p:sld>
 </file>
 
-<file path=ppt/slides/slide11.xml><?xml version="1.0" encoding="utf-8"?>
+<file path=ppt/slides/slide15.xml><?xml version="1.0" encoding="utf-8"?>
 <p:sld xmlns:a="http://schemas.openxmlformats.org/drawingml/2006/main" xmlns:r="http://schemas.openxmlformats.org/officeDocument/2006/relationships" xmlns:p="http://schemas.openxmlformats.org/presentationml/2006/main">
   <p:cSld>
     <p:spTree>
@@ -5751,7 +6837,7 @@
             <a:fld id="{DEED8D61-E8B6-E041-9D61-71A033DF76C2}" type="slidenum">
               <a:rPr lang="de-DE" smtClean="0"/>
               <a:pPr/>
-              <a:t>11</a:t>
+              <a:t>15</a:t>
             </a:fld>
             <a:endParaRPr lang="de-DE" dirty="0"/>
           </a:p>
@@ -5815,14 +6901,14 @@
           </a:ln>
           <a:extLst>
             <a:ext uri="{909E8E84-426E-40dd-AFC4-6F175D3DCCD1}">
-              <a14:hiddenFill xmlns="" xmlns:a14="http://schemas.microsoft.com/office/drawing/2010/main" xmlns:mv="urn:schemas-microsoft-com:mac:vml" xmlns:mc="http://schemas.openxmlformats.org/markup-compatibility/2006">
+              <a14:hiddenFill xmlns:mc="http://schemas.openxmlformats.org/markup-compatibility/2006" xmlns:mv="urn:schemas-microsoft-com:mac:vml" xmlns:a14="http://schemas.microsoft.com/office/drawing/2010/main" xmlns="">
                 <a:solidFill>
                   <a:srgbClr val="FFFFFF"/>
                 </a:solidFill>
               </a14:hiddenFill>
             </a:ext>
             <a:ext uri="{91240B29-F687-4f45-9708-019B960494DF}">
-              <a14:hiddenLine xmlns="" xmlns:a14="http://schemas.microsoft.com/office/drawing/2010/main" xmlns:mv="urn:schemas-microsoft-com:mac:vml" xmlns:mc="http://schemas.openxmlformats.org/markup-compatibility/2006" w="9525">
+              <a14:hiddenLine xmlns:mc="http://schemas.openxmlformats.org/markup-compatibility/2006" xmlns:mv="urn:schemas-microsoft-com:mac:vml" xmlns:a14="http://schemas.microsoft.com/office/drawing/2010/main" xmlns="" w="9525">
                 <a:solidFill>
                   <a:srgbClr val="000000"/>
                 </a:solidFill>
@@ -6025,7 +7111,7 @@
 </p:sld>
 </file>
 
-<file path=ppt/slides/slide12.xml><?xml version="1.0" encoding="utf-8"?>
+<file path=ppt/slides/slide16.xml><?xml version="1.0" encoding="utf-8"?>
 <p:sld xmlns:a="http://schemas.openxmlformats.org/drawingml/2006/main" xmlns:r="http://schemas.openxmlformats.org/officeDocument/2006/relationships" xmlns:p="http://schemas.openxmlformats.org/presentationml/2006/main">
   <p:cSld>
     <p:spTree>
@@ -6104,7 +7190,7 @@
             <a:fld id="{DEED8D61-E8B6-E041-9D61-71A033DF76C2}" type="slidenum">
               <a:rPr lang="de-DE" smtClean="0"/>
               <a:pPr/>
-              <a:t>12</a:t>
+              <a:t>16</a:t>
             </a:fld>
             <a:endParaRPr lang="de-DE" dirty="0"/>
           </a:p>
@@ -6168,14 +7254,14 @@
           </a:ln>
           <a:extLst>
             <a:ext uri="{909E8E84-426E-40dd-AFC4-6F175D3DCCD1}">
-              <a14:hiddenFill xmlns="" xmlns:a14="http://schemas.microsoft.com/office/drawing/2010/main" xmlns:mv="urn:schemas-microsoft-com:mac:vml" xmlns:mc="http://schemas.openxmlformats.org/markup-compatibility/2006">
+              <a14:hiddenFill xmlns:mc="http://schemas.openxmlformats.org/markup-compatibility/2006" xmlns:mv="urn:schemas-microsoft-com:mac:vml" xmlns:a14="http://schemas.microsoft.com/office/drawing/2010/main" xmlns="">
                 <a:solidFill>
                   <a:srgbClr val="FFFFFF"/>
                 </a:solidFill>
               </a14:hiddenFill>
             </a:ext>
             <a:ext uri="{91240B29-F687-4f45-9708-019B960494DF}">
-              <a14:hiddenLine xmlns="" xmlns:a14="http://schemas.microsoft.com/office/drawing/2010/main" xmlns:mv="urn:schemas-microsoft-com:mac:vml" xmlns:mc="http://schemas.openxmlformats.org/markup-compatibility/2006" w="9525">
+              <a14:hiddenLine xmlns:mc="http://schemas.openxmlformats.org/markup-compatibility/2006" xmlns:mv="urn:schemas-microsoft-com:mac:vml" xmlns:a14="http://schemas.microsoft.com/office/drawing/2010/main" xmlns="" w="9525">
                 <a:solidFill>
                   <a:srgbClr val="000000"/>
                 </a:solidFill>
@@ -6378,7 +7464,7 @@
 </p:sld>
 </file>
 
-<file path=ppt/slides/slide13.xml><?xml version="1.0" encoding="utf-8"?>
+<file path=ppt/slides/slide17.xml><?xml version="1.0" encoding="utf-8"?>
 <p:sld xmlns:a="http://schemas.openxmlformats.org/drawingml/2006/main" xmlns:r="http://schemas.openxmlformats.org/officeDocument/2006/relationships" xmlns:p="http://schemas.openxmlformats.org/presentationml/2006/main">
   <p:cSld>
     <p:spTree>
@@ -6497,7 +7583,7 @@
           <a:p>
             <a:fld id="{E4C261EB-623A-9444-B2C4-76BE8D04A686}" type="slidenum">
               <a:rPr lang="de-DE" smtClean="0"/>
-              <a:t>13</a:t>
+              <a:t>17</a:t>
             </a:fld>
             <a:endParaRPr lang="de-DE"/>
           </a:p>
@@ -6708,14 +7794,14 @@
           </a:ln>
           <a:extLst>
             <a:ext uri="{909E8E84-426E-40dd-AFC4-6F175D3DCCD1}">
-              <a14:hiddenFill xmlns="" xmlns:a14="http://schemas.microsoft.com/office/drawing/2010/main" xmlns:mv="urn:schemas-microsoft-com:mac:vml" xmlns:mc="http://schemas.openxmlformats.org/markup-compatibility/2006">
+              <a14:hiddenFill xmlns:mc="http://schemas.openxmlformats.org/markup-compatibility/2006" xmlns:mv="urn:schemas-microsoft-com:mac:vml" xmlns:a14="http://schemas.microsoft.com/office/drawing/2010/main" xmlns="">
                 <a:solidFill>
                   <a:srgbClr val="FFFFFF"/>
                 </a:solidFill>
               </a14:hiddenFill>
             </a:ext>
             <a:ext uri="{91240B29-F687-4f45-9708-019B960494DF}">
-              <a14:hiddenLine xmlns="" xmlns:a14="http://schemas.microsoft.com/office/drawing/2010/main" xmlns:mv="urn:schemas-microsoft-com:mac:vml" xmlns:mc="http://schemas.openxmlformats.org/markup-compatibility/2006" w="9525">
+              <a14:hiddenLine xmlns:mc="http://schemas.openxmlformats.org/markup-compatibility/2006" xmlns:mv="urn:schemas-microsoft-com:mac:vml" xmlns:a14="http://schemas.microsoft.com/office/drawing/2010/main" xmlns="" w="9525">
                 <a:solidFill>
                   <a:srgbClr val="000000"/>
                 </a:solidFill>
@@ -7663,14 +8749,14 @@
           </a:ln>
           <a:extLst>
             <a:ext uri="{909E8E84-426E-40dd-AFC4-6F175D3DCCD1}">
-              <a14:hiddenFill xmlns="" xmlns:a14="http://schemas.microsoft.com/office/drawing/2010/main" xmlns:mv="urn:schemas-microsoft-com:mac:vml" xmlns:mc="http://schemas.openxmlformats.org/markup-compatibility/2006">
+              <a14:hiddenFill xmlns:mc="http://schemas.openxmlformats.org/markup-compatibility/2006" xmlns:mv="urn:schemas-microsoft-com:mac:vml" xmlns:a14="http://schemas.microsoft.com/office/drawing/2010/main" xmlns="">
                 <a:solidFill>
                   <a:srgbClr val="FFFFFF"/>
                 </a:solidFill>
               </a14:hiddenFill>
             </a:ext>
             <a:ext uri="{91240B29-F687-4f45-9708-019B960494DF}">
-              <a14:hiddenLine xmlns="" xmlns:a14="http://schemas.microsoft.com/office/drawing/2010/main" xmlns:mv="urn:schemas-microsoft-com:mac:vml" xmlns:mc="http://schemas.openxmlformats.org/markup-compatibility/2006" w="9525">
+              <a14:hiddenLine xmlns:mc="http://schemas.openxmlformats.org/markup-compatibility/2006" xmlns:mv="urn:schemas-microsoft-com:mac:vml" xmlns:a14="http://schemas.microsoft.com/office/drawing/2010/main" xmlns="" w="9525">
                 <a:solidFill>
                   <a:srgbClr val="000000"/>
                 </a:solidFill>
@@ -8633,14 +9719,14 @@
           </a:ln>
           <a:extLst>
             <a:ext uri="{909E8E84-426E-40dd-AFC4-6F175D3DCCD1}">
-              <a14:hiddenFill xmlns="" xmlns:a14="http://schemas.microsoft.com/office/drawing/2010/main" xmlns:mv="urn:schemas-microsoft-com:mac:vml" xmlns:mc="http://schemas.openxmlformats.org/markup-compatibility/2006">
+              <a14:hiddenFill xmlns:mc="http://schemas.openxmlformats.org/markup-compatibility/2006" xmlns:mv="urn:schemas-microsoft-com:mac:vml" xmlns:a14="http://schemas.microsoft.com/office/drawing/2010/main" xmlns="">
                 <a:solidFill>
                   <a:srgbClr val="FFFFFF"/>
                 </a:solidFill>
               </a14:hiddenFill>
             </a:ext>
             <a:ext uri="{91240B29-F687-4f45-9708-019B960494DF}">
-              <a14:hiddenLine xmlns="" xmlns:a14="http://schemas.microsoft.com/office/drawing/2010/main" xmlns:mv="urn:schemas-microsoft-com:mac:vml" xmlns:mc="http://schemas.openxmlformats.org/markup-compatibility/2006" w="9525">
+              <a14:hiddenLine xmlns:mc="http://schemas.openxmlformats.org/markup-compatibility/2006" xmlns:mv="urn:schemas-microsoft-com:mac:vml" xmlns:a14="http://schemas.microsoft.com/office/drawing/2010/main" xmlns="" w="9525">
                 <a:solidFill>
                   <a:srgbClr val="000000"/>
                 </a:solidFill>
@@ -9448,140 +10534,35 @@
       </p:grpSpPr>
       <p:sp>
         <p:nvSpPr>
-          <p:cNvPr id="8194" name="Rectangle 2"/>
-          <p:cNvSpPr>
-            <a:spLocks noGrp="1" noChangeArrowheads="1"/>
-          </p:cNvSpPr>
-          <p:nvPr>
-            <p:ph type="title"/>
-          </p:nvPr>
-        </p:nvSpPr>
-        <p:spPr>
-          <a:xfrm>
-            <a:off x="107505" y="44624"/>
-            <a:ext cx="9000999" cy="761999"/>
-          </a:xfrm>
-        </p:spPr>
-        <p:txBody>
-          <a:bodyPr anchor="ctr"/>
-          <a:lstStyle/>
-          <a:p>
-            <a:pPr>
-              <a:defRPr/>
-            </a:pPr>
-            <a:r>
-              <a:rPr lang="en-GB" sz="2400" dirty="0" err="1">
-                <a:latin typeface="Helvetica" pitchFamily="2" charset="0"/>
-              </a:rPr>
-              <a:t>Balkendiagrammen</a:t>
-            </a:r>
-            <a:r>
-              <a:rPr lang="en-GB" sz="2400" dirty="0">
-                <a:latin typeface="Helvetica" pitchFamily="2" charset="0"/>
-              </a:rPr>
-              <a:t> </a:t>
-            </a:r>
-            <a:r>
-              <a:rPr lang="en-GB" sz="2400" dirty="0" err="1">
-                <a:latin typeface="Helvetica" pitchFamily="2" charset="0"/>
-              </a:rPr>
-              <a:t>mit</a:t>
-            </a:r>
-            <a:r>
-              <a:rPr lang="en-GB" sz="2400" dirty="0">
-                <a:latin typeface="Helvetica" pitchFamily="2" charset="0"/>
-              </a:rPr>
-              <a:t> </a:t>
-            </a:r>
-            <a:r>
-              <a:rPr lang="en-GB" sz="2400" dirty="0" err="1">
-                <a:latin typeface="Helvetica" pitchFamily="2" charset="0"/>
-              </a:rPr>
-              <a:t>Konfidenzintervallen</a:t>
-            </a:r>
-            <a:r>
-              <a:rPr lang="en-GB" sz="2400" dirty="0">
-                <a:latin typeface="Helvetica" pitchFamily="2" charset="0"/>
-              </a:rPr>
-              <a:t> </a:t>
-            </a:r>
-            <a:r>
-              <a:rPr lang="en-GB" sz="2400" dirty="0" err="1">
-                <a:latin typeface="Helvetica" pitchFamily="2" charset="0"/>
-              </a:rPr>
-              <a:t>für</a:t>
-            </a:r>
-            <a:r>
-              <a:rPr lang="en-GB" sz="2400" dirty="0">
-                <a:latin typeface="Helvetica" pitchFamily="2" charset="0"/>
-              </a:rPr>
-              <a:t> </a:t>
-            </a:r>
-            <a:r>
-              <a:rPr lang="en-GB" sz="2400" dirty="0" err="1">
-                <a:latin typeface="Helvetica" pitchFamily="2" charset="0"/>
-              </a:rPr>
-              <a:t>zwei</a:t>
-            </a:r>
-            <a:r>
-              <a:rPr lang="en-GB" sz="2400" dirty="0">
-                <a:latin typeface="Helvetica" pitchFamily="2" charset="0"/>
-              </a:rPr>
-              <a:t> </a:t>
-            </a:r>
-            <a:r>
-              <a:rPr lang="en-GB" sz="2400" dirty="0" err="1">
-                <a:latin typeface="Helvetica" pitchFamily="2" charset="0"/>
-              </a:rPr>
-              <a:t>selbst</a:t>
-            </a:r>
-            <a:r>
-              <a:rPr lang="en-GB" sz="2400" dirty="0">
-                <a:latin typeface="Helvetica" pitchFamily="2" charset="0"/>
-              </a:rPr>
-              <a:t> </a:t>
-            </a:r>
-            <a:r>
-              <a:rPr lang="en-GB" sz="2400" dirty="0" err="1">
-                <a:latin typeface="Helvetica" pitchFamily="2" charset="0"/>
-              </a:rPr>
-              <a:t>erstellte</a:t>
-            </a:r>
-            <a:r>
-              <a:rPr lang="en-GB" sz="2400" dirty="0">
-                <a:latin typeface="Helvetica" pitchFamily="2" charset="0"/>
-              </a:rPr>
-              <a:t> </a:t>
-            </a:r>
-            <a:r>
-              <a:rPr lang="en-GB" sz="2400" dirty="0" err="1">
-                <a:latin typeface="Helvetica" pitchFamily="2" charset="0"/>
-              </a:rPr>
-              <a:t>Variablen</a:t>
-            </a:r>
-            <a:r>
-              <a:rPr lang="en-GB" sz="2400" dirty="0">
-                <a:latin typeface="Helvetica" pitchFamily="2" charset="0"/>
-              </a:rPr>
-              <a:t> (2/2)</a:t>
-            </a:r>
-            <a:endParaRPr lang="de-DE" sz="2400" dirty="0">
-              <a:solidFill>
-                <a:schemeClr val="tx1">
-                  <a:lumMod val="50000"/>
-                  <a:lumOff val="50000"/>
-                </a:schemeClr>
-              </a:solidFill>
-            </a:endParaRPr>
-          </a:p>
-        </p:txBody>
-      </p:sp>
-      <p:sp>
-        <p:nvSpPr>
-          <p:cNvPr id="3" name="Foliennummernplatzhalter 2">
+          <p:cNvPr id="2" name="Title 1">
             <a:extLst>
               <a:ext uri="{FF2B5EF4-FFF2-40B4-BE49-F238E27FC236}">
-                <a16:creationId xmlns:a16="http://schemas.microsoft.com/office/drawing/2014/main" id="{356532F3-A40E-3544-BC28-367FA2E6B194}"/>
+                <a16:creationId xmlns:a16="http://schemas.microsoft.com/office/drawing/2014/main" id="{8AA0183A-7D71-3240-9389-5CA9E753DC7D}"/>
+              </a:ext>
+            </a:extLst>
+          </p:cNvPr>
+          <p:cNvSpPr>
+            <a:spLocks noGrp="1"/>
+          </p:cNvSpPr>
+          <p:nvPr>
+            <p:ph type="title"/>
+          </p:nvPr>
+        </p:nvSpPr>
+        <p:spPr/>
+        <p:txBody>
+          <a:bodyPr/>
+          <a:lstStyle/>
+          <a:p>
+            <a:endParaRPr lang="en-DE"/>
+          </a:p>
+        </p:txBody>
+      </p:sp>
+      <p:sp>
+        <p:nvSpPr>
+          <p:cNvPr id="4" name="Slide Number Placeholder 3">
+            <a:extLst>
+              <a:ext uri="{FF2B5EF4-FFF2-40B4-BE49-F238E27FC236}">
+                <a16:creationId xmlns:a16="http://schemas.microsoft.com/office/drawing/2014/main" id="{CABBCB4E-D1CE-1D4E-869C-8EC6318DDEBE}"/>
               </a:ext>
             </a:extLst>
           </p:cNvPr>
@@ -9608,10 +10589,10 @@
       </p:sp>
       <p:sp>
         <p:nvSpPr>
-          <p:cNvPr id="2" name="Fußzeilenplatzhalter 1">
+          <p:cNvPr id="5" name="Footer Placeholder 4">
             <a:extLst>
               <a:ext uri="{FF2B5EF4-FFF2-40B4-BE49-F238E27FC236}">
-                <a16:creationId xmlns:a16="http://schemas.microsoft.com/office/drawing/2014/main" id="{1DC7A913-4F53-6346-8764-129A4373CFF4}"/>
+                <a16:creationId xmlns:a16="http://schemas.microsoft.com/office/drawing/2014/main" id="{74505F0D-F8AC-D340-AD97-6D88CBB106AD}"/>
               </a:ext>
             </a:extLst>
           </p:cNvPr>
@@ -9622,75 +10603,25 @@
             <p:ph type="ftr" sz="quarter" idx="11"/>
           </p:nvPr>
         </p:nvSpPr>
-        <p:spPr>
-          <a:xfrm>
-            <a:off x="2483768" y="6251510"/>
-            <a:ext cx="4081964" cy="365125"/>
-          </a:xfrm>
-        </p:spPr>
+        <p:spPr/>
         <p:txBody>
           <a:bodyPr/>
           <a:lstStyle/>
           <a:p>
-            <a:endParaRPr lang="de-DE" sz="1400" dirty="0"/>
-          </a:p>
-        </p:txBody>
-      </p:sp>
-      <p:sp>
-        <p:nvSpPr>
-          <p:cNvPr id="8" name="Rechteck 4">
+            <a:r>
+              <a:rPr lang="de-DE"/>
+              <a:t>Andreas Rausch</a:t>
+            </a:r>
+            <a:endParaRPr lang="de-DE" dirty="0"/>
+          </a:p>
+        </p:txBody>
+      </p:sp>
+      <p:pic>
+        <p:nvPicPr>
+          <p:cNvPr id="6" name="Picture 5">
             <a:extLst>
               <a:ext uri="{FF2B5EF4-FFF2-40B4-BE49-F238E27FC236}">
-                <a16:creationId xmlns:a16="http://schemas.microsoft.com/office/drawing/2014/main" id="{1D0BF8D9-AC0F-F142-9C26-205384427EA2}"/>
-              </a:ext>
-            </a:extLst>
-          </p:cNvPr>
-          <p:cNvSpPr/>
-          <p:nvPr/>
-        </p:nvSpPr>
-        <p:spPr>
-          <a:xfrm>
-            <a:off x="107505" y="6093296"/>
-            <a:ext cx="2232247" cy="646331"/>
-          </a:xfrm>
-          <a:prstGeom prst="rect">
-            <a:avLst/>
-          </a:prstGeom>
-          <a:ln>
-            <a:solidFill>
-              <a:schemeClr val="bg1"/>
-            </a:solidFill>
-          </a:ln>
-        </p:spPr>
-        <p:style>
-          <a:lnRef idx="2">
-            <a:schemeClr val="dk1"/>
-          </a:lnRef>
-          <a:fillRef idx="1">
-            <a:schemeClr val="lt1"/>
-          </a:fillRef>
-          <a:effectRef idx="0">
-            <a:schemeClr val="dk1"/>
-          </a:effectRef>
-          <a:fontRef idx="minor">
-            <a:schemeClr val="dk1"/>
-          </a:fontRef>
-        </p:style>
-        <p:txBody>
-          <a:bodyPr rtlCol="0" anchor="ctr"/>
-          <a:lstStyle/>
-          <a:p>
-            <a:pPr algn="ctr"/>
-            <a:endParaRPr lang="de-DE"/>
-          </a:p>
-        </p:txBody>
-      </p:sp>
-      <p:pic>
-        <p:nvPicPr>
-          <p:cNvPr id="10" name="Picture 9">
-            <a:extLst>
-              <a:ext uri="{FF2B5EF4-FFF2-40B4-BE49-F238E27FC236}">
-                <a16:creationId xmlns:a16="http://schemas.microsoft.com/office/drawing/2014/main" id="{41D9A71D-605F-174F-AD72-E633974AD1CE}"/>
+                <a16:creationId xmlns:a16="http://schemas.microsoft.com/office/drawing/2014/main" id="{2B9F1A54-50AF-ED42-90D0-E5B8F675CF99}"/>
               </a:ext>
             </a:extLst>
           </p:cNvPr>
@@ -9700,31 +10631,60 @@
           <p:nvPr/>
         </p:nvPicPr>
         <p:blipFill>
-          <a:blip r:embed="rId3">
-            <a:extLst>
-              <a:ext uri="{28A0092B-C50C-407E-A947-70E740481C1C}">
-                <a14:useLocalDpi xmlns:a14="http://schemas.microsoft.com/office/drawing/2010/main" val="0"/>
-              </a:ext>
-            </a:extLst>
-          </a:blip>
+          <a:blip r:embed="rId2"/>
           <a:stretch>
             <a:fillRect/>
           </a:stretch>
         </p:blipFill>
         <p:spPr>
           <a:xfrm>
-            <a:off x="818710" y="1064722"/>
-            <a:ext cx="7506580" cy="4728555"/>
+            <a:off x="0" y="1535301"/>
+            <a:ext cx="9144000" cy="3787398"/>
           </a:xfrm>
           <a:prstGeom prst="rect">
             <a:avLst/>
           </a:prstGeom>
         </p:spPr>
       </p:pic>
+      <p:sp>
+        <p:nvSpPr>
+          <p:cNvPr id="3" name="TextBox 2">
+            <a:extLst>
+              <a:ext uri="{FF2B5EF4-FFF2-40B4-BE49-F238E27FC236}">
+                <a16:creationId xmlns:a16="http://schemas.microsoft.com/office/drawing/2014/main" id="{5A39030F-5BEF-6C45-A2AB-BA6BC5DD438B}"/>
+              </a:ext>
+            </a:extLst>
+          </p:cNvPr>
+          <p:cNvSpPr txBox="1"/>
+          <p:nvPr/>
+        </p:nvSpPr>
+        <p:spPr>
+          <a:xfrm>
+            <a:off x="3093928" y="917716"/>
+            <a:ext cx="3471804" cy="369332"/>
+          </a:xfrm>
+          <a:prstGeom prst="rect">
+            <a:avLst/>
+          </a:prstGeom>
+          <a:noFill/>
+        </p:spPr>
+        <p:txBody>
+          <a:bodyPr wrap="square" rtlCol="0">
+            <a:spAutoFit/>
+          </a:bodyPr>
+          <a:lstStyle/>
+          <a:p>
+            <a:r>
+              <a:rPr lang="en-DE" dirty="0"/>
+              <a:t>Warengruppe / Zeitvariablen</a:t>
+            </a:r>
+          </a:p>
+        </p:txBody>
+      </p:sp>
     </p:spTree>
     <p:extLst>
       <p:ext uri="{BB962C8B-B14F-4D97-AF65-F5344CB8AC3E}">
-        <p14:creationId xmlns:p14="http://schemas.microsoft.com/office/powerpoint/2010/main" val="3278179072"/>
+        <p14:creationId xmlns:p14="http://schemas.microsoft.com/office/powerpoint/2010/main" val="977923015"/>
       </p:ext>
     </p:extLst>
   </p:cSld>
@@ -9753,108 +10713,35 @@
       </p:grpSpPr>
       <p:sp>
         <p:nvSpPr>
-          <p:cNvPr id="8194" name="Rectangle 2"/>
-          <p:cNvSpPr>
-            <a:spLocks noGrp="1" noChangeArrowheads="1"/>
-          </p:cNvSpPr>
-          <p:nvPr>
-            <p:ph type="title"/>
-          </p:nvPr>
-        </p:nvSpPr>
-        <p:spPr>
-          <a:xfrm>
-            <a:off x="467544" y="44624"/>
-            <a:ext cx="8676456" cy="761999"/>
-          </a:xfrm>
-        </p:spPr>
-        <p:txBody>
-          <a:bodyPr anchor="ctr"/>
-          <a:lstStyle/>
-          <a:p>
-            <a:r>
-              <a:rPr lang="en-GB" sz="2400" dirty="0" err="1">
-                <a:latin typeface="Helvetica" pitchFamily="2" charset="0"/>
-              </a:rPr>
-              <a:t>Ergebnisse</a:t>
-            </a:r>
-            <a:r>
-              <a:rPr lang="en-GB" sz="2400" dirty="0">
-                <a:latin typeface="Helvetica" pitchFamily="2" charset="0"/>
-              </a:rPr>
-              <a:t> der </a:t>
-            </a:r>
-            <a:r>
-              <a:rPr lang="en-GB" sz="2400" dirty="0" err="1">
-                <a:latin typeface="Helvetica" pitchFamily="2" charset="0"/>
-              </a:rPr>
-              <a:t>Schätzung</a:t>
-            </a:r>
-            <a:r>
-              <a:rPr lang="en-GB" sz="2400" dirty="0">
-                <a:latin typeface="Helvetica" pitchFamily="2" charset="0"/>
-              </a:rPr>
-              <a:t> </a:t>
-            </a:r>
-            <a:r>
-              <a:rPr lang="en-GB" sz="2400" dirty="0" err="1">
-                <a:latin typeface="Helvetica" pitchFamily="2" charset="0"/>
-              </a:rPr>
-              <a:t>einer</a:t>
-            </a:r>
-            <a:r>
-              <a:rPr lang="en-GB" sz="2400" dirty="0">
-                <a:latin typeface="Helvetica" pitchFamily="2" charset="0"/>
-              </a:rPr>
-              <a:t> SVM (MAPE je </a:t>
-            </a:r>
-            <a:r>
-              <a:rPr lang="en-GB" sz="2400" dirty="0" err="1">
-                <a:latin typeface="Helvetica" pitchFamily="2" charset="0"/>
-              </a:rPr>
-              <a:t>Warengruppe</a:t>
-            </a:r>
-            <a:r>
-              <a:rPr lang="en-GB" sz="2400" dirty="0">
-                <a:latin typeface="Helvetica" pitchFamily="2" charset="0"/>
-              </a:rPr>
-              <a:t> und </a:t>
-            </a:r>
-            <a:r>
-              <a:rPr lang="en-GB" sz="2400" dirty="0" err="1">
-                <a:latin typeface="Helvetica" pitchFamily="2" charset="0"/>
-              </a:rPr>
-              <a:t>Warengruppenumsätze</a:t>
-            </a:r>
-            <a:r>
-              <a:rPr lang="en-GB" sz="2400" dirty="0">
-                <a:latin typeface="Helvetica" pitchFamily="2" charset="0"/>
-              </a:rPr>
-              <a:t> </a:t>
-            </a:r>
-            <a:r>
-              <a:rPr lang="en-GB" sz="2400" dirty="0" err="1">
-                <a:latin typeface="Helvetica" pitchFamily="2" charset="0"/>
-              </a:rPr>
-              <a:t>für</a:t>
-            </a:r>
-            <a:r>
-              <a:rPr lang="en-GB" sz="2400" dirty="0">
-                <a:latin typeface="Helvetica" pitchFamily="2" charset="0"/>
-              </a:rPr>
-              <a:t> den 04.06.2019)</a:t>
-            </a:r>
-            <a:endParaRPr lang="en-GB" dirty="0">
-              <a:latin typeface="Helvetica" pitchFamily="2" charset="0"/>
-            </a:endParaRPr>
-          </a:p>
-        </p:txBody>
-      </p:sp>
-      <p:sp>
-        <p:nvSpPr>
-          <p:cNvPr id="3" name="Foliennummernplatzhalter 2">
+          <p:cNvPr id="2" name="Title 1">
             <a:extLst>
               <a:ext uri="{FF2B5EF4-FFF2-40B4-BE49-F238E27FC236}">
-                <a16:creationId xmlns:a16="http://schemas.microsoft.com/office/drawing/2014/main" id="{356532F3-A40E-3544-BC28-367FA2E6B194}"/>
+                <a16:creationId xmlns:a16="http://schemas.microsoft.com/office/drawing/2014/main" id="{3E427984-C3B9-E644-A599-E7E3290AF05F}"/>
+              </a:ext>
+            </a:extLst>
+          </p:cNvPr>
+          <p:cNvSpPr>
+            <a:spLocks noGrp="1"/>
+          </p:cNvSpPr>
+          <p:nvPr>
+            <p:ph type="title"/>
+          </p:nvPr>
+        </p:nvSpPr>
+        <p:spPr/>
+        <p:txBody>
+          <a:bodyPr/>
+          <a:lstStyle/>
+          <a:p>
+            <a:endParaRPr lang="en-DE"/>
+          </a:p>
+        </p:txBody>
+      </p:sp>
+      <p:sp>
+        <p:nvSpPr>
+          <p:cNvPr id="4" name="Slide Number Placeholder 3">
+            <a:extLst>
+              <a:ext uri="{FF2B5EF4-FFF2-40B4-BE49-F238E27FC236}">
+                <a16:creationId xmlns:a16="http://schemas.microsoft.com/office/drawing/2014/main" id="{9D1CFEBA-57A8-B541-B64A-3E7255379D35}"/>
               </a:ext>
             </a:extLst>
           </p:cNvPr>
@@ -9881,10 +10768,10 @@
       </p:sp>
       <p:sp>
         <p:nvSpPr>
-          <p:cNvPr id="2" name="Fußzeilenplatzhalter 1">
+          <p:cNvPr id="5" name="Footer Placeholder 4">
             <a:extLst>
               <a:ext uri="{FF2B5EF4-FFF2-40B4-BE49-F238E27FC236}">
-                <a16:creationId xmlns:a16="http://schemas.microsoft.com/office/drawing/2014/main" id="{1DC7A913-4F53-6346-8764-129A4373CFF4}"/>
+                <a16:creationId xmlns:a16="http://schemas.microsoft.com/office/drawing/2014/main" id="{F996C4B1-2286-3645-BD1A-70C656D67E61}"/>
               </a:ext>
             </a:extLst>
           </p:cNvPr>
@@ -9895,73 +10782,88 @@
             <p:ph type="ftr" sz="quarter" idx="11"/>
           </p:nvPr>
         </p:nvSpPr>
-        <p:spPr>
-          <a:xfrm>
-            <a:off x="2483768" y="6251510"/>
-            <a:ext cx="4081964" cy="365125"/>
-          </a:xfrm>
-        </p:spPr>
+        <p:spPr/>
         <p:txBody>
           <a:bodyPr/>
           <a:lstStyle/>
           <a:p>
-            <a:endParaRPr lang="de-DE" sz="1400" dirty="0"/>
-          </a:p>
-        </p:txBody>
-      </p:sp>
-      <p:sp>
-        <p:nvSpPr>
-          <p:cNvPr id="8" name="Rechteck 4">
+            <a:r>
+              <a:rPr lang="de-DE"/>
+              <a:t>Andreas Rausch</a:t>
+            </a:r>
+            <a:endParaRPr lang="de-DE" dirty="0"/>
+          </a:p>
+        </p:txBody>
+      </p:sp>
+      <p:pic>
+        <p:nvPicPr>
+          <p:cNvPr id="6" name="Picture 5">
             <a:extLst>
               <a:ext uri="{FF2B5EF4-FFF2-40B4-BE49-F238E27FC236}">
-                <a16:creationId xmlns:a16="http://schemas.microsoft.com/office/drawing/2014/main" id="{1D0BF8D9-AC0F-F142-9C26-205384427EA2}"/>
+                <a16:creationId xmlns:a16="http://schemas.microsoft.com/office/drawing/2014/main" id="{C385FC02-EE6F-944D-A999-C1D3BB918BC6}"/>
               </a:ext>
             </a:extLst>
           </p:cNvPr>
-          <p:cNvSpPr/>
+          <p:cNvPicPr>
+            <a:picLocks noChangeAspect="1"/>
+          </p:cNvPicPr>
           <p:nvPr/>
-        </p:nvSpPr>
+        </p:nvPicPr>
+        <p:blipFill>
+          <a:blip r:embed="rId2"/>
+          <a:stretch>
+            <a:fillRect/>
+          </a:stretch>
+        </p:blipFill>
         <p:spPr>
           <a:xfrm>
-            <a:off x="107505" y="6093296"/>
-            <a:ext cx="2232247" cy="646331"/>
+            <a:off x="0" y="1560925"/>
+            <a:ext cx="9144000" cy="3736150"/>
           </a:xfrm>
           <a:prstGeom prst="rect">
             <a:avLst/>
           </a:prstGeom>
-          <a:ln>
-            <a:solidFill>
-              <a:schemeClr val="bg1"/>
-            </a:solidFill>
-          </a:ln>
         </p:spPr>
-        <p:style>
-          <a:lnRef idx="2">
-            <a:schemeClr val="dk1"/>
-          </a:lnRef>
-          <a:fillRef idx="1">
-            <a:schemeClr val="lt1"/>
-          </a:fillRef>
-          <a:effectRef idx="0">
-            <a:schemeClr val="dk1"/>
-          </a:effectRef>
-          <a:fontRef idx="minor">
-            <a:schemeClr val="dk1"/>
-          </a:fontRef>
-        </p:style>
-        <p:txBody>
-          <a:bodyPr rtlCol="0" anchor="ctr"/>
-          <a:lstStyle/>
-          <a:p>
-            <a:pPr algn="ctr"/>
-            <a:endParaRPr lang="de-DE"/>
+      </p:pic>
+      <p:sp>
+        <p:nvSpPr>
+          <p:cNvPr id="7" name="TextBox 6">
+            <a:extLst>
+              <a:ext uri="{FF2B5EF4-FFF2-40B4-BE49-F238E27FC236}">
+                <a16:creationId xmlns:a16="http://schemas.microsoft.com/office/drawing/2014/main" id="{6674F3BE-D7D1-4549-A7D3-FB4E8601AFDB}"/>
+              </a:ext>
+            </a:extLst>
+          </p:cNvPr>
+          <p:cNvSpPr txBox="1"/>
+          <p:nvPr/>
+        </p:nvSpPr>
+        <p:spPr>
+          <a:xfrm>
+            <a:off x="3093928" y="917716"/>
+            <a:ext cx="3471804" cy="369332"/>
+          </a:xfrm>
+          <a:prstGeom prst="rect">
+            <a:avLst/>
+          </a:prstGeom>
+          <a:noFill/>
+        </p:spPr>
+        <p:txBody>
+          <a:bodyPr wrap="square" rtlCol="0">
+            <a:spAutoFit/>
+          </a:bodyPr>
+          <a:lstStyle/>
+          <a:p>
+            <a:r>
+              <a:rPr lang="en-DE" dirty="0"/>
+              <a:t>Warengruppe / Wettervariablen</a:t>
+            </a:r>
           </a:p>
         </p:txBody>
       </p:sp>
     </p:spTree>
     <p:extLst>
       <p:ext uri="{BB962C8B-B14F-4D97-AF65-F5344CB8AC3E}">
-        <p14:creationId xmlns:p14="http://schemas.microsoft.com/office/powerpoint/2010/main" val="112424630"/>
+        <p14:creationId xmlns:p14="http://schemas.microsoft.com/office/powerpoint/2010/main" val="2964210593"/>
       </p:ext>
     </p:extLst>
   </p:cSld>
@@ -9990,129 +10892,35 @@
       </p:grpSpPr>
       <p:sp>
         <p:nvSpPr>
-          <p:cNvPr id="8194" name="Rectangle 2"/>
-          <p:cNvSpPr>
-            <a:spLocks noGrp="1" noChangeArrowheads="1"/>
-          </p:cNvSpPr>
-          <p:nvPr>
-            <p:ph type="title"/>
-          </p:nvPr>
-        </p:nvSpPr>
-        <p:spPr>
-          <a:xfrm>
-            <a:off x="323528" y="44624"/>
-            <a:ext cx="8496944" cy="761999"/>
-          </a:xfrm>
-        </p:spPr>
-        <p:txBody>
-          <a:bodyPr anchor="ctr"/>
-          <a:lstStyle/>
-          <a:p>
-            <a:r>
-              <a:rPr lang="en-GB" sz="2000" dirty="0" err="1">
-                <a:latin typeface="Helvetica" pitchFamily="2" charset="0"/>
-              </a:rPr>
-              <a:t>Ergebnisse</a:t>
-            </a:r>
-            <a:r>
-              <a:rPr lang="en-GB" sz="2000" dirty="0">
-                <a:latin typeface="Helvetica" pitchFamily="2" charset="0"/>
-              </a:rPr>
-              <a:t> der </a:t>
-            </a:r>
-            <a:r>
-              <a:rPr lang="en-GB" sz="2000" dirty="0" err="1">
-                <a:latin typeface="Helvetica" pitchFamily="2" charset="0"/>
-              </a:rPr>
-              <a:t>Schätzung</a:t>
-            </a:r>
-            <a:r>
-              <a:rPr lang="en-GB" sz="2000" dirty="0">
-                <a:latin typeface="Helvetica" pitchFamily="2" charset="0"/>
-              </a:rPr>
-              <a:t> </a:t>
-            </a:r>
-            <a:r>
-              <a:rPr lang="en-GB" sz="2000" dirty="0" err="1">
-                <a:latin typeface="Helvetica" pitchFamily="2" charset="0"/>
-              </a:rPr>
-              <a:t>eines</a:t>
-            </a:r>
-            <a:r>
-              <a:rPr lang="en-GB" sz="2000" dirty="0">
-                <a:latin typeface="Helvetica" pitchFamily="2" charset="0"/>
-              </a:rPr>
-              <a:t> </a:t>
-            </a:r>
-            <a:r>
-              <a:rPr lang="en-GB" sz="2000" dirty="0" err="1">
-                <a:latin typeface="Helvetica" pitchFamily="2" charset="0"/>
-              </a:rPr>
-              <a:t>neuronalen</a:t>
-            </a:r>
-            <a:r>
-              <a:rPr lang="en-GB" sz="2000" dirty="0">
-                <a:latin typeface="Helvetica" pitchFamily="2" charset="0"/>
-              </a:rPr>
-              <a:t> </a:t>
-            </a:r>
-            <a:r>
-              <a:rPr lang="en-GB" sz="2000" dirty="0" err="1">
-                <a:latin typeface="Helvetica" pitchFamily="2" charset="0"/>
-              </a:rPr>
-              <a:t>Netzes</a:t>
-            </a:r>
-            <a:r>
-              <a:rPr lang="en-GB" sz="2000" dirty="0">
-                <a:latin typeface="Helvetica" pitchFamily="2" charset="0"/>
-              </a:rPr>
-              <a:t> (MAPE je </a:t>
-            </a:r>
-            <a:r>
-              <a:rPr lang="en-GB" sz="2000" dirty="0" err="1">
-                <a:latin typeface="Helvetica" pitchFamily="2" charset="0"/>
-              </a:rPr>
-              <a:t>Warengruppe</a:t>
-            </a:r>
-            <a:r>
-              <a:rPr lang="en-GB" sz="2000" dirty="0">
-                <a:latin typeface="Helvetica" pitchFamily="2" charset="0"/>
-              </a:rPr>
-              <a:t> und </a:t>
-            </a:r>
-            <a:r>
-              <a:rPr lang="en-GB" sz="2000" dirty="0" err="1">
-                <a:latin typeface="Helvetica" pitchFamily="2" charset="0"/>
-              </a:rPr>
-              <a:t>Warengruppenumsätze</a:t>
-            </a:r>
-            <a:r>
-              <a:rPr lang="en-GB" sz="2000" dirty="0">
-                <a:latin typeface="Helvetica" pitchFamily="2" charset="0"/>
-              </a:rPr>
-              <a:t> </a:t>
-            </a:r>
-            <a:r>
-              <a:rPr lang="en-GB" sz="2000" dirty="0" err="1">
-                <a:latin typeface="Helvetica" pitchFamily="2" charset="0"/>
-              </a:rPr>
-              <a:t>für</a:t>
-            </a:r>
-            <a:r>
-              <a:rPr lang="en-GB" sz="2000" dirty="0">
-                <a:latin typeface="Helvetica" pitchFamily="2" charset="0"/>
-              </a:rPr>
-              <a:t> den 04.06.2019)</a:t>
-            </a:r>
-          </a:p>
-        </p:txBody>
-      </p:sp>
-      <p:sp>
-        <p:nvSpPr>
-          <p:cNvPr id="3" name="Foliennummernplatzhalter 2">
+          <p:cNvPr id="2" name="Title 1">
             <a:extLst>
               <a:ext uri="{FF2B5EF4-FFF2-40B4-BE49-F238E27FC236}">
-                <a16:creationId xmlns:a16="http://schemas.microsoft.com/office/drawing/2014/main" id="{356532F3-A40E-3544-BC28-367FA2E6B194}"/>
+                <a16:creationId xmlns:a16="http://schemas.microsoft.com/office/drawing/2014/main" id="{3E427984-C3B9-E644-A599-E7E3290AF05F}"/>
+              </a:ext>
+            </a:extLst>
+          </p:cNvPr>
+          <p:cNvSpPr>
+            <a:spLocks noGrp="1"/>
+          </p:cNvSpPr>
+          <p:nvPr>
+            <p:ph type="title"/>
+          </p:nvPr>
+        </p:nvSpPr>
+        <p:spPr/>
+        <p:txBody>
+          <a:bodyPr/>
+          <a:lstStyle/>
+          <a:p>
+            <a:endParaRPr lang="en-DE"/>
+          </a:p>
+        </p:txBody>
+      </p:sp>
+      <p:sp>
+        <p:nvSpPr>
+          <p:cNvPr id="4" name="Slide Number Placeholder 3">
+            <a:extLst>
+              <a:ext uri="{FF2B5EF4-FFF2-40B4-BE49-F238E27FC236}">
+                <a16:creationId xmlns:a16="http://schemas.microsoft.com/office/drawing/2014/main" id="{9D1CFEBA-57A8-B541-B64A-3E7255379D35}"/>
               </a:ext>
             </a:extLst>
           </p:cNvPr>
@@ -10139,10 +10947,10 @@
       </p:sp>
       <p:sp>
         <p:nvSpPr>
-          <p:cNvPr id="2" name="Fußzeilenplatzhalter 1">
+          <p:cNvPr id="5" name="Footer Placeholder 4">
             <a:extLst>
               <a:ext uri="{FF2B5EF4-FFF2-40B4-BE49-F238E27FC236}">
-                <a16:creationId xmlns:a16="http://schemas.microsoft.com/office/drawing/2014/main" id="{1DC7A913-4F53-6346-8764-129A4373CFF4}"/>
+                <a16:creationId xmlns:a16="http://schemas.microsoft.com/office/drawing/2014/main" id="{F996C4B1-2286-3645-BD1A-70C656D67E61}"/>
               </a:ext>
             </a:extLst>
           </p:cNvPr>
@@ -10153,73 +10961,88 @@
             <p:ph type="ftr" sz="quarter" idx="11"/>
           </p:nvPr>
         </p:nvSpPr>
-        <p:spPr>
-          <a:xfrm>
-            <a:off x="2483768" y="6251510"/>
-            <a:ext cx="4081964" cy="365125"/>
-          </a:xfrm>
-        </p:spPr>
+        <p:spPr/>
         <p:txBody>
           <a:bodyPr/>
           <a:lstStyle/>
           <a:p>
-            <a:endParaRPr lang="de-DE" sz="1400" dirty="0"/>
-          </a:p>
-        </p:txBody>
-      </p:sp>
-      <p:sp>
-        <p:nvSpPr>
-          <p:cNvPr id="8" name="Rechteck 4">
+            <a:r>
+              <a:rPr lang="de-DE"/>
+              <a:t>Andreas Rausch</a:t>
+            </a:r>
+            <a:endParaRPr lang="de-DE" dirty="0"/>
+          </a:p>
+        </p:txBody>
+      </p:sp>
+      <p:pic>
+        <p:nvPicPr>
+          <p:cNvPr id="3" name="Picture 2">
             <a:extLst>
               <a:ext uri="{FF2B5EF4-FFF2-40B4-BE49-F238E27FC236}">
-                <a16:creationId xmlns:a16="http://schemas.microsoft.com/office/drawing/2014/main" id="{1D0BF8D9-AC0F-F142-9C26-205384427EA2}"/>
+                <a16:creationId xmlns:a16="http://schemas.microsoft.com/office/drawing/2014/main" id="{FDDC5C4D-6128-7240-8F35-93219B81B25D}"/>
               </a:ext>
             </a:extLst>
           </p:cNvPr>
-          <p:cNvSpPr/>
+          <p:cNvPicPr>
+            <a:picLocks noChangeAspect="1"/>
+          </p:cNvPicPr>
           <p:nvPr/>
-        </p:nvSpPr>
+        </p:nvPicPr>
+        <p:blipFill>
+          <a:blip r:embed="rId2"/>
+          <a:stretch>
+            <a:fillRect/>
+          </a:stretch>
+        </p:blipFill>
         <p:spPr>
           <a:xfrm>
-            <a:off x="107505" y="6093296"/>
-            <a:ext cx="2232247" cy="646331"/>
+            <a:off x="0" y="1175536"/>
+            <a:ext cx="9144000" cy="4506927"/>
           </a:xfrm>
           <a:prstGeom prst="rect">
             <a:avLst/>
           </a:prstGeom>
-          <a:ln>
-            <a:solidFill>
-              <a:schemeClr val="bg1"/>
-            </a:solidFill>
-          </a:ln>
         </p:spPr>
-        <p:style>
-          <a:lnRef idx="2">
-            <a:schemeClr val="dk1"/>
-          </a:lnRef>
-          <a:fillRef idx="1">
-            <a:schemeClr val="lt1"/>
-          </a:fillRef>
-          <a:effectRef idx="0">
-            <a:schemeClr val="dk1"/>
-          </a:effectRef>
-          <a:fontRef idx="minor">
-            <a:schemeClr val="dk1"/>
-          </a:fontRef>
-        </p:style>
-        <p:txBody>
-          <a:bodyPr rtlCol="0" anchor="ctr"/>
-          <a:lstStyle/>
-          <a:p>
-            <a:pPr algn="ctr"/>
-            <a:endParaRPr lang="de-DE"/>
+      </p:pic>
+      <p:sp>
+        <p:nvSpPr>
+          <p:cNvPr id="6" name="TextBox 5">
+            <a:extLst>
+              <a:ext uri="{FF2B5EF4-FFF2-40B4-BE49-F238E27FC236}">
+                <a16:creationId xmlns:a16="http://schemas.microsoft.com/office/drawing/2014/main" id="{5D2E270B-B4B8-774C-9D88-8EC3769D952E}"/>
+              </a:ext>
+            </a:extLst>
+          </p:cNvPr>
+          <p:cNvSpPr txBox="1"/>
+          <p:nvPr/>
+        </p:nvSpPr>
+        <p:spPr>
+          <a:xfrm>
+            <a:off x="3124202" y="814280"/>
+            <a:ext cx="3471804" cy="369332"/>
+          </a:xfrm>
+          <a:prstGeom prst="rect">
+            <a:avLst/>
+          </a:prstGeom>
+          <a:noFill/>
+        </p:spPr>
+        <p:txBody>
+          <a:bodyPr wrap="square" rtlCol="0">
+            <a:spAutoFit/>
+          </a:bodyPr>
+          <a:lstStyle/>
+          <a:p>
+            <a:r>
+              <a:rPr lang="en-DE" dirty="0"/>
+              <a:t>Warengruppe / Zeitvariablen</a:t>
+            </a:r>
           </a:p>
         </p:txBody>
       </p:sp>
     </p:spTree>
     <p:extLst>
       <p:ext uri="{BB962C8B-B14F-4D97-AF65-F5344CB8AC3E}">
-        <p14:creationId xmlns:p14="http://schemas.microsoft.com/office/powerpoint/2010/main" val="1598717745"/>
+        <p14:creationId xmlns:p14="http://schemas.microsoft.com/office/powerpoint/2010/main" val="4096297551"/>
       </p:ext>
     </p:extLst>
   </p:cSld>
@@ -10248,59 +11071,35 @@
       </p:grpSpPr>
       <p:sp>
         <p:nvSpPr>
-          <p:cNvPr id="8194" name="Rectangle 2"/>
-          <p:cNvSpPr>
-            <a:spLocks noGrp="1" noChangeArrowheads="1"/>
-          </p:cNvSpPr>
-          <p:nvPr>
-            <p:ph type="title"/>
-          </p:nvPr>
-        </p:nvSpPr>
-        <p:spPr>
-          <a:xfrm>
-            <a:off x="899592" y="44624"/>
-            <a:ext cx="7920880" cy="761999"/>
-          </a:xfrm>
-        </p:spPr>
-        <p:txBody>
-          <a:bodyPr anchor="ctr"/>
-          <a:lstStyle/>
-          <a:p>
-            <a:r>
-              <a:rPr lang="en-GB" sz="2800" dirty="0"/>
-              <a:t>Link </a:t>
-            </a:r>
-            <a:r>
-              <a:rPr lang="en-GB" sz="2800" dirty="0" err="1"/>
-              <a:t>zum</a:t>
-            </a:r>
-            <a:r>
-              <a:rPr lang="en-GB" sz="2800" dirty="0"/>
-              <a:t> </a:t>
-            </a:r>
-            <a:r>
-              <a:rPr lang="en-GB" dirty="0">
-                <a:latin typeface="Helvetica" pitchFamily="2" charset="0"/>
-              </a:rPr>
-              <a:t>Repository</a:t>
-            </a:r>
-            <a:endParaRPr lang="de-DE" dirty="0">
-              <a:solidFill>
-                <a:schemeClr val="tx1">
-                  <a:lumMod val="50000"/>
-                  <a:lumOff val="50000"/>
-                </a:schemeClr>
-              </a:solidFill>
-            </a:endParaRPr>
-          </a:p>
-        </p:txBody>
-      </p:sp>
-      <p:sp>
-        <p:nvSpPr>
-          <p:cNvPr id="3" name="Foliennummernplatzhalter 2">
+          <p:cNvPr id="2" name="Title 1">
             <a:extLst>
               <a:ext uri="{FF2B5EF4-FFF2-40B4-BE49-F238E27FC236}">
-                <a16:creationId xmlns:a16="http://schemas.microsoft.com/office/drawing/2014/main" id="{356532F3-A40E-3544-BC28-367FA2E6B194}"/>
+                <a16:creationId xmlns:a16="http://schemas.microsoft.com/office/drawing/2014/main" id="{3E427984-C3B9-E644-A599-E7E3290AF05F}"/>
+              </a:ext>
+            </a:extLst>
+          </p:cNvPr>
+          <p:cNvSpPr>
+            <a:spLocks noGrp="1"/>
+          </p:cNvSpPr>
+          <p:nvPr>
+            <p:ph type="title"/>
+          </p:nvPr>
+        </p:nvSpPr>
+        <p:spPr/>
+        <p:txBody>
+          <a:bodyPr/>
+          <a:lstStyle/>
+          <a:p>
+            <a:endParaRPr lang="en-DE"/>
+          </a:p>
+        </p:txBody>
+      </p:sp>
+      <p:sp>
+        <p:nvSpPr>
+          <p:cNvPr id="4" name="Slide Number Placeholder 3">
+            <a:extLst>
+              <a:ext uri="{FF2B5EF4-FFF2-40B4-BE49-F238E27FC236}">
+                <a16:creationId xmlns:a16="http://schemas.microsoft.com/office/drawing/2014/main" id="{9D1CFEBA-57A8-B541-B64A-3E7255379D35}"/>
               </a:ext>
             </a:extLst>
           </p:cNvPr>
@@ -10327,10 +11126,10 @@
       </p:sp>
       <p:sp>
         <p:nvSpPr>
-          <p:cNvPr id="2" name="Fußzeilenplatzhalter 1">
+          <p:cNvPr id="5" name="Footer Placeholder 4">
             <a:extLst>
               <a:ext uri="{FF2B5EF4-FFF2-40B4-BE49-F238E27FC236}">
-                <a16:creationId xmlns:a16="http://schemas.microsoft.com/office/drawing/2014/main" id="{1DC7A913-4F53-6346-8764-129A4373CFF4}"/>
+                <a16:creationId xmlns:a16="http://schemas.microsoft.com/office/drawing/2014/main" id="{F996C4B1-2286-3645-BD1A-70C656D67E61}"/>
               </a:ext>
             </a:extLst>
           </p:cNvPr>
@@ -10341,167 +11140,53 @@
             <p:ph type="ftr" sz="quarter" idx="11"/>
           </p:nvPr>
         </p:nvSpPr>
-        <p:spPr>
-          <a:xfrm>
-            <a:off x="2483768" y="6251510"/>
-            <a:ext cx="4081964" cy="365125"/>
-          </a:xfrm>
-        </p:spPr>
+        <p:spPr/>
         <p:txBody>
           <a:bodyPr/>
           <a:lstStyle/>
           <a:p>
-            <a:endParaRPr lang="de-DE" sz="1400" dirty="0"/>
-          </a:p>
-        </p:txBody>
-      </p:sp>
-      <p:sp>
-        <p:nvSpPr>
-          <p:cNvPr id="8" name="Rechteck 4">
+            <a:r>
+              <a:rPr lang="de-DE"/>
+              <a:t>Andreas Rausch</a:t>
+            </a:r>
+            <a:endParaRPr lang="de-DE" dirty="0"/>
+          </a:p>
+        </p:txBody>
+      </p:sp>
+      <p:pic>
+        <p:nvPicPr>
+          <p:cNvPr id="6" name="Picture 5">
             <a:extLst>
               <a:ext uri="{FF2B5EF4-FFF2-40B4-BE49-F238E27FC236}">
-                <a16:creationId xmlns:a16="http://schemas.microsoft.com/office/drawing/2014/main" id="{1D0BF8D9-AC0F-F142-9C26-205384427EA2}"/>
+                <a16:creationId xmlns:a16="http://schemas.microsoft.com/office/drawing/2014/main" id="{20FE60FC-9EAB-8F47-A03B-E3615A00D16E}"/>
               </a:ext>
             </a:extLst>
           </p:cNvPr>
-          <p:cNvSpPr/>
+          <p:cNvPicPr>
+            <a:picLocks noChangeAspect="1"/>
+          </p:cNvPicPr>
           <p:nvPr/>
-        </p:nvSpPr>
+        </p:nvPicPr>
+        <p:blipFill>
+          <a:blip r:embed="rId2"/>
+          <a:stretch>
+            <a:fillRect/>
+          </a:stretch>
+        </p:blipFill>
         <p:spPr>
           <a:xfrm>
-            <a:off x="107505" y="6093296"/>
-            <a:ext cx="2232247" cy="646331"/>
-          </a:xfrm>
-          <a:prstGeom prst="rect">
-            <a:avLst/>
-          </a:prstGeom>
-          <a:ln>
-            <a:solidFill>
-              <a:schemeClr val="bg1"/>
-            </a:solidFill>
-          </a:ln>
-        </p:spPr>
-        <p:style>
-          <a:lnRef idx="2">
-            <a:schemeClr val="dk1"/>
-          </a:lnRef>
-          <a:fillRef idx="1">
-            <a:schemeClr val="lt1"/>
-          </a:fillRef>
-          <a:effectRef idx="0">
-            <a:schemeClr val="dk1"/>
-          </a:effectRef>
-          <a:fontRef idx="minor">
-            <a:schemeClr val="dk1"/>
-          </a:fontRef>
-        </p:style>
-        <p:txBody>
-          <a:bodyPr rtlCol="0" anchor="ctr"/>
-          <a:lstStyle/>
-          <a:p>
-            <a:pPr algn="ctr"/>
-            <a:endParaRPr lang="de-DE"/>
-          </a:p>
-        </p:txBody>
-      </p:sp>
-      <p:sp>
-        <p:nvSpPr>
-          <p:cNvPr id="4" name="Rectangle 3">
-            <a:extLst>
-              <a:ext uri="{FF2B5EF4-FFF2-40B4-BE49-F238E27FC236}">
-                <a16:creationId xmlns:a16="http://schemas.microsoft.com/office/drawing/2014/main" id="{84893198-39A3-8746-AB99-C55A25DC00B6}"/>
-              </a:ext>
-            </a:extLst>
-          </p:cNvPr>
-          <p:cNvSpPr/>
-          <p:nvPr/>
-        </p:nvSpPr>
-        <p:spPr>
-          <a:xfrm>
-            <a:off x="2286000" y="2828836"/>
-            <a:ext cx="4572000" cy="1200329"/>
+            <a:off x="0" y="876022"/>
+            <a:ext cx="9144000" cy="5105956"/>
           </a:xfrm>
           <a:prstGeom prst="rect">
             <a:avLst/>
           </a:prstGeom>
         </p:spPr>
-        <p:txBody>
-          <a:bodyPr>
-            <a:spAutoFit/>
-          </a:bodyPr>
-          <a:lstStyle/>
-          <a:p>
-            <a:r>
-              <a:rPr lang="en-GB" dirty="0" err="1">
-                <a:latin typeface="Helvetica" pitchFamily="2" charset="0"/>
-              </a:rPr>
-              <a:t>mit</a:t>
-            </a:r>
-            <a:r>
-              <a:rPr lang="en-GB" dirty="0">
-                <a:latin typeface="Helvetica" pitchFamily="2" charset="0"/>
-              </a:rPr>
-              <a:t>:</a:t>
-            </a:r>
-            <a:br>
-              <a:rPr lang="en-GB" dirty="0">
-                <a:latin typeface="Helvetica" pitchFamily="2" charset="0"/>
-              </a:rPr>
-            </a:br>
-            <a:r>
-              <a:rPr lang="en-GB" dirty="0">
-                <a:latin typeface="Helvetica" pitchFamily="2" charset="0"/>
-              </a:rPr>
-              <a:t>• </a:t>
-            </a:r>
-            <a:r>
-              <a:rPr lang="en-GB" dirty="0" err="1">
-                <a:latin typeface="Helvetica" pitchFamily="2" charset="0"/>
-              </a:rPr>
-              <a:t>Datensatz</a:t>
-            </a:r>
-            <a:br>
-              <a:rPr lang="en-GB" dirty="0">
-                <a:latin typeface="Helvetica" pitchFamily="2" charset="0"/>
-              </a:rPr>
-            </a:br>
-            <a:r>
-              <a:rPr lang="en-GB" dirty="0">
-                <a:latin typeface="Helvetica" pitchFamily="2" charset="0"/>
-              </a:rPr>
-              <a:t>• </a:t>
-            </a:r>
-            <a:r>
-              <a:rPr lang="en-GB" dirty="0" err="1">
-                <a:latin typeface="Helvetica" pitchFamily="2" charset="0"/>
-              </a:rPr>
-              <a:t>Programmcode</a:t>
-            </a:r>
-            <a:br>
-              <a:rPr lang="en-GB" dirty="0">
-                <a:latin typeface="Helvetica" pitchFamily="2" charset="0"/>
-              </a:rPr>
-            </a:br>
-            <a:r>
-              <a:rPr lang="en-GB" dirty="0">
-                <a:latin typeface="Helvetica" pitchFamily="2" charset="0"/>
-              </a:rPr>
-              <a:t>• </a:t>
-            </a:r>
-            <a:r>
-              <a:rPr lang="en-GB" dirty="0" err="1">
-                <a:latin typeface="Helvetica" pitchFamily="2" charset="0"/>
-              </a:rPr>
-              <a:t>Präsentation</a:t>
-            </a:r>
-            <a:endParaRPr lang="en-AU" dirty="0"/>
-          </a:p>
-        </p:txBody>
-      </p:sp>
+      </p:pic>
     </p:spTree>
     <p:extLst>
       <p:ext uri="{BB962C8B-B14F-4D97-AF65-F5344CB8AC3E}">
-        <p14:creationId xmlns:p14="http://schemas.microsoft.com/office/powerpoint/2010/main" val="3688979529"/>
+        <p14:creationId xmlns:p14="http://schemas.microsoft.com/office/powerpoint/2010/main" val="1759958148"/>
       </p:ext>
     </p:extLst>
   </p:cSld>

--- a/09-06-2020-Präsentation_Team 5.pptx
+++ b/09-06-2020-Präsentation_Team 5.pptx
@@ -6548,14 +6548,14 @@
           </a:ln>
           <a:extLst>
             <a:ext uri="{909E8E84-426E-40dd-AFC4-6F175D3DCCD1}">
-              <a14:hiddenFill xmlns:mc="http://schemas.openxmlformats.org/markup-compatibility/2006" xmlns:mv="urn:schemas-microsoft-com:mac:vml" xmlns:a14="http://schemas.microsoft.com/office/drawing/2010/main" xmlns="">
+              <a14:hiddenFill xmlns="" xmlns:a14="http://schemas.microsoft.com/office/drawing/2010/main" xmlns:mv="urn:schemas-microsoft-com:mac:vml" xmlns:mc="http://schemas.openxmlformats.org/markup-compatibility/2006">
                 <a:solidFill>
                   <a:srgbClr val="FFFFFF"/>
                 </a:solidFill>
               </a14:hiddenFill>
             </a:ext>
             <a:ext uri="{91240B29-F687-4f45-9708-019B960494DF}">
-              <a14:hiddenLine xmlns:mc="http://schemas.openxmlformats.org/markup-compatibility/2006" xmlns:mv="urn:schemas-microsoft-com:mac:vml" xmlns:a14="http://schemas.microsoft.com/office/drawing/2010/main" xmlns="" w="9525">
+              <a14:hiddenLine xmlns="" xmlns:a14="http://schemas.microsoft.com/office/drawing/2010/main" xmlns:mv="urn:schemas-microsoft-com:mac:vml" xmlns:mc="http://schemas.openxmlformats.org/markup-compatibility/2006" w="9525">
                 <a:solidFill>
                   <a:srgbClr val="000000"/>
                 </a:solidFill>
@@ -6901,14 +6901,14 @@
           </a:ln>
           <a:extLst>
             <a:ext uri="{909E8E84-426E-40dd-AFC4-6F175D3DCCD1}">
-              <a14:hiddenFill xmlns:mc="http://schemas.openxmlformats.org/markup-compatibility/2006" xmlns:mv="urn:schemas-microsoft-com:mac:vml" xmlns:a14="http://schemas.microsoft.com/office/drawing/2010/main" xmlns="">
+              <a14:hiddenFill xmlns="" xmlns:a14="http://schemas.microsoft.com/office/drawing/2010/main" xmlns:mv="urn:schemas-microsoft-com:mac:vml" xmlns:mc="http://schemas.openxmlformats.org/markup-compatibility/2006">
                 <a:solidFill>
                   <a:srgbClr val="FFFFFF"/>
                 </a:solidFill>
               </a14:hiddenFill>
             </a:ext>
             <a:ext uri="{91240B29-F687-4f45-9708-019B960494DF}">
-              <a14:hiddenLine xmlns:mc="http://schemas.openxmlformats.org/markup-compatibility/2006" xmlns:mv="urn:schemas-microsoft-com:mac:vml" xmlns:a14="http://schemas.microsoft.com/office/drawing/2010/main" xmlns="" w="9525">
+              <a14:hiddenLine xmlns="" xmlns:a14="http://schemas.microsoft.com/office/drawing/2010/main" xmlns:mv="urn:schemas-microsoft-com:mac:vml" xmlns:mc="http://schemas.openxmlformats.org/markup-compatibility/2006" w="9525">
                 <a:solidFill>
                   <a:srgbClr val="000000"/>
                 </a:solidFill>
@@ -7254,14 +7254,14 @@
           </a:ln>
           <a:extLst>
             <a:ext uri="{909E8E84-426E-40dd-AFC4-6F175D3DCCD1}">
-              <a14:hiddenFill xmlns:mc="http://schemas.openxmlformats.org/markup-compatibility/2006" xmlns:mv="urn:schemas-microsoft-com:mac:vml" xmlns:a14="http://schemas.microsoft.com/office/drawing/2010/main" xmlns="">
+              <a14:hiddenFill xmlns="" xmlns:a14="http://schemas.microsoft.com/office/drawing/2010/main" xmlns:mv="urn:schemas-microsoft-com:mac:vml" xmlns:mc="http://schemas.openxmlformats.org/markup-compatibility/2006">
                 <a:solidFill>
                   <a:srgbClr val="FFFFFF"/>
                 </a:solidFill>
               </a14:hiddenFill>
             </a:ext>
             <a:ext uri="{91240B29-F687-4f45-9708-019B960494DF}">
-              <a14:hiddenLine xmlns:mc="http://schemas.openxmlformats.org/markup-compatibility/2006" xmlns:mv="urn:schemas-microsoft-com:mac:vml" xmlns:a14="http://schemas.microsoft.com/office/drawing/2010/main" xmlns="" w="9525">
+              <a14:hiddenLine xmlns="" xmlns:a14="http://schemas.microsoft.com/office/drawing/2010/main" xmlns:mv="urn:schemas-microsoft-com:mac:vml" xmlns:mc="http://schemas.openxmlformats.org/markup-compatibility/2006" w="9525">
                 <a:solidFill>
                   <a:srgbClr val="000000"/>
                 </a:solidFill>
@@ -7794,14 +7794,14 @@
           </a:ln>
           <a:extLst>
             <a:ext uri="{909E8E84-426E-40dd-AFC4-6F175D3DCCD1}">
-              <a14:hiddenFill xmlns:mc="http://schemas.openxmlformats.org/markup-compatibility/2006" xmlns:mv="urn:schemas-microsoft-com:mac:vml" xmlns:a14="http://schemas.microsoft.com/office/drawing/2010/main" xmlns="">
+              <a14:hiddenFill xmlns="" xmlns:a14="http://schemas.microsoft.com/office/drawing/2010/main" xmlns:mv="urn:schemas-microsoft-com:mac:vml" xmlns:mc="http://schemas.openxmlformats.org/markup-compatibility/2006">
                 <a:solidFill>
                   <a:srgbClr val="FFFFFF"/>
                 </a:solidFill>
               </a14:hiddenFill>
             </a:ext>
             <a:ext uri="{91240B29-F687-4f45-9708-019B960494DF}">
-              <a14:hiddenLine xmlns:mc="http://schemas.openxmlformats.org/markup-compatibility/2006" xmlns:mv="urn:schemas-microsoft-com:mac:vml" xmlns:a14="http://schemas.microsoft.com/office/drawing/2010/main" xmlns="" w="9525">
+              <a14:hiddenLine xmlns="" xmlns:a14="http://schemas.microsoft.com/office/drawing/2010/main" xmlns:mv="urn:schemas-microsoft-com:mac:vml" xmlns:mc="http://schemas.openxmlformats.org/markup-compatibility/2006" w="9525">
                 <a:solidFill>
                   <a:srgbClr val="000000"/>
                 </a:solidFill>
@@ -8749,14 +8749,14 @@
           </a:ln>
           <a:extLst>
             <a:ext uri="{909E8E84-426E-40dd-AFC4-6F175D3DCCD1}">
-              <a14:hiddenFill xmlns:mc="http://schemas.openxmlformats.org/markup-compatibility/2006" xmlns:mv="urn:schemas-microsoft-com:mac:vml" xmlns:a14="http://schemas.microsoft.com/office/drawing/2010/main" xmlns="">
+              <a14:hiddenFill xmlns="" xmlns:a14="http://schemas.microsoft.com/office/drawing/2010/main" xmlns:mv="urn:schemas-microsoft-com:mac:vml" xmlns:mc="http://schemas.openxmlformats.org/markup-compatibility/2006">
                 <a:solidFill>
                   <a:srgbClr val="FFFFFF"/>
                 </a:solidFill>
               </a14:hiddenFill>
             </a:ext>
             <a:ext uri="{91240B29-F687-4f45-9708-019B960494DF}">
-              <a14:hiddenLine xmlns:mc="http://schemas.openxmlformats.org/markup-compatibility/2006" xmlns:mv="urn:schemas-microsoft-com:mac:vml" xmlns:a14="http://schemas.microsoft.com/office/drawing/2010/main" xmlns="" w="9525">
+              <a14:hiddenLine xmlns="" xmlns:a14="http://schemas.microsoft.com/office/drawing/2010/main" xmlns:mv="urn:schemas-microsoft-com:mac:vml" xmlns:mc="http://schemas.openxmlformats.org/markup-compatibility/2006" w="9525">
                 <a:solidFill>
                   <a:srgbClr val="000000"/>
                 </a:solidFill>
@@ -9719,14 +9719,14 @@
           </a:ln>
           <a:extLst>
             <a:ext uri="{909E8E84-426E-40dd-AFC4-6F175D3DCCD1}">
-              <a14:hiddenFill xmlns:mc="http://schemas.openxmlformats.org/markup-compatibility/2006" xmlns:mv="urn:schemas-microsoft-com:mac:vml" xmlns:a14="http://schemas.microsoft.com/office/drawing/2010/main" xmlns="">
+              <a14:hiddenFill xmlns="" xmlns:a14="http://schemas.microsoft.com/office/drawing/2010/main" xmlns:mv="urn:schemas-microsoft-com:mac:vml" xmlns:mc="http://schemas.openxmlformats.org/markup-compatibility/2006">
                 <a:solidFill>
                   <a:srgbClr val="FFFFFF"/>
                 </a:solidFill>
               </a14:hiddenFill>
             </a:ext>
             <a:ext uri="{91240B29-F687-4f45-9708-019B960494DF}">
-              <a14:hiddenLine xmlns:mc="http://schemas.openxmlformats.org/markup-compatibility/2006" xmlns:mv="urn:schemas-microsoft-com:mac:vml" xmlns:a14="http://schemas.microsoft.com/office/drawing/2010/main" xmlns="" w="9525">
+              <a14:hiddenLine xmlns="" xmlns:a14="http://schemas.microsoft.com/office/drawing/2010/main" xmlns:mv="urn:schemas-microsoft-com:mac:vml" xmlns:mc="http://schemas.openxmlformats.org/markup-compatibility/2006" w="9525">
                 <a:solidFill>
                   <a:srgbClr val="000000"/>
                 </a:solidFill>

--- a/09-06-2020-Präsentation_Team 5.pptx
+++ b/09-06-2020-Präsentation_Team 5.pptx
@@ -5,23 +5,27 @@
     <p:sldMasterId id="2147483660" r:id="rId1"/>
   </p:sldMasterIdLst>
   <p:notesMasterIdLst>
-    <p:notesMasterId r:id="rId16"/>
+    <p:notesMasterId r:id="rId20"/>
   </p:notesMasterIdLst>
   <p:sldIdLst>
     <p:sldId id="256" r:id="rId2"/>
     <p:sldId id="623" r:id="rId3"/>
-    <p:sldId id="645" r:id="rId4"/>
-    <p:sldId id="652" r:id="rId5"/>
-    <p:sldId id="644" r:id="rId6"/>
-    <p:sldId id="653" r:id="rId7"/>
-    <p:sldId id="646" r:id="rId8"/>
-    <p:sldId id="654" r:id="rId9"/>
-    <p:sldId id="647" r:id="rId10"/>
-    <p:sldId id="648" r:id="rId11"/>
-    <p:sldId id="649" r:id="rId12"/>
-    <p:sldId id="650" r:id="rId13"/>
-    <p:sldId id="651" r:id="rId14"/>
-    <p:sldId id="642" r:id="rId15"/>
+    <p:sldId id="644" r:id="rId4"/>
+    <p:sldId id="653" r:id="rId5"/>
+    <p:sldId id="645" r:id="rId6"/>
+    <p:sldId id="655" r:id="rId7"/>
+    <p:sldId id="656" r:id="rId8"/>
+    <p:sldId id="657" r:id="rId9"/>
+    <p:sldId id="658" r:id="rId10"/>
+    <p:sldId id="652" r:id="rId11"/>
+    <p:sldId id="646" r:id="rId12"/>
+    <p:sldId id="654" r:id="rId13"/>
+    <p:sldId id="647" r:id="rId14"/>
+    <p:sldId id="648" r:id="rId15"/>
+    <p:sldId id="649" r:id="rId16"/>
+    <p:sldId id="650" r:id="rId17"/>
+    <p:sldId id="651" r:id="rId18"/>
+    <p:sldId id="642" r:id="rId19"/>
   </p:sldIdLst>
   <p:sldSz cx="9144000" cy="6858000" type="screen4x3"/>
   <p:notesSz cx="6797675" cy="9928225"/>
@@ -248,7 +252,7 @@
             <a:fld id="{D5AF008F-4A3C-4694-A28F-46ED89460412}" type="datetimeFigureOut">
               <a:rPr lang="de-DE" smtClean="0"/>
               <a:pPr/>
-              <a:t>04.06.20</a:t>
+              <a:t>08.06.20</a:t>
             </a:fld>
             <a:endParaRPr lang="de-DE"/>
           </a:p>
@@ -1233,7 +1237,7 @@
     </p:spTree>
     <p:extLst>
       <p:ext uri="{BB962C8B-B14F-4D97-AF65-F5344CB8AC3E}">
-        <p14:creationId xmlns:p14="http://schemas.microsoft.com/office/powerpoint/2010/main" val="2557155412"/>
+        <p14:creationId xmlns:p14="http://schemas.microsoft.com/office/powerpoint/2010/main" val="765998520"/>
       </p:ext>
     </p:extLst>
   </p:cSld>
@@ -1287,6 +1291,12 @@
           <a:bodyPr/>
           <a:lstStyle/>
           <a:p>
+            <a:r>
+              <a:rPr lang="de-DE" dirty="0"/>
+              <a:t>SVM: Warengruppe zusammen vs. Getrennt</a:t>
+            </a:r>
+          </a:p>
+          <a:p>
             <a:endParaRPr lang="de-DE" dirty="0"/>
           </a:p>
         </p:txBody>
@@ -1318,7 +1328,7 @@
     </p:spTree>
     <p:extLst>
       <p:ext uri="{BB962C8B-B14F-4D97-AF65-F5344CB8AC3E}">
-        <p14:creationId xmlns:p14="http://schemas.microsoft.com/office/powerpoint/2010/main" val="3695575680"/>
+        <p14:creationId xmlns:p14="http://schemas.microsoft.com/office/powerpoint/2010/main" val="2852953737"/>
       </p:ext>
     </p:extLst>
   </p:cSld>
@@ -1372,7 +1382,10 @@
           <a:bodyPr/>
           <a:lstStyle/>
           <a:p>
-            <a:endParaRPr lang="de-DE" dirty="0"/>
+            <a:r>
+              <a:rPr lang="de-DE" dirty="0"/>
+              <a:t>SVM: Warengruppe zusammen vs. getrennt</a:t>
+            </a:r>
           </a:p>
         </p:txBody>
       </p:sp>
@@ -1403,7 +1416,7 @@
     </p:spTree>
     <p:extLst>
       <p:ext uri="{BB962C8B-B14F-4D97-AF65-F5344CB8AC3E}">
-        <p14:creationId xmlns:p14="http://schemas.microsoft.com/office/powerpoint/2010/main" val="3367542777"/>
+        <p14:creationId xmlns:p14="http://schemas.microsoft.com/office/powerpoint/2010/main" val="2923407179"/>
       </p:ext>
     </p:extLst>
   </p:cSld>
@@ -1488,7 +1501,7 @@
     </p:spTree>
     <p:extLst>
       <p:ext uri="{BB962C8B-B14F-4D97-AF65-F5344CB8AC3E}">
-        <p14:creationId xmlns:p14="http://schemas.microsoft.com/office/powerpoint/2010/main" val="877762209"/>
+        <p14:creationId xmlns:p14="http://schemas.microsoft.com/office/powerpoint/2010/main" val="728889382"/>
       </p:ext>
     </p:extLst>
   </p:cSld>
@@ -1561,9 +1574,349 @@
           <a:bodyPr/>
           <a:lstStyle/>
           <a:p>
+            <a:fld id="{312FAAF6-6C93-4406-8FFD-B4AB5AA7608F}" type="slidenum">
+              <a:rPr lang="de-DE" smtClean="0"/>
+              <a:pPr/>
+              <a:t>14</a:t>
+            </a:fld>
+            <a:endParaRPr lang="de-DE"/>
+          </a:p>
+        </p:txBody>
+      </p:sp>
+    </p:spTree>
+    <p:extLst>
+      <p:ext uri="{BB962C8B-B14F-4D97-AF65-F5344CB8AC3E}">
+        <p14:creationId xmlns:p14="http://schemas.microsoft.com/office/powerpoint/2010/main" val="2557155412"/>
+      </p:ext>
+    </p:extLst>
+  </p:cSld>
+  <p:clrMapOvr>
+    <a:masterClrMapping/>
+  </p:clrMapOvr>
+</p:notes>
+</file>
+
+<file path=ppt/notesSlides/notesSlide15.xml><?xml version="1.0" encoding="utf-8"?>
+<p:notes xmlns:a="http://schemas.openxmlformats.org/drawingml/2006/main" xmlns:r="http://schemas.openxmlformats.org/officeDocument/2006/relationships" xmlns:p="http://schemas.openxmlformats.org/presentationml/2006/main">
+  <p:cSld>
+    <p:spTree>
+      <p:nvGrpSpPr>
+        <p:cNvPr id="1" name=""/>
+        <p:cNvGrpSpPr/>
+        <p:nvPr/>
+      </p:nvGrpSpPr>
+      <p:grpSpPr>
+        <a:xfrm>
+          <a:off x="0" y="0"/>
+          <a:ext cx="0" cy="0"/>
+          <a:chOff x="0" y="0"/>
+          <a:chExt cx="0" cy="0"/>
+        </a:xfrm>
+      </p:grpSpPr>
+      <p:sp>
+        <p:nvSpPr>
+          <p:cNvPr id="2" name="Folienbildplatzhalter 1"/>
+          <p:cNvSpPr>
+            <a:spLocks noGrp="1" noRot="1" noChangeAspect="1"/>
+          </p:cNvSpPr>
+          <p:nvPr>
+            <p:ph type="sldImg"/>
+          </p:nvPr>
+        </p:nvSpPr>
+        <p:spPr/>
+      </p:sp>
+      <p:sp>
+        <p:nvSpPr>
+          <p:cNvPr id="3" name="Notizenplatzhalter 2"/>
+          <p:cNvSpPr>
+            <a:spLocks noGrp="1"/>
+          </p:cNvSpPr>
+          <p:nvPr>
+            <p:ph type="body" idx="1"/>
+          </p:nvPr>
+        </p:nvSpPr>
+        <p:spPr/>
+        <p:txBody>
+          <a:bodyPr/>
+          <a:lstStyle/>
+          <a:p>
+            <a:endParaRPr lang="de-DE" dirty="0"/>
+          </a:p>
+        </p:txBody>
+      </p:sp>
+      <p:sp>
+        <p:nvSpPr>
+          <p:cNvPr id="4" name="Foliennummernplatzhalter 3"/>
+          <p:cNvSpPr>
+            <a:spLocks noGrp="1"/>
+          </p:cNvSpPr>
+          <p:nvPr>
+            <p:ph type="sldNum" sz="quarter" idx="5"/>
+          </p:nvPr>
+        </p:nvSpPr>
+        <p:spPr/>
+        <p:txBody>
+          <a:bodyPr/>
+          <a:lstStyle/>
+          <a:p>
+            <a:fld id="{312FAAF6-6C93-4406-8FFD-B4AB5AA7608F}" type="slidenum">
+              <a:rPr lang="de-DE" smtClean="0"/>
+              <a:pPr/>
+              <a:t>15</a:t>
+            </a:fld>
+            <a:endParaRPr lang="de-DE"/>
+          </a:p>
+        </p:txBody>
+      </p:sp>
+    </p:spTree>
+    <p:extLst>
+      <p:ext uri="{BB962C8B-B14F-4D97-AF65-F5344CB8AC3E}">
+        <p14:creationId xmlns:p14="http://schemas.microsoft.com/office/powerpoint/2010/main" val="3695575680"/>
+      </p:ext>
+    </p:extLst>
+  </p:cSld>
+  <p:clrMapOvr>
+    <a:masterClrMapping/>
+  </p:clrMapOvr>
+</p:notes>
+</file>
+
+<file path=ppt/notesSlides/notesSlide16.xml><?xml version="1.0" encoding="utf-8"?>
+<p:notes xmlns:a="http://schemas.openxmlformats.org/drawingml/2006/main" xmlns:r="http://schemas.openxmlformats.org/officeDocument/2006/relationships" xmlns:p="http://schemas.openxmlformats.org/presentationml/2006/main">
+  <p:cSld>
+    <p:spTree>
+      <p:nvGrpSpPr>
+        <p:cNvPr id="1" name=""/>
+        <p:cNvGrpSpPr/>
+        <p:nvPr/>
+      </p:nvGrpSpPr>
+      <p:grpSpPr>
+        <a:xfrm>
+          <a:off x="0" y="0"/>
+          <a:ext cx="0" cy="0"/>
+          <a:chOff x="0" y="0"/>
+          <a:chExt cx="0" cy="0"/>
+        </a:xfrm>
+      </p:grpSpPr>
+      <p:sp>
+        <p:nvSpPr>
+          <p:cNvPr id="2" name="Folienbildplatzhalter 1"/>
+          <p:cNvSpPr>
+            <a:spLocks noGrp="1" noRot="1" noChangeAspect="1"/>
+          </p:cNvSpPr>
+          <p:nvPr>
+            <p:ph type="sldImg"/>
+          </p:nvPr>
+        </p:nvSpPr>
+        <p:spPr/>
+      </p:sp>
+      <p:sp>
+        <p:nvSpPr>
+          <p:cNvPr id="3" name="Notizenplatzhalter 2"/>
+          <p:cNvSpPr>
+            <a:spLocks noGrp="1"/>
+          </p:cNvSpPr>
+          <p:nvPr>
+            <p:ph type="body" idx="1"/>
+          </p:nvPr>
+        </p:nvSpPr>
+        <p:spPr/>
+        <p:txBody>
+          <a:bodyPr/>
+          <a:lstStyle/>
+          <a:p>
+            <a:endParaRPr lang="de-DE" dirty="0"/>
+          </a:p>
+        </p:txBody>
+      </p:sp>
+      <p:sp>
+        <p:nvSpPr>
+          <p:cNvPr id="4" name="Foliennummernplatzhalter 3"/>
+          <p:cNvSpPr>
+            <a:spLocks noGrp="1"/>
+          </p:cNvSpPr>
+          <p:nvPr>
+            <p:ph type="sldNum" sz="quarter" idx="5"/>
+          </p:nvPr>
+        </p:nvSpPr>
+        <p:spPr/>
+        <p:txBody>
+          <a:bodyPr/>
+          <a:lstStyle/>
+          <a:p>
+            <a:fld id="{312FAAF6-6C93-4406-8FFD-B4AB5AA7608F}" type="slidenum">
+              <a:rPr lang="de-DE" smtClean="0"/>
+              <a:pPr/>
+              <a:t>16</a:t>
+            </a:fld>
+            <a:endParaRPr lang="de-DE"/>
+          </a:p>
+        </p:txBody>
+      </p:sp>
+    </p:spTree>
+    <p:extLst>
+      <p:ext uri="{BB962C8B-B14F-4D97-AF65-F5344CB8AC3E}">
+        <p14:creationId xmlns:p14="http://schemas.microsoft.com/office/powerpoint/2010/main" val="3367542777"/>
+      </p:ext>
+    </p:extLst>
+  </p:cSld>
+  <p:clrMapOvr>
+    <a:masterClrMapping/>
+  </p:clrMapOvr>
+</p:notes>
+</file>
+
+<file path=ppt/notesSlides/notesSlide17.xml><?xml version="1.0" encoding="utf-8"?>
+<p:notes xmlns:a="http://schemas.openxmlformats.org/drawingml/2006/main" xmlns:r="http://schemas.openxmlformats.org/officeDocument/2006/relationships" xmlns:p="http://schemas.openxmlformats.org/presentationml/2006/main">
+  <p:cSld>
+    <p:spTree>
+      <p:nvGrpSpPr>
+        <p:cNvPr id="1" name=""/>
+        <p:cNvGrpSpPr/>
+        <p:nvPr/>
+      </p:nvGrpSpPr>
+      <p:grpSpPr>
+        <a:xfrm>
+          <a:off x="0" y="0"/>
+          <a:ext cx="0" cy="0"/>
+          <a:chOff x="0" y="0"/>
+          <a:chExt cx="0" cy="0"/>
+        </a:xfrm>
+      </p:grpSpPr>
+      <p:sp>
+        <p:nvSpPr>
+          <p:cNvPr id="2" name="Folienbildplatzhalter 1"/>
+          <p:cNvSpPr>
+            <a:spLocks noGrp="1" noRot="1" noChangeAspect="1"/>
+          </p:cNvSpPr>
+          <p:nvPr>
+            <p:ph type="sldImg"/>
+          </p:nvPr>
+        </p:nvSpPr>
+        <p:spPr/>
+      </p:sp>
+      <p:sp>
+        <p:nvSpPr>
+          <p:cNvPr id="3" name="Notizenplatzhalter 2"/>
+          <p:cNvSpPr>
+            <a:spLocks noGrp="1"/>
+          </p:cNvSpPr>
+          <p:nvPr>
+            <p:ph type="body" idx="1"/>
+          </p:nvPr>
+        </p:nvSpPr>
+        <p:spPr/>
+        <p:txBody>
+          <a:bodyPr/>
+          <a:lstStyle/>
+          <a:p>
+            <a:endParaRPr lang="de-DE" dirty="0"/>
+          </a:p>
+        </p:txBody>
+      </p:sp>
+      <p:sp>
+        <p:nvSpPr>
+          <p:cNvPr id="4" name="Foliennummernplatzhalter 3"/>
+          <p:cNvSpPr>
+            <a:spLocks noGrp="1"/>
+          </p:cNvSpPr>
+          <p:nvPr>
+            <p:ph type="sldNum" sz="quarter" idx="5"/>
+          </p:nvPr>
+        </p:nvSpPr>
+        <p:spPr/>
+        <p:txBody>
+          <a:bodyPr/>
+          <a:lstStyle/>
+          <a:p>
+            <a:fld id="{312FAAF6-6C93-4406-8FFD-B4AB5AA7608F}" type="slidenum">
+              <a:rPr lang="de-DE" smtClean="0"/>
+              <a:pPr/>
+              <a:t>17</a:t>
+            </a:fld>
+            <a:endParaRPr lang="de-DE"/>
+          </a:p>
+        </p:txBody>
+      </p:sp>
+    </p:spTree>
+    <p:extLst>
+      <p:ext uri="{BB962C8B-B14F-4D97-AF65-F5344CB8AC3E}">
+        <p14:creationId xmlns:p14="http://schemas.microsoft.com/office/powerpoint/2010/main" val="877762209"/>
+      </p:ext>
+    </p:extLst>
+  </p:cSld>
+  <p:clrMapOvr>
+    <a:masterClrMapping/>
+  </p:clrMapOvr>
+</p:notes>
+</file>
+
+<file path=ppt/notesSlides/notesSlide18.xml><?xml version="1.0" encoding="utf-8"?>
+<p:notes xmlns:a="http://schemas.openxmlformats.org/drawingml/2006/main" xmlns:r="http://schemas.openxmlformats.org/officeDocument/2006/relationships" xmlns:p="http://schemas.openxmlformats.org/presentationml/2006/main">
+  <p:cSld>
+    <p:spTree>
+      <p:nvGrpSpPr>
+        <p:cNvPr id="1" name=""/>
+        <p:cNvGrpSpPr/>
+        <p:nvPr/>
+      </p:nvGrpSpPr>
+      <p:grpSpPr>
+        <a:xfrm>
+          <a:off x="0" y="0"/>
+          <a:ext cx="0" cy="0"/>
+          <a:chOff x="0" y="0"/>
+          <a:chExt cx="0" cy="0"/>
+        </a:xfrm>
+      </p:grpSpPr>
+      <p:sp>
+        <p:nvSpPr>
+          <p:cNvPr id="2" name="Folienbildplatzhalter 1"/>
+          <p:cNvSpPr>
+            <a:spLocks noGrp="1" noRot="1" noChangeAspect="1"/>
+          </p:cNvSpPr>
+          <p:nvPr>
+            <p:ph type="sldImg"/>
+          </p:nvPr>
+        </p:nvSpPr>
+        <p:spPr/>
+      </p:sp>
+      <p:sp>
+        <p:nvSpPr>
+          <p:cNvPr id="3" name="Notizenplatzhalter 2"/>
+          <p:cNvSpPr>
+            <a:spLocks noGrp="1"/>
+          </p:cNvSpPr>
+          <p:nvPr>
+            <p:ph type="body" idx="1"/>
+          </p:nvPr>
+        </p:nvSpPr>
+        <p:spPr/>
+        <p:txBody>
+          <a:bodyPr/>
+          <a:lstStyle/>
+          <a:p>
+            <a:endParaRPr lang="de-DE" dirty="0"/>
+          </a:p>
+        </p:txBody>
+      </p:sp>
+      <p:sp>
+        <p:nvSpPr>
+          <p:cNvPr id="4" name="Foliennummernplatzhalter 3"/>
+          <p:cNvSpPr>
+            <a:spLocks noGrp="1"/>
+          </p:cNvSpPr>
+          <p:nvPr>
+            <p:ph type="sldNum" sz="quarter" idx="5"/>
+          </p:nvPr>
+        </p:nvSpPr>
+        <p:spPr/>
+        <p:txBody>
+          <a:bodyPr/>
+          <a:lstStyle/>
+          <a:p>
             <a:fld id="{FBD137C9-0E35-BF46-9B4A-26807D85E2DF}" type="slidenum">
               <a:rPr lang="de-DE" smtClean="0"/>
-              <a:t>14</a:t>
+              <a:t>18</a:t>
             </a:fld>
             <a:endParaRPr lang="de-DE"/>
           </a:p>
@@ -1711,7 +2064,10 @@
           <a:bodyPr/>
           <a:lstStyle/>
           <a:p>
-            <a:endParaRPr lang="de-DE" dirty="0"/>
+            <a:r>
+              <a:rPr lang="de-DE" dirty="0"/>
+              <a:t>Basierend auf den Diagrammen</a:t>
+            </a:r>
           </a:p>
         </p:txBody>
       </p:sp>
@@ -1742,7 +2098,7 @@
     </p:spTree>
     <p:extLst>
       <p:ext uri="{BB962C8B-B14F-4D97-AF65-F5344CB8AC3E}">
-        <p14:creationId xmlns:p14="http://schemas.microsoft.com/office/powerpoint/2010/main" val="2956734622"/>
+        <p14:creationId xmlns:p14="http://schemas.microsoft.com/office/powerpoint/2010/main" val="518963407"/>
       </p:ext>
     </p:extLst>
   </p:cSld>
@@ -1796,7 +2152,301 @@
           <a:bodyPr/>
           <a:lstStyle/>
           <a:p>
+            <a:r>
+              <a:rPr lang="de-DE" dirty="0" err="1"/>
+              <a:t>library</a:t>
+            </a:r>
+            <a:r>
+              <a:rPr lang="de-DE" dirty="0"/>
+              <a:t>(</a:t>
+            </a:r>
+            <a:r>
+              <a:rPr lang="de-DE" dirty="0" err="1"/>
+              <a:t>tidyr</a:t>
+            </a:r>
+            <a:r>
+              <a:rPr lang="de-DE" dirty="0"/>
+              <a:t>)</a:t>
+            </a:r>
+          </a:p>
+          <a:p>
+            <a:r>
+              <a:rPr lang="de-DE" dirty="0" err="1"/>
+              <a:t>wetter</a:t>
+            </a:r>
+            <a:r>
+              <a:rPr lang="de-DE" dirty="0"/>
+              <a:t> &lt;- </a:t>
+            </a:r>
+            <a:r>
+              <a:rPr lang="de-DE" dirty="0" err="1"/>
+              <a:t>read_csv</a:t>
+            </a:r>
+            <a:r>
+              <a:rPr lang="de-DE" dirty="0"/>
+              <a:t>("</a:t>
+            </a:r>
+            <a:r>
+              <a:rPr lang="de-DE" dirty="0" err="1"/>
+              <a:t>wetter.csv</a:t>
+            </a:r>
+            <a:r>
+              <a:rPr lang="de-DE" dirty="0"/>
+              <a:t>")</a:t>
+            </a:r>
+          </a:p>
+          <a:p>
+            <a:r>
+              <a:rPr lang="de-DE" dirty="0" err="1"/>
+              <a:t>wetter</a:t>
+            </a:r>
+            <a:r>
+              <a:rPr lang="de-DE" dirty="0"/>
+              <a:t> &lt;- </a:t>
+            </a:r>
+            <a:r>
+              <a:rPr lang="de-DE" dirty="0" err="1"/>
+              <a:t>mutate</a:t>
+            </a:r>
+            <a:r>
+              <a:rPr lang="de-DE" dirty="0"/>
+              <a:t>(</a:t>
+            </a:r>
+            <a:r>
+              <a:rPr lang="de-DE" dirty="0" err="1"/>
+              <a:t>wetter</a:t>
+            </a:r>
+            <a:r>
+              <a:rPr lang="de-DE" dirty="0"/>
+              <a:t>, </a:t>
+            </a:r>
+            <a:r>
+              <a:rPr lang="de-DE" dirty="0" err="1"/>
+              <a:t>monat</a:t>
+            </a:r>
+            <a:r>
+              <a:rPr lang="de-DE" dirty="0"/>
+              <a:t> = </a:t>
+            </a:r>
+            <a:r>
+              <a:rPr lang="de-DE" dirty="0" err="1"/>
+              <a:t>as.factor</a:t>
+            </a:r>
+            <a:r>
+              <a:rPr lang="de-DE" dirty="0"/>
+              <a:t>(</a:t>
+            </a:r>
+            <a:r>
+              <a:rPr lang="de-DE" dirty="0" err="1"/>
+              <a:t>format</a:t>
+            </a:r>
+            <a:r>
+              <a:rPr lang="de-DE" dirty="0"/>
+              <a:t>(Datum, "%m")))</a:t>
+            </a:r>
+          </a:p>
+          <a:p>
             <a:endParaRPr lang="de-DE" dirty="0"/>
+          </a:p>
+          <a:p>
+            <a:r>
+              <a:rPr lang="de-DE" dirty="0" err="1"/>
+              <a:t>wetter</a:t>
+            </a:r>
+            <a:r>
+              <a:rPr lang="de-DE" dirty="0"/>
+              <a:t> %&gt;%</a:t>
+            </a:r>
+          </a:p>
+          <a:p>
+            <a:r>
+              <a:rPr lang="de-DE" dirty="0" err="1"/>
+              <a:t>group_by</a:t>
+            </a:r>
+            <a:r>
+              <a:rPr lang="de-DE" dirty="0"/>
+              <a:t>(</a:t>
+            </a:r>
+            <a:r>
+              <a:rPr lang="de-DE" dirty="0" err="1"/>
+              <a:t>monat</a:t>
+            </a:r>
+            <a:r>
+              <a:rPr lang="de-DE" dirty="0"/>
+              <a:t>) %&gt;% </a:t>
+            </a:r>
+            <a:r>
+              <a:rPr lang="de-DE" dirty="0" err="1"/>
+              <a:t>summarize</a:t>
+            </a:r>
+            <a:r>
+              <a:rPr lang="de-DE" dirty="0"/>
+              <a:t>(</a:t>
+            </a:r>
+            <a:r>
+              <a:rPr lang="de-DE" dirty="0" err="1"/>
+              <a:t>mean</a:t>
+            </a:r>
+            <a:r>
+              <a:rPr lang="de-DE" dirty="0"/>
+              <a:t>=</a:t>
+            </a:r>
+            <a:r>
+              <a:rPr lang="de-DE" dirty="0" err="1"/>
+              <a:t>mean</a:t>
+            </a:r>
+            <a:r>
+              <a:rPr lang="de-DE" dirty="0"/>
+              <a:t>(Temperatur)) %&gt;%  </a:t>
+            </a:r>
+            <a:r>
+              <a:rPr lang="de-DE" dirty="0" err="1"/>
+              <a:t>write_csv</a:t>
+            </a:r>
+            <a:r>
+              <a:rPr lang="de-DE" dirty="0"/>
+              <a:t>("</a:t>
+            </a:r>
+            <a:r>
+              <a:rPr lang="de-DE" dirty="0" err="1"/>
+              <a:t>mean_temperature.csv</a:t>
+            </a:r>
+            <a:r>
+              <a:rPr lang="de-DE" dirty="0"/>
+              <a:t>")</a:t>
+            </a:r>
+          </a:p>
+          <a:p>
+            <a:endParaRPr lang="de-DE" dirty="0"/>
+          </a:p>
+          <a:p>
+            <a:r>
+              <a:rPr lang="de-DE" dirty="0" err="1"/>
+              <a:t>mean_temperature</a:t>
+            </a:r>
+            <a:r>
+              <a:rPr lang="de-DE" dirty="0"/>
+              <a:t> &lt;- </a:t>
+            </a:r>
+            <a:r>
+              <a:rPr lang="de-DE" dirty="0" err="1"/>
+              <a:t>read_csv</a:t>
+            </a:r>
+            <a:r>
+              <a:rPr lang="de-DE" dirty="0"/>
+              <a:t>("</a:t>
+            </a:r>
+            <a:r>
+              <a:rPr lang="de-DE" dirty="0" err="1"/>
+              <a:t>mean_temperature.csv</a:t>
+            </a:r>
+            <a:r>
+              <a:rPr lang="de-DE" dirty="0"/>
+              <a:t>")</a:t>
+            </a:r>
+          </a:p>
+          <a:p>
+            <a:r>
+              <a:rPr lang="de-DE" dirty="0" err="1"/>
+              <a:t>mean_temperature$monat</a:t>
+            </a:r>
+            <a:r>
+              <a:rPr lang="de-DE" dirty="0"/>
+              <a:t> &lt;- </a:t>
+            </a:r>
+            <a:r>
+              <a:rPr lang="de-DE" dirty="0" err="1"/>
+              <a:t>as.factor</a:t>
+            </a:r>
+            <a:r>
+              <a:rPr lang="de-DE" dirty="0"/>
+              <a:t>(</a:t>
+            </a:r>
+            <a:r>
+              <a:rPr lang="de-DE" dirty="0" err="1"/>
+              <a:t>mean_temperature$monat</a:t>
+            </a:r>
+            <a:r>
+              <a:rPr lang="de-DE" dirty="0"/>
+              <a:t>)</a:t>
+            </a:r>
+          </a:p>
+          <a:p>
+            <a:r>
+              <a:rPr lang="de-DE" dirty="0" err="1"/>
+              <a:t>wetter</a:t>
+            </a:r>
+            <a:r>
+              <a:rPr lang="de-DE" dirty="0"/>
+              <a:t> &lt;- </a:t>
+            </a:r>
+            <a:r>
+              <a:rPr lang="de-DE" dirty="0" err="1"/>
+              <a:t>left_join</a:t>
+            </a:r>
+            <a:r>
+              <a:rPr lang="de-DE" dirty="0"/>
+              <a:t>(</a:t>
+            </a:r>
+            <a:r>
+              <a:rPr lang="de-DE" dirty="0" err="1"/>
+              <a:t>wetter</a:t>
+            </a:r>
+            <a:r>
+              <a:rPr lang="de-DE" dirty="0"/>
+              <a:t>, </a:t>
+            </a:r>
+            <a:r>
+              <a:rPr lang="de-DE" dirty="0" err="1"/>
+              <a:t>mean_temperature</a:t>
+            </a:r>
+            <a:r>
+              <a:rPr lang="de-DE" dirty="0"/>
+              <a:t>)</a:t>
+            </a:r>
+          </a:p>
+          <a:p>
+            <a:endParaRPr lang="de-DE" dirty="0"/>
+          </a:p>
+          <a:p>
+            <a:r>
+              <a:rPr lang="de-DE" dirty="0" err="1"/>
+              <a:t>wetter$Temp_abweichung</a:t>
+            </a:r>
+            <a:r>
+              <a:rPr lang="de-DE" dirty="0"/>
+              <a:t> &lt;- </a:t>
+            </a:r>
+            <a:r>
+              <a:rPr lang="de-DE" dirty="0" err="1"/>
+              <a:t>ifelse</a:t>
+            </a:r>
+            <a:r>
+              <a:rPr lang="de-DE" dirty="0"/>
+              <a:t>(</a:t>
+            </a:r>
+            <a:r>
+              <a:rPr lang="de-DE" dirty="0" err="1"/>
+              <a:t>wetter$mean</a:t>
+            </a:r>
+            <a:r>
+              <a:rPr lang="de-DE" dirty="0"/>
+              <a:t> - </a:t>
+            </a:r>
+            <a:r>
+              <a:rPr lang="de-DE" dirty="0" err="1"/>
+              <a:t>wetter$Temperatur</a:t>
+            </a:r>
+            <a:r>
+              <a:rPr lang="de-DE" dirty="0"/>
+              <a:t> &lt; 5, 1, 0)</a:t>
+            </a:r>
+          </a:p>
+          <a:p>
+            <a:r>
+              <a:rPr lang="de-DE" dirty="0"/>
+              <a:t>```</a:t>
+            </a:r>
           </a:p>
         </p:txBody>
       </p:sp>
@@ -1827,7 +2477,7 @@
     </p:spTree>
     <p:extLst>
       <p:ext uri="{BB962C8B-B14F-4D97-AF65-F5344CB8AC3E}">
-        <p14:creationId xmlns:p14="http://schemas.microsoft.com/office/powerpoint/2010/main" val="765998520"/>
+        <p14:creationId xmlns:p14="http://schemas.microsoft.com/office/powerpoint/2010/main" val="887229198"/>
       </p:ext>
     </p:extLst>
   </p:cSld>
@@ -1881,10 +2531,7 @@
           <a:bodyPr/>
           <a:lstStyle/>
           <a:p>
-            <a:r>
-              <a:rPr lang="de-DE" dirty="0"/>
-              <a:t>Basierend auf den Diagrammen</a:t>
-            </a:r>
+            <a:endParaRPr lang="de-DE" dirty="0"/>
           </a:p>
         </p:txBody>
       </p:sp>
@@ -1915,7 +2562,7 @@
     </p:spTree>
     <p:extLst>
       <p:ext uri="{BB962C8B-B14F-4D97-AF65-F5344CB8AC3E}">
-        <p14:creationId xmlns:p14="http://schemas.microsoft.com/office/powerpoint/2010/main" val="2571316818"/>
+        <p14:creationId xmlns:p14="http://schemas.microsoft.com/office/powerpoint/2010/main" val="2956734622"/>
       </p:ext>
     </p:extLst>
   </p:cSld>
@@ -1944,7 +2591,7 @@
       </p:grpSpPr>
       <p:sp>
         <p:nvSpPr>
-          <p:cNvPr id="2" name="Folienbildplatzhalter 1"/>
+          <p:cNvPr id="2" name="Slide Image Placeholder 1"/>
           <p:cNvSpPr>
             <a:spLocks noGrp="1" noRot="1" noChangeAspect="1"/>
           </p:cNvSpPr>
@@ -1956,7 +2603,7 @@
       </p:sp>
       <p:sp>
         <p:nvSpPr>
-          <p:cNvPr id="3" name="Notizenplatzhalter 2"/>
+          <p:cNvPr id="3" name="Notes Placeholder 2"/>
           <p:cNvSpPr>
             <a:spLocks noGrp="1"/>
           </p:cNvSpPr>
@@ -1970,306 +2617,35 @@
           <a:lstStyle/>
           <a:p>
             <a:r>
-              <a:rPr lang="de-DE" dirty="0" err="1"/>
-              <a:t>library</a:t>
-            </a:r>
-            <a:r>
-              <a:rPr lang="de-DE" dirty="0"/>
-              <a:t>(</a:t>
-            </a:r>
-            <a:r>
-              <a:rPr lang="de-DE" dirty="0" err="1"/>
-              <a:t>tidyr</a:t>
-            </a:r>
-            <a:r>
-              <a:rPr lang="de-DE" dirty="0"/>
-              <a:t>)</a:t>
-            </a:r>
-          </a:p>
-          <a:p>
-            <a:r>
-              <a:rPr lang="de-DE" dirty="0" err="1"/>
-              <a:t>wetter</a:t>
-            </a:r>
-            <a:r>
-              <a:rPr lang="de-DE" dirty="0"/>
-              <a:t> &lt;- </a:t>
-            </a:r>
-            <a:r>
-              <a:rPr lang="de-DE" dirty="0" err="1"/>
-              <a:t>read_csv</a:t>
-            </a:r>
-            <a:r>
-              <a:rPr lang="de-DE" dirty="0"/>
-              <a:t>("</a:t>
-            </a:r>
-            <a:r>
-              <a:rPr lang="de-DE" dirty="0" err="1"/>
-              <a:t>wetter.csv</a:t>
-            </a:r>
-            <a:r>
-              <a:rPr lang="de-DE" dirty="0"/>
-              <a:t>")</a:t>
-            </a:r>
-          </a:p>
-          <a:p>
-            <a:r>
-              <a:rPr lang="de-DE" dirty="0" err="1"/>
-              <a:t>wetter</a:t>
-            </a:r>
-            <a:r>
-              <a:rPr lang="de-DE" dirty="0"/>
-              <a:t> &lt;- </a:t>
-            </a:r>
-            <a:r>
-              <a:rPr lang="de-DE" dirty="0" err="1"/>
-              <a:t>mutate</a:t>
-            </a:r>
-            <a:r>
-              <a:rPr lang="de-DE" dirty="0"/>
-              <a:t>(</a:t>
-            </a:r>
-            <a:r>
-              <a:rPr lang="de-DE" dirty="0" err="1"/>
-              <a:t>wetter</a:t>
-            </a:r>
-            <a:r>
-              <a:rPr lang="de-DE" dirty="0"/>
-              <a:t>, </a:t>
-            </a:r>
-            <a:r>
-              <a:rPr lang="de-DE" dirty="0" err="1"/>
-              <a:t>monat</a:t>
-            </a:r>
-            <a:r>
-              <a:rPr lang="de-DE" dirty="0"/>
-              <a:t> = </a:t>
-            </a:r>
-            <a:r>
-              <a:rPr lang="de-DE" dirty="0" err="1"/>
-              <a:t>as.factor</a:t>
-            </a:r>
-            <a:r>
-              <a:rPr lang="de-DE" dirty="0"/>
-              <a:t>(</a:t>
-            </a:r>
-            <a:r>
-              <a:rPr lang="de-DE" dirty="0" err="1"/>
-              <a:t>format</a:t>
-            </a:r>
-            <a:r>
-              <a:rPr lang="de-DE" dirty="0"/>
-              <a:t>(Datum, "%m")))</a:t>
-            </a:r>
-          </a:p>
-          <a:p>
-            <a:endParaRPr lang="de-DE" dirty="0"/>
-          </a:p>
-          <a:p>
-            <a:r>
-              <a:rPr lang="de-DE" dirty="0" err="1"/>
-              <a:t>wetter</a:t>
-            </a:r>
-            <a:r>
-              <a:rPr lang="de-DE" dirty="0"/>
-              <a:t> %&gt;%</a:t>
-            </a:r>
-          </a:p>
-          <a:p>
-            <a:r>
-              <a:rPr lang="de-DE" dirty="0" err="1"/>
-              <a:t>group_by</a:t>
-            </a:r>
-            <a:r>
-              <a:rPr lang="de-DE" dirty="0"/>
-              <a:t>(</a:t>
-            </a:r>
-            <a:r>
-              <a:rPr lang="de-DE" dirty="0" err="1"/>
-              <a:t>monat</a:t>
-            </a:r>
-            <a:r>
-              <a:rPr lang="de-DE" dirty="0"/>
-              <a:t>) %&gt;% </a:t>
-            </a:r>
-            <a:r>
-              <a:rPr lang="de-DE" dirty="0" err="1"/>
-              <a:t>summarize</a:t>
-            </a:r>
-            <a:r>
-              <a:rPr lang="de-DE" dirty="0"/>
-              <a:t>(</a:t>
-            </a:r>
-            <a:r>
-              <a:rPr lang="de-DE" dirty="0" err="1"/>
-              <a:t>mean</a:t>
-            </a:r>
-            <a:r>
-              <a:rPr lang="de-DE" dirty="0"/>
-              <a:t>=</a:t>
-            </a:r>
-            <a:r>
-              <a:rPr lang="de-DE" dirty="0" err="1"/>
-              <a:t>mean</a:t>
-            </a:r>
-            <a:r>
-              <a:rPr lang="de-DE" dirty="0"/>
-              <a:t>(Temperatur)) %&gt;%  </a:t>
-            </a:r>
-            <a:r>
-              <a:rPr lang="de-DE" dirty="0" err="1"/>
-              <a:t>write_csv</a:t>
-            </a:r>
-            <a:r>
-              <a:rPr lang="de-DE" dirty="0"/>
-              <a:t>("</a:t>
-            </a:r>
-            <a:r>
-              <a:rPr lang="de-DE" dirty="0" err="1"/>
-              <a:t>mean_temperature.csv</a:t>
-            </a:r>
-            <a:r>
-              <a:rPr lang="de-DE" dirty="0"/>
-              <a:t>")</a:t>
-            </a:r>
-          </a:p>
-          <a:p>
-            <a:endParaRPr lang="de-DE" dirty="0"/>
-          </a:p>
-          <a:p>
-            <a:r>
-              <a:rPr lang="de-DE" dirty="0" err="1"/>
-              <a:t>mean_temperature</a:t>
-            </a:r>
-            <a:r>
-              <a:rPr lang="de-DE" dirty="0"/>
-              <a:t> &lt;- </a:t>
-            </a:r>
-            <a:r>
-              <a:rPr lang="de-DE" dirty="0" err="1"/>
-              <a:t>read_csv</a:t>
-            </a:r>
-            <a:r>
-              <a:rPr lang="de-DE" dirty="0"/>
-              <a:t>("</a:t>
-            </a:r>
-            <a:r>
-              <a:rPr lang="de-DE" dirty="0" err="1"/>
-              <a:t>mean_temperature.csv</a:t>
-            </a:r>
-            <a:r>
-              <a:rPr lang="de-DE" dirty="0"/>
-              <a:t>")</a:t>
-            </a:r>
-          </a:p>
-          <a:p>
-            <a:r>
-              <a:rPr lang="de-DE" dirty="0" err="1"/>
-              <a:t>mean_temperature$monat</a:t>
-            </a:r>
-            <a:r>
-              <a:rPr lang="de-DE" dirty="0"/>
-              <a:t> &lt;- </a:t>
-            </a:r>
-            <a:r>
-              <a:rPr lang="de-DE" dirty="0" err="1"/>
-              <a:t>as.factor</a:t>
-            </a:r>
-            <a:r>
-              <a:rPr lang="de-DE" dirty="0"/>
-              <a:t>(</a:t>
-            </a:r>
-            <a:r>
-              <a:rPr lang="de-DE" dirty="0" err="1"/>
-              <a:t>mean_temperature$monat</a:t>
-            </a:r>
-            <a:r>
-              <a:rPr lang="de-DE" dirty="0"/>
-              <a:t>)</a:t>
-            </a:r>
-          </a:p>
-          <a:p>
-            <a:r>
-              <a:rPr lang="de-DE" dirty="0" err="1"/>
-              <a:t>wetter</a:t>
-            </a:r>
-            <a:r>
-              <a:rPr lang="de-DE" dirty="0"/>
-              <a:t> &lt;- </a:t>
-            </a:r>
-            <a:r>
-              <a:rPr lang="de-DE" dirty="0" err="1"/>
-              <a:t>left_join</a:t>
-            </a:r>
-            <a:r>
-              <a:rPr lang="de-DE" dirty="0"/>
-              <a:t>(</a:t>
-            </a:r>
-            <a:r>
-              <a:rPr lang="de-DE" dirty="0" err="1"/>
-              <a:t>wetter</a:t>
-            </a:r>
-            <a:r>
-              <a:rPr lang="de-DE" dirty="0"/>
-              <a:t>, </a:t>
-            </a:r>
-            <a:r>
-              <a:rPr lang="de-DE" dirty="0" err="1"/>
-              <a:t>mean_temperature</a:t>
-            </a:r>
-            <a:r>
-              <a:rPr lang="de-DE" dirty="0"/>
-              <a:t>)</a:t>
-            </a:r>
-          </a:p>
-          <a:p>
-            <a:endParaRPr lang="de-DE" dirty="0"/>
-          </a:p>
-          <a:p>
-            <a:r>
-              <a:rPr lang="de-DE" dirty="0" err="1"/>
-              <a:t>wetter$Temp_abweichung</a:t>
-            </a:r>
-            <a:r>
-              <a:rPr lang="de-DE" dirty="0"/>
-              <a:t> &lt;- </a:t>
-            </a:r>
-            <a:r>
-              <a:rPr lang="de-DE" dirty="0" err="1"/>
-              <a:t>ifelse</a:t>
-            </a:r>
-            <a:r>
-              <a:rPr lang="de-DE" dirty="0"/>
-              <a:t>(</a:t>
-            </a:r>
-            <a:r>
-              <a:rPr lang="de-DE" dirty="0" err="1"/>
-              <a:t>wetter$mean</a:t>
-            </a:r>
-            <a:r>
-              <a:rPr lang="de-DE" dirty="0"/>
-              <a:t> - </a:t>
-            </a:r>
-            <a:r>
-              <a:rPr lang="de-DE" dirty="0" err="1"/>
-              <a:t>wetter$Temperatur</a:t>
-            </a:r>
-            <a:r>
-              <a:rPr lang="de-DE" dirty="0"/>
-              <a:t> &lt; 5, 1, 0)</a:t>
-            </a:r>
-          </a:p>
-          <a:p>
-            <a:r>
-              <a:rPr lang="de-DE" dirty="0"/>
-              <a:t>```</a:t>
-            </a:r>
-          </a:p>
-        </p:txBody>
-      </p:sp>
-      <p:sp>
-        <p:nvSpPr>
-          <p:cNvPr id="4" name="Foliennummernplatzhalter 3"/>
+              <a:rPr lang="en-AU" dirty="0" err="1"/>
+              <a:t>Balkendiagramm</a:t>
+            </a:r>
+            <a:r>
+              <a:rPr lang="en-AU" dirty="0"/>
+              <a:t> Silvester True false </a:t>
+            </a:r>
+            <a:r>
+              <a:rPr lang="en-AU" dirty="0" err="1"/>
+              <a:t>für</a:t>
+            </a:r>
+            <a:r>
+              <a:rPr lang="en-AU" dirty="0"/>
+              <a:t> </a:t>
+            </a:r>
+            <a:r>
+              <a:rPr lang="en-AU" dirty="0" err="1"/>
+              <a:t>jede</a:t>
+            </a:r>
+            <a:r>
+              <a:rPr lang="en-AU" dirty="0"/>
+              <a:t> Gruppe</a:t>
+            </a:r>
+          </a:p>
+        </p:txBody>
+      </p:sp>
+      <p:sp>
+        <p:nvSpPr>
+          <p:cNvPr id="4" name="Slide Number Placeholder 3"/>
           <p:cNvSpPr>
             <a:spLocks noGrp="1"/>
           </p:cNvSpPr>
@@ -2294,7 +2670,7 @@
     </p:spTree>
     <p:extLst>
       <p:ext uri="{BB962C8B-B14F-4D97-AF65-F5344CB8AC3E}">
-        <p14:creationId xmlns:p14="http://schemas.microsoft.com/office/powerpoint/2010/main" val="3153287187"/>
+        <p14:creationId xmlns:p14="http://schemas.microsoft.com/office/powerpoint/2010/main" val="3117164293"/>
       </p:ext>
     </p:extLst>
   </p:cSld>
@@ -2323,7 +2699,7 @@
       </p:grpSpPr>
       <p:sp>
         <p:nvSpPr>
-          <p:cNvPr id="2" name="Folienbildplatzhalter 1"/>
+          <p:cNvPr id="2" name="Slide Image Placeholder 1"/>
           <p:cNvSpPr>
             <a:spLocks noGrp="1" noRot="1" noChangeAspect="1"/>
           </p:cNvSpPr>
@@ -2335,7 +2711,7 @@
       </p:sp>
       <p:sp>
         <p:nvSpPr>
-          <p:cNvPr id="3" name="Notizenplatzhalter 2"/>
+          <p:cNvPr id="3" name="Notes Placeholder 2"/>
           <p:cNvSpPr>
             <a:spLocks noGrp="1"/>
           </p:cNvSpPr>
@@ -2349,18 +2725,27 @@
           <a:lstStyle/>
           <a:p>
             <a:r>
-              <a:rPr lang="de-DE" dirty="0"/>
-              <a:t>SVM: Warengruppe zusammen vs. Getrennt</a:t>
-            </a:r>
-          </a:p>
-          <a:p>
-            <a:endParaRPr lang="de-DE" dirty="0"/>
-          </a:p>
-        </p:txBody>
-      </p:sp>
-      <p:sp>
-        <p:nvSpPr>
-          <p:cNvPr id="4" name="Foliennummernplatzhalter 3"/>
+              <a:rPr lang="en-AU" dirty="0" err="1"/>
+              <a:t>Temp_abwweichung</a:t>
+            </a:r>
+            <a:r>
+              <a:rPr lang="en-AU" dirty="0"/>
+              <a:t> </a:t>
+            </a:r>
+            <a:r>
+              <a:rPr lang="en-AU" dirty="0" err="1"/>
+              <a:t>oder</a:t>
+            </a:r>
+            <a:r>
+              <a:rPr lang="en-AU" dirty="0"/>
+              <a:t> labels</a:t>
+            </a:r>
+          </a:p>
+        </p:txBody>
+      </p:sp>
+      <p:sp>
+        <p:nvSpPr>
+          <p:cNvPr id="4" name="Slide Number Placeholder 3"/>
           <p:cNvSpPr>
             <a:spLocks noGrp="1"/>
           </p:cNvSpPr>
@@ -2385,7 +2770,7 @@
     </p:spTree>
     <p:extLst>
       <p:ext uri="{BB962C8B-B14F-4D97-AF65-F5344CB8AC3E}">
-        <p14:creationId xmlns:p14="http://schemas.microsoft.com/office/powerpoint/2010/main" val="2852953737"/>
+        <p14:creationId xmlns:p14="http://schemas.microsoft.com/office/powerpoint/2010/main" val="2156499274"/>
       </p:ext>
     </p:extLst>
   </p:cSld>
@@ -2414,7 +2799,7 @@
       </p:grpSpPr>
       <p:sp>
         <p:nvSpPr>
-          <p:cNvPr id="2" name="Folienbildplatzhalter 1"/>
+          <p:cNvPr id="2" name="Slide Image Placeholder 1"/>
           <p:cNvSpPr>
             <a:spLocks noGrp="1" noRot="1" noChangeAspect="1"/>
           </p:cNvSpPr>
@@ -2426,7 +2811,7 @@
       </p:sp>
       <p:sp>
         <p:nvSpPr>
-          <p:cNvPr id="3" name="Notizenplatzhalter 2"/>
+          <p:cNvPr id="3" name="Notes Placeholder 2"/>
           <p:cNvSpPr>
             <a:spLocks noGrp="1"/>
           </p:cNvSpPr>
@@ -2440,15 +2825,51 @@
           <a:lstStyle/>
           <a:p>
             <a:r>
-              <a:rPr lang="de-DE" dirty="0"/>
-              <a:t>SVM: Warengruppe zusammen vs. getrennt</a:t>
-            </a:r>
-          </a:p>
-        </p:txBody>
-      </p:sp>
-      <p:sp>
-        <p:nvSpPr>
-          <p:cNvPr id="4" name="Foliennummernplatzhalter 3"/>
+              <a:rPr lang="en-AU" dirty="0" err="1"/>
+              <a:t>Mit</a:t>
+            </a:r>
+            <a:r>
+              <a:rPr lang="en-AU" dirty="0"/>
+              <a:t> der </a:t>
+            </a:r>
+            <a:r>
+              <a:rPr lang="en-AU" dirty="0" err="1"/>
+              <a:t>Folie</a:t>
+            </a:r>
+            <a:r>
+              <a:rPr lang="en-AU" dirty="0"/>
+              <a:t> </a:t>
+            </a:r>
+            <a:r>
+              <a:rPr lang="en-AU" dirty="0" err="1"/>
+              <a:t>beginnen</a:t>
+            </a:r>
+            <a:endParaRPr lang="en-AU" dirty="0"/>
+          </a:p>
+          <a:p>
+            <a:r>
+              <a:rPr lang="en-AU" dirty="0"/>
+              <a:t>Labels </a:t>
+            </a:r>
+            <a:r>
+              <a:rPr lang="en-AU" dirty="0" err="1"/>
+              <a:t>Legende</a:t>
+            </a:r>
+            <a:r>
+              <a:rPr lang="en-AU" dirty="0"/>
+              <a:t> </a:t>
+            </a:r>
+            <a:r>
+              <a:rPr lang="en-AU" dirty="0" err="1"/>
+              <a:t>größer</a:t>
+            </a:r>
+            <a:endParaRPr lang="en-AU" dirty="0"/>
+          </a:p>
+        </p:txBody>
+      </p:sp>
+      <p:sp>
+        <p:nvSpPr>
+          <p:cNvPr id="4" name="Slide Number Placeholder 3"/>
           <p:cNvSpPr>
             <a:spLocks noGrp="1"/>
           </p:cNvSpPr>
@@ -2473,7 +2894,7 @@
     </p:spTree>
     <p:extLst>
       <p:ext uri="{BB962C8B-B14F-4D97-AF65-F5344CB8AC3E}">
-        <p14:creationId xmlns:p14="http://schemas.microsoft.com/office/powerpoint/2010/main" val="2923407179"/>
+        <p14:creationId xmlns:p14="http://schemas.microsoft.com/office/powerpoint/2010/main" val="2020835536"/>
       </p:ext>
     </p:extLst>
   </p:cSld>
@@ -2502,7 +2923,7 @@
       </p:grpSpPr>
       <p:sp>
         <p:nvSpPr>
-          <p:cNvPr id="2" name="Folienbildplatzhalter 1"/>
+          <p:cNvPr id="2" name="Slide Image Placeholder 1"/>
           <p:cNvSpPr>
             <a:spLocks noGrp="1" noRot="1" noChangeAspect="1"/>
           </p:cNvSpPr>
@@ -2514,7 +2935,7 @@
       </p:sp>
       <p:sp>
         <p:nvSpPr>
-          <p:cNvPr id="3" name="Notizenplatzhalter 2"/>
+          <p:cNvPr id="3" name="Notes Placeholder 2"/>
           <p:cNvSpPr>
             <a:spLocks noGrp="1"/>
           </p:cNvSpPr>
@@ -2527,13 +2948,29 @@
           <a:bodyPr/>
           <a:lstStyle/>
           <a:p>
-            <a:endParaRPr lang="de-DE" dirty="0"/>
-          </a:p>
-        </p:txBody>
-      </p:sp>
-      <p:sp>
-        <p:nvSpPr>
-          <p:cNvPr id="4" name="Foliennummernplatzhalter 3"/>
+            <a:r>
+              <a:rPr lang="en-AU" dirty="0"/>
+              <a:t>Silvester </a:t>
+            </a:r>
+            <a:r>
+              <a:rPr lang="en-AU" dirty="0" err="1"/>
+              <a:t>Warengruppe</a:t>
+            </a:r>
+            <a:r>
+              <a:rPr lang="en-AU" dirty="0"/>
+              <a:t> 5 -&gt; </a:t>
+            </a:r>
+            <a:r>
+              <a:rPr lang="en-AU" dirty="0" err="1"/>
+              <a:t>Balkendiagramm</a:t>
+            </a:r>
+            <a:endParaRPr lang="en-AU" dirty="0"/>
+          </a:p>
+        </p:txBody>
+      </p:sp>
+      <p:sp>
+        <p:nvSpPr>
+          <p:cNvPr id="4" name="Slide Number Placeholder 3"/>
           <p:cNvSpPr>
             <a:spLocks noGrp="1"/>
           </p:cNvSpPr>
@@ -2558,7 +2995,7 @@
     </p:spTree>
     <p:extLst>
       <p:ext uri="{BB962C8B-B14F-4D97-AF65-F5344CB8AC3E}">
-        <p14:creationId xmlns:p14="http://schemas.microsoft.com/office/powerpoint/2010/main" val="728889382"/>
+        <p14:creationId xmlns:p14="http://schemas.microsoft.com/office/powerpoint/2010/main" val="3370826748"/>
       </p:ext>
     </p:extLst>
   </p:cSld>
@@ -5740,33 +6177,114 @@
         </p:nvSpPr>
         <p:spPr>
           <a:xfrm>
-            <a:off x="899592" y="44624"/>
-            <a:ext cx="7920880" cy="761999"/>
+            <a:off x="107505" y="44624"/>
+            <a:ext cx="9000999" cy="761999"/>
           </a:xfrm>
         </p:spPr>
         <p:txBody>
           <a:bodyPr anchor="ctr"/>
           <a:lstStyle/>
           <a:p>
-            <a:r>
-              <a:rPr lang="en-GB" sz="2800" dirty="0"/>
-              <a:t>Link </a:t>
-            </a:r>
-            <a:r>
-              <a:rPr lang="en-GB" sz="2800" dirty="0" err="1"/>
-              <a:t>zum</a:t>
-            </a:r>
-            <a:r>
-              <a:rPr lang="en-GB" sz="2800" dirty="0"/>
+            <a:pPr>
+              <a:defRPr/>
+            </a:pPr>
+            <a:r>
+              <a:rPr lang="en-GB" sz="2400" dirty="0" err="1">
+                <a:latin typeface="Helvetica" pitchFamily="2" charset="0"/>
+              </a:rPr>
+              <a:t>Balkendiagrammen</a:t>
+            </a:r>
+            <a:r>
+              <a:rPr lang="en-GB" sz="2400" dirty="0">
+                <a:latin typeface="Helvetica" pitchFamily="2" charset="0"/>
+              </a:rPr>
               <a:t> </a:t>
             </a:r>
             <a:r>
-              <a:rPr lang="en-GB" dirty="0">
-                <a:latin typeface="Helvetica" pitchFamily="2" charset="0"/>
-              </a:rPr>
-              <a:t>Repository</a:t>
-            </a:r>
-            <a:endParaRPr lang="de-DE" dirty="0">
+              <a:rPr lang="en-GB" sz="2400" dirty="0" err="1">
+                <a:latin typeface="Helvetica" pitchFamily="2" charset="0"/>
+              </a:rPr>
+              <a:t>mit</a:t>
+            </a:r>
+            <a:r>
+              <a:rPr lang="en-GB" sz="2400" dirty="0">
+                <a:latin typeface="Helvetica" pitchFamily="2" charset="0"/>
+              </a:rPr>
+              <a:t> </a:t>
+            </a:r>
+            <a:r>
+              <a:rPr lang="en-GB" sz="2400" dirty="0" err="1">
+                <a:latin typeface="Helvetica" pitchFamily="2" charset="0"/>
+              </a:rPr>
+              <a:t>Konfidenzintervallen</a:t>
+            </a:r>
+            <a:r>
+              <a:rPr lang="en-GB" sz="2400" dirty="0">
+                <a:latin typeface="Helvetica" pitchFamily="2" charset="0"/>
+              </a:rPr>
+              <a:t> </a:t>
+            </a:r>
+            <a:r>
+              <a:rPr lang="en-GB" sz="2400" dirty="0" err="1">
+                <a:latin typeface="Helvetica" pitchFamily="2" charset="0"/>
+              </a:rPr>
+              <a:t>für</a:t>
+            </a:r>
+            <a:r>
+              <a:rPr lang="en-GB" sz="2400" dirty="0">
+                <a:latin typeface="Helvetica" pitchFamily="2" charset="0"/>
+              </a:rPr>
+              <a:t> </a:t>
+            </a:r>
+            <a:r>
+              <a:rPr lang="en-GB" sz="2400" dirty="0" err="1">
+                <a:latin typeface="Helvetica" pitchFamily="2" charset="0"/>
+              </a:rPr>
+              <a:t>zwei</a:t>
+            </a:r>
+            <a:r>
+              <a:rPr lang="en-GB" sz="2400" dirty="0">
+                <a:latin typeface="Helvetica" pitchFamily="2" charset="0"/>
+              </a:rPr>
+              <a:t> </a:t>
+            </a:r>
+            <a:r>
+              <a:rPr lang="en-GB" sz="2400" dirty="0" err="1">
+                <a:latin typeface="Helvetica" pitchFamily="2" charset="0"/>
+              </a:rPr>
+              <a:t>selbst</a:t>
+            </a:r>
+            <a:r>
+              <a:rPr lang="en-GB" sz="2400" dirty="0">
+                <a:latin typeface="Helvetica" pitchFamily="2" charset="0"/>
+              </a:rPr>
+              <a:t> </a:t>
+            </a:r>
+            <a:r>
+              <a:rPr lang="en-GB" sz="2400" dirty="0" err="1">
+                <a:latin typeface="Helvetica" pitchFamily="2" charset="0"/>
+              </a:rPr>
+              <a:t>erstellte</a:t>
+            </a:r>
+            <a:r>
+              <a:rPr lang="en-GB" sz="2400" dirty="0">
+                <a:latin typeface="Helvetica" pitchFamily="2" charset="0"/>
+              </a:rPr>
+              <a:t> </a:t>
+            </a:r>
+            <a:r>
+              <a:rPr lang="en-GB" sz="2400" dirty="0" err="1">
+                <a:latin typeface="Helvetica" pitchFamily="2" charset="0"/>
+              </a:rPr>
+              <a:t>Variablen</a:t>
+            </a:r>
+            <a:r>
+              <a:rPr lang="en-GB" sz="2400" dirty="0">
+                <a:latin typeface="Helvetica" pitchFamily="2" charset="0"/>
+              </a:rPr>
+              <a:t> (2/2)</a:t>
+            </a:r>
+            <a:endParaRPr lang="de-DE" sz="2400" dirty="0">
               <a:solidFill>
                 <a:schemeClr val="tx1">
                   <a:lumMod val="50000"/>
@@ -5886,104 +6404,10 @@
           </a:p>
         </p:txBody>
       </p:sp>
-      <p:sp>
-        <p:nvSpPr>
-          <p:cNvPr id="4" name="Rectangle 3">
-            <a:extLst>
-              <a:ext uri="{FF2B5EF4-FFF2-40B4-BE49-F238E27FC236}">
-                <a16:creationId xmlns:a16="http://schemas.microsoft.com/office/drawing/2014/main" id="{84893198-39A3-8746-AB99-C55A25DC00B6}"/>
-              </a:ext>
-            </a:extLst>
-          </p:cNvPr>
-          <p:cNvSpPr/>
-          <p:nvPr/>
-        </p:nvSpPr>
-        <p:spPr>
-          <a:xfrm>
-            <a:off x="611560" y="1268760"/>
-            <a:ext cx="4572000" cy="1200329"/>
-          </a:xfrm>
-          <a:prstGeom prst="rect">
-            <a:avLst/>
-          </a:prstGeom>
-        </p:spPr>
-        <p:txBody>
-          <a:bodyPr>
-            <a:spAutoFit/>
-          </a:bodyPr>
-          <a:lstStyle/>
-          <a:p>
-            <a:r>
-              <a:rPr lang="en-GB" dirty="0" err="1">
-                <a:latin typeface="Helvetica" pitchFamily="2" charset="0"/>
-              </a:rPr>
-              <a:t>mit</a:t>
-            </a:r>
-            <a:r>
-              <a:rPr lang="en-GB" dirty="0">
-                <a:latin typeface="Helvetica" pitchFamily="2" charset="0"/>
-              </a:rPr>
-              <a:t>:</a:t>
-            </a:r>
-            <a:br>
-              <a:rPr lang="en-GB" dirty="0">
-                <a:latin typeface="Helvetica" pitchFamily="2" charset="0"/>
-              </a:rPr>
-            </a:br>
-            <a:r>
-              <a:rPr lang="en-GB" dirty="0">
-                <a:latin typeface="Helvetica" pitchFamily="2" charset="0"/>
-              </a:rPr>
-              <a:t>• </a:t>
-            </a:r>
-            <a:r>
-              <a:rPr lang="en-GB" dirty="0" err="1">
-                <a:latin typeface="Helvetica" pitchFamily="2" charset="0"/>
-              </a:rPr>
-              <a:t>Datensatz</a:t>
-            </a:r>
-            <a:br>
-              <a:rPr lang="en-GB" dirty="0">
-                <a:latin typeface="Helvetica" pitchFamily="2" charset="0"/>
-              </a:rPr>
-            </a:br>
-            <a:r>
-              <a:rPr lang="en-GB" dirty="0">
-                <a:latin typeface="Helvetica" pitchFamily="2" charset="0"/>
-              </a:rPr>
-              <a:t>• </a:t>
-            </a:r>
-            <a:r>
-              <a:rPr lang="en-GB" dirty="0" err="1">
-                <a:latin typeface="Helvetica" pitchFamily="2" charset="0"/>
-              </a:rPr>
-              <a:t>Programmcode</a:t>
-            </a:r>
-            <a:br>
-              <a:rPr lang="en-GB" dirty="0">
-                <a:latin typeface="Helvetica" pitchFamily="2" charset="0"/>
-              </a:rPr>
-            </a:br>
-            <a:r>
-              <a:rPr lang="en-GB" dirty="0">
-                <a:latin typeface="Helvetica" pitchFamily="2" charset="0"/>
-              </a:rPr>
-              <a:t>• </a:t>
-            </a:r>
-            <a:r>
-              <a:rPr lang="en-GB" dirty="0" err="1">
-                <a:latin typeface="Helvetica" pitchFamily="2" charset="0"/>
-              </a:rPr>
-              <a:t>Präsentation</a:t>
-            </a:r>
-            <a:endParaRPr lang="en-AU" dirty="0"/>
-          </a:p>
-        </p:txBody>
-      </p:sp>
     </p:spTree>
     <p:extLst>
       <p:ext uri="{BB962C8B-B14F-4D97-AF65-F5344CB8AC3E}">
-        <p14:creationId xmlns:p14="http://schemas.microsoft.com/office/powerpoint/2010/main" val="3688979529"/>
+        <p14:creationId xmlns:p14="http://schemas.microsoft.com/office/powerpoint/2010/main" val="3278179072"/>
       </p:ext>
     </p:extLst>
   </p:cSld>
@@ -6022,21 +6446,88 @@
         </p:nvSpPr>
         <p:spPr>
           <a:xfrm>
-            <a:off x="762098" y="1568088"/>
-            <a:ext cx="7920880" cy="761999"/>
+            <a:off x="467544" y="44624"/>
+            <a:ext cx="8676456" cy="761999"/>
           </a:xfrm>
         </p:spPr>
         <p:txBody>
           <a:bodyPr anchor="ctr"/>
           <a:lstStyle/>
           <a:p>
-            <a:pPr>
-              <a:defRPr/>
-            </a:pPr>
-            <a:r>
-              <a:rPr lang="de-DE" dirty="0"/>
-              <a:t>Danke für Eure Aufmerksamkeit! </a:t>
-            </a:r>
+            <a:r>
+              <a:rPr lang="en-GB" sz="2400" dirty="0" err="1">
+                <a:latin typeface="Helvetica" pitchFamily="2" charset="0"/>
+              </a:rPr>
+              <a:t>Ergebnisse</a:t>
+            </a:r>
+            <a:r>
+              <a:rPr lang="en-GB" sz="2400" dirty="0">
+                <a:latin typeface="Helvetica" pitchFamily="2" charset="0"/>
+              </a:rPr>
+              <a:t> der </a:t>
+            </a:r>
+            <a:r>
+              <a:rPr lang="en-GB" sz="2400" dirty="0" err="1">
+                <a:latin typeface="Helvetica" pitchFamily="2" charset="0"/>
+              </a:rPr>
+              <a:t>Schätzung</a:t>
+            </a:r>
+            <a:r>
+              <a:rPr lang="en-GB" sz="2400" dirty="0">
+                <a:latin typeface="Helvetica" pitchFamily="2" charset="0"/>
+              </a:rPr>
+              <a:t> </a:t>
+            </a:r>
+            <a:r>
+              <a:rPr lang="en-GB" sz="2400" dirty="0" err="1">
+                <a:latin typeface="Helvetica" pitchFamily="2" charset="0"/>
+              </a:rPr>
+              <a:t>einer</a:t>
+            </a:r>
+            <a:r>
+              <a:rPr lang="en-GB" sz="2400" dirty="0">
+                <a:latin typeface="Helvetica" pitchFamily="2" charset="0"/>
+              </a:rPr>
+              <a:t> SVM </a:t>
+            </a:r>
+            <a:br>
+              <a:rPr lang="en-GB" sz="2400" dirty="0">
+                <a:latin typeface="Helvetica" pitchFamily="2" charset="0"/>
+              </a:rPr>
+            </a:br>
+            <a:r>
+              <a:rPr lang="en-GB" sz="2000" dirty="0">
+                <a:latin typeface="Helvetica" pitchFamily="2" charset="0"/>
+              </a:rPr>
+              <a:t>(MAPE je </a:t>
+            </a:r>
+            <a:r>
+              <a:rPr lang="en-GB" sz="2000" dirty="0" err="1">
+                <a:latin typeface="Helvetica" pitchFamily="2" charset="0"/>
+              </a:rPr>
+              <a:t>Warengruppe</a:t>
+            </a:r>
+            <a:r>
+              <a:rPr lang="en-GB" sz="2000" dirty="0">
+                <a:latin typeface="Helvetica" pitchFamily="2" charset="0"/>
+              </a:rPr>
+              <a:t> und </a:t>
+            </a:r>
+            <a:r>
+              <a:rPr lang="en-GB" sz="2000" dirty="0" err="1">
+                <a:latin typeface="Helvetica" pitchFamily="2" charset="0"/>
+              </a:rPr>
+              <a:t>Warengruppenumsätze</a:t>
+            </a:r>
+            <a:r>
+              <a:rPr lang="en-GB" sz="2000" dirty="0">
+                <a:latin typeface="Helvetica" pitchFamily="2" charset="0"/>
+              </a:rPr>
+              <a:t>)</a:t>
+            </a:r>
+            <a:endParaRPr lang="en-GB" dirty="0">
+              <a:latin typeface="Helvetica" pitchFamily="2" charset="0"/>
+            </a:endParaRPr>
           </a:p>
         </p:txBody>
       </p:sp>
@@ -6065,6 +6556,3131 @@
               <a:rPr lang="de-DE" smtClean="0"/>
               <a:pPr/>
               <a:t>11</a:t>
+            </a:fld>
+            <a:endParaRPr lang="de-DE" dirty="0"/>
+          </a:p>
+        </p:txBody>
+      </p:sp>
+      <p:sp>
+        <p:nvSpPr>
+          <p:cNvPr id="2" name="Fußzeilenplatzhalter 1">
+            <a:extLst>
+              <a:ext uri="{FF2B5EF4-FFF2-40B4-BE49-F238E27FC236}">
+                <a16:creationId xmlns:a16="http://schemas.microsoft.com/office/drawing/2014/main" id="{1DC7A913-4F53-6346-8764-129A4373CFF4}"/>
+              </a:ext>
+            </a:extLst>
+          </p:cNvPr>
+          <p:cNvSpPr>
+            <a:spLocks noGrp="1"/>
+          </p:cNvSpPr>
+          <p:nvPr>
+            <p:ph type="ftr" sz="quarter" idx="11"/>
+          </p:nvPr>
+        </p:nvSpPr>
+        <p:spPr>
+          <a:xfrm>
+            <a:off x="2483768" y="6251510"/>
+            <a:ext cx="4081964" cy="365125"/>
+          </a:xfrm>
+        </p:spPr>
+        <p:txBody>
+          <a:bodyPr/>
+          <a:lstStyle/>
+          <a:p>
+            <a:endParaRPr lang="de-DE" sz="1400" dirty="0"/>
+          </a:p>
+        </p:txBody>
+      </p:sp>
+      <p:sp>
+        <p:nvSpPr>
+          <p:cNvPr id="8" name="Rechteck 4">
+            <a:extLst>
+              <a:ext uri="{FF2B5EF4-FFF2-40B4-BE49-F238E27FC236}">
+                <a16:creationId xmlns:a16="http://schemas.microsoft.com/office/drawing/2014/main" id="{1D0BF8D9-AC0F-F142-9C26-205384427EA2}"/>
+              </a:ext>
+            </a:extLst>
+          </p:cNvPr>
+          <p:cNvSpPr/>
+          <p:nvPr/>
+        </p:nvSpPr>
+        <p:spPr>
+          <a:xfrm>
+            <a:off x="107505" y="6093296"/>
+            <a:ext cx="2232247" cy="646331"/>
+          </a:xfrm>
+          <a:prstGeom prst="rect">
+            <a:avLst/>
+          </a:prstGeom>
+          <a:ln>
+            <a:solidFill>
+              <a:schemeClr val="bg1"/>
+            </a:solidFill>
+          </a:ln>
+        </p:spPr>
+        <p:style>
+          <a:lnRef idx="2">
+            <a:schemeClr val="dk1"/>
+          </a:lnRef>
+          <a:fillRef idx="1">
+            <a:schemeClr val="lt1"/>
+          </a:fillRef>
+          <a:effectRef idx="0">
+            <a:schemeClr val="dk1"/>
+          </a:effectRef>
+          <a:fontRef idx="minor">
+            <a:schemeClr val="dk1"/>
+          </a:fontRef>
+        </p:style>
+        <p:txBody>
+          <a:bodyPr rtlCol="0" anchor="ctr"/>
+          <a:lstStyle/>
+          <a:p>
+            <a:pPr algn="ctr"/>
+            <a:endParaRPr lang="de-DE"/>
+          </a:p>
+        </p:txBody>
+      </p:sp>
+      <p:pic>
+        <p:nvPicPr>
+          <p:cNvPr id="5" name="Picture 4">
+            <a:extLst>
+              <a:ext uri="{FF2B5EF4-FFF2-40B4-BE49-F238E27FC236}">
+                <a16:creationId xmlns:a16="http://schemas.microsoft.com/office/drawing/2014/main" id="{033B07F1-B000-0A4E-ADCE-913E8C6DDFC7}"/>
+              </a:ext>
+            </a:extLst>
+          </p:cNvPr>
+          <p:cNvPicPr>
+            <a:picLocks noChangeAspect="1"/>
+          </p:cNvPicPr>
+          <p:nvPr/>
+        </p:nvPicPr>
+        <p:blipFill rotWithShape="1">
+          <a:blip r:embed="rId3">
+            <a:extLst>
+              <a:ext uri="{28A0092B-C50C-407E-A947-70E740481C1C}">
+                <a14:useLocalDpi xmlns:a14="http://schemas.microsoft.com/office/drawing/2010/main" val="0"/>
+              </a:ext>
+            </a:extLst>
+          </a:blip>
+          <a:srcRect l="25525" b="9827"/>
+          <a:stretch/>
+        </p:blipFill>
+        <p:spPr>
+          <a:xfrm>
+            <a:off x="9252520" y="1050602"/>
+            <a:ext cx="1314698" cy="1683430"/>
+          </a:xfrm>
+          <a:prstGeom prst="rect">
+            <a:avLst/>
+          </a:prstGeom>
+        </p:spPr>
+      </p:pic>
+      <p:graphicFrame>
+        <p:nvGraphicFramePr>
+          <p:cNvPr id="7" name="Table 6">
+            <a:extLst>
+              <a:ext uri="{FF2B5EF4-FFF2-40B4-BE49-F238E27FC236}">
+                <a16:creationId xmlns:a16="http://schemas.microsoft.com/office/drawing/2014/main" id="{841AE8AD-1D61-5541-9A10-57772F06E414}"/>
+              </a:ext>
+            </a:extLst>
+          </p:cNvPr>
+          <p:cNvGraphicFramePr>
+            <a:graphicFrameLocks noGrp="1"/>
+          </p:cNvGraphicFramePr>
+          <p:nvPr>
+            <p:extLst>
+              <p:ext uri="{D42A27DB-BD31-4B8C-83A1-F6EECF244321}">
+                <p14:modId xmlns:p14="http://schemas.microsoft.com/office/powerpoint/2010/main" val="1742982642"/>
+              </p:ext>
+            </p:extLst>
+          </p:nvPr>
+        </p:nvGraphicFramePr>
+        <p:xfrm>
+          <a:off x="256464" y="1124744"/>
+          <a:ext cx="8676458" cy="4841865"/>
+        </p:xfrm>
+        <a:graphic>
+          <a:graphicData uri="http://schemas.openxmlformats.org/drawingml/2006/table">
+            <a:tbl>
+              <a:tblPr firstRow="1" bandRow="1">
+                <a:tableStyleId>{5940675A-B579-460E-94D1-54222C63F5DA}</a:tableStyleId>
+              </a:tblPr>
+              <a:tblGrid>
+                <a:gridCol w="859152">
+                  <a:extLst>
+                    <a:ext uri="{9D8B030D-6E8A-4147-A177-3AD203B41FA5}">
+                      <a16:colId xmlns:a16="http://schemas.microsoft.com/office/drawing/2014/main" val="4271733570"/>
+                    </a:ext>
+                  </a:extLst>
+                </a:gridCol>
+                <a:gridCol w="4536504">
+                  <a:extLst>
+                    <a:ext uri="{9D8B030D-6E8A-4147-A177-3AD203B41FA5}">
+                      <a16:colId xmlns:a16="http://schemas.microsoft.com/office/drawing/2014/main" val="4168449459"/>
+                    </a:ext>
+                  </a:extLst>
+                </a:gridCol>
+                <a:gridCol w="1715315">
+                  <a:extLst>
+                    <a:ext uri="{9D8B030D-6E8A-4147-A177-3AD203B41FA5}">
+                      <a16:colId xmlns:a16="http://schemas.microsoft.com/office/drawing/2014/main" val="2005399218"/>
+                    </a:ext>
+                  </a:extLst>
+                </a:gridCol>
+                <a:gridCol w="1565487">
+                  <a:extLst>
+                    <a:ext uri="{9D8B030D-6E8A-4147-A177-3AD203B41FA5}">
+                      <a16:colId xmlns:a16="http://schemas.microsoft.com/office/drawing/2014/main" val="1558430244"/>
+                    </a:ext>
+                  </a:extLst>
+                </a:gridCol>
+              </a:tblGrid>
+              <a:tr h="773316">
+                <a:tc>
+                  <a:txBody>
+                    <a:bodyPr/>
+                    <a:lstStyle/>
+                    <a:p>
+                      <a:r>
+                        <a:rPr lang="en-AU" sz="1600" b="1" dirty="0" err="1"/>
+                        <a:t>Waren-gruppe</a:t>
+                      </a:r>
+                      <a:endParaRPr lang="en-AU" sz="1600" b="1" dirty="0"/>
+                    </a:p>
+                  </a:txBody>
+                  <a:tcPr/>
+                </a:tc>
+                <a:tc>
+                  <a:txBody>
+                    <a:bodyPr/>
+                    <a:lstStyle/>
+                    <a:p>
+                      <a:r>
+                        <a:rPr lang="en-AU" sz="1600" b="1" dirty="0" err="1"/>
+                        <a:t>Variablen</a:t>
+                      </a:r>
+                      <a:endParaRPr lang="en-AU" sz="1600" b="1" dirty="0"/>
+                    </a:p>
+                  </a:txBody>
+                  <a:tcPr/>
+                </a:tc>
+                <a:tc>
+                  <a:txBody>
+                    <a:bodyPr/>
+                    <a:lstStyle/>
+                    <a:p>
+                      <a:pPr marL="0" marR="0" lvl="0" indent="0" algn="l" defTabSz="457144" rtl="0" eaLnBrk="1" fontAlgn="auto" latinLnBrk="0" hangingPunct="1">
+                        <a:lnSpc>
+                          <a:spcPct val="100000"/>
+                        </a:lnSpc>
+                        <a:spcBef>
+                          <a:spcPts val="0"/>
+                        </a:spcBef>
+                        <a:spcAft>
+                          <a:spcPts val="0"/>
+                        </a:spcAft>
+                        <a:buClrTx/>
+                        <a:buSzTx/>
+                        <a:buFontTx/>
+                        <a:buNone/>
+                        <a:tabLst/>
+                        <a:defRPr/>
+                      </a:pPr>
+                      <a:r>
+                        <a:rPr lang="de-DE" sz="1600" b="1" dirty="0">
+                          <a:latin typeface="+mn-lt"/>
+                        </a:rPr>
+                        <a:t>MAPEs des Trainings-</a:t>
+                      </a:r>
+                      <a:r>
+                        <a:rPr lang="de-DE" sz="1600" b="1" dirty="0" err="1">
+                          <a:latin typeface="+mn-lt"/>
+                        </a:rPr>
+                        <a:t>datensatzes</a:t>
+                      </a:r>
+                      <a:r>
+                        <a:rPr lang="de-DE" sz="1600" b="1" dirty="0">
+                          <a:latin typeface="+mn-lt"/>
+                        </a:rPr>
+                        <a:t> (in </a:t>
+                      </a:r>
+                      <a:r>
+                        <a:rPr lang="en-GB" sz="1600" b="1" dirty="0">
+                          <a:latin typeface="+mn-lt"/>
+                        </a:rPr>
+                        <a:t>%)</a:t>
+                      </a:r>
+                      <a:endParaRPr lang="de-DE" sz="1600" b="1" dirty="0">
+                        <a:latin typeface="+mn-lt"/>
+                      </a:endParaRPr>
+                    </a:p>
+                  </a:txBody>
+                  <a:tcPr/>
+                </a:tc>
+                <a:tc>
+                  <a:txBody>
+                    <a:bodyPr/>
+                    <a:lstStyle/>
+                    <a:p>
+                      <a:pPr marL="0" marR="0" lvl="0" indent="0" algn="l" defTabSz="457144" rtl="0" eaLnBrk="1" fontAlgn="auto" latinLnBrk="0" hangingPunct="1">
+                        <a:lnSpc>
+                          <a:spcPct val="100000"/>
+                        </a:lnSpc>
+                        <a:spcBef>
+                          <a:spcPts val="0"/>
+                        </a:spcBef>
+                        <a:spcAft>
+                          <a:spcPts val="0"/>
+                        </a:spcAft>
+                        <a:buClrTx/>
+                        <a:buSzTx/>
+                        <a:buFontTx/>
+                        <a:buNone/>
+                        <a:tabLst/>
+                        <a:defRPr/>
+                      </a:pPr>
+                      <a:r>
+                        <a:rPr lang="de-DE" sz="1600" b="1" dirty="0">
+                          <a:latin typeface="+mn-lt"/>
+                        </a:rPr>
+                        <a:t>MAPEs des Test-</a:t>
+                      </a:r>
+                      <a:r>
+                        <a:rPr lang="de-DE" sz="1600" b="1" dirty="0" err="1">
+                          <a:latin typeface="+mn-lt"/>
+                        </a:rPr>
+                        <a:t>datensatzes</a:t>
+                      </a:r>
+                      <a:endParaRPr lang="de-DE" sz="1600" b="1" dirty="0">
+                        <a:latin typeface="+mn-lt"/>
+                      </a:endParaRPr>
+                    </a:p>
+                    <a:p>
+                      <a:r>
+                        <a:rPr lang="de-DE" sz="1600" b="1" dirty="0">
+                          <a:latin typeface="+mn-lt"/>
+                        </a:rPr>
+                        <a:t>(in </a:t>
+                      </a:r>
+                      <a:r>
+                        <a:rPr lang="en-GB" sz="1600" b="1" dirty="0">
+                          <a:latin typeface="+mn-lt"/>
+                        </a:rPr>
+                        <a:t>%)</a:t>
+                      </a:r>
+                      <a:endParaRPr lang="en-AU" sz="1600" b="1" dirty="0">
+                        <a:latin typeface="+mn-lt"/>
+                      </a:endParaRPr>
+                    </a:p>
+                  </a:txBody>
+                  <a:tcPr/>
+                </a:tc>
+                <a:extLst>
+                  <a:ext uri="{0D108BD9-81ED-4DB2-BD59-A6C34878D82A}">
+                    <a16:rowId xmlns:a16="http://schemas.microsoft.com/office/drawing/2014/main" val="204829037"/>
+                  </a:ext>
+                </a:extLst>
+              </a:tr>
+              <a:tr h="544185">
+                <a:tc>
+                  <a:txBody>
+                    <a:bodyPr/>
+                    <a:lstStyle/>
+                    <a:p>
+                      <a:r>
+                        <a:rPr lang="en-AU" sz="1600" dirty="0" err="1">
+                          <a:latin typeface="Calibri" panose="020F0502020204030204" pitchFamily="34" charset="0"/>
+                          <a:cs typeface="Calibri" panose="020F0502020204030204" pitchFamily="34" charset="0"/>
+                        </a:rPr>
+                        <a:t>Alle</a:t>
+                      </a:r>
+                      <a:endParaRPr lang="en-AU" sz="1600" dirty="0">
+                        <a:latin typeface="Calibri" panose="020F0502020204030204" pitchFamily="34" charset="0"/>
+                        <a:cs typeface="Calibri" panose="020F0502020204030204" pitchFamily="34" charset="0"/>
+                      </a:endParaRPr>
+                    </a:p>
+                  </a:txBody>
+                  <a:tcPr/>
+                </a:tc>
+                <a:tc>
+                  <a:txBody>
+                    <a:bodyPr/>
+                    <a:lstStyle/>
+                    <a:p>
+                      <a:pPr marL="0" marR="0" lvl="0" indent="0" algn="l" defTabSz="457144" rtl="0" eaLnBrk="1" fontAlgn="auto" latinLnBrk="0" hangingPunct="1">
+                        <a:lnSpc>
+                          <a:spcPct val="100000"/>
+                        </a:lnSpc>
+                        <a:spcBef>
+                          <a:spcPts val="0"/>
+                        </a:spcBef>
+                        <a:spcAft>
+                          <a:spcPts val="0"/>
+                        </a:spcAft>
+                        <a:buClrTx/>
+                        <a:buSzTx/>
+                        <a:buFontTx/>
+                        <a:buNone/>
+                        <a:tabLst/>
+                        <a:defRPr/>
+                      </a:pPr>
+                      <a:r>
+                        <a:rPr lang="en-AU" sz="1600" dirty="0" err="1">
+                          <a:solidFill>
+                            <a:schemeClr val="accent1"/>
+                          </a:solidFill>
+                          <a:latin typeface="+mn-lt"/>
+                          <a:cs typeface="Calibri" panose="020F0502020204030204" pitchFamily="34" charset="0"/>
+                        </a:rPr>
+                        <a:t>Wochentag</a:t>
+                      </a:r>
+                      <a:r>
+                        <a:rPr lang="en-AU" sz="1600" dirty="0">
+                          <a:solidFill>
+                            <a:schemeClr val="accent1"/>
+                          </a:solidFill>
+                          <a:latin typeface="+mn-lt"/>
+                          <a:cs typeface="Calibri" panose="020F0502020204030204" pitchFamily="34" charset="0"/>
+                        </a:rPr>
+                        <a:t> </a:t>
+                      </a:r>
+                      <a:r>
+                        <a:rPr lang="en-AU" sz="1600" dirty="0">
+                          <a:latin typeface="+mn-lt"/>
+                          <a:cs typeface="Calibri" panose="020F0502020204030204" pitchFamily="34" charset="0"/>
+                        </a:rPr>
+                        <a:t>+</a:t>
+                      </a:r>
+                      <a:r>
+                        <a:rPr lang="en-AU" sz="1600" dirty="0">
+                          <a:solidFill>
+                            <a:schemeClr val="accent1"/>
+                          </a:solidFill>
+                          <a:latin typeface="+mn-lt"/>
+                          <a:cs typeface="Calibri" panose="020F0502020204030204" pitchFamily="34" charset="0"/>
+                        </a:rPr>
+                        <a:t> </a:t>
+                      </a:r>
+                      <a:r>
+                        <a:rPr lang="en-AU" sz="1600" dirty="0" err="1">
+                          <a:solidFill>
+                            <a:schemeClr val="accent1"/>
+                          </a:solidFill>
+                          <a:latin typeface="+mn-lt"/>
+                          <a:cs typeface="Calibri" panose="020F0502020204030204" pitchFamily="34" charset="0"/>
+                        </a:rPr>
+                        <a:t>Jahreszeit</a:t>
+                      </a:r>
+                      <a:r>
+                        <a:rPr lang="en-AU" sz="1600" dirty="0">
+                          <a:solidFill>
+                            <a:schemeClr val="accent1"/>
+                          </a:solidFill>
+                          <a:latin typeface="+mn-lt"/>
+                          <a:cs typeface="Calibri" panose="020F0502020204030204" pitchFamily="34" charset="0"/>
+                        </a:rPr>
+                        <a:t> </a:t>
+                      </a:r>
+                      <a:r>
+                        <a:rPr lang="en-AU" sz="1600" dirty="0">
+                          <a:latin typeface="+mn-lt"/>
+                          <a:cs typeface="Calibri" panose="020F0502020204030204" pitchFamily="34" charset="0"/>
+                        </a:rPr>
+                        <a:t>+</a:t>
+                      </a:r>
+                      <a:r>
+                        <a:rPr lang="en-AU" sz="1600" dirty="0">
+                          <a:solidFill>
+                            <a:schemeClr val="accent1"/>
+                          </a:solidFill>
+                          <a:latin typeface="+mn-lt"/>
+                          <a:cs typeface="Calibri" panose="020F0502020204030204" pitchFamily="34" charset="0"/>
+                        </a:rPr>
+                        <a:t> </a:t>
+                      </a:r>
+                      <a:r>
+                        <a:rPr lang="en-AU" sz="1600" dirty="0" err="1">
+                          <a:solidFill>
+                            <a:schemeClr val="accent1"/>
+                          </a:solidFill>
+                          <a:latin typeface="+mn-lt"/>
+                          <a:cs typeface="Calibri" panose="020F0502020204030204" pitchFamily="34" charset="0"/>
+                        </a:rPr>
+                        <a:t>KielerWoche</a:t>
+                      </a:r>
+                      <a:r>
+                        <a:rPr lang="en-AU" sz="1600" dirty="0">
+                          <a:solidFill>
+                            <a:schemeClr val="accent1"/>
+                          </a:solidFill>
+                          <a:latin typeface="+mn-lt"/>
+                          <a:cs typeface="Calibri" panose="020F0502020204030204" pitchFamily="34" charset="0"/>
+                        </a:rPr>
+                        <a:t> </a:t>
+                      </a:r>
+                      <a:r>
+                        <a:rPr lang="en-AU" sz="1600" dirty="0">
+                          <a:latin typeface="+mn-lt"/>
+                          <a:cs typeface="Calibri" panose="020F0502020204030204" pitchFamily="34" charset="0"/>
+                        </a:rPr>
+                        <a:t>+</a:t>
+                      </a:r>
+                      <a:r>
+                        <a:rPr lang="en-AU" sz="1600" dirty="0">
+                          <a:solidFill>
+                            <a:schemeClr val="accent1"/>
+                          </a:solidFill>
+                          <a:latin typeface="+mn-lt"/>
+                          <a:cs typeface="Calibri" panose="020F0502020204030204" pitchFamily="34" charset="0"/>
+                        </a:rPr>
+                        <a:t> </a:t>
+                      </a:r>
+                      <a:r>
+                        <a:rPr lang="en-AU" sz="1600" dirty="0" err="1">
+                          <a:solidFill>
+                            <a:schemeClr val="accent1"/>
+                          </a:solidFill>
+                          <a:latin typeface="+mn-lt"/>
+                          <a:cs typeface="Calibri" panose="020F0502020204030204" pitchFamily="34" charset="0"/>
+                        </a:rPr>
+                        <a:t>Schulferien</a:t>
+                      </a:r>
+                      <a:endParaRPr lang="en-AU" sz="1600" dirty="0">
+                        <a:solidFill>
+                          <a:schemeClr val="accent1"/>
+                        </a:solidFill>
+                        <a:latin typeface="+mn-lt"/>
+                        <a:cs typeface="Calibri" panose="020F0502020204030204" pitchFamily="34" charset="0"/>
+                      </a:endParaRPr>
+                    </a:p>
+                  </a:txBody>
+                  <a:tcPr/>
+                </a:tc>
+                <a:tc>
+                  <a:txBody>
+                    <a:bodyPr/>
+                    <a:lstStyle/>
+                    <a:p>
+                      <a:pPr marL="0" marR="0" lvl="0" indent="0" algn="l" defTabSz="457144" rtl="0" eaLnBrk="1" fontAlgn="auto" latinLnBrk="0" hangingPunct="1">
+                        <a:lnSpc>
+                          <a:spcPct val="100000"/>
+                        </a:lnSpc>
+                        <a:spcBef>
+                          <a:spcPts val="0"/>
+                        </a:spcBef>
+                        <a:spcAft>
+                          <a:spcPts val="0"/>
+                        </a:spcAft>
+                        <a:buClrTx/>
+                        <a:buSzTx/>
+                        <a:buFontTx/>
+                        <a:buNone/>
+                        <a:tabLst/>
+                        <a:defRPr/>
+                      </a:pPr>
+                      <a:r>
+                        <a:rPr lang="en-GB" sz="1600" dirty="0">
+                          <a:latin typeface="+mn-lt"/>
+                          <a:cs typeface="Calibri" panose="020F0502020204030204" pitchFamily="34" charset="0"/>
+                        </a:rPr>
+                        <a:t>25,73 </a:t>
+                      </a:r>
+                      <a:endParaRPr lang="en-AU" sz="1600" dirty="0">
+                        <a:latin typeface="+mn-lt"/>
+                        <a:cs typeface="Calibri" panose="020F0502020204030204" pitchFamily="34" charset="0"/>
+                      </a:endParaRPr>
+                    </a:p>
+                  </a:txBody>
+                  <a:tcPr/>
+                </a:tc>
+                <a:tc>
+                  <a:txBody>
+                    <a:bodyPr/>
+                    <a:lstStyle/>
+                    <a:p>
+                      <a:r>
+                        <a:rPr lang="en-DE" sz="1600" dirty="0"/>
+                        <a:t>25,65</a:t>
+                      </a:r>
+                      <a:endParaRPr lang="en-AU" sz="1600" dirty="0"/>
+                    </a:p>
+                  </a:txBody>
+                  <a:tcPr/>
+                </a:tc>
+                <a:extLst>
+                  <a:ext uri="{0D108BD9-81ED-4DB2-BD59-A6C34878D82A}">
+                    <a16:rowId xmlns:a16="http://schemas.microsoft.com/office/drawing/2014/main" val="574108463"/>
+                  </a:ext>
+                </a:extLst>
+              </a:tr>
+              <a:tr h="544185">
+                <a:tc>
+                  <a:txBody>
+                    <a:bodyPr/>
+                    <a:lstStyle/>
+                    <a:p>
+                      <a:r>
+                        <a:rPr lang="en-AU" sz="1600" dirty="0"/>
+                        <a:t>1</a:t>
+                      </a:r>
+                    </a:p>
+                  </a:txBody>
+                  <a:tcPr/>
+                </a:tc>
+                <a:tc>
+                  <a:txBody>
+                    <a:bodyPr/>
+                    <a:lstStyle/>
+                    <a:p>
+                      <a:r>
+                        <a:rPr lang="en-AU" sz="1600" dirty="0" err="1">
+                          <a:solidFill>
+                            <a:schemeClr val="accent1"/>
+                          </a:solidFill>
+                        </a:rPr>
+                        <a:t>Wochentag</a:t>
+                      </a:r>
+                      <a:r>
+                        <a:rPr lang="en-AU" sz="1600" dirty="0">
+                          <a:solidFill>
+                            <a:schemeClr val="accent1"/>
+                          </a:solidFill>
+                        </a:rPr>
+                        <a:t> </a:t>
+                      </a:r>
+                      <a:r>
+                        <a:rPr lang="en-AU" sz="1600" dirty="0"/>
+                        <a:t>+</a:t>
+                      </a:r>
+                      <a:r>
+                        <a:rPr lang="en-AU" sz="1600" dirty="0">
+                          <a:solidFill>
+                            <a:schemeClr val="accent1"/>
+                          </a:solidFill>
+                        </a:rPr>
+                        <a:t> </a:t>
+                      </a:r>
+                      <a:r>
+                        <a:rPr lang="en-AU" sz="1600" dirty="0" err="1">
+                          <a:solidFill>
+                            <a:schemeClr val="accent1"/>
+                          </a:solidFill>
+                        </a:rPr>
+                        <a:t>Jahreszeit</a:t>
+                      </a:r>
+                      <a:r>
+                        <a:rPr lang="en-AU" sz="1600" dirty="0">
+                          <a:solidFill>
+                            <a:schemeClr val="accent1"/>
+                          </a:solidFill>
+                        </a:rPr>
+                        <a:t> </a:t>
+                      </a:r>
+                      <a:r>
+                        <a:rPr lang="en-AU" sz="1600" dirty="0"/>
+                        <a:t>+</a:t>
+                      </a:r>
+                      <a:r>
+                        <a:rPr lang="en-AU" sz="1600" dirty="0">
+                          <a:solidFill>
+                            <a:schemeClr val="accent1"/>
+                          </a:solidFill>
+                        </a:rPr>
+                        <a:t> </a:t>
+                      </a:r>
+                      <a:r>
+                        <a:rPr lang="en-AU" sz="1600" dirty="0" err="1">
+                          <a:solidFill>
+                            <a:schemeClr val="accent1"/>
+                          </a:solidFill>
+                        </a:rPr>
+                        <a:t>KielerWoche</a:t>
+                      </a:r>
+                      <a:r>
+                        <a:rPr lang="en-AU" sz="1600" dirty="0">
+                          <a:solidFill>
+                            <a:schemeClr val="accent1"/>
+                          </a:solidFill>
+                        </a:rPr>
+                        <a:t> </a:t>
+                      </a:r>
+                      <a:r>
+                        <a:rPr lang="en-AU" sz="1600" dirty="0"/>
+                        <a:t>+</a:t>
+                      </a:r>
+                      <a:r>
+                        <a:rPr lang="en-AU" sz="1600" dirty="0">
+                          <a:solidFill>
+                            <a:schemeClr val="accent1"/>
+                          </a:solidFill>
+                        </a:rPr>
+                        <a:t> </a:t>
+                      </a:r>
+                      <a:r>
+                        <a:rPr lang="en-AU" sz="1600" dirty="0" err="1">
+                          <a:solidFill>
+                            <a:schemeClr val="accent1"/>
+                          </a:solidFill>
+                        </a:rPr>
+                        <a:t>Schulferien</a:t>
+                      </a:r>
+                      <a:endParaRPr lang="en-AU" sz="1600" dirty="0">
+                        <a:solidFill>
+                          <a:schemeClr val="accent1"/>
+                        </a:solidFill>
+                      </a:endParaRPr>
+                    </a:p>
+                    <a:p>
+                      <a:r>
+                        <a:rPr lang="en-AU" sz="1600" dirty="0"/>
+                        <a:t>+ </a:t>
+                      </a:r>
+                      <a:r>
+                        <a:rPr lang="en-AU" sz="1600" dirty="0" err="1">
+                          <a:solidFill>
+                            <a:schemeClr val="accent2"/>
+                          </a:solidFill>
+                        </a:rPr>
+                        <a:t>Feiertag</a:t>
+                      </a:r>
+                      <a:endParaRPr lang="en-AU" sz="1600" dirty="0">
+                        <a:solidFill>
+                          <a:schemeClr val="accent2"/>
+                        </a:solidFill>
+                      </a:endParaRPr>
+                    </a:p>
+                  </a:txBody>
+                  <a:tcPr/>
+                </a:tc>
+                <a:tc>
+                  <a:txBody>
+                    <a:bodyPr/>
+                    <a:lstStyle/>
+                    <a:p>
+                      <a:r>
+                        <a:rPr lang="en-DE" sz="1600" dirty="0"/>
+                        <a:t>18,43</a:t>
+                      </a:r>
+                    </a:p>
+                  </a:txBody>
+                  <a:tcPr/>
+                </a:tc>
+                <a:tc>
+                  <a:txBody>
+                    <a:bodyPr/>
+                    <a:lstStyle/>
+                    <a:p>
+                      <a:r>
+                        <a:rPr lang="en-DE" sz="1600" dirty="0"/>
+                        <a:t>20,29</a:t>
+                      </a:r>
+                      <a:endParaRPr lang="en-AU" sz="1600" dirty="0"/>
+                    </a:p>
+                  </a:txBody>
+                  <a:tcPr/>
+                </a:tc>
+                <a:extLst>
+                  <a:ext uri="{0D108BD9-81ED-4DB2-BD59-A6C34878D82A}">
+                    <a16:rowId xmlns:a16="http://schemas.microsoft.com/office/drawing/2014/main" val="3426599036"/>
+                  </a:ext>
+                </a:extLst>
+              </a:tr>
+              <a:tr h="544185">
+                <a:tc>
+                  <a:txBody>
+                    <a:bodyPr/>
+                    <a:lstStyle/>
+                    <a:p>
+                      <a:r>
+                        <a:rPr lang="en-AU" sz="1600" dirty="0"/>
+                        <a:t>2</a:t>
+                      </a:r>
+                    </a:p>
+                  </a:txBody>
+                  <a:tcPr/>
+                </a:tc>
+                <a:tc>
+                  <a:txBody>
+                    <a:bodyPr/>
+                    <a:lstStyle/>
+                    <a:p>
+                      <a:r>
+                        <a:rPr lang="en-AU" sz="1600" dirty="0" err="1">
+                          <a:solidFill>
+                            <a:schemeClr val="accent1"/>
+                          </a:solidFill>
+                        </a:rPr>
+                        <a:t>Wochentag</a:t>
+                      </a:r>
+                      <a:r>
+                        <a:rPr lang="en-AU" sz="1600" dirty="0">
+                          <a:solidFill>
+                            <a:schemeClr val="accent1"/>
+                          </a:solidFill>
+                        </a:rPr>
+                        <a:t> </a:t>
+                      </a:r>
+                      <a:r>
+                        <a:rPr lang="en-AU" sz="1600" dirty="0"/>
+                        <a:t>+</a:t>
+                      </a:r>
+                      <a:r>
+                        <a:rPr lang="en-AU" sz="1600" dirty="0">
+                          <a:solidFill>
+                            <a:schemeClr val="accent1"/>
+                          </a:solidFill>
+                        </a:rPr>
+                        <a:t> </a:t>
+                      </a:r>
+                      <a:r>
+                        <a:rPr lang="en-AU" sz="1600" dirty="0" err="1">
+                          <a:solidFill>
+                            <a:schemeClr val="accent1"/>
+                          </a:solidFill>
+                        </a:rPr>
+                        <a:t>Jahreszeit</a:t>
+                      </a:r>
+                      <a:r>
+                        <a:rPr lang="en-AU" sz="1600" dirty="0">
+                          <a:solidFill>
+                            <a:schemeClr val="accent1"/>
+                          </a:solidFill>
+                        </a:rPr>
+                        <a:t> </a:t>
+                      </a:r>
+                      <a:r>
+                        <a:rPr lang="en-AU" sz="1600" dirty="0"/>
+                        <a:t>+</a:t>
+                      </a:r>
+                      <a:r>
+                        <a:rPr lang="en-AU" sz="1600" dirty="0">
+                          <a:solidFill>
+                            <a:schemeClr val="accent1"/>
+                          </a:solidFill>
+                        </a:rPr>
+                        <a:t> </a:t>
+                      </a:r>
+                      <a:r>
+                        <a:rPr lang="en-AU" sz="1600" dirty="0" err="1">
+                          <a:solidFill>
+                            <a:schemeClr val="accent1"/>
+                          </a:solidFill>
+                        </a:rPr>
+                        <a:t>KielerWoche</a:t>
+                      </a:r>
+                      <a:r>
+                        <a:rPr lang="en-AU" sz="1600" dirty="0">
+                          <a:solidFill>
+                            <a:schemeClr val="accent1"/>
+                          </a:solidFill>
+                        </a:rPr>
+                        <a:t> </a:t>
+                      </a:r>
+                      <a:r>
+                        <a:rPr lang="en-AU" sz="1600" dirty="0"/>
+                        <a:t>+</a:t>
+                      </a:r>
+                      <a:r>
+                        <a:rPr lang="en-AU" sz="1600" dirty="0">
+                          <a:solidFill>
+                            <a:schemeClr val="accent1"/>
+                          </a:solidFill>
+                        </a:rPr>
+                        <a:t> </a:t>
+                      </a:r>
+                      <a:r>
+                        <a:rPr lang="en-AU" sz="1600" dirty="0" err="1">
+                          <a:solidFill>
+                            <a:schemeClr val="accent1"/>
+                          </a:solidFill>
+                        </a:rPr>
+                        <a:t>Schulferien</a:t>
+                      </a:r>
+                      <a:endParaRPr lang="en-AU" sz="1600" dirty="0">
+                        <a:solidFill>
+                          <a:schemeClr val="accent1"/>
+                        </a:solidFill>
+                      </a:endParaRPr>
+                    </a:p>
+                    <a:p>
+                      <a:r>
+                        <a:rPr lang="en-AU" sz="1600" dirty="0"/>
+                        <a:t>+ </a:t>
+                      </a:r>
+                      <a:r>
+                        <a:rPr lang="en-AU" sz="1600" dirty="0">
+                          <a:solidFill>
+                            <a:schemeClr val="accent3"/>
+                          </a:solidFill>
+                        </a:rPr>
+                        <a:t>Monat</a:t>
+                      </a:r>
+                    </a:p>
+                  </a:txBody>
+                  <a:tcPr/>
+                </a:tc>
+                <a:tc>
+                  <a:txBody>
+                    <a:bodyPr/>
+                    <a:lstStyle/>
+                    <a:p>
+                      <a:r>
+                        <a:rPr lang="en-DE" sz="1600" dirty="0"/>
+                        <a:t>15,17 </a:t>
+                      </a:r>
+                    </a:p>
+                  </a:txBody>
+                  <a:tcPr/>
+                </a:tc>
+                <a:tc>
+                  <a:txBody>
+                    <a:bodyPr/>
+                    <a:lstStyle/>
+                    <a:p>
+                      <a:r>
+                        <a:rPr lang="en-DE" sz="1600" dirty="0"/>
+                        <a:t>14,89</a:t>
+                      </a:r>
+                      <a:endParaRPr lang="en-AU" sz="1600" dirty="0"/>
+                    </a:p>
+                  </a:txBody>
+                  <a:tcPr/>
+                </a:tc>
+                <a:extLst>
+                  <a:ext uri="{0D108BD9-81ED-4DB2-BD59-A6C34878D82A}">
+                    <a16:rowId xmlns:a16="http://schemas.microsoft.com/office/drawing/2014/main" val="983178364"/>
+                  </a:ext>
+                </a:extLst>
+              </a:tr>
+              <a:tr h="544185">
+                <a:tc>
+                  <a:txBody>
+                    <a:bodyPr/>
+                    <a:lstStyle/>
+                    <a:p>
+                      <a:r>
+                        <a:rPr lang="en-AU" sz="1600" dirty="0"/>
+                        <a:t>3</a:t>
+                      </a:r>
+                    </a:p>
+                  </a:txBody>
+                  <a:tcPr/>
+                </a:tc>
+                <a:tc>
+                  <a:txBody>
+                    <a:bodyPr/>
+                    <a:lstStyle/>
+                    <a:p>
+                      <a:pPr marL="0" marR="0" lvl="0" indent="0" algn="l" defTabSz="457144" rtl="0" eaLnBrk="1" fontAlgn="auto" latinLnBrk="0" hangingPunct="1">
+                        <a:lnSpc>
+                          <a:spcPct val="100000"/>
+                        </a:lnSpc>
+                        <a:spcBef>
+                          <a:spcPts val="0"/>
+                        </a:spcBef>
+                        <a:spcAft>
+                          <a:spcPts val="0"/>
+                        </a:spcAft>
+                        <a:buClrTx/>
+                        <a:buSzTx/>
+                        <a:buFontTx/>
+                        <a:buNone/>
+                        <a:tabLst/>
+                        <a:defRPr/>
+                      </a:pPr>
+                      <a:r>
+                        <a:rPr lang="en-AU" sz="1600" dirty="0" err="1">
+                          <a:solidFill>
+                            <a:schemeClr val="accent1"/>
+                          </a:solidFill>
+                        </a:rPr>
+                        <a:t>Wochentag</a:t>
+                      </a:r>
+                      <a:r>
+                        <a:rPr lang="en-AU" sz="1600" dirty="0">
+                          <a:solidFill>
+                            <a:schemeClr val="accent1"/>
+                          </a:solidFill>
+                        </a:rPr>
+                        <a:t> </a:t>
+                      </a:r>
+                      <a:r>
+                        <a:rPr lang="en-AU" sz="1600" dirty="0"/>
+                        <a:t>+</a:t>
+                      </a:r>
+                      <a:r>
+                        <a:rPr lang="en-AU" sz="1600" dirty="0">
+                          <a:solidFill>
+                            <a:schemeClr val="accent1"/>
+                          </a:solidFill>
+                        </a:rPr>
+                        <a:t> </a:t>
+                      </a:r>
+                      <a:r>
+                        <a:rPr lang="en-AU" sz="1600" dirty="0" err="1">
+                          <a:solidFill>
+                            <a:schemeClr val="accent1"/>
+                          </a:solidFill>
+                        </a:rPr>
+                        <a:t>Jahreszeit</a:t>
+                      </a:r>
+                      <a:r>
+                        <a:rPr lang="en-AU" sz="1600" dirty="0">
+                          <a:solidFill>
+                            <a:schemeClr val="accent1"/>
+                          </a:solidFill>
+                        </a:rPr>
+                        <a:t> </a:t>
+                      </a:r>
+                      <a:r>
+                        <a:rPr lang="en-AU" sz="1600" dirty="0"/>
+                        <a:t>+ </a:t>
+                      </a:r>
+                      <a:r>
+                        <a:rPr lang="en-AU" sz="1600" dirty="0" err="1">
+                          <a:solidFill>
+                            <a:schemeClr val="accent1"/>
+                          </a:solidFill>
+                        </a:rPr>
+                        <a:t>KielerWoche</a:t>
+                      </a:r>
+                      <a:r>
+                        <a:rPr lang="en-AU" sz="1600" dirty="0">
+                          <a:solidFill>
+                            <a:schemeClr val="accent1"/>
+                          </a:solidFill>
+                        </a:rPr>
+                        <a:t> </a:t>
+                      </a:r>
+                      <a:r>
+                        <a:rPr lang="en-AU" sz="1600" dirty="0"/>
+                        <a:t>+ </a:t>
+                      </a:r>
+                      <a:r>
+                        <a:rPr lang="en-AU" sz="1600" dirty="0" err="1">
+                          <a:solidFill>
+                            <a:schemeClr val="accent1"/>
+                          </a:solidFill>
+                        </a:rPr>
+                        <a:t>Schulferien</a:t>
+                      </a:r>
+                      <a:endParaRPr lang="en-AU" sz="1600" dirty="0">
+                        <a:solidFill>
+                          <a:schemeClr val="accent1"/>
+                        </a:solidFill>
+                      </a:endParaRPr>
+                    </a:p>
+                    <a:p>
+                      <a:pPr marL="0" marR="0" lvl="0" indent="0" algn="l" defTabSz="457144" rtl="0" eaLnBrk="1" fontAlgn="auto" latinLnBrk="0" hangingPunct="1">
+                        <a:lnSpc>
+                          <a:spcPct val="100000"/>
+                        </a:lnSpc>
+                        <a:spcBef>
+                          <a:spcPts val="0"/>
+                        </a:spcBef>
+                        <a:spcAft>
+                          <a:spcPts val="0"/>
+                        </a:spcAft>
+                        <a:buClrTx/>
+                        <a:buSzTx/>
+                        <a:buFontTx/>
+                        <a:buNone/>
+                        <a:tabLst/>
+                        <a:defRPr/>
+                      </a:pPr>
+                      <a:r>
+                        <a:rPr lang="en-AU" sz="1600" dirty="0"/>
+                        <a:t>+ </a:t>
+                      </a:r>
+                      <a:r>
+                        <a:rPr lang="en-AU" sz="1600" dirty="0" err="1">
+                          <a:solidFill>
+                            <a:schemeClr val="accent2"/>
+                          </a:solidFill>
+                        </a:rPr>
+                        <a:t>Feiertag</a:t>
+                      </a:r>
+                      <a:r>
+                        <a:rPr lang="en-AU" sz="1600" dirty="0">
+                          <a:solidFill>
+                            <a:schemeClr val="accent2"/>
+                          </a:solidFill>
+                        </a:rPr>
+                        <a:t> </a:t>
+                      </a:r>
+                      <a:r>
+                        <a:rPr lang="en-AU" sz="1600" dirty="0"/>
+                        <a:t>+ </a:t>
+                      </a:r>
+                      <a:r>
+                        <a:rPr lang="en-AU" sz="1600" dirty="0">
+                          <a:solidFill>
+                            <a:schemeClr val="accent3"/>
+                          </a:solidFill>
+                        </a:rPr>
+                        <a:t>Monat</a:t>
+                      </a:r>
+                    </a:p>
+                  </a:txBody>
+                  <a:tcPr/>
+                </a:tc>
+                <a:tc>
+                  <a:txBody>
+                    <a:bodyPr/>
+                    <a:lstStyle/>
+                    <a:p>
+                      <a:r>
+                        <a:rPr lang="en-DE" sz="1600" dirty="0"/>
+                        <a:t>19,93</a:t>
+                      </a:r>
+                    </a:p>
+                  </a:txBody>
+                  <a:tcPr/>
+                </a:tc>
+                <a:tc>
+                  <a:txBody>
+                    <a:bodyPr/>
+                    <a:lstStyle/>
+                    <a:p>
+                      <a:r>
+                        <a:rPr lang="en-DE" sz="1600" dirty="0"/>
+                        <a:t>20,95</a:t>
+                      </a:r>
+                      <a:endParaRPr lang="en-AU" sz="1600" dirty="0"/>
+                    </a:p>
+                  </a:txBody>
+                  <a:tcPr/>
+                </a:tc>
+                <a:extLst>
+                  <a:ext uri="{0D108BD9-81ED-4DB2-BD59-A6C34878D82A}">
+                    <a16:rowId xmlns:a16="http://schemas.microsoft.com/office/drawing/2014/main" val="824714965"/>
+                  </a:ext>
+                </a:extLst>
+              </a:tr>
+              <a:tr h="544185">
+                <a:tc>
+                  <a:txBody>
+                    <a:bodyPr/>
+                    <a:lstStyle/>
+                    <a:p>
+                      <a:r>
+                        <a:rPr lang="en-AU" sz="1600" dirty="0"/>
+                        <a:t>4</a:t>
+                      </a:r>
+                    </a:p>
+                  </a:txBody>
+                  <a:tcPr/>
+                </a:tc>
+                <a:tc>
+                  <a:txBody>
+                    <a:bodyPr/>
+                    <a:lstStyle/>
+                    <a:p>
+                      <a:pPr marL="0" marR="0" lvl="0" indent="0" algn="l" defTabSz="457144" rtl="0" eaLnBrk="1" fontAlgn="auto" latinLnBrk="0" hangingPunct="1">
+                        <a:lnSpc>
+                          <a:spcPct val="100000"/>
+                        </a:lnSpc>
+                        <a:spcBef>
+                          <a:spcPts val="0"/>
+                        </a:spcBef>
+                        <a:spcAft>
+                          <a:spcPts val="0"/>
+                        </a:spcAft>
+                        <a:buClrTx/>
+                        <a:buSzTx/>
+                        <a:buFontTx/>
+                        <a:buNone/>
+                        <a:tabLst/>
+                        <a:defRPr/>
+                      </a:pPr>
+                      <a:r>
+                        <a:rPr lang="en-AU" sz="1600" dirty="0" err="1">
+                          <a:solidFill>
+                            <a:schemeClr val="accent1"/>
+                          </a:solidFill>
+                        </a:rPr>
+                        <a:t>Wochentag</a:t>
+                      </a:r>
+                      <a:r>
+                        <a:rPr lang="en-AU" sz="1600" dirty="0">
+                          <a:solidFill>
+                            <a:schemeClr val="accent1"/>
+                          </a:solidFill>
+                        </a:rPr>
+                        <a:t> </a:t>
+                      </a:r>
+                      <a:r>
+                        <a:rPr lang="en-AU" sz="1600" dirty="0"/>
+                        <a:t>+</a:t>
+                      </a:r>
+                      <a:r>
+                        <a:rPr lang="en-AU" sz="1600" dirty="0">
+                          <a:solidFill>
+                            <a:schemeClr val="accent1"/>
+                          </a:solidFill>
+                        </a:rPr>
+                        <a:t> </a:t>
+                      </a:r>
+                      <a:r>
+                        <a:rPr lang="en-AU" sz="1600" dirty="0" err="1">
+                          <a:solidFill>
+                            <a:schemeClr val="accent1"/>
+                          </a:solidFill>
+                        </a:rPr>
+                        <a:t>Jahreszeit</a:t>
+                      </a:r>
+                      <a:r>
+                        <a:rPr lang="en-AU" sz="1600" dirty="0">
+                          <a:solidFill>
+                            <a:schemeClr val="accent1"/>
+                          </a:solidFill>
+                        </a:rPr>
+                        <a:t> </a:t>
+                      </a:r>
+                      <a:r>
+                        <a:rPr lang="en-AU" sz="1600" dirty="0"/>
+                        <a:t>+</a:t>
+                      </a:r>
+                      <a:r>
+                        <a:rPr lang="en-AU" sz="1600" dirty="0">
+                          <a:solidFill>
+                            <a:schemeClr val="accent1"/>
+                          </a:solidFill>
+                        </a:rPr>
+                        <a:t> </a:t>
+                      </a:r>
+                      <a:r>
+                        <a:rPr lang="en-AU" sz="1600" dirty="0" err="1">
+                          <a:solidFill>
+                            <a:schemeClr val="accent1"/>
+                          </a:solidFill>
+                        </a:rPr>
+                        <a:t>KielerWoche</a:t>
+                      </a:r>
+                      <a:r>
+                        <a:rPr lang="en-AU" sz="1600" dirty="0">
+                          <a:solidFill>
+                            <a:schemeClr val="accent1"/>
+                          </a:solidFill>
+                        </a:rPr>
+                        <a:t> </a:t>
+                      </a:r>
+                      <a:r>
+                        <a:rPr lang="en-AU" sz="1600" dirty="0"/>
+                        <a:t>+</a:t>
+                      </a:r>
+                      <a:r>
+                        <a:rPr lang="en-AU" sz="1600" dirty="0">
+                          <a:solidFill>
+                            <a:schemeClr val="accent1"/>
+                          </a:solidFill>
+                        </a:rPr>
+                        <a:t> </a:t>
+                      </a:r>
+                      <a:r>
+                        <a:rPr lang="en-AU" sz="1600" dirty="0" err="1">
+                          <a:solidFill>
+                            <a:schemeClr val="accent1"/>
+                          </a:solidFill>
+                        </a:rPr>
+                        <a:t>Schulferien</a:t>
+                      </a:r>
+                      <a:endParaRPr lang="en-AU" sz="1600" dirty="0">
+                        <a:solidFill>
+                          <a:schemeClr val="accent1"/>
+                        </a:solidFill>
+                      </a:endParaRPr>
+                    </a:p>
+                    <a:p>
+                      <a:pPr marL="0" marR="0" lvl="0" indent="0" algn="l" defTabSz="457144" rtl="0" eaLnBrk="1" fontAlgn="auto" latinLnBrk="0" hangingPunct="1">
+                        <a:lnSpc>
+                          <a:spcPct val="100000"/>
+                        </a:lnSpc>
+                        <a:spcBef>
+                          <a:spcPts val="0"/>
+                        </a:spcBef>
+                        <a:spcAft>
+                          <a:spcPts val="0"/>
+                        </a:spcAft>
+                        <a:buClrTx/>
+                        <a:buSzTx/>
+                        <a:buFontTx/>
+                        <a:buNone/>
+                        <a:tabLst/>
+                        <a:defRPr/>
+                      </a:pPr>
+                      <a:r>
+                        <a:rPr lang="en-AU" sz="1600" dirty="0"/>
+                        <a:t>+ </a:t>
+                      </a:r>
+                      <a:r>
+                        <a:rPr lang="en-AU" sz="1600" dirty="0" err="1">
+                          <a:solidFill>
+                            <a:schemeClr val="accent2"/>
+                          </a:solidFill>
+                        </a:rPr>
+                        <a:t>Feiertag</a:t>
+                      </a:r>
+                      <a:r>
+                        <a:rPr lang="en-AU" sz="1600" dirty="0">
+                          <a:solidFill>
+                            <a:schemeClr val="accent2"/>
+                          </a:solidFill>
+                        </a:rPr>
+                        <a:t> </a:t>
+                      </a:r>
+                      <a:r>
+                        <a:rPr lang="en-AU" sz="1600" dirty="0"/>
+                        <a:t>+ </a:t>
+                      </a:r>
+                      <a:r>
+                        <a:rPr lang="en-AU" sz="1600" dirty="0">
+                          <a:solidFill>
+                            <a:schemeClr val="accent3"/>
+                          </a:solidFill>
+                        </a:rPr>
+                        <a:t>Monat</a:t>
+                      </a:r>
+                    </a:p>
+                  </a:txBody>
+                  <a:tcPr/>
+                </a:tc>
+                <a:tc>
+                  <a:txBody>
+                    <a:bodyPr/>
+                    <a:lstStyle/>
+                    <a:p>
+                      <a:r>
+                        <a:rPr lang="en-DE" sz="1600" dirty="0"/>
+                        <a:t>20,68</a:t>
+                      </a:r>
+                    </a:p>
+                  </a:txBody>
+                  <a:tcPr/>
+                </a:tc>
+                <a:tc>
+                  <a:txBody>
+                    <a:bodyPr/>
+                    <a:lstStyle/>
+                    <a:p>
+                      <a:r>
+                        <a:rPr lang="en-DE" sz="1600" dirty="0"/>
+                        <a:t>21,53</a:t>
+                      </a:r>
+                      <a:endParaRPr lang="en-AU" sz="1600" dirty="0"/>
+                    </a:p>
+                  </a:txBody>
+                  <a:tcPr/>
+                </a:tc>
+                <a:extLst>
+                  <a:ext uri="{0D108BD9-81ED-4DB2-BD59-A6C34878D82A}">
+                    <a16:rowId xmlns:a16="http://schemas.microsoft.com/office/drawing/2014/main" val="2574431977"/>
+                  </a:ext>
+                </a:extLst>
+              </a:tr>
+              <a:tr h="544185">
+                <a:tc>
+                  <a:txBody>
+                    <a:bodyPr/>
+                    <a:lstStyle/>
+                    <a:p>
+                      <a:r>
+                        <a:rPr lang="en-AU" sz="1600" dirty="0"/>
+                        <a:t>5</a:t>
+                      </a:r>
+                    </a:p>
+                  </a:txBody>
+                  <a:tcPr/>
+                </a:tc>
+                <a:tc>
+                  <a:txBody>
+                    <a:bodyPr/>
+                    <a:lstStyle/>
+                    <a:p>
+                      <a:r>
+                        <a:rPr lang="en-AU" sz="1600" dirty="0" err="1">
+                          <a:solidFill>
+                            <a:schemeClr val="accent1"/>
+                          </a:solidFill>
+                        </a:rPr>
+                        <a:t>Wochentag</a:t>
+                      </a:r>
+                      <a:r>
+                        <a:rPr lang="en-AU" sz="1600" dirty="0">
+                          <a:solidFill>
+                            <a:schemeClr val="accent1"/>
+                          </a:solidFill>
+                        </a:rPr>
+                        <a:t> </a:t>
+                      </a:r>
+                      <a:r>
+                        <a:rPr lang="en-AU" sz="1600" dirty="0"/>
+                        <a:t>+</a:t>
+                      </a:r>
+                      <a:r>
+                        <a:rPr lang="en-AU" sz="1600" dirty="0">
+                          <a:solidFill>
+                            <a:schemeClr val="accent1"/>
+                          </a:solidFill>
+                        </a:rPr>
+                        <a:t> </a:t>
+                      </a:r>
+                      <a:r>
+                        <a:rPr lang="en-AU" sz="1600" dirty="0" err="1">
+                          <a:solidFill>
+                            <a:schemeClr val="accent1"/>
+                          </a:solidFill>
+                        </a:rPr>
+                        <a:t>Jahreszeit</a:t>
+                      </a:r>
+                      <a:r>
+                        <a:rPr lang="en-AU" sz="1600" dirty="0">
+                          <a:solidFill>
+                            <a:schemeClr val="accent1"/>
+                          </a:solidFill>
+                        </a:rPr>
+                        <a:t> </a:t>
+                      </a:r>
+                      <a:r>
+                        <a:rPr lang="en-AU" sz="1600" dirty="0"/>
+                        <a:t>+</a:t>
+                      </a:r>
+                      <a:r>
+                        <a:rPr lang="en-AU" sz="1600" dirty="0">
+                          <a:solidFill>
+                            <a:schemeClr val="accent1"/>
+                          </a:solidFill>
+                        </a:rPr>
+                        <a:t> </a:t>
+                      </a:r>
+                      <a:r>
+                        <a:rPr lang="en-AU" sz="1600" dirty="0" err="1">
+                          <a:solidFill>
+                            <a:schemeClr val="accent1"/>
+                          </a:solidFill>
+                        </a:rPr>
+                        <a:t>KielerWoche</a:t>
+                      </a:r>
+                      <a:r>
+                        <a:rPr lang="en-AU" sz="1600" dirty="0">
+                          <a:solidFill>
+                            <a:schemeClr val="accent1"/>
+                          </a:solidFill>
+                        </a:rPr>
+                        <a:t> </a:t>
+                      </a:r>
+                      <a:r>
+                        <a:rPr lang="en-AU" sz="1600" dirty="0"/>
+                        <a:t>+ </a:t>
+                      </a:r>
+                      <a:r>
+                        <a:rPr lang="en-AU" sz="1600" dirty="0" err="1">
+                          <a:solidFill>
+                            <a:schemeClr val="accent1"/>
+                          </a:solidFill>
+                        </a:rPr>
+                        <a:t>Schulferien</a:t>
+                      </a:r>
+                      <a:r>
+                        <a:rPr lang="en-AU" sz="1600" dirty="0">
+                          <a:solidFill>
+                            <a:schemeClr val="accent1"/>
+                          </a:solidFill>
+                        </a:rPr>
+                        <a:t> </a:t>
+                      </a:r>
+                      <a:r>
+                        <a:rPr lang="en-AU" sz="1600" dirty="0"/>
+                        <a:t>+ </a:t>
+                      </a:r>
+                      <a:r>
+                        <a:rPr lang="en-AU" sz="1600" dirty="0" err="1">
+                          <a:solidFill>
+                            <a:schemeClr val="accent2"/>
+                          </a:solidFill>
+                        </a:rPr>
+                        <a:t>Feiertag</a:t>
+                      </a:r>
+                      <a:r>
+                        <a:rPr lang="en-AU" sz="1600" dirty="0">
+                          <a:solidFill>
+                            <a:schemeClr val="accent2"/>
+                          </a:solidFill>
+                        </a:rPr>
+                        <a:t> </a:t>
+                      </a:r>
+                      <a:r>
+                        <a:rPr lang="en-AU" sz="1600" dirty="0">
+                          <a:solidFill>
+                            <a:schemeClr val="tx1"/>
+                          </a:solidFill>
+                        </a:rPr>
+                        <a:t>+</a:t>
+                      </a:r>
+                      <a:r>
+                        <a:rPr lang="en-AU" sz="1600" dirty="0">
+                          <a:solidFill>
+                            <a:schemeClr val="accent2"/>
+                          </a:solidFill>
+                        </a:rPr>
+                        <a:t> </a:t>
+                      </a:r>
+                      <a:r>
+                        <a:rPr lang="en-AU" sz="1600" dirty="0">
+                          <a:solidFill>
+                            <a:schemeClr val="accent3"/>
+                          </a:solidFill>
+                        </a:rPr>
+                        <a:t>Monat </a:t>
+                      </a:r>
+                      <a:r>
+                        <a:rPr lang="en-AU" sz="1600" dirty="0"/>
+                        <a:t>+ (</a:t>
+                      </a:r>
+                      <a:r>
+                        <a:rPr lang="en-AU" sz="1600" dirty="0">
+                          <a:solidFill>
+                            <a:schemeClr val="accent4"/>
+                          </a:solidFill>
+                        </a:rPr>
+                        <a:t>Silvester)</a:t>
+                      </a:r>
+                    </a:p>
+                  </a:txBody>
+                  <a:tcPr/>
+                </a:tc>
+                <a:tc>
+                  <a:txBody>
+                    <a:bodyPr/>
+                    <a:lstStyle/>
+                    <a:p>
+                      <a:r>
+                        <a:rPr lang="en-DE" sz="1600" dirty="0"/>
+                        <a:t>14,27 </a:t>
+                      </a:r>
+                    </a:p>
+                  </a:txBody>
+                  <a:tcPr/>
+                </a:tc>
+                <a:tc>
+                  <a:txBody>
+                    <a:bodyPr/>
+                    <a:lstStyle/>
+                    <a:p>
+                      <a:r>
+                        <a:rPr lang="en-DE" sz="1600" dirty="0"/>
+                        <a:t>14,37</a:t>
+                      </a:r>
+                      <a:endParaRPr lang="en-AU" sz="1600" dirty="0"/>
+                    </a:p>
+                  </a:txBody>
+                  <a:tcPr/>
+                </a:tc>
+                <a:extLst>
+                  <a:ext uri="{0D108BD9-81ED-4DB2-BD59-A6C34878D82A}">
+                    <a16:rowId xmlns:a16="http://schemas.microsoft.com/office/drawing/2014/main" val="1253213471"/>
+                  </a:ext>
+                </a:extLst>
+              </a:tr>
+              <a:tr h="544185">
+                <a:tc>
+                  <a:txBody>
+                    <a:bodyPr/>
+                    <a:lstStyle/>
+                    <a:p>
+                      <a:r>
+                        <a:rPr lang="en-AU" sz="1600" dirty="0"/>
+                        <a:t>6</a:t>
+                      </a:r>
+                    </a:p>
+                  </a:txBody>
+                  <a:tcPr/>
+                </a:tc>
+                <a:tc>
+                  <a:txBody>
+                    <a:bodyPr/>
+                    <a:lstStyle/>
+                    <a:p>
+                      <a:r>
+                        <a:rPr lang="en-AU" sz="1600" dirty="0" err="1">
+                          <a:solidFill>
+                            <a:schemeClr val="accent1"/>
+                          </a:solidFill>
+                        </a:rPr>
+                        <a:t>Wochentag</a:t>
+                      </a:r>
+                      <a:r>
+                        <a:rPr lang="en-AU" sz="1600" dirty="0">
+                          <a:solidFill>
+                            <a:schemeClr val="accent1"/>
+                          </a:solidFill>
+                        </a:rPr>
+                        <a:t> </a:t>
+                      </a:r>
+                      <a:r>
+                        <a:rPr lang="en-AU" sz="1600" dirty="0"/>
+                        <a:t>+</a:t>
+                      </a:r>
+                      <a:r>
+                        <a:rPr lang="en-AU" sz="1600" dirty="0">
+                          <a:solidFill>
+                            <a:schemeClr val="accent1"/>
+                          </a:solidFill>
+                        </a:rPr>
+                        <a:t> </a:t>
+                      </a:r>
+                      <a:r>
+                        <a:rPr lang="en-AU" sz="1600" dirty="0" err="1">
+                          <a:solidFill>
+                            <a:schemeClr val="accent1"/>
+                          </a:solidFill>
+                        </a:rPr>
+                        <a:t>Jahreszeit</a:t>
+                      </a:r>
+                      <a:r>
+                        <a:rPr lang="en-AU" sz="1600" dirty="0">
+                          <a:solidFill>
+                            <a:schemeClr val="accent1"/>
+                          </a:solidFill>
+                        </a:rPr>
+                        <a:t> </a:t>
+                      </a:r>
+                      <a:r>
+                        <a:rPr lang="en-AU" sz="1600" dirty="0"/>
+                        <a:t>+</a:t>
+                      </a:r>
+                      <a:r>
+                        <a:rPr lang="en-AU" sz="1600" dirty="0">
+                          <a:solidFill>
+                            <a:schemeClr val="accent1"/>
+                          </a:solidFill>
+                        </a:rPr>
+                        <a:t> </a:t>
+                      </a:r>
+                      <a:r>
+                        <a:rPr lang="en-AU" sz="1600" dirty="0" err="1">
+                          <a:solidFill>
+                            <a:schemeClr val="accent1"/>
+                          </a:solidFill>
+                        </a:rPr>
+                        <a:t>KielerWoche</a:t>
+                      </a:r>
+                      <a:r>
+                        <a:rPr lang="en-AU" sz="1600" dirty="0">
+                          <a:solidFill>
+                            <a:schemeClr val="accent1"/>
+                          </a:solidFill>
+                        </a:rPr>
+                        <a:t> </a:t>
+                      </a:r>
+                      <a:r>
+                        <a:rPr lang="en-AU" sz="1600" dirty="0"/>
+                        <a:t>+</a:t>
+                      </a:r>
+                      <a:r>
+                        <a:rPr lang="en-AU" sz="1600" dirty="0">
+                          <a:solidFill>
+                            <a:schemeClr val="accent1"/>
+                          </a:solidFill>
+                        </a:rPr>
+                        <a:t> </a:t>
+                      </a:r>
+                      <a:r>
+                        <a:rPr lang="en-AU" sz="1600" dirty="0" err="1">
+                          <a:solidFill>
+                            <a:schemeClr val="accent1"/>
+                          </a:solidFill>
+                        </a:rPr>
+                        <a:t>Schulferien</a:t>
+                      </a:r>
+                      <a:endParaRPr lang="en-AU" sz="1600" dirty="0">
+                        <a:solidFill>
+                          <a:schemeClr val="accent1"/>
+                        </a:solidFill>
+                      </a:endParaRPr>
+                    </a:p>
+                    <a:p>
+                      <a:r>
+                        <a:rPr lang="en-AU" sz="1600" dirty="0"/>
+                        <a:t>+ </a:t>
+                      </a:r>
+                      <a:r>
+                        <a:rPr lang="en-AU" sz="1600" dirty="0">
+                          <a:solidFill>
+                            <a:schemeClr val="accent3"/>
+                          </a:solidFill>
+                        </a:rPr>
+                        <a:t>Monat </a:t>
+                      </a:r>
+                      <a:r>
+                        <a:rPr lang="en-AU" sz="1600" dirty="0"/>
+                        <a:t>+ </a:t>
+                      </a:r>
+                      <a:r>
+                        <a:rPr lang="en-AU" sz="1600" dirty="0" err="1">
+                          <a:solidFill>
+                            <a:schemeClr val="accent6"/>
+                          </a:solidFill>
+                        </a:rPr>
+                        <a:t>Verlängertes</a:t>
+                      </a:r>
+                      <a:r>
+                        <a:rPr lang="en-AU" sz="1600" dirty="0">
+                          <a:solidFill>
+                            <a:schemeClr val="accent6"/>
+                          </a:solidFill>
+                        </a:rPr>
+                        <a:t> </a:t>
+                      </a:r>
+                      <a:r>
+                        <a:rPr lang="en-AU" sz="1600" dirty="0" err="1">
+                          <a:solidFill>
+                            <a:schemeClr val="accent6"/>
+                          </a:solidFill>
+                        </a:rPr>
+                        <a:t>Wochenende</a:t>
+                      </a:r>
+                      <a:r>
+                        <a:rPr lang="en-AU" sz="1600" dirty="0">
+                          <a:solidFill>
+                            <a:schemeClr val="accent6"/>
+                          </a:solidFill>
+                        </a:rPr>
+                        <a:t> (Mo)</a:t>
+                      </a:r>
+                    </a:p>
+                  </a:txBody>
+                  <a:tcPr/>
+                </a:tc>
+                <a:tc>
+                  <a:txBody>
+                    <a:bodyPr/>
+                    <a:lstStyle/>
+                    <a:p>
+                      <a:pPr marL="0" marR="0" lvl="0" indent="0" algn="l" defTabSz="457144" rtl="0" eaLnBrk="1" fontAlgn="auto" latinLnBrk="0" hangingPunct="1">
+                        <a:lnSpc>
+                          <a:spcPct val="100000"/>
+                        </a:lnSpc>
+                        <a:spcBef>
+                          <a:spcPts val="0"/>
+                        </a:spcBef>
+                        <a:spcAft>
+                          <a:spcPts val="0"/>
+                        </a:spcAft>
+                        <a:buClrTx/>
+                        <a:buSzTx/>
+                        <a:buFontTx/>
+                        <a:buNone/>
+                        <a:tabLst/>
+                        <a:defRPr/>
+                      </a:pPr>
+                      <a:r>
+                        <a:rPr lang="en-DE" sz="1600" dirty="0"/>
+                        <a:t>37,87</a:t>
+                      </a:r>
+                      <a:endParaRPr lang="en-AU" sz="1600" dirty="0"/>
+                    </a:p>
+                  </a:txBody>
+                  <a:tcPr/>
+                </a:tc>
+                <a:tc>
+                  <a:txBody>
+                    <a:bodyPr/>
+                    <a:lstStyle/>
+                    <a:p>
+                      <a:r>
+                        <a:rPr lang="en-DE" sz="1600" dirty="0"/>
+                        <a:t>38,32</a:t>
+                      </a:r>
+                      <a:endParaRPr lang="en-AU" sz="1600" dirty="0"/>
+                    </a:p>
+                  </a:txBody>
+                  <a:tcPr/>
+                </a:tc>
+                <a:extLst>
+                  <a:ext uri="{0D108BD9-81ED-4DB2-BD59-A6C34878D82A}">
+                    <a16:rowId xmlns:a16="http://schemas.microsoft.com/office/drawing/2014/main" val="3521576117"/>
+                  </a:ext>
+                </a:extLst>
+              </a:tr>
+            </a:tbl>
+          </a:graphicData>
+        </a:graphic>
+      </p:graphicFrame>
+      <p:pic>
+        <p:nvPicPr>
+          <p:cNvPr id="11" name="Picture 10">
+            <a:extLst>
+              <a:ext uri="{FF2B5EF4-FFF2-40B4-BE49-F238E27FC236}">
+                <a16:creationId xmlns:a16="http://schemas.microsoft.com/office/drawing/2014/main" id="{3F6E8886-F51F-7A44-B945-5171A38206B5}"/>
+              </a:ext>
+            </a:extLst>
+          </p:cNvPr>
+          <p:cNvPicPr>
+            <a:picLocks noChangeAspect="1"/>
+          </p:cNvPicPr>
+          <p:nvPr/>
+        </p:nvPicPr>
+        <p:blipFill>
+          <a:blip r:embed="rId4">
+            <a:extLst>
+              <a:ext uri="{28A0092B-C50C-407E-A947-70E740481C1C}">
+                <a14:useLocalDpi xmlns:a14="http://schemas.microsoft.com/office/drawing/2010/main" val="0"/>
+              </a:ext>
+            </a:extLst>
+          </a:blip>
+          <a:stretch>
+            <a:fillRect/>
+          </a:stretch>
+        </p:blipFill>
+        <p:spPr>
+          <a:xfrm>
+            <a:off x="9226172" y="2924944"/>
+            <a:ext cx="1587500" cy="1727200"/>
+          </a:xfrm>
+          <a:prstGeom prst="rect">
+            <a:avLst/>
+          </a:prstGeom>
+        </p:spPr>
+      </p:pic>
+      <p:sp>
+        <p:nvSpPr>
+          <p:cNvPr id="13" name="Rectangle 12">
+            <a:extLst>
+              <a:ext uri="{FF2B5EF4-FFF2-40B4-BE49-F238E27FC236}">
+                <a16:creationId xmlns:a16="http://schemas.microsoft.com/office/drawing/2014/main" id="{1E03AB1F-069B-BA48-93CC-89FB93CBA0E5}"/>
+              </a:ext>
+            </a:extLst>
+          </p:cNvPr>
+          <p:cNvSpPr/>
+          <p:nvPr/>
+        </p:nvSpPr>
+        <p:spPr>
+          <a:xfrm>
+            <a:off x="256464" y="858198"/>
+            <a:ext cx="4675576" cy="338554"/>
+          </a:xfrm>
+          <a:prstGeom prst="rect">
+            <a:avLst/>
+          </a:prstGeom>
+        </p:spPr>
+        <p:txBody>
+          <a:bodyPr wrap="square">
+            <a:spAutoFit/>
+          </a:bodyPr>
+          <a:lstStyle/>
+          <a:p>
+            <a:pPr marL="0" lvl="1"/>
+            <a:r>
+              <a:rPr lang="en-GB" sz="1600" b="1" dirty="0" err="1">
+                <a:latin typeface="Helvetica" pitchFamily="2" charset="0"/>
+              </a:rPr>
+              <a:t>Sechs</a:t>
+            </a:r>
+            <a:r>
+              <a:rPr lang="en-GB" sz="1600" b="1" dirty="0">
+                <a:latin typeface="Helvetica" pitchFamily="2" charset="0"/>
+              </a:rPr>
+              <a:t> SVMs </a:t>
+            </a:r>
+            <a:r>
+              <a:rPr lang="en-GB" sz="1600" b="1" dirty="0" err="1">
+                <a:latin typeface="Helvetica" pitchFamily="2" charset="0"/>
+              </a:rPr>
+              <a:t>getrennt</a:t>
+            </a:r>
+            <a:r>
+              <a:rPr lang="en-GB" sz="1600" b="1" dirty="0">
+                <a:latin typeface="Helvetica" pitchFamily="2" charset="0"/>
+              </a:rPr>
+              <a:t> </a:t>
+            </a:r>
+            <a:r>
+              <a:rPr lang="en-GB" sz="1600" b="1" dirty="0" err="1">
+                <a:latin typeface="Helvetica" pitchFamily="2" charset="0"/>
+              </a:rPr>
+              <a:t>nach</a:t>
+            </a:r>
+            <a:r>
+              <a:rPr lang="en-GB" sz="1600" b="1" dirty="0">
+                <a:latin typeface="Helvetica" pitchFamily="2" charset="0"/>
+              </a:rPr>
+              <a:t> </a:t>
+            </a:r>
+            <a:r>
+              <a:rPr lang="en-GB" sz="1600" b="1" dirty="0" err="1">
+                <a:latin typeface="Helvetica" pitchFamily="2" charset="0"/>
+              </a:rPr>
+              <a:t>Warengruppen</a:t>
+            </a:r>
+            <a:endParaRPr lang="en-GB" sz="1600" b="1" dirty="0">
+              <a:latin typeface="Helvetica" pitchFamily="2" charset="0"/>
+            </a:endParaRPr>
+          </a:p>
+        </p:txBody>
+      </p:sp>
+    </p:spTree>
+    <p:extLst>
+      <p:ext uri="{BB962C8B-B14F-4D97-AF65-F5344CB8AC3E}">
+        <p14:creationId xmlns:p14="http://schemas.microsoft.com/office/powerpoint/2010/main" val="112424630"/>
+      </p:ext>
+    </p:extLst>
+  </p:cSld>
+  <p:clrMapOvr>
+    <a:masterClrMapping/>
+  </p:clrMapOvr>
+</p:sld>
+</file>
+
+<file path=ppt/slides/slide12.xml><?xml version="1.0" encoding="utf-8"?>
+<p:sld xmlns:a="http://schemas.openxmlformats.org/drawingml/2006/main" xmlns:r="http://schemas.openxmlformats.org/officeDocument/2006/relationships" xmlns:p="http://schemas.openxmlformats.org/presentationml/2006/main">
+  <p:cSld>
+    <p:spTree>
+      <p:nvGrpSpPr>
+        <p:cNvPr id="1" name=""/>
+        <p:cNvGrpSpPr/>
+        <p:nvPr/>
+      </p:nvGrpSpPr>
+      <p:grpSpPr>
+        <a:xfrm>
+          <a:off x="0" y="0"/>
+          <a:ext cx="0" cy="0"/>
+          <a:chOff x="0" y="0"/>
+          <a:chExt cx="0" cy="0"/>
+        </a:xfrm>
+      </p:grpSpPr>
+      <p:sp>
+        <p:nvSpPr>
+          <p:cNvPr id="8194" name="Rectangle 2"/>
+          <p:cNvSpPr>
+            <a:spLocks noGrp="1" noChangeArrowheads="1"/>
+          </p:cNvSpPr>
+          <p:nvPr>
+            <p:ph type="title"/>
+          </p:nvPr>
+        </p:nvSpPr>
+        <p:spPr>
+          <a:xfrm>
+            <a:off x="467544" y="44624"/>
+            <a:ext cx="8676456" cy="761999"/>
+          </a:xfrm>
+        </p:spPr>
+        <p:txBody>
+          <a:bodyPr anchor="ctr"/>
+          <a:lstStyle/>
+          <a:p>
+            <a:r>
+              <a:rPr lang="en-GB" sz="2400" dirty="0" err="1">
+                <a:latin typeface="Helvetica" pitchFamily="2" charset="0"/>
+              </a:rPr>
+              <a:t>Ergebnisse</a:t>
+            </a:r>
+            <a:r>
+              <a:rPr lang="en-GB" sz="2400" dirty="0">
+                <a:latin typeface="Helvetica" pitchFamily="2" charset="0"/>
+              </a:rPr>
+              <a:t> der </a:t>
+            </a:r>
+            <a:r>
+              <a:rPr lang="en-GB" sz="2400" dirty="0" err="1">
+                <a:latin typeface="Helvetica" pitchFamily="2" charset="0"/>
+              </a:rPr>
+              <a:t>Schätzung</a:t>
+            </a:r>
+            <a:r>
+              <a:rPr lang="en-GB" sz="2400" dirty="0">
+                <a:latin typeface="Helvetica" pitchFamily="2" charset="0"/>
+              </a:rPr>
+              <a:t> </a:t>
+            </a:r>
+            <a:r>
+              <a:rPr lang="en-GB" sz="2400" dirty="0" err="1">
+                <a:latin typeface="Helvetica" pitchFamily="2" charset="0"/>
+              </a:rPr>
+              <a:t>einer</a:t>
+            </a:r>
+            <a:r>
+              <a:rPr lang="en-GB" sz="2400" dirty="0">
+                <a:latin typeface="Helvetica" pitchFamily="2" charset="0"/>
+              </a:rPr>
+              <a:t> SVM</a:t>
+            </a:r>
+            <a:br>
+              <a:rPr lang="en-GB" sz="2400" dirty="0">
+                <a:latin typeface="Helvetica" pitchFamily="2" charset="0"/>
+              </a:rPr>
+            </a:br>
+            <a:r>
+              <a:rPr lang="en-GB" sz="2400" dirty="0">
+                <a:latin typeface="Helvetica" pitchFamily="2" charset="0"/>
+              </a:rPr>
+              <a:t> (</a:t>
+            </a:r>
+            <a:r>
+              <a:rPr lang="en-GB" sz="2400" dirty="0" err="1">
+                <a:latin typeface="Helvetica" pitchFamily="2" charset="0"/>
+              </a:rPr>
+              <a:t>Vorhersage</a:t>
+            </a:r>
+            <a:r>
+              <a:rPr lang="en-GB" sz="2400" dirty="0">
+                <a:latin typeface="Helvetica" pitchFamily="2" charset="0"/>
+              </a:rPr>
+              <a:t> </a:t>
+            </a:r>
+            <a:r>
+              <a:rPr lang="en-GB" sz="2400" dirty="0" err="1">
+                <a:latin typeface="Helvetica" pitchFamily="2" charset="0"/>
+              </a:rPr>
+              <a:t>für</a:t>
+            </a:r>
+            <a:r>
+              <a:rPr lang="en-GB" sz="2400" dirty="0">
+                <a:latin typeface="Helvetica" pitchFamily="2" charset="0"/>
+              </a:rPr>
+              <a:t> den 04.06.2019)</a:t>
+            </a:r>
+            <a:endParaRPr lang="en-GB" dirty="0">
+              <a:latin typeface="Helvetica" pitchFamily="2" charset="0"/>
+            </a:endParaRPr>
+          </a:p>
+        </p:txBody>
+      </p:sp>
+      <p:sp>
+        <p:nvSpPr>
+          <p:cNvPr id="3" name="Foliennummernplatzhalter 2">
+            <a:extLst>
+              <a:ext uri="{FF2B5EF4-FFF2-40B4-BE49-F238E27FC236}">
+                <a16:creationId xmlns:a16="http://schemas.microsoft.com/office/drawing/2014/main" id="{356532F3-A40E-3544-BC28-367FA2E6B194}"/>
+              </a:ext>
+            </a:extLst>
+          </p:cNvPr>
+          <p:cNvSpPr>
+            <a:spLocks noGrp="1"/>
+          </p:cNvSpPr>
+          <p:nvPr>
+            <p:ph type="sldNum" sz="quarter" idx="12"/>
+          </p:nvPr>
+        </p:nvSpPr>
+        <p:spPr/>
+        <p:txBody>
+          <a:bodyPr/>
+          <a:lstStyle/>
+          <a:p>
+            <a:fld id="{DEED8D61-E8B6-E041-9D61-71A033DF76C2}" type="slidenum">
+              <a:rPr lang="de-DE" smtClean="0"/>
+              <a:pPr/>
+              <a:t>12</a:t>
+            </a:fld>
+            <a:endParaRPr lang="de-DE" dirty="0"/>
+          </a:p>
+        </p:txBody>
+      </p:sp>
+      <p:sp>
+        <p:nvSpPr>
+          <p:cNvPr id="2" name="Fußzeilenplatzhalter 1">
+            <a:extLst>
+              <a:ext uri="{FF2B5EF4-FFF2-40B4-BE49-F238E27FC236}">
+                <a16:creationId xmlns:a16="http://schemas.microsoft.com/office/drawing/2014/main" id="{1DC7A913-4F53-6346-8764-129A4373CFF4}"/>
+              </a:ext>
+            </a:extLst>
+          </p:cNvPr>
+          <p:cNvSpPr>
+            <a:spLocks noGrp="1"/>
+          </p:cNvSpPr>
+          <p:nvPr>
+            <p:ph type="ftr" sz="quarter" idx="11"/>
+          </p:nvPr>
+        </p:nvSpPr>
+        <p:spPr>
+          <a:xfrm>
+            <a:off x="2483768" y="6251510"/>
+            <a:ext cx="4081964" cy="365125"/>
+          </a:xfrm>
+        </p:spPr>
+        <p:txBody>
+          <a:bodyPr/>
+          <a:lstStyle/>
+          <a:p>
+            <a:endParaRPr lang="de-DE" sz="1400" dirty="0"/>
+          </a:p>
+        </p:txBody>
+      </p:sp>
+      <p:sp>
+        <p:nvSpPr>
+          <p:cNvPr id="8" name="Rechteck 4">
+            <a:extLst>
+              <a:ext uri="{FF2B5EF4-FFF2-40B4-BE49-F238E27FC236}">
+                <a16:creationId xmlns:a16="http://schemas.microsoft.com/office/drawing/2014/main" id="{1D0BF8D9-AC0F-F142-9C26-205384427EA2}"/>
+              </a:ext>
+            </a:extLst>
+          </p:cNvPr>
+          <p:cNvSpPr/>
+          <p:nvPr/>
+        </p:nvSpPr>
+        <p:spPr>
+          <a:xfrm>
+            <a:off x="107505" y="6093296"/>
+            <a:ext cx="2232247" cy="646331"/>
+          </a:xfrm>
+          <a:prstGeom prst="rect">
+            <a:avLst/>
+          </a:prstGeom>
+          <a:ln>
+            <a:solidFill>
+              <a:schemeClr val="bg1"/>
+            </a:solidFill>
+          </a:ln>
+        </p:spPr>
+        <p:style>
+          <a:lnRef idx="2">
+            <a:schemeClr val="dk1"/>
+          </a:lnRef>
+          <a:fillRef idx="1">
+            <a:schemeClr val="lt1"/>
+          </a:fillRef>
+          <a:effectRef idx="0">
+            <a:schemeClr val="dk1"/>
+          </a:effectRef>
+          <a:fontRef idx="minor">
+            <a:schemeClr val="dk1"/>
+          </a:fontRef>
+        </p:style>
+        <p:txBody>
+          <a:bodyPr rtlCol="0" anchor="ctr"/>
+          <a:lstStyle/>
+          <a:p>
+            <a:pPr algn="ctr"/>
+            <a:endParaRPr lang="de-DE"/>
+          </a:p>
+        </p:txBody>
+      </p:sp>
+      <p:graphicFrame>
+        <p:nvGraphicFramePr>
+          <p:cNvPr id="6" name="Table 6">
+            <a:extLst>
+              <a:ext uri="{FF2B5EF4-FFF2-40B4-BE49-F238E27FC236}">
+                <a16:creationId xmlns:a16="http://schemas.microsoft.com/office/drawing/2014/main" id="{E1903564-7DF7-5744-976B-EBA17FF56370}"/>
+              </a:ext>
+            </a:extLst>
+          </p:cNvPr>
+          <p:cNvGraphicFramePr>
+            <a:graphicFrameLocks noGrp="1"/>
+          </p:cNvGraphicFramePr>
+          <p:nvPr>
+            <p:extLst>
+              <p:ext uri="{D42A27DB-BD31-4B8C-83A1-F6EECF244321}">
+                <p14:modId xmlns:p14="http://schemas.microsoft.com/office/powerpoint/2010/main" val="2055358709"/>
+              </p:ext>
+            </p:extLst>
+          </p:nvPr>
+        </p:nvGraphicFramePr>
+        <p:xfrm>
+          <a:off x="1223628" y="1438499"/>
+          <a:ext cx="6480720" cy="3864707"/>
+        </p:xfrm>
+        <a:graphic>
+          <a:graphicData uri="http://schemas.openxmlformats.org/drawingml/2006/table">
+            <a:tbl>
+              <a:tblPr firstRow="1" bandRow="1">
+                <a:tableStyleId>{5940675A-B579-460E-94D1-54222C63F5DA}</a:tableStyleId>
+              </a:tblPr>
+              <a:tblGrid>
+                <a:gridCol w="3220690">
+                  <a:extLst>
+                    <a:ext uri="{9D8B030D-6E8A-4147-A177-3AD203B41FA5}">
+                      <a16:colId xmlns:a16="http://schemas.microsoft.com/office/drawing/2014/main" val="4271733570"/>
+                    </a:ext>
+                  </a:extLst>
+                </a:gridCol>
+                <a:gridCol w="3260030">
+                  <a:extLst>
+                    <a:ext uri="{9D8B030D-6E8A-4147-A177-3AD203B41FA5}">
+                      <a16:colId xmlns:a16="http://schemas.microsoft.com/office/drawing/2014/main" val="4168449459"/>
+                    </a:ext>
+                  </a:extLst>
+                </a:gridCol>
+              </a:tblGrid>
+              <a:tr h="552101">
+                <a:tc>
+                  <a:txBody>
+                    <a:bodyPr/>
+                    <a:lstStyle/>
+                    <a:p>
+                      <a:pPr algn="ctr"/>
+                      <a:r>
+                        <a:rPr lang="en-AU" sz="1800" b="1" dirty="0" err="1"/>
+                        <a:t>Warengruppe</a:t>
+                      </a:r>
+                      <a:endParaRPr lang="en-AU" sz="1800" b="1" dirty="0"/>
+                    </a:p>
+                  </a:txBody>
+                  <a:tcPr/>
+                </a:tc>
+                <a:tc>
+                  <a:txBody>
+                    <a:bodyPr/>
+                    <a:lstStyle/>
+                    <a:p>
+                      <a:pPr algn="ctr"/>
+                      <a:r>
+                        <a:rPr lang="en-AU" sz="1800" b="1" dirty="0" err="1"/>
+                        <a:t>Umsatz</a:t>
+                      </a:r>
+                      <a:r>
+                        <a:rPr lang="en-AU" sz="1800" b="1" dirty="0"/>
+                        <a:t>(-</a:t>
+                      </a:r>
+                      <a:r>
+                        <a:rPr lang="en-AU" sz="1800" b="1" dirty="0" err="1"/>
+                        <a:t>vorhersage</a:t>
+                      </a:r>
+                      <a:r>
+                        <a:rPr lang="en-AU" sz="1800" b="1" dirty="0"/>
+                        <a:t>) [</a:t>
+                      </a:r>
+                      <a:r>
+                        <a:rPr lang="de-DE" sz="1800" b="1" dirty="0"/>
+                        <a:t>€</a:t>
+                      </a:r>
+                      <a:r>
+                        <a:rPr lang="en-AU" sz="1800" b="1" dirty="0"/>
+                        <a:t>]</a:t>
+                      </a:r>
+                    </a:p>
+                  </a:txBody>
+                  <a:tcPr/>
+                </a:tc>
+                <a:extLst>
+                  <a:ext uri="{0D108BD9-81ED-4DB2-BD59-A6C34878D82A}">
+                    <a16:rowId xmlns:a16="http://schemas.microsoft.com/office/drawing/2014/main" val="204829037"/>
+                  </a:ext>
+                </a:extLst>
+              </a:tr>
+              <a:tr h="552101">
+                <a:tc>
+                  <a:txBody>
+                    <a:bodyPr/>
+                    <a:lstStyle/>
+                    <a:p>
+                      <a:pPr algn="ctr"/>
+                      <a:r>
+                        <a:rPr lang="en-AU" sz="2000" b="1" dirty="0"/>
+                        <a:t>1</a:t>
+                      </a:r>
+                    </a:p>
+                  </a:txBody>
+                  <a:tcPr anchor="ctr"/>
+                </a:tc>
+                <a:tc>
+                  <a:txBody>
+                    <a:bodyPr/>
+                    <a:lstStyle/>
+                    <a:p>
+                      <a:pPr algn="ctr"/>
+                      <a:r>
+                        <a:rPr lang="en-AU" sz="2000" b="1" dirty="0">
+                          <a:solidFill>
+                            <a:schemeClr val="accent6">
+                              <a:lumMod val="75000"/>
+                            </a:schemeClr>
+                          </a:solidFill>
+                        </a:rPr>
+                        <a:t>124.67</a:t>
+                      </a:r>
+                    </a:p>
+                  </a:txBody>
+                  <a:tcPr anchor="ctr"/>
+                </a:tc>
+                <a:extLst>
+                  <a:ext uri="{0D108BD9-81ED-4DB2-BD59-A6C34878D82A}">
+                    <a16:rowId xmlns:a16="http://schemas.microsoft.com/office/drawing/2014/main" val="3426599036"/>
+                  </a:ext>
+                </a:extLst>
+              </a:tr>
+              <a:tr h="552101">
+                <a:tc>
+                  <a:txBody>
+                    <a:bodyPr/>
+                    <a:lstStyle/>
+                    <a:p>
+                      <a:pPr algn="ctr"/>
+                      <a:r>
+                        <a:rPr lang="en-AU" sz="2000" b="1" dirty="0"/>
+                        <a:t>2</a:t>
+                      </a:r>
+                    </a:p>
+                  </a:txBody>
+                  <a:tcPr anchor="ctr"/>
+                </a:tc>
+                <a:tc>
+                  <a:txBody>
+                    <a:bodyPr/>
+                    <a:lstStyle/>
+                    <a:p>
+                      <a:pPr algn="ctr"/>
+                      <a:r>
+                        <a:rPr lang="en-AU" sz="2000" b="1" dirty="0">
+                          <a:solidFill>
+                            <a:schemeClr val="accent6">
+                              <a:lumMod val="75000"/>
+                            </a:schemeClr>
+                          </a:solidFill>
+                        </a:rPr>
+                        <a:t>398.16</a:t>
+                      </a:r>
+                    </a:p>
+                  </a:txBody>
+                  <a:tcPr anchor="ctr"/>
+                </a:tc>
+                <a:extLst>
+                  <a:ext uri="{0D108BD9-81ED-4DB2-BD59-A6C34878D82A}">
+                    <a16:rowId xmlns:a16="http://schemas.microsoft.com/office/drawing/2014/main" val="983178364"/>
+                  </a:ext>
+                </a:extLst>
+              </a:tr>
+              <a:tr h="552101">
+                <a:tc>
+                  <a:txBody>
+                    <a:bodyPr/>
+                    <a:lstStyle/>
+                    <a:p>
+                      <a:pPr algn="ctr"/>
+                      <a:r>
+                        <a:rPr lang="en-AU" sz="2000" b="1" dirty="0"/>
+                        <a:t>3</a:t>
+                      </a:r>
+                    </a:p>
+                  </a:txBody>
+                  <a:tcPr anchor="ctr"/>
+                </a:tc>
+                <a:tc>
+                  <a:txBody>
+                    <a:bodyPr/>
+                    <a:lstStyle/>
+                    <a:p>
+                      <a:pPr marL="0" marR="0" lvl="0" indent="0" algn="ctr" defTabSz="457144" rtl="0" eaLnBrk="1" fontAlgn="auto" latinLnBrk="0" hangingPunct="1">
+                        <a:lnSpc>
+                          <a:spcPct val="100000"/>
+                        </a:lnSpc>
+                        <a:spcBef>
+                          <a:spcPts val="0"/>
+                        </a:spcBef>
+                        <a:spcAft>
+                          <a:spcPts val="0"/>
+                        </a:spcAft>
+                        <a:buClrTx/>
+                        <a:buSzTx/>
+                        <a:buFontTx/>
+                        <a:buNone/>
+                        <a:tabLst/>
+                        <a:defRPr/>
+                      </a:pPr>
+                      <a:r>
+                        <a:rPr lang="en-AU" sz="2000" b="1" dirty="0">
+                          <a:solidFill>
+                            <a:schemeClr val="accent6">
+                              <a:lumMod val="75000"/>
+                            </a:schemeClr>
+                          </a:solidFill>
+                        </a:rPr>
+                        <a:t>167.4</a:t>
+                      </a:r>
+                    </a:p>
+                  </a:txBody>
+                  <a:tcPr anchor="ctr"/>
+                </a:tc>
+                <a:extLst>
+                  <a:ext uri="{0D108BD9-81ED-4DB2-BD59-A6C34878D82A}">
+                    <a16:rowId xmlns:a16="http://schemas.microsoft.com/office/drawing/2014/main" val="824714965"/>
+                  </a:ext>
+                </a:extLst>
+              </a:tr>
+              <a:tr h="552101">
+                <a:tc>
+                  <a:txBody>
+                    <a:bodyPr/>
+                    <a:lstStyle/>
+                    <a:p>
+                      <a:pPr algn="ctr"/>
+                      <a:r>
+                        <a:rPr lang="en-AU" sz="2000" b="1" dirty="0"/>
+                        <a:t>4</a:t>
+                      </a:r>
+                    </a:p>
+                  </a:txBody>
+                  <a:tcPr anchor="ctr"/>
+                </a:tc>
+                <a:tc>
+                  <a:txBody>
+                    <a:bodyPr/>
+                    <a:lstStyle/>
+                    <a:p>
+                      <a:pPr marL="0" marR="0" lvl="0" indent="0" algn="ctr" defTabSz="457144" rtl="0" eaLnBrk="1" fontAlgn="auto" latinLnBrk="0" hangingPunct="1">
+                        <a:lnSpc>
+                          <a:spcPct val="100000"/>
+                        </a:lnSpc>
+                        <a:spcBef>
+                          <a:spcPts val="0"/>
+                        </a:spcBef>
+                        <a:spcAft>
+                          <a:spcPts val="0"/>
+                        </a:spcAft>
+                        <a:buClrTx/>
+                        <a:buSzTx/>
+                        <a:buFontTx/>
+                        <a:buNone/>
+                        <a:tabLst/>
+                        <a:defRPr/>
+                      </a:pPr>
+                      <a:r>
+                        <a:rPr lang="en-AU" sz="2000" b="1" dirty="0">
+                          <a:solidFill>
+                            <a:schemeClr val="accent6">
+                              <a:lumMod val="75000"/>
+                            </a:schemeClr>
+                          </a:solidFill>
+                        </a:rPr>
+                        <a:t>85.04</a:t>
+                      </a:r>
+                    </a:p>
+                  </a:txBody>
+                  <a:tcPr anchor="ctr"/>
+                </a:tc>
+                <a:extLst>
+                  <a:ext uri="{0D108BD9-81ED-4DB2-BD59-A6C34878D82A}">
+                    <a16:rowId xmlns:a16="http://schemas.microsoft.com/office/drawing/2014/main" val="2574431977"/>
+                  </a:ext>
+                </a:extLst>
+              </a:tr>
+              <a:tr h="552101">
+                <a:tc>
+                  <a:txBody>
+                    <a:bodyPr/>
+                    <a:lstStyle/>
+                    <a:p>
+                      <a:pPr algn="ctr"/>
+                      <a:r>
+                        <a:rPr lang="en-AU" sz="2000" b="1" dirty="0"/>
+                        <a:t>5</a:t>
+                      </a:r>
+                    </a:p>
+                  </a:txBody>
+                  <a:tcPr anchor="ctr"/>
+                </a:tc>
+                <a:tc>
+                  <a:txBody>
+                    <a:bodyPr/>
+                    <a:lstStyle/>
+                    <a:p>
+                      <a:pPr algn="ctr"/>
+                      <a:r>
+                        <a:rPr lang="en-AU" sz="2000" b="1" dirty="0">
+                          <a:solidFill>
+                            <a:schemeClr val="accent6">
+                              <a:lumMod val="75000"/>
+                            </a:schemeClr>
+                          </a:solidFill>
+                        </a:rPr>
+                        <a:t>285.3</a:t>
+                      </a:r>
+                    </a:p>
+                  </a:txBody>
+                  <a:tcPr anchor="ctr"/>
+                </a:tc>
+                <a:extLst>
+                  <a:ext uri="{0D108BD9-81ED-4DB2-BD59-A6C34878D82A}">
+                    <a16:rowId xmlns:a16="http://schemas.microsoft.com/office/drawing/2014/main" val="1253213471"/>
+                  </a:ext>
+                </a:extLst>
+              </a:tr>
+              <a:tr h="552101">
+                <a:tc>
+                  <a:txBody>
+                    <a:bodyPr/>
+                    <a:lstStyle/>
+                    <a:p>
+                      <a:pPr algn="ctr"/>
+                      <a:r>
+                        <a:rPr lang="en-AU" sz="2000" b="1" dirty="0"/>
+                        <a:t>6</a:t>
+                      </a:r>
+                    </a:p>
+                  </a:txBody>
+                  <a:tcPr anchor="ctr"/>
+                </a:tc>
+                <a:tc>
+                  <a:txBody>
+                    <a:bodyPr/>
+                    <a:lstStyle/>
+                    <a:p>
+                      <a:pPr algn="ctr"/>
+                      <a:r>
+                        <a:rPr lang="en-AU" sz="2000" b="1" dirty="0">
+                          <a:solidFill>
+                            <a:schemeClr val="accent6">
+                              <a:lumMod val="75000"/>
+                            </a:schemeClr>
+                          </a:solidFill>
+                        </a:rPr>
+                        <a:t>53.05</a:t>
+                      </a:r>
+                    </a:p>
+                  </a:txBody>
+                  <a:tcPr anchor="ctr"/>
+                </a:tc>
+                <a:extLst>
+                  <a:ext uri="{0D108BD9-81ED-4DB2-BD59-A6C34878D82A}">
+                    <a16:rowId xmlns:a16="http://schemas.microsoft.com/office/drawing/2014/main" val="3521576117"/>
+                  </a:ext>
+                </a:extLst>
+              </a:tr>
+            </a:tbl>
+          </a:graphicData>
+        </a:graphic>
+      </p:graphicFrame>
+    </p:spTree>
+    <p:extLst>
+      <p:ext uri="{BB962C8B-B14F-4D97-AF65-F5344CB8AC3E}">
+        <p14:creationId xmlns:p14="http://schemas.microsoft.com/office/powerpoint/2010/main" val="3694742450"/>
+      </p:ext>
+    </p:extLst>
+  </p:cSld>
+  <p:clrMapOvr>
+    <a:masterClrMapping/>
+  </p:clrMapOvr>
+</p:sld>
+</file>
+
+<file path=ppt/slides/slide13.xml><?xml version="1.0" encoding="utf-8"?>
+<p:sld xmlns:a="http://schemas.openxmlformats.org/drawingml/2006/main" xmlns:r="http://schemas.openxmlformats.org/officeDocument/2006/relationships" xmlns:p="http://schemas.openxmlformats.org/presentationml/2006/main">
+  <p:cSld>
+    <p:spTree>
+      <p:nvGrpSpPr>
+        <p:cNvPr id="1" name=""/>
+        <p:cNvGrpSpPr/>
+        <p:nvPr/>
+      </p:nvGrpSpPr>
+      <p:grpSpPr>
+        <a:xfrm>
+          <a:off x="0" y="0"/>
+          <a:ext cx="0" cy="0"/>
+          <a:chOff x="0" y="0"/>
+          <a:chExt cx="0" cy="0"/>
+        </a:xfrm>
+      </p:grpSpPr>
+      <p:sp>
+        <p:nvSpPr>
+          <p:cNvPr id="8194" name="Rectangle 2"/>
+          <p:cNvSpPr>
+            <a:spLocks noGrp="1" noChangeArrowheads="1"/>
+          </p:cNvSpPr>
+          <p:nvPr>
+            <p:ph type="title"/>
+          </p:nvPr>
+        </p:nvSpPr>
+        <p:spPr>
+          <a:xfrm>
+            <a:off x="323528" y="44624"/>
+            <a:ext cx="8496944" cy="761999"/>
+          </a:xfrm>
+        </p:spPr>
+        <p:txBody>
+          <a:bodyPr anchor="ctr"/>
+          <a:lstStyle/>
+          <a:p>
+            <a:r>
+              <a:rPr lang="en-GB" sz="2000" dirty="0" err="1">
+                <a:latin typeface="Helvetica" pitchFamily="2" charset="0"/>
+              </a:rPr>
+              <a:t>Ergebnisse</a:t>
+            </a:r>
+            <a:r>
+              <a:rPr lang="en-GB" sz="2000" dirty="0">
+                <a:latin typeface="Helvetica" pitchFamily="2" charset="0"/>
+              </a:rPr>
+              <a:t> der </a:t>
+            </a:r>
+            <a:r>
+              <a:rPr lang="en-GB" sz="2000" dirty="0" err="1">
+                <a:latin typeface="Helvetica" pitchFamily="2" charset="0"/>
+              </a:rPr>
+              <a:t>Schätzung</a:t>
+            </a:r>
+            <a:r>
+              <a:rPr lang="en-GB" sz="2000" dirty="0">
+                <a:latin typeface="Helvetica" pitchFamily="2" charset="0"/>
+              </a:rPr>
+              <a:t> </a:t>
+            </a:r>
+            <a:r>
+              <a:rPr lang="en-GB" sz="2000" dirty="0" err="1">
+                <a:latin typeface="Helvetica" pitchFamily="2" charset="0"/>
+              </a:rPr>
+              <a:t>eines</a:t>
+            </a:r>
+            <a:r>
+              <a:rPr lang="en-GB" sz="2000" dirty="0">
+                <a:latin typeface="Helvetica" pitchFamily="2" charset="0"/>
+              </a:rPr>
+              <a:t> </a:t>
+            </a:r>
+            <a:r>
+              <a:rPr lang="en-GB" sz="2000" dirty="0" err="1">
+                <a:latin typeface="Helvetica" pitchFamily="2" charset="0"/>
+              </a:rPr>
+              <a:t>neuronalen</a:t>
+            </a:r>
+            <a:r>
+              <a:rPr lang="en-GB" sz="2000" dirty="0">
+                <a:latin typeface="Helvetica" pitchFamily="2" charset="0"/>
+              </a:rPr>
+              <a:t> </a:t>
+            </a:r>
+            <a:r>
+              <a:rPr lang="en-GB" sz="2000" dirty="0" err="1">
+                <a:latin typeface="Helvetica" pitchFamily="2" charset="0"/>
+              </a:rPr>
+              <a:t>Netzes</a:t>
+            </a:r>
+            <a:r>
+              <a:rPr lang="en-GB" sz="2000" dirty="0">
+                <a:latin typeface="Helvetica" pitchFamily="2" charset="0"/>
+              </a:rPr>
+              <a:t> (MAPE je </a:t>
+            </a:r>
+            <a:r>
+              <a:rPr lang="en-GB" sz="2000" dirty="0" err="1">
+                <a:latin typeface="Helvetica" pitchFamily="2" charset="0"/>
+              </a:rPr>
+              <a:t>Warengruppe</a:t>
+            </a:r>
+            <a:r>
+              <a:rPr lang="en-GB" sz="2000" dirty="0">
+                <a:latin typeface="Helvetica" pitchFamily="2" charset="0"/>
+              </a:rPr>
+              <a:t> und </a:t>
+            </a:r>
+            <a:r>
+              <a:rPr lang="en-GB" sz="2000" dirty="0" err="1">
+                <a:latin typeface="Helvetica" pitchFamily="2" charset="0"/>
+              </a:rPr>
+              <a:t>Warengruppenumsätze</a:t>
+            </a:r>
+            <a:r>
+              <a:rPr lang="en-GB" sz="2000" dirty="0">
+                <a:latin typeface="Helvetica" pitchFamily="2" charset="0"/>
+              </a:rPr>
+              <a:t> </a:t>
+            </a:r>
+            <a:r>
+              <a:rPr lang="en-GB" sz="2000" dirty="0" err="1">
+                <a:latin typeface="Helvetica" pitchFamily="2" charset="0"/>
+              </a:rPr>
+              <a:t>für</a:t>
+            </a:r>
+            <a:r>
+              <a:rPr lang="en-GB" sz="2000" dirty="0">
+                <a:latin typeface="Helvetica" pitchFamily="2" charset="0"/>
+              </a:rPr>
+              <a:t> den 04.06.2019)</a:t>
+            </a:r>
+          </a:p>
+        </p:txBody>
+      </p:sp>
+      <p:sp>
+        <p:nvSpPr>
+          <p:cNvPr id="3" name="Foliennummernplatzhalter 2">
+            <a:extLst>
+              <a:ext uri="{FF2B5EF4-FFF2-40B4-BE49-F238E27FC236}">
+                <a16:creationId xmlns:a16="http://schemas.microsoft.com/office/drawing/2014/main" id="{356532F3-A40E-3544-BC28-367FA2E6B194}"/>
+              </a:ext>
+            </a:extLst>
+          </p:cNvPr>
+          <p:cNvSpPr>
+            <a:spLocks noGrp="1"/>
+          </p:cNvSpPr>
+          <p:nvPr>
+            <p:ph type="sldNum" sz="quarter" idx="12"/>
+          </p:nvPr>
+        </p:nvSpPr>
+        <p:spPr/>
+        <p:txBody>
+          <a:bodyPr/>
+          <a:lstStyle/>
+          <a:p>
+            <a:fld id="{DEED8D61-E8B6-E041-9D61-71A033DF76C2}" type="slidenum">
+              <a:rPr lang="de-DE" smtClean="0"/>
+              <a:pPr/>
+              <a:t>13</a:t>
+            </a:fld>
+            <a:endParaRPr lang="de-DE" dirty="0"/>
+          </a:p>
+        </p:txBody>
+      </p:sp>
+      <p:sp>
+        <p:nvSpPr>
+          <p:cNvPr id="2" name="Fußzeilenplatzhalter 1">
+            <a:extLst>
+              <a:ext uri="{FF2B5EF4-FFF2-40B4-BE49-F238E27FC236}">
+                <a16:creationId xmlns:a16="http://schemas.microsoft.com/office/drawing/2014/main" id="{1DC7A913-4F53-6346-8764-129A4373CFF4}"/>
+              </a:ext>
+            </a:extLst>
+          </p:cNvPr>
+          <p:cNvSpPr>
+            <a:spLocks noGrp="1"/>
+          </p:cNvSpPr>
+          <p:nvPr>
+            <p:ph type="ftr" sz="quarter" idx="11"/>
+          </p:nvPr>
+        </p:nvSpPr>
+        <p:spPr>
+          <a:xfrm>
+            <a:off x="2483768" y="6251510"/>
+            <a:ext cx="4081964" cy="365125"/>
+          </a:xfrm>
+        </p:spPr>
+        <p:txBody>
+          <a:bodyPr/>
+          <a:lstStyle/>
+          <a:p>
+            <a:endParaRPr lang="de-DE" sz="1400" dirty="0"/>
+          </a:p>
+        </p:txBody>
+      </p:sp>
+      <p:sp>
+        <p:nvSpPr>
+          <p:cNvPr id="8" name="Rechteck 4">
+            <a:extLst>
+              <a:ext uri="{FF2B5EF4-FFF2-40B4-BE49-F238E27FC236}">
+                <a16:creationId xmlns:a16="http://schemas.microsoft.com/office/drawing/2014/main" id="{1D0BF8D9-AC0F-F142-9C26-205384427EA2}"/>
+              </a:ext>
+            </a:extLst>
+          </p:cNvPr>
+          <p:cNvSpPr/>
+          <p:nvPr/>
+        </p:nvSpPr>
+        <p:spPr>
+          <a:xfrm>
+            <a:off x="107505" y="6093296"/>
+            <a:ext cx="2232247" cy="646331"/>
+          </a:xfrm>
+          <a:prstGeom prst="rect">
+            <a:avLst/>
+          </a:prstGeom>
+          <a:ln>
+            <a:solidFill>
+              <a:schemeClr val="bg1"/>
+            </a:solidFill>
+          </a:ln>
+        </p:spPr>
+        <p:style>
+          <a:lnRef idx="2">
+            <a:schemeClr val="dk1"/>
+          </a:lnRef>
+          <a:fillRef idx="1">
+            <a:schemeClr val="lt1"/>
+          </a:fillRef>
+          <a:effectRef idx="0">
+            <a:schemeClr val="dk1"/>
+          </a:effectRef>
+          <a:fontRef idx="minor">
+            <a:schemeClr val="dk1"/>
+          </a:fontRef>
+        </p:style>
+        <p:txBody>
+          <a:bodyPr rtlCol="0" anchor="ctr"/>
+          <a:lstStyle/>
+          <a:p>
+            <a:pPr algn="ctr"/>
+            <a:endParaRPr lang="de-DE"/>
+          </a:p>
+        </p:txBody>
+      </p:sp>
+    </p:spTree>
+    <p:extLst>
+      <p:ext uri="{BB962C8B-B14F-4D97-AF65-F5344CB8AC3E}">
+        <p14:creationId xmlns:p14="http://schemas.microsoft.com/office/powerpoint/2010/main" val="1598717745"/>
+      </p:ext>
+    </p:extLst>
+  </p:cSld>
+  <p:clrMapOvr>
+    <a:masterClrMapping/>
+  </p:clrMapOvr>
+</p:sld>
+</file>
+
+<file path=ppt/slides/slide14.xml><?xml version="1.0" encoding="utf-8"?>
+<p:sld xmlns:a="http://schemas.openxmlformats.org/drawingml/2006/main" xmlns:r="http://schemas.openxmlformats.org/officeDocument/2006/relationships" xmlns:p="http://schemas.openxmlformats.org/presentationml/2006/main">
+  <p:cSld>
+    <p:spTree>
+      <p:nvGrpSpPr>
+        <p:cNvPr id="1" name=""/>
+        <p:cNvGrpSpPr/>
+        <p:nvPr/>
+      </p:nvGrpSpPr>
+      <p:grpSpPr>
+        <a:xfrm>
+          <a:off x="0" y="0"/>
+          <a:ext cx="0" cy="0"/>
+          <a:chOff x="0" y="0"/>
+          <a:chExt cx="0" cy="0"/>
+        </a:xfrm>
+      </p:grpSpPr>
+      <p:sp>
+        <p:nvSpPr>
+          <p:cNvPr id="8194" name="Rectangle 2"/>
+          <p:cNvSpPr>
+            <a:spLocks noGrp="1" noChangeArrowheads="1"/>
+          </p:cNvSpPr>
+          <p:nvPr>
+            <p:ph type="title"/>
+          </p:nvPr>
+        </p:nvSpPr>
+        <p:spPr>
+          <a:xfrm>
+            <a:off x="899592" y="44624"/>
+            <a:ext cx="7920880" cy="761999"/>
+          </a:xfrm>
+        </p:spPr>
+        <p:txBody>
+          <a:bodyPr anchor="ctr"/>
+          <a:lstStyle/>
+          <a:p>
+            <a:r>
+              <a:rPr lang="en-GB" sz="2800" dirty="0"/>
+              <a:t>Link </a:t>
+            </a:r>
+            <a:r>
+              <a:rPr lang="en-GB" sz="2800" dirty="0" err="1"/>
+              <a:t>zum</a:t>
+            </a:r>
+            <a:r>
+              <a:rPr lang="en-GB" sz="2800" dirty="0"/>
+              <a:t> </a:t>
+            </a:r>
+            <a:r>
+              <a:rPr lang="en-GB" dirty="0">
+                <a:latin typeface="Helvetica" pitchFamily="2" charset="0"/>
+              </a:rPr>
+              <a:t>Repository</a:t>
+            </a:r>
+            <a:endParaRPr lang="de-DE" dirty="0">
+              <a:solidFill>
+                <a:schemeClr val="tx1">
+                  <a:lumMod val="50000"/>
+                  <a:lumOff val="50000"/>
+                </a:schemeClr>
+              </a:solidFill>
+            </a:endParaRPr>
+          </a:p>
+        </p:txBody>
+      </p:sp>
+      <p:sp>
+        <p:nvSpPr>
+          <p:cNvPr id="3" name="Foliennummernplatzhalter 2">
+            <a:extLst>
+              <a:ext uri="{FF2B5EF4-FFF2-40B4-BE49-F238E27FC236}">
+                <a16:creationId xmlns:a16="http://schemas.microsoft.com/office/drawing/2014/main" id="{356532F3-A40E-3544-BC28-367FA2E6B194}"/>
+              </a:ext>
+            </a:extLst>
+          </p:cNvPr>
+          <p:cNvSpPr>
+            <a:spLocks noGrp="1"/>
+          </p:cNvSpPr>
+          <p:nvPr>
+            <p:ph type="sldNum" sz="quarter" idx="12"/>
+          </p:nvPr>
+        </p:nvSpPr>
+        <p:spPr/>
+        <p:txBody>
+          <a:bodyPr/>
+          <a:lstStyle/>
+          <a:p>
+            <a:fld id="{DEED8D61-E8B6-E041-9D61-71A033DF76C2}" type="slidenum">
+              <a:rPr lang="de-DE" smtClean="0"/>
+              <a:pPr/>
+              <a:t>14</a:t>
+            </a:fld>
+            <a:endParaRPr lang="de-DE" dirty="0"/>
+          </a:p>
+        </p:txBody>
+      </p:sp>
+      <p:sp>
+        <p:nvSpPr>
+          <p:cNvPr id="2" name="Fußzeilenplatzhalter 1">
+            <a:extLst>
+              <a:ext uri="{FF2B5EF4-FFF2-40B4-BE49-F238E27FC236}">
+                <a16:creationId xmlns:a16="http://schemas.microsoft.com/office/drawing/2014/main" id="{1DC7A913-4F53-6346-8764-129A4373CFF4}"/>
+              </a:ext>
+            </a:extLst>
+          </p:cNvPr>
+          <p:cNvSpPr>
+            <a:spLocks noGrp="1"/>
+          </p:cNvSpPr>
+          <p:nvPr>
+            <p:ph type="ftr" sz="quarter" idx="11"/>
+          </p:nvPr>
+        </p:nvSpPr>
+        <p:spPr>
+          <a:xfrm>
+            <a:off x="2483768" y="6251510"/>
+            <a:ext cx="4081964" cy="365125"/>
+          </a:xfrm>
+        </p:spPr>
+        <p:txBody>
+          <a:bodyPr/>
+          <a:lstStyle/>
+          <a:p>
+            <a:endParaRPr lang="de-DE" sz="1400" dirty="0"/>
+          </a:p>
+        </p:txBody>
+      </p:sp>
+      <p:sp>
+        <p:nvSpPr>
+          <p:cNvPr id="8" name="Rechteck 4">
+            <a:extLst>
+              <a:ext uri="{FF2B5EF4-FFF2-40B4-BE49-F238E27FC236}">
+                <a16:creationId xmlns:a16="http://schemas.microsoft.com/office/drawing/2014/main" id="{1D0BF8D9-AC0F-F142-9C26-205384427EA2}"/>
+              </a:ext>
+            </a:extLst>
+          </p:cNvPr>
+          <p:cNvSpPr/>
+          <p:nvPr/>
+        </p:nvSpPr>
+        <p:spPr>
+          <a:xfrm>
+            <a:off x="107505" y="6093296"/>
+            <a:ext cx="2232247" cy="646331"/>
+          </a:xfrm>
+          <a:prstGeom prst="rect">
+            <a:avLst/>
+          </a:prstGeom>
+          <a:ln>
+            <a:solidFill>
+              <a:schemeClr val="bg1"/>
+            </a:solidFill>
+          </a:ln>
+        </p:spPr>
+        <p:style>
+          <a:lnRef idx="2">
+            <a:schemeClr val="dk1"/>
+          </a:lnRef>
+          <a:fillRef idx="1">
+            <a:schemeClr val="lt1"/>
+          </a:fillRef>
+          <a:effectRef idx="0">
+            <a:schemeClr val="dk1"/>
+          </a:effectRef>
+          <a:fontRef idx="minor">
+            <a:schemeClr val="dk1"/>
+          </a:fontRef>
+        </p:style>
+        <p:txBody>
+          <a:bodyPr rtlCol="0" anchor="ctr"/>
+          <a:lstStyle/>
+          <a:p>
+            <a:pPr algn="ctr"/>
+            <a:endParaRPr lang="de-DE"/>
+          </a:p>
+        </p:txBody>
+      </p:sp>
+      <p:sp>
+        <p:nvSpPr>
+          <p:cNvPr id="4" name="Rectangle 3">
+            <a:extLst>
+              <a:ext uri="{FF2B5EF4-FFF2-40B4-BE49-F238E27FC236}">
+                <a16:creationId xmlns:a16="http://schemas.microsoft.com/office/drawing/2014/main" id="{84893198-39A3-8746-AB99-C55A25DC00B6}"/>
+              </a:ext>
+            </a:extLst>
+          </p:cNvPr>
+          <p:cNvSpPr/>
+          <p:nvPr/>
+        </p:nvSpPr>
+        <p:spPr>
+          <a:xfrm>
+            <a:off x="611560" y="1268760"/>
+            <a:ext cx="6120680" cy="1754326"/>
+          </a:xfrm>
+          <a:prstGeom prst="rect">
+            <a:avLst/>
+          </a:prstGeom>
+        </p:spPr>
+        <p:txBody>
+          <a:bodyPr wrap="square">
+            <a:spAutoFit/>
+          </a:bodyPr>
+          <a:lstStyle/>
+          <a:p>
+            <a:r>
+              <a:rPr lang="en-GB" dirty="0">
+                <a:latin typeface="Helvetica" pitchFamily="2" charset="0"/>
+                <a:hlinkClick r:id="rId3"/>
+              </a:rPr>
+              <a:t>https://github.com/saludwig26/Data-science-Team-5-1</a:t>
+            </a:r>
+            <a:endParaRPr lang="en-GB" dirty="0">
+              <a:latin typeface="Helvetica" pitchFamily="2" charset="0"/>
+            </a:endParaRPr>
+          </a:p>
+          <a:p>
+            <a:endParaRPr lang="en-GB" dirty="0">
+              <a:latin typeface="Helvetica" pitchFamily="2" charset="0"/>
+            </a:endParaRPr>
+          </a:p>
+          <a:p>
+            <a:r>
+              <a:rPr lang="en-GB" dirty="0" err="1">
+                <a:latin typeface="Helvetica" pitchFamily="2" charset="0"/>
+              </a:rPr>
+              <a:t>mit</a:t>
+            </a:r>
+            <a:r>
+              <a:rPr lang="en-GB" dirty="0">
+                <a:latin typeface="Helvetica" pitchFamily="2" charset="0"/>
+              </a:rPr>
+              <a:t>:</a:t>
+            </a:r>
+            <a:br>
+              <a:rPr lang="en-GB" dirty="0">
+                <a:latin typeface="Helvetica" pitchFamily="2" charset="0"/>
+              </a:rPr>
+            </a:br>
+            <a:r>
+              <a:rPr lang="en-GB" dirty="0">
+                <a:latin typeface="Helvetica" pitchFamily="2" charset="0"/>
+              </a:rPr>
+              <a:t>• </a:t>
+            </a:r>
+            <a:r>
+              <a:rPr lang="en-GB" dirty="0" err="1">
+                <a:latin typeface="Helvetica" pitchFamily="2" charset="0"/>
+              </a:rPr>
+              <a:t>Datensatz</a:t>
+            </a:r>
+            <a:br>
+              <a:rPr lang="en-GB" dirty="0">
+                <a:latin typeface="Helvetica" pitchFamily="2" charset="0"/>
+              </a:rPr>
+            </a:br>
+            <a:r>
+              <a:rPr lang="en-GB" dirty="0">
+                <a:latin typeface="Helvetica" pitchFamily="2" charset="0"/>
+              </a:rPr>
+              <a:t>• </a:t>
+            </a:r>
+            <a:r>
+              <a:rPr lang="en-GB" dirty="0" err="1">
+                <a:latin typeface="Helvetica" pitchFamily="2" charset="0"/>
+              </a:rPr>
+              <a:t>Programmcode</a:t>
+            </a:r>
+            <a:br>
+              <a:rPr lang="en-GB" dirty="0">
+                <a:latin typeface="Helvetica" pitchFamily="2" charset="0"/>
+              </a:rPr>
+            </a:br>
+            <a:r>
+              <a:rPr lang="en-GB" dirty="0">
+                <a:latin typeface="Helvetica" pitchFamily="2" charset="0"/>
+              </a:rPr>
+              <a:t>• </a:t>
+            </a:r>
+            <a:r>
+              <a:rPr lang="en-GB" dirty="0" err="1">
+                <a:latin typeface="Helvetica" pitchFamily="2" charset="0"/>
+              </a:rPr>
+              <a:t>Präsentation</a:t>
+            </a:r>
+            <a:endParaRPr lang="en-AU" dirty="0"/>
+          </a:p>
+        </p:txBody>
+      </p:sp>
+    </p:spTree>
+    <p:extLst>
+      <p:ext uri="{BB962C8B-B14F-4D97-AF65-F5344CB8AC3E}">
+        <p14:creationId xmlns:p14="http://schemas.microsoft.com/office/powerpoint/2010/main" val="3688979529"/>
+      </p:ext>
+    </p:extLst>
+  </p:cSld>
+  <p:clrMapOvr>
+    <a:masterClrMapping/>
+  </p:clrMapOvr>
+</p:sld>
+</file>
+
+<file path=ppt/slides/slide15.xml><?xml version="1.0" encoding="utf-8"?>
+<p:sld xmlns:a="http://schemas.openxmlformats.org/drawingml/2006/main" xmlns:r="http://schemas.openxmlformats.org/officeDocument/2006/relationships" xmlns:p="http://schemas.openxmlformats.org/presentationml/2006/main">
+  <p:cSld>
+    <p:spTree>
+      <p:nvGrpSpPr>
+        <p:cNvPr id="1" name=""/>
+        <p:cNvGrpSpPr/>
+        <p:nvPr/>
+      </p:nvGrpSpPr>
+      <p:grpSpPr>
+        <a:xfrm>
+          <a:off x="0" y="0"/>
+          <a:ext cx="0" cy="0"/>
+          <a:chOff x="0" y="0"/>
+          <a:chExt cx="0" cy="0"/>
+        </a:xfrm>
+      </p:grpSpPr>
+      <p:sp>
+        <p:nvSpPr>
+          <p:cNvPr id="8194" name="Rectangle 2"/>
+          <p:cNvSpPr>
+            <a:spLocks noGrp="1" noChangeArrowheads="1"/>
+          </p:cNvSpPr>
+          <p:nvPr>
+            <p:ph type="title"/>
+          </p:nvPr>
+        </p:nvSpPr>
+        <p:spPr>
+          <a:xfrm>
+            <a:off x="762098" y="1568088"/>
+            <a:ext cx="7920880" cy="761999"/>
+          </a:xfrm>
+        </p:spPr>
+        <p:txBody>
+          <a:bodyPr anchor="ctr"/>
+          <a:lstStyle/>
+          <a:p>
+            <a:pPr>
+              <a:defRPr/>
+            </a:pPr>
+            <a:r>
+              <a:rPr lang="de-DE" dirty="0"/>
+              <a:t>Danke für Eure Aufmerksamkeit! </a:t>
+            </a:r>
+          </a:p>
+        </p:txBody>
+      </p:sp>
+      <p:sp>
+        <p:nvSpPr>
+          <p:cNvPr id="3" name="Foliennummernplatzhalter 2">
+            <a:extLst>
+              <a:ext uri="{FF2B5EF4-FFF2-40B4-BE49-F238E27FC236}">
+                <a16:creationId xmlns:a16="http://schemas.microsoft.com/office/drawing/2014/main" id="{356532F3-A40E-3544-BC28-367FA2E6B194}"/>
+              </a:ext>
+            </a:extLst>
+          </p:cNvPr>
+          <p:cNvSpPr>
+            <a:spLocks noGrp="1"/>
+          </p:cNvSpPr>
+          <p:nvPr>
+            <p:ph type="sldNum" sz="quarter" idx="12"/>
+          </p:nvPr>
+        </p:nvSpPr>
+        <p:spPr/>
+        <p:txBody>
+          <a:bodyPr/>
+          <a:lstStyle/>
+          <a:p>
+            <a:fld id="{DEED8D61-E8B6-E041-9D61-71A033DF76C2}" type="slidenum">
+              <a:rPr lang="de-DE" smtClean="0"/>
+              <a:pPr/>
+              <a:t>15</a:t>
             </a:fld>
             <a:endParaRPr lang="de-DE" dirty="0"/>
           </a:p>
@@ -6338,7 +9954,7 @@
 </p:sld>
 </file>
 
-<file path=ppt/slides/slide12.xml><?xml version="1.0" encoding="utf-8"?>
+<file path=ppt/slides/slide16.xml><?xml version="1.0" encoding="utf-8"?>
 <p:sld xmlns:a="http://schemas.openxmlformats.org/drawingml/2006/main" xmlns:r="http://schemas.openxmlformats.org/officeDocument/2006/relationships" xmlns:p="http://schemas.openxmlformats.org/presentationml/2006/main">
   <p:cSld>
     <p:spTree>
@@ -6417,7 +10033,7 @@
             <a:fld id="{DEED8D61-E8B6-E041-9D61-71A033DF76C2}" type="slidenum">
               <a:rPr lang="de-DE" smtClean="0"/>
               <a:pPr/>
-              <a:t>12</a:t>
+              <a:t>16</a:t>
             </a:fld>
             <a:endParaRPr lang="de-DE" dirty="0"/>
           </a:p>
@@ -6691,7 +10307,7 @@
 </p:sld>
 </file>
 
-<file path=ppt/slides/slide13.xml><?xml version="1.0" encoding="utf-8"?>
+<file path=ppt/slides/slide17.xml><?xml version="1.0" encoding="utf-8"?>
 <p:sld xmlns:a="http://schemas.openxmlformats.org/drawingml/2006/main" xmlns:r="http://schemas.openxmlformats.org/officeDocument/2006/relationships" xmlns:p="http://schemas.openxmlformats.org/presentationml/2006/main">
   <p:cSld>
     <p:spTree>
@@ -6770,7 +10386,7 @@
             <a:fld id="{DEED8D61-E8B6-E041-9D61-71A033DF76C2}" type="slidenum">
               <a:rPr lang="de-DE" smtClean="0"/>
               <a:pPr/>
-              <a:t>13</a:t>
+              <a:t>17</a:t>
             </a:fld>
             <a:endParaRPr lang="de-DE" dirty="0"/>
           </a:p>
@@ -7044,7 +10660,7 @@
 </p:sld>
 </file>
 
-<file path=ppt/slides/slide14.xml><?xml version="1.0" encoding="utf-8"?>
+<file path=ppt/slides/slide18.xml><?xml version="1.0" encoding="utf-8"?>
 <p:sld xmlns:a="http://schemas.openxmlformats.org/drawingml/2006/main" xmlns:r="http://schemas.openxmlformats.org/officeDocument/2006/relationships" xmlns:p="http://schemas.openxmlformats.org/presentationml/2006/main">
   <p:cSld>
     <p:spTree>
@@ -7163,7 +10779,7 @@
           <a:p>
             <a:fld id="{E4C261EB-623A-9444-B2C4-76BE8D04A686}" type="slidenum">
               <a:rPr lang="de-DE" smtClean="0"/>
-              <a:t>14</a:t>
+              <a:t>18</a:t>
             </a:fld>
             <a:endParaRPr lang="de-DE"/>
           </a:p>
@@ -8175,27 +11791,39 @@
         </p:nvSpPr>
         <p:spPr>
           <a:xfrm>
-            <a:off x="107505" y="44624"/>
-            <a:ext cx="9000999" cy="761999"/>
+            <a:off x="899592" y="44624"/>
+            <a:ext cx="7920880" cy="761999"/>
           </a:xfrm>
         </p:spPr>
         <p:txBody>
           <a:bodyPr anchor="ctr"/>
           <a:lstStyle/>
           <a:p>
-            <a:pPr>
+            <a:pPr algn="l">
               <a:defRPr/>
             </a:pPr>
             <a:r>
               <a:rPr lang="en-GB" sz="2400" dirty="0" err="1">
                 <a:latin typeface="Helvetica" pitchFamily="2" charset="0"/>
               </a:rPr>
-              <a:t>Balkendiagrammen</a:t>
+              <a:t>Vorstellung</a:t>
             </a:r>
             <a:r>
               <a:rPr lang="en-GB" sz="2400" dirty="0">
                 <a:latin typeface="Helvetica" pitchFamily="2" charset="0"/>
               </a:rPr>
+              <a:t> des </a:t>
+            </a:r>
+            <a:r>
+              <a:rPr lang="en-GB" sz="2400" dirty="0" err="1">
+                <a:latin typeface="Helvetica" pitchFamily="2" charset="0"/>
+              </a:rPr>
+              <a:t>Datensatzes</a:t>
+            </a:r>
+            <a:r>
+              <a:rPr lang="en-GB" sz="2400" dirty="0">
+                <a:latin typeface="Helvetica" pitchFamily="2" charset="0"/>
+              </a:rPr>
               <a:t> </a:t>
             </a:r>
             <a:r>
@@ -8208,79 +11836,25 @@
               <a:rPr lang="en-GB" sz="2400" dirty="0">
                 <a:latin typeface="Helvetica" pitchFamily="2" charset="0"/>
               </a:rPr>
+              <a:t> den </a:t>
+            </a:r>
+            <a:r>
+              <a:rPr lang="en-GB" sz="2400" dirty="0" err="1">
+                <a:latin typeface="Helvetica" pitchFamily="2" charset="0"/>
+              </a:rPr>
+              <a:t>erstellten</a:t>
+            </a:r>
+            <a:r>
+              <a:rPr lang="en-GB" sz="2400" dirty="0">
+                <a:latin typeface="Helvetica" pitchFamily="2" charset="0"/>
+              </a:rPr>
               <a:t> </a:t>
             </a:r>
             <a:r>
               <a:rPr lang="en-GB" sz="2400" dirty="0" err="1">
                 <a:latin typeface="Helvetica" pitchFamily="2" charset="0"/>
               </a:rPr>
-              <a:t>Konfidenzintervallen</a:t>
-            </a:r>
-            <a:r>
-              <a:rPr lang="en-GB" sz="2400" dirty="0">
-                <a:latin typeface="Helvetica" pitchFamily="2" charset="0"/>
-              </a:rPr>
-              <a:t> </a:t>
-            </a:r>
-            <a:r>
-              <a:rPr lang="en-GB" sz="2400" dirty="0" err="1">
-                <a:latin typeface="Helvetica" pitchFamily="2" charset="0"/>
-              </a:rPr>
-              <a:t>für</a:t>
-            </a:r>
-            <a:r>
-              <a:rPr lang="en-GB" sz="2400" dirty="0">
-                <a:latin typeface="Helvetica" pitchFamily="2" charset="0"/>
-              </a:rPr>
-              <a:t> </a:t>
-            </a:r>
-            <a:r>
-              <a:rPr lang="en-GB" sz="2400" dirty="0" err="1">
-                <a:latin typeface="Helvetica" pitchFamily="2" charset="0"/>
-              </a:rPr>
-              <a:t>zwei</a:t>
-            </a:r>
-            <a:r>
-              <a:rPr lang="en-GB" sz="2400" dirty="0">
-                <a:latin typeface="Helvetica" pitchFamily="2" charset="0"/>
-              </a:rPr>
-              <a:t> </a:t>
-            </a:r>
-            <a:r>
-              <a:rPr lang="en-GB" sz="2400" dirty="0" err="1">
-                <a:latin typeface="Helvetica" pitchFamily="2" charset="0"/>
-              </a:rPr>
-              <a:t>selbst</a:t>
-            </a:r>
-            <a:r>
-              <a:rPr lang="en-GB" sz="2400" dirty="0">
-                <a:latin typeface="Helvetica" pitchFamily="2" charset="0"/>
-              </a:rPr>
-              <a:t> </a:t>
-            </a:r>
-            <a:r>
-              <a:rPr lang="en-GB" sz="2400" dirty="0" err="1">
-                <a:latin typeface="Helvetica" pitchFamily="2" charset="0"/>
-              </a:rPr>
-              <a:t>erstellte</a:t>
-            </a:r>
-            <a:r>
-              <a:rPr lang="en-GB" sz="2400" dirty="0">
-                <a:latin typeface="Helvetica" pitchFamily="2" charset="0"/>
-              </a:rPr>
-              <a:t> </a:t>
-            </a:r>
-            <a:r>
-              <a:rPr lang="en-GB" sz="2400" dirty="0" err="1">
-                <a:latin typeface="Helvetica" pitchFamily="2" charset="0"/>
-              </a:rPr>
               <a:t>Variablen</a:t>
-            </a:r>
-            <a:r>
-              <a:rPr lang="en-GB" sz="2400" dirty="0">
-                <a:latin typeface="Helvetica" pitchFamily="2" charset="0"/>
-              </a:rPr>
-              <a:t> (1/2)</a:t>
             </a:r>
             <a:endParaRPr lang="de-DE" sz="2400" dirty="0">
               <a:solidFill>
@@ -8318,602 +11892,6 @@
               <a:rPr lang="de-DE" smtClean="0"/>
               <a:pPr/>
               <a:t>3</a:t>
-            </a:fld>
-            <a:endParaRPr lang="de-DE" dirty="0"/>
-          </a:p>
-        </p:txBody>
-      </p:sp>
-      <p:sp>
-        <p:nvSpPr>
-          <p:cNvPr id="2" name="Fußzeilenplatzhalter 1">
-            <a:extLst>
-              <a:ext uri="{FF2B5EF4-FFF2-40B4-BE49-F238E27FC236}">
-                <a16:creationId xmlns:a16="http://schemas.microsoft.com/office/drawing/2014/main" id="{1DC7A913-4F53-6346-8764-129A4373CFF4}"/>
-              </a:ext>
-            </a:extLst>
-          </p:cNvPr>
-          <p:cNvSpPr>
-            <a:spLocks noGrp="1"/>
-          </p:cNvSpPr>
-          <p:nvPr>
-            <p:ph type="ftr" sz="quarter" idx="11"/>
-          </p:nvPr>
-        </p:nvSpPr>
-        <p:spPr>
-          <a:xfrm>
-            <a:off x="2483768" y="6251510"/>
-            <a:ext cx="4081964" cy="365125"/>
-          </a:xfrm>
-        </p:spPr>
-        <p:txBody>
-          <a:bodyPr/>
-          <a:lstStyle/>
-          <a:p>
-            <a:endParaRPr lang="de-DE" sz="1400" dirty="0"/>
-          </a:p>
-        </p:txBody>
-      </p:sp>
-      <p:sp>
-        <p:nvSpPr>
-          <p:cNvPr id="8" name="Rechteck 4">
-            <a:extLst>
-              <a:ext uri="{FF2B5EF4-FFF2-40B4-BE49-F238E27FC236}">
-                <a16:creationId xmlns:a16="http://schemas.microsoft.com/office/drawing/2014/main" id="{1D0BF8D9-AC0F-F142-9C26-205384427EA2}"/>
-              </a:ext>
-            </a:extLst>
-          </p:cNvPr>
-          <p:cNvSpPr/>
-          <p:nvPr/>
-        </p:nvSpPr>
-        <p:spPr>
-          <a:xfrm>
-            <a:off x="107505" y="6093296"/>
-            <a:ext cx="2232247" cy="646331"/>
-          </a:xfrm>
-          <a:prstGeom prst="rect">
-            <a:avLst/>
-          </a:prstGeom>
-          <a:ln>
-            <a:solidFill>
-              <a:schemeClr val="bg1"/>
-            </a:solidFill>
-          </a:ln>
-        </p:spPr>
-        <p:style>
-          <a:lnRef idx="2">
-            <a:schemeClr val="dk1"/>
-          </a:lnRef>
-          <a:fillRef idx="1">
-            <a:schemeClr val="lt1"/>
-          </a:fillRef>
-          <a:effectRef idx="0">
-            <a:schemeClr val="dk1"/>
-          </a:effectRef>
-          <a:fontRef idx="minor">
-            <a:schemeClr val="dk1"/>
-          </a:fontRef>
-        </p:style>
-        <p:txBody>
-          <a:bodyPr rtlCol="0" anchor="ctr"/>
-          <a:lstStyle/>
-          <a:p>
-            <a:pPr algn="ctr"/>
-            <a:endParaRPr lang="de-DE"/>
-          </a:p>
-        </p:txBody>
-      </p:sp>
-      <p:sp>
-        <p:nvSpPr>
-          <p:cNvPr id="4" name="Rectangle 3">
-            <a:extLst>
-              <a:ext uri="{FF2B5EF4-FFF2-40B4-BE49-F238E27FC236}">
-                <a16:creationId xmlns:a16="http://schemas.microsoft.com/office/drawing/2014/main" id="{FE843E8E-C48E-FA49-BD4D-8150A1B5427F}"/>
-              </a:ext>
-            </a:extLst>
-          </p:cNvPr>
-          <p:cNvSpPr/>
-          <p:nvPr/>
-        </p:nvSpPr>
-        <p:spPr>
-          <a:xfrm>
-            <a:off x="4474120" y="3382801"/>
-            <a:ext cx="195759" cy="92398"/>
-          </a:xfrm>
-          <a:prstGeom prst="rect">
-            <a:avLst/>
-          </a:prstGeom>
-        </p:spPr>
-        <p:txBody>
-          <a:bodyPr wrap="none">
-            <a:spAutoFit/>
-          </a:bodyPr>
-          <a:lstStyle/>
-          <a:p>
-            <a:r>
-              <a:rPr lang="en-AU" dirty="0"/>
-              <a:t>https://</a:t>
-            </a:r>
-            <a:r>
-              <a:rPr lang="en-AU" dirty="0" err="1"/>
-              <a:t>www.myheimat.de</a:t>
-            </a:r>
-            <a:r>
-              <a:rPr lang="en-AU" dirty="0"/>
-              <a:t>/</a:t>
-            </a:r>
-            <a:r>
-              <a:rPr lang="en-AU" dirty="0" err="1"/>
-              <a:t>kiel</a:t>
-            </a:r>
-            <a:r>
-              <a:rPr lang="en-AU" dirty="0"/>
-              <a:t>/</a:t>
-            </a:r>
-            <a:r>
-              <a:rPr lang="en-AU" dirty="0" err="1"/>
-              <a:t>freizeit</a:t>
-            </a:r>
-            <a:r>
-              <a:rPr lang="en-AU" dirty="0"/>
-              <a:t>/verkaufsoffene-sonntage-schleswig-holstein-2013-d2476450.html -https://</a:t>
-            </a:r>
-            <a:r>
-              <a:rPr lang="en-AU" dirty="0" err="1"/>
-              <a:t>kiel-journal.de</a:t>
-            </a:r>
-            <a:r>
-              <a:rPr lang="en-AU" dirty="0"/>
-              <a:t>/</a:t>
-            </a:r>
-            <a:r>
-              <a:rPr lang="en-AU" dirty="0" err="1"/>
-              <a:t>fruehlingserwachen</a:t>
-            </a:r>
-            <a:r>
-              <a:rPr lang="en-AU" dirty="0"/>
-              <a:t>-</a:t>
-            </a:r>
-            <a:r>
-              <a:rPr lang="en-AU" dirty="0" err="1"/>
-              <a:t>mit</a:t>
-            </a:r>
-            <a:r>
-              <a:rPr lang="en-AU" dirty="0"/>
-              <a:t>-</a:t>
-            </a:r>
-            <a:r>
-              <a:rPr lang="en-AU" dirty="0" err="1"/>
-              <a:t>sonntagsoeffnung</a:t>
-            </a:r>
-            <a:r>
-              <a:rPr lang="en-AU" dirty="0"/>
-              <a:t>-in-</a:t>
-            </a:r>
-            <a:r>
-              <a:rPr lang="en-AU" dirty="0" err="1"/>
-              <a:t>kiel</a:t>
-            </a:r>
-            <a:r>
-              <a:rPr lang="en-AU" dirty="0"/>
-              <a:t>/ -</a:t>
-            </a:r>
-          </a:p>
-        </p:txBody>
-      </p:sp>
-    </p:spTree>
-    <p:extLst>
-      <p:ext uri="{BB962C8B-B14F-4D97-AF65-F5344CB8AC3E}">
-        <p14:creationId xmlns:p14="http://schemas.microsoft.com/office/powerpoint/2010/main" val="2625220915"/>
-      </p:ext>
-    </p:extLst>
-  </p:cSld>
-  <p:clrMapOvr>
-    <a:masterClrMapping/>
-  </p:clrMapOvr>
-</p:sld>
-</file>
-
-<file path=ppt/slides/slide4.xml><?xml version="1.0" encoding="utf-8"?>
-<p:sld xmlns:a="http://schemas.openxmlformats.org/drawingml/2006/main" xmlns:r="http://schemas.openxmlformats.org/officeDocument/2006/relationships" xmlns:p="http://schemas.openxmlformats.org/presentationml/2006/main">
-  <p:cSld>
-    <p:spTree>
-      <p:nvGrpSpPr>
-        <p:cNvPr id="1" name=""/>
-        <p:cNvGrpSpPr/>
-        <p:nvPr/>
-      </p:nvGrpSpPr>
-      <p:grpSpPr>
-        <a:xfrm>
-          <a:off x="0" y="0"/>
-          <a:ext cx="0" cy="0"/>
-          <a:chOff x="0" y="0"/>
-          <a:chExt cx="0" cy="0"/>
-        </a:xfrm>
-      </p:grpSpPr>
-      <p:sp>
-        <p:nvSpPr>
-          <p:cNvPr id="8194" name="Rectangle 2"/>
-          <p:cNvSpPr>
-            <a:spLocks noGrp="1" noChangeArrowheads="1"/>
-          </p:cNvSpPr>
-          <p:nvPr>
-            <p:ph type="title"/>
-          </p:nvPr>
-        </p:nvSpPr>
-        <p:spPr>
-          <a:xfrm>
-            <a:off x="107505" y="44624"/>
-            <a:ext cx="9000999" cy="761999"/>
-          </a:xfrm>
-        </p:spPr>
-        <p:txBody>
-          <a:bodyPr anchor="ctr"/>
-          <a:lstStyle/>
-          <a:p>
-            <a:pPr>
-              <a:defRPr/>
-            </a:pPr>
-            <a:r>
-              <a:rPr lang="en-GB" sz="2400" dirty="0" err="1">
-                <a:latin typeface="Helvetica" pitchFamily="2" charset="0"/>
-              </a:rPr>
-              <a:t>Balkendiagrammen</a:t>
-            </a:r>
-            <a:r>
-              <a:rPr lang="en-GB" sz="2400" dirty="0">
-                <a:latin typeface="Helvetica" pitchFamily="2" charset="0"/>
-              </a:rPr>
-              <a:t> </a:t>
-            </a:r>
-            <a:r>
-              <a:rPr lang="en-GB" sz="2400" dirty="0" err="1">
-                <a:latin typeface="Helvetica" pitchFamily="2" charset="0"/>
-              </a:rPr>
-              <a:t>mit</a:t>
-            </a:r>
-            <a:r>
-              <a:rPr lang="en-GB" sz="2400" dirty="0">
-                <a:latin typeface="Helvetica" pitchFamily="2" charset="0"/>
-              </a:rPr>
-              <a:t> </a:t>
-            </a:r>
-            <a:r>
-              <a:rPr lang="en-GB" sz="2400" dirty="0" err="1">
-                <a:latin typeface="Helvetica" pitchFamily="2" charset="0"/>
-              </a:rPr>
-              <a:t>Konfidenzintervallen</a:t>
-            </a:r>
-            <a:r>
-              <a:rPr lang="en-GB" sz="2400" dirty="0">
-                <a:latin typeface="Helvetica" pitchFamily="2" charset="0"/>
-              </a:rPr>
-              <a:t> </a:t>
-            </a:r>
-            <a:r>
-              <a:rPr lang="en-GB" sz="2400" dirty="0" err="1">
-                <a:latin typeface="Helvetica" pitchFamily="2" charset="0"/>
-              </a:rPr>
-              <a:t>für</a:t>
-            </a:r>
-            <a:r>
-              <a:rPr lang="en-GB" sz="2400" dirty="0">
-                <a:latin typeface="Helvetica" pitchFamily="2" charset="0"/>
-              </a:rPr>
-              <a:t> </a:t>
-            </a:r>
-            <a:r>
-              <a:rPr lang="en-GB" sz="2400" dirty="0" err="1">
-                <a:latin typeface="Helvetica" pitchFamily="2" charset="0"/>
-              </a:rPr>
-              <a:t>zwei</a:t>
-            </a:r>
-            <a:r>
-              <a:rPr lang="en-GB" sz="2400" dirty="0">
-                <a:latin typeface="Helvetica" pitchFamily="2" charset="0"/>
-              </a:rPr>
-              <a:t> </a:t>
-            </a:r>
-            <a:r>
-              <a:rPr lang="en-GB" sz="2400" dirty="0" err="1">
-                <a:latin typeface="Helvetica" pitchFamily="2" charset="0"/>
-              </a:rPr>
-              <a:t>selbst</a:t>
-            </a:r>
-            <a:r>
-              <a:rPr lang="en-GB" sz="2400" dirty="0">
-                <a:latin typeface="Helvetica" pitchFamily="2" charset="0"/>
-              </a:rPr>
-              <a:t> </a:t>
-            </a:r>
-            <a:r>
-              <a:rPr lang="en-GB" sz="2400" dirty="0" err="1">
-                <a:latin typeface="Helvetica" pitchFamily="2" charset="0"/>
-              </a:rPr>
-              <a:t>erstellte</a:t>
-            </a:r>
-            <a:r>
-              <a:rPr lang="en-GB" sz="2400" dirty="0">
-                <a:latin typeface="Helvetica" pitchFamily="2" charset="0"/>
-              </a:rPr>
-              <a:t> </a:t>
-            </a:r>
-            <a:r>
-              <a:rPr lang="en-GB" sz="2400" dirty="0" err="1">
-                <a:latin typeface="Helvetica" pitchFamily="2" charset="0"/>
-              </a:rPr>
-              <a:t>Variablen</a:t>
-            </a:r>
-            <a:r>
-              <a:rPr lang="en-GB" sz="2400" dirty="0">
-                <a:latin typeface="Helvetica" pitchFamily="2" charset="0"/>
-              </a:rPr>
-              <a:t> (2/2)</a:t>
-            </a:r>
-            <a:endParaRPr lang="de-DE" sz="2400" dirty="0">
-              <a:solidFill>
-                <a:schemeClr val="tx1">
-                  <a:lumMod val="50000"/>
-                  <a:lumOff val="50000"/>
-                </a:schemeClr>
-              </a:solidFill>
-            </a:endParaRPr>
-          </a:p>
-        </p:txBody>
-      </p:sp>
-      <p:sp>
-        <p:nvSpPr>
-          <p:cNvPr id="3" name="Foliennummernplatzhalter 2">
-            <a:extLst>
-              <a:ext uri="{FF2B5EF4-FFF2-40B4-BE49-F238E27FC236}">
-                <a16:creationId xmlns:a16="http://schemas.microsoft.com/office/drawing/2014/main" id="{356532F3-A40E-3544-BC28-367FA2E6B194}"/>
-              </a:ext>
-            </a:extLst>
-          </p:cNvPr>
-          <p:cNvSpPr>
-            <a:spLocks noGrp="1"/>
-          </p:cNvSpPr>
-          <p:nvPr>
-            <p:ph type="sldNum" sz="quarter" idx="12"/>
-          </p:nvPr>
-        </p:nvSpPr>
-        <p:spPr/>
-        <p:txBody>
-          <a:bodyPr/>
-          <a:lstStyle/>
-          <a:p>
-            <a:fld id="{DEED8D61-E8B6-E041-9D61-71A033DF76C2}" type="slidenum">
-              <a:rPr lang="de-DE" smtClean="0"/>
-              <a:pPr/>
-              <a:t>4</a:t>
-            </a:fld>
-            <a:endParaRPr lang="de-DE" dirty="0"/>
-          </a:p>
-        </p:txBody>
-      </p:sp>
-      <p:sp>
-        <p:nvSpPr>
-          <p:cNvPr id="2" name="Fußzeilenplatzhalter 1">
-            <a:extLst>
-              <a:ext uri="{FF2B5EF4-FFF2-40B4-BE49-F238E27FC236}">
-                <a16:creationId xmlns:a16="http://schemas.microsoft.com/office/drawing/2014/main" id="{1DC7A913-4F53-6346-8764-129A4373CFF4}"/>
-              </a:ext>
-            </a:extLst>
-          </p:cNvPr>
-          <p:cNvSpPr>
-            <a:spLocks noGrp="1"/>
-          </p:cNvSpPr>
-          <p:nvPr>
-            <p:ph type="ftr" sz="quarter" idx="11"/>
-          </p:nvPr>
-        </p:nvSpPr>
-        <p:spPr>
-          <a:xfrm>
-            <a:off x="2483768" y="6251510"/>
-            <a:ext cx="4081964" cy="365125"/>
-          </a:xfrm>
-        </p:spPr>
-        <p:txBody>
-          <a:bodyPr/>
-          <a:lstStyle/>
-          <a:p>
-            <a:endParaRPr lang="de-DE" sz="1400" dirty="0"/>
-          </a:p>
-        </p:txBody>
-      </p:sp>
-      <p:sp>
-        <p:nvSpPr>
-          <p:cNvPr id="8" name="Rechteck 4">
-            <a:extLst>
-              <a:ext uri="{FF2B5EF4-FFF2-40B4-BE49-F238E27FC236}">
-                <a16:creationId xmlns:a16="http://schemas.microsoft.com/office/drawing/2014/main" id="{1D0BF8D9-AC0F-F142-9C26-205384427EA2}"/>
-              </a:ext>
-            </a:extLst>
-          </p:cNvPr>
-          <p:cNvSpPr/>
-          <p:nvPr/>
-        </p:nvSpPr>
-        <p:spPr>
-          <a:xfrm>
-            <a:off x="107505" y="6093296"/>
-            <a:ext cx="2232247" cy="646331"/>
-          </a:xfrm>
-          <a:prstGeom prst="rect">
-            <a:avLst/>
-          </a:prstGeom>
-          <a:ln>
-            <a:solidFill>
-              <a:schemeClr val="bg1"/>
-            </a:solidFill>
-          </a:ln>
-        </p:spPr>
-        <p:style>
-          <a:lnRef idx="2">
-            <a:schemeClr val="dk1"/>
-          </a:lnRef>
-          <a:fillRef idx="1">
-            <a:schemeClr val="lt1"/>
-          </a:fillRef>
-          <a:effectRef idx="0">
-            <a:schemeClr val="dk1"/>
-          </a:effectRef>
-          <a:fontRef idx="minor">
-            <a:schemeClr val="dk1"/>
-          </a:fontRef>
-        </p:style>
-        <p:txBody>
-          <a:bodyPr rtlCol="0" anchor="ctr"/>
-          <a:lstStyle/>
-          <a:p>
-            <a:pPr algn="ctr"/>
-            <a:endParaRPr lang="de-DE"/>
-          </a:p>
-        </p:txBody>
-      </p:sp>
-    </p:spTree>
-    <p:extLst>
-      <p:ext uri="{BB962C8B-B14F-4D97-AF65-F5344CB8AC3E}">
-        <p14:creationId xmlns:p14="http://schemas.microsoft.com/office/powerpoint/2010/main" val="3278179072"/>
-      </p:ext>
-    </p:extLst>
-  </p:cSld>
-  <p:clrMapOvr>
-    <a:masterClrMapping/>
-  </p:clrMapOvr>
-</p:sld>
-</file>
-
-<file path=ppt/slides/slide5.xml><?xml version="1.0" encoding="utf-8"?>
-<p:sld xmlns:a="http://schemas.openxmlformats.org/drawingml/2006/main" xmlns:r="http://schemas.openxmlformats.org/officeDocument/2006/relationships" xmlns:p="http://schemas.openxmlformats.org/presentationml/2006/main">
-  <p:cSld>
-    <p:spTree>
-      <p:nvGrpSpPr>
-        <p:cNvPr id="1" name=""/>
-        <p:cNvGrpSpPr/>
-        <p:nvPr/>
-      </p:nvGrpSpPr>
-      <p:grpSpPr>
-        <a:xfrm>
-          <a:off x="0" y="0"/>
-          <a:ext cx="0" cy="0"/>
-          <a:chOff x="0" y="0"/>
-          <a:chExt cx="0" cy="0"/>
-        </a:xfrm>
-      </p:grpSpPr>
-      <p:sp>
-        <p:nvSpPr>
-          <p:cNvPr id="8194" name="Rectangle 2"/>
-          <p:cNvSpPr>
-            <a:spLocks noGrp="1" noChangeArrowheads="1"/>
-          </p:cNvSpPr>
-          <p:nvPr>
-            <p:ph type="title"/>
-          </p:nvPr>
-        </p:nvSpPr>
-        <p:spPr>
-          <a:xfrm>
-            <a:off x="899592" y="44624"/>
-            <a:ext cx="7920880" cy="761999"/>
-          </a:xfrm>
-        </p:spPr>
-        <p:txBody>
-          <a:bodyPr anchor="ctr"/>
-          <a:lstStyle/>
-          <a:p>
-            <a:pPr algn="l">
-              <a:defRPr/>
-            </a:pPr>
-            <a:r>
-              <a:rPr lang="en-GB" sz="2400" dirty="0" err="1">
-                <a:latin typeface="Helvetica" pitchFamily="2" charset="0"/>
-              </a:rPr>
-              <a:t>Vorstellung</a:t>
-            </a:r>
-            <a:r>
-              <a:rPr lang="en-GB" sz="2400" dirty="0">
-                <a:latin typeface="Helvetica" pitchFamily="2" charset="0"/>
-              </a:rPr>
-              <a:t> des </a:t>
-            </a:r>
-            <a:r>
-              <a:rPr lang="en-GB" sz="2400" dirty="0" err="1">
-                <a:latin typeface="Helvetica" pitchFamily="2" charset="0"/>
-              </a:rPr>
-              <a:t>Datensatzes</a:t>
-            </a:r>
-            <a:r>
-              <a:rPr lang="en-GB" sz="2400" dirty="0">
-                <a:latin typeface="Helvetica" pitchFamily="2" charset="0"/>
-              </a:rPr>
-              <a:t> </a:t>
-            </a:r>
-            <a:r>
-              <a:rPr lang="en-GB" sz="2400" dirty="0" err="1">
-                <a:latin typeface="Helvetica" pitchFamily="2" charset="0"/>
-              </a:rPr>
-              <a:t>mit</a:t>
-            </a:r>
-            <a:r>
-              <a:rPr lang="en-GB" sz="2400" dirty="0">
-                <a:latin typeface="Helvetica" pitchFamily="2" charset="0"/>
-              </a:rPr>
-              <a:t> den </a:t>
-            </a:r>
-            <a:r>
-              <a:rPr lang="en-GB" sz="2400" dirty="0" err="1">
-                <a:latin typeface="Helvetica" pitchFamily="2" charset="0"/>
-              </a:rPr>
-              <a:t>erstellten</a:t>
-            </a:r>
-            <a:r>
-              <a:rPr lang="en-GB" sz="2400" dirty="0">
-                <a:latin typeface="Helvetica" pitchFamily="2" charset="0"/>
-              </a:rPr>
-              <a:t> </a:t>
-            </a:r>
-            <a:r>
-              <a:rPr lang="en-GB" sz="2400" dirty="0" err="1">
-                <a:latin typeface="Helvetica" pitchFamily="2" charset="0"/>
-              </a:rPr>
-              <a:t>Variablen</a:t>
-            </a:r>
-            <a:endParaRPr lang="de-DE" sz="2400" dirty="0">
-              <a:solidFill>
-                <a:schemeClr val="tx1">
-                  <a:lumMod val="50000"/>
-                  <a:lumOff val="50000"/>
-                </a:schemeClr>
-              </a:solidFill>
-            </a:endParaRPr>
-          </a:p>
-        </p:txBody>
-      </p:sp>
-      <p:sp>
-        <p:nvSpPr>
-          <p:cNvPr id="3" name="Foliennummernplatzhalter 2">
-            <a:extLst>
-              <a:ext uri="{FF2B5EF4-FFF2-40B4-BE49-F238E27FC236}">
-                <a16:creationId xmlns:a16="http://schemas.microsoft.com/office/drawing/2014/main" id="{356532F3-A40E-3544-BC28-367FA2E6B194}"/>
-              </a:ext>
-            </a:extLst>
-          </p:cNvPr>
-          <p:cNvSpPr>
-            <a:spLocks noGrp="1"/>
-          </p:cNvSpPr>
-          <p:nvPr>
-            <p:ph type="sldNum" sz="quarter" idx="12"/>
-          </p:nvPr>
-        </p:nvSpPr>
-        <p:spPr/>
-        <p:txBody>
-          <a:bodyPr/>
-          <a:lstStyle/>
-          <a:p>
-            <a:fld id="{DEED8D61-E8B6-E041-9D61-71A033DF76C2}" type="slidenum">
-              <a:rPr lang="de-DE" smtClean="0"/>
-              <a:pPr/>
-              <a:t>5</a:t>
             </a:fld>
             <a:endParaRPr lang="de-DE" dirty="0"/>
           </a:p>
@@ -9458,7 +12436,7 @@
         </p:nvSpPr>
         <p:spPr>
           <a:xfrm>
-            <a:off x="3727430" y="917237"/>
+            <a:off x="3604603" y="918338"/>
             <a:ext cx="1050288" cy="338554"/>
           </a:xfrm>
           <a:prstGeom prst="rect">
@@ -9664,7 +12642,7 @@
         </p:nvCxnSpPr>
         <p:spPr>
           <a:xfrm flipV="1">
-            <a:off x="4318480" y="1308196"/>
+            <a:off x="4011341" y="1326588"/>
             <a:ext cx="1" cy="475209"/>
           </a:xfrm>
           <a:prstGeom prst="straightConnector1">
@@ -10150,7 +13128,7 @@
     </p:spTree>
     <p:extLst>
       <p:ext uri="{BB962C8B-B14F-4D97-AF65-F5344CB8AC3E}">
-        <p14:creationId xmlns:p14="http://schemas.microsoft.com/office/powerpoint/2010/main" val="580370320"/>
+        <p14:creationId xmlns:p14="http://schemas.microsoft.com/office/powerpoint/2010/main" val="3651366996"/>
       </p:ext>
     </p:extLst>
   </p:cSld>
@@ -10160,7 +13138,7 @@
 </p:sld>
 </file>
 
-<file path=ppt/slides/slide6.xml><?xml version="1.0" encoding="utf-8"?>
+<file path=ppt/slides/slide4.xml><?xml version="1.0" encoding="utf-8"?>
 <p:sld xmlns:a="http://schemas.openxmlformats.org/drawingml/2006/main" xmlns:r="http://schemas.openxmlformats.org/officeDocument/2006/relationships" xmlns:p="http://schemas.openxmlformats.org/presentationml/2006/main">
   <p:cSld>
     <p:spTree>
@@ -10289,7 +13267,7 @@
             <a:fld id="{DEED8D61-E8B6-E041-9D61-71A033DF76C2}" type="slidenum">
               <a:rPr lang="de-DE" smtClean="0"/>
               <a:pPr/>
-              <a:t>6</a:t>
+              <a:t>4</a:t>
             </a:fld>
             <a:endParaRPr lang="de-DE" dirty="0"/>
           </a:p>
@@ -10341,7 +13319,7 @@
         </p:nvSpPr>
         <p:spPr bwMode="auto">
           <a:xfrm>
-            <a:off x="323528" y="360338"/>
+            <a:off x="-297879" y="372672"/>
             <a:ext cx="8771931" cy="1077218"/>
           </a:xfrm>
           <a:prstGeom prst="rect">
@@ -10571,7 +13549,7 @@
         </p:blipFill>
         <p:spPr>
           <a:xfrm>
-            <a:off x="1547664" y="2521231"/>
+            <a:off x="938276" y="2514057"/>
             <a:ext cx="4411995" cy="1432123"/>
           </a:xfrm>
           <a:prstGeom prst="rect">
@@ -10593,8 +13571,8 @@
         </p:nvSpPr>
         <p:spPr>
           <a:xfrm>
-            <a:off x="171118" y="876228"/>
-            <a:ext cx="2376295" cy="1077218"/>
+            <a:off x="171117" y="876228"/>
+            <a:ext cx="2006101" cy="1323439"/>
           </a:xfrm>
           <a:prstGeom prst="rect">
             <a:avLst/>
@@ -10619,6 +13597,11 @@
               </a:rPr>
               <a:t> (&lt;0), </a:t>
             </a:r>
+            <a:br>
+              <a:rPr lang="en-GB" sz="1600" dirty="0">
+                <a:latin typeface="Helvetica" pitchFamily="2" charset="0"/>
+              </a:rPr>
+            </a:br>
             <a:r>
               <a:rPr lang="en-GB" sz="1600" dirty="0" err="1">
                 <a:latin typeface="Helvetica" pitchFamily="2" charset="0"/>
@@ -10684,7 +13667,7 @@
         </p:nvSpPr>
         <p:spPr>
           <a:xfrm>
-            <a:off x="4344432" y="1171761"/>
+            <a:off x="3717032" y="1219914"/>
             <a:ext cx="2286000" cy="338554"/>
           </a:xfrm>
           <a:prstGeom prst="rect">
@@ -10727,7 +13710,7 @@
         </p:nvSpPr>
         <p:spPr>
           <a:xfrm>
-            <a:off x="2811264" y="970981"/>
+            <a:off x="2451280" y="982751"/>
             <a:ext cx="1211297" cy="861774"/>
           </a:xfrm>
           <a:prstGeom prst="rect">
@@ -10796,7 +13779,7 @@
         </p:nvCxnSpPr>
         <p:spPr>
           <a:xfrm flipH="1" flipV="1">
-            <a:off x="1251253" y="1800522"/>
+            <a:off x="1305053" y="1973064"/>
             <a:ext cx="216023" cy="468058"/>
           </a:xfrm>
           <a:prstGeom prst="straightConnector1">
@@ -10837,7 +13820,7 @@
         </p:nvCxnSpPr>
         <p:spPr>
           <a:xfrm flipV="1">
-            <a:off x="3306493" y="1875453"/>
+            <a:off x="2972914" y="1899238"/>
             <a:ext cx="54210" cy="418211"/>
           </a:xfrm>
           <a:prstGeom prst="straightConnector1">
@@ -10878,7 +13861,7 @@
         </p:nvCxnSpPr>
         <p:spPr>
           <a:xfrm flipV="1">
-            <a:off x="5254131" y="1817367"/>
+            <a:off x="4470540" y="1748666"/>
             <a:ext cx="54210" cy="418211"/>
           </a:xfrm>
           <a:prstGeom prst="straightConnector1">
@@ -10917,7 +13900,7 @@
         </p:nvSpPr>
         <p:spPr>
           <a:xfrm>
-            <a:off x="6188052" y="986370"/>
+            <a:off x="5289060" y="973692"/>
             <a:ext cx="2286000" cy="830997"/>
           </a:xfrm>
           <a:prstGeom prst="rect">
@@ -10930,7 +13913,7 @@
           </a:bodyPr>
           <a:lstStyle/>
           <a:p>
-            <a:pPr marL="0" lvl="1"/>
+            <a:pPr marL="0" lvl="1" algn="ctr"/>
             <a:r>
               <a:rPr lang="en-GB" sz="1600" dirty="0" err="1">
                 <a:latin typeface="Helvetica" pitchFamily="2" charset="0"/>
@@ -10986,7 +13969,102 @@
         </p:nvCxnSpPr>
         <p:spPr>
           <a:xfrm flipV="1">
-            <a:off x="6787284" y="1912780"/>
+            <a:off x="6444208" y="1814720"/>
+            <a:ext cx="54210" cy="418211"/>
+          </a:xfrm>
+          <a:prstGeom prst="straightConnector1">
+            <a:avLst/>
+          </a:prstGeom>
+          <a:ln>
+            <a:tailEnd type="triangle"/>
+          </a:ln>
+        </p:spPr>
+        <p:style>
+          <a:lnRef idx="2">
+            <a:schemeClr val="accent1"/>
+          </a:lnRef>
+          <a:fillRef idx="0">
+            <a:schemeClr val="accent1"/>
+          </a:fillRef>
+          <a:effectRef idx="1">
+            <a:schemeClr val="accent1"/>
+          </a:effectRef>
+          <a:fontRef idx="minor">
+            <a:schemeClr val="tx1"/>
+          </a:fontRef>
+        </p:style>
+      </p:cxnSp>
+      <p:sp>
+        <p:nvSpPr>
+          <p:cNvPr id="6" name="Rectangle 5">
+            <a:extLst>
+              <a:ext uri="{FF2B5EF4-FFF2-40B4-BE49-F238E27FC236}">
+                <a16:creationId xmlns:a16="http://schemas.microsoft.com/office/drawing/2014/main" id="{A8368CB1-60C4-F341-BFB1-2AC10CF797A0}"/>
+              </a:ext>
+            </a:extLst>
+          </p:cNvPr>
+          <p:cNvSpPr/>
+          <p:nvPr/>
+        </p:nvSpPr>
+        <p:spPr>
+          <a:xfrm>
+            <a:off x="7629515" y="1026589"/>
+            <a:ext cx="1350050" cy="584775"/>
+          </a:xfrm>
+          <a:prstGeom prst="rect">
+            <a:avLst/>
+          </a:prstGeom>
+        </p:spPr>
+        <p:txBody>
+          <a:bodyPr wrap="none">
+            <a:spAutoFit/>
+          </a:bodyPr>
+          <a:lstStyle/>
+          <a:p>
+            <a:r>
+              <a:rPr lang="en-GB" sz="1600" dirty="0" err="1">
+                <a:latin typeface="Helvetica" pitchFamily="2" charset="0"/>
+              </a:rPr>
+              <a:t>warmTemp</a:t>
+            </a:r>
+            <a:r>
+              <a:rPr lang="en-GB" sz="1600" dirty="0">
+                <a:latin typeface="Helvetica" pitchFamily="2" charset="0"/>
+              </a:rPr>
+              <a:t> </a:t>
+            </a:r>
+            <a:br>
+              <a:rPr lang="en-GB" sz="1600" dirty="0">
+                <a:latin typeface="Helvetica" pitchFamily="2" charset="0"/>
+              </a:rPr>
+            </a:br>
+            <a:r>
+              <a:rPr lang="en-GB" sz="1600" dirty="0">
+                <a:latin typeface="Helvetica" pitchFamily="2" charset="0"/>
+              </a:rPr>
+              <a:t>(ab 18 Grad)</a:t>
+            </a:r>
+            <a:endParaRPr lang="en-AU" sz="1600" dirty="0"/>
+          </a:p>
+        </p:txBody>
+      </p:sp>
+      <p:cxnSp>
+        <p:nvCxnSpPr>
+          <p:cNvPr id="20" name="Straight Arrow Connector 19">
+            <a:extLst>
+              <a:ext uri="{FF2B5EF4-FFF2-40B4-BE49-F238E27FC236}">
+                <a16:creationId xmlns:a16="http://schemas.microsoft.com/office/drawing/2014/main" id="{7AB674D3-7952-C84C-B085-36717C6BD7B9}"/>
+              </a:ext>
+            </a:extLst>
+          </p:cNvPr>
+          <p:cNvCxnSpPr>
+            <a:cxnSpLocks/>
+          </p:cNvCxnSpPr>
+          <p:nvPr/>
+        </p:nvCxnSpPr>
+        <p:spPr>
+          <a:xfrm flipV="1">
+            <a:off x="8277116" y="1708950"/>
             <a:ext cx="54210" cy="418211"/>
           </a:xfrm>
           <a:prstGeom prst="straightConnector1">
@@ -11014,7 +14092,7 @@
     </p:spTree>
     <p:extLst>
       <p:ext uri="{BB962C8B-B14F-4D97-AF65-F5344CB8AC3E}">
-        <p14:creationId xmlns:p14="http://schemas.microsoft.com/office/powerpoint/2010/main" val="3979035863"/>
+        <p14:creationId xmlns:p14="http://schemas.microsoft.com/office/powerpoint/2010/main" val="1045019096"/>
       </p:ext>
     </p:extLst>
   </p:cSld>
@@ -11024,7 +14102,7 @@
 </p:sld>
 </file>
 
-<file path=ppt/slides/slide7.xml><?xml version="1.0" encoding="utf-8"?>
+<file path=ppt/slides/slide5.xml><?xml version="1.0" encoding="utf-8"?>
 <p:sld xmlns:a="http://schemas.openxmlformats.org/drawingml/2006/main" xmlns:r="http://schemas.openxmlformats.org/officeDocument/2006/relationships" xmlns:p="http://schemas.openxmlformats.org/presentationml/2006/main">
   <p:cSld>
     <p:spTree>
@@ -11053,31 +14131,34 @@
         </p:nvSpPr>
         <p:spPr>
           <a:xfrm>
-            <a:off x="467544" y="44624"/>
-            <a:ext cx="8676456" cy="761999"/>
+            <a:off x="107505" y="44624"/>
+            <a:ext cx="9000999" cy="761999"/>
           </a:xfrm>
         </p:spPr>
         <p:txBody>
           <a:bodyPr anchor="ctr"/>
           <a:lstStyle/>
           <a:p>
+            <a:pPr>
+              <a:defRPr/>
+            </a:pPr>
             <a:r>
               <a:rPr lang="en-GB" sz="2400" dirty="0" err="1">
                 <a:latin typeface="Helvetica" pitchFamily="2" charset="0"/>
               </a:rPr>
-              <a:t>Ergebnisse</a:t>
+              <a:t>Balkendiagrammen</a:t>
             </a:r>
             <a:r>
               <a:rPr lang="en-GB" sz="2400" dirty="0">
                 <a:latin typeface="Helvetica" pitchFamily="2" charset="0"/>
               </a:rPr>
-              <a:t> der </a:t>
+              <a:t> </a:t>
             </a:r>
             <a:r>
               <a:rPr lang="en-GB" sz="2400" dirty="0" err="1">
                 <a:latin typeface="Helvetica" pitchFamily="2" charset="0"/>
               </a:rPr>
-              <a:t>Schätzung</a:t>
+              <a:t>mit</a:t>
             </a:r>
             <a:r>
               <a:rPr lang="en-GB" sz="2400" dirty="0">
@@ -11089,51 +14170,81 @@
               <a:rPr lang="en-GB" sz="2400" dirty="0" err="1">
                 <a:latin typeface="Helvetica" pitchFamily="2" charset="0"/>
               </a:rPr>
-              <a:t>einer</a:t>
+              <a:t>Konfidenzintervallen</a:t>
             </a:r>
             <a:r>
               <a:rPr lang="en-GB" sz="2400" dirty="0">
                 <a:latin typeface="Helvetica" pitchFamily="2" charset="0"/>
               </a:rPr>
-              <a:t> SVM </a:t>
-            </a:r>
-            <a:br>
+              <a:t> </a:t>
+            </a:r>
+            <a:r>
+              <a:rPr lang="en-GB" sz="2400" dirty="0" err="1">
+                <a:latin typeface="Helvetica" pitchFamily="2" charset="0"/>
+              </a:rPr>
+              <a:t>für</a:t>
+            </a:r>
+            <a:r>
               <a:rPr lang="en-GB" sz="2400" dirty="0">
                 <a:latin typeface="Helvetica" pitchFamily="2" charset="0"/>
               </a:rPr>
-            </a:br>
-            <a:r>
-              <a:rPr lang="en-GB" sz="2000" dirty="0">
-                <a:latin typeface="Helvetica" pitchFamily="2" charset="0"/>
-              </a:rPr>
-              <a:t>(MAPE je </a:t>
-            </a:r>
-            <a:r>
-              <a:rPr lang="en-GB" sz="2000" dirty="0" err="1">
-                <a:latin typeface="Helvetica" pitchFamily="2" charset="0"/>
-              </a:rPr>
-              <a:t>Warengruppe</a:t>
-            </a:r>
-            <a:r>
-              <a:rPr lang="en-GB" sz="2000" dirty="0">
-                <a:latin typeface="Helvetica" pitchFamily="2" charset="0"/>
-              </a:rPr>
-              <a:t> und </a:t>
-            </a:r>
-            <a:r>
-              <a:rPr lang="en-GB" sz="2000" dirty="0" err="1">
-                <a:latin typeface="Helvetica" pitchFamily="2" charset="0"/>
-              </a:rPr>
-              <a:t>Warengruppenumsätze</a:t>
-            </a:r>
-            <a:r>
-              <a:rPr lang="en-GB" sz="2000" dirty="0">
-                <a:latin typeface="Helvetica" pitchFamily="2" charset="0"/>
-              </a:rPr>
-              <a:t>)</a:t>
-            </a:r>
-            <a:endParaRPr lang="en-GB" dirty="0">
-              <a:latin typeface="Helvetica" pitchFamily="2" charset="0"/>
+              <a:t> </a:t>
+            </a:r>
+            <a:r>
+              <a:rPr lang="en-GB" sz="2400" dirty="0" err="1">
+                <a:latin typeface="Helvetica" pitchFamily="2" charset="0"/>
+              </a:rPr>
+              <a:t>zwei</a:t>
+            </a:r>
+            <a:r>
+              <a:rPr lang="en-GB" sz="2400" dirty="0">
+                <a:latin typeface="Helvetica" pitchFamily="2" charset="0"/>
+              </a:rPr>
+              <a:t> </a:t>
+            </a:r>
+            <a:r>
+              <a:rPr lang="en-GB" sz="2400" dirty="0" err="1">
+                <a:latin typeface="Helvetica" pitchFamily="2" charset="0"/>
+              </a:rPr>
+              <a:t>selbst</a:t>
+            </a:r>
+            <a:r>
+              <a:rPr lang="en-GB" sz="2400" dirty="0">
+                <a:latin typeface="Helvetica" pitchFamily="2" charset="0"/>
+              </a:rPr>
+              <a:t> </a:t>
+            </a:r>
+            <a:r>
+              <a:rPr lang="en-GB" sz="2400" dirty="0" err="1">
+                <a:latin typeface="Helvetica" pitchFamily="2" charset="0"/>
+              </a:rPr>
+              <a:t>erstellte</a:t>
+            </a:r>
+            <a:r>
+              <a:rPr lang="en-GB" sz="2400" dirty="0">
+                <a:latin typeface="Helvetica" pitchFamily="2" charset="0"/>
+              </a:rPr>
+              <a:t> </a:t>
+            </a:r>
+            <a:r>
+              <a:rPr lang="en-GB" sz="2400" dirty="0" err="1">
+                <a:latin typeface="Helvetica" pitchFamily="2" charset="0"/>
+              </a:rPr>
+              <a:t>Variablen</a:t>
+            </a:r>
+            <a:r>
+              <a:rPr lang="en-GB" sz="2400" dirty="0">
+                <a:latin typeface="Helvetica" pitchFamily="2" charset="0"/>
+              </a:rPr>
+              <a:t> (1/2)</a:t>
+            </a:r>
+            <a:endParaRPr lang="de-DE" sz="2400" dirty="0">
+              <a:solidFill>
+                <a:schemeClr val="tx1">
+                  <a:lumMod val="50000"/>
+                  <a:lumOff val="50000"/>
+                </a:schemeClr>
+              </a:solidFill>
             </a:endParaRPr>
           </a:p>
         </p:txBody>
@@ -11162,7 +14273,7 @@
             <a:fld id="{DEED8D61-E8B6-E041-9D61-71A033DF76C2}" type="slidenum">
               <a:rPr lang="de-DE" smtClean="0"/>
               <a:pPr/>
-              <a:t>7</a:t>
+              <a:t>5</a:t>
             </a:fld>
             <a:endParaRPr lang="de-DE" dirty="0"/>
           </a:p>
@@ -11247,1668 +14358,298 @@
           </a:p>
         </p:txBody>
       </p:sp>
-      <p:pic>
-        <p:nvPicPr>
-          <p:cNvPr id="5" name="Picture 4">
+      <p:sp>
+        <p:nvSpPr>
+          <p:cNvPr id="4" name="Rectangle 3">
             <a:extLst>
               <a:ext uri="{FF2B5EF4-FFF2-40B4-BE49-F238E27FC236}">
-                <a16:creationId xmlns:a16="http://schemas.microsoft.com/office/drawing/2014/main" id="{033B07F1-B000-0A4E-ADCE-913E8C6DDFC7}"/>
+                <a16:creationId xmlns:a16="http://schemas.microsoft.com/office/drawing/2014/main" id="{FE843E8E-C48E-FA49-BD4D-8150A1B5427F}"/>
               </a:ext>
             </a:extLst>
           </p:cNvPr>
-          <p:cNvPicPr>
-            <a:picLocks noChangeAspect="1"/>
-          </p:cNvPicPr>
+          <p:cNvSpPr/>
           <p:nvPr/>
-        </p:nvPicPr>
-        <p:blipFill rotWithShape="1">
-          <a:blip r:embed="rId3">
-            <a:extLst>
-              <a:ext uri="{28A0092B-C50C-407E-A947-70E740481C1C}">
-                <a14:useLocalDpi xmlns:a14="http://schemas.microsoft.com/office/drawing/2010/main" val="0"/>
-              </a:ext>
-            </a:extLst>
-          </a:blip>
-          <a:srcRect l="25525" b="9827"/>
-          <a:stretch/>
-        </p:blipFill>
+        </p:nvSpPr>
         <p:spPr>
           <a:xfrm>
-            <a:off x="9252520" y="1050602"/>
-            <a:ext cx="1314698" cy="1683430"/>
+            <a:off x="4474120" y="3382801"/>
+            <a:ext cx="195759" cy="92398"/>
           </a:xfrm>
           <a:prstGeom prst="rect">
             <a:avLst/>
           </a:prstGeom>
         </p:spPr>
-      </p:pic>
-      <p:graphicFrame>
-        <p:nvGraphicFramePr>
-          <p:cNvPr id="7" name="Table 6">
+        <p:txBody>
+          <a:bodyPr wrap="none">
+            <a:spAutoFit/>
+          </a:bodyPr>
+          <a:lstStyle/>
+          <a:p>
+            <a:r>
+              <a:rPr lang="en-AU" dirty="0"/>
+              <a:t>https://</a:t>
+            </a:r>
+            <a:r>
+              <a:rPr lang="en-AU" dirty="0" err="1"/>
+              <a:t>www.myheimat.de</a:t>
+            </a:r>
+            <a:r>
+              <a:rPr lang="en-AU" dirty="0"/>
+              <a:t>/</a:t>
+            </a:r>
+            <a:r>
+              <a:rPr lang="en-AU" dirty="0" err="1"/>
+              <a:t>kiel</a:t>
+            </a:r>
+            <a:r>
+              <a:rPr lang="en-AU" dirty="0"/>
+              <a:t>/</a:t>
+            </a:r>
+            <a:r>
+              <a:rPr lang="en-AU" dirty="0" err="1"/>
+              <a:t>freizeit</a:t>
+            </a:r>
+            <a:r>
+              <a:rPr lang="en-AU" dirty="0"/>
+              <a:t>/verkaufsoffene-sonntage-schleswig-holstein-2013-d2476450.html +https://</a:t>
+            </a:r>
+            <a:r>
+              <a:rPr lang="en-AU" dirty="0" err="1"/>
+              <a:t>kiel-journal.de</a:t>
+            </a:r>
+            <a:r>
+              <a:rPr lang="en-AU" dirty="0"/>
+              <a:t>/</a:t>
+            </a:r>
+            <a:r>
+              <a:rPr lang="en-AU" dirty="0" err="1"/>
+              <a:t>fruehlingserwachen</a:t>
+            </a:r>
+            <a:r>
+              <a:rPr lang="en-AU" dirty="0"/>
+              <a:t>-</a:t>
+            </a:r>
+            <a:r>
+              <a:rPr lang="en-AU" dirty="0" err="1"/>
+              <a:t>mit</a:t>
+            </a:r>
+            <a:r>
+              <a:rPr lang="en-AU" dirty="0"/>
+              <a:t>-</a:t>
+            </a:r>
+            <a:r>
+              <a:rPr lang="en-AU" dirty="0" err="1"/>
+              <a:t>sonntagsoeffnung</a:t>
+            </a:r>
+            <a:r>
+              <a:rPr lang="en-AU" dirty="0"/>
+              <a:t>-in-</a:t>
+            </a:r>
+            <a:r>
+              <a:rPr lang="en-AU" dirty="0" err="1"/>
+              <a:t>kiel</a:t>
+            </a:r>
+            <a:r>
+              <a:rPr lang="en-AU" dirty="0"/>
+              <a:t>/ +</a:t>
+            </a:r>
+          </a:p>
+        </p:txBody>
+      </p:sp>
+    </p:spTree>
+    <p:extLst>
+      <p:ext uri="{BB962C8B-B14F-4D97-AF65-F5344CB8AC3E}">
+        <p14:creationId xmlns:p14="http://schemas.microsoft.com/office/powerpoint/2010/main" val="2625220915"/>
+      </p:ext>
+    </p:extLst>
+  </p:cSld>
+  <p:clrMapOvr>
+    <a:masterClrMapping/>
+  </p:clrMapOvr>
+</p:sld>
+</file>
+
+<file path=ppt/slides/slide6.xml><?xml version="1.0" encoding="utf-8"?>
+<p:sld xmlns:a="http://schemas.openxmlformats.org/drawingml/2006/main" xmlns:r="http://schemas.openxmlformats.org/officeDocument/2006/relationships" xmlns:p="http://schemas.openxmlformats.org/presentationml/2006/main">
+  <p:cSld>
+    <p:spTree>
+      <p:nvGrpSpPr>
+        <p:cNvPr id="1" name=""/>
+        <p:cNvGrpSpPr/>
+        <p:nvPr/>
+      </p:nvGrpSpPr>
+      <p:grpSpPr>
+        <a:xfrm>
+          <a:off x="0" y="0"/>
+          <a:ext cx="0" cy="0"/>
+          <a:chOff x="0" y="0"/>
+          <a:chExt cx="0" cy="0"/>
+        </a:xfrm>
+      </p:grpSpPr>
+      <p:sp>
+        <p:nvSpPr>
+          <p:cNvPr id="2" name="Title 1">
             <a:extLst>
               <a:ext uri="{FF2B5EF4-FFF2-40B4-BE49-F238E27FC236}">
-                <a16:creationId xmlns:a16="http://schemas.microsoft.com/office/drawing/2014/main" id="{841AE8AD-1D61-5541-9A10-57772F06E414}"/>
+                <a16:creationId xmlns:a16="http://schemas.microsoft.com/office/drawing/2014/main" id="{8AA0183A-7D71-3240-9389-5CA9E753DC7D}"/>
               </a:ext>
             </a:extLst>
           </p:cNvPr>
-          <p:cNvGraphicFramePr>
-            <a:graphicFrameLocks noGrp="1"/>
-          </p:cNvGraphicFramePr>
+          <p:cNvSpPr>
+            <a:spLocks noGrp="1"/>
+          </p:cNvSpPr>
           <p:nvPr>
-            <p:extLst>
-              <p:ext uri="{D42A27DB-BD31-4B8C-83A1-F6EECF244321}">
-                <p14:modId xmlns:p14="http://schemas.microsoft.com/office/powerpoint/2010/main" val="357895003"/>
-              </p:ext>
-            </p:extLst>
+            <p:ph type="title"/>
           </p:nvPr>
-        </p:nvGraphicFramePr>
-        <p:xfrm>
-          <a:off x="256464" y="1124744"/>
-          <a:ext cx="8676458" cy="4841865"/>
-        </p:xfrm>
-        <a:graphic>
-          <a:graphicData uri="http://schemas.openxmlformats.org/drawingml/2006/table">
-            <a:tbl>
-              <a:tblPr firstRow="1" bandRow="1">
-                <a:tableStyleId>{5940675A-B579-460E-94D1-54222C63F5DA}</a:tableStyleId>
-              </a:tblPr>
-              <a:tblGrid>
-                <a:gridCol w="859152">
-                  <a:extLst>
-                    <a:ext uri="{9D8B030D-6E8A-4147-A177-3AD203B41FA5}">
-                      <a16:colId xmlns:a16="http://schemas.microsoft.com/office/drawing/2014/main" val="4271733570"/>
-                    </a:ext>
-                  </a:extLst>
-                </a:gridCol>
-                <a:gridCol w="4536504">
-                  <a:extLst>
-                    <a:ext uri="{9D8B030D-6E8A-4147-A177-3AD203B41FA5}">
-                      <a16:colId xmlns:a16="http://schemas.microsoft.com/office/drawing/2014/main" val="4168449459"/>
-                    </a:ext>
-                  </a:extLst>
-                </a:gridCol>
-                <a:gridCol w="1715315">
-                  <a:extLst>
-                    <a:ext uri="{9D8B030D-6E8A-4147-A177-3AD203B41FA5}">
-                      <a16:colId xmlns:a16="http://schemas.microsoft.com/office/drawing/2014/main" val="2005399218"/>
-                    </a:ext>
-                  </a:extLst>
-                </a:gridCol>
-                <a:gridCol w="1565487">
-                  <a:extLst>
-                    <a:ext uri="{9D8B030D-6E8A-4147-A177-3AD203B41FA5}">
-                      <a16:colId xmlns:a16="http://schemas.microsoft.com/office/drawing/2014/main" val="1558430244"/>
-                    </a:ext>
-                  </a:extLst>
-                </a:gridCol>
-              </a:tblGrid>
-              <a:tr h="773316">
-                <a:tc>
-                  <a:txBody>
-                    <a:bodyPr/>
-                    <a:lstStyle/>
-                    <a:p>
-                      <a:r>
-                        <a:rPr lang="en-AU" sz="1600" b="1" dirty="0" err="1"/>
-                        <a:t>Waren-gruppe</a:t>
-                      </a:r>
-                      <a:endParaRPr lang="en-AU" sz="1600" b="1" dirty="0"/>
-                    </a:p>
-                  </a:txBody>
-                  <a:tcPr/>
-                </a:tc>
-                <a:tc>
-                  <a:txBody>
-                    <a:bodyPr/>
-                    <a:lstStyle/>
-                    <a:p>
-                      <a:r>
-                        <a:rPr lang="en-AU" sz="1600" b="1" dirty="0" err="1"/>
-                        <a:t>Variablen</a:t>
-                      </a:r>
-                      <a:endParaRPr lang="en-AU" sz="1600" b="1" dirty="0"/>
-                    </a:p>
-                  </a:txBody>
-                  <a:tcPr/>
-                </a:tc>
-                <a:tc>
-                  <a:txBody>
-                    <a:bodyPr/>
-                    <a:lstStyle/>
-                    <a:p>
-                      <a:pPr marL="0" marR="0" lvl="0" indent="0" algn="l" defTabSz="457144" rtl="0" eaLnBrk="1" fontAlgn="auto" latinLnBrk="0" hangingPunct="1">
-                        <a:lnSpc>
-                          <a:spcPct val="100000"/>
-                        </a:lnSpc>
-                        <a:spcBef>
-                          <a:spcPts val="0"/>
-                        </a:spcBef>
-                        <a:spcAft>
-                          <a:spcPts val="0"/>
-                        </a:spcAft>
-                        <a:buClrTx/>
-                        <a:buSzTx/>
-                        <a:buFontTx/>
-                        <a:buNone/>
-                        <a:tabLst/>
-                        <a:defRPr/>
-                      </a:pPr>
-                      <a:r>
-                        <a:rPr lang="de-DE" sz="1600" b="1" dirty="0">
-                          <a:latin typeface="+mn-lt"/>
-                        </a:rPr>
-                        <a:t>MAPEs des Trainings-</a:t>
-                      </a:r>
-                      <a:r>
-                        <a:rPr lang="de-DE" sz="1600" b="1" dirty="0" err="1">
-                          <a:latin typeface="+mn-lt"/>
-                        </a:rPr>
-                        <a:t>datensatzes</a:t>
-                      </a:r>
-                      <a:r>
-                        <a:rPr lang="de-DE" sz="1600" b="1" dirty="0">
-                          <a:latin typeface="+mn-lt"/>
-                        </a:rPr>
-                        <a:t> (in </a:t>
-                      </a:r>
-                      <a:r>
-                        <a:rPr lang="en-GB" sz="1600" b="1" dirty="0">
-                          <a:latin typeface="+mn-lt"/>
-                        </a:rPr>
-                        <a:t>%)</a:t>
-                      </a:r>
-                      <a:endParaRPr lang="de-DE" sz="1600" b="1" dirty="0">
-                        <a:latin typeface="+mn-lt"/>
-                      </a:endParaRPr>
-                    </a:p>
-                  </a:txBody>
-                  <a:tcPr/>
-                </a:tc>
-                <a:tc>
-                  <a:txBody>
-                    <a:bodyPr/>
-                    <a:lstStyle/>
-                    <a:p>
-                      <a:pPr marL="0" marR="0" lvl="0" indent="0" algn="l" defTabSz="457144" rtl="0" eaLnBrk="1" fontAlgn="auto" latinLnBrk="0" hangingPunct="1">
-                        <a:lnSpc>
-                          <a:spcPct val="100000"/>
-                        </a:lnSpc>
-                        <a:spcBef>
-                          <a:spcPts val="0"/>
-                        </a:spcBef>
-                        <a:spcAft>
-                          <a:spcPts val="0"/>
-                        </a:spcAft>
-                        <a:buClrTx/>
-                        <a:buSzTx/>
-                        <a:buFontTx/>
-                        <a:buNone/>
-                        <a:tabLst/>
-                        <a:defRPr/>
-                      </a:pPr>
-                      <a:r>
-                        <a:rPr lang="de-DE" sz="1600" b="1" dirty="0">
-                          <a:latin typeface="+mn-lt"/>
-                        </a:rPr>
-                        <a:t>MAPEs des Test-</a:t>
-                      </a:r>
-                      <a:r>
-                        <a:rPr lang="de-DE" sz="1600" b="1" dirty="0" err="1">
-                          <a:latin typeface="+mn-lt"/>
-                        </a:rPr>
-                        <a:t>datensatzes</a:t>
-                      </a:r>
-                      <a:endParaRPr lang="de-DE" sz="1600" b="1" dirty="0">
-                        <a:latin typeface="+mn-lt"/>
-                      </a:endParaRPr>
-                    </a:p>
-                    <a:p>
-                      <a:r>
-                        <a:rPr lang="de-DE" sz="1600" b="1" dirty="0">
-                          <a:latin typeface="+mn-lt"/>
-                        </a:rPr>
-                        <a:t>(in </a:t>
-                      </a:r>
-                      <a:r>
-                        <a:rPr lang="en-GB" sz="1600" b="1" dirty="0">
-                          <a:latin typeface="+mn-lt"/>
-                        </a:rPr>
-                        <a:t>%)</a:t>
-                      </a:r>
-                      <a:endParaRPr lang="en-AU" sz="1600" b="1" dirty="0">
-                        <a:latin typeface="+mn-lt"/>
-                      </a:endParaRPr>
-                    </a:p>
-                  </a:txBody>
-                  <a:tcPr/>
-                </a:tc>
-                <a:extLst>
-                  <a:ext uri="{0D108BD9-81ED-4DB2-BD59-A6C34878D82A}">
-                    <a16:rowId xmlns:a16="http://schemas.microsoft.com/office/drawing/2014/main" val="204829037"/>
-                  </a:ext>
-                </a:extLst>
-              </a:tr>
-              <a:tr h="544185">
-                <a:tc>
-                  <a:txBody>
-                    <a:bodyPr/>
-                    <a:lstStyle/>
-                    <a:p>
-                      <a:r>
-                        <a:rPr lang="en-AU" sz="1600" dirty="0" err="1">
-                          <a:latin typeface="Calibri" panose="020F0502020204030204" pitchFamily="34" charset="0"/>
-                          <a:cs typeface="Calibri" panose="020F0502020204030204" pitchFamily="34" charset="0"/>
-                        </a:rPr>
-                        <a:t>Alle</a:t>
-                      </a:r>
-                      <a:endParaRPr lang="en-AU" sz="1600" dirty="0">
-                        <a:latin typeface="Calibri" panose="020F0502020204030204" pitchFamily="34" charset="0"/>
-                        <a:cs typeface="Calibri" panose="020F0502020204030204" pitchFamily="34" charset="0"/>
-                      </a:endParaRPr>
-                    </a:p>
-                  </a:txBody>
-                  <a:tcPr/>
-                </a:tc>
-                <a:tc>
-                  <a:txBody>
-                    <a:bodyPr/>
-                    <a:lstStyle/>
-                    <a:p>
-                      <a:pPr marL="0" marR="0" lvl="0" indent="0" algn="l" defTabSz="457144" rtl="0" eaLnBrk="1" fontAlgn="auto" latinLnBrk="0" hangingPunct="1">
-                        <a:lnSpc>
-                          <a:spcPct val="100000"/>
-                        </a:lnSpc>
-                        <a:spcBef>
-                          <a:spcPts val="0"/>
-                        </a:spcBef>
-                        <a:spcAft>
-                          <a:spcPts val="0"/>
-                        </a:spcAft>
-                        <a:buClrTx/>
-                        <a:buSzTx/>
-                        <a:buFontTx/>
-                        <a:buNone/>
-                        <a:tabLst/>
-                        <a:defRPr/>
-                      </a:pPr>
-                      <a:r>
-                        <a:rPr lang="en-AU" sz="1600" dirty="0" err="1">
-                          <a:solidFill>
-                            <a:schemeClr val="accent1"/>
-                          </a:solidFill>
-                          <a:latin typeface="+mn-lt"/>
-                          <a:cs typeface="Calibri" panose="020F0502020204030204" pitchFamily="34" charset="0"/>
-                        </a:rPr>
-                        <a:t>Wochentag</a:t>
-                      </a:r>
-                      <a:r>
-                        <a:rPr lang="en-AU" sz="1600" dirty="0">
-                          <a:solidFill>
-                            <a:schemeClr val="accent1"/>
-                          </a:solidFill>
-                          <a:latin typeface="+mn-lt"/>
-                          <a:cs typeface="Calibri" panose="020F0502020204030204" pitchFamily="34" charset="0"/>
-                        </a:rPr>
-                        <a:t> </a:t>
-                      </a:r>
-                      <a:r>
-                        <a:rPr lang="en-AU" sz="1600" dirty="0">
-                          <a:latin typeface="+mn-lt"/>
-                          <a:cs typeface="Calibri" panose="020F0502020204030204" pitchFamily="34" charset="0"/>
-                        </a:rPr>
-                        <a:t>+</a:t>
-                      </a:r>
-                      <a:r>
-                        <a:rPr lang="en-AU" sz="1600" dirty="0">
-                          <a:solidFill>
-                            <a:schemeClr val="accent1"/>
-                          </a:solidFill>
-                          <a:latin typeface="+mn-lt"/>
-                          <a:cs typeface="Calibri" panose="020F0502020204030204" pitchFamily="34" charset="0"/>
-                        </a:rPr>
-                        <a:t> </a:t>
-                      </a:r>
-                      <a:r>
-                        <a:rPr lang="en-AU" sz="1600" dirty="0" err="1">
-                          <a:solidFill>
-                            <a:schemeClr val="accent1"/>
-                          </a:solidFill>
-                          <a:latin typeface="+mn-lt"/>
-                          <a:cs typeface="Calibri" panose="020F0502020204030204" pitchFamily="34" charset="0"/>
-                        </a:rPr>
-                        <a:t>Jahreszeit</a:t>
-                      </a:r>
-                      <a:r>
-                        <a:rPr lang="en-AU" sz="1600" dirty="0">
-                          <a:solidFill>
-                            <a:schemeClr val="accent1"/>
-                          </a:solidFill>
-                          <a:latin typeface="+mn-lt"/>
-                          <a:cs typeface="Calibri" panose="020F0502020204030204" pitchFamily="34" charset="0"/>
-                        </a:rPr>
-                        <a:t> </a:t>
-                      </a:r>
-                      <a:r>
-                        <a:rPr lang="en-AU" sz="1600" dirty="0">
-                          <a:latin typeface="+mn-lt"/>
-                          <a:cs typeface="Calibri" panose="020F0502020204030204" pitchFamily="34" charset="0"/>
-                        </a:rPr>
-                        <a:t>+</a:t>
-                      </a:r>
-                      <a:r>
-                        <a:rPr lang="en-AU" sz="1600" dirty="0">
-                          <a:solidFill>
-                            <a:schemeClr val="accent1"/>
-                          </a:solidFill>
-                          <a:latin typeface="+mn-lt"/>
-                          <a:cs typeface="Calibri" panose="020F0502020204030204" pitchFamily="34" charset="0"/>
-                        </a:rPr>
-                        <a:t> </a:t>
-                      </a:r>
-                      <a:r>
-                        <a:rPr lang="en-AU" sz="1600" dirty="0" err="1">
-                          <a:solidFill>
-                            <a:schemeClr val="accent1"/>
-                          </a:solidFill>
-                          <a:latin typeface="+mn-lt"/>
-                          <a:cs typeface="Calibri" panose="020F0502020204030204" pitchFamily="34" charset="0"/>
-                        </a:rPr>
-                        <a:t>KielerWoche</a:t>
-                      </a:r>
-                      <a:r>
-                        <a:rPr lang="en-AU" sz="1600" dirty="0">
-                          <a:solidFill>
-                            <a:schemeClr val="accent1"/>
-                          </a:solidFill>
-                          <a:latin typeface="+mn-lt"/>
-                          <a:cs typeface="Calibri" panose="020F0502020204030204" pitchFamily="34" charset="0"/>
-                        </a:rPr>
-                        <a:t> </a:t>
-                      </a:r>
-                      <a:r>
-                        <a:rPr lang="en-AU" sz="1600" dirty="0">
-                          <a:latin typeface="+mn-lt"/>
-                          <a:cs typeface="Calibri" panose="020F0502020204030204" pitchFamily="34" charset="0"/>
-                        </a:rPr>
-                        <a:t>+</a:t>
-                      </a:r>
-                      <a:r>
-                        <a:rPr lang="en-AU" sz="1600" dirty="0">
-                          <a:solidFill>
-                            <a:schemeClr val="accent1"/>
-                          </a:solidFill>
-                          <a:latin typeface="+mn-lt"/>
-                          <a:cs typeface="Calibri" panose="020F0502020204030204" pitchFamily="34" charset="0"/>
-                        </a:rPr>
-                        <a:t> </a:t>
-                      </a:r>
-                      <a:r>
-                        <a:rPr lang="en-AU" sz="1600" dirty="0" err="1">
-                          <a:solidFill>
-                            <a:schemeClr val="accent1"/>
-                          </a:solidFill>
-                          <a:latin typeface="+mn-lt"/>
-                          <a:cs typeface="Calibri" panose="020F0502020204030204" pitchFamily="34" charset="0"/>
-                        </a:rPr>
-                        <a:t>Schulferien</a:t>
-                      </a:r>
-                      <a:endParaRPr lang="en-AU" sz="1600" dirty="0">
-                        <a:solidFill>
-                          <a:schemeClr val="accent1"/>
-                        </a:solidFill>
-                        <a:latin typeface="+mn-lt"/>
-                        <a:cs typeface="Calibri" panose="020F0502020204030204" pitchFamily="34" charset="0"/>
-                      </a:endParaRPr>
-                    </a:p>
-                  </a:txBody>
-                  <a:tcPr/>
-                </a:tc>
-                <a:tc>
-                  <a:txBody>
-                    <a:bodyPr/>
-                    <a:lstStyle/>
-                    <a:p>
-                      <a:pPr marL="0" marR="0" lvl="0" indent="0" algn="l" defTabSz="457144" rtl="0" eaLnBrk="1" fontAlgn="auto" latinLnBrk="0" hangingPunct="1">
-                        <a:lnSpc>
-                          <a:spcPct val="100000"/>
-                        </a:lnSpc>
-                        <a:spcBef>
-                          <a:spcPts val="0"/>
-                        </a:spcBef>
-                        <a:spcAft>
-                          <a:spcPts val="0"/>
-                        </a:spcAft>
-                        <a:buClrTx/>
-                        <a:buSzTx/>
-                        <a:buFontTx/>
-                        <a:buNone/>
-                        <a:tabLst/>
-                        <a:defRPr/>
-                      </a:pPr>
-                      <a:r>
-                        <a:rPr lang="en-GB" sz="1600" dirty="0">
-                          <a:latin typeface="+mn-lt"/>
-                          <a:cs typeface="Calibri" panose="020F0502020204030204" pitchFamily="34" charset="0"/>
-                        </a:rPr>
-                        <a:t>25,73 </a:t>
-                      </a:r>
-                      <a:endParaRPr lang="en-AU" sz="1600" dirty="0">
-                        <a:latin typeface="+mn-lt"/>
-                        <a:cs typeface="Calibri" panose="020F0502020204030204" pitchFamily="34" charset="0"/>
-                      </a:endParaRPr>
-                    </a:p>
-                  </a:txBody>
-                  <a:tcPr/>
-                </a:tc>
-                <a:tc>
-                  <a:txBody>
-                    <a:bodyPr/>
-                    <a:lstStyle/>
-                    <a:p>
-                      <a:r>
-                        <a:rPr lang="en-DE" sz="1600" dirty="0"/>
-                        <a:t>25,65</a:t>
-                      </a:r>
-                      <a:endParaRPr lang="en-AU" sz="1600" dirty="0"/>
-                    </a:p>
-                  </a:txBody>
-                  <a:tcPr/>
-                </a:tc>
-                <a:extLst>
-                  <a:ext uri="{0D108BD9-81ED-4DB2-BD59-A6C34878D82A}">
-                    <a16:rowId xmlns:a16="http://schemas.microsoft.com/office/drawing/2014/main" val="574108463"/>
-                  </a:ext>
-                </a:extLst>
-              </a:tr>
-              <a:tr h="544185">
-                <a:tc>
-                  <a:txBody>
-                    <a:bodyPr/>
-                    <a:lstStyle/>
-                    <a:p>
-                      <a:r>
-                        <a:rPr lang="en-AU" sz="1600" dirty="0"/>
-                        <a:t>1</a:t>
-                      </a:r>
-                    </a:p>
-                  </a:txBody>
-                  <a:tcPr/>
-                </a:tc>
-                <a:tc>
-                  <a:txBody>
-                    <a:bodyPr/>
-                    <a:lstStyle/>
-                    <a:p>
-                      <a:r>
-                        <a:rPr lang="en-AU" sz="1600" dirty="0" err="1">
-                          <a:solidFill>
-                            <a:schemeClr val="accent1"/>
-                          </a:solidFill>
-                        </a:rPr>
-                        <a:t>Wochentag</a:t>
-                      </a:r>
-                      <a:r>
-                        <a:rPr lang="en-AU" sz="1600" dirty="0">
-                          <a:solidFill>
-                            <a:schemeClr val="accent1"/>
-                          </a:solidFill>
-                        </a:rPr>
-                        <a:t> </a:t>
-                      </a:r>
-                      <a:r>
-                        <a:rPr lang="en-AU" sz="1600" dirty="0"/>
-                        <a:t>+</a:t>
-                      </a:r>
-                      <a:r>
-                        <a:rPr lang="en-AU" sz="1600" dirty="0">
-                          <a:solidFill>
-                            <a:schemeClr val="accent1"/>
-                          </a:solidFill>
-                        </a:rPr>
-                        <a:t> </a:t>
-                      </a:r>
-                      <a:r>
-                        <a:rPr lang="en-AU" sz="1600" dirty="0" err="1">
-                          <a:solidFill>
-                            <a:schemeClr val="accent1"/>
-                          </a:solidFill>
-                        </a:rPr>
-                        <a:t>Jahreszeit</a:t>
-                      </a:r>
-                      <a:r>
-                        <a:rPr lang="en-AU" sz="1600" dirty="0">
-                          <a:solidFill>
-                            <a:schemeClr val="accent1"/>
-                          </a:solidFill>
-                        </a:rPr>
-                        <a:t> </a:t>
-                      </a:r>
-                      <a:r>
-                        <a:rPr lang="en-AU" sz="1600" dirty="0"/>
-                        <a:t>+</a:t>
-                      </a:r>
-                      <a:r>
-                        <a:rPr lang="en-AU" sz="1600" dirty="0">
-                          <a:solidFill>
-                            <a:schemeClr val="accent1"/>
-                          </a:solidFill>
-                        </a:rPr>
-                        <a:t> </a:t>
-                      </a:r>
-                      <a:r>
-                        <a:rPr lang="en-AU" sz="1600" dirty="0" err="1">
-                          <a:solidFill>
-                            <a:schemeClr val="accent1"/>
-                          </a:solidFill>
-                        </a:rPr>
-                        <a:t>KielerWoche</a:t>
-                      </a:r>
-                      <a:r>
-                        <a:rPr lang="en-AU" sz="1600" dirty="0">
-                          <a:solidFill>
-                            <a:schemeClr val="accent1"/>
-                          </a:solidFill>
-                        </a:rPr>
-                        <a:t> </a:t>
-                      </a:r>
-                      <a:r>
-                        <a:rPr lang="en-AU" sz="1600" dirty="0"/>
-                        <a:t>+</a:t>
-                      </a:r>
-                      <a:r>
-                        <a:rPr lang="en-AU" sz="1600" dirty="0">
-                          <a:solidFill>
-                            <a:schemeClr val="accent1"/>
-                          </a:solidFill>
-                        </a:rPr>
-                        <a:t> </a:t>
-                      </a:r>
-                      <a:r>
-                        <a:rPr lang="en-AU" sz="1600" dirty="0" err="1">
-                          <a:solidFill>
-                            <a:schemeClr val="accent1"/>
-                          </a:solidFill>
-                        </a:rPr>
-                        <a:t>Schulferien</a:t>
-                      </a:r>
-                      <a:endParaRPr lang="en-AU" sz="1600" dirty="0">
-                        <a:solidFill>
-                          <a:schemeClr val="accent1"/>
-                        </a:solidFill>
-                      </a:endParaRPr>
-                    </a:p>
-                    <a:p>
-                      <a:r>
-                        <a:rPr lang="en-AU" sz="1600" dirty="0"/>
-                        <a:t>+ </a:t>
-                      </a:r>
-                      <a:r>
-                        <a:rPr lang="en-AU" sz="1600" dirty="0" err="1">
-                          <a:solidFill>
-                            <a:schemeClr val="accent2"/>
-                          </a:solidFill>
-                        </a:rPr>
-                        <a:t>Feiertag</a:t>
-                      </a:r>
-                      <a:endParaRPr lang="en-AU" sz="1600" dirty="0">
-                        <a:solidFill>
-                          <a:schemeClr val="accent2"/>
-                        </a:solidFill>
-                      </a:endParaRPr>
-                    </a:p>
-                  </a:txBody>
-                  <a:tcPr/>
-                </a:tc>
-                <a:tc>
-                  <a:txBody>
-                    <a:bodyPr/>
-                    <a:lstStyle/>
-                    <a:p>
-                      <a:r>
-                        <a:rPr lang="en-DE" sz="1600" dirty="0"/>
-                        <a:t>18,43</a:t>
-                      </a:r>
-                    </a:p>
-                  </a:txBody>
-                  <a:tcPr/>
-                </a:tc>
-                <a:tc>
-                  <a:txBody>
-                    <a:bodyPr/>
-                    <a:lstStyle/>
-                    <a:p>
-                      <a:r>
-                        <a:rPr lang="en-DE" sz="1600" dirty="0"/>
-                        <a:t>20,29</a:t>
-                      </a:r>
-                      <a:endParaRPr lang="en-AU" sz="1600" dirty="0"/>
-                    </a:p>
-                  </a:txBody>
-                  <a:tcPr/>
-                </a:tc>
-                <a:extLst>
-                  <a:ext uri="{0D108BD9-81ED-4DB2-BD59-A6C34878D82A}">
-                    <a16:rowId xmlns:a16="http://schemas.microsoft.com/office/drawing/2014/main" val="3426599036"/>
-                  </a:ext>
-                </a:extLst>
-              </a:tr>
-              <a:tr h="544185">
-                <a:tc>
-                  <a:txBody>
-                    <a:bodyPr/>
-                    <a:lstStyle/>
-                    <a:p>
-                      <a:r>
-                        <a:rPr lang="en-AU" sz="1600" dirty="0"/>
-                        <a:t>2</a:t>
-                      </a:r>
-                    </a:p>
-                  </a:txBody>
-                  <a:tcPr/>
-                </a:tc>
-                <a:tc>
-                  <a:txBody>
-                    <a:bodyPr/>
-                    <a:lstStyle/>
-                    <a:p>
-                      <a:r>
-                        <a:rPr lang="en-AU" sz="1600" dirty="0" err="1">
-                          <a:solidFill>
-                            <a:schemeClr val="accent1"/>
-                          </a:solidFill>
-                        </a:rPr>
-                        <a:t>Wochentag</a:t>
-                      </a:r>
-                      <a:r>
-                        <a:rPr lang="en-AU" sz="1600" dirty="0">
-                          <a:solidFill>
-                            <a:schemeClr val="accent1"/>
-                          </a:solidFill>
-                        </a:rPr>
-                        <a:t> </a:t>
-                      </a:r>
-                      <a:r>
-                        <a:rPr lang="en-AU" sz="1600" dirty="0"/>
-                        <a:t>+</a:t>
-                      </a:r>
-                      <a:r>
-                        <a:rPr lang="en-AU" sz="1600" dirty="0">
-                          <a:solidFill>
-                            <a:schemeClr val="accent1"/>
-                          </a:solidFill>
-                        </a:rPr>
-                        <a:t> </a:t>
-                      </a:r>
-                      <a:r>
-                        <a:rPr lang="en-AU" sz="1600" dirty="0" err="1">
-                          <a:solidFill>
-                            <a:schemeClr val="accent1"/>
-                          </a:solidFill>
-                        </a:rPr>
-                        <a:t>Jahreszeit</a:t>
-                      </a:r>
-                      <a:r>
-                        <a:rPr lang="en-AU" sz="1600" dirty="0">
-                          <a:solidFill>
-                            <a:schemeClr val="accent1"/>
-                          </a:solidFill>
-                        </a:rPr>
-                        <a:t> </a:t>
-                      </a:r>
-                      <a:r>
-                        <a:rPr lang="en-AU" sz="1600" dirty="0"/>
-                        <a:t>+</a:t>
-                      </a:r>
-                      <a:r>
-                        <a:rPr lang="en-AU" sz="1600" dirty="0">
-                          <a:solidFill>
-                            <a:schemeClr val="accent1"/>
-                          </a:solidFill>
-                        </a:rPr>
-                        <a:t> </a:t>
-                      </a:r>
-                      <a:r>
-                        <a:rPr lang="en-AU" sz="1600" dirty="0" err="1">
-                          <a:solidFill>
-                            <a:schemeClr val="accent1"/>
-                          </a:solidFill>
-                        </a:rPr>
-                        <a:t>KielerWoche</a:t>
-                      </a:r>
-                      <a:r>
-                        <a:rPr lang="en-AU" sz="1600" dirty="0">
-                          <a:solidFill>
-                            <a:schemeClr val="accent1"/>
-                          </a:solidFill>
-                        </a:rPr>
-                        <a:t> </a:t>
-                      </a:r>
-                      <a:r>
-                        <a:rPr lang="en-AU" sz="1600" dirty="0"/>
-                        <a:t>+</a:t>
-                      </a:r>
-                      <a:r>
-                        <a:rPr lang="en-AU" sz="1600" dirty="0">
-                          <a:solidFill>
-                            <a:schemeClr val="accent1"/>
-                          </a:solidFill>
-                        </a:rPr>
-                        <a:t> </a:t>
-                      </a:r>
-                      <a:r>
-                        <a:rPr lang="en-AU" sz="1600" dirty="0" err="1">
-                          <a:solidFill>
-                            <a:schemeClr val="accent1"/>
-                          </a:solidFill>
-                        </a:rPr>
-                        <a:t>Schulferien</a:t>
-                      </a:r>
-                      <a:endParaRPr lang="en-AU" sz="1600" dirty="0">
-                        <a:solidFill>
-                          <a:schemeClr val="accent1"/>
-                        </a:solidFill>
-                      </a:endParaRPr>
-                    </a:p>
-                    <a:p>
-                      <a:r>
-                        <a:rPr lang="en-AU" sz="1600" dirty="0"/>
-                        <a:t>+ </a:t>
-                      </a:r>
-                      <a:r>
-                        <a:rPr lang="en-AU" sz="1600" dirty="0">
-                          <a:solidFill>
-                            <a:schemeClr val="accent3"/>
-                          </a:solidFill>
-                        </a:rPr>
-                        <a:t>Monat</a:t>
-                      </a:r>
-                    </a:p>
-                  </a:txBody>
-                  <a:tcPr/>
-                </a:tc>
-                <a:tc>
-                  <a:txBody>
-                    <a:bodyPr/>
-                    <a:lstStyle/>
-                    <a:p>
-                      <a:r>
-                        <a:rPr lang="en-DE" sz="1600" dirty="0"/>
-                        <a:t>15,17 </a:t>
-                      </a:r>
-                    </a:p>
-                  </a:txBody>
-                  <a:tcPr/>
-                </a:tc>
-                <a:tc>
-                  <a:txBody>
-                    <a:bodyPr/>
-                    <a:lstStyle/>
-                    <a:p>
-                      <a:r>
-                        <a:rPr lang="en-DE" sz="1600" dirty="0"/>
-                        <a:t>14,89</a:t>
-                      </a:r>
-                      <a:endParaRPr lang="en-AU" sz="1600" dirty="0"/>
-                    </a:p>
-                  </a:txBody>
-                  <a:tcPr/>
-                </a:tc>
-                <a:extLst>
-                  <a:ext uri="{0D108BD9-81ED-4DB2-BD59-A6C34878D82A}">
-                    <a16:rowId xmlns:a16="http://schemas.microsoft.com/office/drawing/2014/main" val="983178364"/>
-                  </a:ext>
-                </a:extLst>
-              </a:tr>
-              <a:tr h="544185">
-                <a:tc>
-                  <a:txBody>
-                    <a:bodyPr/>
-                    <a:lstStyle/>
-                    <a:p>
-                      <a:r>
-                        <a:rPr lang="en-AU" sz="1600" dirty="0"/>
-                        <a:t>3</a:t>
-                      </a:r>
-                    </a:p>
-                  </a:txBody>
-                  <a:tcPr/>
-                </a:tc>
-                <a:tc>
-                  <a:txBody>
-                    <a:bodyPr/>
-                    <a:lstStyle/>
-                    <a:p>
-                      <a:pPr marL="0" marR="0" lvl="0" indent="0" algn="l" defTabSz="457144" rtl="0" eaLnBrk="1" fontAlgn="auto" latinLnBrk="0" hangingPunct="1">
-                        <a:lnSpc>
-                          <a:spcPct val="100000"/>
-                        </a:lnSpc>
-                        <a:spcBef>
-                          <a:spcPts val="0"/>
-                        </a:spcBef>
-                        <a:spcAft>
-                          <a:spcPts val="0"/>
-                        </a:spcAft>
-                        <a:buClrTx/>
-                        <a:buSzTx/>
-                        <a:buFontTx/>
-                        <a:buNone/>
-                        <a:tabLst/>
-                        <a:defRPr/>
-                      </a:pPr>
-                      <a:r>
-                        <a:rPr lang="en-AU" sz="1600" dirty="0" err="1">
-                          <a:solidFill>
-                            <a:schemeClr val="accent1"/>
-                          </a:solidFill>
-                        </a:rPr>
-                        <a:t>Wochentag</a:t>
-                      </a:r>
-                      <a:r>
-                        <a:rPr lang="en-AU" sz="1600" dirty="0">
-                          <a:solidFill>
-                            <a:schemeClr val="accent1"/>
-                          </a:solidFill>
-                        </a:rPr>
-                        <a:t> </a:t>
-                      </a:r>
-                      <a:r>
-                        <a:rPr lang="en-AU" sz="1600" dirty="0"/>
-                        <a:t>+</a:t>
-                      </a:r>
-                      <a:r>
-                        <a:rPr lang="en-AU" sz="1600" dirty="0">
-                          <a:solidFill>
-                            <a:schemeClr val="accent1"/>
-                          </a:solidFill>
-                        </a:rPr>
-                        <a:t> </a:t>
-                      </a:r>
-                      <a:r>
-                        <a:rPr lang="en-AU" sz="1600" dirty="0" err="1">
-                          <a:solidFill>
-                            <a:schemeClr val="accent1"/>
-                          </a:solidFill>
-                        </a:rPr>
-                        <a:t>Jahreszeit</a:t>
-                      </a:r>
-                      <a:r>
-                        <a:rPr lang="en-AU" sz="1600" dirty="0">
-                          <a:solidFill>
-                            <a:schemeClr val="accent1"/>
-                          </a:solidFill>
-                        </a:rPr>
-                        <a:t> </a:t>
-                      </a:r>
-                      <a:r>
-                        <a:rPr lang="en-AU" sz="1600" dirty="0"/>
-                        <a:t>+ </a:t>
-                      </a:r>
-                      <a:r>
-                        <a:rPr lang="en-AU" sz="1600" dirty="0" err="1">
-                          <a:solidFill>
-                            <a:schemeClr val="accent1"/>
-                          </a:solidFill>
-                        </a:rPr>
-                        <a:t>KielerWoche</a:t>
-                      </a:r>
-                      <a:r>
-                        <a:rPr lang="en-AU" sz="1600" dirty="0">
-                          <a:solidFill>
-                            <a:schemeClr val="accent1"/>
-                          </a:solidFill>
-                        </a:rPr>
-                        <a:t> </a:t>
-                      </a:r>
-                      <a:r>
-                        <a:rPr lang="en-AU" sz="1600" dirty="0"/>
-                        <a:t>+ </a:t>
-                      </a:r>
-                      <a:r>
-                        <a:rPr lang="en-AU" sz="1600" dirty="0" err="1">
-                          <a:solidFill>
-                            <a:schemeClr val="accent1"/>
-                          </a:solidFill>
-                        </a:rPr>
-                        <a:t>Schulferien</a:t>
-                      </a:r>
-                      <a:endParaRPr lang="en-AU" sz="1600" dirty="0">
-                        <a:solidFill>
-                          <a:schemeClr val="accent1"/>
-                        </a:solidFill>
-                      </a:endParaRPr>
-                    </a:p>
-                    <a:p>
-                      <a:pPr marL="0" marR="0" lvl="0" indent="0" algn="l" defTabSz="457144" rtl="0" eaLnBrk="1" fontAlgn="auto" latinLnBrk="0" hangingPunct="1">
-                        <a:lnSpc>
-                          <a:spcPct val="100000"/>
-                        </a:lnSpc>
-                        <a:spcBef>
-                          <a:spcPts val="0"/>
-                        </a:spcBef>
-                        <a:spcAft>
-                          <a:spcPts val="0"/>
-                        </a:spcAft>
-                        <a:buClrTx/>
-                        <a:buSzTx/>
-                        <a:buFontTx/>
-                        <a:buNone/>
-                        <a:tabLst/>
-                        <a:defRPr/>
-                      </a:pPr>
-                      <a:r>
-                        <a:rPr lang="en-AU" sz="1600" dirty="0"/>
-                        <a:t>+ </a:t>
-                      </a:r>
-                      <a:r>
-                        <a:rPr lang="en-AU" sz="1600" dirty="0" err="1">
-                          <a:solidFill>
-                            <a:schemeClr val="accent2"/>
-                          </a:solidFill>
-                        </a:rPr>
-                        <a:t>Feiertag</a:t>
-                      </a:r>
-                      <a:r>
-                        <a:rPr lang="en-AU" sz="1600" dirty="0">
-                          <a:solidFill>
-                            <a:schemeClr val="accent2"/>
-                          </a:solidFill>
-                        </a:rPr>
-                        <a:t> </a:t>
-                      </a:r>
-                      <a:r>
-                        <a:rPr lang="en-AU" sz="1600" dirty="0"/>
-                        <a:t>+ </a:t>
-                      </a:r>
-                      <a:r>
-                        <a:rPr lang="en-AU" sz="1600" dirty="0">
-                          <a:solidFill>
-                            <a:schemeClr val="accent3"/>
-                          </a:solidFill>
-                        </a:rPr>
-                        <a:t>Monat</a:t>
-                      </a:r>
-                    </a:p>
-                  </a:txBody>
-                  <a:tcPr/>
-                </a:tc>
-                <a:tc>
-                  <a:txBody>
-                    <a:bodyPr/>
-                    <a:lstStyle/>
-                    <a:p>
-                      <a:r>
-                        <a:rPr lang="en-DE" sz="1600" dirty="0"/>
-                        <a:t>19,93</a:t>
-                      </a:r>
-                    </a:p>
-                  </a:txBody>
-                  <a:tcPr/>
-                </a:tc>
-                <a:tc>
-                  <a:txBody>
-                    <a:bodyPr/>
-                    <a:lstStyle/>
-                    <a:p>
-                      <a:r>
-                        <a:rPr lang="en-DE" sz="1600" dirty="0"/>
-                        <a:t>20,95</a:t>
-                      </a:r>
-                      <a:endParaRPr lang="en-AU" sz="1600" dirty="0"/>
-                    </a:p>
-                  </a:txBody>
-                  <a:tcPr/>
-                </a:tc>
-                <a:extLst>
-                  <a:ext uri="{0D108BD9-81ED-4DB2-BD59-A6C34878D82A}">
-                    <a16:rowId xmlns:a16="http://schemas.microsoft.com/office/drawing/2014/main" val="824714965"/>
-                  </a:ext>
-                </a:extLst>
-              </a:tr>
-              <a:tr h="544185">
-                <a:tc>
-                  <a:txBody>
-                    <a:bodyPr/>
-                    <a:lstStyle/>
-                    <a:p>
-                      <a:r>
-                        <a:rPr lang="en-AU" sz="1600" dirty="0"/>
-                        <a:t>4</a:t>
-                      </a:r>
-                    </a:p>
-                  </a:txBody>
-                  <a:tcPr/>
-                </a:tc>
-                <a:tc>
-                  <a:txBody>
-                    <a:bodyPr/>
-                    <a:lstStyle/>
-                    <a:p>
-                      <a:pPr marL="0" marR="0" lvl="0" indent="0" algn="l" defTabSz="457144" rtl="0" eaLnBrk="1" fontAlgn="auto" latinLnBrk="0" hangingPunct="1">
-                        <a:lnSpc>
-                          <a:spcPct val="100000"/>
-                        </a:lnSpc>
-                        <a:spcBef>
-                          <a:spcPts val="0"/>
-                        </a:spcBef>
-                        <a:spcAft>
-                          <a:spcPts val="0"/>
-                        </a:spcAft>
-                        <a:buClrTx/>
-                        <a:buSzTx/>
-                        <a:buFontTx/>
-                        <a:buNone/>
-                        <a:tabLst/>
-                        <a:defRPr/>
-                      </a:pPr>
-                      <a:r>
-                        <a:rPr lang="en-AU" sz="1600" dirty="0" err="1">
-                          <a:solidFill>
-                            <a:schemeClr val="accent1"/>
-                          </a:solidFill>
-                        </a:rPr>
-                        <a:t>Wochentag</a:t>
-                      </a:r>
-                      <a:r>
-                        <a:rPr lang="en-AU" sz="1600" dirty="0">
-                          <a:solidFill>
-                            <a:schemeClr val="accent1"/>
-                          </a:solidFill>
-                        </a:rPr>
-                        <a:t> </a:t>
-                      </a:r>
-                      <a:r>
-                        <a:rPr lang="en-AU" sz="1600" dirty="0"/>
-                        <a:t>+</a:t>
-                      </a:r>
-                      <a:r>
-                        <a:rPr lang="en-AU" sz="1600" dirty="0">
-                          <a:solidFill>
-                            <a:schemeClr val="accent1"/>
-                          </a:solidFill>
-                        </a:rPr>
-                        <a:t> </a:t>
-                      </a:r>
-                      <a:r>
-                        <a:rPr lang="en-AU" sz="1600" dirty="0" err="1">
-                          <a:solidFill>
-                            <a:schemeClr val="accent1"/>
-                          </a:solidFill>
-                        </a:rPr>
-                        <a:t>Jahreszeit</a:t>
-                      </a:r>
-                      <a:r>
-                        <a:rPr lang="en-AU" sz="1600" dirty="0">
-                          <a:solidFill>
-                            <a:schemeClr val="accent1"/>
-                          </a:solidFill>
-                        </a:rPr>
-                        <a:t> </a:t>
-                      </a:r>
-                      <a:r>
-                        <a:rPr lang="en-AU" sz="1600" dirty="0"/>
-                        <a:t>+</a:t>
-                      </a:r>
-                      <a:r>
-                        <a:rPr lang="en-AU" sz="1600" dirty="0">
-                          <a:solidFill>
-                            <a:schemeClr val="accent1"/>
-                          </a:solidFill>
-                        </a:rPr>
-                        <a:t> </a:t>
-                      </a:r>
-                      <a:r>
-                        <a:rPr lang="en-AU" sz="1600" dirty="0" err="1">
-                          <a:solidFill>
-                            <a:schemeClr val="accent1"/>
-                          </a:solidFill>
-                        </a:rPr>
-                        <a:t>KielerWoche</a:t>
-                      </a:r>
-                      <a:r>
-                        <a:rPr lang="en-AU" sz="1600" dirty="0">
-                          <a:solidFill>
-                            <a:schemeClr val="accent1"/>
-                          </a:solidFill>
-                        </a:rPr>
-                        <a:t> </a:t>
-                      </a:r>
-                      <a:r>
-                        <a:rPr lang="en-AU" sz="1600" dirty="0"/>
-                        <a:t>+</a:t>
-                      </a:r>
-                      <a:r>
-                        <a:rPr lang="en-AU" sz="1600" dirty="0">
-                          <a:solidFill>
-                            <a:schemeClr val="accent1"/>
-                          </a:solidFill>
-                        </a:rPr>
-                        <a:t> </a:t>
-                      </a:r>
-                      <a:r>
-                        <a:rPr lang="en-AU" sz="1600" dirty="0" err="1">
-                          <a:solidFill>
-                            <a:schemeClr val="accent1"/>
-                          </a:solidFill>
-                        </a:rPr>
-                        <a:t>Schulferien</a:t>
-                      </a:r>
-                      <a:endParaRPr lang="en-AU" sz="1600" dirty="0">
-                        <a:solidFill>
-                          <a:schemeClr val="accent1"/>
-                        </a:solidFill>
-                      </a:endParaRPr>
-                    </a:p>
-                    <a:p>
-                      <a:pPr marL="0" marR="0" lvl="0" indent="0" algn="l" defTabSz="457144" rtl="0" eaLnBrk="1" fontAlgn="auto" latinLnBrk="0" hangingPunct="1">
-                        <a:lnSpc>
-                          <a:spcPct val="100000"/>
-                        </a:lnSpc>
-                        <a:spcBef>
-                          <a:spcPts val="0"/>
-                        </a:spcBef>
-                        <a:spcAft>
-                          <a:spcPts val="0"/>
-                        </a:spcAft>
-                        <a:buClrTx/>
-                        <a:buSzTx/>
-                        <a:buFontTx/>
-                        <a:buNone/>
-                        <a:tabLst/>
-                        <a:defRPr/>
-                      </a:pPr>
-                      <a:r>
-                        <a:rPr lang="en-AU" sz="1600" dirty="0"/>
-                        <a:t>+ </a:t>
-                      </a:r>
-                      <a:r>
-                        <a:rPr lang="en-AU" sz="1600" dirty="0" err="1">
-                          <a:solidFill>
-                            <a:schemeClr val="accent2"/>
-                          </a:solidFill>
-                        </a:rPr>
-                        <a:t>Feiertag</a:t>
-                      </a:r>
-                      <a:r>
-                        <a:rPr lang="en-AU" sz="1600" dirty="0">
-                          <a:solidFill>
-                            <a:schemeClr val="accent2"/>
-                          </a:solidFill>
-                        </a:rPr>
-                        <a:t> </a:t>
-                      </a:r>
-                      <a:r>
-                        <a:rPr lang="en-AU" sz="1600" dirty="0"/>
-                        <a:t>+ </a:t>
-                      </a:r>
-                      <a:r>
-                        <a:rPr lang="en-AU" sz="1600" dirty="0">
-                          <a:solidFill>
-                            <a:schemeClr val="accent3"/>
-                          </a:solidFill>
-                        </a:rPr>
-                        <a:t>Monat</a:t>
-                      </a:r>
-                    </a:p>
-                  </a:txBody>
-                  <a:tcPr/>
-                </a:tc>
-                <a:tc>
-                  <a:txBody>
-                    <a:bodyPr/>
-                    <a:lstStyle/>
-                    <a:p>
-                      <a:r>
-                        <a:rPr lang="en-DE" sz="1600" dirty="0"/>
-                        <a:t>20,68</a:t>
-                      </a:r>
-                    </a:p>
-                  </a:txBody>
-                  <a:tcPr/>
-                </a:tc>
-                <a:tc>
-                  <a:txBody>
-                    <a:bodyPr/>
-                    <a:lstStyle/>
-                    <a:p>
-                      <a:r>
-                        <a:rPr lang="en-DE" sz="1600" dirty="0"/>
-                        <a:t>21,53</a:t>
-                      </a:r>
-                      <a:endParaRPr lang="en-AU" sz="1600" dirty="0"/>
-                    </a:p>
-                  </a:txBody>
-                  <a:tcPr/>
-                </a:tc>
-                <a:extLst>
-                  <a:ext uri="{0D108BD9-81ED-4DB2-BD59-A6C34878D82A}">
-                    <a16:rowId xmlns:a16="http://schemas.microsoft.com/office/drawing/2014/main" val="2574431977"/>
-                  </a:ext>
-                </a:extLst>
-              </a:tr>
-              <a:tr h="544185">
-                <a:tc>
-                  <a:txBody>
-                    <a:bodyPr/>
-                    <a:lstStyle/>
-                    <a:p>
-                      <a:r>
-                        <a:rPr lang="en-AU" sz="1600" dirty="0"/>
-                        <a:t>5</a:t>
-                      </a:r>
-                    </a:p>
-                  </a:txBody>
-                  <a:tcPr/>
-                </a:tc>
-                <a:tc>
-                  <a:txBody>
-                    <a:bodyPr/>
-                    <a:lstStyle/>
-                    <a:p>
-                      <a:r>
-                        <a:rPr lang="en-AU" sz="1600" dirty="0" err="1">
-                          <a:solidFill>
-                            <a:schemeClr val="accent1"/>
-                          </a:solidFill>
-                        </a:rPr>
-                        <a:t>Wochentag</a:t>
-                      </a:r>
-                      <a:r>
-                        <a:rPr lang="en-AU" sz="1600" dirty="0">
-                          <a:solidFill>
-                            <a:schemeClr val="accent1"/>
-                          </a:solidFill>
-                        </a:rPr>
-                        <a:t> </a:t>
-                      </a:r>
-                      <a:r>
-                        <a:rPr lang="en-AU" sz="1600" dirty="0"/>
-                        <a:t>+</a:t>
-                      </a:r>
-                      <a:r>
-                        <a:rPr lang="en-AU" sz="1600" dirty="0">
-                          <a:solidFill>
-                            <a:schemeClr val="accent1"/>
-                          </a:solidFill>
-                        </a:rPr>
-                        <a:t> </a:t>
-                      </a:r>
-                      <a:r>
-                        <a:rPr lang="en-AU" sz="1600" dirty="0" err="1">
-                          <a:solidFill>
-                            <a:schemeClr val="accent1"/>
-                          </a:solidFill>
-                        </a:rPr>
-                        <a:t>Jahreszeit</a:t>
-                      </a:r>
-                      <a:r>
-                        <a:rPr lang="en-AU" sz="1600" dirty="0">
-                          <a:solidFill>
-                            <a:schemeClr val="accent1"/>
-                          </a:solidFill>
-                        </a:rPr>
-                        <a:t> </a:t>
-                      </a:r>
-                      <a:r>
-                        <a:rPr lang="en-AU" sz="1600" dirty="0"/>
-                        <a:t>+</a:t>
-                      </a:r>
-                      <a:r>
-                        <a:rPr lang="en-AU" sz="1600" dirty="0">
-                          <a:solidFill>
-                            <a:schemeClr val="accent1"/>
-                          </a:solidFill>
-                        </a:rPr>
-                        <a:t> </a:t>
-                      </a:r>
-                      <a:r>
-                        <a:rPr lang="en-AU" sz="1600" dirty="0" err="1">
-                          <a:solidFill>
-                            <a:schemeClr val="accent1"/>
-                          </a:solidFill>
-                        </a:rPr>
-                        <a:t>KielerWoche</a:t>
-                      </a:r>
-                      <a:r>
-                        <a:rPr lang="en-AU" sz="1600" dirty="0">
-                          <a:solidFill>
-                            <a:schemeClr val="accent1"/>
-                          </a:solidFill>
-                        </a:rPr>
-                        <a:t> </a:t>
-                      </a:r>
-                      <a:r>
-                        <a:rPr lang="en-AU" sz="1600" dirty="0"/>
-                        <a:t>+ </a:t>
-                      </a:r>
-                      <a:r>
-                        <a:rPr lang="en-AU" sz="1600" dirty="0" err="1">
-                          <a:solidFill>
-                            <a:schemeClr val="accent1"/>
-                          </a:solidFill>
-                        </a:rPr>
-                        <a:t>Schulferien</a:t>
-                      </a:r>
-                      <a:r>
-                        <a:rPr lang="en-AU" sz="1600" dirty="0">
-                          <a:solidFill>
-                            <a:schemeClr val="accent1"/>
-                          </a:solidFill>
-                        </a:rPr>
-                        <a:t> </a:t>
-                      </a:r>
-                      <a:r>
-                        <a:rPr lang="en-AU" sz="1600" dirty="0"/>
-                        <a:t>+ </a:t>
-                      </a:r>
-                      <a:r>
-                        <a:rPr lang="en-AU" sz="1600" dirty="0" err="1">
-                          <a:solidFill>
-                            <a:schemeClr val="accent2"/>
-                          </a:solidFill>
-                        </a:rPr>
-                        <a:t>Feiertag</a:t>
-                      </a:r>
-                      <a:r>
-                        <a:rPr lang="en-AU" sz="1600" dirty="0">
-                          <a:solidFill>
-                            <a:schemeClr val="accent2"/>
-                          </a:solidFill>
-                        </a:rPr>
-                        <a:t> </a:t>
-                      </a:r>
-                      <a:r>
-                        <a:rPr lang="en-AU" sz="1600" dirty="0">
-                          <a:solidFill>
-                            <a:schemeClr val="tx1"/>
-                          </a:solidFill>
-                        </a:rPr>
-                        <a:t>+</a:t>
-                      </a:r>
-                      <a:r>
-                        <a:rPr lang="en-AU" sz="1600" dirty="0">
-                          <a:solidFill>
-                            <a:schemeClr val="accent2"/>
-                          </a:solidFill>
-                        </a:rPr>
-                        <a:t> </a:t>
-                      </a:r>
-                      <a:r>
-                        <a:rPr lang="en-AU" sz="1600" dirty="0">
-                          <a:solidFill>
-                            <a:schemeClr val="accent3"/>
-                          </a:solidFill>
-                        </a:rPr>
-                        <a:t>Monat</a:t>
-                      </a:r>
-                      <a:endParaRPr lang="en-AU" sz="1600" dirty="0"/>
-                    </a:p>
-                  </a:txBody>
-                  <a:tcPr/>
-                </a:tc>
-                <a:tc>
-                  <a:txBody>
-                    <a:bodyPr/>
-                    <a:lstStyle/>
-                    <a:p>
-                      <a:r>
-                        <a:rPr lang="en-DE" sz="1600" dirty="0"/>
-                        <a:t>14,27 </a:t>
-                      </a:r>
-                    </a:p>
-                  </a:txBody>
-                  <a:tcPr/>
-                </a:tc>
-                <a:tc>
-                  <a:txBody>
-                    <a:bodyPr/>
-                    <a:lstStyle/>
-                    <a:p>
-                      <a:r>
-                        <a:rPr lang="en-DE" sz="1600" dirty="0"/>
-                        <a:t>14,37</a:t>
-                      </a:r>
-                      <a:endParaRPr lang="en-AU" sz="1600" dirty="0"/>
-                    </a:p>
-                  </a:txBody>
-                  <a:tcPr/>
-                </a:tc>
-                <a:extLst>
-                  <a:ext uri="{0D108BD9-81ED-4DB2-BD59-A6C34878D82A}">
-                    <a16:rowId xmlns:a16="http://schemas.microsoft.com/office/drawing/2014/main" val="1253213471"/>
-                  </a:ext>
-                </a:extLst>
-              </a:tr>
-              <a:tr h="544185">
-                <a:tc>
-                  <a:txBody>
-                    <a:bodyPr/>
-                    <a:lstStyle/>
-                    <a:p>
-                      <a:r>
-                        <a:rPr lang="en-AU" sz="1600" dirty="0"/>
-                        <a:t>6</a:t>
-                      </a:r>
-                    </a:p>
-                  </a:txBody>
-                  <a:tcPr/>
-                </a:tc>
-                <a:tc>
-                  <a:txBody>
-                    <a:bodyPr/>
-                    <a:lstStyle/>
-                    <a:p>
-                      <a:r>
-                        <a:rPr lang="en-AU" sz="1600" dirty="0" err="1">
-                          <a:solidFill>
-                            <a:schemeClr val="accent1"/>
-                          </a:solidFill>
-                        </a:rPr>
-                        <a:t>Wochentag</a:t>
-                      </a:r>
-                      <a:r>
-                        <a:rPr lang="en-AU" sz="1600" dirty="0">
-                          <a:solidFill>
-                            <a:schemeClr val="accent1"/>
-                          </a:solidFill>
-                        </a:rPr>
-                        <a:t> </a:t>
-                      </a:r>
-                      <a:r>
-                        <a:rPr lang="en-AU" sz="1600" dirty="0"/>
-                        <a:t>+</a:t>
-                      </a:r>
-                      <a:r>
-                        <a:rPr lang="en-AU" sz="1600" dirty="0">
-                          <a:solidFill>
-                            <a:schemeClr val="accent1"/>
-                          </a:solidFill>
-                        </a:rPr>
-                        <a:t> </a:t>
-                      </a:r>
-                      <a:r>
-                        <a:rPr lang="en-AU" sz="1600" dirty="0" err="1">
-                          <a:solidFill>
-                            <a:schemeClr val="accent1"/>
-                          </a:solidFill>
-                        </a:rPr>
-                        <a:t>Jahreszeit</a:t>
-                      </a:r>
-                      <a:r>
-                        <a:rPr lang="en-AU" sz="1600" dirty="0">
-                          <a:solidFill>
-                            <a:schemeClr val="accent1"/>
-                          </a:solidFill>
-                        </a:rPr>
-                        <a:t> </a:t>
-                      </a:r>
-                      <a:r>
-                        <a:rPr lang="en-AU" sz="1600" dirty="0"/>
-                        <a:t>+</a:t>
-                      </a:r>
-                      <a:r>
-                        <a:rPr lang="en-AU" sz="1600" dirty="0">
-                          <a:solidFill>
-                            <a:schemeClr val="accent1"/>
-                          </a:solidFill>
-                        </a:rPr>
-                        <a:t> </a:t>
-                      </a:r>
-                      <a:r>
-                        <a:rPr lang="en-AU" sz="1600" dirty="0" err="1">
-                          <a:solidFill>
-                            <a:schemeClr val="accent1"/>
-                          </a:solidFill>
-                        </a:rPr>
-                        <a:t>KielerWoche</a:t>
-                      </a:r>
-                      <a:r>
-                        <a:rPr lang="en-AU" sz="1600" dirty="0">
-                          <a:solidFill>
-                            <a:schemeClr val="accent1"/>
-                          </a:solidFill>
-                        </a:rPr>
-                        <a:t> </a:t>
-                      </a:r>
-                      <a:r>
-                        <a:rPr lang="en-AU" sz="1600" dirty="0"/>
-                        <a:t>+</a:t>
-                      </a:r>
-                      <a:r>
-                        <a:rPr lang="en-AU" sz="1600" dirty="0">
-                          <a:solidFill>
-                            <a:schemeClr val="accent1"/>
-                          </a:solidFill>
-                        </a:rPr>
-                        <a:t> </a:t>
-                      </a:r>
-                      <a:r>
-                        <a:rPr lang="en-AU" sz="1600" dirty="0" err="1">
-                          <a:solidFill>
-                            <a:schemeClr val="accent1"/>
-                          </a:solidFill>
-                        </a:rPr>
-                        <a:t>Schulferien</a:t>
-                      </a:r>
-                      <a:endParaRPr lang="en-AU" sz="1600" dirty="0">
-                        <a:solidFill>
-                          <a:schemeClr val="accent1"/>
-                        </a:solidFill>
-                      </a:endParaRPr>
-                    </a:p>
-                    <a:p>
-                      <a:r>
-                        <a:rPr lang="en-AU" sz="1600" dirty="0"/>
-                        <a:t>+ </a:t>
-                      </a:r>
-                      <a:r>
-                        <a:rPr lang="en-AU" sz="1600" dirty="0">
-                          <a:solidFill>
-                            <a:schemeClr val="accent3"/>
-                          </a:solidFill>
-                        </a:rPr>
-                        <a:t>Monat </a:t>
-                      </a:r>
-                      <a:r>
-                        <a:rPr lang="en-AU" sz="1600" dirty="0"/>
-                        <a:t>+ </a:t>
-                      </a:r>
-                      <a:r>
-                        <a:rPr lang="en-AU" sz="1600" dirty="0" err="1">
-                          <a:solidFill>
-                            <a:schemeClr val="accent6"/>
-                          </a:solidFill>
-                        </a:rPr>
-                        <a:t>Verlängertes</a:t>
-                      </a:r>
-                      <a:r>
-                        <a:rPr lang="en-AU" sz="1600" dirty="0">
-                          <a:solidFill>
-                            <a:schemeClr val="accent6"/>
-                          </a:solidFill>
-                        </a:rPr>
-                        <a:t> </a:t>
-                      </a:r>
-                      <a:r>
-                        <a:rPr lang="en-AU" sz="1600" dirty="0" err="1">
-                          <a:solidFill>
-                            <a:schemeClr val="accent6"/>
-                          </a:solidFill>
-                        </a:rPr>
-                        <a:t>Wochenende</a:t>
-                      </a:r>
-                      <a:r>
-                        <a:rPr lang="en-AU" sz="1600" dirty="0">
-                          <a:solidFill>
-                            <a:schemeClr val="accent6"/>
-                          </a:solidFill>
-                        </a:rPr>
-                        <a:t> (Mo)</a:t>
-                      </a:r>
-                    </a:p>
-                  </a:txBody>
-                  <a:tcPr/>
-                </a:tc>
-                <a:tc>
-                  <a:txBody>
-                    <a:bodyPr/>
-                    <a:lstStyle/>
-                    <a:p>
-                      <a:pPr marL="0" marR="0" lvl="0" indent="0" algn="l" defTabSz="457144" rtl="0" eaLnBrk="1" fontAlgn="auto" latinLnBrk="0" hangingPunct="1">
-                        <a:lnSpc>
-                          <a:spcPct val="100000"/>
-                        </a:lnSpc>
-                        <a:spcBef>
-                          <a:spcPts val="0"/>
-                        </a:spcBef>
-                        <a:spcAft>
-                          <a:spcPts val="0"/>
-                        </a:spcAft>
-                        <a:buClrTx/>
-                        <a:buSzTx/>
-                        <a:buFontTx/>
-                        <a:buNone/>
-                        <a:tabLst/>
-                        <a:defRPr/>
-                      </a:pPr>
-                      <a:r>
-                        <a:rPr lang="en-DE" sz="1600" dirty="0"/>
-                        <a:t>37,87</a:t>
-                      </a:r>
-                      <a:endParaRPr lang="en-AU" sz="1600" dirty="0"/>
-                    </a:p>
-                  </a:txBody>
-                  <a:tcPr/>
-                </a:tc>
-                <a:tc>
-                  <a:txBody>
-                    <a:bodyPr/>
-                    <a:lstStyle/>
-                    <a:p>
-                      <a:r>
-                        <a:rPr lang="en-DE" sz="1600" dirty="0"/>
-                        <a:t>38,32</a:t>
-                      </a:r>
-                      <a:endParaRPr lang="en-AU" sz="1600" dirty="0"/>
-                    </a:p>
-                  </a:txBody>
-                  <a:tcPr/>
-                </a:tc>
-                <a:extLst>
-                  <a:ext uri="{0D108BD9-81ED-4DB2-BD59-A6C34878D82A}">
-                    <a16:rowId xmlns:a16="http://schemas.microsoft.com/office/drawing/2014/main" val="3521576117"/>
-                  </a:ext>
-                </a:extLst>
-              </a:tr>
-            </a:tbl>
-          </a:graphicData>
-        </a:graphic>
-      </p:graphicFrame>
+        </p:nvSpPr>
+        <p:spPr>
+          <a:xfrm>
+            <a:off x="0" y="150140"/>
+            <a:ext cx="9144000" cy="614564"/>
+          </a:xfrm>
+        </p:spPr>
+        <p:txBody>
+          <a:bodyPr/>
+          <a:lstStyle/>
+          <a:p>
+            <a:r>
+              <a:rPr lang="en-GB" sz="2800" dirty="0" err="1">
+                <a:latin typeface="Helvetica" pitchFamily="2" charset="0"/>
+              </a:rPr>
+              <a:t>Balkendiagrammen</a:t>
+            </a:r>
+            <a:r>
+              <a:rPr lang="en-GB" sz="2800" dirty="0">
+                <a:latin typeface="Helvetica" pitchFamily="2" charset="0"/>
+              </a:rPr>
+              <a:t> </a:t>
+            </a:r>
+            <a:r>
+              <a:rPr lang="en-GB" sz="2800" dirty="0" err="1">
+                <a:latin typeface="Helvetica" pitchFamily="2" charset="0"/>
+              </a:rPr>
+              <a:t>mit</a:t>
+            </a:r>
+            <a:r>
+              <a:rPr lang="en-GB" sz="2800" dirty="0">
+                <a:latin typeface="Helvetica" pitchFamily="2" charset="0"/>
+              </a:rPr>
+              <a:t> </a:t>
+            </a:r>
+            <a:r>
+              <a:rPr lang="en-GB" sz="2800" dirty="0" err="1">
+                <a:latin typeface="Helvetica" pitchFamily="2" charset="0"/>
+              </a:rPr>
+              <a:t>Konfidenzintervallen</a:t>
+            </a:r>
+            <a:r>
+              <a:rPr lang="en-GB" sz="2800" dirty="0">
+                <a:latin typeface="Helvetica" pitchFamily="2" charset="0"/>
+              </a:rPr>
+              <a:t> </a:t>
+            </a:r>
+            <a:r>
+              <a:rPr lang="en-GB" sz="2800" dirty="0" err="1">
+                <a:latin typeface="Helvetica" pitchFamily="2" charset="0"/>
+              </a:rPr>
+              <a:t>für</a:t>
+            </a:r>
+            <a:r>
+              <a:rPr lang="en-GB" sz="2800" dirty="0">
+                <a:latin typeface="Helvetica" pitchFamily="2" charset="0"/>
+              </a:rPr>
+              <a:t> </a:t>
+            </a:r>
+            <a:r>
+              <a:rPr lang="en-GB" sz="2800" dirty="0" err="1">
+                <a:latin typeface="Helvetica" pitchFamily="2" charset="0"/>
+              </a:rPr>
+              <a:t>zwei</a:t>
+            </a:r>
+            <a:r>
+              <a:rPr lang="en-GB" sz="2800" dirty="0">
+                <a:latin typeface="Helvetica" pitchFamily="2" charset="0"/>
+              </a:rPr>
+              <a:t> </a:t>
+            </a:r>
+            <a:r>
+              <a:rPr lang="en-GB" sz="2800" dirty="0" err="1">
+                <a:latin typeface="Helvetica" pitchFamily="2" charset="0"/>
+              </a:rPr>
+              <a:t>selbst</a:t>
+            </a:r>
+            <a:r>
+              <a:rPr lang="en-GB" sz="2800" dirty="0">
+                <a:latin typeface="Helvetica" pitchFamily="2" charset="0"/>
+              </a:rPr>
+              <a:t> </a:t>
+            </a:r>
+            <a:r>
+              <a:rPr lang="en-GB" sz="2800" dirty="0" err="1">
+                <a:latin typeface="Helvetica" pitchFamily="2" charset="0"/>
+              </a:rPr>
+              <a:t>erstellte</a:t>
+            </a:r>
+            <a:r>
+              <a:rPr lang="en-GB" sz="2800" dirty="0">
+                <a:latin typeface="Helvetica" pitchFamily="2" charset="0"/>
+              </a:rPr>
+              <a:t> </a:t>
+            </a:r>
+            <a:r>
+              <a:rPr lang="en-GB" sz="2800" dirty="0" err="1">
+                <a:latin typeface="Helvetica" pitchFamily="2" charset="0"/>
+              </a:rPr>
+              <a:t>Variablen</a:t>
+            </a:r>
+            <a:r>
+              <a:rPr lang="en-GB" sz="2800" dirty="0">
+                <a:latin typeface="Helvetica" pitchFamily="2" charset="0"/>
+              </a:rPr>
+              <a:t> (1/2)</a:t>
+            </a:r>
+            <a:endParaRPr lang="en-DE" dirty="0"/>
+          </a:p>
+        </p:txBody>
+      </p:sp>
+      <p:sp>
+        <p:nvSpPr>
+          <p:cNvPr id="4" name="Slide Number Placeholder 3">
+            <a:extLst>
+              <a:ext uri="{FF2B5EF4-FFF2-40B4-BE49-F238E27FC236}">
+                <a16:creationId xmlns:a16="http://schemas.microsoft.com/office/drawing/2014/main" id="{CABBCB4E-D1CE-1D4E-869C-8EC6318DDEBE}"/>
+              </a:ext>
+            </a:extLst>
+          </p:cNvPr>
+          <p:cNvSpPr>
+            <a:spLocks noGrp="1"/>
+          </p:cNvSpPr>
+          <p:nvPr>
+            <p:ph type="sldNum" sz="quarter" idx="12"/>
+          </p:nvPr>
+        </p:nvSpPr>
+        <p:spPr/>
+        <p:txBody>
+          <a:bodyPr/>
+          <a:lstStyle/>
+          <a:p>
+            <a:fld id="{DEED8D61-E8B6-E041-9D61-71A033DF76C2}" type="slidenum">
+              <a:rPr lang="de-DE" smtClean="0"/>
+              <a:pPr/>
+              <a:t>6</a:t>
+            </a:fld>
+            <a:endParaRPr lang="de-DE" dirty="0"/>
+          </a:p>
+        </p:txBody>
+      </p:sp>
       <p:pic>
         <p:nvPicPr>
-          <p:cNvPr id="11" name="Picture 10">
+          <p:cNvPr id="6" name="Picture 5">
             <a:extLst>
               <a:ext uri="{FF2B5EF4-FFF2-40B4-BE49-F238E27FC236}">
-                <a16:creationId xmlns:a16="http://schemas.microsoft.com/office/drawing/2014/main" id="{3F6E8886-F51F-7A44-B945-5171A38206B5}"/>
+                <a16:creationId xmlns:a16="http://schemas.microsoft.com/office/drawing/2014/main" id="{2B9F1A54-50AF-ED42-90D0-E5B8F675CF99}"/>
               </a:ext>
             </a:extLst>
           </p:cNvPr>
@@ -12918,21 +14659,15 @@
           <p:nvPr/>
         </p:nvPicPr>
         <p:blipFill>
-          <a:blip r:embed="rId4">
-            <a:extLst>
-              <a:ext uri="{28A0092B-C50C-407E-A947-70E740481C1C}">
-                <a14:useLocalDpi xmlns:a14="http://schemas.microsoft.com/office/drawing/2010/main" val="0"/>
-              </a:ext>
-            </a:extLst>
-          </a:blip>
+          <a:blip r:embed="rId3"/>
           <a:stretch>
             <a:fillRect/>
           </a:stretch>
         </p:blipFill>
         <p:spPr>
           <a:xfrm>
-            <a:off x="9226172" y="2924944"/>
-            <a:ext cx="1587500" cy="1727200"/>
+            <a:off x="0" y="1535301"/>
+            <a:ext cx="9144000" cy="3787398"/>
           </a:xfrm>
           <a:prstGeom prst="rect">
             <a:avLst/>
@@ -12941,84 +14676,193 @@
       </p:pic>
       <p:sp>
         <p:nvSpPr>
-          <p:cNvPr id="13" name="Rectangle 12">
+          <p:cNvPr id="3" name="TextBox 2">
             <a:extLst>
               <a:ext uri="{FF2B5EF4-FFF2-40B4-BE49-F238E27FC236}">
-                <a16:creationId xmlns:a16="http://schemas.microsoft.com/office/drawing/2014/main" id="{1E03AB1F-069B-BA48-93CC-89FB93CBA0E5}"/>
+                <a16:creationId xmlns:a16="http://schemas.microsoft.com/office/drawing/2014/main" id="{5A39030F-5BEF-6C45-A2AB-BA6BC5DD438B}"/>
               </a:ext>
             </a:extLst>
           </p:cNvPr>
-          <p:cNvSpPr/>
+          <p:cNvSpPr txBox="1"/>
           <p:nvPr/>
         </p:nvSpPr>
         <p:spPr>
           <a:xfrm>
-            <a:off x="256464" y="858198"/>
-            <a:ext cx="4675576" cy="338554"/>
+            <a:off x="3093928" y="917716"/>
+            <a:ext cx="3471804" cy="369332"/>
+          </a:xfrm>
+          <a:prstGeom prst="rect">
+            <a:avLst/>
+          </a:prstGeom>
+          <a:noFill/>
+        </p:spPr>
+        <p:txBody>
+          <a:bodyPr wrap="square" rtlCol="0">
+            <a:spAutoFit/>
+          </a:bodyPr>
+          <a:lstStyle/>
+          <a:p>
+            <a:r>
+              <a:rPr lang="en-DE" dirty="0"/>
+              <a:t>Warengruppe / Zeitvariablen</a:t>
+            </a:r>
+          </a:p>
+        </p:txBody>
+      </p:sp>
+    </p:spTree>
+    <p:extLst>
+      <p:ext uri="{BB962C8B-B14F-4D97-AF65-F5344CB8AC3E}">
+        <p14:creationId xmlns:p14="http://schemas.microsoft.com/office/powerpoint/2010/main" val="2331116160"/>
+      </p:ext>
+    </p:extLst>
+  </p:cSld>
+  <p:clrMapOvr>
+    <a:masterClrMapping/>
+  </p:clrMapOvr>
+</p:sld>
+</file>
+
+<file path=ppt/slides/slide7.xml><?xml version="1.0" encoding="utf-8"?>
+<p:sld xmlns:a="http://schemas.openxmlformats.org/drawingml/2006/main" xmlns:r="http://schemas.openxmlformats.org/officeDocument/2006/relationships" xmlns:p="http://schemas.openxmlformats.org/presentationml/2006/main">
+  <p:cSld>
+    <p:spTree>
+      <p:nvGrpSpPr>
+        <p:cNvPr id="1" name=""/>
+        <p:cNvGrpSpPr/>
+        <p:nvPr/>
+      </p:nvGrpSpPr>
+      <p:grpSpPr>
+        <a:xfrm>
+          <a:off x="0" y="0"/>
+          <a:ext cx="0" cy="0"/>
+          <a:chOff x="0" y="0"/>
+          <a:chExt cx="0" cy="0"/>
+        </a:xfrm>
+      </p:grpSpPr>
+      <p:sp>
+        <p:nvSpPr>
+          <p:cNvPr id="2" name="Title 1">
+            <a:extLst>
+              <a:ext uri="{FF2B5EF4-FFF2-40B4-BE49-F238E27FC236}">
+                <a16:creationId xmlns:a16="http://schemas.microsoft.com/office/drawing/2014/main" id="{3E427984-C3B9-E644-A599-E7E3290AF05F}"/>
+              </a:ext>
+            </a:extLst>
+          </p:cNvPr>
+          <p:cNvSpPr>
+            <a:spLocks noGrp="1"/>
+          </p:cNvSpPr>
+          <p:nvPr>
+            <p:ph type="title"/>
+          </p:nvPr>
+        </p:nvSpPr>
+        <p:spPr/>
+        <p:txBody>
+          <a:bodyPr/>
+          <a:lstStyle/>
+          <a:p>
+            <a:endParaRPr lang="en-DE"/>
+          </a:p>
+        </p:txBody>
+      </p:sp>
+      <p:sp>
+        <p:nvSpPr>
+          <p:cNvPr id="4" name="Slide Number Placeholder 3">
+            <a:extLst>
+              <a:ext uri="{FF2B5EF4-FFF2-40B4-BE49-F238E27FC236}">
+                <a16:creationId xmlns:a16="http://schemas.microsoft.com/office/drawing/2014/main" id="{9D1CFEBA-57A8-B541-B64A-3E7255379D35}"/>
+              </a:ext>
+            </a:extLst>
+          </p:cNvPr>
+          <p:cNvSpPr>
+            <a:spLocks noGrp="1"/>
+          </p:cNvSpPr>
+          <p:nvPr>
+            <p:ph type="sldNum" sz="quarter" idx="12"/>
+          </p:nvPr>
+        </p:nvSpPr>
+        <p:spPr/>
+        <p:txBody>
+          <a:bodyPr/>
+          <a:lstStyle/>
+          <a:p>
+            <a:fld id="{DEED8D61-E8B6-E041-9D61-71A033DF76C2}" type="slidenum">
+              <a:rPr lang="de-DE" smtClean="0"/>
+              <a:pPr/>
+              <a:t>7</a:t>
+            </a:fld>
+            <a:endParaRPr lang="de-DE" dirty="0"/>
+          </a:p>
+        </p:txBody>
+      </p:sp>
+      <p:pic>
+        <p:nvPicPr>
+          <p:cNvPr id="6" name="Picture 5">
+            <a:extLst>
+              <a:ext uri="{FF2B5EF4-FFF2-40B4-BE49-F238E27FC236}">
+                <a16:creationId xmlns:a16="http://schemas.microsoft.com/office/drawing/2014/main" id="{C385FC02-EE6F-944D-A999-C1D3BB918BC6}"/>
+              </a:ext>
+            </a:extLst>
+          </p:cNvPr>
+          <p:cNvPicPr>
+            <a:picLocks noChangeAspect="1"/>
+          </p:cNvPicPr>
+          <p:nvPr/>
+        </p:nvPicPr>
+        <p:blipFill>
+          <a:blip r:embed="rId3"/>
+          <a:stretch>
+            <a:fillRect/>
+          </a:stretch>
+        </p:blipFill>
+        <p:spPr>
+          <a:xfrm>
+            <a:off x="0" y="1560925"/>
+            <a:ext cx="9144000" cy="3736150"/>
           </a:xfrm>
           <a:prstGeom prst="rect">
             <a:avLst/>
           </a:prstGeom>
         </p:spPr>
-        <p:txBody>
-          <a:bodyPr wrap="square">
+      </p:pic>
+      <p:sp>
+        <p:nvSpPr>
+          <p:cNvPr id="7" name="TextBox 6">
+            <a:extLst>
+              <a:ext uri="{FF2B5EF4-FFF2-40B4-BE49-F238E27FC236}">
+                <a16:creationId xmlns:a16="http://schemas.microsoft.com/office/drawing/2014/main" id="{6674F3BE-D7D1-4549-A7D3-FB4E8601AFDB}"/>
+              </a:ext>
+            </a:extLst>
+          </p:cNvPr>
+          <p:cNvSpPr txBox="1"/>
+          <p:nvPr/>
+        </p:nvSpPr>
+        <p:spPr>
+          <a:xfrm>
+            <a:off x="3093928" y="917716"/>
+            <a:ext cx="3471804" cy="369332"/>
+          </a:xfrm>
+          <a:prstGeom prst="rect">
+            <a:avLst/>
+          </a:prstGeom>
+          <a:noFill/>
+        </p:spPr>
+        <p:txBody>
+          <a:bodyPr wrap="square" rtlCol="0">
             <a:spAutoFit/>
           </a:bodyPr>
           <a:lstStyle/>
           <a:p>
-            <a:pPr marL="0" lvl="1"/>
-            <a:r>
-              <a:rPr lang="en-GB" sz="1600" b="1" dirty="0" err="1">
-                <a:latin typeface="Helvetica" pitchFamily="2" charset="0"/>
-              </a:rPr>
-              <a:t>Sechs</a:t>
-            </a:r>
-            <a:r>
-              <a:rPr lang="en-GB" sz="1600" b="1" dirty="0">
-                <a:latin typeface="Helvetica" pitchFamily="2" charset="0"/>
-              </a:rPr>
-              <a:t> SVMs </a:t>
-            </a:r>
-            <a:r>
-              <a:rPr lang="en-GB" sz="1600" b="1" dirty="0" err="1">
-                <a:latin typeface="Helvetica" pitchFamily="2" charset="0"/>
-              </a:rPr>
-              <a:t>getrennt</a:t>
-            </a:r>
-            <a:r>
-              <a:rPr lang="en-GB" sz="1600" b="1" dirty="0">
-                <a:latin typeface="Helvetica" pitchFamily="2" charset="0"/>
-              </a:rPr>
-              <a:t> </a:t>
-            </a:r>
-            <a:r>
-              <a:rPr lang="en-GB" sz="1600" b="1" dirty="0" err="1">
-                <a:latin typeface="Helvetica" pitchFamily="2" charset="0"/>
-              </a:rPr>
-              <a:t>nach</a:t>
-            </a:r>
-            <a:r>
-              <a:rPr lang="en-GB" sz="1600" b="1" dirty="0">
-                <a:latin typeface="Helvetica" pitchFamily="2" charset="0"/>
-              </a:rPr>
-              <a:t> </a:t>
-            </a:r>
-            <a:r>
-              <a:rPr lang="en-GB" sz="1600" b="1" dirty="0" err="1">
-                <a:latin typeface="Helvetica" pitchFamily="2" charset="0"/>
-              </a:rPr>
-              <a:t>Warengruppen</a:t>
-            </a:r>
-            <a:endParaRPr lang="en-GB" sz="1600" b="1" dirty="0">
-              <a:latin typeface="Helvetica" pitchFamily="2" charset="0"/>
-            </a:endParaRPr>
+            <a:r>
+              <a:rPr lang="en-DE" dirty="0"/>
+              <a:t>Warengruppe / Wettervariablen</a:t>
+            </a:r>
           </a:p>
         </p:txBody>
       </p:sp>
     </p:spTree>
     <p:extLst>
       <p:ext uri="{BB962C8B-B14F-4D97-AF65-F5344CB8AC3E}">
-        <p14:creationId xmlns:p14="http://schemas.microsoft.com/office/powerpoint/2010/main" val="112424630"/>
+        <p14:creationId xmlns:p14="http://schemas.microsoft.com/office/powerpoint/2010/main" val="1966677026"/>
       </p:ext>
     </p:extLst>
   </p:cSld>
@@ -13047,107 +14891,35 @@
       </p:grpSpPr>
       <p:sp>
         <p:nvSpPr>
-          <p:cNvPr id="8194" name="Rectangle 2"/>
+          <p:cNvPr id="2" name="Title 1">
+            <a:extLst>
+              <a:ext uri="{FF2B5EF4-FFF2-40B4-BE49-F238E27FC236}">
+                <a16:creationId xmlns:a16="http://schemas.microsoft.com/office/drawing/2014/main" id="{3E427984-C3B9-E644-A599-E7E3290AF05F}"/>
+              </a:ext>
+            </a:extLst>
+          </p:cNvPr>
           <p:cNvSpPr>
-            <a:spLocks noGrp="1" noChangeArrowheads="1"/>
+            <a:spLocks noGrp="1"/>
           </p:cNvSpPr>
           <p:nvPr>
             <p:ph type="title"/>
           </p:nvPr>
         </p:nvSpPr>
-        <p:spPr>
-          <a:xfrm>
-            <a:off x="467544" y="44624"/>
-            <a:ext cx="8676456" cy="761999"/>
-          </a:xfrm>
-        </p:spPr>
-        <p:txBody>
-          <a:bodyPr anchor="ctr"/>
+        <p:spPr/>
+        <p:txBody>
+          <a:bodyPr/>
           <a:lstStyle/>
           <a:p>
-            <a:r>
-              <a:rPr lang="en-GB" sz="2400" dirty="0" err="1">
-                <a:latin typeface="Helvetica" pitchFamily="2" charset="0"/>
-              </a:rPr>
-              <a:t>Ergebnisse</a:t>
-            </a:r>
-            <a:r>
-              <a:rPr lang="en-GB" sz="2400" dirty="0">
-                <a:latin typeface="Helvetica" pitchFamily="2" charset="0"/>
-              </a:rPr>
-              <a:t> der </a:t>
-            </a:r>
-            <a:r>
-              <a:rPr lang="en-GB" sz="2400" dirty="0" err="1">
-                <a:latin typeface="Helvetica" pitchFamily="2" charset="0"/>
-              </a:rPr>
-              <a:t>Schätzung</a:t>
-            </a:r>
-            <a:r>
-              <a:rPr lang="en-GB" sz="2400" dirty="0">
-                <a:latin typeface="Helvetica" pitchFamily="2" charset="0"/>
-              </a:rPr>
-              <a:t> </a:t>
-            </a:r>
-            <a:r>
-              <a:rPr lang="en-GB" sz="2400" dirty="0" err="1">
-                <a:latin typeface="Helvetica" pitchFamily="2" charset="0"/>
-              </a:rPr>
-              <a:t>einer</a:t>
-            </a:r>
-            <a:r>
-              <a:rPr lang="en-GB" sz="2400" dirty="0">
-                <a:latin typeface="Helvetica" pitchFamily="2" charset="0"/>
-              </a:rPr>
-              <a:t> SVM</a:t>
-            </a:r>
-            <a:br>
-              <a:rPr lang="en-GB" sz="2400" dirty="0">
-                <a:latin typeface="Helvetica" pitchFamily="2" charset="0"/>
-              </a:rPr>
-            </a:br>
-            <a:r>
-              <a:rPr lang="en-GB" sz="2400" dirty="0">
-                <a:latin typeface="Helvetica" pitchFamily="2" charset="0"/>
-              </a:rPr>
-              <a:t> (</a:t>
-            </a:r>
-            <a:r>
-              <a:rPr lang="en-GB" sz="2400" dirty="0" err="1">
-                <a:latin typeface="Helvetica" pitchFamily="2" charset="0"/>
-              </a:rPr>
-              <a:t>Vorhersage</a:t>
-            </a:r>
-            <a:r>
-              <a:rPr lang="en-GB" sz="2400" dirty="0">
-                <a:latin typeface="Helvetica" pitchFamily="2" charset="0"/>
-              </a:rPr>
-              <a:t> </a:t>
-            </a:r>
-            <a:r>
-              <a:rPr lang="en-GB" sz="2400" dirty="0" err="1">
-                <a:latin typeface="Helvetica" pitchFamily="2" charset="0"/>
-              </a:rPr>
-              <a:t>für</a:t>
-            </a:r>
-            <a:r>
-              <a:rPr lang="en-GB" sz="2400" dirty="0">
-                <a:latin typeface="Helvetica" pitchFamily="2" charset="0"/>
-              </a:rPr>
-              <a:t> den 04.06.2019)</a:t>
-            </a:r>
-            <a:endParaRPr lang="en-GB" dirty="0">
-              <a:latin typeface="Helvetica" pitchFamily="2" charset="0"/>
-            </a:endParaRPr>
-          </a:p>
-        </p:txBody>
-      </p:sp>
-      <p:sp>
-        <p:nvSpPr>
-          <p:cNvPr id="3" name="Foliennummernplatzhalter 2">
+            <a:endParaRPr lang="en-DE"/>
+          </a:p>
+        </p:txBody>
+      </p:sp>
+      <p:sp>
+        <p:nvSpPr>
+          <p:cNvPr id="4" name="Slide Number Placeholder 3">
             <a:extLst>
               <a:ext uri="{FF2B5EF4-FFF2-40B4-BE49-F238E27FC236}">
-                <a16:creationId xmlns:a16="http://schemas.microsoft.com/office/drawing/2014/main" id="{356532F3-A40E-3544-BC28-367FA2E6B194}"/>
+                <a16:creationId xmlns:a16="http://schemas.microsoft.com/office/drawing/2014/main" id="{9D1CFEBA-57A8-B541-B64A-3E7255379D35}"/>
               </a:ext>
             </a:extLst>
           </p:cNvPr>
@@ -13172,89 +14944,75 @@
           </a:p>
         </p:txBody>
       </p:sp>
-      <p:sp>
-        <p:nvSpPr>
-          <p:cNvPr id="2" name="Fußzeilenplatzhalter 1">
+      <p:pic>
+        <p:nvPicPr>
+          <p:cNvPr id="3" name="Picture 2">
             <a:extLst>
               <a:ext uri="{FF2B5EF4-FFF2-40B4-BE49-F238E27FC236}">
-                <a16:creationId xmlns:a16="http://schemas.microsoft.com/office/drawing/2014/main" id="{1DC7A913-4F53-6346-8764-129A4373CFF4}"/>
+                <a16:creationId xmlns:a16="http://schemas.microsoft.com/office/drawing/2014/main" id="{FDDC5C4D-6128-7240-8F35-93219B81B25D}"/>
               </a:ext>
             </a:extLst>
           </p:cNvPr>
-          <p:cNvSpPr>
-            <a:spLocks noGrp="1"/>
-          </p:cNvSpPr>
-          <p:nvPr>
-            <p:ph type="ftr" sz="quarter" idx="11"/>
-          </p:nvPr>
-        </p:nvSpPr>
+          <p:cNvPicPr>
+            <a:picLocks noChangeAspect="1"/>
+          </p:cNvPicPr>
+          <p:nvPr/>
+        </p:nvPicPr>
+        <p:blipFill>
+          <a:blip r:embed="rId3"/>
+          <a:stretch>
+            <a:fillRect/>
+          </a:stretch>
+        </p:blipFill>
         <p:spPr>
           <a:xfrm>
-            <a:off x="2483768" y="6251510"/>
-            <a:ext cx="4081964" cy="365125"/>
-          </a:xfrm>
-        </p:spPr>
-        <p:txBody>
-          <a:bodyPr/>
-          <a:lstStyle/>
-          <a:p>
-            <a:endParaRPr lang="de-DE" sz="1400" dirty="0"/>
-          </a:p>
-        </p:txBody>
-      </p:sp>
-      <p:sp>
-        <p:nvSpPr>
-          <p:cNvPr id="8" name="Rechteck 4">
-            <a:extLst>
-              <a:ext uri="{FF2B5EF4-FFF2-40B4-BE49-F238E27FC236}">
-                <a16:creationId xmlns:a16="http://schemas.microsoft.com/office/drawing/2014/main" id="{1D0BF8D9-AC0F-F142-9C26-205384427EA2}"/>
-              </a:ext>
-            </a:extLst>
-          </p:cNvPr>
-          <p:cNvSpPr/>
-          <p:nvPr/>
-        </p:nvSpPr>
-        <p:spPr>
-          <a:xfrm>
-            <a:off x="107505" y="6093296"/>
-            <a:ext cx="2232247" cy="646331"/>
+            <a:off x="0" y="1175536"/>
+            <a:ext cx="9144000" cy="4506927"/>
           </a:xfrm>
           <a:prstGeom prst="rect">
             <a:avLst/>
           </a:prstGeom>
-          <a:ln>
-            <a:solidFill>
-              <a:schemeClr val="bg1"/>
-            </a:solidFill>
-          </a:ln>
         </p:spPr>
-        <p:style>
-          <a:lnRef idx="2">
-            <a:schemeClr val="dk1"/>
-          </a:lnRef>
-          <a:fillRef idx="1">
-            <a:schemeClr val="lt1"/>
-          </a:fillRef>
-          <a:effectRef idx="0">
-            <a:schemeClr val="dk1"/>
-          </a:effectRef>
-          <a:fontRef idx="minor">
-            <a:schemeClr val="dk1"/>
-          </a:fontRef>
-        </p:style>
-        <p:txBody>
-          <a:bodyPr rtlCol="0" anchor="ctr"/>
+      </p:pic>
+      <p:sp>
+        <p:nvSpPr>
+          <p:cNvPr id="6" name="TextBox 5">
+            <a:extLst>
+              <a:ext uri="{FF2B5EF4-FFF2-40B4-BE49-F238E27FC236}">
+                <a16:creationId xmlns:a16="http://schemas.microsoft.com/office/drawing/2014/main" id="{5D2E270B-B4B8-774C-9D88-8EC3769D952E}"/>
+              </a:ext>
+            </a:extLst>
+          </p:cNvPr>
+          <p:cNvSpPr txBox="1"/>
+          <p:nvPr/>
+        </p:nvSpPr>
+        <p:spPr>
+          <a:xfrm>
+            <a:off x="3124202" y="814280"/>
+            <a:ext cx="3471804" cy="369332"/>
+          </a:xfrm>
+          <a:prstGeom prst="rect">
+            <a:avLst/>
+          </a:prstGeom>
+          <a:noFill/>
+        </p:spPr>
+        <p:txBody>
+          <a:bodyPr wrap="square" rtlCol="0">
+            <a:spAutoFit/>
+          </a:bodyPr>
           <a:lstStyle/>
           <a:p>
-            <a:pPr algn="ctr"/>
-            <a:endParaRPr lang="de-DE"/>
+            <a:r>
+              <a:rPr lang="en-DE" dirty="0"/>
+              <a:t>Warengruppe / Zeitvariablen</a:t>
+            </a:r>
           </a:p>
         </p:txBody>
       </p:sp>
     </p:spTree>
     <p:extLst>
       <p:ext uri="{BB962C8B-B14F-4D97-AF65-F5344CB8AC3E}">
-        <p14:creationId xmlns:p14="http://schemas.microsoft.com/office/powerpoint/2010/main" val="3694742450"/>
+        <p14:creationId xmlns:p14="http://schemas.microsoft.com/office/powerpoint/2010/main" val="2066661803"/>
       </p:ext>
     </p:extLst>
   </p:cSld>
@@ -13283,129 +15041,35 @@
       </p:grpSpPr>
       <p:sp>
         <p:nvSpPr>
-          <p:cNvPr id="8194" name="Rectangle 2"/>
+          <p:cNvPr id="2" name="Title 1">
+            <a:extLst>
+              <a:ext uri="{FF2B5EF4-FFF2-40B4-BE49-F238E27FC236}">
+                <a16:creationId xmlns:a16="http://schemas.microsoft.com/office/drawing/2014/main" id="{3E427984-C3B9-E644-A599-E7E3290AF05F}"/>
+              </a:ext>
+            </a:extLst>
+          </p:cNvPr>
           <p:cNvSpPr>
-            <a:spLocks noGrp="1" noChangeArrowheads="1"/>
+            <a:spLocks noGrp="1"/>
           </p:cNvSpPr>
           <p:nvPr>
             <p:ph type="title"/>
           </p:nvPr>
         </p:nvSpPr>
-        <p:spPr>
-          <a:xfrm>
-            <a:off x="323528" y="44624"/>
-            <a:ext cx="8496944" cy="761999"/>
-          </a:xfrm>
-        </p:spPr>
-        <p:txBody>
-          <a:bodyPr anchor="ctr"/>
+        <p:spPr/>
+        <p:txBody>
+          <a:bodyPr/>
           <a:lstStyle/>
           <a:p>
-            <a:r>
-              <a:rPr lang="en-GB" sz="2000" dirty="0" err="1">
-                <a:latin typeface="Helvetica" pitchFamily="2" charset="0"/>
-              </a:rPr>
-              <a:t>Ergebnisse</a:t>
-            </a:r>
-            <a:r>
-              <a:rPr lang="en-GB" sz="2000" dirty="0">
-                <a:latin typeface="Helvetica" pitchFamily="2" charset="0"/>
-              </a:rPr>
-              <a:t> der </a:t>
-            </a:r>
-            <a:r>
-              <a:rPr lang="en-GB" sz="2000" dirty="0" err="1">
-                <a:latin typeface="Helvetica" pitchFamily="2" charset="0"/>
-              </a:rPr>
-              <a:t>Schätzung</a:t>
-            </a:r>
-            <a:r>
-              <a:rPr lang="en-GB" sz="2000" dirty="0">
-                <a:latin typeface="Helvetica" pitchFamily="2" charset="0"/>
-              </a:rPr>
-              <a:t> </a:t>
-            </a:r>
-            <a:r>
-              <a:rPr lang="en-GB" sz="2000" dirty="0" err="1">
-                <a:latin typeface="Helvetica" pitchFamily="2" charset="0"/>
-              </a:rPr>
-              <a:t>eines</a:t>
-            </a:r>
-            <a:r>
-              <a:rPr lang="en-GB" sz="2000" dirty="0">
-                <a:latin typeface="Helvetica" pitchFamily="2" charset="0"/>
-              </a:rPr>
-              <a:t> </a:t>
-            </a:r>
-            <a:r>
-              <a:rPr lang="en-GB" sz="2000" dirty="0" err="1">
-                <a:latin typeface="Helvetica" pitchFamily="2" charset="0"/>
-              </a:rPr>
-              <a:t>neuronalen</a:t>
-            </a:r>
-            <a:r>
-              <a:rPr lang="en-GB" sz="2000" dirty="0">
-                <a:latin typeface="Helvetica" pitchFamily="2" charset="0"/>
-              </a:rPr>
-              <a:t> </a:t>
-            </a:r>
-            <a:r>
-              <a:rPr lang="en-GB" sz="2000" dirty="0" err="1">
-                <a:latin typeface="Helvetica" pitchFamily="2" charset="0"/>
-              </a:rPr>
-              <a:t>Netzes</a:t>
-            </a:r>
-            <a:r>
-              <a:rPr lang="en-GB" sz="2000" dirty="0">
-                <a:latin typeface="Helvetica" pitchFamily="2" charset="0"/>
-              </a:rPr>
-              <a:t> (MAPE je </a:t>
-            </a:r>
-            <a:r>
-              <a:rPr lang="en-GB" sz="2000" dirty="0" err="1">
-                <a:latin typeface="Helvetica" pitchFamily="2" charset="0"/>
-              </a:rPr>
-              <a:t>Warengruppe</a:t>
-            </a:r>
-            <a:r>
-              <a:rPr lang="en-GB" sz="2000" dirty="0">
-                <a:latin typeface="Helvetica" pitchFamily="2" charset="0"/>
-              </a:rPr>
-              <a:t> und </a:t>
-            </a:r>
-            <a:r>
-              <a:rPr lang="en-GB" sz="2000" dirty="0" err="1">
-                <a:latin typeface="Helvetica" pitchFamily="2" charset="0"/>
-              </a:rPr>
-              <a:t>Warengruppenumsätze</a:t>
-            </a:r>
-            <a:r>
-              <a:rPr lang="en-GB" sz="2000" dirty="0">
-                <a:latin typeface="Helvetica" pitchFamily="2" charset="0"/>
-              </a:rPr>
-              <a:t> </a:t>
-            </a:r>
-            <a:r>
-              <a:rPr lang="en-GB" sz="2000" dirty="0" err="1">
-                <a:latin typeface="Helvetica" pitchFamily="2" charset="0"/>
-              </a:rPr>
-              <a:t>für</a:t>
-            </a:r>
-            <a:r>
-              <a:rPr lang="en-GB" sz="2000" dirty="0">
-                <a:latin typeface="Helvetica" pitchFamily="2" charset="0"/>
-              </a:rPr>
-              <a:t> den 04.06.2019)</a:t>
-            </a:r>
-          </a:p>
-        </p:txBody>
-      </p:sp>
-      <p:sp>
-        <p:nvSpPr>
-          <p:cNvPr id="3" name="Foliennummernplatzhalter 2">
+            <a:endParaRPr lang="en-DE"/>
+          </a:p>
+        </p:txBody>
+      </p:sp>
+      <p:sp>
+        <p:nvSpPr>
+          <p:cNvPr id="4" name="Slide Number Placeholder 3">
             <a:extLst>
               <a:ext uri="{FF2B5EF4-FFF2-40B4-BE49-F238E27FC236}">
-                <a16:creationId xmlns:a16="http://schemas.microsoft.com/office/drawing/2014/main" id="{356532F3-A40E-3544-BC28-367FA2E6B194}"/>
+                <a16:creationId xmlns:a16="http://schemas.microsoft.com/office/drawing/2014/main" id="{9D1CFEBA-57A8-B541-B64A-3E7255379D35}"/>
               </a:ext>
             </a:extLst>
           </p:cNvPr>
@@ -13430,89 +15094,40 @@
           </a:p>
         </p:txBody>
       </p:sp>
-      <p:sp>
-        <p:nvSpPr>
-          <p:cNvPr id="2" name="Fußzeilenplatzhalter 1">
+      <p:pic>
+        <p:nvPicPr>
+          <p:cNvPr id="6" name="Picture 5">
             <a:extLst>
               <a:ext uri="{FF2B5EF4-FFF2-40B4-BE49-F238E27FC236}">
-                <a16:creationId xmlns:a16="http://schemas.microsoft.com/office/drawing/2014/main" id="{1DC7A913-4F53-6346-8764-129A4373CFF4}"/>
+                <a16:creationId xmlns:a16="http://schemas.microsoft.com/office/drawing/2014/main" id="{20FE60FC-9EAB-8F47-A03B-E3615A00D16E}"/>
               </a:ext>
             </a:extLst>
           </p:cNvPr>
-          <p:cNvSpPr>
-            <a:spLocks noGrp="1"/>
-          </p:cNvSpPr>
-          <p:nvPr>
-            <p:ph type="ftr" sz="quarter" idx="11"/>
-          </p:nvPr>
-        </p:nvSpPr>
+          <p:cNvPicPr>
+            <a:picLocks noChangeAspect="1"/>
+          </p:cNvPicPr>
+          <p:nvPr/>
+        </p:nvPicPr>
+        <p:blipFill>
+          <a:blip r:embed="rId3"/>
+          <a:stretch>
+            <a:fillRect/>
+          </a:stretch>
+        </p:blipFill>
         <p:spPr>
           <a:xfrm>
-            <a:off x="2483768" y="6251510"/>
-            <a:ext cx="4081964" cy="365125"/>
-          </a:xfrm>
-        </p:spPr>
-        <p:txBody>
-          <a:bodyPr/>
-          <a:lstStyle/>
-          <a:p>
-            <a:endParaRPr lang="de-DE" sz="1400" dirty="0"/>
-          </a:p>
-        </p:txBody>
-      </p:sp>
-      <p:sp>
-        <p:nvSpPr>
-          <p:cNvPr id="8" name="Rechteck 4">
-            <a:extLst>
-              <a:ext uri="{FF2B5EF4-FFF2-40B4-BE49-F238E27FC236}">
-                <a16:creationId xmlns:a16="http://schemas.microsoft.com/office/drawing/2014/main" id="{1D0BF8D9-AC0F-F142-9C26-205384427EA2}"/>
-              </a:ext>
-            </a:extLst>
-          </p:cNvPr>
-          <p:cNvSpPr/>
-          <p:nvPr/>
-        </p:nvSpPr>
-        <p:spPr>
-          <a:xfrm>
-            <a:off x="107505" y="6093296"/>
-            <a:ext cx="2232247" cy="646331"/>
+            <a:off x="0" y="876022"/>
+            <a:ext cx="9144000" cy="5105956"/>
           </a:xfrm>
           <a:prstGeom prst="rect">
             <a:avLst/>
           </a:prstGeom>
-          <a:ln>
-            <a:solidFill>
-              <a:schemeClr val="bg1"/>
-            </a:solidFill>
-          </a:ln>
         </p:spPr>
-        <p:style>
-          <a:lnRef idx="2">
-            <a:schemeClr val="dk1"/>
-          </a:lnRef>
-          <a:fillRef idx="1">
-            <a:schemeClr val="lt1"/>
-          </a:fillRef>
-          <a:effectRef idx="0">
-            <a:schemeClr val="dk1"/>
-          </a:effectRef>
-          <a:fontRef idx="minor">
-            <a:schemeClr val="dk1"/>
-          </a:fontRef>
-        </p:style>
-        <p:txBody>
-          <a:bodyPr rtlCol="0" anchor="ctr"/>
-          <a:lstStyle/>
-          <a:p>
-            <a:pPr algn="ctr"/>
-            <a:endParaRPr lang="de-DE"/>
-          </a:p>
-        </p:txBody>
-      </p:sp>
+      </p:pic>
     </p:spTree>
     <p:extLst>
       <p:ext uri="{BB962C8B-B14F-4D97-AF65-F5344CB8AC3E}">
-        <p14:creationId xmlns:p14="http://schemas.microsoft.com/office/powerpoint/2010/main" val="1598717745"/>
+        <p14:creationId xmlns:p14="http://schemas.microsoft.com/office/powerpoint/2010/main" val="231598431"/>
       </p:ext>
     </p:extLst>
   </p:cSld>
